--- a/undergraduate/Presentation.pptx
+++ b/undergraduate/Presentation.pptx
@@ -7,6 +7,10 @@
   <p:sldIdLst>
     <p:sldId id="256" r:id="rId2"/>
     <p:sldId id="257" r:id="rId3"/>
+    <p:sldId id="263" r:id="rId4"/>
+    <p:sldId id="260" r:id="rId5"/>
+    <p:sldId id="265" r:id="rId6"/>
+    <p:sldId id="272" r:id="rId7"/>
   </p:sldIdLst>
   <p:sldSz cx="12192000" cy="6858000"/>
   <p:notesSz cx="6858000" cy="9144000"/>
@@ -105,7 +109,40 @@
       </a:defRPr>
     </a:lvl9pPr>
   </p:defaultTextStyle>
+  <p:extLst>
+    <p:ext uri="{EFAFB233-063F-42B5-8137-9DF3F51BA10A}">
+      <p15:sldGuideLst xmlns:p15="http://schemas.microsoft.com/office/powerpoint/2012/main"/>
+    </p:ext>
+  </p:extLst>
 </p:presentation>
+</file>
+
+<file path=ppt/ink/ink1.xml><?xml version="1.0" encoding="utf-8"?>
+<inkml:ink xmlns:inkml="http://www.w3.org/2003/InkML">
+  <inkml:definitions>
+    <inkml:context xml:id="ctx0">
+      <inkml:inkSource xml:id="inkSrc0">
+        <inkml:traceFormat>
+          <inkml:channel name="X" type="integer" min="-2.14748E9" max="2.14748E9" units="cm"/>
+          <inkml:channel name="Y" type="integer" min="-2.14748E9" max="2.14748E9" units="cm"/>
+          <inkml:channel name="F" type="integer" max="32767" units="dev"/>
+        </inkml:traceFormat>
+        <inkml:channelProperties>
+          <inkml:channelProperty channel="X" name="resolution" value="1000" units="1/cm"/>
+          <inkml:channelProperty channel="Y" name="resolution" value="1000" units="1/cm"/>
+          <inkml:channelProperty channel="F" name="resolution" value="0" units="1/dev"/>
+        </inkml:channelProperties>
+      </inkml:inkSource>
+      <inkml:timestamp xml:id="ts0" timeString="2023-12-27T14:01:35.805"/>
+    </inkml:context>
+    <inkml:brush xml:id="br0">
+      <inkml:brushProperty name="width" value="0.05" units="cm"/>
+      <inkml:brushProperty name="height" value="0.05" units="cm"/>
+      <inkml:brushProperty name="color" value="#FFFFFF"/>
+    </inkml:brush>
+  </inkml:definitions>
+  <inkml:trace contextRef="#ctx0" brushRef="#br0">362 278 24575,'-26'-18'0,"5"4"0,-9-8 0,12 9 0,6 4 0,5 1 0,7 3 0,2 0 0,3 2 0,3 1 0,2 0 0,1 2 0,-1 1 0,1 1 0,1 1 0,5 0 0,9-1 0,10-1 0,5 0 0,1-1 0,-6 0 0,-8 0 0,-9-3 0,-10-3 0,-4-3 0,-5-2 0,-5 0 0,-5 4 0,-3 1 0,-2 2 0,-4 3 0,-2 1 0,-3 0 0,-3 0 0,4 0 0,2 0 0,5 0 0,3 0 0,-2 0 0,-1 0 0,-2 0 0,-1-3 0,3 0 0,4-3 0,5 0 0,3 0 0,2 0 0,2 0 0,2 0 0,4 2 0,6 2 0,11 1 0,15 1 0,11 0 0,11 0 0,-2 0 0,-12 0 0,-9 0 0,-16 0 0,-12-2 0,-14 0 0,-8-1 0,-14-1 0,-11 1 0,-18-1 0,-21-1 0,-6 1 0,0 1 0,11-1 0,18 1 0,15 0 0,18 2 0,11 0 0,9 1 0,7 0 0,1 0 0,6 3 0,2 4 0,4 5 0,5 5 0,0 0 0,-4-3 0,-4-1 0,-4-3 0,-3 0 0,-5-2 0,-1 1 0,-5-3 0,0-4 0,-3-4 0,-2-5 0,-1-3 0,0 0 0,1 0 0,1 2 0,1 3 0,4 10 0,5 8 0,3 4 0,2-1 0,-4-5 0,-2-4 0,-5-3 0,-2-4 0,-8-8 0,-5-7 0,-2-5 0,-4-3 0,3 0 0,2 1 0,4 6 0,5 6 0,6 8 0,5 11 0,3 9 0,5 6 0,0-1 0,0-6 0,-2-4 0,-3-3 0,-1-4 0,-1-3 0,-1-9 0,-1-6 0,-1-3 0,0-1 0,0 6 0,3 5 0,5 6 0,10 7 0,8 4 0,6 1 0,4 0 0,-7-3 0,-6-4 0,-8-3 0,-6-5 0,-8-3 0,-12-3 0,-12-1 0,-8 1 0,-3 1 0,4-1 0,5 1 0,6-1 0,7 2 0,3-1 0,2 1 0,2 0 0,2-1 0,4 3 0,2-1 0,4 0 0,1 1 0,-1-3 0,-2 0 0,-3 0 0,-2-1 0,0 1 0,1 2 0,2 3 0,2 5 0,2 9 0,1 8 0,2 8 0,1 5 0,-2-1 0,-3-7 0,-3-5 0,-4-8 0,-4-7 0,-8-7 0,-10-13 0,-9-8 0,-2-4 0,2 1 0,8 7 0,8 8 0,4 3 0,8 4 0,3-2 0,8 2 0,4 0 0,5 2 0,2 2 0,0 0 0,0 0 0,0-1 0,4 1 0,2 2 0,1-1 0,0 1 0,-5 0 0,-8-2 0,-9 0 0,-21 0 0,-5 0 0,-16-1 0,2-1 0,3-1 0,6-2 0,9 0 0,6-1 0,8 1 0,7 2 0,4 1 0,4 2 0,3 0 0,1 1 0,2 1 0,-1 0 0,-2-1 0,-3 0 0,0 1 0,-2-1 0,-6-4 0,-9-3 0,-8-2 0,-4 1 0,0 2 0,2 3 0,4 1 0,7-1 0,5 1 0,8-2 0,4 2 0,4-1 0,3 0 0,1 2 0,-3 0 0,-2 0 0,-6 0 0,-6 1 0,-5 2 0,-4 0 0,-2 3 0,2 0 0,2 0 0,0 6 0,4-8 0,-2 3 0</inkml:trace>
+</inkml:ink>
 </file>
 
 <file path=ppt/slideLayouts/slideLayout1.xml><?xml version="1.0" encoding="utf-8"?>
@@ -257,7 +294,7 @@
           <a:p>
             <a:fld id="{57792C16-F24B-4F4E-9560-6BDEACC5E4F6}" type="datetimeFigureOut">
               <a:rPr lang="en-CN" smtClean="0"/>
-              <a:t>2023/12/17</a:t>
+              <a:t>2023/12/25</a:t>
             </a:fld>
             <a:endParaRPr lang="en-CN"/>
           </a:p>
@@ -457,7 +494,7 @@
           <a:p>
             <a:fld id="{57792C16-F24B-4F4E-9560-6BDEACC5E4F6}" type="datetimeFigureOut">
               <a:rPr lang="en-CN" smtClean="0"/>
-              <a:t>2023/12/17</a:t>
+              <a:t>2023/12/25</a:t>
             </a:fld>
             <a:endParaRPr lang="en-CN"/>
           </a:p>
@@ -667,7 +704,7 @@
           <a:p>
             <a:fld id="{57792C16-F24B-4F4E-9560-6BDEACC5E4F6}" type="datetimeFigureOut">
               <a:rPr lang="en-CN" smtClean="0"/>
-              <a:t>2023/12/17</a:t>
+              <a:t>2023/12/25</a:t>
             </a:fld>
             <a:endParaRPr lang="en-CN"/>
           </a:p>
@@ -867,7 +904,7 @@
           <a:p>
             <a:fld id="{57792C16-F24B-4F4E-9560-6BDEACC5E4F6}" type="datetimeFigureOut">
               <a:rPr lang="en-CN" smtClean="0"/>
-              <a:t>2023/12/17</a:t>
+              <a:t>2023/12/25</a:t>
             </a:fld>
             <a:endParaRPr lang="en-CN"/>
           </a:p>
@@ -1143,7 +1180,7 @@
           <a:p>
             <a:fld id="{57792C16-F24B-4F4E-9560-6BDEACC5E4F6}" type="datetimeFigureOut">
               <a:rPr lang="en-CN" smtClean="0"/>
-              <a:t>2023/12/17</a:t>
+              <a:t>2023/12/25</a:t>
             </a:fld>
             <a:endParaRPr lang="en-CN"/>
           </a:p>
@@ -1411,7 +1448,7 @@
           <a:p>
             <a:fld id="{57792C16-F24B-4F4E-9560-6BDEACC5E4F6}" type="datetimeFigureOut">
               <a:rPr lang="en-CN" smtClean="0"/>
-              <a:t>2023/12/17</a:t>
+              <a:t>2023/12/25</a:t>
             </a:fld>
             <a:endParaRPr lang="en-CN"/>
           </a:p>
@@ -1826,7 +1863,7 @@
           <a:p>
             <a:fld id="{57792C16-F24B-4F4E-9560-6BDEACC5E4F6}" type="datetimeFigureOut">
               <a:rPr lang="en-CN" smtClean="0"/>
-              <a:t>2023/12/17</a:t>
+              <a:t>2023/12/25</a:t>
             </a:fld>
             <a:endParaRPr lang="en-CN"/>
           </a:p>
@@ -1968,7 +2005,7 @@
           <a:p>
             <a:fld id="{57792C16-F24B-4F4E-9560-6BDEACC5E4F6}" type="datetimeFigureOut">
               <a:rPr lang="en-CN" smtClean="0"/>
-              <a:t>2023/12/17</a:t>
+              <a:t>2023/12/25</a:t>
             </a:fld>
             <a:endParaRPr lang="en-CN"/>
           </a:p>
@@ -2081,7 +2118,7 @@
           <a:p>
             <a:fld id="{57792C16-F24B-4F4E-9560-6BDEACC5E4F6}" type="datetimeFigureOut">
               <a:rPr lang="en-CN" smtClean="0"/>
-              <a:t>2023/12/17</a:t>
+              <a:t>2023/12/25</a:t>
             </a:fld>
             <a:endParaRPr lang="en-CN"/>
           </a:p>
@@ -2394,7 +2431,7 @@
           <a:p>
             <a:fld id="{57792C16-F24B-4F4E-9560-6BDEACC5E4F6}" type="datetimeFigureOut">
               <a:rPr lang="en-CN" smtClean="0"/>
-              <a:t>2023/12/17</a:t>
+              <a:t>2023/12/25</a:t>
             </a:fld>
             <a:endParaRPr lang="en-CN"/>
           </a:p>
@@ -2683,7 +2720,7 @@
           <a:p>
             <a:fld id="{57792C16-F24B-4F4E-9560-6BDEACC5E4F6}" type="datetimeFigureOut">
               <a:rPr lang="en-CN" smtClean="0"/>
-              <a:t>2023/12/17</a:t>
+              <a:t>2023/12/25</a:t>
             </a:fld>
             <a:endParaRPr lang="en-CN"/>
           </a:p>
@@ -2926,7 +2963,7 @@
           <a:p>
             <a:fld id="{57792C16-F24B-4F4E-9560-6BDEACC5E4F6}" type="datetimeFigureOut">
               <a:rPr lang="en-CN" smtClean="0"/>
-              <a:t>2023/12/17</a:t>
+              <a:t>2023/12/25</a:t>
             </a:fld>
             <a:endParaRPr lang="en-CN"/>
           </a:p>
@@ -3367,49 +3404,56 @@
         </p:spPr>
         <p:txBody>
           <a:bodyPr anchor="ctr">
-            <a:normAutofit fontScale="90000"/>
+            <a:normAutofit/>
           </a:bodyPr>
           <a:lstStyle/>
           <a:p>
             <a:r>
-              <a:rPr lang="en-CN" sz="4400" b="1" dirty="0"/>
-              <a:t>Analysis of Transposable Element Load in Wheat</a:t>
+              <a:rPr lang="en-CN" sz="4800" b="1" dirty="0"/>
+              <a:t>小麦转座子</a:t>
             </a:r>
+            <a:r>
+              <a:rPr lang="en-US" sz="4800" b="1" dirty="0" err="1"/>
+              <a:t>突变负荷解析</a:t>
+            </a:r>
+            <a:endParaRPr lang="en-CN" sz="4800" b="1" dirty="0"/>
           </a:p>
         </p:txBody>
       </p:sp>
       <p:sp>
         <p:nvSpPr>
-          <p:cNvPr id="3" name="Subtitle 2">
+          <p:cNvPr id="9" name="TextBox 8">
             <a:extLst>
               <a:ext uri="{FF2B5EF4-FFF2-40B4-BE49-F238E27FC236}">
-                <a16:creationId xmlns:a16="http://schemas.microsoft.com/office/drawing/2014/main" id="{EFEC7C7B-2667-9611-A83E-3F39FC2D7682}"/>
+                <a16:creationId xmlns:a16="http://schemas.microsoft.com/office/drawing/2014/main" id="{A2173E17-5AE5-E4D1-94D8-AB7A71AD58B9}"/>
               </a:ext>
             </a:extLst>
           </p:cNvPr>
-          <p:cNvSpPr>
-            <a:spLocks noGrp="1"/>
-          </p:cNvSpPr>
-          <p:nvPr>
-            <p:ph type="subTitle" idx="1"/>
-          </p:nvPr>
+          <p:cNvSpPr txBox="1"/>
+          <p:nvPr/>
         </p:nvSpPr>
         <p:spPr>
           <a:xfrm>
-            <a:off x="1524000" y="3863887"/>
-            <a:ext cx="9144000" cy="655983"/>
+            <a:off x="4715163" y="3888510"/>
+            <a:ext cx="2761672" cy="461665"/>
           </a:xfrm>
+          <a:prstGeom prst="rect">
+            <a:avLst/>
+          </a:prstGeom>
+          <a:noFill/>
         </p:spPr>
         <p:txBody>
-          <a:bodyPr anchor="ctr">
-            <a:normAutofit/>
+          <a:bodyPr wrap="square" rtlCol="0">
+            <a:spAutoFit/>
           </a:bodyPr>
           <a:lstStyle/>
           <a:p>
+            <a:pPr algn="ctr"/>
             <a:r>
-              <a:rPr lang="en-CN" sz="2800" dirty="0"/>
-              <a:t>Zheng Da</a:t>
+              <a:rPr lang="zh-CN" altLang="en-US" sz="2400" dirty="0"/>
+              <a:t>郑达</a:t>
             </a:r>
+            <a:endParaRPr lang="en-US" altLang="zh-CN" sz="2400" dirty="0"/>
           </a:p>
         </p:txBody>
       </p:sp>
@@ -3461,7 +3505,7 @@
         </p:nvSpPr>
         <p:spPr>
           <a:xfrm>
-            <a:off x="838200" y="84080"/>
+            <a:off x="720000" y="72000"/>
             <a:ext cx="10515600" cy="702716"/>
           </a:xfrm>
         </p:spPr>
@@ -3471,22 +3515,7565 @@
           </a:bodyPr>
           <a:lstStyle/>
           <a:p>
-            <a:pPr algn="ctr">
+            <a:pPr>
               <a:lnSpc>
                 <a:spcPct val="100000"/>
               </a:lnSpc>
             </a:pPr>
             <a:r>
               <a:rPr lang="en-CN" sz="3200" b="1" dirty="0"/>
-              <a:t>Reference Genome</a:t>
+              <a:t>课题背景</a:t>
             </a:r>
+          </a:p>
+        </p:txBody>
+      </p:sp>
+      <p:pic>
+        <p:nvPicPr>
+          <p:cNvPr id="6" name="Picture 5">
+            <a:extLst>
+              <a:ext uri="{FF2B5EF4-FFF2-40B4-BE49-F238E27FC236}">
+                <a16:creationId xmlns:a16="http://schemas.microsoft.com/office/drawing/2014/main" id="{E1917BDE-4E5D-0A35-3CA2-D47AF0D13E6B}"/>
+              </a:ext>
+            </a:extLst>
+          </p:cNvPr>
+          <p:cNvPicPr>
+            <a:picLocks noChangeAspect="1"/>
+          </p:cNvPicPr>
+          <p:nvPr/>
+        </p:nvPicPr>
+        <p:blipFill>
+          <a:blip r:embed="rId2"/>
+          <a:stretch>
+            <a:fillRect/>
+          </a:stretch>
+        </p:blipFill>
+        <p:spPr>
+          <a:xfrm>
+            <a:off x="720000" y="1109915"/>
+            <a:ext cx="4693105" cy="5452038"/>
+          </a:xfrm>
+          <a:prstGeom prst="rect">
+            <a:avLst/>
+          </a:prstGeom>
+        </p:spPr>
+      </p:pic>
+      <p:sp>
+        <p:nvSpPr>
+          <p:cNvPr id="7" name="TextBox 6">
+            <a:extLst>
+              <a:ext uri="{FF2B5EF4-FFF2-40B4-BE49-F238E27FC236}">
+                <a16:creationId xmlns:a16="http://schemas.microsoft.com/office/drawing/2014/main" id="{D3F7E999-C00F-EF7C-DDB0-22F8C18F6D8F}"/>
+              </a:ext>
+            </a:extLst>
+          </p:cNvPr>
+          <p:cNvSpPr txBox="1"/>
+          <p:nvPr/>
+        </p:nvSpPr>
+        <p:spPr>
+          <a:xfrm>
+            <a:off x="2281984" y="6509001"/>
+            <a:ext cx="1350420" cy="276999"/>
+          </a:xfrm>
+          <a:prstGeom prst="rect">
+            <a:avLst/>
+          </a:prstGeom>
+          <a:noFill/>
+        </p:spPr>
+        <p:txBody>
+          <a:bodyPr wrap="square" rtlCol="0">
+            <a:spAutoFit/>
+          </a:bodyPr>
+          <a:lstStyle/>
+          <a:p>
+            <a:pPr algn="ctr"/>
+            <a:r>
+              <a:rPr lang="en-US" sz="1200" dirty="0"/>
+              <a:t>Wicker et al., 2007</a:t>
+            </a:r>
+            <a:endParaRPr lang="en-CN" sz="1200" dirty="0"/>
+          </a:p>
+        </p:txBody>
+      </p:sp>
+      <p:grpSp>
+        <p:nvGrpSpPr>
+          <p:cNvPr id="16" name="Group 15">
+            <a:extLst>
+              <a:ext uri="{FF2B5EF4-FFF2-40B4-BE49-F238E27FC236}">
+                <a16:creationId xmlns:a16="http://schemas.microsoft.com/office/drawing/2014/main" id="{FF7B81FC-190C-C2FB-C119-721B8AF20C23}"/>
+              </a:ext>
+            </a:extLst>
+          </p:cNvPr>
+          <p:cNvGrpSpPr/>
+          <p:nvPr/>
+        </p:nvGrpSpPr>
+        <p:grpSpPr>
+          <a:xfrm>
+            <a:off x="6160623" y="1220806"/>
+            <a:ext cx="4939292" cy="2985104"/>
+            <a:chOff x="6120492" y="786796"/>
+            <a:chExt cx="4939292" cy="2985104"/>
+          </a:xfrm>
+        </p:grpSpPr>
+        <p:pic>
+          <p:nvPicPr>
+            <p:cNvPr id="13" name="Picture 12">
+              <a:extLst>
+                <a:ext uri="{FF2B5EF4-FFF2-40B4-BE49-F238E27FC236}">
+                  <a16:creationId xmlns:a16="http://schemas.microsoft.com/office/drawing/2014/main" id="{5B89A803-041D-2E7B-4ADC-FDC29D5CE1F8}"/>
+                </a:ext>
+              </a:extLst>
+            </p:cNvPr>
+            <p:cNvPicPr>
+              <a:picLocks noChangeAspect="1"/>
+            </p:cNvPicPr>
+            <p:nvPr/>
+          </p:nvPicPr>
+          <p:blipFill>
+            <a:blip r:embed="rId3"/>
+            <a:stretch>
+              <a:fillRect/>
+            </a:stretch>
+          </p:blipFill>
+          <p:spPr>
+            <a:xfrm>
+              <a:off x="6120492" y="786796"/>
+              <a:ext cx="2763009" cy="2985104"/>
+            </a:xfrm>
+            <a:prstGeom prst="rect">
+              <a:avLst/>
+            </a:prstGeom>
+          </p:spPr>
+        </p:pic>
+        <p:pic>
+          <p:nvPicPr>
+            <p:cNvPr id="14" name="Picture 13">
+              <a:extLst>
+                <a:ext uri="{FF2B5EF4-FFF2-40B4-BE49-F238E27FC236}">
+                  <a16:creationId xmlns:a16="http://schemas.microsoft.com/office/drawing/2014/main" id="{711481E1-B5BE-4162-1B45-01EA73AFDFB3}"/>
+                </a:ext>
+              </a:extLst>
+            </p:cNvPr>
+            <p:cNvPicPr>
+              <a:picLocks noChangeAspect="1"/>
+            </p:cNvPicPr>
+            <p:nvPr/>
+          </p:nvPicPr>
+          <p:blipFill>
+            <a:blip r:embed="rId4"/>
+            <a:stretch>
+              <a:fillRect/>
+            </a:stretch>
+          </p:blipFill>
+          <p:spPr>
+            <a:xfrm>
+              <a:off x="9402946" y="786796"/>
+              <a:ext cx="1504521" cy="1349801"/>
+            </a:xfrm>
+            <a:prstGeom prst="rect">
+              <a:avLst/>
+            </a:prstGeom>
+          </p:spPr>
+        </p:pic>
+        <p:pic>
+          <p:nvPicPr>
+            <p:cNvPr id="15" name="Picture 14">
+              <a:extLst>
+                <a:ext uri="{FF2B5EF4-FFF2-40B4-BE49-F238E27FC236}">
+                  <a16:creationId xmlns:a16="http://schemas.microsoft.com/office/drawing/2014/main" id="{03A4D745-D434-7DE8-934B-69A76CDC4710}"/>
+                </a:ext>
+              </a:extLst>
+            </p:cNvPr>
+            <p:cNvPicPr>
+              <a:picLocks noChangeAspect="1"/>
+            </p:cNvPicPr>
+            <p:nvPr/>
+          </p:nvPicPr>
+          <p:blipFill>
+            <a:blip r:embed="rId5"/>
+            <a:stretch>
+              <a:fillRect/>
+            </a:stretch>
+          </p:blipFill>
+          <p:spPr>
+            <a:xfrm>
+              <a:off x="9340054" y="2477516"/>
+              <a:ext cx="1719730" cy="1199674"/>
+            </a:xfrm>
+            <a:prstGeom prst="rect">
+              <a:avLst/>
+            </a:prstGeom>
+          </p:spPr>
+        </p:pic>
+      </p:grpSp>
+      <p:sp>
+        <p:nvSpPr>
+          <p:cNvPr id="20" name="TextBox 19">
+            <a:extLst>
+              <a:ext uri="{FF2B5EF4-FFF2-40B4-BE49-F238E27FC236}">
+                <a16:creationId xmlns:a16="http://schemas.microsoft.com/office/drawing/2014/main" id="{963D011A-15F5-1B84-F044-E48FE175F646}"/>
+              </a:ext>
+            </a:extLst>
+          </p:cNvPr>
+          <p:cNvSpPr txBox="1"/>
+          <p:nvPr/>
+        </p:nvSpPr>
+        <p:spPr>
+          <a:xfrm>
+            <a:off x="8217432" y="6494788"/>
+            <a:ext cx="1350420" cy="276999"/>
+          </a:xfrm>
+          <a:prstGeom prst="rect">
+            <a:avLst/>
+          </a:prstGeom>
+          <a:noFill/>
+        </p:spPr>
+        <p:txBody>
+          <a:bodyPr wrap="square" rtlCol="0">
+            <a:spAutoFit/>
+          </a:bodyPr>
+          <a:lstStyle/>
+          <a:p>
+            <a:pPr algn="ctr"/>
+            <a:r>
+              <a:rPr lang="en-US" sz="1200" dirty="0"/>
+              <a:t>Jiang</a:t>
+            </a:r>
+            <a:r>
+              <a:rPr lang="zh-CN" altLang="en-US" sz="1200" dirty="0"/>
+              <a:t> </a:t>
+            </a:r>
+            <a:r>
+              <a:rPr lang="en-US" altLang="zh-CN" sz="1200" dirty="0"/>
+              <a:t>et al. 2023</a:t>
+            </a:r>
+            <a:endParaRPr lang="en-CN" sz="1200" dirty="0"/>
+          </a:p>
+        </p:txBody>
+      </p:sp>
+      <p:sp>
+        <p:nvSpPr>
+          <p:cNvPr id="21" name="TextBox 20">
+            <a:extLst>
+              <a:ext uri="{FF2B5EF4-FFF2-40B4-BE49-F238E27FC236}">
+                <a16:creationId xmlns:a16="http://schemas.microsoft.com/office/drawing/2014/main" id="{8F4E608A-45F9-7112-0389-30E4E7DE66A2}"/>
+              </a:ext>
+            </a:extLst>
+          </p:cNvPr>
+          <p:cNvSpPr txBox="1"/>
+          <p:nvPr/>
+        </p:nvSpPr>
+        <p:spPr>
+          <a:xfrm>
+            <a:off x="6065667" y="801540"/>
+            <a:ext cx="3001823" cy="338554"/>
+          </a:xfrm>
+          <a:prstGeom prst="rect">
+            <a:avLst/>
+          </a:prstGeom>
+          <a:noFill/>
+        </p:spPr>
+        <p:txBody>
+          <a:bodyPr wrap="square" rtlCol="0">
+            <a:spAutoFit/>
+          </a:bodyPr>
+          <a:lstStyle/>
+          <a:p>
+            <a:r>
+              <a:rPr lang="en-US" altLang="zh-CN" sz="1600" b="1" dirty="0"/>
+              <a:t>2.</a:t>
+            </a:r>
+            <a:r>
+              <a:rPr lang="zh-CN" altLang="en-US" sz="1600" b="1" dirty="0"/>
+              <a:t> </a:t>
+            </a:r>
+            <a:r>
+              <a:rPr lang="en-US" sz="1600" b="1" dirty="0" err="1"/>
+              <a:t>转座子对基因组的突变作用</a:t>
+            </a:r>
+            <a:endParaRPr lang="en-CN" sz="1600" b="1" dirty="0"/>
+          </a:p>
+        </p:txBody>
+      </p:sp>
+      <p:sp>
+        <p:nvSpPr>
+          <p:cNvPr id="24" name="TextBox 23">
+            <a:extLst>
+              <a:ext uri="{FF2B5EF4-FFF2-40B4-BE49-F238E27FC236}">
+                <a16:creationId xmlns:a16="http://schemas.microsoft.com/office/drawing/2014/main" id="{0DEB6E9A-95E2-C47B-57EC-CB4810C82DEC}"/>
+              </a:ext>
+            </a:extLst>
+          </p:cNvPr>
+          <p:cNvSpPr txBox="1"/>
+          <p:nvPr/>
+        </p:nvSpPr>
+        <p:spPr>
+          <a:xfrm>
+            <a:off x="720000" y="771361"/>
+            <a:ext cx="2755165" cy="338554"/>
+          </a:xfrm>
+          <a:prstGeom prst="rect">
+            <a:avLst/>
+          </a:prstGeom>
+          <a:noFill/>
+        </p:spPr>
+        <p:txBody>
+          <a:bodyPr wrap="square" rtlCol="0">
+            <a:spAutoFit/>
+          </a:bodyPr>
+          <a:lstStyle/>
+          <a:p>
+            <a:r>
+              <a:rPr lang="en-US" altLang="zh-CN" sz="1600" b="1" dirty="0"/>
+              <a:t>1.</a:t>
+            </a:r>
+            <a:r>
+              <a:rPr lang="zh-CN" altLang="en-US" sz="1600" b="1" dirty="0"/>
+              <a:t> </a:t>
+            </a:r>
+            <a:r>
+              <a:rPr lang="en-US" sz="1600" b="1" dirty="0" err="1"/>
+              <a:t>转座子类型</a:t>
+            </a:r>
+            <a:endParaRPr lang="en-CN" sz="1600" b="1" dirty="0"/>
+          </a:p>
+        </p:txBody>
+      </p:sp>
+      <p:sp>
+        <p:nvSpPr>
+          <p:cNvPr id="25" name="TextBox 24">
+            <a:extLst>
+              <a:ext uri="{FF2B5EF4-FFF2-40B4-BE49-F238E27FC236}">
+                <a16:creationId xmlns:a16="http://schemas.microsoft.com/office/drawing/2014/main" id="{40EA268E-D44F-E89B-8A14-30EEBBCD691F}"/>
+              </a:ext>
+            </a:extLst>
+          </p:cNvPr>
+          <p:cNvSpPr txBox="1"/>
+          <p:nvPr/>
+        </p:nvSpPr>
+        <p:spPr>
+          <a:xfrm>
+            <a:off x="6065667" y="4280499"/>
+            <a:ext cx="4457406" cy="338554"/>
+          </a:xfrm>
+          <a:prstGeom prst="rect">
+            <a:avLst/>
+          </a:prstGeom>
+          <a:noFill/>
+        </p:spPr>
+        <p:txBody>
+          <a:bodyPr wrap="square" rtlCol="0">
+            <a:spAutoFit/>
+          </a:bodyPr>
+          <a:lstStyle/>
+          <a:p>
+            <a:r>
+              <a:rPr lang="en-US" altLang="zh-CN" sz="1600" b="1" dirty="0"/>
+              <a:t>3.</a:t>
+            </a:r>
+            <a:r>
+              <a:rPr lang="zh-CN" altLang="en-US" sz="1600" b="1" dirty="0"/>
+              <a:t> </a:t>
+            </a:r>
+            <a:r>
+              <a:rPr lang="en-US" sz="1600" b="1" dirty="0" err="1"/>
+              <a:t>转座子引起的突变负荷与物种扩张之间的关系</a:t>
+            </a:r>
+            <a:endParaRPr lang="en-CN" sz="1600" b="1" dirty="0"/>
+          </a:p>
+        </p:txBody>
+      </p:sp>
+      <p:grpSp>
+        <p:nvGrpSpPr>
+          <p:cNvPr id="30" name="Group 29">
+            <a:extLst>
+              <a:ext uri="{FF2B5EF4-FFF2-40B4-BE49-F238E27FC236}">
+                <a16:creationId xmlns:a16="http://schemas.microsoft.com/office/drawing/2014/main" id="{C65B9221-7CA3-5F04-AD0F-22D98AAE7DC0}"/>
+              </a:ext>
+            </a:extLst>
+          </p:cNvPr>
+          <p:cNvGrpSpPr/>
+          <p:nvPr/>
+        </p:nvGrpSpPr>
+        <p:grpSpPr>
+          <a:xfrm>
+            <a:off x="6065667" y="4700032"/>
+            <a:ext cx="5352756" cy="1776668"/>
+            <a:chOff x="6001044" y="4628688"/>
+            <a:chExt cx="5352756" cy="1776668"/>
+          </a:xfrm>
+        </p:grpSpPr>
+        <p:pic>
+          <p:nvPicPr>
+            <p:cNvPr id="26" name="Picture 25">
+              <a:extLst>
+                <a:ext uri="{FF2B5EF4-FFF2-40B4-BE49-F238E27FC236}">
+                  <a16:creationId xmlns:a16="http://schemas.microsoft.com/office/drawing/2014/main" id="{EAC76A05-AEF7-C82B-9F5F-A47E86A99B8B}"/>
+                </a:ext>
+              </a:extLst>
+            </p:cNvPr>
+            <p:cNvPicPr>
+              <a:picLocks noChangeAspect="1"/>
+            </p:cNvPicPr>
+            <p:nvPr/>
+          </p:nvPicPr>
+          <p:blipFill>
+            <a:blip r:embed="rId6"/>
+            <a:stretch>
+              <a:fillRect/>
+            </a:stretch>
+          </p:blipFill>
+          <p:spPr>
+            <a:xfrm>
+              <a:off x="6001044" y="4628689"/>
+              <a:ext cx="2952919" cy="1776667"/>
+            </a:xfrm>
+            <a:prstGeom prst="rect">
+              <a:avLst/>
+            </a:prstGeom>
+          </p:spPr>
+        </p:pic>
+        <p:pic>
+          <p:nvPicPr>
+            <p:cNvPr id="29" name="Picture 28">
+              <a:extLst>
+                <a:ext uri="{FF2B5EF4-FFF2-40B4-BE49-F238E27FC236}">
+                  <a16:creationId xmlns:a16="http://schemas.microsoft.com/office/drawing/2014/main" id="{B290A453-7735-6869-F3EC-3F143F99A96D}"/>
+                </a:ext>
+              </a:extLst>
+            </p:cNvPr>
+            <p:cNvPicPr>
+              <a:picLocks noChangeAspect="1"/>
+            </p:cNvPicPr>
+            <p:nvPr/>
+          </p:nvPicPr>
+          <p:blipFill>
+            <a:blip r:embed="rId7"/>
+            <a:stretch>
+              <a:fillRect/>
+            </a:stretch>
+          </p:blipFill>
+          <p:spPr>
+            <a:xfrm>
+              <a:off x="9031600" y="4628688"/>
+              <a:ext cx="2322200" cy="1776667"/>
+            </a:xfrm>
+            <a:prstGeom prst="rect">
+              <a:avLst/>
+            </a:prstGeom>
+          </p:spPr>
+        </p:pic>
+      </p:grpSp>
+      <mc:AlternateContent xmlns:mc="http://schemas.openxmlformats.org/markup-compatibility/2006">
+        <mc:Choice xmlns:p14="http://schemas.microsoft.com/office/powerpoint/2010/main" Requires="p14">
+          <p:contentPart p14:bwMode="auto" r:id="rId8">
+            <p14:nvContentPartPr>
+              <p14:cNvPr id="31" name="Ink 30">
+                <a:extLst>
+                  <a:ext uri="{FF2B5EF4-FFF2-40B4-BE49-F238E27FC236}">
+                    <a16:creationId xmlns:a16="http://schemas.microsoft.com/office/drawing/2014/main" id="{D340795C-2E1F-0245-2700-C7C5709CA84D}"/>
+                  </a:ext>
+                </a:extLst>
+              </p14:cNvPr>
+              <p14:cNvContentPartPr/>
+              <p14:nvPr/>
+            </p14:nvContentPartPr>
+            <p14:xfrm>
+              <a:off x="9067490" y="4679206"/>
+              <a:ext cx="223560" cy="100080"/>
+            </p14:xfrm>
+          </p:contentPart>
+        </mc:Choice>
+        <mc:Fallback>
+          <p:pic>
+            <p:nvPicPr>
+              <p:cNvPr id="31" name="Ink 30">
+                <a:extLst>
+                  <a:ext uri="{FF2B5EF4-FFF2-40B4-BE49-F238E27FC236}">
+                    <a16:creationId xmlns:a16="http://schemas.microsoft.com/office/drawing/2014/main" id="{D340795C-2E1F-0245-2700-C7C5709CA84D}"/>
+                  </a:ext>
+                </a:extLst>
+              </p:cNvPr>
+              <p:cNvPicPr/>
+              <p:nvPr/>
+            </p:nvPicPr>
+            <p:blipFill>
+              <a:blip r:embed="rId9"/>
+              <a:stretch>
+                <a:fillRect/>
+              </a:stretch>
+            </p:blipFill>
+            <p:spPr>
+              <a:xfrm>
+                <a:off x="9058490" y="4670566"/>
+                <a:ext cx="241200" cy="117720"/>
+              </a:xfrm>
+              <a:prstGeom prst="rect">
+                <a:avLst/>
+              </a:prstGeom>
+            </p:spPr>
+          </p:pic>
+        </mc:Fallback>
+      </mc:AlternateContent>
+    </p:spTree>
+    <p:extLst>
+      <p:ext uri="{BB962C8B-B14F-4D97-AF65-F5344CB8AC3E}">
+        <p14:creationId xmlns:p14="http://schemas.microsoft.com/office/powerpoint/2010/main" val="3651745136"/>
+      </p:ext>
+    </p:extLst>
+  </p:cSld>
+  <p:clrMapOvr>
+    <a:masterClrMapping/>
+  </p:clrMapOvr>
+</p:sld>
+</file>
+
+<file path=ppt/slides/slide3.xml><?xml version="1.0" encoding="utf-8"?>
+<p:sld xmlns:a="http://schemas.openxmlformats.org/drawingml/2006/main" xmlns:r="http://schemas.openxmlformats.org/officeDocument/2006/relationships" xmlns:p="http://schemas.openxmlformats.org/presentationml/2006/main">
+  <p:cSld>
+    <p:spTree>
+      <p:nvGrpSpPr>
+        <p:cNvPr id="1" name=""/>
+        <p:cNvGrpSpPr/>
+        <p:nvPr/>
+      </p:nvGrpSpPr>
+      <p:grpSpPr>
+        <a:xfrm>
+          <a:off x="0" y="0"/>
+          <a:ext cx="0" cy="0"/>
+          <a:chOff x="0" y="0"/>
+          <a:chExt cx="0" cy="0"/>
+        </a:xfrm>
+      </p:grpSpPr>
+      <p:sp>
+        <p:nvSpPr>
+          <p:cNvPr id="2" name="Title 1">
+            <a:extLst>
+              <a:ext uri="{FF2B5EF4-FFF2-40B4-BE49-F238E27FC236}">
+                <a16:creationId xmlns:a16="http://schemas.microsoft.com/office/drawing/2014/main" id="{5341E720-BBA7-60EC-E1C2-546E38BAD0B5}"/>
+              </a:ext>
+            </a:extLst>
+          </p:cNvPr>
+          <p:cNvSpPr>
+            <a:spLocks noGrp="1"/>
+          </p:cNvSpPr>
+          <p:nvPr>
+            <p:ph type="title"/>
+          </p:nvPr>
+        </p:nvSpPr>
+        <p:spPr>
+          <a:xfrm>
+            <a:off x="720000" y="72000"/>
+            <a:ext cx="10515600" cy="702716"/>
+          </a:xfrm>
+        </p:spPr>
+        <p:txBody>
+          <a:bodyPr>
+            <a:normAutofit/>
+          </a:bodyPr>
+          <a:lstStyle/>
+          <a:p>
+            <a:pPr>
+              <a:lnSpc>
+                <a:spcPct val="100000"/>
+              </a:lnSpc>
+            </a:pPr>
+            <a:r>
+              <a:rPr lang="en-US" sz="3200" b="1" dirty="0" err="1"/>
+              <a:t>研究方法</a:t>
+            </a:r>
+            <a:endParaRPr lang="en-CN" sz="3200" b="1" dirty="0"/>
+          </a:p>
+        </p:txBody>
+      </p:sp>
+      <p:pic>
+        <p:nvPicPr>
+          <p:cNvPr id="5" name="Picture 4">
+            <a:extLst>
+              <a:ext uri="{FF2B5EF4-FFF2-40B4-BE49-F238E27FC236}">
+                <a16:creationId xmlns:a16="http://schemas.microsoft.com/office/drawing/2014/main" id="{A6DCDD6B-A382-D3C8-A71B-1AA198AE9DA3}"/>
+              </a:ext>
+            </a:extLst>
+          </p:cNvPr>
+          <p:cNvPicPr>
+            <a:picLocks noChangeAspect="1"/>
+          </p:cNvPicPr>
+          <p:nvPr/>
+        </p:nvPicPr>
+        <p:blipFill>
+          <a:blip r:embed="rId2"/>
+          <a:stretch>
+            <a:fillRect/>
+          </a:stretch>
+        </p:blipFill>
+        <p:spPr>
+          <a:xfrm>
+            <a:off x="3066488" y="1871600"/>
+            <a:ext cx="4129012" cy="228375"/>
+          </a:xfrm>
+          <a:prstGeom prst="rect">
+            <a:avLst/>
+          </a:prstGeom>
+        </p:spPr>
+      </p:pic>
+      <p:sp>
+        <p:nvSpPr>
+          <p:cNvPr id="23" name="Curved Down Arrow 22">
+            <a:extLst>
+              <a:ext uri="{FF2B5EF4-FFF2-40B4-BE49-F238E27FC236}">
+                <a16:creationId xmlns:a16="http://schemas.microsoft.com/office/drawing/2014/main" id="{9917AB78-C413-AAB6-6214-AF6A8AD9174C}"/>
+              </a:ext>
+            </a:extLst>
+          </p:cNvPr>
+          <p:cNvSpPr/>
+          <p:nvPr/>
+        </p:nvSpPr>
+        <p:spPr>
+          <a:xfrm flipH="1">
+            <a:off x="6012875" y="876180"/>
+            <a:ext cx="1851254" cy="702717"/>
+          </a:xfrm>
+          <a:prstGeom prst="curvedDownArrow">
+            <a:avLst/>
+          </a:prstGeom>
+        </p:spPr>
+        <p:style>
+          <a:lnRef idx="1">
+            <a:schemeClr val="accent5"/>
+          </a:lnRef>
+          <a:fillRef idx="3">
+            <a:schemeClr val="accent5"/>
+          </a:fillRef>
+          <a:effectRef idx="2">
+            <a:schemeClr val="accent5"/>
+          </a:effectRef>
+          <a:fontRef idx="minor">
+            <a:schemeClr val="lt1"/>
+          </a:fontRef>
+        </p:style>
+        <p:txBody>
+          <a:bodyPr rtlCol="0" anchor="ctr"/>
+          <a:lstStyle/>
+          <a:p>
+            <a:pPr algn="ctr"/>
+            <a:endParaRPr lang="en-CN">
+              <a:solidFill>
+                <a:schemeClr val="tx1"/>
+              </a:solidFill>
+            </a:endParaRPr>
+          </a:p>
+        </p:txBody>
+      </p:sp>
+      <p:sp>
+        <p:nvSpPr>
+          <p:cNvPr id="24" name="Right Arrow Callout 23">
+            <a:extLst>
+              <a:ext uri="{FF2B5EF4-FFF2-40B4-BE49-F238E27FC236}">
+                <a16:creationId xmlns:a16="http://schemas.microsoft.com/office/drawing/2014/main" id="{AE7DB5AA-8A74-08BC-44B3-88DFF1682D35}"/>
+              </a:ext>
+            </a:extLst>
+          </p:cNvPr>
+          <p:cNvSpPr/>
+          <p:nvPr/>
+        </p:nvSpPr>
+        <p:spPr>
+          <a:xfrm>
+            <a:off x="688059" y="1621443"/>
+            <a:ext cx="3651026" cy="2605833"/>
+          </a:xfrm>
+          <a:prstGeom prst="rightArrowCallout">
+            <a:avLst>
+              <a:gd name="adj1" fmla="val 13055"/>
+              <a:gd name="adj2" fmla="val 13019"/>
+              <a:gd name="adj3" fmla="val 17813"/>
+              <a:gd name="adj4" fmla="val 55166"/>
+            </a:avLst>
+          </a:prstGeom>
+        </p:spPr>
+        <p:style>
+          <a:lnRef idx="1">
+            <a:schemeClr val="accent5"/>
+          </a:lnRef>
+          <a:fillRef idx="3">
+            <a:schemeClr val="accent5"/>
+          </a:fillRef>
+          <a:effectRef idx="2">
+            <a:schemeClr val="accent5"/>
+          </a:effectRef>
+          <a:fontRef idx="minor">
+            <a:schemeClr val="lt1"/>
+          </a:fontRef>
+        </p:style>
+        <p:txBody>
+          <a:bodyPr rtlCol="0" anchor="ctr"/>
+          <a:lstStyle/>
+          <a:p>
+            <a:r>
+              <a:rPr lang="en-CN" sz="1600" b="1" dirty="0"/>
+              <a:t>TE detectiing Tools: </a:t>
+            </a:r>
+          </a:p>
+          <a:p>
+            <a:pPr marL="285750" indent="-285750">
+              <a:buFont typeface="Arial" panose="020B0604020202020204" pitchFamily="34" charset="0"/>
+              <a:buChar char="•"/>
+            </a:pPr>
+            <a:r>
+              <a:rPr lang="en-US" sz="1600" dirty="0"/>
+              <a:t>Censor</a:t>
+            </a:r>
+          </a:p>
+          <a:p>
+            <a:pPr marL="285750" indent="-285750">
+              <a:buFont typeface="Arial" panose="020B0604020202020204" pitchFamily="34" charset="0"/>
+              <a:buChar char="•"/>
+            </a:pPr>
+            <a:r>
+              <a:rPr lang="en-US" sz="1600" dirty="0"/>
+              <a:t>LTR Finder</a:t>
+            </a:r>
+          </a:p>
+          <a:p>
+            <a:pPr marL="285750" indent="-285750">
+              <a:buFont typeface="Arial" panose="020B0604020202020204" pitchFamily="34" charset="0"/>
+              <a:buChar char="•"/>
+            </a:pPr>
+            <a:r>
+              <a:rPr lang="en-US" sz="1600" dirty="0"/>
+              <a:t>PILER</a:t>
+            </a:r>
+          </a:p>
+          <a:p>
+            <a:pPr marL="285750" indent="-285750">
+              <a:buFont typeface="Arial" panose="020B0604020202020204" pitchFamily="34" charset="0"/>
+              <a:buChar char="•"/>
+            </a:pPr>
+            <a:r>
+              <a:rPr lang="en-US" sz="1600" dirty="0"/>
+              <a:t>Repeat Masker</a:t>
+            </a:r>
+          </a:p>
+          <a:p>
+            <a:pPr marL="285750" indent="-285750">
+              <a:buFont typeface="Arial" panose="020B0604020202020204" pitchFamily="34" charset="0"/>
+              <a:buChar char="•"/>
+            </a:pPr>
+            <a:r>
+              <a:rPr lang="en-US" sz="1600" dirty="0" err="1"/>
+              <a:t>INSurVeyor</a:t>
+            </a:r>
+            <a:endParaRPr lang="en-US" sz="1600" dirty="0"/>
+          </a:p>
+          <a:p>
+            <a:pPr marL="285750" indent="-285750">
+              <a:buFont typeface="Arial" panose="020B0604020202020204" pitchFamily="34" charset="0"/>
+              <a:buChar char="•"/>
+            </a:pPr>
+            <a:r>
+              <a:rPr lang="en-US" sz="1600" dirty="0"/>
+              <a:t>RepeatModeler2</a:t>
+            </a:r>
+          </a:p>
+          <a:p>
+            <a:pPr marL="285750" indent="-285750">
+              <a:buFont typeface="Arial" panose="020B0604020202020204" pitchFamily="34" charset="0"/>
+              <a:buChar char="•"/>
+            </a:pPr>
+            <a:r>
+              <a:rPr lang="en-US" sz="1600" dirty="0"/>
+              <a:t>TIR-Learner</a:t>
+            </a:r>
+            <a:endParaRPr lang="en-CN" sz="1600" dirty="0"/>
+          </a:p>
+        </p:txBody>
+      </p:sp>
+      <p:cxnSp>
+        <p:nvCxnSpPr>
+          <p:cNvPr id="26" name="Straight Connector 25">
+            <a:extLst>
+              <a:ext uri="{FF2B5EF4-FFF2-40B4-BE49-F238E27FC236}">
+                <a16:creationId xmlns:a16="http://schemas.microsoft.com/office/drawing/2014/main" id="{8466AD3B-DACD-6BDD-D17B-A3F3B4166FE3}"/>
+              </a:ext>
+            </a:extLst>
+          </p:cNvPr>
+          <p:cNvCxnSpPr>
+            <a:cxnSpLocks/>
+          </p:cNvCxnSpPr>
+          <p:nvPr/>
+        </p:nvCxnSpPr>
+        <p:spPr>
+          <a:xfrm>
+            <a:off x="4536885" y="876180"/>
+            <a:ext cx="0" cy="3278571"/>
+          </a:xfrm>
+          <a:prstGeom prst="line">
+            <a:avLst/>
+          </a:prstGeom>
+          <a:ln w="47625" cap="flat" cmpd="sng" algn="ctr">
+            <a:solidFill>
+              <a:schemeClr val="accent5"/>
+            </a:solidFill>
+            <a:prstDash val="dash"/>
+            <a:round/>
+            <a:headEnd type="none" w="med" len="med"/>
+            <a:tailEnd type="none" w="med" len="med"/>
+          </a:ln>
+        </p:spPr>
+        <p:style>
+          <a:lnRef idx="0">
+            <a:scrgbClr r="0" g="0" b="0"/>
+          </a:lnRef>
+          <a:fillRef idx="0">
+            <a:scrgbClr r="0" g="0" b="0"/>
+          </a:fillRef>
+          <a:effectRef idx="0">
+            <a:scrgbClr r="0" g="0" b="0"/>
+          </a:effectRef>
+          <a:fontRef idx="minor">
+            <a:schemeClr val="tx1"/>
+          </a:fontRef>
+        </p:style>
+      </p:cxnSp>
+      <p:cxnSp>
+        <p:nvCxnSpPr>
+          <p:cNvPr id="28" name="Straight Connector 27">
+            <a:extLst>
+              <a:ext uri="{FF2B5EF4-FFF2-40B4-BE49-F238E27FC236}">
+                <a16:creationId xmlns:a16="http://schemas.microsoft.com/office/drawing/2014/main" id="{FF69F43B-25E9-F5E9-9FA0-52DD04B22EDB}"/>
+              </a:ext>
+            </a:extLst>
+          </p:cNvPr>
+          <p:cNvCxnSpPr>
+            <a:cxnSpLocks/>
+          </p:cNvCxnSpPr>
+          <p:nvPr/>
+        </p:nvCxnSpPr>
+        <p:spPr>
+          <a:xfrm>
+            <a:off x="5757708" y="874053"/>
+            <a:ext cx="0" cy="3280698"/>
+          </a:xfrm>
+          <a:prstGeom prst="line">
+            <a:avLst/>
+          </a:prstGeom>
+          <a:ln w="47625" cap="flat" cmpd="sng" algn="ctr">
+            <a:solidFill>
+              <a:schemeClr val="accent5"/>
+            </a:solidFill>
+            <a:prstDash val="dash"/>
+            <a:round/>
+            <a:headEnd type="none" w="med" len="med"/>
+            <a:tailEnd type="none" w="med" len="med"/>
+          </a:ln>
+        </p:spPr>
+        <p:style>
+          <a:lnRef idx="0">
+            <a:scrgbClr r="0" g="0" b="0"/>
+          </a:lnRef>
+          <a:fillRef idx="0">
+            <a:scrgbClr r="0" g="0" b="0"/>
+          </a:fillRef>
+          <a:effectRef idx="0">
+            <a:scrgbClr r="0" g="0" b="0"/>
+          </a:effectRef>
+          <a:fontRef idx="minor">
+            <a:schemeClr val="tx1"/>
+          </a:fontRef>
+        </p:style>
+      </p:cxnSp>
+      <p:pic>
+        <p:nvPicPr>
+          <p:cNvPr id="29" name="Picture 28">
+            <a:extLst>
+              <a:ext uri="{FF2B5EF4-FFF2-40B4-BE49-F238E27FC236}">
+                <a16:creationId xmlns:a16="http://schemas.microsoft.com/office/drawing/2014/main" id="{CF60CDFE-6A75-CA11-334B-21B3F9C56E3B}"/>
+              </a:ext>
+            </a:extLst>
+          </p:cNvPr>
+          <p:cNvPicPr>
+            <a:picLocks noChangeAspect="1"/>
+          </p:cNvPicPr>
+          <p:nvPr/>
+        </p:nvPicPr>
+        <p:blipFill>
+          <a:blip r:embed="rId3"/>
+          <a:stretch>
+            <a:fillRect/>
+          </a:stretch>
+        </p:blipFill>
+        <p:spPr>
+          <a:xfrm>
+            <a:off x="4616531" y="3297622"/>
+            <a:ext cx="1062095" cy="857129"/>
+          </a:xfrm>
+          <a:prstGeom prst="rect">
+            <a:avLst/>
+          </a:prstGeom>
+        </p:spPr>
+      </p:pic>
+      <p:sp>
+        <p:nvSpPr>
+          <p:cNvPr id="32" name="TextBox 31">
+            <a:extLst>
+              <a:ext uri="{FF2B5EF4-FFF2-40B4-BE49-F238E27FC236}">
+                <a16:creationId xmlns:a16="http://schemas.microsoft.com/office/drawing/2014/main" id="{EDE5E9B0-491C-6186-864B-B40CDB509F19}"/>
+              </a:ext>
+            </a:extLst>
+          </p:cNvPr>
+          <p:cNvSpPr txBox="1"/>
+          <p:nvPr/>
+        </p:nvSpPr>
+        <p:spPr>
+          <a:xfrm>
+            <a:off x="4576713" y="2133398"/>
+            <a:ext cx="1141168" cy="369332"/>
+          </a:xfrm>
+          <a:prstGeom prst="rect">
+            <a:avLst/>
+          </a:prstGeom>
+          <a:noFill/>
+        </p:spPr>
+        <p:txBody>
+          <a:bodyPr wrap="square" rtlCol="0">
+            <a:spAutoFit/>
+          </a:bodyPr>
+          <a:lstStyle/>
+          <a:p>
+            <a:pPr algn="ctr"/>
+            <a:r>
+              <a:rPr lang="en-CN" dirty="0"/>
+              <a:t>Detection</a:t>
+            </a:r>
+          </a:p>
+        </p:txBody>
+      </p:sp>
+      <p:pic>
+        <p:nvPicPr>
+          <p:cNvPr id="37" name="Picture 36">
+            <a:extLst>
+              <a:ext uri="{FF2B5EF4-FFF2-40B4-BE49-F238E27FC236}">
+                <a16:creationId xmlns:a16="http://schemas.microsoft.com/office/drawing/2014/main" id="{0568A844-0495-FADE-DD3E-E470ED2ADD60}"/>
+              </a:ext>
+            </a:extLst>
+          </p:cNvPr>
+          <p:cNvPicPr>
+            <a:picLocks noChangeAspect="1"/>
+          </p:cNvPicPr>
+          <p:nvPr/>
+        </p:nvPicPr>
+        <p:blipFill>
+          <a:blip r:embed="rId4">
+            <a:clrChange>
+              <a:clrFrom>
+                <a:srgbClr val="FFFFFF"/>
+              </a:clrFrom>
+              <a:clrTo>
+                <a:srgbClr val="FFFFFF">
+                  <a:alpha val="0"/>
+                </a:srgbClr>
+              </a:clrTo>
+            </a:clrChange>
+          </a:blip>
+          <a:stretch>
+            <a:fillRect/>
+          </a:stretch>
+        </p:blipFill>
+        <p:spPr>
+          <a:xfrm>
+            <a:off x="6258739" y="1284010"/>
+            <a:ext cx="5702351" cy="3211253"/>
+          </a:xfrm>
+          <a:prstGeom prst="rect">
+            <a:avLst/>
+          </a:prstGeom>
+        </p:spPr>
+      </p:pic>
+      <p:pic>
+        <p:nvPicPr>
+          <p:cNvPr id="42" name="Picture 41">
+            <a:extLst>
+              <a:ext uri="{FF2B5EF4-FFF2-40B4-BE49-F238E27FC236}">
+                <a16:creationId xmlns:a16="http://schemas.microsoft.com/office/drawing/2014/main" id="{05D81E06-3EF9-5C27-9566-5DD4B53ACA27}"/>
+              </a:ext>
+            </a:extLst>
+          </p:cNvPr>
+          <p:cNvPicPr>
+            <a:picLocks noChangeAspect="1"/>
+          </p:cNvPicPr>
+          <p:nvPr/>
+        </p:nvPicPr>
+        <p:blipFill>
+          <a:blip r:embed="rId5">
+            <a:clrChange>
+              <a:clrFrom>
+                <a:srgbClr val="FFFFFF"/>
+              </a:clrFrom>
+              <a:clrTo>
+                <a:srgbClr val="FFFFFF">
+                  <a:alpha val="0"/>
+                </a:srgbClr>
+              </a:clrTo>
+            </a:clrChange>
+          </a:blip>
+          <a:stretch>
+            <a:fillRect/>
+          </a:stretch>
+        </p:blipFill>
+        <p:spPr>
+          <a:xfrm>
+            <a:off x="688059" y="4495263"/>
+            <a:ext cx="1222318" cy="1888449"/>
+          </a:xfrm>
+          <a:prstGeom prst="rect">
+            <a:avLst/>
+          </a:prstGeom>
+          <a:effectLst>
+            <a:softEdge rad="50800"/>
+          </a:effectLst>
+        </p:spPr>
+      </p:pic>
+      <p:grpSp>
+        <p:nvGrpSpPr>
+          <p:cNvPr id="47" name="Group 46">
+            <a:extLst>
+              <a:ext uri="{FF2B5EF4-FFF2-40B4-BE49-F238E27FC236}">
+                <a16:creationId xmlns:a16="http://schemas.microsoft.com/office/drawing/2014/main" id="{667F3B0C-7378-F109-E082-F6E33AA67AF0}"/>
+              </a:ext>
+            </a:extLst>
+          </p:cNvPr>
+          <p:cNvGrpSpPr/>
+          <p:nvPr/>
+        </p:nvGrpSpPr>
+        <p:grpSpPr>
+          <a:xfrm>
+            <a:off x="1339275" y="5093390"/>
+            <a:ext cx="1847274" cy="1028018"/>
+            <a:chOff x="1507801" y="5307327"/>
+            <a:chExt cx="1028104" cy="281119"/>
+          </a:xfrm>
+        </p:grpSpPr>
+        <p:cxnSp>
+          <p:nvCxnSpPr>
+            <p:cNvPr id="44" name="Curved Connector 43">
+              <a:extLst>
+                <a:ext uri="{FF2B5EF4-FFF2-40B4-BE49-F238E27FC236}">
+                  <a16:creationId xmlns:a16="http://schemas.microsoft.com/office/drawing/2014/main" id="{8CD35A10-F919-C2A9-C605-C61F082C0FF0}"/>
+                </a:ext>
+              </a:extLst>
+            </p:cNvPr>
+            <p:cNvCxnSpPr>
+              <a:cxnSpLocks/>
+            </p:cNvCxnSpPr>
+            <p:nvPr/>
+          </p:nvCxnSpPr>
+          <p:spPr>
+            <a:xfrm>
+              <a:off x="1597891" y="5366328"/>
+              <a:ext cx="938014" cy="222118"/>
+            </a:xfrm>
+            <a:prstGeom prst="curvedConnector3">
+              <a:avLst/>
+            </a:prstGeom>
+            <a:ln w="31750">
+              <a:solidFill>
+                <a:schemeClr val="accent2"/>
+              </a:solidFill>
+              <a:tailEnd type="triangle"/>
+            </a:ln>
+          </p:spPr>
+          <p:style>
+            <a:lnRef idx="3">
+              <a:schemeClr val="accent5"/>
+            </a:lnRef>
+            <a:fillRef idx="0">
+              <a:schemeClr val="accent5"/>
+            </a:fillRef>
+            <a:effectRef idx="2">
+              <a:schemeClr val="accent5"/>
+            </a:effectRef>
+            <a:fontRef idx="minor">
+              <a:schemeClr val="tx1"/>
+            </a:fontRef>
+          </p:style>
+        </p:cxnSp>
+        <p:sp>
+          <p:nvSpPr>
+            <p:cNvPr id="46" name="Frame 45">
+              <a:extLst>
+                <a:ext uri="{FF2B5EF4-FFF2-40B4-BE49-F238E27FC236}">
+                  <a16:creationId xmlns:a16="http://schemas.microsoft.com/office/drawing/2014/main" id="{29BEC03E-E79C-A3B2-FE92-E1E2C80C0A3C}"/>
+                </a:ext>
+              </a:extLst>
+            </p:cNvPr>
+            <p:cNvSpPr/>
+            <p:nvPr/>
+          </p:nvSpPr>
+          <p:spPr>
+            <a:xfrm>
+              <a:off x="1507801" y="5307327"/>
+              <a:ext cx="90090" cy="117556"/>
+            </a:xfrm>
+            <a:prstGeom prst="frame">
+              <a:avLst/>
+            </a:prstGeom>
+            <a:noFill/>
+            <a:ln w="19050" cap="flat" cmpd="sng" algn="ctr">
+              <a:solidFill>
+                <a:schemeClr val="accent2"/>
+              </a:solidFill>
+              <a:prstDash val="solid"/>
+              <a:round/>
+              <a:headEnd type="none" w="med" len="med"/>
+              <a:tailEnd type="none" w="med" len="med"/>
+            </a:ln>
+          </p:spPr>
+          <p:style>
+            <a:lnRef idx="0">
+              <a:scrgbClr r="0" g="0" b="0"/>
+            </a:lnRef>
+            <a:fillRef idx="0">
+              <a:scrgbClr r="0" g="0" b="0"/>
+            </a:fillRef>
+            <a:effectRef idx="0">
+              <a:scrgbClr r="0" g="0" b="0"/>
+            </a:effectRef>
+            <a:fontRef idx="minor">
+              <a:schemeClr val="accent2"/>
+            </a:fontRef>
+          </p:style>
+          <p:txBody>
+            <a:bodyPr rtlCol="0" anchor="ctr"/>
+            <a:lstStyle/>
+            <a:p>
+              <a:pPr algn="ctr"/>
+              <a:endParaRPr lang="en-CN">
+                <a:solidFill>
+                  <a:schemeClr val="tx1"/>
+                </a:solidFill>
+              </a:endParaRPr>
+            </a:p>
+          </p:txBody>
+        </p:sp>
+      </p:grpSp>
+      <p:grpSp>
+        <p:nvGrpSpPr>
+          <p:cNvPr id="55" name="Group 54">
+            <a:extLst>
+              <a:ext uri="{FF2B5EF4-FFF2-40B4-BE49-F238E27FC236}">
+                <a16:creationId xmlns:a16="http://schemas.microsoft.com/office/drawing/2014/main" id="{56F97890-FE16-B298-6F5B-14C23DCE857B}"/>
+              </a:ext>
+            </a:extLst>
+          </p:cNvPr>
+          <p:cNvGrpSpPr/>
+          <p:nvPr/>
+        </p:nvGrpSpPr>
+        <p:grpSpPr>
+          <a:xfrm>
+            <a:off x="3271975" y="4947067"/>
+            <a:ext cx="4813302" cy="1484752"/>
+            <a:chOff x="3269671" y="4920406"/>
+            <a:chExt cx="4813302" cy="1484752"/>
+          </a:xfrm>
+        </p:grpSpPr>
+        <p:pic>
+          <p:nvPicPr>
+            <p:cNvPr id="51" name="Picture 50">
+              <a:extLst>
+                <a:ext uri="{FF2B5EF4-FFF2-40B4-BE49-F238E27FC236}">
+                  <a16:creationId xmlns:a16="http://schemas.microsoft.com/office/drawing/2014/main" id="{D7A75E86-1927-B627-82ED-D6BF1F713907}"/>
+                </a:ext>
+              </a:extLst>
+            </p:cNvPr>
+            <p:cNvPicPr>
+              <a:picLocks noChangeAspect="1"/>
+            </p:cNvPicPr>
+            <p:nvPr/>
+          </p:nvPicPr>
+          <p:blipFill>
+            <a:blip r:embed="rId6">
+              <a:clrChange>
+                <a:clrFrom>
+                  <a:srgbClr val="FFFFFF"/>
+                </a:clrFrom>
+                <a:clrTo>
+                  <a:srgbClr val="FFFFFF">
+                    <a:alpha val="0"/>
+                  </a:srgbClr>
+                </a:clrTo>
+              </a:clrChange>
+            </a:blip>
+            <a:stretch>
+              <a:fillRect/>
+            </a:stretch>
+          </p:blipFill>
+          <p:spPr>
+            <a:xfrm rot="10800000">
+              <a:off x="3269673" y="4920406"/>
+              <a:ext cx="4813300" cy="1016000"/>
+            </a:xfrm>
+            <a:prstGeom prst="rect">
+              <a:avLst/>
+            </a:prstGeom>
+          </p:spPr>
+        </p:pic>
+        <p:pic>
+          <p:nvPicPr>
+            <p:cNvPr id="54" name="Picture 53">
+              <a:extLst>
+                <a:ext uri="{FF2B5EF4-FFF2-40B4-BE49-F238E27FC236}">
+                  <a16:creationId xmlns:a16="http://schemas.microsoft.com/office/drawing/2014/main" id="{257534DC-C856-5F89-F74C-7603D4F87508}"/>
+                </a:ext>
+              </a:extLst>
+            </p:cNvPr>
+            <p:cNvPicPr>
+              <a:picLocks noChangeAspect="1"/>
+            </p:cNvPicPr>
+            <p:nvPr/>
+          </p:nvPicPr>
+          <p:blipFill>
+            <a:blip r:embed="rId7"/>
+            <a:stretch>
+              <a:fillRect/>
+            </a:stretch>
+          </p:blipFill>
+          <p:spPr>
+            <a:xfrm rot="10800000">
+              <a:off x="3269671" y="5770158"/>
+              <a:ext cx="2311400" cy="635000"/>
+            </a:xfrm>
+            <a:prstGeom prst="rect">
+              <a:avLst/>
+            </a:prstGeom>
+          </p:spPr>
+        </p:pic>
+      </p:grpSp>
+      <p:sp>
+        <p:nvSpPr>
+          <p:cNvPr id="56" name="TextBox 55">
+            <a:extLst>
+              <a:ext uri="{FF2B5EF4-FFF2-40B4-BE49-F238E27FC236}">
+                <a16:creationId xmlns:a16="http://schemas.microsoft.com/office/drawing/2014/main" id="{F1BC3A96-25C6-3941-7A9B-34238F12F5E9}"/>
+              </a:ext>
+            </a:extLst>
+          </p:cNvPr>
+          <p:cNvSpPr txBox="1"/>
+          <p:nvPr/>
+        </p:nvSpPr>
+        <p:spPr>
+          <a:xfrm>
+            <a:off x="8351755" y="5356638"/>
+            <a:ext cx="2985938" cy="338554"/>
+          </a:xfrm>
+          <a:prstGeom prst="rect">
+            <a:avLst/>
+          </a:prstGeom>
+          <a:noFill/>
+        </p:spPr>
+        <p:txBody>
+          <a:bodyPr wrap="square" rtlCol="0">
+            <a:spAutoFit/>
+          </a:bodyPr>
+          <a:lstStyle/>
+          <a:p>
+            <a:r>
+              <a:rPr lang="en-CN" sz="1600" dirty="0"/>
+              <a:t>小麦二四六倍体的重测序数据</a:t>
+            </a:r>
+          </a:p>
+        </p:txBody>
+      </p:sp>
+      <p:cxnSp>
+        <p:nvCxnSpPr>
+          <p:cNvPr id="58" name="Straight Arrow Connector 57">
+            <a:extLst>
+              <a:ext uri="{FF2B5EF4-FFF2-40B4-BE49-F238E27FC236}">
+                <a16:creationId xmlns:a16="http://schemas.microsoft.com/office/drawing/2014/main" id="{55771E21-353C-096D-92D9-732D7103F7FA}"/>
+              </a:ext>
+            </a:extLst>
+          </p:cNvPr>
+          <p:cNvCxnSpPr>
+            <a:cxnSpLocks/>
+          </p:cNvCxnSpPr>
+          <p:nvPr/>
+        </p:nvCxnSpPr>
+        <p:spPr>
+          <a:xfrm flipV="1">
+            <a:off x="4765967" y="4227276"/>
+            <a:ext cx="0" cy="614350"/>
+          </a:xfrm>
+          <a:prstGeom prst="straightConnector1">
+            <a:avLst/>
+          </a:prstGeom>
+          <a:ln w="38100">
+            <a:tailEnd type="triangle"/>
+          </a:ln>
+        </p:spPr>
+        <p:style>
+          <a:lnRef idx="3">
+            <a:schemeClr val="accent2"/>
+          </a:lnRef>
+          <a:fillRef idx="0">
+            <a:schemeClr val="accent2"/>
+          </a:fillRef>
+          <a:effectRef idx="2">
+            <a:schemeClr val="accent2"/>
+          </a:effectRef>
+          <a:fontRef idx="minor">
+            <a:schemeClr val="tx1"/>
+          </a:fontRef>
+        </p:style>
+      </p:cxnSp>
+      <p:cxnSp>
+        <p:nvCxnSpPr>
+          <p:cNvPr id="61" name="Straight Arrow Connector 60">
+            <a:extLst>
+              <a:ext uri="{FF2B5EF4-FFF2-40B4-BE49-F238E27FC236}">
+                <a16:creationId xmlns:a16="http://schemas.microsoft.com/office/drawing/2014/main" id="{BD03F325-4256-582D-E3B8-ACE320FD8882}"/>
+              </a:ext>
+            </a:extLst>
+          </p:cNvPr>
+          <p:cNvCxnSpPr>
+            <a:cxnSpLocks/>
+          </p:cNvCxnSpPr>
+          <p:nvPr/>
+        </p:nvCxnSpPr>
+        <p:spPr>
+          <a:xfrm flipV="1">
+            <a:off x="5574147" y="3805382"/>
+            <a:ext cx="0" cy="1036244"/>
+          </a:xfrm>
+          <a:prstGeom prst="straightConnector1">
+            <a:avLst/>
+          </a:prstGeom>
+          <a:ln w="38100">
+            <a:tailEnd type="triangle"/>
+          </a:ln>
+        </p:spPr>
+        <p:style>
+          <a:lnRef idx="3">
+            <a:schemeClr val="accent2"/>
+          </a:lnRef>
+          <a:fillRef idx="0">
+            <a:schemeClr val="accent2"/>
+          </a:fillRef>
+          <a:effectRef idx="2">
+            <a:schemeClr val="accent2"/>
+          </a:effectRef>
+          <a:fontRef idx="minor">
+            <a:schemeClr val="tx1"/>
+          </a:fontRef>
+        </p:style>
+      </p:cxnSp>
+      <p:sp>
+        <p:nvSpPr>
+          <p:cNvPr id="64" name="TextBox 63">
+            <a:extLst>
+              <a:ext uri="{FF2B5EF4-FFF2-40B4-BE49-F238E27FC236}">
+                <a16:creationId xmlns:a16="http://schemas.microsoft.com/office/drawing/2014/main" id="{0B36EBED-13F3-46DA-EDBA-B66CBE176A3B}"/>
+              </a:ext>
+            </a:extLst>
+          </p:cNvPr>
+          <p:cNvSpPr txBox="1"/>
+          <p:nvPr/>
+        </p:nvSpPr>
+        <p:spPr>
+          <a:xfrm>
+            <a:off x="6734857" y="6106713"/>
+            <a:ext cx="1350420" cy="276999"/>
+          </a:xfrm>
+          <a:prstGeom prst="rect">
+            <a:avLst/>
+          </a:prstGeom>
+          <a:noFill/>
+        </p:spPr>
+        <p:txBody>
+          <a:bodyPr wrap="square" rtlCol="0">
+            <a:spAutoFit/>
+          </a:bodyPr>
+          <a:lstStyle/>
+          <a:p>
+            <a:pPr algn="ctr"/>
+            <a:r>
+              <a:rPr lang="en-US" sz="1200" dirty="0"/>
+              <a:t>Pareek</a:t>
+            </a:r>
+            <a:r>
+              <a:rPr lang="zh-CN" altLang="en-US" sz="1200" dirty="0"/>
+              <a:t> </a:t>
+            </a:r>
+            <a:r>
+              <a:rPr lang="en-US" altLang="zh-CN" sz="1200" dirty="0"/>
+              <a:t>et al. 2011</a:t>
+            </a:r>
+            <a:endParaRPr lang="en-CN" sz="1200" dirty="0"/>
           </a:p>
         </p:txBody>
       </p:sp>
     </p:spTree>
     <p:extLst>
       <p:ext uri="{BB962C8B-B14F-4D97-AF65-F5344CB8AC3E}">
-        <p14:creationId xmlns:p14="http://schemas.microsoft.com/office/powerpoint/2010/main" val="3651745136"/>
+        <p14:creationId xmlns:p14="http://schemas.microsoft.com/office/powerpoint/2010/main" val="3385671218"/>
+      </p:ext>
+    </p:extLst>
+  </p:cSld>
+  <p:clrMapOvr>
+    <a:masterClrMapping/>
+  </p:clrMapOvr>
+</p:sld>
+</file>
+
+<file path=ppt/slides/slide4.xml><?xml version="1.0" encoding="utf-8"?>
+<p:sld xmlns:a="http://schemas.openxmlformats.org/drawingml/2006/main" xmlns:r="http://schemas.openxmlformats.org/officeDocument/2006/relationships" xmlns:p="http://schemas.openxmlformats.org/presentationml/2006/main">
+  <p:cSld>
+    <p:spTree>
+      <p:nvGrpSpPr>
+        <p:cNvPr id="1" name=""/>
+        <p:cNvGrpSpPr/>
+        <p:nvPr/>
+      </p:nvGrpSpPr>
+      <p:grpSpPr>
+        <a:xfrm>
+          <a:off x="0" y="0"/>
+          <a:ext cx="0" cy="0"/>
+          <a:chOff x="0" y="0"/>
+          <a:chExt cx="0" cy="0"/>
+        </a:xfrm>
+      </p:grpSpPr>
+      <p:sp>
+        <p:nvSpPr>
+          <p:cNvPr id="2" name="Title 1">
+            <a:extLst>
+              <a:ext uri="{FF2B5EF4-FFF2-40B4-BE49-F238E27FC236}">
+                <a16:creationId xmlns:a16="http://schemas.microsoft.com/office/drawing/2014/main" id="{5341E720-BBA7-60EC-E1C2-546E38BAD0B5}"/>
+              </a:ext>
+            </a:extLst>
+          </p:cNvPr>
+          <p:cNvSpPr>
+            <a:spLocks noGrp="1"/>
+          </p:cNvSpPr>
+          <p:nvPr>
+            <p:ph type="title"/>
+          </p:nvPr>
+        </p:nvSpPr>
+        <p:spPr>
+          <a:xfrm>
+            <a:off x="720000" y="72000"/>
+            <a:ext cx="10515600" cy="702716"/>
+          </a:xfrm>
+        </p:spPr>
+        <p:txBody>
+          <a:bodyPr>
+            <a:normAutofit/>
+          </a:bodyPr>
+          <a:lstStyle/>
+          <a:p>
+            <a:pPr>
+              <a:lnSpc>
+                <a:spcPct val="100000"/>
+              </a:lnSpc>
+            </a:pPr>
+            <a:r>
+              <a:rPr lang="en-CN" sz="3200" b="1" dirty="0"/>
+              <a:t>预计目标</a:t>
+            </a:r>
+          </a:p>
+        </p:txBody>
+      </p:sp>
+      <p:graphicFrame>
+        <p:nvGraphicFramePr>
+          <p:cNvPr id="9" name="Table 8">
+            <a:extLst>
+              <a:ext uri="{FF2B5EF4-FFF2-40B4-BE49-F238E27FC236}">
+                <a16:creationId xmlns:a16="http://schemas.microsoft.com/office/drawing/2014/main" id="{3DEB2D08-A467-34E3-B74F-F54358EED53A}"/>
+              </a:ext>
+            </a:extLst>
+          </p:cNvPr>
+          <p:cNvGraphicFramePr>
+            <a:graphicFrameLocks noGrp="1"/>
+          </p:cNvGraphicFramePr>
+          <p:nvPr>
+            <p:extLst>
+              <p:ext uri="{D42A27DB-BD31-4B8C-83A1-F6EECF244321}">
+                <p14:modId xmlns:p14="http://schemas.microsoft.com/office/powerpoint/2010/main" val="3584534626"/>
+              </p:ext>
+            </p:extLst>
+          </p:nvPr>
+        </p:nvGraphicFramePr>
+        <p:xfrm>
+          <a:off x="535709" y="975742"/>
+          <a:ext cx="6483926" cy="5302340"/>
+        </p:xfrm>
+        <a:graphic>
+          <a:graphicData uri="http://schemas.openxmlformats.org/drawingml/2006/table">
+            <a:tbl>
+              <a:tblPr>
+                <a:tableStyleId>{93296810-A885-4BE3-A3E7-6D5BEEA58F35}</a:tableStyleId>
+              </a:tblPr>
+              <a:tblGrid>
+                <a:gridCol w="935431">
+                  <a:extLst>
+                    <a:ext uri="{9D8B030D-6E8A-4147-A177-3AD203B41FA5}">
+                      <a16:colId xmlns:a16="http://schemas.microsoft.com/office/drawing/2014/main" val="3793505655"/>
+                    </a:ext>
+                  </a:extLst>
+                </a:gridCol>
+                <a:gridCol w="909479">
+                  <a:extLst>
+                    <a:ext uri="{9D8B030D-6E8A-4147-A177-3AD203B41FA5}">
+                      <a16:colId xmlns:a16="http://schemas.microsoft.com/office/drawing/2014/main" val="688071699"/>
+                    </a:ext>
+                  </a:extLst>
+                </a:gridCol>
+                <a:gridCol w="909934">
+                  <a:extLst>
+                    <a:ext uri="{9D8B030D-6E8A-4147-A177-3AD203B41FA5}">
+                      <a16:colId xmlns:a16="http://schemas.microsoft.com/office/drawing/2014/main" val="1599945233"/>
+                    </a:ext>
+                  </a:extLst>
+                </a:gridCol>
+                <a:gridCol w="1009538">
+                  <a:extLst>
+                    <a:ext uri="{9D8B030D-6E8A-4147-A177-3AD203B41FA5}">
+                      <a16:colId xmlns:a16="http://schemas.microsoft.com/office/drawing/2014/main" val="2106179877"/>
+                    </a:ext>
+                  </a:extLst>
+                </a:gridCol>
+                <a:gridCol w="679886">
+                  <a:extLst>
+                    <a:ext uri="{9D8B030D-6E8A-4147-A177-3AD203B41FA5}">
+                      <a16:colId xmlns:a16="http://schemas.microsoft.com/office/drawing/2014/main" val="2975686255"/>
+                    </a:ext>
+                  </a:extLst>
+                </a:gridCol>
+                <a:gridCol w="679886">
+                  <a:extLst>
+                    <a:ext uri="{9D8B030D-6E8A-4147-A177-3AD203B41FA5}">
+                      <a16:colId xmlns:a16="http://schemas.microsoft.com/office/drawing/2014/main" val="3279985098"/>
+                    </a:ext>
+                  </a:extLst>
+                </a:gridCol>
+                <a:gridCol w="679886">
+                  <a:extLst>
+                    <a:ext uri="{9D8B030D-6E8A-4147-A177-3AD203B41FA5}">
+                      <a16:colId xmlns:a16="http://schemas.microsoft.com/office/drawing/2014/main" val="3297456880"/>
+                    </a:ext>
+                  </a:extLst>
+                </a:gridCol>
+                <a:gridCol w="679886">
+                  <a:extLst>
+                    <a:ext uri="{9D8B030D-6E8A-4147-A177-3AD203B41FA5}">
+                      <a16:colId xmlns:a16="http://schemas.microsoft.com/office/drawing/2014/main" val="3898232783"/>
+                    </a:ext>
+                  </a:extLst>
+                </a:gridCol>
+              </a:tblGrid>
+              <a:tr h="312085">
+                <a:tc gridSpan="4">
+                  <a:txBody>
+                    <a:bodyPr/>
+                    <a:lstStyle/>
+                    <a:p>
+                      <a:pPr algn="ctr" fontAlgn="ctr"/>
+                      <a:r>
+                        <a:rPr lang="en-US" sz="2000" b="1" u="none" strike="noStrike" dirty="0">
+                          <a:effectLst/>
+                        </a:rPr>
+                        <a:t>TE\Wheat</a:t>
+                      </a:r>
+                      <a:endParaRPr lang="en-US" sz="2000" b="1" i="0" u="none" strike="noStrike" dirty="0">
+                        <a:solidFill>
+                          <a:srgbClr val="000000"/>
+                        </a:solidFill>
+                        <a:effectLst/>
+                        <a:latin typeface="Calibri" panose="020F0502020204030204" pitchFamily="34" charset="0"/>
+                      </a:endParaRPr>
+                    </a:p>
+                  </a:txBody>
+                  <a:tcPr marL="7285" marR="7285" marT="7285" marB="0" anchor="ctr">
+                    <a:lnR w="12700" cap="flat" cmpd="sng" algn="ctr">
+                      <a:solidFill>
+                        <a:schemeClr val="tx1"/>
+                      </a:solidFill>
+                      <a:prstDash val="solid"/>
+                      <a:round/>
+                      <a:headEnd type="none" w="med" len="med"/>
+                      <a:tailEnd type="none" w="med" len="med"/>
+                    </a:lnR>
+                    <a:lnB w="12700" cap="flat" cmpd="sng" algn="ctr">
+                      <a:solidFill>
+                        <a:schemeClr val="tx1"/>
+                      </a:solidFill>
+                      <a:prstDash val="solid"/>
+                      <a:round/>
+                      <a:headEnd type="none" w="med" len="med"/>
+                      <a:tailEnd type="none" w="med" len="med"/>
+                    </a:lnB>
+                  </a:tcPr>
+                </a:tc>
+                <a:tc hMerge="1">
+                  <a:txBody>
+                    <a:bodyPr/>
+                    <a:lstStyle/>
+                    <a:p>
+                      <a:endParaRPr lang="en-CN"/>
+                    </a:p>
+                  </a:txBody>
+                  <a:tcPr/>
+                </a:tc>
+                <a:tc hMerge="1">
+                  <a:txBody>
+                    <a:bodyPr/>
+                    <a:lstStyle/>
+                    <a:p>
+                      <a:endParaRPr lang="en-CN"/>
+                    </a:p>
+                  </a:txBody>
+                  <a:tcPr/>
+                </a:tc>
+                <a:tc hMerge="1">
+                  <a:txBody>
+                    <a:bodyPr/>
+                    <a:lstStyle/>
+                    <a:p>
+                      <a:pPr algn="ctr" fontAlgn="ctr"/>
+                      <a:endParaRPr lang="en-US" sz="2000" b="1" i="0" u="none" strike="noStrike" dirty="0">
+                        <a:solidFill>
+                          <a:srgbClr val="000000"/>
+                        </a:solidFill>
+                        <a:effectLst/>
+                        <a:latin typeface="Calibri" panose="020F0502020204030204" pitchFamily="34" charset="0"/>
+                      </a:endParaRPr>
+                    </a:p>
+                  </a:txBody>
+                  <a:tcPr marL="7285" marR="7285" marT="7285" marB="0" anchor="ctr"/>
+                </a:tc>
+                <a:tc gridSpan="3">
+                  <a:txBody>
+                    <a:bodyPr/>
+                    <a:lstStyle/>
+                    <a:p>
+                      <a:pPr algn="ctr" fontAlgn="ctr"/>
+                      <a:r>
+                        <a:rPr lang="en-US" sz="1600" b="1" i="0" u="none" strike="noStrike" dirty="0">
+                          <a:solidFill>
+                            <a:srgbClr val="000000"/>
+                          </a:solidFill>
+                          <a:effectLst/>
+                          <a:latin typeface="Calibri" panose="020F0502020204030204" pitchFamily="34" charset="0"/>
+                        </a:rPr>
+                        <a:t>AABBDD</a:t>
+                      </a:r>
+                    </a:p>
+                  </a:txBody>
+                  <a:tcPr marL="7285" marR="7285" marT="7285" marB="0" anchor="ctr">
+                    <a:lnL w="12700" cap="flat" cmpd="sng" algn="ctr">
+                      <a:solidFill>
+                        <a:schemeClr val="tx1"/>
+                      </a:solidFill>
+                      <a:prstDash val="solid"/>
+                      <a:round/>
+                      <a:headEnd type="none" w="med" len="med"/>
+                      <a:tailEnd type="none" w="med" len="med"/>
+                    </a:lnL>
+                    <a:lnB w="12700" cap="flat" cmpd="sng" algn="ctr">
+                      <a:solidFill>
+                        <a:schemeClr val="tx1"/>
+                      </a:solidFill>
+                      <a:prstDash val="solid"/>
+                      <a:round/>
+                      <a:headEnd type="none" w="med" len="med"/>
+                      <a:tailEnd type="none" w="med" len="med"/>
+                    </a:lnB>
+                    <a:solidFill>
+                      <a:schemeClr val="accent4">
+                        <a:lumMod val="20000"/>
+                        <a:lumOff val="80000"/>
+                      </a:schemeClr>
+                    </a:solidFill>
+                  </a:tcPr>
+                </a:tc>
+                <a:tc hMerge="1">
+                  <a:txBody>
+                    <a:bodyPr/>
+                    <a:lstStyle/>
+                    <a:p>
+                      <a:pPr algn="ctr" fontAlgn="ctr"/>
+                      <a:r>
+                        <a:rPr lang="en-US" sz="1600" b="1" u="none" strike="noStrike" dirty="0">
+                          <a:effectLst/>
+                        </a:rPr>
+                        <a:t>a2</a:t>
+                      </a:r>
+                      <a:endParaRPr lang="en-US" sz="1600" b="1" i="0" u="none" strike="noStrike" dirty="0">
+                        <a:solidFill>
+                          <a:srgbClr val="000000"/>
+                        </a:solidFill>
+                        <a:effectLst/>
+                        <a:latin typeface="Calibri" panose="020F0502020204030204" pitchFamily="34" charset="0"/>
+                      </a:endParaRPr>
+                    </a:p>
+                  </a:txBody>
+                  <a:tcPr marL="7285" marR="7285" marT="7285" marB="0" anchor="ctr"/>
+                </a:tc>
+                <a:tc hMerge="1">
+                  <a:txBody>
+                    <a:bodyPr/>
+                    <a:lstStyle/>
+                    <a:p>
+                      <a:pPr algn="ctr" fontAlgn="ctr"/>
+                      <a:r>
+                        <a:rPr lang="en-US" sz="1600" b="1" u="none" strike="noStrike" dirty="0">
+                          <a:effectLst/>
+                        </a:rPr>
+                        <a:t>a3</a:t>
+                      </a:r>
+                      <a:endParaRPr lang="en-US" sz="1600" b="1" i="0" u="none" strike="noStrike" dirty="0">
+                        <a:solidFill>
+                          <a:srgbClr val="000000"/>
+                        </a:solidFill>
+                        <a:effectLst/>
+                        <a:latin typeface="Calibri" panose="020F0502020204030204" pitchFamily="34" charset="0"/>
+                      </a:endParaRPr>
+                    </a:p>
+                  </a:txBody>
+                  <a:tcPr marL="7285" marR="7285" marT="7285" marB="0" anchor="ctr"/>
+                </a:tc>
+                <a:tc rowSpan="2">
+                  <a:txBody>
+                    <a:bodyPr/>
+                    <a:lstStyle/>
+                    <a:p>
+                      <a:pPr algn="ctr" fontAlgn="ctr"/>
+                      <a:r>
+                        <a:rPr lang="en-CN" sz="1600" b="1" u="none" strike="noStrike" dirty="0">
+                          <a:effectLst/>
+                        </a:rPr>
+                        <a:t>...</a:t>
+                      </a:r>
+                      <a:endParaRPr lang="en-CN" sz="1600" b="1" i="0" u="none" strike="noStrike" dirty="0">
+                        <a:solidFill>
+                          <a:srgbClr val="000000"/>
+                        </a:solidFill>
+                        <a:effectLst/>
+                        <a:latin typeface="Calibri" panose="020F0502020204030204" pitchFamily="34" charset="0"/>
+                      </a:endParaRPr>
+                    </a:p>
+                  </a:txBody>
+                  <a:tcPr marL="7285" marR="7285" marT="7285" marB="0" anchor="ctr">
+                    <a:solidFill>
+                      <a:schemeClr val="accent4">
+                        <a:lumMod val="20000"/>
+                        <a:lumOff val="80000"/>
+                      </a:schemeClr>
+                    </a:solidFill>
+                  </a:tcPr>
+                </a:tc>
+                <a:extLst>
+                  <a:ext uri="{0D108BD9-81ED-4DB2-BD59-A6C34878D82A}">
+                    <a16:rowId xmlns:a16="http://schemas.microsoft.com/office/drawing/2014/main" val="403025256"/>
+                  </a:ext>
+                </a:extLst>
+              </a:tr>
+              <a:tr h="174573">
+                <a:tc>
+                  <a:txBody>
+                    <a:bodyPr/>
+                    <a:lstStyle/>
+                    <a:p>
+                      <a:pPr algn="ctr" fontAlgn="ctr"/>
+                      <a:r>
+                        <a:rPr lang="en-US" sz="1400" b="1" u="none" strike="noStrike" dirty="0">
+                          <a:effectLst/>
+                        </a:rPr>
+                        <a:t>class</a:t>
+                      </a:r>
+                      <a:endParaRPr lang="en-US" sz="1400" b="1" i="0" u="none" strike="noStrike" dirty="0">
+                        <a:solidFill>
+                          <a:srgbClr val="000000"/>
+                        </a:solidFill>
+                        <a:effectLst/>
+                        <a:latin typeface="Calibri" panose="020F0502020204030204" pitchFamily="34" charset="0"/>
+                      </a:endParaRPr>
+                    </a:p>
+                  </a:txBody>
+                  <a:tcPr marL="7285" marR="7285" marT="7285" marB="0" anchor="ctr">
+                    <a:lnT w="12700" cap="flat" cmpd="sng" algn="ctr">
+                      <a:solidFill>
+                        <a:schemeClr val="tx1"/>
+                      </a:solidFill>
+                      <a:prstDash val="solid"/>
+                      <a:round/>
+                      <a:headEnd type="none" w="med" len="med"/>
+                      <a:tailEnd type="none" w="med" len="med"/>
+                    </a:lnT>
+                  </a:tcPr>
+                </a:tc>
+                <a:tc>
+                  <a:txBody>
+                    <a:bodyPr/>
+                    <a:lstStyle/>
+                    <a:p>
+                      <a:pPr algn="ctr" fontAlgn="ctr"/>
+                      <a:r>
+                        <a:rPr lang="en-US" sz="1400" b="1" u="none" strike="noStrike" dirty="0">
+                          <a:effectLst/>
+                        </a:rPr>
+                        <a:t>subclass</a:t>
+                      </a:r>
+                      <a:endParaRPr lang="en-US" sz="1400" b="1" i="0" u="none" strike="noStrike" dirty="0">
+                        <a:solidFill>
+                          <a:srgbClr val="000000"/>
+                        </a:solidFill>
+                        <a:effectLst/>
+                        <a:latin typeface="Calibri" panose="020F0502020204030204" pitchFamily="34" charset="0"/>
+                      </a:endParaRPr>
+                    </a:p>
+                  </a:txBody>
+                  <a:tcPr marL="7285" marR="7285" marT="7285" marB="0" anchor="ctr">
+                    <a:lnT w="12700" cap="flat" cmpd="sng" algn="ctr">
+                      <a:solidFill>
+                        <a:schemeClr val="tx1"/>
+                      </a:solidFill>
+                      <a:prstDash val="solid"/>
+                      <a:round/>
+                      <a:headEnd type="none" w="med" len="med"/>
+                      <a:tailEnd type="none" w="med" len="med"/>
+                    </a:lnT>
+                  </a:tcPr>
+                </a:tc>
+                <a:tc>
+                  <a:txBody>
+                    <a:bodyPr/>
+                    <a:lstStyle/>
+                    <a:p>
+                      <a:pPr algn="ctr" fontAlgn="ctr"/>
+                      <a:r>
+                        <a:rPr lang="en-US" sz="1400" b="1" u="none" strike="noStrike">
+                          <a:effectLst/>
+                        </a:rPr>
+                        <a:t>transposon</a:t>
+                      </a:r>
+                      <a:endParaRPr lang="en-US" sz="1400" b="1" i="0" u="none" strike="noStrike" dirty="0">
+                        <a:solidFill>
+                          <a:srgbClr val="000000"/>
+                        </a:solidFill>
+                        <a:effectLst/>
+                        <a:latin typeface="Calibri" panose="020F0502020204030204" pitchFamily="34" charset="0"/>
+                      </a:endParaRPr>
+                    </a:p>
+                  </a:txBody>
+                  <a:tcPr marL="7285" marR="7285" marT="7285" marB="0" anchor="ctr">
+                    <a:lnT w="12700" cap="flat" cmpd="sng" algn="ctr">
+                      <a:solidFill>
+                        <a:schemeClr val="tx1"/>
+                      </a:solidFill>
+                      <a:prstDash val="solid"/>
+                      <a:round/>
+                      <a:headEnd type="none" w="med" len="med"/>
+                      <a:tailEnd type="none" w="med" len="med"/>
+                    </a:lnT>
+                  </a:tcPr>
+                </a:tc>
+                <a:tc>
+                  <a:txBody>
+                    <a:bodyPr/>
+                    <a:lstStyle/>
+                    <a:p>
+                      <a:pPr algn="ctr" fontAlgn="ctr"/>
+                      <a:r>
+                        <a:rPr lang="en-US" sz="1400" b="1" u="none" strike="noStrike">
+                          <a:effectLst/>
+                        </a:rPr>
+                        <a:t>family</a:t>
+                      </a:r>
+                      <a:endParaRPr lang="en-US" sz="1400" b="1" i="1" u="none" strike="noStrike" dirty="0">
+                        <a:solidFill>
+                          <a:srgbClr val="000000"/>
+                        </a:solidFill>
+                        <a:effectLst/>
+                        <a:latin typeface="Calibri" panose="020F0502020204030204" pitchFamily="34" charset="0"/>
+                      </a:endParaRPr>
+                    </a:p>
+                  </a:txBody>
+                  <a:tcPr marL="7285" marR="7285" marT="7285" marB="0" anchor="ctr">
+                    <a:lnR w="12700" cap="flat" cmpd="sng" algn="ctr">
+                      <a:solidFill>
+                        <a:schemeClr val="tx1"/>
+                      </a:solidFill>
+                      <a:prstDash val="solid"/>
+                      <a:round/>
+                      <a:headEnd type="none" w="med" len="med"/>
+                      <a:tailEnd type="none" w="med" len="med"/>
+                    </a:lnR>
+                    <a:lnT w="12700" cap="flat" cmpd="sng" algn="ctr">
+                      <a:solidFill>
+                        <a:schemeClr val="tx1"/>
+                      </a:solidFill>
+                      <a:prstDash val="solid"/>
+                      <a:round/>
+                      <a:headEnd type="none" w="med" len="med"/>
+                      <a:tailEnd type="none" w="med" len="med"/>
+                    </a:lnT>
+                  </a:tcPr>
+                </a:tc>
+                <a:tc>
+                  <a:txBody>
+                    <a:bodyPr/>
+                    <a:lstStyle/>
+                    <a:p>
+                      <a:pPr algn="ctr" fontAlgn="ctr"/>
+                      <a:r>
+                        <a:rPr lang="en-US" altLang="zh-CN" sz="900" b="0" i="0" u="none" strike="noStrike" dirty="0">
+                          <a:solidFill>
+                            <a:srgbClr val="000000"/>
+                          </a:solidFill>
+                          <a:effectLst/>
+                          <a:latin typeface="Calibri" panose="020F0502020204030204" pitchFamily="34" charset="0"/>
+                        </a:rPr>
+                        <a:t>1</a:t>
+                      </a:r>
+                      <a:endParaRPr lang="en-CN" sz="900" b="0" i="0" u="none" strike="noStrike" dirty="0">
+                        <a:solidFill>
+                          <a:srgbClr val="000000"/>
+                        </a:solidFill>
+                        <a:effectLst/>
+                        <a:latin typeface="Calibri" panose="020F0502020204030204" pitchFamily="34" charset="0"/>
+                      </a:endParaRPr>
+                    </a:p>
+                  </a:txBody>
+                  <a:tcPr marL="7285" marR="7285" marT="7285" marB="0" anchor="ctr">
+                    <a:lnL w="12700" cap="flat" cmpd="sng" algn="ctr">
+                      <a:solidFill>
+                        <a:schemeClr val="tx1"/>
+                      </a:solidFill>
+                      <a:prstDash val="solid"/>
+                      <a:round/>
+                      <a:headEnd type="none" w="med" len="med"/>
+                      <a:tailEnd type="none" w="med" len="med"/>
+                    </a:lnL>
+                    <a:lnT w="12700" cap="flat" cmpd="sng" algn="ctr">
+                      <a:solidFill>
+                        <a:schemeClr val="tx1"/>
+                      </a:solidFill>
+                      <a:prstDash val="solid"/>
+                      <a:round/>
+                      <a:headEnd type="none" w="med" len="med"/>
+                      <a:tailEnd type="none" w="med" len="med"/>
+                    </a:lnT>
+                    <a:solidFill>
+                      <a:schemeClr val="accent4">
+                        <a:lumMod val="20000"/>
+                        <a:lumOff val="80000"/>
+                      </a:schemeClr>
+                    </a:solidFill>
+                  </a:tcPr>
+                </a:tc>
+                <a:tc>
+                  <a:txBody>
+                    <a:bodyPr/>
+                    <a:lstStyle/>
+                    <a:p>
+                      <a:pPr algn="ctr" fontAlgn="ctr"/>
+                      <a:r>
+                        <a:rPr lang="en-US" altLang="zh-CN" sz="900" b="0" i="0" u="none" strike="noStrike" dirty="0">
+                          <a:solidFill>
+                            <a:srgbClr val="000000"/>
+                          </a:solidFill>
+                          <a:effectLst/>
+                          <a:latin typeface="Calibri" panose="020F0502020204030204" pitchFamily="34" charset="0"/>
+                        </a:rPr>
+                        <a:t>2</a:t>
+                      </a:r>
+                      <a:endParaRPr lang="en-CN" sz="900" b="0" i="0" u="none" strike="noStrike" dirty="0">
+                        <a:solidFill>
+                          <a:srgbClr val="000000"/>
+                        </a:solidFill>
+                        <a:effectLst/>
+                        <a:latin typeface="Calibri" panose="020F0502020204030204" pitchFamily="34" charset="0"/>
+                      </a:endParaRPr>
+                    </a:p>
+                  </a:txBody>
+                  <a:tcPr marL="7285" marR="7285" marT="7285" marB="0" anchor="ctr">
+                    <a:lnT w="12700" cap="flat" cmpd="sng" algn="ctr">
+                      <a:solidFill>
+                        <a:schemeClr val="tx1"/>
+                      </a:solidFill>
+                      <a:prstDash val="solid"/>
+                      <a:round/>
+                      <a:headEnd type="none" w="med" len="med"/>
+                      <a:tailEnd type="none" w="med" len="med"/>
+                    </a:lnT>
+                    <a:solidFill>
+                      <a:schemeClr val="accent4">
+                        <a:lumMod val="20000"/>
+                        <a:lumOff val="80000"/>
+                      </a:schemeClr>
+                    </a:solidFill>
+                  </a:tcPr>
+                </a:tc>
+                <a:tc>
+                  <a:txBody>
+                    <a:bodyPr/>
+                    <a:lstStyle/>
+                    <a:p>
+                      <a:pPr algn="ctr" fontAlgn="ctr"/>
+                      <a:r>
+                        <a:rPr lang="en-US" altLang="zh-CN" sz="900" b="0" i="0" u="none" strike="noStrike" dirty="0">
+                          <a:solidFill>
+                            <a:srgbClr val="000000"/>
+                          </a:solidFill>
+                          <a:effectLst/>
+                          <a:latin typeface="Calibri" panose="020F0502020204030204" pitchFamily="34" charset="0"/>
+                        </a:rPr>
+                        <a:t>3</a:t>
+                      </a:r>
+                      <a:endParaRPr lang="en-CN" sz="900" b="0" i="0" u="none" strike="noStrike" dirty="0">
+                        <a:solidFill>
+                          <a:srgbClr val="000000"/>
+                        </a:solidFill>
+                        <a:effectLst/>
+                        <a:latin typeface="Calibri" panose="020F0502020204030204" pitchFamily="34" charset="0"/>
+                      </a:endParaRPr>
+                    </a:p>
+                  </a:txBody>
+                  <a:tcPr marL="7285" marR="7285" marT="7285" marB="0" anchor="ctr">
+                    <a:lnT w="12700" cap="flat" cmpd="sng" algn="ctr">
+                      <a:solidFill>
+                        <a:schemeClr val="tx1"/>
+                      </a:solidFill>
+                      <a:prstDash val="solid"/>
+                      <a:round/>
+                      <a:headEnd type="none" w="med" len="med"/>
+                      <a:tailEnd type="none" w="med" len="med"/>
+                    </a:lnT>
+                    <a:solidFill>
+                      <a:schemeClr val="accent4">
+                        <a:lumMod val="20000"/>
+                        <a:lumOff val="80000"/>
+                      </a:schemeClr>
+                    </a:solidFill>
+                  </a:tcPr>
+                </a:tc>
+                <a:tc vMerge="1">
+                  <a:txBody>
+                    <a:bodyPr/>
+                    <a:lstStyle/>
+                    <a:p>
+                      <a:pPr algn="l" fontAlgn="ctr"/>
+                      <a:endParaRPr lang="en-CN" sz="900" b="0" i="0" u="none" strike="noStrike" dirty="0">
+                        <a:solidFill>
+                          <a:srgbClr val="000000"/>
+                        </a:solidFill>
+                        <a:effectLst/>
+                        <a:latin typeface="Calibri" panose="020F0502020204030204" pitchFamily="34" charset="0"/>
+                      </a:endParaRPr>
+                    </a:p>
+                  </a:txBody>
+                  <a:tcPr marL="7285" marR="7285" marT="7285" marB="0" anchor="ctr"/>
+                </a:tc>
+                <a:extLst>
+                  <a:ext uri="{0D108BD9-81ED-4DB2-BD59-A6C34878D82A}">
+                    <a16:rowId xmlns:a16="http://schemas.microsoft.com/office/drawing/2014/main" val="374065466"/>
+                  </a:ext>
+                </a:extLst>
+              </a:tr>
+              <a:tr h="174573">
+                <a:tc rowSpan="9">
+                  <a:txBody>
+                    <a:bodyPr/>
+                    <a:lstStyle/>
+                    <a:p>
+                      <a:pPr algn="ctr" fontAlgn="ctr"/>
+                      <a:r>
+                        <a:rPr lang="en-US" sz="1200" b="1" u="none" strike="noStrike" dirty="0">
+                          <a:effectLst/>
+                        </a:rPr>
+                        <a:t>class II</a:t>
+                      </a:r>
+                      <a:br>
+                        <a:rPr lang="en-US" sz="1200" b="1" u="none" strike="noStrike" dirty="0">
+                          <a:effectLst/>
+                        </a:rPr>
+                      </a:br>
+                      <a:r>
+                        <a:rPr lang="en-US" sz="1200" b="1" u="none" strike="noStrike" dirty="0">
+                          <a:effectLst/>
+                        </a:rPr>
+                        <a:t>(DNA TE)</a:t>
+                      </a:r>
+                      <a:endParaRPr lang="en-US" sz="1200" b="1" i="0" u="none" strike="noStrike" dirty="0">
+                        <a:solidFill>
+                          <a:srgbClr val="000000"/>
+                        </a:solidFill>
+                        <a:effectLst/>
+                        <a:latin typeface="Calibri" panose="020F0502020204030204" pitchFamily="34" charset="0"/>
+                      </a:endParaRPr>
+                    </a:p>
+                  </a:txBody>
+                  <a:tcPr marL="7285" marR="7285" marT="7285" marB="0" anchor="ctr">
+                    <a:solidFill>
+                      <a:schemeClr val="accent2">
+                        <a:lumMod val="20000"/>
+                        <a:lumOff val="80000"/>
+                      </a:schemeClr>
+                    </a:solidFill>
+                  </a:tcPr>
+                </a:tc>
+                <a:tc rowSpan="6">
+                  <a:txBody>
+                    <a:bodyPr/>
+                    <a:lstStyle/>
+                    <a:p>
+                      <a:pPr algn="l" fontAlgn="ctr"/>
+                      <a:r>
+                        <a:rPr lang="en-US" sz="1200" u="none" strike="noStrike" dirty="0">
+                          <a:effectLst/>
+                        </a:rPr>
+                        <a:t>subclass 1</a:t>
+                      </a:r>
+                      <a:endParaRPr lang="en-US" sz="1200" b="0" i="0" u="none" strike="noStrike" dirty="0">
+                        <a:solidFill>
+                          <a:srgbClr val="000000"/>
+                        </a:solidFill>
+                        <a:effectLst/>
+                        <a:latin typeface="Calibri" panose="020F0502020204030204" pitchFamily="34" charset="0"/>
+                      </a:endParaRPr>
+                    </a:p>
+                  </a:txBody>
+                  <a:tcPr marL="7285" marR="7285" marT="7285" marB="0" anchor="ctr">
+                    <a:solidFill>
+                      <a:schemeClr val="accent2">
+                        <a:lumMod val="20000"/>
+                        <a:lumOff val="80000"/>
+                      </a:schemeClr>
+                    </a:solidFill>
+                  </a:tcPr>
+                </a:tc>
+                <a:tc rowSpan="5">
+                  <a:txBody>
+                    <a:bodyPr/>
+                    <a:lstStyle/>
+                    <a:p>
+                      <a:pPr algn="l" fontAlgn="ctr"/>
+                      <a:r>
+                        <a:rPr lang="en-US" sz="1200" u="none" strike="noStrike" dirty="0">
+                          <a:effectLst/>
+                        </a:rPr>
+                        <a:t>TIR</a:t>
+                      </a:r>
+                      <a:endParaRPr lang="en-US" sz="1200" b="0" i="0" u="none" strike="noStrike" dirty="0">
+                        <a:solidFill>
+                          <a:srgbClr val="000000"/>
+                        </a:solidFill>
+                        <a:effectLst/>
+                        <a:latin typeface="Calibri" panose="020F0502020204030204" pitchFamily="34" charset="0"/>
+                      </a:endParaRPr>
+                    </a:p>
+                  </a:txBody>
+                  <a:tcPr marL="7285" marR="7285" marT="7285" marB="0" anchor="ctr">
+                    <a:solidFill>
+                      <a:schemeClr val="accent2">
+                        <a:lumMod val="20000"/>
+                        <a:lumOff val="80000"/>
+                      </a:schemeClr>
+                    </a:solidFill>
+                  </a:tcPr>
+                </a:tc>
+                <a:tc>
+                  <a:txBody>
+                    <a:bodyPr/>
+                    <a:lstStyle/>
+                    <a:p>
+                      <a:pPr algn="l" fontAlgn="ctr"/>
+                      <a:r>
+                        <a:rPr lang="en-US" sz="1050" i="1" u="none" strike="noStrike">
+                          <a:effectLst/>
+                        </a:rPr>
+                        <a:t>hHAT (DTA)</a:t>
+                      </a:r>
+                      <a:endParaRPr lang="en-US" sz="1050" b="0" i="1" u="none" strike="noStrike" dirty="0">
+                        <a:solidFill>
+                          <a:srgbClr val="000000"/>
+                        </a:solidFill>
+                        <a:effectLst/>
+                        <a:latin typeface="Calibri" panose="020F0502020204030204" pitchFamily="34" charset="0"/>
+                      </a:endParaRPr>
+                    </a:p>
+                  </a:txBody>
+                  <a:tcPr marL="7285" marR="7285" marT="7285" marB="0" anchor="ctr">
+                    <a:lnR w="12700" cap="flat" cmpd="sng" algn="ctr">
+                      <a:solidFill>
+                        <a:schemeClr val="tx1"/>
+                      </a:solidFill>
+                      <a:prstDash val="solid"/>
+                      <a:round/>
+                      <a:headEnd type="none" w="med" len="med"/>
+                      <a:tailEnd type="none" w="med" len="med"/>
+                    </a:lnR>
+                    <a:solidFill>
+                      <a:schemeClr val="accent2">
+                        <a:lumMod val="20000"/>
+                        <a:lumOff val="80000"/>
+                      </a:schemeClr>
+                    </a:solidFill>
+                  </a:tcPr>
+                </a:tc>
+                <a:tc>
+                  <a:txBody>
+                    <a:bodyPr/>
+                    <a:lstStyle/>
+                    <a:p>
+                      <a:pPr algn="l" fontAlgn="ctr"/>
+                      <a:endParaRPr lang="en-CN" sz="1050" b="0" i="0" u="none" strike="noStrike" dirty="0">
+                        <a:solidFill>
+                          <a:srgbClr val="000000"/>
+                        </a:solidFill>
+                        <a:effectLst/>
+                        <a:latin typeface="Calibri" panose="020F0502020204030204" pitchFamily="34" charset="0"/>
+                      </a:endParaRPr>
+                    </a:p>
+                  </a:txBody>
+                  <a:tcPr marL="7285" marR="7285" marT="7285" marB="0" anchor="ctr">
+                    <a:lnL w="12700" cap="flat" cmpd="sng" algn="ctr">
+                      <a:solidFill>
+                        <a:schemeClr val="tx1"/>
+                      </a:solidFill>
+                      <a:prstDash val="solid"/>
+                      <a:round/>
+                      <a:headEnd type="none" w="med" len="med"/>
+                      <a:tailEnd type="none" w="med" len="med"/>
+                    </a:lnL>
+                    <a:solidFill>
+                      <a:schemeClr val="accent4">
+                        <a:lumMod val="20000"/>
+                        <a:lumOff val="80000"/>
+                      </a:schemeClr>
+                    </a:solidFill>
+                  </a:tcPr>
+                </a:tc>
+                <a:tc>
+                  <a:txBody>
+                    <a:bodyPr/>
+                    <a:lstStyle/>
+                    <a:p>
+                      <a:pPr algn="l" fontAlgn="ctr"/>
+                      <a:endParaRPr lang="en-CN" sz="1050" b="0" i="0" u="none" strike="noStrike" dirty="0">
+                        <a:solidFill>
+                          <a:srgbClr val="000000"/>
+                        </a:solidFill>
+                        <a:effectLst/>
+                        <a:latin typeface="Calibri" panose="020F0502020204030204" pitchFamily="34" charset="0"/>
+                      </a:endParaRPr>
+                    </a:p>
+                  </a:txBody>
+                  <a:tcPr marL="7285" marR="7285" marT="7285" marB="0" anchor="ctr">
+                    <a:solidFill>
+                      <a:schemeClr val="accent4">
+                        <a:lumMod val="20000"/>
+                        <a:lumOff val="80000"/>
+                      </a:schemeClr>
+                    </a:solidFill>
+                  </a:tcPr>
+                </a:tc>
+                <a:tc>
+                  <a:txBody>
+                    <a:bodyPr/>
+                    <a:lstStyle/>
+                    <a:p>
+                      <a:pPr algn="l" fontAlgn="ctr"/>
+                      <a:endParaRPr lang="en-CN" sz="1050" b="0" i="0" u="none" strike="noStrike">
+                        <a:solidFill>
+                          <a:srgbClr val="000000"/>
+                        </a:solidFill>
+                        <a:effectLst/>
+                        <a:latin typeface="Calibri" panose="020F0502020204030204" pitchFamily="34" charset="0"/>
+                      </a:endParaRPr>
+                    </a:p>
+                  </a:txBody>
+                  <a:tcPr marL="7285" marR="7285" marT="7285" marB="0" anchor="ctr">
+                    <a:solidFill>
+                      <a:schemeClr val="accent4">
+                        <a:lumMod val="20000"/>
+                        <a:lumOff val="80000"/>
+                      </a:schemeClr>
+                    </a:solidFill>
+                  </a:tcPr>
+                </a:tc>
+                <a:tc>
+                  <a:txBody>
+                    <a:bodyPr/>
+                    <a:lstStyle/>
+                    <a:p>
+                      <a:pPr algn="l" fontAlgn="ctr"/>
+                      <a:endParaRPr lang="en-CN" sz="1050" b="0" i="0" u="none" strike="noStrike" dirty="0">
+                        <a:solidFill>
+                          <a:srgbClr val="000000"/>
+                        </a:solidFill>
+                        <a:effectLst/>
+                        <a:latin typeface="Calibri" panose="020F0502020204030204" pitchFamily="34" charset="0"/>
+                      </a:endParaRPr>
+                    </a:p>
+                  </a:txBody>
+                  <a:tcPr marL="7285" marR="7285" marT="7285" marB="0" anchor="ctr">
+                    <a:solidFill>
+                      <a:schemeClr val="accent4">
+                        <a:lumMod val="20000"/>
+                        <a:lumOff val="80000"/>
+                      </a:schemeClr>
+                    </a:solidFill>
+                  </a:tcPr>
+                </a:tc>
+                <a:extLst>
+                  <a:ext uri="{0D108BD9-81ED-4DB2-BD59-A6C34878D82A}">
+                    <a16:rowId xmlns:a16="http://schemas.microsoft.com/office/drawing/2014/main" val="1064261707"/>
+                  </a:ext>
+                </a:extLst>
+              </a:tr>
+              <a:tr h="174573">
+                <a:tc vMerge="1">
+                  <a:txBody>
+                    <a:bodyPr/>
+                    <a:lstStyle/>
+                    <a:p>
+                      <a:endParaRPr lang="en-CN"/>
+                    </a:p>
+                  </a:txBody>
+                  <a:tcPr/>
+                </a:tc>
+                <a:tc vMerge="1">
+                  <a:txBody>
+                    <a:bodyPr/>
+                    <a:lstStyle/>
+                    <a:p>
+                      <a:endParaRPr lang="en-CN"/>
+                    </a:p>
+                  </a:txBody>
+                  <a:tcPr/>
+                </a:tc>
+                <a:tc vMerge="1">
+                  <a:txBody>
+                    <a:bodyPr/>
+                    <a:lstStyle/>
+                    <a:p>
+                      <a:endParaRPr lang="en-CN"/>
+                    </a:p>
+                  </a:txBody>
+                  <a:tcPr/>
+                </a:tc>
+                <a:tc>
+                  <a:txBody>
+                    <a:bodyPr/>
+                    <a:lstStyle/>
+                    <a:p>
+                      <a:pPr algn="l" fontAlgn="ctr"/>
+                      <a:r>
+                        <a:rPr lang="en-US" sz="1050" i="1" u="none" strike="noStrike">
+                          <a:effectLst/>
+                        </a:rPr>
+                        <a:t>CACTA (DTC)</a:t>
+                      </a:r>
+                      <a:endParaRPr lang="en-US" sz="1050" b="0" i="1" u="none" strike="noStrike">
+                        <a:solidFill>
+                          <a:srgbClr val="000000"/>
+                        </a:solidFill>
+                        <a:effectLst/>
+                        <a:latin typeface="Calibri" panose="020F0502020204030204" pitchFamily="34" charset="0"/>
+                      </a:endParaRPr>
+                    </a:p>
+                  </a:txBody>
+                  <a:tcPr marL="7285" marR="7285" marT="7285" marB="0" anchor="ctr">
+                    <a:lnR w="12700" cap="flat" cmpd="sng" algn="ctr">
+                      <a:solidFill>
+                        <a:schemeClr val="tx1"/>
+                      </a:solidFill>
+                      <a:prstDash val="solid"/>
+                      <a:round/>
+                      <a:headEnd type="none" w="med" len="med"/>
+                      <a:tailEnd type="none" w="med" len="med"/>
+                    </a:lnR>
+                    <a:solidFill>
+                      <a:schemeClr val="accent2">
+                        <a:lumMod val="20000"/>
+                        <a:lumOff val="80000"/>
+                      </a:schemeClr>
+                    </a:solidFill>
+                  </a:tcPr>
+                </a:tc>
+                <a:tc>
+                  <a:txBody>
+                    <a:bodyPr/>
+                    <a:lstStyle/>
+                    <a:p>
+                      <a:pPr algn="l" fontAlgn="ctr"/>
+                      <a:endParaRPr lang="en-CN" sz="1050" b="0" i="0" u="none" strike="noStrike" dirty="0">
+                        <a:solidFill>
+                          <a:srgbClr val="000000"/>
+                        </a:solidFill>
+                        <a:effectLst/>
+                        <a:latin typeface="Calibri" panose="020F0502020204030204" pitchFamily="34" charset="0"/>
+                      </a:endParaRPr>
+                    </a:p>
+                  </a:txBody>
+                  <a:tcPr marL="7285" marR="7285" marT="7285" marB="0" anchor="ctr">
+                    <a:lnL w="12700" cap="flat" cmpd="sng" algn="ctr">
+                      <a:solidFill>
+                        <a:schemeClr val="tx1"/>
+                      </a:solidFill>
+                      <a:prstDash val="solid"/>
+                      <a:round/>
+                      <a:headEnd type="none" w="med" len="med"/>
+                      <a:tailEnd type="none" w="med" len="med"/>
+                    </a:lnL>
+                    <a:solidFill>
+                      <a:schemeClr val="accent4">
+                        <a:lumMod val="20000"/>
+                        <a:lumOff val="80000"/>
+                      </a:schemeClr>
+                    </a:solidFill>
+                  </a:tcPr>
+                </a:tc>
+                <a:tc>
+                  <a:txBody>
+                    <a:bodyPr/>
+                    <a:lstStyle/>
+                    <a:p>
+                      <a:pPr algn="l" fontAlgn="ctr"/>
+                      <a:endParaRPr lang="en-CN" sz="1050" b="0" i="0" u="none" strike="noStrike" dirty="0">
+                        <a:solidFill>
+                          <a:srgbClr val="000000"/>
+                        </a:solidFill>
+                        <a:effectLst/>
+                        <a:latin typeface="Calibri" panose="020F0502020204030204" pitchFamily="34" charset="0"/>
+                      </a:endParaRPr>
+                    </a:p>
+                  </a:txBody>
+                  <a:tcPr marL="7285" marR="7285" marT="7285" marB="0" anchor="ctr">
+                    <a:solidFill>
+                      <a:schemeClr val="accent4">
+                        <a:lumMod val="20000"/>
+                        <a:lumOff val="80000"/>
+                      </a:schemeClr>
+                    </a:solidFill>
+                  </a:tcPr>
+                </a:tc>
+                <a:tc>
+                  <a:txBody>
+                    <a:bodyPr/>
+                    <a:lstStyle/>
+                    <a:p>
+                      <a:pPr algn="l" fontAlgn="ctr"/>
+                      <a:endParaRPr lang="en-CN" sz="1050" b="0" i="0" u="none" strike="noStrike">
+                        <a:solidFill>
+                          <a:srgbClr val="000000"/>
+                        </a:solidFill>
+                        <a:effectLst/>
+                        <a:latin typeface="Calibri" panose="020F0502020204030204" pitchFamily="34" charset="0"/>
+                      </a:endParaRPr>
+                    </a:p>
+                  </a:txBody>
+                  <a:tcPr marL="7285" marR="7285" marT="7285" marB="0" anchor="ctr">
+                    <a:solidFill>
+                      <a:schemeClr val="accent4">
+                        <a:lumMod val="20000"/>
+                        <a:lumOff val="80000"/>
+                      </a:schemeClr>
+                    </a:solidFill>
+                  </a:tcPr>
+                </a:tc>
+                <a:tc>
+                  <a:txBody>
+                    <a:bodyPr/>
+                    <a:lstStyle/>
+                    <a:p>
+                      <a:pPr algn="l" fontAlgn="ctr"/>
+                      <a:endParaRPr lang="en-CN" sz="1050" b="0" i="0" u="none" strike="noStrike">
+                        <a:solidFill>
+                          <a:srgbClr val="000000"/>
+                        </a:solidFill>
+                        <a:effectLst/>
+                        <a:latin typeface="Calibri" panose="020F0502020204030204" pitchFamily="34" charset="0"/>
+                      </a:endParaRPr>
+                    </a:p>
+                  </a:txBody>
+                  <a:tcPr marL="7285" marR="7285" marT="7285" marB="0" anchor="ctr">
+                    <a:solidFill>
+                      <a:schemeClr val="accent4">
+                        <a:lumMod val="20000"/>
+                        <a:lumOff val="80000"/>
+                      </a:schemeClr>
+                    </a:solidFill>
+                  </a:tcPr>
+                </a:tc>
+                <a:extLst>
+                  <a:ext uri="{0D108BD9-81ED-4DB2-BD59-A6C34878D82A}">
+                    <a16:rowId xmlns:a16="http://schemas.microsoft.com/office/drawing/2014/main" val="3603750275"/>
+                  </a:ext>
+                </a:extLst>
+              </a:tr>
+              <a:tr h="174573">
+                <a:tc vMerge="1">
+                  <a:txBody>
+                    <a:bodyPr/>
+                    <a:lstStyle/>
+                    <a:p>
+                      <a:endParaRPr lang="en-CN"/>
+                    </a:p>
+                  </a:txBody>
+                  <a:tcPr/>
+                </a:tc>
+                <a:tc vMerge="1">
+                  <a:txBody>
+                    <a:bodyPr/>
+                    <a:lstStyle/>
+                    <a:p>
+                      <a:endParaRPr lang="en-CN"/>
+                    </a:p>
+                  </a:txBody>
+                  <a:tcPr/>
+                </a:tc>
+                <a:tc vMerge="1">
+                  <a:txBody>
+                    <a:bodyPr/>
+                    <a:lstStyle/>
+                    <a:p>
+                      <a:endParaRPr lang="en-CN"/>
+                    </a:p>
+                  </a:txBody>
+                  <a:tcPr/>
+                </a:tc>
+                <a:tc>
+                  <a:txBody>
+                    <a:bodyPr/>
+                    <a:lstStyle/>
+                    <a:p>
+                      <a:pPr algn="l" fontAlgn="ctr"/>
+                      <a:r>
+                        <a:rPr lang="en-US" sz="1050" i="1" u="none" strike="noStrike">
+                          <a:effectLst/>
+                        </a:rPr>
+                        <a:t>PIF/Harbinger (DTH)</a:t>
+                      </a:r>
+                      <a:endParaRPr lang="en-US" sz="1050" b="0" i="1" u="none" strike="noStrike" dirty="0">
+                        <a:solidFill>
+                          <a:srgbClr val="000000"/>
+                        </a:solidFill>
+                        <a:effectLst/>
+                        <a:latin typeface="Calibri" panose="020F0502020204030204" pitchFamily="34" charset="0"/>
+                      </a:endParaRPr>
+                    </a:p>
+                  </a:txBody>
+                  <a:tcPr marL="7285" marR="7285" marT="7285" marB="0" anchor="ctr">
+                    <a:lnR w="12700" cap="flat" cmpd="sng" algn="ctr">
+                      <a:solidFill>
+                        <a:schemeClr val="tx1"/>
+                      </a:solidFill>
+                      <a:prstDash val="solid"/>
+                      <a:round/>
+                      <a:headEnd type="none" w="med" len="med"/>
+                      <a:tailEnd type="none" w="med" len="med"/>
+                    </a:lnR>
+                    <a:solidFill>
+                      <a:schemeClr val="accent2">
+                        <a:lumMod val="20000"/>
+                        <a:lumOff val="80000"/>
+                      </a:schemeClr>
+                    </a:solidFill>
+                  </a:tcPr>
+                </a:tc>
+                <a:tc>
+                  <a:txBody>
+                    <a:bodyPr/>
+                    <a:lstStyle/>
+                    <a:p>
+                      <a:pPr algn="l" fontAlgn="ctr"/>
+                      <a:endParaRPr lang="en-CN" sz="1050" b="0" i="0" u="none" strike="noStrike" dirty="0">
+                        <a:solidFill>
+                          <a:srgbClr val="000000"/>
+                        </a:solidFill>
+                        <a:effectLst/>
+                        <a:latin typeface="Calibri" panose="020F0502020204030204" pitchFamily="34" charset="0"/>
+                      </a:endParaRPr>
+                    </a:p>
+                  </a:txBody>
+                  <a:tcPr marL="7285" marR="7285" marT="7285" marB="0" anchor="ctr">
+                    <a:lnL w="12700" cap="flat" cmpd="sng" algn="ctr">
+                      <a:solidFill>
+                        <a:schemeClr val="tx1"/>
+                      </a:solidFill>
+                      <a:prstDash val="solid"/>
+                      <a:round/>
+                      <a:headEnd type="none" w="med" len="med"/>
+                      <a:tailEnd type="none" w="med" len="med"/>
+                    </a:lnL>
+                    <a:solidFill>
+                      <a:schemeClr val="accent4">
+                        <a:lumMod val="20000"/>
+                        <a:lumOff val="80000"/>
+                      </a:schemeClr>
+                    </a:solidFill>
+                  </a:tcPr>
+                </a:tc>
+                <a:tc>
+                  <a:txBody>
+                    <a:bodyPr/>
+                    <a:lstStyle/>
+                    <a:p>
+                      <a:pPr algn="l" fontAlgn="ctr"/>
+                      <a:endParaRPr lang="en-CN" sz="1050" b="0" i="0" u="none" strike="noStrike" dirty="0">
+                        <a:solidFill>
+                          <a:srgbClr val="000000"/>
+                        </a:solidFill>
+                        <a:effectLst/>
+                        <a:latin typeface="Calibri" panose="020F0502020204030204" pitchFamily="34" charset="0"/>
+                      </a:endParaRPr>
+                    </a:p>
+                  </a:txBody>
+                  <a:tcPr marL="7285" marR="7285" marT="7285" marB="0" anchor="ctr">
+                    <a:solidFill>
+                      <a:schemeClr val="accent4">
+                        <a:lumMod val="20000"/>
+                        <a:lumOff val="80000"/>
+                      </a:schemeClr>
+                    </a:solidFill>
+                  </a:tcPr>
+                </a:tc>
+                <a:tc>
+                  <a:txBody>
+                    <a:bodyPr/>
+                    <a:lstStyle/>
+                    <a:p>
+                      <a:pPr algn="l" fontAlgn="ctr"/>
+                      <a:endParaRPr lang="en-CN" sz="1050" b="0" i="0" u="none" strike="noStrike" dirty="0">
+                        <a:solidFill>
+                          <a:srgbClr val="000000"/>
+                        </a:solidFill>
+                        <a:effectLst/>
+                        <a:latin typeface="Calibri" panose="020F0502020204030204" pitchFamily="34" charset="0"/>
+                      </a:endParaRPr>
+                    </a:p>
+                  </a:txBody>
+                  <a:tcPr marL="7285" marR="7285" marT="7285" marB="0" anchor="ctr">
+                    <a:solidFill>
+                      <a:schemeClr val="accent4">
+                        <a:lumMod val="20000"/>
+                        <a:lumOff val="80000"/>
+                      </a:schemeClr>
+                    </a:solidFill>
+                  </a:tcPr>
+                </a:tc>
+                <a:tc>
+                  <a:txBody>
+                    <a:bodyPr/>
+                    <a:lstStyle/>
+                    <a:p>
+                      <a:pPr algn="l" fontAlgn="ctr"/>
+                      <a:endParaRPr lang="en-CN" sz="1050" b="0" i="0" u="none" strike="noStrike">
+                        <a:solidFill>
+                          <a:srgbClr val="000000"/>
+                        </a:solidFill>
+                        <a:effectLst/>
+                        <a:latin typeface="Calibri" panose="020F0502020204030204" pitchFamily="34" charset="0"/>
+                      </a:endParaRPr>
+                    </a:p>
+                  </a:txBody>
+                  <a:tcPr marL="7285" marR="7285" marT="7285" marB="0" anchor="ctr">
+                    <a:solidFill>
+                      <a:schemeClr val="accent4">
+                        <a:lumMod val="20000"/>
+                        <a:lumOff val="80000"/>
+                      </a:schemeClr>
+                    </a:solidFill>
+                  </a:tcPr>
+                </a:tc>
+                <a:extLst>
+                  <a:ext uri="{0D108BD9-81ED-4DB2-BD59-A6C34878D82A}">
+                    <a16:rowId xmlns:a16="http://schemas.microsoft.com/office/drawing/2014/main" val="3467794945"/>
+                  </a:ext>
+                </a:extLst>
+              </a:tr>
+              <a:tr h="174573">
+                <a:tc vMerge="1">
+                  <a:txBody>
+                    <a:bodyPr/>
+                    <a:lstStyle/>
+                    <a:p>
+                      <a:endParaRPr lang="en-CN"/>
+                    </a:p>
+                  </a:txBody>
+                  <a:tcPr/>
+                </a:tc>
+                <a:tc vMerge="1">
+                  <a:txBody>
+                    <a:bodyPr/>
+                    <a:lstStyle/>
+                    <a:p>
+                      <a:endParaRPr lang="en-CN"/>
+                    </a:p>
+                  </a:txBody>
+                  <a:tcPr/>
+                </a:tc>
+                <a:tc vMerge="1">
+                  <a:txBody>
+                    <a:bodyPr/>
+                    <a:lstStyle/>
+                    <a:p>
+                      <a:endParaRPr lang="en-CN"/>
+                    </a:p>
+                  </a:txBody>
+                  <a:tcPr/>
+                </a:tc>
+                <a:tc>
+                  <a:txBody>
+                    <a:bodyPr/>
+                    <a:lstStyle/>
+                    <a:p>
+                      <a:pPr algn="l" fontAlgn="ctr"/>
+                      <a:r>
+                        <a:rPr lang="en-US" sz="1050" i="1" u="none" strike="noStrike" dirty="0">
+                          <a:effectLst/>
+                        </a:rPr>
+                        <a:t>Mutator (DTM)</a:t>
+                      </a:r>
+                      <a:endParaRPr lang="en-US" sz="1050" b="0" i="1" u="none" strike="noStrike" dirty="0">
+                        <a:solidFill>
+                          <a:srgbClr val="000000"/>
+                        </a:solidFill>
+                        <a:effectLst/>
+                        <a:latin typeface="Calibri" panose="020F0502020204030204" pitchFamily="34" charset="0"/>
+                      </a:endParaRPr>
+                    </a:p>
+                  </a:txBody>
+                  <a:tcPr marL="7285" marR="7285" marT="7285" marB="0" anchor="ctr">
+                    <a:lnR w="12700" cap="flat" cmpd="sng" algn="ctr">
+                      <a:solidFill>
+                        <a:schemeClr val="tx1"/>
+                      </a:solidFill>
+                      <a:prstDash val="solid"/>
+                      <a:round/>
+                      <a:headEnd type="none" w="med" len="med"/>
+                      <a:tailEnd type="none" w="med" len="med"/>
+                    </a:lnR>
+                    <a:solidFill>
+                      <a:schemeClr val="accent2">
+                        <a:lumMod val="20000"/>
+                        <a:lumOff val="80000"/>
+                      </a:schemeClr>
+                    </a:solidFill>
+                  </a:tcPr>
+                </a:tc>
+                <a:tc>
+                  <a:txBody>
+                    <a:bodyPr/>
+                    <a:lstStyle/>
+                    <a:p>
+                      <a:pPr algn="l" fontAlgn="ctr"/>
+                      <a:endParaRPr lang="en-CN" sz="1050" b="0" i="0" u="none" strike="noStrike" dirty="0">
+                        <a:solidFill>
+                          <a:srgbClr val="000000"/>
+                        </a:solidFill>
+                        <a:effectLst/>
+                        <a:latin typeface="Calibri" panose="020F0502020204030204" pitchFamily="34" charset="0"/>
+                      </a:endParaRPr>
+                    </a:p>
+                  </a:txBody>
+                  <a:tcPr marL="7285" marR="7285" marT="7285" marB="0" anchor="ctr">
+                    <a:lnL w="12700" cap="flat" cmpd="sng" algn="ctr">
+                      <a:solidFill>
+                        <a:schemeClr val="tx1"/>
+                      </a:solidFill>
+                      <a:prstDash val="solid"/>
+                      <a:round/>
+                      <a:headEnd type="none" w="med" len="med"/>
+                      <a:tailEnd type="none" w="med" len="med"/>
+                    </a:lnL>
+                    <a:solidFill>
+                      <a:schemeClr val="accent4">
+                        <a:lumMod val="20000"/>
+                        <a:lumOff val="80000"/>
+                      </a:schemeClr>
+                    </a:solidFill>
+                  </a:tcPr>
+                </a:tc>
+                <a:tc>
+                  <a:txBody>
+                    <a:bodyPr/>
+                    <a:lstStyle/>
+                    <a:p>
+                      <a:pPr algn="l" fontAlgn="ctr"/>
+                      <a:endParaRPr lang="en-CN" sz="1050" b="0" i="0" u="none" strike="noStrike">
+                        <a:solidFill>
+                          <a:srgbClr val="000000"/>
+                        </a:solidFill>
+                        <a:effectLst/>
+                        <a:latin typeface="Calibri" panose="020F0502020204030204" pitchFamily="34" charset="0"/>
+                      </a:endParaRPr>
+                    </a:p>
+                  </a:txBody>
+                  <a:tcPr marL="7285" marR="7285" marT="7285" marB="0" anchor="ctr">
+                    <a:solidFill>
+                      <a:schemeClr val="accent4">
+                        <a:lumMod val="20000"/>
+                        <a:lumOff val="80000"/>
+                      </a:schemeClr>
+                    </a:solidFill>
+                  </a:tcPr>
+                </a:tc>
+                <a:tc>
+                  <a:txBody>
+                    <a:bodyPr/>
+                    <a:lstStyle/>
+                    <a:p>
+                      <a:pPr algn="l" fontAlgn="ctr"/>
+                      <a:endParaRPr lang="en-CN" sz="1050" b="0" i="0" u="none" strike="noStrike">
+                        <a:solidFill>
+                          <a:srgbClr val="000000"/>
+                        </a:solidFill>
+                        <a:effectLst/>
+                        <a:latin typeface="Calibri" panose="020F0502020204030204" pitchFamily="34" charset="0"/>
+                      </a:endParaRPr>
+                    </a:p>
+                  </a:txBody>
+                  <a:tcPr marL="7285" marR="7285" marT="7285" marB="0" anchor="ctr">
+                    <a:solidFill>
+                      <a:schemeClr val="accent4">
+                        <a:lumMod val="20000"/>
+                        <a:lumOff val="80000"/>
+                      </a:schemeClr>
+                    </a:solidFill>
+                  </a:tcPr>
+                </a:tc>
+                <a:tc>
+                  <a:txBody>
+                    <a:bodyPr/>
+                    <a:lstStyle/>
+                    <a:p>
+                      <a:pPr algn="l" fontAlgn="ctr"/>
+                      <a:endParaRPr lang="en-CN" sz="1050" b="0" i="0" u="none" strike="noStrike">
+                        <a:solidFill>
+                          <a:srgbClr val="000000"/>
+                        </a:solidFill>
+                        <a:effectLst/>
+                        <a:latin typeface="Calibri" panose="020F0502020204030204" pitchFamily="34" charset="0"/>
+                      </a:endParaRPr>
+                    </a:p>
+                  </a:txBody>
+                  <a:tcPr marL="7285" marR="7285" marT="7285" marB="0" anchor="ctr">
+                    <a:solidFill>
+                      <a:schemeClr val="accent4">
+                        <a:lumMod val="20000"/>
+                        <a:lumOff val="80000"/>
+                      </a:schemeClr>
+                    </a:solidFill>
+                  </a:tcPr>
+                </a:tc>
+                <a:extLst>
+                  <a:ext uri="{0D108BD9-81ED-4DB2-BD59-A6C34878D82A}">
+                    <a16:rowId xmlns:a16="http://schemas.microsoft.com/office/drawing/2014/main" val="1909265549"/>
+                  </a:ext>
+                </a:extLst>
+              </a:tr>
+              <a:tr h="174573">
+                <a:tc vMerge="1">
+                  <a:txBody>
+                    <a:bodyPr/>
+                    <a:lstStyle/>
+                    <a:p>
+                      <a:endParaRPr lang="en-CN"/>
+                    </a:p>
+                  </a:txBody>
+                  <a:tcPr/>
+                </a:tc>
+                <a:tc vMerge="1">
+                  <a:txBody>
+                    <a:bodyPr/>
+                    <a:lstStyle/>
+                    <a:p>
+                      <a:endParaRPr lang="en-CN"/>
+                    </a:p>
+                  </a:txBody>
+                  <a:tcPr/>
+                </a:tc>
+                <a:tc vMerge="1">
+                  <a:txBody>
+                    <a:bodyPr/>
+                    <a:lstStyle/>
+                    <a:p>
+                      <a:endParaRPr lang="en-CN"/>
+                    </a:p>
+                  </a:txBody>
+                  <a:tcPr/>
+                </a:tc>
+                <a:tc>
+                  <a:txBody>
+                    <a:bodyPr/>
+                    <a:lstStyle/>
+                    <a:p>
+                      <a:pPr algn="l" fontAlgn="ctr"/>
+                      <a:r>
+                        <a:rPr lang="en-US" sz="1050" i="1" u="none" strike="noStrike" dirty="0" err="1">
+                          <a:effectLst/>
+                        </a:rPr>
+                        <a:t>Tcl</a:t>
+                      </a:r>
+                      <a:r>
+                        <a:rPr lang="en-US" sz="1050" i="1" u="none" strike="noStrike" dirty="0">
+                          <a:effectLst/>
+                        </a:rPr>
+                        <a:t>/Mariner (DTT)</a:t>
+                      </a:r>
+                      <a:endParaRPr lang="en-US" sz="1050" b="0" i="1" u="none" strike="noStrike" dirty="0">
+                        <a:solidFill>
+                          <a:srgbClr val="000000"/>
+                        </a:solidFill>
+                        <a:effectLst/>
+                        <a:latin typeface="Calibri" panose="020F0502020204030204" pitchFamily="34" charset="0"/>
+                      </a:endParaRPr>
+                    </a:p>
+                  </a:txBody>
+                  <a:tcPr marL="7285" marR="7285" marT="7285" marB="0" anchor="ctr">
+                    <a:lnR w="12700" cap="flat" cmpd="sng" algn="ctr">
+                      <a:solidFill>
+                        <a:schemeClr val="tx1"/>
+                      </a:solidFill>
+                      <a:prstDash val="solid"/>
+                      <a:round/>
+                      <a:headEnd type="none" w="med" len="med"/>
+                      <a:tailEnd type="none" w="med" len="med"/>
+                    </a:lnR>
+                    <a:solidFill>
+                      <a:schemeClr val="accent2">
+                        <a:lumMod val="20000"/>
+                        <a:lumOff val="80000"/>
+                      </a:schemeClr>
+                    </a:solidFill>
+                  </a:tcPr>
+                </a:tc>
+                <a:tc>
+                  <a:txBody>
+                    <a:bodyPr/>
+                    <a:lstStyle/>
+                    <a:p>
+                      <a:pPr algn="l" fontAlgn="ctr"/>
+                      <a:endParaRPr lang="en-CN" sz="1050" b="0" i="0" u="none" strike="noStrike" dirty="0">
+                        <a:solidFill>
+                          <a:srgbClr val="000000"/>
+                        </a:solidFill>
+                        <a:effectLst/>
+                        <a:latin typeface="Calibri" panose="020F0502020204030204" pitchFamily="34" charset="0"/>
+                      </a:endParaRPr>
+                    </a:p>
+                  </a:txBody>
+                  <a:tcPr marL="7285" marR="7285" marT="7285" marB="0" anchor="ctr">
+                    <a:lnL w="12700" cap="flat" cmpd="sng" algn="ctr">
+                      <a:solidFill>
+                        <a:schemeClr val="tx1"/>
+                      </a:solidFill>
+                      <a:prstDash val="solid"/>
+                      <a:round/>
+                      <a:headEnd type="none" w="med" len="med"/>
+                      <a:tailEnd type="none" w="med" len="med"/>
+                    </a:lnL>
+                    <a:solidFill>
+                      <a:schemeClr val="accent4">
+                        <a:lumMod val="20000"/>
+                        <a:lumOff val="80000"/>
+                      </a:schemeClr>
+                    </a:solidFill>
+                  </a:tcPr>
+                </a:tc>
+                <a:tc>
+                  <a:txBody>
+                    <a:bodyPr/>
+                    <a:lstStyle/>
+                    <a:p>
+                      <a:pPr algn="l" fontAlgn="ctr"/>
+                      <a:endParaRPr lang="en-CN" sz="1050" b="0" i="0" u="none" strike="noStrike" dirty="0">
+                        <a:solidFill>
+                          <a:srgbClr val="000000"/>
+                        </a:solidFill>
+                        <a:effectLst/>
+                        <a:latin typeface="Calibri" panose="020F0502020204030204" pitchFamily="34" charset="0"/>
+                      </a:endParaRPr>
+                    </a:p>
+                  </a:txBody>
+                  <a:tcPr marL="7285" marR="7285" marT="7285" marB="0" anchor="ctr">
+                    <a:solidFill>
+                      <a:schemeClr val="accent4">
+                        <a:lumMod val="20000"/>
+                        <a:lumOff val="80000"/>
+                      </a:schemeClr>
+                    </a:solidFill>
+                  </a:tcPr>
+                </a:tc>
+                <a:tc>
+                  <a:txBody>
+                    <a:bodyPr/>
+                    <a:lstStyle/>
+                    <a:p>
+                      <a:pPr algn="l" fontAlgn="ctr"/>
+                      <a:endParaRPr lang="en-CN" sz="1050" b="0" i="0" u="none" strike="noStrike" dirty="0">
+                        <a:solidFill>
+                          <a:srgbClr val="000000"/>
+                        </a:solidFill>
+                        <a:effectLst/>
+                        <a:latin typeface="Calibri" panose="020F0502020204030204" pitchFamily="34" charset="0"/>
+                      </a:endParaRPr>
+                    </a:p>
+                  </a:txBody>
+                  <a:tcPr marL="7285" marR="7285" marT="7285" marB="0" anchor="ctr">
+                    <a:solidFill>
+                      <a:schemeClr val="accent4">
+                        <a:lumMod val="20000"/>
+                        <a:lumOff val="80000"/>
+                      </a:schemeClr>
+                    </a:solidFill>
+                  </a:tcPr>
+                </a:tc>
+                <a:tc>
+                  <a:txBody>
+                    <a:bodyPr/>
+                    <a:lstStyle/>
+                    <a:p>
+                      <a:pPr algn="l" fontAlgn="ctr"/>
+                      <a:endParaRPr lang="en-CN" sz="1050" b="0" i="0" u="none" strike="noStrike">
+                        <a:solidFill>
+                          <a:srgbClr val="000000"/>
+                        </a:solidFill>
+                        <a:effectLst/>
+                        <a:latin typeface="Calibri" panose="020F0502020204030204" pitchFamily="34" charset="0"/>
+                      </a:endParaRPr>
+                    </a:p>
+                  </a:txBody>
+                  <a:tcPr marL="7285" marR="7285" marT="7285" marB="0" anchor="ctr">
+                    <a:solidFill>
+                      <a:schemeClr val="accent4">
+                        <a:lumMod val="20000"/>
+                        <a:lumOff val="80000"/>
+                      </a:schemeClr>
+                    </a:solidFill>
+                  </a:tcPr>
+                </a:tc>
+                <a:extLst>
+                  <a:ext uri="{0D108BD9-81ED-4DB2-BD59-A6C34878D82A}">
+                    <a16:rowId xmlns:a16="http://schemas.microsoft.com/office/drawing/2014/main" val="3668125712"/>
+                  </a:ext>
+                </a:extLst>
+              </a:tr>
+              <a:tr h="174573">
+                <a:tc vMerge="1">
+                  <a:txBody>
+                    <a:bodyPr/>
+                    <a:lstStyle/>
+                    <a:p>
+                      <a:endParaRPr lang="en-CN"/>
+                    </a:p>
+                  </a:txBody>
+                  <a:tcPr/>
+                </a:tc>
+                <a:tc vMerge="1">
+                  <a:txBody>
+                    <a:bodyPr/>
+                    <a:lstStyle/>
+                    <a:p>
+                      <a:endParaRPr lang="en-CN"/>
+                    </a:p>
+                  </a:txBody>
+                  <a:tcPr/>
+                </a:tc>
+                <a:tc>
+                  <a:txBody>
+                    <a:bodyPr/>
+                    <a:lstStyle/>
+                    <a:p>
+                      <a:r>
+                        <a:rPr lang="en-US" sz="1200" u="none" strike="noStrike" dirty="0">
+                          <a:effectLst/>
+                        </a:rPr>
+                        <a:t>Crypton</a:t>
+                      </a:r>
+                      <a:endParaRPr lang="en-CN" dirty="0"/>
+                    </a:p>
+                  </a:txBody>
+                  <a:tcPr marL="7285" marR="7285" marT="7285" marB="0" anchor="ctr">
+                    <a:solidFill>
+                      <a:schemeClr val="accent2">
+                        <a:lumMod val="20000"/>
+                        <a:lumOff val="80000"/>
+                      </a:schemeClr>
+                    </a:solidFill>
+                  </a:tcPr>
+                </a:tc>
+                <a:tc>
+                  <a:txBody>
+                    <a:bodyPr/>
+                    <a:lstStyle/>
+                    <a:p>
+                      <a:pPr algn="l" fontAlgn="ctr"/>
+                      <a:r>
+                        <a:rPr lang="en-US" sz="1050" i="1" u="none" strike="noStrike" dirty="0">
+                          <a:effectLst/>
+                        </a:rPr>
+                        <a:t>Crypton</a:t>
+                      </a:r>
+                      <a:endParaRPr lang="en-US" sz="1050" b="0" i="1" u="none" strike="noStrike" dirty="0">
+                        <a:solidFill>
+                          <a:srgbClr val="000000"/>
+                        </a:solidFill>
+                        <a:effectLst/>
+                        <a:latin typeface="Calibri" panose="020F0502020204030204" pitchFamily="34" charset="0"/>
+                      </a:endParaRPr>
+                    </a:p>
+                  </a:txBody>
+                  <a:tcPr marL="7285" marR="7285" marT="7285" marB="0" anchor="ctr">
+                    <a:lnR w="12700" cap="flat" cmpd="sng" algn="ctr">
+                      <a:solidFill>
+                        <a:schemeClr val="tx1"/>
+                      </a:solidFill>
+                      <a:prstDash val="solid"/>
+                      <a:round/>
+                      <a:headEnd type="none" w="med" len="med"/>
+                      <a:tailEnd type="none" w="med" len="med"/>
+                    </a:lnR>
+                    <a:solidFill>
+                      <a:schemeClr val="accent2">
+                        <a:lumMod val="20000"/>
+                        <a:lumOff val="80000"/>
+                      </a:schemeClr>
+                    </a:solidFill>
+                  </a:tcPr>
+                </a:tc>
+                <a:tc>
+                  <a:txBody>
+                    <a:bodyPr/>
+                    <a:lstStyle/>
+                    <a:p>
+                      <a:pPr algn="l" fontAlgn="ctr"/>
+                      <a:endParaRPr lang="en-CN" sz="1050" b="0" i="0" u="none" strike="noStrike" dirty="0">
+                        <a:solidFill>
+                          <a:srgbClr val="000000"/>
+                        </a:solidFill>
+                        <a:effectLst/>
+                        <a:latin typeface="Calibri" panose="020F0502020204030204" pitchFamily="34" charset="0"/>
+                      </a:endParaRPr>
+                    </a:p>
+                  </a:txBody>
+                  <a:tcPr marL="7285" marR="7285" marT="7285" marB="0" anchor="ctr">
+                    <a:lnL w="12700" cap="flat" cmpd="sng" algn="ctr">
+                      <a:solidFill>
+                        <a:schemeClr val="tx1"/>
+                      </a:solidFill>
+                      <a:prstDash val="solid"/>
+                      <a:round/>
+                      <a:headEnd type="none" w="med" len="med"/>
+                      <a:tailEnd type="none" w="med" len="med"/>
+                    </a:lnL>
+                    <a:solidFill>
+                      <a:schemeClr val="accent4">
+                        <a:lumMod val="20000"/>
+                        <a:lumOff val="80000"/>
+                      </a:schemeClr>
+                    </a:solidFill>
+                  </a:tcPr>
+                </a:tc>
+                <a:tc>
+                  <a:txBody>
+                    <a:bodyPr/>
+                    <a:lstStyle/>
+                    <a:p>
+                      <a:pPr algn="l" fontAlgn="ctr"/>
+                      <a:endParaRPr lang="en-CN" sz="1050" b="0" i="0" u="none" strike="noStrike" dirty="0">
+                        <a:solidFill>
+                          <a:srgbClr val="000000"/>
+                        </a:solidFill>
+                        <a:effectLst/>
+                        <a:latin typeface="Calibri" panose="020F0502020204030204" pitchFamily="34" charset="0"/>
+                      </a:endParaRPr>
+                    </a:p>
+                  </a:txBody>
+                  <a:tcPr marL="7285" marR="7285" marT="7285" marB="0" anchor="ctr">
+                    <a:solidFill>
+                      <a:schemeClr val="accent4">
+                        <a:lumMod val="20000"/>
+                        <a:lumOff val="80000"/>
+                      </a:schemeClr>
+                    </a:solidFill>
+                  </a:tcPr>
+                </a:tc>
+                <a:tc>
+                  <a:txBody>
+                    <a:bodyPr/>
+                    <a:lstStyle/>
+                    <a:p>
+                      <a:pPr algn="l" fontAlgn="ctr"/>
+                      <a:endParaRPr lang="en-CN" sz="1050" b="0" i="0" u="none" strike="noStrike" dirty="0">
+                        <a:solidFill>
+                          <a:srgbClr val="000000"/>
+                        </a:solidFill>
+                        <a:effectLst/>
+                        <a:latin typeface="Calibri" panose="020F0502020204030204" pitchFamily="34" charset="0"/>
+                      </a:endParaRPr>
+                    </a:p>
+                  </a:txBody>
+                  <a:tcPr marL="7285" marR="7285" marT="7285" marB="0" anchor="ctr">
+                    <a:solidFill>
+                      <a:schemeClr val="accent4">
+                        <a:lumMod val="20000"/>
+                        <a:lumOff val="80000"/>
+                      </a:schemeClr>
+                    </a:solidFill>
+                  </a:tcPr>
+                </a:tc>
+                <a:tc>
+                  <a:txBody>
+                    <a:bodyPr/>
+                    <a:lstStyle/>
+                    <a:p>
+                      <a:pPr algn="l" fontAlgn="ctr"/>
+                      <a:endParaRPr lang="en-CN" sz="1050" b="0" i="0" u="none" strike="noStrike">
+                        <a:solidFill>
+                          <a:srgbClr val="000000"/>
+                        </a:solidFill>
+                        <a:effectLst/>
+                        <a:latin typeface="Calibri" panose="020F0502020204030204" pitchFamily="34" charset="0"/>
+                      </a:endParaRPr>
+                    </a:p>
+                  </a:txBody>
+                  <a:tcPr marL="7285" marR="7285" marT="7285" marB="0" anchor="ctr">
+                    <a:solidFill>
+                      <a:schemeClr val="accent4">
+                        <a:lumMod val="20000"/>
+                        <a:lumOff val="80000"/>
+                      </a:schemeClr>
+                    </a:solidFill>
+                  </a:tcPr>
+                </a:tc>
+                <a:extLst>
+                  <a:ext uri="{0D108BD9-81ED-4DB2-BD59-A6C34878D82A}">
+                    <a16:rowId xmlns:a16="http://schemas.microsoft.com/office/drawing/2014/main" val="2409924620"/>
+                  </a:ext>
+                </a:extLst>
+              </a:tr>
+              <a:tr h="174573">
+                <a:tc vMerge="1">
+                  <a:txBody>
+                    <a:bodyPr/>
+                    <a:lstStyle/>
+                    <a:p>
+                      <a:endParaRPr lang="en-CN"/>
+                    </a:p>
+                  </a:txBody>
+                  <a:tcPr/>
+                </a:tc>
+                <a:tc rowSpan="2">
+                  <a:txBody>
+                    <a:bodyPr/>
+                    <a:lstStyle/>
+                    <a:p>
+                      <a:pPr algn="l" fontAlgn="ctr"/>
+                      <a:r>
+                        <a:rPr lang="en-US" sz="1200" u="none" strike="noStrike">
+                          <a:effectLst/>
+                        </a:rPr>
+                        <a:t>subclass 2</a:t>
+                      </a:r>
+                      <a:endParaRPr lang="en-US" sz="1200" b="0" i="0" u="none" strike="noStrike">
+                        <a:solidFill>
+                          <a:srgbClr val="000000"/>
+                        </a:solidFill>
+                        <a:effectLst/>
+                        <a:latin typeface="Calibri" panose="020F0502020204030204" pitchFamily="34" charset="0"/>
+                      </a:endParaRPr>
+                    </a:p>
+                  </a:txBody>
+                  <a:tcPr marL="7285" marR="7285" marT="7285" marB="0" anchor="ctr">
+                    <a:solidFill>
+                      <a:schemeClr val="accent2">
+                        <a:lumMod val="20000"/>
+                        <a:lumOff val="80000"/>
+                      </a:schemeClr>
+                    </a:solidFill>
+                  </a:tcPr>
+                </a:tc>
+                <a:tc>
+                  <a:txBody>
+                    <a:bodyPr/>
+                    <a:lstStyle/>
+                    <a:p>
+                      <a:pPr algn="l" fontAlgn="ctr"/>
+                      <a:r>
+                        <a:rPr lang="en-US" sz="1200" u="none" strike="noStrike" dirty="0" err="1">
+                          <a:effectLst/>
+                        </a:rPr>
+                        <a:t>Helitron</a:t>
+                      </a:r>
+                      <a:endParaRPr lang="en-US" sz="1200" b="0" i="0" u="none" strike="noStrike" dirty="0">
+                        <a:solidFill>
+                          <a:srgbClr val="000000"/>
+                        </a:solidFill>
+                        <a:effectLst/>
+                        <a:latin typeface="Calibri" panose="020F0502020204030204" pitchFamily="34" charset="0"/>
+                      </a:endParaRPr>
+                    </a:p>
+                  </a:txBody>
+                  <a:tcPr marL="7285" marR="7285" marT="7285" marB="0" anchor="ctr">
+                    <a:solidFill>
+                      <a:schemeClr val="accent2">
+                        <a:lumMod val="20000"/>
+                        <a:lumOff val="80000"/>
+                      </a:schemeClr>
+                    </a:solidFill>
+                  </a:tcPr>
+                </a:tc>
+                <a:tc>
+                  <a:txBody>
+                    <a:bodyPr/>
+                    <a:lstStyle/>
+                    <a:p>
+                      <a:pPr algn="l" fontAlgn="ctr"/>
+                      <a:r>
+                        <a:rPr lang="en-US" sz="1050" i="1" u="none" strike="noStrike" dirty="0" err="1">
+                          <a:effectLst/>
+                        </a:rPr>
+                        <a:t>Helitron</a:t>
+                      </a:r>
+                      <a:endParaRPr lang="en-US" sz="1050" b="0" i="1" u="none" strike="noStrike" dirty="0">
+                        <a:solidFill>
+                          <a:srgbClr val="000000"/>
+                        </a:solidFill>
+                        <a:effectLst/>
+                        <a:latin typeface="Calibri" panose="020F0502020204030204" pitchFamily="34" charset="0"/>
+                      </a:endParaRPr>
+                    </a:p>
+                  </a:txBody>
+                  <a:tcPr marL="7285" marR="7285" marT="7285" marB="0" anchor="ctr">
+                    <a:lnR w="12700" cap="flat" cmpd="sng" algn="ctr">
+                      <a:solidFill>
+                        <a:schemeClr val="tx1"/>
+                      </a:solidFill>
+                      <a:prstDash val="solid"/>
+                      <a:round/>
+                      <a:headEnd type="none" w="med" len="med"/>
+                      <a:tailEnd type="none" w="med" len="med"/>
+                    </a:lnR>
+                    <a:solidFill>
+                      <a:schemeClr val="accent2">
+                        <a:lumMod val="20000"/>
+                        <a:lumOff val="80000"/>
+                      </a:schemeClr>
+                    </a:solidFill>
+                  </a:tcPr>
+                </a:tc>
+                <a:tc>
+                  <a:txBody>
+                    <a:bodyPr/>
+                    <a:lstStyle/>
+                    <a:p>
+                      <a:pPr algn="l" fontAlgn="ctr"/>
+                      <a:endParaRPr lang="en-CN" sz="1050" b="0" i="0" u="none" strike="noStrike" dirty="0">
+                        <a:solidFill>
+                          <a:srgbClr val="000000"/>
+                        </a:solidFill>
+                        <a:effectLst/>
+                        <a:latin typeface="Calibri" panose="020F0502020204030204" pitchFamily="34" charset="0"/>
+                      </a:endParaRPr>
+                    </a:p>
+                  </a:txBody>
+                  <a:tcPr marL="7285" marR="7285" marT="7285" marB="0" anchor="ctr">
+                    <a:lnL w="12700" cap="flat" cmpd="sng" algn="ctr">
+                      <a:solidFill>
+                        <a:schemeClr val="tx1"/>
+                      </a:solidFill>
+                      <a:prstDash val="solid"/>
+                      <a:round/>
+                      <a:headEnd type="none" w="med" len="med"/>
+                      <a:tailEnd type="none" w="med" len="med"/>
+                    </a:lnL>
+                    <a:solidFill>
+                      <a:schemeClr val="accent4">
+                        <a:lumMod val="20000"/>
+                        <a:lumOff val="80000"/>
+                      </a:schemeClr>
+                    </a:solidFill>
+                  </a:tcPr>
+                </a:tc>
+                <a:tc>
+                  <a:txBody>
+                    <a:bodyPr/>
+                    <a:lstStyle/>
+                    <a:p>
+                      <a:pPr algn="l" fontAlgn="ctr"/>
+                      <a:endParaRPr lang="en-CN" sz="1050" b="0" i="0" u="none" strike="noStrike" dirty="0">
+                        <a:solidFill>
+                          <a:srgbClr val="000000"/>
+                        </a:solidFill>
+                        <a:effectLst/>
+                        <a:latin typeface="Calibri" panose="020F0502020204030204" pitchFamily="34" charset="0"/>
+                      </a:endParaRPr>
+                    </a:p>
+                  </a:txBody>
+                  <a:tcPr marL="7285" marR="7285" marT="7285" marB="0" anchor="ctr">
+                    <a:solidFill>
+                      <a:schemeClr val="accent4">
+                        <a:lumMod val="20000"/>
+                        <a:lumOff val="80000"/>
+                      </a:schemeClr>
+                    </a:solidFill>
+                  </a:tcPr>
+                </a:tc>
+                <a:tc>
+                  <a:txBody>
+                    <a:bodyPr/>
+                    <a:lstStyle/>
+                    <a:p>
+                      <a:pPr algn="l" fontAlgn="ctr"/>
+                      <a:endParaRPr lang="en-CN" sz="1050" b="0" i="0" u="none" strike="noStrike" dirty="0">
+                        <a:solidFill>
+                          <a:srgbClr val="000000"/>
+                        </a:solidFill>
+                        <a:effectLst/>
+                        <a:latin typeface="Calibri" panose="020F0502020204030204" pitchFamily="34" charset="0"/>
+                      </a:endParaRPr>
+                    </a:p>
+                  </a:txBody>
+                  <a:tcPr marL="7285" marR="7285" marT="7285" marB="0" anchor="ctr">
+                    <a:solidFill>
+                      <a:schemeClr val="accent4">
+                        <a:lumMod val="20000"/>
+                        <a:lumOff val="80000"/>
+                      </a:schemeClr>
+                    </a:solidFill>
+                  </a:tcPr>
+                </a:tc>
+                <a:tc>
+                  <a:txBody>
+                    <a:bodyPr/>
+                    <a:lstStyle/>
+                    <a:p>
+                      <a:pPr algn="l" fontAlgn="ctr"/>
+                      <a:endParaRPr lang="en-CN" sz="1050" b="0" i="0" u="none" strike="noStrike">
+                        <a:solidFill>
+                          <a:srgbClr val="000000"/>
+                        </a:solidFill>
+                        <a:effectLst/>
+                        <a:latin typeface="Calibri" panose="020F0502020204030204" pitchFamily="34" charset="0"/>
+                      </a:endParaRPr>
+                    </a:p>
+                  </a:txBody>
+                  <a:tcPr marL="7285" marR="7285" marT="7285" marB="0" anchor="ctr">
+                    <a:solidFill>
+                      <a:schemeClr val="accent4">
+                        <a:lumMod val="20000"/>
+                        <a:lumOff val="80000"/>
+                      </a:schemeClr>
+                    </a:solidFill>
+                  </a:tcPr>
+                </a:tc>
+                <a:extLst>
+                  <a:ext uri="{0D108BD9-81ED-4DB2-BD59-A6C34878D82A}">
+                    <a16:rowId xmlns:a16="http://schemas.microsoft.com/office/drawing/2014/main" val="1142977916"/>
+                  </a:ext>
+                </a:extLst>
+              </a:tr>
+              <a:tr h="174573">
+                <a:tc vMerge="1">
+                  <a:txBody>
+                    <a:bodyPr/>
+                    <a:lstStyle/>
+                    <a:p>
+                      <a:endParaRPr lang="en-CN"/>
+                    </a:p>
+                  </a:txBody>
+                  <a:tcPr/>
+                </a:tc>
+                <a:tc vMerge="1">
+                  <a:txBody>
+                    <a:bodyPr/>
+                    <a:lstStyle/>
+                    <a:p>
+                      <a:endParaRPr lang="en-CN"/>
+                    </a:p>
+                  </a:txBody>
+                  <a:tcPr/>
+                </a:tc>
+                <a:tc>
+                  <a:txBody>
+                    <a:bodyPr/>
+                    <a:lstStyle/>
+                    <a:p>
+                      <a:r>
+                        <a:rPr lang="en-US" sz="1200" u="none" strike="noStrike" dirty="0">
+                          <a:effectLst/>
+                        </a:rPr>
+                        <a:t>Maverick</a:t>
+                      </a:r>
+                      <a:endParaRPr lang="en-CN" dirty="0"/>
+                    </a:p>
+                  </a:txBody>
+                  <a:tcPr marL="7285" marR="7285" marT="7285" marB="0" anchor="ctr">
+                    <a:solidFill>
+                      <a:schemeClr val="accent2">
+                        <a:lumMod val="20000"/>
+                        <a:lumOff val="80000"/>
+                      </a:schemeClr>
+                    </a:solidFill>
+                  </a:tcPr>
+                </a:tc>
+                <a:tc>
+                  <a:txBody>
+                    <a:bodyPr/>
+                    <a:lstStyle/>
+                    <a:p>
+                      <a:pPr algn="l" fontAlgn="ctr"/>
+                      <a:r>
+                        <a:rPr lang="en-US" sz="1050" i="1" u="none" strike="noStrike" dirty="0">
+                          <a:effectLst/>
+                        </a:rPr>
+                        <a:t>Maverick</a:t>
+                      </a:r>
+                      <a:endParaRPr lang="en-US" sz="1050" b="0" i="1" u="none" strike="noStrike" dirty="0">
+                        <a:solidFill>
+                          <a:srgbClr val="000000"/>
+                        </a:solidFill>
+                        <a:effectLst/>
+                        <a:latin typeface="Calibri" panose="020F0502020204030204" pitchFamily="34" charset="0"/>
+                      </a:endParaRPr>
+                    </a:p>
+                  </a:txBody>
+                  <a:tcPr marL="7285" marR="7285" marT="7285" marB="0" anchor="ctr">
+                    <a:lnR w="12700" cap="flat" cmpd="sng" algn="ctr">
+                      <a:solidFill>
+                        <a:schemeClr val="tx1"/>
+                      </a:solidFill>
+                      <a:prstDash val="solid"/>
+                      <a:round/>
+                      <a:headEnd type="none" w="med" len="med"/>
+                      <a:tailEnd type="none" w="med" len="med"/>
+                    </a:lnR>
+                    <a:solidFill>
+                      <a:schemeClr val="accent2">
+                        <a:lumMod val="20000"/>
+                        <a:lumOff val="80000"/>
+                      </a:schemeClr>
+                    </a:solidFill>
+                  </a:tcPr>
+                </a:tc>
+                <a:tc>
+                  <a:txBody>
+                    <a:bodyPr/>
+                    <a:lstStyle/>
+                    <a:p>
+                      <a:pPr algn="l" fontAlgn="ctr"/>
+                      <a:endParaRPr lang="en-CN" sz="1050" b="0" i="0" u="none" strike="noStrike" dirty="0">
+                        <a:solidFill>
+                          <a:srgbClr val="000000"/>
+                        </a:solidFill>
+                        <a:effectLst/>
+                        <a:latin typeface="Calibri" panose="020F0502020204030204" pitchFamily="34" charset="0"/>
+                      </a:endParaRPr>
+                    </a:p>
+                  </a:txBody>
+                  <a:tcPr marL="7285" marR="7285" marT="7285" marB="0" anchor="ctr">
+                    <a:lnL w="12700" cap="flat" cmpd="sng" algn="ctr">
+                      <a:solidFill>
+                        <a:schemeClr val="tx1"/>
+                      </a:solidFill>
+                      <a:prstDash val="solid"/>
+                      <a:round/>
+                      <a:headEnd type="none" w="med" len="med"/>
+                      <a:tailEnd type="none" w="med" len="med"/>
+                    </a:lnL>
+                    <a:solidFill>
+                      <a:schemeClr val="accent4">
+                        <a:lumMod val="20000"/>
+                        <a:lumOff val="80000"/>
+                      </a:schemeClr>
+                    </a:solidFill>
+                  </a:tcPr>
+                </a:tc>
+                <a:tc>
+                  <a:txBody>
+                    <a:bodyPr/>
+                    <a:lstStyle/>
+                    <a:p>
+                      <a:pPr algn="l" fontAlgn="ctr"/>
+                      <a:endParaRPr lang="en-CN" sz="1050" b="0" i="0" u="none" strike="noStrike" dirty="0">
+                        <a:solidFill>
+                          <a:srgbClr val="000000"/>
+                        </a:solidFill>
+                        <a:effectLst/>
+                        <a:latin typeface="Calibri" panose="020F0502020204030204" pitchFamily="34" charset="0"/>
+                      </a:endParaRPr>
+                    </a:p>
+                  </a:txBody>
+                  <a:tcPr marL="7285" marR="7285" marT="7285" marB="0" anchor="ctr">
+                    <a:solidFill>
+                      <a:schemeClr val="accent4">
+                        <a:lumMod val="20000"/>
+                        <a:lumOff val="80000"/>
+                      </a:schemeClr>
+                    </a:solidFill>
+                  </a:tcPr>
+                </a:tc>
+                <a:tc>
+                  <a:txBody>
+                    <a:bodyPr/>
+                    <a:lstStyle/>
+                    <a:p>
+                      <a:pPr algn="l" fontAlgn="ctr"/>
+                      <a:endParaRPr lang="en-CN" sz="1050" b="0" i="0" u="none" strike="noStrike">
+                        <a:solidFill>
+                          <a:srgbClr val="000000"/>
+                        </a:solidFill>
+                        <a:effectLst/>
+                        <a:latin typeface="Calibri" panose="020F0502020204030204" pitchFamily="34" charset="0"/>
+                      </a:endParaRPr>
+                    </a:p>
+                  </a:txBody>
+                  <a:tcPr marL="7285" marR="7285" marT="7285" marB="0" anchor="ctr">
+                    <a:solidFill>
+                      <a:schemeClr val="accent4">
+                        <a:lumMod val="20000"/>
+                        <a:lumOff val="80000"/>
+                      </a:schemeClr>
+                    </a:solidFill>
+                  </a:tcPr>
+                </a:tc>
+                <a:tc>
+                  <a:txBody>
+                    <a:bodyPr/>
+                    <a:lstStyle/>
+                    <a:p>
+                      <a:pPr algn="l" fontAlgn="ctr"/>
+                      <a:endParaRPr lang="en-CN" sz="1050" b="0" i="0" u="none" strike="noStrike">
+                        <a:solidFill>
+                          <a:srgbClr val="000000"/>
+                        </a:solidFill>
+                        <a:effectLst/>
+                        <a:latin typeface="Calibri" panose="020F0502020204030204" pitchFamily="34" charset="0"/>
+                      </a:endParaRPr>
+                    </a:p>
+                  </a:txBody>
+                  <a:tcPr marL="7285" marR="7285" marT="7285" marB="0" anchor="ctr">
+                    <a:solidFill>
+                      <a:schemeClr val="accent4">
+                        <a:lumMod val="20000"/>
+                        <a:lumOff val="80000"/>
+                      </a:schemeClr>
+                    </a:solidFill>
+                  </a:tcPr>
+                </a:tc>
+                <a:extLst>
+                  <a:ext uri="{0D108BD9-81ED-4DB2-BD59-A6C34878D82A}">
+                    <a16:rowId xmlns:a16="http://schemas.microsoft.com/office/drawing/2014/main" val="584429864"/>
+                  </a:ext>
+                </a:extLst>
+              </a:tr>
+              <a:tr h="174573">
+                <a:tc vMerge="1">
+                  <a:txBody>
+                    <a:bodyPr/>
+                    <a:lstStyle/>
+                    <a:p>
+                      <a:endParaRPr lang="en-CN"/>
+                    </a:p>
+                  </a:txBody>
+                  <a:tcPr/>
+                </a:tc>
+                <a:tc gridSpan="3">
+                  <a:txBody>
+                    <a:bodyPr/>
+                    <a:lstStyle/>
+                    <a:p>
+                      <a:pPr algn="l" fontAlgn="ctr"/>
+                      <a:r>
+                        <a:rPr lang="en-US" sz="1200" u="none" strike="noStrike" dirty="0" err="1">
+                          <a:effectLst/>
+                        </a:rPr>
+                        <a:t>Polinton</a:t>
+                      </a:r>
+                      <a:endParaRPr lang="en-US" sz="1200" b="0" i="0" u="none" strike="noStrike" dirty="0">
+                        <a:solidFill>
+                          <a:srgbClr val="000000"/>
+                        </a:solidFill>
+                        <a:effectLst/>
+                        <a:latin typeface="Calibri" panose="020F0502020204030204" pitchFamily="34" charset="0"/>
+                      </a:endParaRPr>
+                    </a:p>
+                  </a:txBody>
+                  <a:tcPr marL="7285" marR="7285" marT="7285" marB="0" anchor="ctr">
+                    <a:lnR w="12700" cap="flat" cmpd="sng" algn="ctr">
+                      <a:solidFill>
+                        <a:schemeClr val="tx1"/>
+                      </a:solidFill>
+                      <a:prstDash val="solid"/>
+                      <a:round/>
+                      <a:headEnd type="none" w="med" len="med"/>
+                      <a:tailEnd type="none" w="med" len="med"/>
+                    </a:lnR>
+                    <a:solidFill>
+                      <a:schemeClr val="accent2">
+                        <a:lumMod val="20000"/>
+                        <a:lumOff val="80000"/>
+                      </a:schemeClr>
+                    </a:solidFill>
+                  </a:tcPr>
+                </a:tc>
+                <a:tc hMerge="1">
+                  <a:txBody>
+                    <a:bodyPr/>
+                    <a:lstStyle/>
+                    <a:p>
+                      <a:endParaRPr lang="en-CN"/>
+                    </a:p>
+                  </a:txBody>
+                  <a:tcPr/>
+                </a:tc>
+                <a:tc hMerge="1">
+                  <a:txBody>
+                    <a:bodyPr/>
+                    <a:lstStyle/>
+                    <a:p>
+                      <a:pPr algn="l" fontAlgn="ctr"/>
+                      <a:endParaRPr lang="en-US" sz="1050" b="0" i="0" u="none" strike="noStrike">
+                        <a:solidFill>
+                          <a:srgbClr val="000000"/>
+                        </a:solidFill>
+                        <a:effectLst/>
+                        <a:latin typeface="Calibri" panose="020F0502020204030204" pitchFamily="34" charset="0"/>
+                      </a:endParaRPr>
+                    </a:p>
+                  </a:txBody>
+                  <a:tcPr marL="7285" marR="7285" marT="7285" marB="0" anchor="ctr"/>
+                </a:tc>
+                <a:tc>
+                  <a:txBody>
+                    <a:bodyPr/>
+                    <a:lstStyle/>
+                    <a:p>
+                      <a:pPr algn="l" fontAlgn="ctr"/>
+                      <a:endParaRPr lang="en-CN" sz="1050" b="0" i="0" u="none" strike="noStrike" dirty="0">
+                        <a:solidFill>
+                          <a:srgbClr val="000000"/>
+                        </a:solidFill>
+                        <a:effectLst/>
+                        <a:latin typeface="Calibri" panose="020F0502020204030204" pitchFamily="34" charset="0"/>
+                      </a:endParaRPr>
+                    </a:p>
+                  </a:txBody>
+                  <a:tcPr marL="7285" marR="7285" marT="7285" marB="0" anchor="ctr">
+                    <a:lnL w="12700" cap="flat" cmpd="sng" algn="ctr">
+                      <a:solidFill>
+                        <a:schemeClr val="tx1"/>
+                      </a:solidFill>
+                      <a:prstDash val="solid"/>
+                      <a:round/>
+                      <a:headEnd type="none" w="med" len="med"/>
+                      <a:tailEnd type="none" w="med" len="med"/>
+                    </a:lnL>
+                    <a:solidFill>
+                      <a:schemeClr val="accent4">
+                        <a:lumMod val="20000"/>
+                        <a:lumOff val="80000"/>
+                      </a:schemeClr>
+                    </a:solidFill>
+                  </a:tcPr>
+                </a:tc>
+                <a:tc>
+                  <a:txBody>
+                    <a:bodyPr/>
+                    <a:lstStyle/>
+                    <a:p>
+                      <a:pPr algn="l" fontAlgn="ctr"/>
+                      <a:endParaRPr lang="en-CN" sz="1050" b="0" i="0" u="none" strike="noStrike" dirty="0">
+                        <a:solidFill>
+                          <a:srgbClr val="000000"/>
+                        </a:solidFill>
+                        <a:effectLst/>
+                        <a:latin typeface="Calibri" panose="020F0502020204030204" pitchFamily="34" charset="0"/>
+                      </a:endParaRPr>
+                    </a:p>
+                  </a:txBody>
+                  <a:tcPr marL="7285" marR="7285" marT="7285" marB="0" anchor="ctr">
+                    <a:solidFill>
+                      <a:schemeClr val="accent4">
+                        <a:lumMod val="20000"/>
+                        <a:lumOff val="80000"/>
+                      </a:schemeClr>
+                    </a:solidFill>
+                  </a:tcPr>
+                </a:tc>
+                <a:tc>
+                  <a:txBody>
+                    <a:bodyPr/>
+                    <a:lstStyle/>
+                    <a:p>
+                      <a:pPr algn="l" fontAlgn="ctr"/>
+                      <a:endParaRPr lang="en-CN" sz="1050" b="0" i="0" u="none" strike="noStrike">
+                        <a:solidFill>
+                          <a:srgbClr val="000000"/>
+                        </a:solidFill>
+                        <a:effectLst/>
+                        <a:latin typeface="Calibri" panose="020F0502020204030204" pitchFamily="34" charset="0"/>
+                      </a:endParaRPr>
+                    </a:p>
+                  </a:txBody>
+                  <a:tcPr marL="7285" marR="7285" marT="7285" marB="0" anchor="ctr">
+                    <a:solidFill>
+                      <a:schemeClr val="accent4">
+                        <a:lumMod val="20000"/>
+                        <a:lumOff val="80000"/>
+                      </a:schemeClr>
+                    </a:solidFill>
+                  </a:tcPr>
+                </a:tc>
+                <a:tc>
+                  <a:txBody>
+                    <a:bodyPr/>
+                    <a:lstStyle/>
+                    <a:p>
+                      <a:pPr algn="l" fontAlgn="ctr"/>
+                      <a:endParaRPr lang="en-CN" sz="1050" b="0" i="0" u="none" strike="noStrike" dirty="0">
+                        <a:solidFill>
+                          <a:srgbClr val="000000"/>
+                        </a:solidFill>
+                        <a:effectLst/>
+                        <a:latin typeface="Calibri" panose="020F0502020204030204" pitchFamily="34" charset="0"/>
+                      </a:endParaRPr>
+                    </a:p>
+                  </a:txBody>
+                  <a:tcPr marL="7285" marR="7285" marT="7285" marB="0" anchor="ctr">
+                    <a:solidFill>
+                      <a:schemeClr val="accent4">
+                        <a:lumMod val="20000"/>
+                        <a:lumOff val="80000"/>
+                      </a:schemeClr>
+                    </a:solidFill>
+                  </a:tcPr>
+                </a:tc>
+                <a:extLst>
+                  <a:ext uri="{0D108BD9-81ED-4DB2-BD59-A6C34878D82A}">
+                    <a16:rowId xmlns:a16="http://schemas.microsoft.com/office/drawing/2014/main" val="4013389759"/>
+                  </a:ext>
+                </a:extLst>
+              </a:tr>
+              <a:tr h="174573">
+                <a:tc rowSpan="17">
+                  <a:txBody>
+                    <a:bodyPr/>
+                    <a:lstStyle/>
+                    <a:p>
+                      <a:pPr algn="ctr" fontAlgn="ctr"/>
+                      <a:r>
+                        <a:rPr lang="en-US" sz="1200" b="1" u="none" strike="noStrike" dirty="0">
+                          <a:effectLst/>
+                        </a:rPr>
+                        <a:t>class I</a:t>
+                      </a:r>
+                    </a:p>
+                    <a:p>
+                      <a:pPr algn="ctr" fontAlgn="ctr"/>
+                      <a:r>
+                        <a:rPr lang="en-US" sz="1200" b="1" u="none" strike="noStrike" dirty="0">
+                          <a:effectLst/>
+                        </a:rPr>
+                        <a:t>(</a:t>
+                      </a:r>
+                      <a:r>
+                        <a:rPr lang="en-US" sz="1200" b="1" u="none" strike="noStrike" dirty="0" err="1">
+                          <a:effectLst/>
+                        </a:rPr>
+                        <a:t>retroTE</a:t>
+                      </a:r>
+                      <a:r>
+                        <a:rPr lang="en-US" sz="1200" b="1" u="none" strike="noStrike" dirty="0">
+                          <a:effectLst/>
+                        </a:rPr>
+                        <a:t>)</a:t>
+                      </a:r>
+                      <a:endParaRPr lang="en-US" sz="1200" b="1" i="0" u="none" strike="noStrike" dirty="0">
+                        <a:solidFill>
+                          <a:srgbClr val="000000"/>
+                        </a:solidFill>
+                        <a:effectLst/>
+                        <a:latin typeface="Calibri" panose="020F0502020204030204" pitchFamily="34" charset="0"/>
+                      </a:endParaRPr>
+                    </a:p>
+                  </a:txBody>
+                  <a:tcPr marL="7285" marR="7285" marT="7285" marB="0" anchor="ctr">
+                    <a:solidFill>
+                      <a:schemeClr val="accent5">
+                        <a:lumMod val="20000"/>
+                        <a:lumOff val="80000"/>
+                      </a:schemeClr>
+                    </a:solidFill>
+                  </a:tcPr>
+                </a:tc>
+                <a:tc rowSpan="9">
+                  <a:txBody>
+                    <a:bodyPr/>
+                    <a:lstStyle/>
+                    <a:p>
+                      <a:pPr algn="l" fontAlgn="ctr"/>
+                      <a:r>
+                        <a:rPr lang="en-US" sz="1200" u="none" strike="noStrike" dirty="0">
+                          <a:effectLst/>
+                        </a:rPr>
+                        <a:t>LTR </a:t>
+                      </a:r>
+                      <a:r>
+                        <a:rPr lang="en-US" sz="1200" u="none" strike="noStrike" dirty="0" err="1">
+                          <a:effectLst/>
+                        </a:rPr>
+                        <a:t>retroTE</a:t>
+                      </a:r>
+                      <a:endParaRPr lang="en-US" sz="1200" b="0" i="0" u="none" strike="noStrike" dirty="0">
+                        <a:solidFill>
+                          <a:srgbClr val="000000"/>
+                        </a:solidFill>
+                        <a:effectLst/>
+                        <a:latin typeface="Calibri" panose="020F0502020204030204" pitchFamily="34" charset="0"/>
+                      </a:endParaRPr>
+                    </a:p>
+                  </a:txBody>
+                  <a:tcPr marL="7285" marR="7285" marT="7285" marB="0" anchor="ctr">
+                    <a:solidFill>
+                      <a:schemeClr val="accent5">
+                        <a:lumMod val="20000"/>
+                        <a:lumOff val="80000"/>
+                      </a:schemeClr>
+                    </a:solidFill>
+                  </a:tcPr>
+                </a:tc>
+                <a:tc rowSpan="5">
+                  <a:txBody>
+                    <a:bodyPr/>
+                    <a:lstStyle/>
+                    <a:p>
+                      <a:pPr algn="l" fontAlgn="ctr"/>
+                      <a:r>
+                        <a:rPr lang="en-US" sz="1200" u="none" strike="noStrike" dirty="0">
+                          <a:effectLst/>
+                        </a:rPr>
+                        <a:t>LTR</a:t>
+                      </a:r>
+                      <a:endParaRPr lang="en-US" sz="1200" b="0" i="0" u="none" strike="noStrike" dirty="0">
+                        <a:solidFill>
+                          <a:srgbClr val="000000"/>
+                        </a:solidFill>
+                        <a:effectLst/>
+                        <a:latin typeface="Calibri" panose="020F0502020204030204" pitchFamily="34" charset="0"/>
+                      </a:endParaRPr>
+                    </a:p>
+                  </a:txBody>
+                  <a:tcPr marL="7285" marR="7285" marT="7285" marB="0" anchor="ctr">
+                    <a:solidFill>
+                      <a:schemeClr val="accent5">
+                        <a:lumMod val="20000"/>
+                        <a:lumOff val="80000"/>
+                      </a:schemeClr>
+                    </a:solidFill>
+                  </a:tcPr>
+                </a:tc>
+                <a:tc>
+                  <a:txBody>
+                    <a:bodyPr/>
+                    <a:lstStyle/>
+                    <a:p>
+                      <a:pPr algn="l" fontAlgn="ctr"/>
+                      <a:r>
+                        <a:rPr lang="en-US" sz="1050" i="1" u="none" strike="noStrike">
+                          <a:effectLst/>
+                        </a:rPr>
+                        <a:t>Copia</a:t>
+                      </a:r>
+                      <a:endParaRPr lang="en-US" sz="1050" b="0" i="1" u="none" strike="noStrike">
+                        <a:solidFill>
+                          <a:srgbClr val="000000"/>
+                        </a:solidFill>
+                        <a:effectLst/>
+                        <a:latin typeface="Calibri" panose="020F0502020204030204" pitchFamily="34" charset="0"/>
+                      </a:endParaRPr>
+                    </a:p>
+                  </a:txBody>
+                  <a:tcPr marL="7285" marR="7285" marT="7285" marB="0" anchor="ctr">
+                    <a:lnR w="12700" cap="flat" cmpd="sng" algn="ctr">
+                      <a:solidFill>
+                        <a:schemeClr val="tx1"/>
+                      </a:solidFill>
+                      <a:prstDash val="solid"/>
+                      <a:round/>
+                      <a:headEnd type="none" w="med" len="med"/>
+                      <a:tailEnd type="none" w="med" len="med"/>
+                    </a:lnR>
+                    <a:solidFill>
+                      <a:schemeClr val="accent5">
+                        <a:lumMod val="20000"/>
+                        <a:lumOff val="80000"/>
+                      </a:schemeClr>
+                    </a:solidFill>
+                  </a:tcPr>
+                </a:tc>
+                <a:tc>
+                  <a:txBody>
+                    <a:bodyPr/>
+                    <a:lstStyle/>
+                    <a:p>
+                      <a:pPr algn="l" fontAlgn="ctr"/>
+                      <a:endParaRPr lang="en-CN" sz="1050" b="0" i="0" u="none" strike="noStrike" dirty="0">
+                        <a:solidFill>
+                          <a:srgbClr val="000000"/>
+                        </a:solidFill>
+                        <a:effectLst/>
+                        <a:latin typeface="Calibri" panose="020F0502020204030204" pitchFamily="34" charset="0"/>
+                      </a:endParaRPr>
+                    </a:p>
+                  </a:txBody>
+                  <a:tcPr marL="7285" marR="7285" marT="7285" marB="0" anchor="ctr">
+                    <a:lnL w="12700" cap="flat" cmpd="sng" algn="ctr">
+                      <a:solidFill>
+                        <a:schemeClr val="tx1"/>
+                      </a:solidFill>
+                      <a:prstDash val="solid"/>
+                      <a:round/>
+                      <a:headEnd type="none" w="med" len="med"/>
+                      <a:tailEnd type="none" w="med" len="med"/>
+                    </a:lnL>
+                    <a:solidFill>
+                      <a:schemeClr val="accent4">
+                        <a:lumMod val="20000"/>
+                        <a:lumOff val="80000"/>
+                      </a:schemeClr>
+                    </a:solidFill>
+                  </a:tcPr>
+                </a:tc>
+                <a:tc>
+                  <a:txBody>
+                    <a:bodyPr/>
+                    <a:lstStyle/>
+                    <a:p>
+                      <a:pPr algn="l" fontAlgn="ctr"/>
+                      <a:endParaRPr lang="en-CN" sz="1050" b="0" i="0" u="none" strike="noStrike" dirty="0">
+                        <a:solidFill>
+                          <a:srgbClr val="000000"/>
+                        </a:solidFill>
+                        <a:effectLst/>
+                        <a:latin typeface="Calibri" panose="020F0502020204030204" pitchFamily="34" charset="0"/>
+                      </a:endParaRPr>
+                    </a:p>
+                  </a:txBody>
+                  <a:tcPr marL="7285" marR="7285" marT="7285" marB="0" anchor="ctr">
+                    <a:solidFill>
+                      <a:schemeClr val="accent4">
+                        <a:lumMod val="20000"/>
+                        <a:lumOff val="80000"/>
+                      </a:schemeClr>
+                    </a:solidFill>
+                  </a:tcPr>
+                </a:tc>
+                <a:tc>
+                  <a:txBody>
+                    <a:bodyPr/>
+                    <a:lstStyle/>
+                    <a:p>
+                      <a:pPr algn="l" fontAlgn="ctr"/>
+                      <a:endParaRPr lang="en-CN" sz="1050" b="0" i="0" u="none" strike="noStrike" dirty="0">
+                        <a:solidFill>
+                          <a:srgbClr val="000000"/>
+                        </a:solidFill>
+                        <a:effectLst/>
+                        <a:latin typeface="Calibri" panose="020F0502020204030204" pitchFamily="34" charset="0"/>
+                      </a:endParaRPr>
+                    </a:p>
+                  </a:txBody>
+                  <a:tcPr marL="7285" marR="7285" marT="7285" marB="0" anchor="ctr">
+                    <a:solidFill>
+                      <a:schemeClr val="accent4">
+                        <a:lumMod val="20000"/>
+                        <a:lumOff val="80000"/>
+                      </a:schemeClr>
+                    </a:solidFill>
+                  </a:tcPr>
+                </a:tc>
+                <a:tc>
+                  <a:txBody>
+                    <a:bodyPr/>
+                    <a:lstStyle/>
+                    <a:p>
+                      <a:pPr algn="l" fontAlgn="ctr"/>
+                      <a:endParaRPr lang="en-CN" sz="1050" b="0" i="0" u="none" strike="noStrike">
+                        <a:solidFill>
+                          <a:srgbClr val="000000"/>
+                        </a:solidFill>
+                        <a:effectLst/>
+                        <a:latin typeface="Calibri" panose="020F0502020204030204" pitchFamily="34" charset="0"/>
+                      </a:endParaRPr>
+                    </a:p>
+                  </a:txBody>
+                  <a:tcPr marL="7285" marR="7285" marT="7285" marB="0" anchor="ctr">
+                    <a:solidFill>
+                      <a:schemeClr val="accent4">
+                        <a:lumMod val="20000"/>
+                        <a:lumOff val="80000"/>
+                      </a:schemeClr>
+                    </a:solidFill>
+                  </a:tcPr>
+                </a:tc>
+                <a:extLst>
+                  <a:ext uri="{0D108BD9-81ED-4DB2-BD59-A6C34878D82A}">
+                    <a16:rowId xmlns:a16="http://schemas.microsoft.com/office/drawing/2014/main" val="1239539823"/>
+                  </a:ext>
+                </a:extLst>
+              </a:tr>
+              <a:tr h="174573">
+                <a:tc vMerge="1">
+                  <a:txBody>
+                    <a:bodyPr/>
+                    <a:lstStyle/>
+                    <a:p>
+                      <a:endParaRPr lang="en-CN"/>
+                    </a:p>
+                  </a:txBody>
+                  <a:tcPr/>
+                </a:tc>
+                <a:tc vMerge="1">
+                  <a:txBody>
+                    <a:bodyPr/>
+                    <a:lstStyle/>
+                    <a:p>
+                      <a:endParaRPr lang="en-CN"/>
+                    </a:p>
+                  </a:txBody>
+                  <a:tcPr/>
+                </a:tc>
+                <a:tc vMerge="1">
+                  <a:txBody>
+                    <a:bodyPr/>
+                    <a:lstStyle/>
+                    <a:p>
+                      <a:endParaRPr lang="en-CN"/>
+                    </a:p>
+                  </a:txBody>
+                  <a:tcPr/>
+                </a:tc>
+                <a:tc>
+                  <a:txBody>
+                    <a:bodyPr/>
+                    <a:lstStyle/>
+                    <a:p>
+                      <a:pPr algn="l" fontAlgn="ctr"/>
+                      <a:r>
+                        <a:rPr lang="en-US" sz="1050" i="1" u="none" strike="noStrike">
+                          <a:effectLst/>
+                        </a:rPr>
+                        <a:t>Gypsy</a:t>
+                      </a:r>
+                      <a:endParaRPr lang="en-US" sz="1050" b="0" i="1" u="none" strike="noStrike">
+                        <a:solidFill>
+                          <a:srgbClr val="000000"/>
+                        </a:solidFill>
+                        <a:effectLst/>
+                        <a:latin typeface="Calibri" panose="020F0502020204030204" pitchFamily="34" charset="0"/>
+                      </a:endParaRPr>
+                    </a:p>
+                  </a:txBody>
+                  <a:tcPr marL="7285" marR="7285" marT="7285" marB="0" anchor="ctr">
+                    <a:lnR w="12700" cap="flat" cmpd="sng" algn="ctr">
+                      <a:solidFill>
+                        <a:schemeClr val="tx1"/>
+                      </a:solidFill>
+                      <a:prstDash val="solid"/>
+                      <a:round/>
+                      <a:headEnd type="none" w="med" len="med"/>
+                      <a:tailEnd type="none" w="med" len="med"/>
+                    </a:lnR>
+                    <a:solidFill>
+                      <a:schemeClr val="accent5">
+                        <a:lumMod val="20000"/>
+                        <a:lumOff val="80000"/>
+                      </a:schemeClr>
+                    </a:solidFill>
+                  </a:tcPr>
+                </a:tc>
+                <a:tc>
+                  <a:txBody>
+                    <a:bodyPr/>
+                    <a:lstStyle/>
+                    <a:p>
+                      <a:pPr algn="l" fontAlgn="ctr"/>
+                      <a:endParaRPr lang="en-CN" sz="1050" b="0" i="0" u="none" strike="noStrike">
+                        <a:solidFill>
+                          <a:srgbClr val="000000"/>
+                        </a:solidFill>
+                        <a:effectLst/>
+                        <a:latin typeface="Calibri" panose="020F0502020204030204" pitchFamily="34" charset="0"/>
+                      </a:endParaRPr>
+                    </a:p>
+                  </a:txBody>
+                  <a:tcPr marL="7285" marR="7285" marT="7285" marB="0" anchor="ctr">
+                    <a:lnL w="12700" cap="flat" cmpd="sng" algn="ctr">
+                      <a:solidFill>
+                        <a:schemeClr val="tx1"/>
+                      </a:solidFill>
+                      <a:prstDash val="solid"/>
+                      <a:round/>
+                      <a:headEnd type="none" w="med" len="med"/>
+                      <a:tailEnd type="none" w="med" len="med"/>
+                    </a:lnL>
+                    <a:solidFill>
+                      <a:schemeClr val="accent4">
+                        <a:lumMod val="20000"/>
+                        <a:lumOff val="80000"/>
+                      </a:schemeClr>
+                    </a:solidFill>
+                  </a:tcPr>
+                </a:tc>
+                <a:tc>
+                  <a:txBody>
+                    <a:bodyPr/>
+                    <a:lstStyle/>
+                    <a:p>
+                      <a:pPr algn="l" fontAlgn="ctr"/>
+                      <a:endParaRPr lang="en-CN" sz="1050" b="0" i="0" u="none" strike="noStrike" dirty="0">
+                        <a:solidFill>
+                          <a:srgbClr val="000000"/>
+                        </a:solidFill>
+                        <a:effectLst/>
+                        <a:latin typeface="Calibri" panose="020F0502020204030204" pitchFamily="34" charset="0"/>
+                      </a:endParaRPr>
+                    </a:p>
+                  </a:txBody>
+                  <a:tcPr marL="7285" marR="7285" marT="7285" marB="0" anchor="ctr">
+                    <a:solidFill>
+                      <a:schemeClr val="accent4">
+                        <a:lumMod val="20000"/>
+                        <a:lumOff val="80000"/>
+                      </a:schemeClr>
+                    </a:solidFill>
+                  </a:tcPr>
+                </a:tc>
+                <a:tc>
+                  <a:txBody>
+                    <a:bodyPr/>
+                    <a:lstStyle/>
+                    <a:p>
+                      <a:pPr algn="l" fontAlgn="ctr"/>
+                      <a:endParaRPr lang="en-CN" sz="1050" b="0" i="0" u="none" strike="noStrike" dirty="0">
+                        <a:solidFill>
+                          <a:srgbClr val="000000"/>
+                        </a:solidFill>
+                        <a:effectLst/>
+                        <a:latin typeface="Calibri" panose="020F0502020204030204" pitchFamily="34" charset="0"/>
+                      </a:endParaRPr>
+                    </a:p>
+                  </a:txBody>
+                  <a:tcPr marL="7285" marR="7285" marT="7285" marB="0" anchor="ctr">
+                    <a:solidFill>
+                      <a:schemeClr val="accent4">
+                        <a:lumMod val="20000"/>
+                        <a:lumOff val="80000"/>
+                      </a:schemeClr>
+                    </a:solidFill>
+                  </a:tcPr>
+                </a:tc>
+                <a:tc>
+                  <a:txBody>
+                    <a:bodyPr/>
+                    <a:lstStyle/>
+                    <a:p>
+                      <a:pPr algn="l" fontAlgn="ctr"/>
+                      <a:endParaRPr lang="en-CN" sz="1050" b="0" i="0" u="none" strike="noStrike">
+                        <a:solidFill>
+                          <a:srgbClr val="000000"/>
+                        </a:solidFill>
+                        <a:effectLst/>
+                        <a:latin typeface="Calibri" panose="020F0502020204030204" pitchFamily="34" charset="0"/>
+                      </a:endParaRPr>
+                    </a:p>
+                  </a:txBody>
+                  <a:tcPr marL="7285" marR="7285" marT="7285" marB="0" anchor="ctr">
+                    <a:solidFill>
+                      <a:schemeClr val="accent4">
+                        <a:lumMod val="20000"/>
+                        <a:lumOff val="80000"/>
+                      </a:schemeClr>
+                    </a:solidFill>
+                  </a:tcPr>
+                </a:tc>
+                <a:extLst>
+                  <a:ext uri="{0D108BD9-81ED-4DB2-BD59-A6C34878D82A}">
+                    <a16:rowId xmlns:a16="http://schemas.microsoft.com/office/drawing/2014/main" val="3382491153"/>
+                  </a:ext>
+                </a:extLst>
+              </a:tr>
+              <a:tr h="174573">
+                <a:tc vMerge="1">
+                  <a:txBody>
+                    <a:bodyPr/>
+                    <a:lstStyle/>
+                    <a:p>
+                      <a:endParaRPr lang="en-CN"/>
+                    </a:p>
+                  </a:txBody>
+                  <a:tcPr/>
+                </a:tc>
+                <a:tc vMerge="1">
+                  <a:txBody>
+                    <a:bodyPr/>
+                    <a:lstStyle/>
+                    <a:p>
+                      <a:endParaRPr lang="en-CN"/>
+                    </a:p>
+                  </a:txBody>
+                  <a:tcPr/>
+                </a:tc>
+                <a:tc vMerge="1">
+                  <a:txBody>
+                    <a:bodyPr/>
+                    <a:lstStyle/>
+                    <a:p>
+                      <a:endParaRPr lang="en-CN"/>
+                    </a:p>
+                  </a:txBody>
+                  <a:tcPr/>
+                </a:tc>
+                <a:tc>
+                  <a:txBody>
+                    <a:bodyPr/>
+                    <a:lstStyle/>
+                    <a:p>
+                      <a:pPr algn="l" fontAlgn="ctr"/>
+                      <a:r>
+                        <a:rPr lang="en-US" sz="1050" i="1" u="none" strike="noStrike" dirty="0">
+                          <a:effectLst/>
+                        </a:rPr>
+                        <a:t>Bel–Pao</a:t>
+                      </a:r>
+                      <a:endParaRPr lang="en-US" sz="1050" b="0" i="1" u="none" strike="noStrike" dirty="0">
+                        <a:solidFill>
+                          <a:srgbClr val="000000"/>
+                        </a:solidFill>
+                        <a:effectLst/>
+                        <a:latin typeface="Calibri" panose="020F0502020204030204" pitchFamily="34" charset="0"/>
+                      </a:endParaRPr>
+                    </a:p>
+                  </a:txBody>
+                  <a:tcPr marL="7285" marR="7285" marT="7285" marB="0" anchor="ctr">
+                    <a:lnR w="12700" cap="flat" cmpd="sng" algn="ctr">
+                      <a:solidFill>
+                        <a:schemeClr val="tx1"/>
+                      </a:solidFill>
+                      <a:prstDash val="solid"/>
+                      <a:round/>
+                      <a:headEnd type="none" w="med" len="med"/>
+                      <a:tailEnd type="none" w="med" len="med"/>
+                    </a:lnR>
+                    <a:solidFill>
+                      <a:schemeClr val="accent5">
+                        <a:lumMod val="20000"/>
+                        <a:lumOff val="80000"/>
+                      </a:schemeClr>
+                    </a:solidFill>
+                  </a:tcPr>
+                </a:tc>
+                <a:tc>
+                  <a:txBody>
+                    <a:bodyPr/>
+                    <a:lstStyle/>
+                    <a:p>
+                      <a:pPr algn="l" fontAlgn="ctr"/>
+                      <a:endParaRPr lang="en-CN" sz="1050" b="0" i="0" u="none" strike="noStrike" dirty="0">
+                        <a:solidFill>
+                          <a:srgbClr val="000000"/>
+                        </a:solidFill>
+                        <a:effectLst/>
+                        <a:latin typeface="Calibri" panose="020F0502020204030204" pitchFamily="34" charset="0"/>
+                      </a:endParaRPr>
+                    </a:p>
+                  </a:txBody>
+                  <a:tcPr marL="7285" marR="7285" marT="7285" marB="0" anchor="ctr">
+                    <a:lnL w="12700" cap="flat" cmpd="sng" algn="ctr">
+                      <a:solidFill>
+                        <a:schemeClr val="tx1"/>
+                      </a:solidFill>
+                      <a:prstDash val="solid"/>
+                      <a:round/>
+                      <a:headEnd type="none" w="med" len="med"/>
+                      <a:tailEnd type="none" w="med" len="med"/>
+                    </a:lnL>
+                    <a:solidFill>
+                      <a:schemeClr val="accent4">
+                        <a:lumMod val="20000"/>
+                        <a:lumOff val="80000"/>
+                      </a:schemeClr>
+                    </a:solidFill>
+                  </a:tcPr>
+                </a:tc>
+                <a:tc>
+                  <a:txBody>
+                    <a:bodyPr/>
+                    <a:lstStyle/>
+                    <a:p>
+                      <a:pPr algn="l" fontAlgn="ctr"/>
+                      <a:endParaRPr lang="en-CN" sz="1050" b="0" i="0" u="none" strike="noStrike" dirty="0">
+                        <a:solidFill>
+                          <a:srgbClr val="000000"/>
+                        </a:solidFill>
+                        <a:effectLst/>
+                        <a:latin typeface="Calibri" panose="020F0502020204030204" pitchFamily="34" charset="0"/>
+                      </a:endParaRPr>
+                    </a:p>
+                  </a:txBody>
+                  <a:tcPr marL="7285" marR="7285" marT="7285" marB="0" anchor="ctr">
+                    <a:solidFill>
+                      <a:schemeClr val="accent4">
+                        <a:lumMod val="20000"/>
+                        <a:lumOff val="80000"/>
+                      </a:schemeClr>
+                    </a:solidFill>
+                  </a:tcPr>
+                </a:tc>
+                <a:tc>
+                  <a:txBody>
+                    <a:bodyPr/>
+                    <a:lstStyle/>
+                    <a:p>
+                      <a:pPr algn="l" fontAlgn="ctr"/>
+                      <a:endParaRPr lang="en-CN" sz="1050" b="0" i="0" u="none" strike="noStrike">
+                        <a:solidFill>
+                          <a:srgbClr val="000000"/>
+                        </a:solidFill>
+                        <a:effectLst/>
+                        <a:latin typeface="Calibri" panose="020F0502020204030204" pitchFamily="34" charset="0"/>
+                      </a:endParaRPr>
+                    </a:p>
+                  </a:txBody>
+                  <a:tcPr marL="7285" marR="7285" marT="7285" marB="0" anchor="ctr">
+                    <a:solidFill>
+                      <a:schemeClr val="accent4">
+                        <a:lumMod val="20000"/>
+                        <a:lumOff val="80000"/>
+                      </a:schemeClr>
+                    </a:solidFill>
+                  </a:tcPr>
+                </a:tc>
+                <a:tc>
+                  <a:txBody>
+                    <a:bodyPr/>
+                    <a:lstStyle/>
+                    <a:p>
+                      <a:pPr algn="l" fontAlgn="ctr"/>
+                      <a:endParaRPr lang="en-CN" sz="1050" b="0" i="0" u="none" strike="noStrike" dirty="0">
+                        <a:solidFill>
+                          <a:srgbClr val="000000"/>
+                        </a:solidFill>
+                        <a:effectLst/>
+                        <a:latin typeface="Calibri" panose="020F0502020204030204" pitchFamily="34" charset="0"/>
+                      </a:endParaRPr>
+                    </a:p>
+                  </a:txBody>
+                  <a:tcPr marL="7285" marR="7285" marT="7285" marB="0" anchor="ctr">
+                    <a:solidFill>
+                      <a:schemeClr val="accent4">
+                        <a:lumMod val="20000"/>
+                        <a:lumOff val="80000"/>
+                      </a:schemeClr>
+                    </a:solidFill>
+                  </a:tcPr>
+                </a:tc>
+                <a:extLst>
+                  <a:ext uri="{0D108BD9-81ED-4DB2-BD59-A6C34878D82A}">
+                    <a16:rowId xmlns:a16="http://schemas.microsoft.com/office/drawing/2014/main" val="4031523584"/>
+                  </a:ext>
+                </a:extLst>
+              </a:tr>
+              <a:tr h="174573">
+                <a:tc vMerge="1">
+                  <a:txBody>
+                    <a:bodyPr/>
+                    <a:lstStyle/>
+                    <a:p>
+                      <a:endParaRPr lang="en-CN"/>
+                    </a:p>
+                  </a:txBody>
+                  <a:tcPr/>
+                </a:tc>
+                <a:tc vMerge="1">
+                  <a:txBody>
+                    <a:bodyPr/>
+                    <a:lstStyle/>
+                    <a:p>
+                      <a:endParaRPr lang="en-CN"/>
+                    </a:p>
+                  </a:txBody>
+                  <a:tcPr/>
+                </a:tc>
+                <a:tc vMerge="1">
+                  <a:txBody>
+                    <a:bodyPr/>
+                    <a:lstStyle/>
+                    <a:p>
+                      <a:endParaRPr lang="en-CN"/>
+                    </a:p>
+                  </a:txBody>
+                  <a:tcPr/>
+                </a:tc>
+                <a:tc>
+                  <a:txBody>
+                    <a:bodyPr/>
+                    <a:lstStyle/>
+                    <a:p>
+                      <a:pPr algn="l" fontAlgn="ctr"/>
+                      <a:r>
+                        <a:rPr lang="en-US" sz="1050" i="1" u="none" strike="noStrike" dirty="0">
+                          <a:effectLst/>
+                        </a:rPr>
+                        <a:t>Retrovirus</a:t>
+                      </a:r>
+                      <a:endParaRPr lang="en-US" sz="1050" b="0" i="1" u="none" strike="noStrike" dirty="0">
+                        <a:solidFill>
+                          <a:srgbClr val="000000"/>
+                        </a:solidFill>
+                        <a:effectLst/>
+                        <a:latin typeface="Calibri" panose="020F0502020204030204" pitchFamily="34" charset="0"/>
+                      </a:endParaRPr>
+                    </a:p>
+                  </a:txBody>
+                  <a:tcPr marL="7285" marR="7285" marT="7285" marB="0" anchor="ctr">
+                    <a:lnR w="12700" cap="flat" cmpd="sng" algn="ctr">
+                      <a:solidFill>
+                        <a:schemeClr val="tx1"/>
+                      </a:solidFill>
+                      <a:prstDash val="solid"/>
+                      <a:round/>
+                      <a:headEnd type="none" w="med" len="med"/>
+                      <a:tailEnd type="none" w="med" len="med"/>
+                    </a:lnR>
+                    <a:solidFill>
+                      <a:schemeClr val="accent5">
+                        <a:lumMod val="20000"/>
+                        <a:lumOff val="80000"/>
+                      </a:schemeClr>
+                    </a:solidFill>
+                  </a:tcPr>
+                </a:tc>
+                <a:tc>
+                  <a:txBody>
+                    <a:bodyPr/>
+                    <a:lstStyle/>
+                    <a:p>
+                      <a:pPr algn="l" fontAlgn="ctr"/>
+                      <a:endParaRPr lang="en-CN" sz="1050" b="0" i="0" u="none" strike="noStrike" dirty="0">
+                        <a:solidFill>
+                          <a:srgbClr val="000000"/>
+                        </a:solidFill>
+                        <a:effectLst/>
+                        <a:latin typeface="Calibri" panose="020F0502020204030204" pitchFamily="34" charset="0"/>
+                      </a:endParaRPr>
+                    </a:p>
+                  </a:txBody>
+                  <a:tcPr marL="7285" marR="7285" marT="7285" marB="0" anchor="ctr">
+                    <a:lnL w="12700" cap="flat" cmpd="sng" algn="ctr">
+                      <a:solidFill>
+                        <a:schemeClr val="tx1"/>
+                      </a:solidFill>
+                      <a:prstDash val="solid"/>
+                      <a:round/>
+                      <a:headEnd type="none" w="med" len="med"/>
+                      <a:tailEnd type="none" w="med" len="med"/>
+                    </a:lnL>
+                    <a:solidFill>
+                      <a:schemeClr val="accent4">
+                        <a:lumMod val="20000"/>
+                        <a:lumOff val="80000"/>
+                      </a:schemeClr>
+                    </a:solidFill>
+                  </a:tcPr>
+                </a:tc>
+                <a:tc>
+                  <a:txBody>
+                    <a:bodyPr/>
+                    <a:lstStyle/>
+                    <a:p>
+                      <a:pPr algn="l" fontAlgn="ctr"/>
+                      <a:endParaRPr lang="en-CN" sz="1050" b="0" i="0" u="none" strike="noStrike" dirty="0">
+                        <a:solidFill>
+                          <a:srgbClr val="000000"/>
+                        </a:solidFill>
+                        <a:effectLst/>
+                        <a:latin typeface="Calibri" panose="020F0502020204030204" pitchFamily="34" charset="0"/>
+                      </a:endParaRPr>
+                    </a:p>
+                  </a:txBody>
+                  <a:tcPr marL="7285" marR="7285" marT="7285" marB="0" anchor="ctr">
+                    <a:solidFill>
+                      <a:schemeClr val="accent4">
+                        <a:lumMod val="20000"/>
+                        <a:lumOff val="80000"/>
+                      </a:schemeClr>
+                    </a:solidFill>
+                  </a:tcPr>
+                </a:tc>
+                <a:tc>
+                  <a:txBody>
+                    <a:bodyPr/>
+                    <a:lstStyle/>
+                    <a:p>
+                      <a:pPr algn="l" fontAlgn="ctr"/>
+                      <a:endParaRPr lang="en-CN" sz="1050" b="0" i="0" u="none" strike="noStrike" dirty="0">
+                        <a:solidFill>
+                          <a:srgbClr val="000000"/>
+                        </a:solidFill>
+                        <a:effectLst/>
+                        <a:latin typeface="Calibri" panose="020F0502020204030204" pitchFamily="34" charset="0"/>
+                      </a:endParaRPr>
+                    </a:p>
+                  </a:txBody>
+                  <a:tcPr marL="7285" marR="7285" marT="7285" marB="0" anchor="ctr">
+                    <a:solidFill>
+                      <a:schemeClr val="accent4">
+                        <a:lumMod val="20000"/>
+                        <a:lumOff val="80000"/>
+                      </a:schemeClr>
+                    </a:solidFill>
+                  </a:tcPr>
+                </a:tc>
+                <a:tc>
+                  <a:txBody>
+                    <a:bodyPr/>
+                    <a:lstStyle/>
+                    <a:p>
+                      <a:pPr algn="l" fontAlgn="ctr"/>
+                      <a:endParaRPr lang="en-CN" sz="1050" b="0" i="0" u="none" strike="noStrike">
+                        <a:solidFill>
+                          <a:srgbClr val="000000"/>
+                        </a:solidFill>
+                        <a:effectLst/>
+                        <a:latin typeface="Calibri" panose="020F0502020204030204" pitchFamily="34" charset="0"/>
+                      </a:endParaRPr>
+                    </a:p>
+                  </a:txBody>
+                  <a:tcPr marL="7285" marR="7285" marT="7285" marB="0" anchor="ctr">
+                    <a:solidFill>
+                      <a:schemeClr val="accent4">
+                        <a:lumMod val="20000"/>
+                        <a:lumOff val="80000"/>
+                      </a:schemeClr>
+                    </a:solidFill>
+                  </a:tcPr>
+                </a:tc>
+                <a:extLst>
+                  <a:ext uri="{0D108BD9-81ED-4DB2-BD59-A6C34878D82A}">
+                    <a16:rowId xmlns:a16="http://schemas.microsoft.com/office/drawing/2014/main" val="2028214871"/>
+                  </a:ext>
+                </a:extLst>
+              </a:tr>
+              <a:tr h="174573">
+                <a:tc vMerge="1">
+                  <a:txBody>
+                    <a:bodyPr/>
+                    <a:lstStyle/>
+                    <a:p>
+                      <a:endParaRPr lang="en-CN"/>
+                    </a:p>
+                  </a:txBody>
+                  <a:tcPr/>
+                </a:tc>
+                <a:tc vMerge="1">
+                  <a:txBody>
+                    <a:bodyPr/>
+                    <a:lstStyle/>
+                    <a:p>
+                      <a:endParaRPr lang="en-CN"/>
+                    </a:p>
+                  </a:txBody>
+                  <a:tcPr/>
+                </a:tc>
+                <a:tc vMerge="1">
+                  <a:txBody>
+                    <a:bodyPr/>
+                    <a:lstStyle/>
+                    <a:p>
+                      <a:endParaRPr lang="en-CN"/>
+                    </a:p>
+                  </a:txBody>
+                  <a:tcPr/>
+                </a:tc>
+                <a:tc>
+                  <a:txBody>
+                    <a:bodyPr/>
+                    <a:lstStyle/>
+                    <a:p>
+                      <a:pPr algn="l" fontAlgn="ctr"/>
+                      <a:r>
+                        <a:rPr lang="en-US" sz="1050" i="1" u="none" strike="noStrike" dirty="0">
+                          <a:effectLst/>
+                        </a:rPr>
+                        <a:t>ERV</a:t>
+                      </a:r>
+                      <a:endParaRPr lang="en-US" sz="1050" b="0" i="1" u="none" strike="noStrike" dirty="0">
+                        <a:solidFill>
+                          <a:srgbClr val="000000"/>
+                        </a:solidFill>
+                        <a:effectLst/>
+                        <a:latin typeface="Calibri" panose="020F0502020204030204" pitchFamily="34" charset="0"/>
+                      </a:endParaRPr>
+                    </a:p>
+                  </a:txBody>
+                  <a:tcPr marL="7285" marR="7285" marT="7285" marB="0" anchor="ctr">
+                    <a:lnR w="12700" cap="flat" cmpd="sng" algn="ctr">
+                      <a:solidFill>
+                        <a:schemeClr val="tx1"/>
+                      </a:solidFill>
+                      <a:prstDash val="solid"/>
+                      <a:round/>
+                      <a:headEnd type="none" w="med" len="med"/>
+                      <a:tailEnd type="none" w="med" len="med"/>
+                    </a:lnR>
+                    <a:solidFill>
+                      <a:schemeClr val="accent5">
+                        <a:lumMod val="20000"/>
+                        <a:lumOff val="80000"/>
+                      </a:schemeClr>
+                    </a:solidFill>
+                  </a:tcPr>
+                </a:tc>
+                <a:tc>
+                  <a:txBody>
+                    <a:bodyPr/>
+                    <a:lstStyle/>
+                    <a:p>
+                      <a:pPr algn="l" fontAlgn="ctr"/>
+                      <a:endParaRPr lang="en-CN" sz="1050" b="0" i="0" u="none" strike="noStrike" dirty="0">
+                        <a:solidFill>
+                          <a:srgbClr val="000000"/>
+                        </a:solidFill>
+                        <a:effectLst/>
+                        <a:latin typeface="Calibri" panose="020F0502020204030204" pitchFamily="34" charset="0"/>
+                      </a:endParaRPr>
+                    </a:p>
+                  </a:txBody>
+                  <a:tcPr marL="7285" marR="7285" marT="7285" marB="0" anchor="ctr">
+                    <a:lnL w="12700" cap="flat" cmpd="sng" algn="ctr">
+                      <a:solidFill>
+                        <a:schemeClr val="tx1"/>
+                      </a:solidFill>
+                      <a:prstDash val="solid"/>
+                      <a:round/>
+                      <a:headEnd type="none" w="med" len="med"/>
+                      <a:tailEnd type="none" w="med" len="med"/>
+                    </a:lnL>
+                    <a:solidFill>
+                      <a:schemeClr val="accent4">
+                        <a:lumMod val="20000"/>
+                        <a:lumOff val="80000"/>
+                      </a:schemeClr>
+                    </a:solidFill>
+                  </a:tcPr>
+                </a:tc>
+                <a:tc>
+                  <a:txBody>
+                    <a:bodyPr/>
+                    <a:lstStyle/>
+                    <a:p>
+                      <a:pPr algn="l" fontAlgn="ctr"/>
+                      <a:endParaRPr lang="en-CN" sz="1050" b="0" i="0" u="none" strike="noStrike" dirty="0">
+                        <a:solidFill>
+                          <a:srgbClr val="000000"/>
+                        </a:solidFill>
+                        <a:effectLst/>
+                        <a:latin typeface="Calibri" panose="020F0502020204030204" pitchFamily="34" charset="0"/>
+                      </a:endParaRPr>
+                    </a:p>
+                  </a:txBody>
+                  <a:tcPr marL="7285" marR="7285" marT="7285" marB="0" anchor="ctr">
+                    <a:solidFill>
+                      <a:schemeClr val="accent4">
+                        <a:lumMod val="20000"/>
+                        <a:lumOff val="80000"/>
+                      </a:schemeClr>
+                    </a:solidFill>
+                  </a:tcPr>
+                </a:tc>
+                <a:tc>
+                  <a:txBody>
+                    <a:bodyPr/>
+                    <a:lstStyle/>
+                    <a:p>
+                      <a:pPr algn="l" fontAlgn="ctr"/>
+                      <a:endParaRPr lang="en-CN" sz="1050" b="0" i="0" u="none" strike="noStrike" dirty="0">
+                        <a:solidFill>
+                          <a:srgbClr val="000000"/>
+                        </a:solidFill>
+                        <a:effectLst/>
+                        <a:latin typeface="Calibri" panose="020F0502020204030204" pitchFamily="34" charset="0"/>
+                      </a:endParaRPr>
+                    </a:p>
+                  </a:txBody>
+                  <a:tcPr marL="7285" marR="7285" marT="7285" marB="0" anchor="ctr">
+                    <a:solidFill>
+                      <a:schemeClr val="accent4">
+                        <a:lumMod val="20000"/>
+                        <a:lumOff val="80000"/>
+                      </a:schemeClr>
+                    </a:solidFill>
+                  </a:tcPr>
+                </a:tc>
+                <a:tc>
+                  <a:txBody>
+                    <a:bodyPr/>
+                    <a:lstStyle/>
+                    <a:p>
+                      <a:pPr algn="l" fontAlgn="ctr"/>
+                      <a:endParaRPr lang="en-CN" sz="1050" b="0" i="0" u="none" strike="noStrike">
+                        <a:solidFill>
+                          <a:srgbClr val="000000"/>
+                        </a:solidFill>
+                        <a:effectLst/>
+                        <a:latin typeface="Calibri" panose="020F0502020204030204" pitchFamily="34" charset="0"/>
+                      </a:endParaRPr>
+                    </a:p>
+                  </a:txBody>
+                  <a:tcPr marL="7285" marR="7285" marT="7285" marB="0" anchor="ctr">
+                    <a:solidFill>
+                      <a:schemeClr val="accent4">
+                        <a:lumMod val="20000"/>
+                        <a:lumOff val="80000"/>
+                      </a:schemeClr>
+                    </a:solidFill>
+                  </a:tcPr>
+                </a:tc>
+                <a:extLst>
+                  <a:ext uri="{0D108BD9-81ED-4DB2-BD59-A6C34878D82A}">
+                    <a16:rowId xmlns:a16="http://schemas.microsoft.com/office/drawing/2014/main" val="3710880048"/>
+                  </a:ext>
+                </a:extLst>
+              </a:tr>
+              <a:tr h="174573">
+                <a:tc vMerge="1">
+                  <a:txBody>
+                    <a:bodyPr/>
+                    <a:lstStyle/>
+                    <a:p>
+                      <a:endParaRPr lang="en-CN"/>
+                    </a:p>
+                  </a:txBody>
+                  <a:tcPr/>
+                </a:tc>
+                <a:tc vMerge="1">
+                  <a:txBody>
+                    <a:bodyPr/>
+                    <a:lstStyle/>
+                    <a:p>
+                      <a:endParaRPr lang="en-CN"/>
+                    </a:p>
+                  </a:txBody>
+                  <a:tcPr/>
+                </a:tc>
+                <a:tc rowSpan="3">
+                  <a:txBody>
+                    <a:bodyPr/>
+                    <a:lstStyle/>
+                    <a:p>
+                      <a:r>
+                        <a:rPr lang="en-US" sz="1200" u="none" strike="noStrike" dirty="0">
+                          <a:effectLst/>
+                        </a:rPr>
+                        <a:t>DIR</a:t>
+                      </a:r>
+                      <a:endParaRPr lang="en-CN" sz="2400" dirty="0"/>
+                    </a:p>
+                  </a:txBody>
+                  <a:tcPr marL="7285" marR="7285" marT="7285" marB="0" anchor="ctr">
+                    <a:solidFill>
+                      <a:schemeClr val="accent5">
+                        <a:lumMod val="20000"/>
+                        <a:lumOff val="80000"/>
+                      </a:schemeClr>
+                    </a:solidFill>
+                  </a:tcPr>
+                </a:tc>
+                <a:tc>
+                  <a:txBody>
+                    <a:bodyPr/>
+                    <a:lstStyle/>
+                    <a:p>
+                      <a:pPr algn="l" fontAlgn="ctr"/>
+                      <a:r>
+                        <a:rPr lang="en-US" sz="1050" i="1" u="none" strike="noStrike" dirty="0">
+                          <a:effectLst/>
+                        </a:rPr>
+                        <a:t>DIRS</a:t>
+                      </a:r>
+                      <a:endParaRPr lang="en-US" sz="1050" b="0" i="1" u="none" strike="noStrike" dirty="0">
+                        <a:solidFill>
+                          <a:srgbClr val="000000"/>
+                        </a:solidFill>
+                        <a:effectLst/>
+                        <a:latin typeface="Calibri" panose="020F0502020204030204" pitchFamily="34" charset="0"/>
+                      </a:endParaRPr>
+                    </a:p>
+                  </a:txBody>
+                  <a:tcPr marL="7285" marR="7285" marT="7285" marB="0" anchor="ctr">
+                    <a:lnR w="12700" cap="flat" cmpd="sng" algn="ctr">
+                      <a:solidFill>
+                        <a:schemeClr val="tx1"/>
+                      </a:solidFill>
+                      <a:prstDash val="solid"/>
+                      <a:round/>
+                      <a:headEnd type="none" w="med" len="med"/>
+                      <a:tailEnd type="none" w="med" len="med"/>
+                    </a:lnR>
+                    <a:solidFill>
+                      <a:schemeClr val="accent5">
+                        <a:lumMod val="20000"/>
+                        <a:lumOff val="80000"/>
+                      </a:schemeClr>
+                    </a:solidFill>
+                  </a:tcPr>
+                </a:tc>
+                <a:tc>
+                  <a:txBody>
+                    <a:bodyPr/>
+                    <a:lstStyle/>
+                    <a:p>
+                      <a:pPr algn="l" fontAlgn="ctr"/>
+                      <a:endParaRPr lang="en-CN" sz="1050" b="0" i="0" u="none" strike="noStrike">
+                        <a:solidFill>
+                          <a:srgbClr val="000000"/>
+                        </a:solidFill>
+                        <a:effectLst/>
+                        <a:latin typeface="Calibri" panose="020F0502020204030204" pitchFamily="34" charset="0"/>
+                      </a:endParaRPr>
+                    </a:p>
+                  </a:txBody>
+                  <a:tcPr marL="7285" marR="7285" marT="7285" marB="0" anchor="ctr">
+                    <a:lnL w="12700" cap="flat" cmpd="sng" algn="ctr">
+                      <a:solidFill>
+                        <a:schemeClr val="tx1"/>
+                      </a:solidFill>
+                      <a:prstDash val="solid"/>
+                      <a:round/>
+                      <a:headEnd type="none" w="med" len="med"/>
+                      <a:tailEnd type="none" w="med" len="med"/>
+                    </a:lnL>
+                    <a:solidFill>
+                      <a:schemeClr val="accent4">
+                        <a:lumMod val="20000"/>
+                        <a:lumOff val="80000"/>
+                      </a:schemeClr>
+                    </a:solidFill>
+                  </a:tcPr>
+                </a:tc>
+                <a:tc>
+                  <a:txBody>
+                    <a:bodyPr/>
+                    <a:lstStyle/>
+                    <a:p>
+                      <a:pPr algn="l" fontAlgn="ctr"/>
+                      <a:endParaRPr lang="en-CN" sz="1050" b="0" i="0" u="none" strike="noStrike" dirty="0">
+                        <a:solidFill>
+                          <a:srgbClr val="000000"/>
+                        </a:solidFill>
+                        <a:effectLst/>
+                        <a:latin typeface="Calibri" panose="020F0502020204030204" pitchFamily="34" charset="0"/>
+                      </a:endParaRPr>
+                    </a:p>
+                  </a:txBody>
+                  <a:tcPr marL="7285" marR="7285" marT="7285" marB="0" anchor="ctr">
+                    <a:solidFill>
+                      <a:schemeClr val="accent4">
+                        <a:lumMod val="20000"/>
+                        <a:lumOff val="80000"/>
+                      </a:schemeClr>
+                    </a:solidFill>
+                  </a:tcPr>
+                </a:tc>
+                <a:tc>
+                  <a:txBody>
+                    <a:bodyPr/>
+                    <a:lstStyle/>
+                    <a:p>
+                      <a:pPr algn="l" fontAlgn="ctr"/>
+                      <a:endParaRPr lang="en-CN" sz="1050" b="0" i="0" u="none" strike="noStrike">
+                        <a:solidFill>
+                          <a:srgbClr val="000000"/>
+                        </a:solidFill>
+                        <a:effectLst/>
+                        <a:latin typeface="Calibri" panose="020F0502020204030204" pitchFamily="34" charset="0"/>
+                      </a:endParaRPr>
+                    </a:p>
+                  </a:txBody>
+                  <a:tcPr marL="7285" marR="7285" marT="7285" marB="0" anchor="ctr">
+                    <a:solidFill>
+                      <a:schemeClr val="accent4">
+                        <a:lumMod val="20000"/>
+                        <a:lumOff val="80000"/>
+                      </a:schemeClr>
+                    </a:solidFill>
+                  </a:tcPr>
+                </a:tc>
+                <a:tc>
+                  <a:txBody>
+                    <a:bodyPr/>
+                    <a:lstStyle/>
+                    <a:p>
+                      <a:pPr algn="l" fontAlgn="ctr"/>
+                      <a:endParaRPr lang="en-CN" sz="1050" b="0" i="0" u="none" strike="noStrike" dirty="0">
+                        <a:solidFill>
+                          <a:srgbClr val="000000"/>
+                        </a:solidFill>
+                        <a:effectLst/>
+                        <a:latin typeface="Calibri" panose="020F0502020204030204" pitchFamily="34" charset="0"/>
+                      </a:endParaRPr>
+                    </a:p>
+                  </a:txBody>
+                  <a:tcPr marL="7285" marR="7285" marT="7285" marB="0" anchor="ctr">
+                    <a:solidFill>
+                      <a:schemeClr val="accent4">
+                        <a:lumMod val="20000"/>
+                        <a:lumOff val="80000"/>
+                      </a:schemeClr>
+                    </a:solidFill>
+                  </a:tcPr>
+                </a:tc>
+                <a:extLst>
+                  <a:ext uri="{0D108BD9-81ED-4DB2-BD59-A6C34878D82A}">
+                    <a16:rowId xmlns:a16="http://schemas.microsoft.com/office/drawing/2014/main" val="3690577320"/>
+                  </a:ext>
+                </a:extLst>
+              </a:tr>
+              <a:tr h="174573">
+                <a:tc vMerge="1">
+                  <a:txBody>
+                    <a:bodyPr/>
+                    <a:lstStyle/>
+                    <a:p>
+                      <a:endParaRPr lang="en-CN"/>
+                    </a:p>
+                  </a:txBody>
+                  <a:tcPr/>
+                </a:tc>
+                <a:tc vMerge="1">
+                  <a:txBody>
+                    <a:bodyPr/>
+                    <a:lstStyle/>
+                    <a:p>
+                      <a:endParaRPr lang="en-CN"/>
+                    </a:p>
+                  </a:txBody>
+                  <a:tcPr/>
+                </a:tc>
+                <a:tc vMerge="1">
+                  <a:txBody>
+                    <a:bodyPr/>
+                    <a:lstStyle/>
+                    <a:p>
+                      <a:endParaRPr lang="en-CN"/>
+                    </a:p>
+                  </a:txBody>
+                  <a:tcPr/>
+                </a:tc>
+                <a:tc>
+                  <a:txBody>
+                    <a:bodyPr/>
+                    <a:lstStyle/>
+                    <a:p>
+                      <a:pPr algn="l" fontAlgn="ctr"/>
+                      <a:r>
+                        <a:rPr lang="en-US" sz="1050" i="1" u="none" strike="noStrike" dirty="0" err="1">
+                          <a:effectLst/>
+                        </a:rPr>
+                        <a:t>Ngaro</a:t>
+                      </a:r>
+                      <a:endParaRPr lang="en-US" sz="1050" b="0" i="1" u="none" strike="noStrike" dirty="0">
+                        <a:solidFill>
+                          <a:srgbClr val="000000"/>
+                        </a:solidFill>
+                        <a:effectLst/>
+                        <a:latin typeface="Calibri" panose="020F0502020204030204" pitchFamily="34" charset="0"/>
+                      </a:endParaRPr>
+                    </a:p>
+                  </a:txBody>
+                  <a:tcPr marL="7285" marR="7285" marT="7285" marB="0" anchor="ctr">
+                    <a:lnR w="12700" cap="flat" cmpd="sng" algn="ctr">
+                      <a:solidFill>
+                        <a:schemeClr val="tx1"/>
+                      </a:solidFill>
+                      <a:prstDash val="solid"/>
+                      <a:round/>
+                      <a:headEnd type="none" w="med" len="med"/>
+                      <a:tailEnd type="none" w="med" len="med"/>
+                    </a:lnR>
+                    <a:solidFill>
+                      <a:schemeClr val="accent5">
+                        <a:lumMod val="20000"/>
+                        <a:lumOff val="80000"/>
+                      </a:schemeClr>
+                    </a:solidFill>
+                  </a:tcPr>
+                </a:tc>
+                <a:tc>
+                  <a:txBody>
+                    <a:bodyPr/>
+                    <a:lstStyle/>
+                    <a:p>
+                      <a:pPr algn="l" fontAlgn="ctr"/>
+                      <a:endParaRPr lang="en-CN" sz="1050" b="0" i="0" u="none" strike="noStrike" dirty="0">
+                        <a:solidFill>
+                          <a:srgbClr val="000000"/>
+                        </a:solidFill>
+                        <a:effectLst/>
+                        <a:latin typeface="Calibri" panose="020F0502020204030204" pitchFamily="34" charset="0"/>
+                      </a:endParaRPr>
+                    </a:p>
+                  </a:txBody>
+                  <a:tcPr marL="7285" marR="7285" marT="7285" marB="0" anchor="ctr">
+                    <a:lnL w="12700" cap="flat" cmpd="sng" algn="ctr">
+                      <a:solidFill>
+                        <a:schemeClr val="tx1"/>
+                      </a:solidFill>
+                      <a:prstDash val="solid"/>
+                      <a:round/>
+                      <a:headEnd type="none" w="med" len="med"/>
+                      <a:tailEnd type="none" w="med" len="med"/>
+                    </a:lnL>
+                    <a:solidFill>
+                      <a:schemeClr val="accent4">
+                        <a:lumMod val="20000"/>
+                        <a:lumOff val="80000"/>
+                      </a:schemeClr>
+                    </a:solidFill>
+                  </a:tcPr>
+                </a:tc>
+                <a:tc>
+                  <a:txBody>
+                    <a:bodyPr/>
+                    <a:lstStyle/>
+                    <a:p>
+                      <a:pPr algn="l" fontAlgn="ctr"/>
+                      <a:endParaRPr lang="en-CN" sz="1050" b="0" i="0" u="none" strike="noStrike" dirty="0">
+                        <a:solidFill>
+                          <a:srgbClr val="000000"/>
+                        </a:solidFill>
+                        <a:effectLst/>
+                        <a:latin typeface="Calibri" panose="020F0502020204030204" pitchFamily="34" charset="0"/>
+                      </a:endParaRPr>
+                    </a:p>
+                  </a:txBody>
+                  <a:tcPr marL="7285" marR="7285" marT="7285" marB="0" anchor="ctr">
+                    <a:solidFill>
+                      <a:schemeClr val="accent4">
+                        <a:lumMod val="20000"/>
+                        <a:lumOff val="80000"/>
+                      </a:schemeClr>
+                    </a:solidFill>
+                  </a:tcPr>
+                </a:tc>
+                <a:tc>
+                  <a:txBody>
+                    <a:bodyPr/>
+                    <a:lstStyle/>
+                    <a:p>
+                      <a:pPr algn="l" fontAlgn="ctr"/>
+                      <a:endParaRPr lang="en-CN" sz="1050" b="0" i="0" u="none" strike="noStrike" dirty="0">
+                        <a:solidFill>
+                          <a:srgbClr val="000000"/>
+                        </a:solidFill>
+                        <a:effectLst/>
+                        <a:latin typeface="Calibri" panose="020F0502020204030204" pitchFamily="34" charset="0"/>
+                      </a:endParaRPr>
+                    </a:p>
+                  </a:txBody>
+                  <a:tcPr marL="7285" marR="7285" marT="7285" marB="0" anchor="ctr">
+                    <a:solidFill>
+                      <a:schemeClr val="accent4">
+                        <a:lumMod val="20000"/>
+                        <a:lumOff val="80000"/>
+                      </a:schemeClr>
+                    </a:solidFill>
+                  </a:tcPr>
+                </a:tc>
+                <a:tc>
+                  <a:txBody>
+                    <a:bodyPr/>
+                    <a:lstStyle/>
+                    <a:p>
+                      <a:pPr algn="l" fontAlgn="ctr"/>
+                      <a:endParaRPr lang="en-CN" sz="1050" b="0" i="0" u="none" strike="noStrike" dirty="0">
+                        <a:solidFill>
+                          <a:srgbClr val="000000"/>
+                        </a:solidFill>
+                        <a:effectLst/>
+                        <a:latin typeface="Calibri" panose="020F0502020204030204" pitchFamily="34" charset="0"/>
+                      </a:endParaRPr>
+                    </a:p>
+                  </a:txBody>
+                  <a:tcPr marL="7285" marR="7285" marT="7285" marB="0" anchor="ctr">
+                    <a:solidFill>
+                      <a:schemeClr val="accent4">
+                        <a:lumMod val="20000"/>
+                        <a:lumOff val="80000"/>
+                      </a:schemeClr>
+                    </a:solidFill>
+                  </a:tcPr>
+                </a:tc>
+                <a:extLst>
+                  <a:ext uri="{0D108BD9-81ED-4DB2-BD59-A6C34878D82A}">
+                    <a16:rowId xmlns:a16="http://schemas.microsoft.com/office/drawing/2014/main" val="1169099154"/>
+                  </a:ext>
+                </a:extLst>
+              </a:tr>
+              <a:tr h="174573">
+                <a:tc vMerge="1">
+                  <a:txBody>
+                    <a:bodyPr/>
+                    <a:lstStyle/>
+                    <a:p>
+                      <a:endParaRPr lang="en-CN"/>
+                    </a:p>
+                  </a:txBody>
+                  <a:tcPr/>
+                </a:tc>
+                <a:tc vMerge="1">
+                  <a:txBody>
+                    <a:bodyPr/>
+                    <a:lstStyle/>
+                    <a:p>
+                      <a:endParaRPr lang="en-CN"/>
+                    </a:p>
+                  </a:txBody>
+                  <a:tcPr/>
+                </a:tc>
+                <a:tc vMerge="1">
+                  <a:txBody>
+                    <a:bodyPr/>
+                    <a:lstStyle/>
+                    <a:p>
+                      <a:endParaRPr lang="en-CN"/>
+                    </a:p>
+                  </a:txBody>
+                  <a:tcPr/>
+                </a:tc>
+                <a:tc>
+                  <a:txBody>
+                    <a:bodyPr/>
+                    <a:lstStyle/>
+                    <a:p>
+                      <a:pPr algn="l" fontAlgn="ctr"/>
+                      <a:r>
+                        <a:rPr lang="en-US" sz="1050" i="1" u="none" strike="noStrike" dirty="0">
+                          <a:effectLst/>
+                        </a:rPr>
+                        <a:t>VIPER</a:t>
+                      </a:r>
+                      <a:endParaRPr lang="en-US" sz="1050" b="0" i="1" u="none" strike="noStrike" dirty="0">
+                        <a:solidFill>
+                          <a:srgbClr val="000000"/>
+                        </a:solidFill>
+                        <a:effectLst/>
+                        <a:latin typeface="Calibri" panose="020F0502020204030204" pitchFamily="34" charset="0"/>
+                      </a:endParaRPr>
+                    </a:p>
+                  </a:txBody>
+                  <a:tcPr marL="7285" marR="7285" marT="7285" marB="0" anchor="ctr">
+                    <a:lnR w="12700" cap="flat" cmpd="sng" algn="ctr">
+                      <a:solidFill>
+                        <a:schemeClr val="tx1"/>
+                      </a:solidFill>
+                      <a:prstDash val="solid"/>
+                      <a:round/>
+                      <a:headEnd type="none" w="med" len="med"/>
+                      <a:tailEnd type="none" w="med" len="med"/>
+                    </a:lnR>
+                    <a:solidFill>
+                      <a:schemeClr val="accent5">
+                        <a:lumMod val="20000"/>
+                        <a:lumOff val="80000"/>
+                      </a:schemeClr>
+                    </a:solidFill>
+                  </a:tcPr>
+                </a:tc>
+                <a:tc>
+                  <a:txBody>
+                    <a:bodyPr/>
+                    <a:lstStyle/>
+                    <a:p>
+                      <a:pPr algn="l" fontAlgn="ctr"/>
+                      <a:endParaRPr lang="en-CN" sz="1050" b="0" i="0" u="none" strike="noStrike" dirty="0">
+                        <a:solidFill>
+                          <a:srgbClr val="000000"/>
+                        </a:solidFill>
+                        <a:effectLst/>
+                        <a:latin typeface="Calibri" panose="020F0502020204030204" pitchFamily="34" charset="0"/>
+                      </a:endParaRPr>
+                    </a:p>
+                  </a:txBody>
+                  <a:tcPr marL="7285" marR="7285" marT="7285" marB="0" anchor="ctr">
+                    <a:lnL w="12700" cap="flat" cmpd="sng" algn="ctr">
+                      <a:solidFill>
+                        <a:schemeClr val="tx1"/>
+                      </a:solidFill>
+                      <a:prstDash val="solid"/>
+                      <a:round/>
+                      <a:headEnd type="none" w="med" len="med"/>
+                      <a:tailEnd type="none" w="med" len="med"/>
+                    </a:lnL>
+                    <a:solidFill>
+                      <a:schemeClr val="accent4">
+                        <a:lumMod val="20000"/>
+                        <a:lumOff val="80000"/>
+                      </a:schemeClr>
+                    </a:solidFill>
+                  </a:tcPr>
+                </a:tc>
+                <a:tc>
+                  <a:txBody>
+                    <a:bodyPr/>
+                    <a:lstStyle/>
+                    <a:p>
+                      <a:pPr algn="l" fontAlgn="ctr"/>
+                      <a:endParaRPr lang="en-CN" sz="1050" b="0" i="0" u="none" strike="noStrike" dirty="0">
+                        <a:solidFill>
+                          <a:srgbClr val="000000"/>
+                        </a:solidFill>
+                        <a:effectLst/>
+                        <a:latin typeface="Calibri" panose="020F0502020204030204" pitchFamily="34" charset="0"/>
+                      </a:endParaRPr>
+                    </a:p>
+                  </a:txBody>
+                  <a:tcPr marL="7285" marR="7285" marT="7285" marB="0" anchor="ctr">
+                    <a:solidFill>
+                      <a:schemeClr val="accent4">
+                        <a:lumMod val="20000"/>
+                        <a:lumOff val="80000"/>
+                      </a:schemeClr>
+                    </a:solidFill>
+                  </a:tcPr>
+                </a:tc>
+                <a:tc>
+                  <a:txBody>
+                    <a:bodyPr/>
+                    <a:lstStyle/>
+                    <a:p>
+                      <a:pPr algn="l" fontAlgn="ctr"/>
+                      <a:endParaRPr lang="en-CN" sz="1050" b="0" i="0" u="none" strike="noStrike" dirty="0">
+                        <a:solidFill>
+                          <a:srgbClr val="000000"/>
+                        </a:solidFill>
+                        <a:effectLst/>
+                        <a:latin typeface="Calibri" panose="020F0502020204030204" pitchFamily="34" charset="0"/>
+                      </a:endParaRPr>
+                    </a:p>
+                  </a:txBody>
+                  <a:tcPr marL="7285" marR="7285" marT="7285" marB="0" anchor="ctr">
+                    <a:solidFill>
+                      <a:schemeClr val="accent4">
+                        <a:lumMod val="20000"/>
+                        <a:lumOff val="80000"/>
+                      </a:schemeClr>
+                    </a:solidFill>
+                  </a:tcPr>
+                </a:tc>
+                <a:tc>
+                  <a:txBody>
+                    <a:bodyPr/>
+                    <a:lstStyle/>
+                    <a:p>
+                      <a:pPr algn="l" fontAlgn="ctr"/>
+                      <a:endParaRPr lang="en-CN" sz="1050" b="0" i="0" u="none" strike="noStrike">
+                        <a:solidFill>
+                          <a:srgbClr val="000000"/>
+                        </a:solidFill>
+                        <a:effectLst/>
+                        <a:latin typeface="Calibri" panose="020F0502020204030204" pitchFamily="34" charset="0"/>
+                      </a:endParaRPr>
+                    </a:p>
+                  </a:txBody>
+                  <a:tcPr marL="7285" marR="7285" marT="7285" marB="0" anchor="ctr">
+                    <a:solidFill>
+                      <a:schemeClr val="accent4">
+                        <a:lumMod val="20000"/>
+                        <a:lumOff val="80000"/>
+                      </a:schemeClr>
+                    </a:solidFill>
+                  </a:tcPr>
+                </a:tc>
+                <a:extLst>
+                  <a:ext uri="{0D108BD9-81ED-4DB2-BD59-A6C34878D82A}">
+                    <a16:rowId xmlns:a16="http://schemas.microsoft.com/office/drawing/2014/main" val="963031426"/>
+                  </a:ext>
+                </a:extLst>
+              </a:tr>
+              <a:tr h="174573">
+                <a:tc vMerge="1">
+                  <a:txBody>
+                    <a:bodyPr/>
+                    <a:lstStyle/>
+                    <a:p>
+                      <a:endParaRPr lang="en-CN"/>
+                    </a:p>
+                  </a:txBody>
+                  <a:tcPr/>
+                </a:tc>
+                <a:tc vMerge="1">
+                  <a:txBody>
+                    <a:bodyPr/>
+                    <a:lstStyle/>
+                    <a:p>
+                      <a:endParaRPr lang="en-CN"/>
+                    </a:p>
+                  </a:txBody>
+                  <a:tcPr/>
+                </a:tc>
+                <a:tc>
+                  <a:txBody>
+                    <a:bodyPr/>
+                    <a:lstStyle/>
+                    <a:p>
+                      <a:r>
+                        <a:rPr lang="en-US" sz="1200" u="none" strike="noStrike">
+                          <a:effectLst/>
+                        </a:rPr>
+                        <a:t>PLE</a:t>
+                      </a:r>
+                      <a:endParaRPr lang="en-CN" sz="2400"/>
+                    </a:p>
+                  </a:txBody>
+                  <a:tcPr marL="7285" marR="7285" marT="7285" marB="0" anchor="ctr">
+                    <a:solidFill>
+                      <a:schemeClr val="accent5">
+                        <a:lumMod val="20000"/>
+                        <a:lumOff val="80000"/>
+                      </a:schemeClr>
+                    </a:solidFill>
+                  </a:tcPr>
+                </a:tc>
+                <a:tc>
+                  <a:txBody>
+                    <a:bodyPr/>
+                    <a:lstStyle/>
+                    <a:p>
+                      <a:pPr algn="l" fontAlgn="ctr"/>
+                      <a:r>
+                        <a:rPr lang="en-US" sz="1050" i="1" u="none" strike="noStrike" dirty="0">
+                          <a:effectLst/>
+                        </a:rPr>
+                        <a:t>Penelope</a:t>
+                      </a:r>
+                      <a:endParaRPr lang="en-US" sz="1050" b="0" i="1" u="none" strike="noStrike" dirty="0">
+                        <a:solidFill>
+                          <a:srgbClr val="000000"/>
+                        </a:solidFill>
+                        <a:effectLst/>
+                        <a:latin typeface="Calibri" panose="020F0502020204030204" pitchFamily="34" charset="0"/>
+                      </a:endParaRPr>
+                    </a:p>
+                  </a:txBody>
+                  <a:tcPr marL="7285" marR="7285" marT="7285" marB="0" anchor="ctr">
+                    <a:lnR w="12700" cap="flat" cmpd="sng" algn="ctr">
+                      <a:solidFill>
+                        <a:schemeClr val="tx1"/>
+                      </a:solidFill>
+                      <a:prstDash val="solid"/>
+                      <a:round/>
+                      <a:headEnd type="none" w="med" len="med"/>
+                      <a:tailEnd type="none" w="med" len="med"/>
+                    </a:lnR>
+                    <a:solidFill>
+                      <a:schemeClr val="accent5">
+                        <a:lumMod val="20000"/>
+                        <a:lumOff val="80000"/>
+                      </a:schemeClr>
+                    </a:solidFill>
+                  </a:tcPr>
+                </a:tc>
+                <a:tc>
+                  <a:txBody>
+                    <a:bodyPr/>
+                    <a:lstStyle/>
+                    <a:p>
+                      <a:pPr algn="l" fontAlgn="ctr"/>
+                      <a:endParaRPr lang="en-CN" sz="1050" b="0" i="0" u="none" strike="noStrike" dirty="0">
+                        <a:solidFill>
+                          <a:srgbClr val="000000"/>
+                        </a:solidFill>
+                        <a:effectLst/>
+                        <a:latin typeface="Calibri" panose="020F0502020204030204" pitchFamily="34" charset="0"/>
+                      </a:endParaRPr>
+                    </a:p>
+                  </a:txBody>
+                  <a:tcPr marL="7285" marR="7285" marT="7285" marB="0" anchor="ctr">
+                    <a:lnL w="12700" cap="flat" cmpd="sng" algn="ctr">
+                      <a:solidFill>
+                        <a:schemeClr val="tx1"/>
+                      </a:solidFill>
+                      <a:prstDash val="solid"/>
+                      <a:round/>
+                      <a:headEnd type="none" w="med" len="med"/>
+                      <a:tailEnd type="none" w="med" len="med"/>
+                    </a:lnL>
+                    <a:solidFill>
+                      <a:schemeClr val="accent4">
+                        <a:lumMod val="20000"/>
+                        <a:lumOff val="80000"/>
+                      </a:schemeClr>
+                    </a:solidFill>
+                  </a:tcPr>
+                </a:tc>
+                <a:tc>
+                  <a:txBody>
+                    <a:bodyPr/>
+                    <a:lstStyle/>
+                    <a:p>
+                      <a:pPr algn="l" fontAlgn="ctr"/>
+                      <a:endParaRPr lang="en-CN" sz="1050" b="0" i="0" u="none" strike="noStrike" dirty="0">
+                        <a:solidFill>
+                          <a:srgbClr val="000000"/>
+                        </a:solidFill>
+                        <a:effectLst/>
+                        <a:latin typeface="Calibri" panose="020F0502020204030204" pitchFamily="34" charset="0"/>
+                      </a:endParaRPr>
+                    </a:p>
+                  </a:txBody>
+                  <a:tcPr marL="7285" marR="7285" marT="7285" marB="0" anchor="ctr">
+                    <a:solidFill>
+                      <a:schemeClr val="accent4">
+                        <a:lumMod val="20000"/>
+                        <a:lumOff val="80000"/>
+                      </a:schemeClr>
+                    </a:solidFill>
+                  </a:tcPr>
+                </a:tc>
+                <a:tc>
+                  <a:txBody>
+                    <a:bodyPr/>
+                    <a:lstStyle/>
+                    <a:p>
+                      <a:pPr algn="l" fontAlgn="ctr"/>
+                      <a:endParaRPr lang="en-CN" sz="1050" b="0" i="0" u="none" strike="noStrike" dirty="0">
+                        <a:solidFill>
+                          <a:srgbClr val="000000"/>
+                        </a:solidFill>
+                        <a:effectLst/>
+                        <a:latin typeface="Calibri" panose="020F0502020204030204" pitchFamily="34" charset="0"/>
+                      </a:endParaRPr>
+                    </a:p>
+                  </a:txBody>
+                  <a:tcPr marL="7285" marR="7285" marT="7285" marB="0" anchor="ctr">
+                    <a:solidFill>
+                      <a:schemeClr val="accent4">
+                        <a:lumMod val="20000"/>
+                        <a:lumOff val="80000"/>
+                      </a:schemeClr>
+                    </a:solidFill>
+                  </a:tcPr>
+                </a:tc>
+                <a:tc>
+                  <a:txBody>
+                    <a:bodyPr/>
+                    <a:lstStyle/>
+                    <a:p>
+                      <a:pPr algn="l" fontAlgn="ctr"/>
+                      <a:endParaRPr lang="en-CN" sz="1050" b="0" i="0" u="none" strike="noStrike" dirty="0">
+                        <a:solidFill>
+                          <a:srgbClr val="000000"/>
+                        </a:solidFill>
+                        <a:effectLst/>
+                        <a:latin typeface="Calibri" panose="020F0502020204030204" pitchFamily="34" charset="0"/>
+                      </a:endParaRPr>
+                    </a:p>
+                  </a:txBody>
+                  <a:tcPr marL="7285" marR="7285" marT="7285" marB="0" anchor="ctr">
+                    <a:solidFill>
+                      <a:schemeClr val="accent4">
+                        <a:lumMod val="20000"/>
+                        <a:lumOff val="80000"/>
+                      </a:schemeClr>
+                    </a:solidFill>
+                  </a:tcPr>
+                </a:tc>
+                <a:extLst>
+                  <a:ext uri="{0D108BD9-81ED-4DB2-BD59-A6C34878D82A}">
+                    <a16:rowId xmlns:a16="http://schemas.microsoft.com/office/drawing/2014/main" val="3873693800"/>
+                  </a:ext>
+                </a:extLst>
+              </a:tr>
+              <a:tr h="174573">
+                <a:tc vMerge="1">
+                  <a:txBody>
+                    <a:bodyPr/>
+                    <a:lstStyle/>
+                    <a:p>
+                      <a:endParaRPr lang="en-CN"/>
+                    </a:p>
+                  </a:txBody>
+                  <a:tcPr/>
+                </a:tc>
+                <a:tc rowSpan="5">
+                  <a:txBody>
+                    <a:bodyPr/>
+                    <a:lstStyle/>
+                    <a:p>
+                      <a:pPr algn="l" fontAlgn="ctr"/>
+                      <a:r>
+                        <a:rPr lang="en-US" sz="1200" u="none" strike="noStrike">
+                          <a:effectLst/>
+                        </a:rPr>
+                        <a:t>non-LTR retroTE</a:t>
+                      </a:r>
+                      <a:endParaRPr lang="en-US" sz="1200" b="0" i="0" u="none" strike="noStrike">
+                        <a:solidFill>
+                          <a:srgbClr val="000000"/>
+                        </a:solidFill>
+                        <a:effectLst/>
+                        <a:latin typeface="Calibri" panose="020F0502020204030204" pitchFamily="34" charset="0"/>
+                      </a:endParaRPr>
+                    </a:p>
+                  </a:txBody>
+                  <a:tcPr marL="7285" marR="7285" marT="7285" marB="0" anchor="ctr">
+                    <a:solidFill>
+                      <a:schemeClr val="accent5">
+                        <a:lumMod val="20000"/>
+                        <a:lumOff val="80000"/>
+                      </a:schemeClr>
+                    </a:solidFill>
+                  </a:tcPr>
+                </a:tc>
+                <a:tc rowSpan="5">
+                  <a:txBody>
+                    <a:bodyPr/>
+                    <a:lstStyle/>
+                    <a:p>
+                      <a:pPr algn="l" fontAlgn="ctr"/>
+                      <a:r>
+                        <a:rPr lang="en-US" sz="1200" u="none" strike="noStrike" dirty="0">
+                          <a:effectLst/>
+                        </a:rPr>
+                        <a:t>LINE</a:t>
+                      </a:r>
+                      <a:endParaRPr lang="en-US" sz="1200" b="0" i="0" u="none" strike="noStrike" dirty="0">
+                        <a:solidFill>
+                          <a:srgbClr val="000000"/>
+                        </a:solidFill>
+                        <a:effectLst/>
+                        <a:latin typeface="Calibri" panose="020F0502020204030204" pitchFamily="34" charset="0"/>
+                      </a:endParaRPr>
+                    </a:p>
+                  </a:txBody>
+                  <a:tcPr marL="7285" marR="7285" marT="7285" marB="0" anchor="ctr">
+                    <a:solidFill>
+                      <a:schemeClr val="accent5">
+                        <a:lumMod val="20000"/>
+                        <a:lumOff val="80000"/>
+                      </a:schemeClr>
+                    </a:solidFill>
+                  </a:tcPr>
+                </a:tc>
+                <a:tc>
+                  <a:txBody>
+                    <a:bodyPr/>
+                    <a:lstStyle/>
+                    <a:p>
+                      <a:pPr algn="l" fontAlgn="ctr"/>
+                      <a:r>
+                        <a:rPr lang="en-US" sz="1050" i="1" u="none" strike="noStrike" dirty="0">
+                          <a:effectLst/>
+                        </a:rPr>
+                        <a:t>R2</a:t>
+                      </a:r>
+                      <a:endParaRPr lang="en-US" sz="1050" b="0" i="1" u="none" strike="noStrike" dirty="0">
+                        <a:solidFill>
+                          <a:srgbClr val="000000"/>
+                        </a:solidFill>
+                        <a:effectLst/>
+                        <a:latin typeface="Calibri" panose="020F0502020204030204" pitchFamily="34" charset="0"/>
+                      </a:endParaRPr>
+                    </a:p>
+                  </a:txBody>
+                  <a:tcPr marL="7285" marR="7285" marT="7285" marB="0" anchor="ctr">
+                    <a:lnR w="12700" cap="flat" cmpd="sng" algn="ctr">
+                      <a:solidFill>
+                        <a:schemeClr val="tx1"/>
+                      </a:solidFill>
+                      <a:prstDash val="solid"/>
+                      <a:round/>
+                      <a:headEnd type="none" w="med" len="med"/>
+                      <a:tailEnd type="none" w="med" len="med"/>
+                    </a:lnR>
+                    <a:solidFill>
+                      <a:schemeClr val="accent5">
+                        <a:lumMod val="20000"/>
+                        <a:lumOff val="80000"/>
+                      </a:schemeClr>
+                    </a:solidFill>
+                  </a:tcPr>
+                </a:tc>
+                <a:tc>
+                  <a:txBody>
+                    <a:bodyPr/>
+                    <a:lstStyle/>
+                    <a:p>
+                      <a:pPr algn="l" fontAlgn="ctr"/>
+                      <a:endParaRPr lang="en-CN" sz="1050" b="0" i="0" u="none" strike="noStrike" dirty="0">
+                        <a:solidFill>
+                          <a:srgbClr val="000000"/>
+                        </a:solidFill>
+                        <a:effectLst/>
+                        <a:latin typeface="Calibri" panose="020F0502020204030204" pitchFamily="34" charset="0"/>
+                      </a:endParaRPr>
+                    </a:p>
+                  </a:txBody>
+                  <a:tcPr marL="7285" marR="7285" marT="7285" marB="0" anchor="ctr">
+                    <a:lnL w="12700" cap="flat" cmpd="sng" algn="ctr">
+                      <a:solidFill>
+                        <a:schemeClr val="tx1"/>
+                      </a:solidFill>
+                      <a:prstDash val="solid"/>
+                      <a:round/>
+                      <a:headEnd type="none" w="med" len="med"/>
+                      <a:tailEnd type="none" w="med" len="med"/>
+                    </a:lnL>
+                    <a:solidFill>
+                      <a:schemeClr val="accent4">
+                        <a:lumMod val="20000"/>
+                        <a:lumOff val="80000"/>
+                      </a:schemeClr>
+                    </a:solidFill>
+                  </a:tcPr>
+                </a:tc>
+                <a:tc>
+                  <a:txBody>
+                    <a:bodyPr/>
+                    <a:lstStyle/>
+                    <a:p>
+                      <a:pPr algn="l" fontAlgn="ctr"/>
+                      <a:endParaRPr lang="en-CN" sz="1050" b="0" i="0" u="none" strike="noStrike" dirty="0">
+                        <a:solidFill>
+                          <a:srgbClr val="000000"/>
+                        </a:solidFill>
+                        <a:effectLst/>
+                        <a:latin typeface="Calibri" panose="020F0502020204030204" pitchFamily="34" charset="0"/>
+                      </a:endParaRPr>
+                    </a:p>
+                  </a:txBody>
+                  <a:tcPr marL="7285" marR="7285" marT="7285" marB="0" anchor="ctr">
+                    <a:solidFill>
+                      <a:schemeClr val="accent4">
+                        <a:lumMod val="20000"/>
+                        <a:lumOff val="80000"/>
+                      </a:schemeClr>
+                    </a:solidFill>
+                  </a:tcPr>
+                </a:tc>
+                <a:tc>
+                  <a:txBody>
+                    <a:bodyPr/>
+                    <a:lstStyle/>
+                    <a:p>
+                      <a:pPr algn="l" fontAlgn="ctr"/>
+                      <a:endParaRPr lang="en-CN" sz="1050" b="0" i="0" u="none" strike="noStrike" dirty="0">
+                        <a:solidFill>
+                          <a:srgbClr val="000000"/>
+                        </a:solidFill>
+                        <a:effectLst/>
+                        <a:latin typeface="Calibri" panose="020F0502020204030204" pitchFamily="34" charset="0"/>
+                      </a:endParaRPr>
+                    </a:p>
+                  </a:txBody>
+                  <a:tcPr marL="7285" marR="7285" marT="7285" marB="0" anchor="ctr">
+                    <a:solidFill>
+                      <a:schemeClr val="accent4">
+                        <a:lumMod val="20000"/>
+                        <a:lumOff val="80000"/>
+                      </a:schemeClr>
+                    </a:solidFill>
+                  </a:tcPr>
+                </a:tc>
+                <a:tc>
+                  <a:txBody>
+                    <a:bodyPr/>
+                    <a:lstStyle/>
+                    <a:p>
+                      <a:pPr algn="l" fontAlgn="ctr"/>
+                      <a:endParaRPr lang="en-CN" sz="1050" b="0" i="0" u="none" strike="noStrike" dirty="0">
+                        <a:solidFill>
+                          <a:srgbClr val="000000"/>
+                        </a:solidFill>
+                        <a:effectLst/>
+                        <a:latin typeface="Calibri" panose="020F0502020204030204" pitchFamily="34" charset="0"/>
+                      </a:endParaRPr>
+                    </a:p>
+                  </a:txBody>
+                  <a:tcPr marL="7285" marR="7285" marT="7285" marB="0" anchor="ctr">
+                    <a:solidFill>
+                      <a:schemeClr val="accent4">
+                        <a:lumMod val="20000"/>
+                        <a:lumOff val="80000"/>
+                      </a:schemeClr>
+                    </a:solidFill>
+                  </a:tcPr>
+                </a:tc>
+                <a:extLst>
+                  <a:ext uri="{0D108BD9-81ED-4DB2-BD59-A6C34878D82A}">
+                    <a16:rowId xmlns:a16="http://schemas.microsoft.com/office/drawing/2014/main" val="804878861"/>
+                  </a:ext>
+                </a:extLst>
+              </a:tr>
+              <a:tr h="174573">
+                <a:tc vMerge="1">
+                  <a:txBody>
+                    <a:bodyPr/>
+                    <a:lstStyle/>
+                    <a:p>
+                      <a:endParaRPr lang="en-CN"/>
+                    </a:p>
+                  </a:txBody>
+                  <a:tcPr/>
+                </a:tc>
+                <a:tc vMerge="1">
+                  <a:txBody>
+                    <a:bodyPr/>
+                    <a:lstStyle/>
+                    <a:p>
+                      <a:endParaRPr lang="en-CN"/>
+                    </a:p>
+                  </a:txBody>
+                  <a:tcPr/>
+                </a:tc>
+                <a:tc vMerge="1">
+                  <a:txBody>
+                    <a:bodyPr/>
+                    <a:lstStyle/>
+                    <a:p>
+                      <a:endParaRPr lang="en-CN"/>
+                    </a:p>
+                  </a:txBody>
+                  <a:tcPr/>
+                </a:tc>
+                <a:tc>
+                  <a:txBody>
+                    <a:bodyPr/>
+                    <a:lstStyle/>
+                    <a:p>
+                      <a:pPr algn="l" fontAlgn="ctr"/>
+                      <a:r>
+                        <a:rPr lang="en-US" sz="1050" i="1" u="none" strike="noStrike">
+                          <a:effectLst/>
+                        </a:rPr>
+                        <a:t>RTE</a:t>
+                      </a:r>
+                      <a:endParaRPr lang="en-US" sz="1050" b="0" i="1" u="none" strike="noStrike">
+                        <a:solidFill>
+                          <a:srgbClr val="000000"/>
+                        </a:solidFill>
+                        <a:effectLst/>
+                        <a:latin typeface="Calibri" panose="020F0502020204030204" pitchFamily="34" charset="0"/>
+                      </a:endParaRPr>
+                    </a:p>
+                  </a:txBody>
+                  <a:tcPr marL="7285" marR="7285" marT="7285" marB="0" anchor="ctr">
+                    <a:lnR w="12700" cap="flat" cmpd="sng" algn="ctr">
+                      <a:solidFill>
+                        <a:schemeClr val="tx1"/>
+                      </a:solidFill>
+                      <a:prstDash val="solid"/>
+                      <a:round/>
+                      <a:headEnd type="none" w="med" len="med"/>
+                      <a:tailEnd type="none" w="med" len="med"/>
+                    </a:lnR>
+                    <a:solidFill>
+                      <a:schemeClr val="accent5">
+                        <a:lumMod val="20000"/>
+                        <a:lumOff val="80000"/>
+                      </a:schemeClr>
+                    </a:solidFill>
+                  </a:tcPr>
+                </a:tc>
+                <a:tc>
+                  <a:txBody>
+                    <a:bodyPr/>
+                    <a:lstStyle/>
+                    <a:p>
+                      <a:pPr algn="l" fontAlgn="ctr"/>
+                      <a:endParaRPr lang="en-CN" sz="1050" b="0" i="0" u="none" strike="noStrike" dirty="0">
+                        <a:solidFill>
+                          <a:srgbClr val="000000"/>
+                        </a:solidFill>
+                        <a:effectLst/>
+                        <a:latin typeface="Calibri" panose="020F0502020204030204" pitchFamily="34" charset="0"/>
+                      </a:endParaRPr>
+                    </a:p>
+                  </a:txBody>
+                  <a:tcPr marL="7285" marR="7285" marT="7285" marB="0" anchor="ctr">
+                    <a:lnL w="12700" cap="flat" cmpd="sng" algn="ctr">
+                      <a:solidFill>
+                        <a:schemeClr val="tx1"/>
+                      </a:solidFill>
+                      <a:prstDash val="solid"/>
+                      <a:round/>
+                      <a:headEnd type="none" w="med" len="med"/>
+                      <a:tailEnd type="none" w="med" len="med"/>
+                    </a:lnL>
+                    <a:solidFill>
+                      <a:schemeClr val="accent4">
+                        <a:lumMod val="20000"/>
+                        <a:lumOff val="80000"/>
+                      </a:schemeClr>
+                    </a:solidFill>
+                  </a:tcPr>
+                </a:tc>
+                <a:tc>
+                  <a:txBody>
+                    <a:bodyPr/>
+                    <a:lstStyle/>
+                    <a:p>
+                      <a:pPr algn="l" fontAlgn="ctr"/>
+                      <a:endParaRPr lang="en-CN" sz="1050" b="0" i="0" u="none" strike="noStrike" dirty="0">
+                        <a:solidFill>
+                          <a:srgbClr val="000000"/>
+                        </a:solidFill>
+                        <a:effectLst/>
+                        <a:latin typeface="Calibri" panose="020F0502020204030204" pitchFamily="34" charset="0"/>
+                      </a:endParaRPr>
+                    </a:p>
+                  </a:txBody>
+                  <a:tcPr marL="7285" marR="7285" marT="7285" marB="0" anchor="ctr">
+                    <a:solidFill>
+                      <a:schemeClr val="accent4">
+                        <a:lumMod val="20000"/>
+                        <a:lumOff val="80000"/>
+                      </a:schemeClr>
+                    </a:solidFill>
+                  </a:tcPr>
+                </a:tc>
+                <a:tc>
+                  <a:txBody>
+                    <a:bodyPr/>
+                    <a:lstStyle/>
+                    <a:p>
+                      <a:pPr algn="l" fontAlgn="ctr"/>
+                      <a:endParaRPr lang="en-CN" sz="1050" b="0" i="0" u="none" strike="noStrike" dirty="0">
+                        <a:solidFill>
+                          <a:srgbClr val="000000"/>
+                        </a:solidFill>
+                        <a:effectLst/>
+                        <a:latin typeface="Calibri" panose="020F0502020204030204" pitchFamily="34" charset="0"/>
+                      </a:endParaRPr>
+                    </a:p>
+                  </a:txBody>
+                  <a:tcPr marL="7285" marR="7285" marT="7285" marB="0" anchor="ctr">
+                    <a:solidFill>
+                      <a:schemeClr val="accent4">
+                        <a:lumMod val="20000"/>
+                        <a:lumOff val="80000"/>
+                      </a:schemeClr>
+                    </a:solidFill>
+                  </a:tcPr>
+                </a:tc>
+                <a:tc>
+                  <a:txBody>
+                    <a:bodyPr/>
+                    <a:lstStyle/>
+                    <a:p>
+                      <a:pPr algn="l" fontAlgn="ctr"/>
+                      <a:endParaRPr lang="en-CN" sz="1050" b="0" i="0" u="none" strike="noStrike" dirty="0">
+                        <a:solidFill>
+                          <a:srgbClr val="000000"/>
+                        </a:solidFill>
+                        <a:effectLst/>
+                        <a:latin typeface="Calibri" panose="020F0502020204030204" pitchFamily="34" charset="0"/>
+                      </a:endParaRPr>
+                    </a:p>
+                  </a:txBody>
+                  <a:tcPr marL="7285" marR="7285" marT="7285" marB="0" anchor="ctr">
+                    <a:solidFill>
+                      <a:schemeClr val="accent4">
+                        <a:lumMod val="20000"/>
+                        <a:lumOff val="80000"/>
+                      </a:schemeClr>
+                    </a:solidFill>
+                  </a:tcPr>
+                </a:tc>
+                <a:extLst>
+                  <a:ext uri="{0D108BD9-81ED-4DB2-BD59-A6C34878D82A}">
+                    <a16:rowId xmlns:a16="http://schemas.microsoft.com/office/drawing/2014/main" val="4260902979"/>
+                  </a:ext>
+                </a:extLst>
+              </a:tr>
+              <a:tr h="174573">
+                <a:tc vMerge="1">
+                  <a:txBody>
+                    <a:bodyPr/>
+                    <a:lstStyle/>
+                    <a:p>
+                      <a:endParaRPr lang="en-CN"/>
+                    </a:p>
+                  </a:txBody>
+                  <a:tcPr/>
+                </a:tc>
+                <a:tc vMerge="1">
+                  <a:txBody>
+                    <a:bodyPr/>
+                    <a:lstStyle/>
+                    <a:p>
+                      <a:endParaRPr lang="en-CN"/>
+                    </a:p>
+                  </a:txBody>
+                  <a:tcPr/>
+                </a:tc>
+                <a:tc vMerge="1">
+                  <a:txBody>
+                    <a:bodyPr/>
+                    <a:lstStyle/>
+                    <a:p>
+                      <a:endParaRPr lang="en-CN"/>
+                    </a:p>
+                  </a:txBody>
+                  <a:tcPr/>
+                </a:tc>
+                <a:tc>
+                  <a:txBody>
+                    <a:bodyPr/>
+                    <a:lstStyle/>
+                    <a:p>
+                      <a:pPr algn="l" fontAlgn="ctr"/>
+                      <a:r>
+                        <a:rPr lang="en-US" sz="1050" i="1" u="none" strike="noStrike">
+                          <a:effectLst/>
+                        </a:rPr>
+                        <a:t>Jockey</a:t>
+                      </a:r>
+                      <a:endParaRPr lang="en-US" sz="1050" b="0" i="1" u="none" strike="noStrike">
+                        <a:solidFill>
+                          <a:srgbClr val="000000"/>
+                        </a:solidFill>
+                        <a:effectLst/>
+                        <a:latin typeface="Calibri" panose="020F0502020204030204" pitchFamily="34" charset="0"/>
+                      </a:endParaRPr>
+                    </a:p>
+                  </a:txBody>
+                  <a:tcPr marL="7285" marR="7285" marT="7285" marB="0" anchor="ctr">
+                    <a:lnR w="12700" cap="flat" cmpd="sng" algn="ctr">
+                      <a:solidFill>
+                        <a:schemeClr val="tx1"/>
+                      </a:solidFill>
+                      <a:prstDash val="solid"/>
+                      <a:round/>
+                      <a:headEnd type="none" w="med" len="med"/>
+                      <a:tailEnd type="none" w="med" len="med"/>
+                    </a:lnR>
+                    <a:solidFill>
+                      <a:schemeClr val="accent5">
+                        <a:lumMod val="20000"/>
+                        <a:lumOff val="80000"/>
+                      </a:schemeClr>
+                    </a:solidFill>
+                  </a:tcPr>
+                </a:tc>
+                <a:tc>
+                  <a:txBody>
+                    <a:bodyPr/>
+                    <a:lstStyle/>
+                    <a:p>
+                      <a:pPr algn="l" fontAlgn="ctr"/>
+                      <a:endParaRPr lang="en-CN" sz="1050" b="0" i="0" u="none" strike="noStrike" dirty="0">
+                        <a:solidFill>
+                          <a:srgbClr val="000000"/>
+                        </a:solidFill>
+                        <a:effectLst/>
+                        <a:latin typeface="Calibri" panose="020F0502020204030204" pitchFamily="34" charset="0"/>
+                      </a:endParaRPr>
+                    </a:p>
+                  </a:txBody>
+                  <a:tcPr marL="7285" marR="7285" marT="7285" marB="0" anchor="ctr">
+                    <a:lnL w="12700" cap="flat" cmpd="sng" algn="ctr">
+                      <a:solidFill>
+                        <a:schemeClr val="tx1"/>
+                      </a:solidFill>
+                      <a:prstDash val="solid"/>
+                      <a:round/>
+                      <a:headEnd type="none" w="med" len="med"/>
+                      <a:tailEnd type="none" w="med" len="med"/>
+                    </a:lnL>
+                    <a:solidFill>
+                      <a:schemeClr val="accent4">
+                        <a:lumMod val="20000"/>
+                        <a:lumOff val="80000"/>
+                      </a:schemeClr>
+                    </a:solidFill>
+                  </a:tcPr>
+                </a:tc>
+                <a:tc>
+                  <a:txBody>
+                    <a:bodyPr/>
+                    <a:lstStyle/>
+                    <a:p>
+                      <a:pPr algn="l" fontAlgn="ctr"/>
+                      <a:endParaRPr lang="en-CN" sz="1050" b="0" i="0" u="none" strike="noStrike" dirty="0">
+                        <a:solidFill>
+                          <a:srgbClr val="000000"/>
+                        </a:solidFill>
+                        <a:effectLst/>
+                        <a:latin typeface="Calibri" panose="020F0502020204030204" pitchFamily="34" charset="0"/>
+                      </a:endParaRPr>
+                    </a:p>
+                  </a:txBody>
+                  <a:tcPr marL="7285" marR="7285" marT="7285" marB="0" anchor="ctr">
+                    <a:solidFill>
+                      <a:schemeClr val="accent4">
+                        <a:lumMod val="20000"/>
+                        <a:lumOff val="80000"/>
+                      </a:schemeClr>
+                    </a:solidFill>
+                  </a:tcPr>
+                </a:tc>
+                <a:tc>
+                  <a:txBody>
+                    <a:bodyPr/>
+                    <a:lstStyle/>
+                    <a:p>
+                      <a:pPr algn="l" fontAlgn="ctr"/>
+                      <a:endParaRPr lang="en-CN" sz="1050" b="0" i="0" u="none" strike="noStrike" dirty="0">
+                        <a:solidFill>
+                          <a:srgbClr val="000000"/>
+                        </a:solidFill>
+                        <a:effectLst/>
+                        <a:latin typeface="Calibri" panose="020F0502020204030204" pitchFamily="34" charset="0"/>
+                      </a:endParaRPr>
+                    </a:p>
+                  </a:txBody>
+                  <a:tcPr marL="7285" marR="7285" marT="7285" marB="0" anchor="ctr">
+                    <a:solidFill>
+                      <a:schemeClr val="accent4">
+                        <a:lumMod val="20000"/>
+                        <a:lumOff val="80000"/>
+                      </a:schemeClr>
+                    </a:solidFill>
+                  </a:tcPr>
+                </a:tc>
+                <a:tc>
+                  <a:txBody>
+                    <a:bodyPr/>
+                    <a:lstStyle/>
+                    <a:p>
+                      <a:pPr algn="l" fontAlgn="ctr"/>
+                      <a:endParaRPr lang="en-CN" sz="1050" b="0" i="0" u="none" strike="noStrike" dirty="0">
+                        <a:solidFill>
+                          <a:srgbClr val="000000"/>
+                        </a:solidFill>
+                        <a:effectLst/>
+                        <a:latin typeface="Calibri" panose="020F0502020204030204" pitchFamily="34" charset="0"/>
+                      </a:endParaRPr>
+                    </a:p>
+                  </a:txBody>
+                  <a:tcPr marL="7285" marR="7285" marT="7285" marB="0" anchor="ctr">
+                    <a:solidFill>
+                      <a:schemeClr val="accent4">
+                        <a:lumMod val="20000"/>
+                        <a:lumOff val="80000"/>
+                      </a:schemeClr>
+                    </a:solidFill>
+                  </a:tcPr>
+                </a:tc>
+                <a:extLst>
+                  <a:ext uri="{0D108BD9-81ED-4DB2-BD59-A6C34878D82A}">
+                    <a16:rowId xmlns:a16="http://schemas.microsoft.com/office/drawing/2014/main" val="1555656981"/>
+                  </a:ext>
+                </a:extLst>
+              </a:tr>
+              <a:tr h="174573">
+                <a:tc vMerge="1">
+                  <a:txBody>
+                    <a:bodyPr/>
+                    <a:lstStyle/>
+                    <a:p>
+                      <a:endParaRPr lang="en-CN"/>
+                    </a:p>
+                  </a:txBody>
+                  <a:tcPr/>
+                </a:tc>
+                <a:tc vMerge="1">
+                  <a:txBody>
+                    <a:bodyPr/>
+                    <a:lstStyle/>
+                    <a:p>
+                      <a:endParaRPr lang="en-CN"/>
+                    </a:p>
+                  </a:txBody>
+                  <a:tcPr/>
+                </a:tc>
+                <a:tc vMerge="1">
+                  <a:txBody>
+                    <a:bodyPr/>
+                    <a:lstStyle/>
+                    <a:p>
+                      <a:endParaRPr lang="en-CN"/>
+                    </a:p>
+                  </a:txBody>
+                  <a:tcPr/>
+                </a:tc>
+                <a:tc>
+                  <a:txBody>
+                    <a:bodyPr/>
+                    <a:lstStyle/>
+                    <a:p>
+                      <a:pPr algn="l" fontAlgn="ctr"/>
+                      <a:r>
+                        <a:rPr lang="en-US" sz="1050" i="1" u="none" strike="noStrike">
+                          <a:effectLst/>
+                        </a:rPr>
+                        <a:t>L1</a:t>
+                      </a:r>
+                      <a:endParaRPr lang="en-US" sz="1050" b="0" i="1" u="none" strike="noStrike">
+                        <a:solidFill>
+                          <a:srgbClr val="000000"/>
+                        </a:solidFill>
+                        <a:effectLst/>
+                        <a:latin typeface="Calibri" panose="020F0502020204030204" pitchFamily="34" charset="0"/>
+                      </a:endParaRPr>
+                    </a:p>
+                  </a:txBody>
+                  <a:tcPr marL="7285" marR="7285" marT="7285" marB="0" anchor="ctr">
+                    <a:lnR w="12700" cap="flat" cmpd="sng" algn="ctr">
+                      <a:solidFill>
+                        <a:schemeClr val="tx1"/>
+                      </a:solidFill>
+                      <a:prstDash val="solid"/>
+                      <a:round/>
+                      <a:headEnd type="none" w="med" len="med"/>
+                      <a:tailEnd type="none" w="med" len="med"/>
+                    </a:lnR>
+                    <a:solidFill>
+                      <a:schemeClr val="accent5">
+                        <a:lumMod val="20000"/>
+                        <a:lumOff val="80000"/>
+                      </a:schemeClr>
+                    </a:solidFill>
+                  </a:tcPr>
+                </a:tc>
+                <a:tc>
+                  <a:txBody>
+                    <a:bodyPr/>
+                    <a:lstStyle/>
+                    <a:p>
+                      <a:pPr algn="l" fontAlgn="ctr"/>
+                      <a:endParaRPr lang="en-CN" sz="1050" b="0" i="0" u="none" strike="noStrike" dirty="0">
+                        <a:solidFill>
+                          <a:srgbClr val="000000"/>
+                        </a:solidFill>
+                        <a:effectLst/>
+                        <a:latin typeface="Calibri" panose="020F0502020204030204" pitchFamily="34" charset="0"/>
+                      </a:endParaRPr>
+                    </a:p>
+                  </a:txBody>
+                  <a:tcPr marL="7285" marR="7285" marT="7285" marB="0" anchor="ctr">
+                    <a:lnL w="12700" cap="flat" cmpd="sng" algn="ctr">
+                      <a:solidFill>
+                        <a:schemeClr val="tx1"/>
+                      </a:solidFill>
+                      <a:prstDash val="solid"/>
+                      <a:round/>
+                      <a:headEnd type="none" w="med" len="med"/>
+                      <a:tailEnd type="none" w="med" len="med"/>
+                    </a:lnL>
+                    <a:solidFill>
+                      <a:schemeClr val="accent4">
+                        <a:lumMod val="20000"/>
+                        <a:lumOff val="80000"/>
+                      </a:schemeClr>
+                    </a:solidFill>
+                  </a:tcPr>
+                </a:tc>
+                <a:tc>
+                  <a:txBody>
+                    <a:bodyPr/>
+                    <a:lstStyle/>
+                    <a:p>
+                      <a:pPr algn="l" fontAlgn="ctr"/>
+                      <a:endParaRPr lang="en-CN" sz="1050" b="0" i="0" u="none" strike="noStrike" dirty="0">
+                        <a:solidFill>
+                          <a:srgbClr val="000000"/>
+                        </a:solidFill>
+                        <a:effectLst/>
+                        <a:latin typeface="Calibri" panose="020F0502020204030204" pitchFamily="34" charset="0"/>
+                      </a:endParaRPr>
+                    </a:p>
+                  </a:txBody>
+                  <a:tcPr marL="7285" marR="7285" marT="7285" marB="0" anchor="ctr">
+                    <a:solidFill>
+                      <a:schemeClr val="accent4">
+                        <a:lumMod val="20000"/>
+                        <a:lumOff val="80000"/>
+                      </a:schemeClr>
+                    </a:solidFill>
+                  </a:tcPr>
+                </a:tc>
+                <a:tc>
+                  <a:txBody>
+                    <a:bodyPr/>
+                    <a:lstStyle/>
+                    <a:p>
+                      <a:pPr algn="l" fontAlgn="ctr"/>
+                      <a:endParaRPr lang="en-CN" sz="1050" b="0" i="0" u="none" strike="noStrike" dirty="0">
+                        <a:solidFill>
+                          <a:srgbClr val="000000"/>
+                        </a:solidFill>
+                        <a:effectLst/>
+                        <a:latin typeface="Calibri" panose="020F0502020204030204" pitchFamily="34" charset="0"/>
+                      </a:endParaRPr>
+                    </a:p>
+                  </a:txBody>
+                  <a:tcPr marL="7285" marR="7285" marT="7285" marB="0" anchor="ctr">
+                    <a:solidFill>
+                      <a:schemeClr val="accent4">
+                        <a:lumMod val="20000"/>
+                        <a:lumOff val="80000"/>
+                      </a:schemeClr>
+                    </a:solidFill>
+                  </a:tcPr>
+                </a:tc>
+                <a:tc>
+                  <a:txBody>
+                    <a:bodyPr/>
+                    <a:lstStyle/>
+                    <a:p>
+                      <a:pPr algn="l" fontAlgn="ctr"/>
+                      <a:endParaRPr lang="en-CN" sz="1050" b="0" i="0" u="none" strike="noStrike" dirty="0">
+                        <a:solidFill>
+                          <a:srgbClr val="000000"/>
+                        </a:solidFill>
+                        <a:effectLst/>
+                        <a:latin typeface="Calibri" panose="020F0502020204030204" pitchFamily="34" charset="0"/>
+                      </a:endParaRPr>
+                    </a:p>
+                  </a:txBody>
+                  <a:tcPr marL="7285" marR="7285" marT="7285" marB="0" anchor="ctr">
+                    <a:solidFill>
+                      <a:schemeClr val="accent4">
+                        <a:lumMod val="20000"/>
+                        <a:lumOff val="80000"/>
+                      </a:schemeClr>
+                    </a:solidFill>
+                  </a:tcPr>
+                </a:tc>
+                <a:extLst>
+                  <a:ext uri="{0D108BD9-81ED-4DB2-BD59-A6C34878D82A}">
+                    <a16:rowId xmlns:a16="http://schemas.microsoft.com/office/drawing/2014/main" val="1304222602"/>
+                  </a:ext>
+                </a:extLst>
+              </a:tr>
+              <a:tr h="174573">
+                <a:tc vMerge="1">
+                  <a:txBody>
+                    <a:bodyPr/>
+                    <a:lstStyle/>
+                    <a:p>
+                      <a:endParaRPr lang="en-CN"/>
+                    </a:p>
+                  </a:txBody>
+                  <a:tcPr/>
+                </a:tc>
+                <a:tc vMerge="1">
+                  <a:txBody>
+                    <a:bodyPr/>
+                    <a:lstStyle/>
+                    <a:p>
+                      <a:endParaRPr lang="en-CN"/>
+                    </a:p>
+                  </a:txBody>
+                  <a:tcPr/>
+                </a:tc>
+                <a:tc vMerge="1">
+                  <a:txBody>
+                    <a:bodyPr/>
+                    <a:lstStyle/>
+                    <a:p>
+                      <a:endParaRPr lang="en-CN"/>
+                    </a:p>
+                  </a:txBody>
+                  <a:tcPr/>
+                </a:tc>
+                <a:tc>
+                  <a:txBody>
+                    <a:bodyPr/>
+                    <a:lstStyle/>
+                    <a:p>
+                      <a:pPr algn="l" fontAlgn="ctr"/>
+                      <a:r>
+                        <a:rPr lang="en-US" sz="1050" i="1" u="none" strike="noStrike">
+                          <a:effectLst/>
+                        </a:rPr>
+                        <a:t>l</a:t>
+                      </a:r>
+                      <a:endParaRPr lang="en-US" sz="1050" b="0" i="1" u="none" strike="noStrike">
+                        <a:solidFill>
+                          <a:srgbClr val="000000"/>
+                        </a:solidFill>
+                        <a:effectLst/>
+                        <a:latin typeface="Calibri" panose="020F0502020204030204" pitchFamily="34" charset="0"/>
+                      </a:endParaRPr>
+                    </a:p>
+                  </a:txBody>
+                  <a:tcPr marL="7285" marR="7285" marT="7285" marB="0" anchor="ctr">
+                    <a:lnR w="12700" cap="flat" cmpd="sng" algn="ctr">
+                      <a:solidFill>
+                        <a:schemeClr val="tx1"/>
+                      </a:solidFill>
+                      <a:prstDash val="solid"/>
+                      <a:round/>
+                      <a:headEnd type="none" w="med" len="med"/>
+                      <a:tailEnd type="none" w="med" len="med"/>
+                    </a:lnR>
+                    <a:solidFill>
+                      <a:schemeClr val="accent5">
+                        <a:lumMod val="20000"/>
+                        <a:lumOff val="80000"/>
+                      </a:schemeClr>
+                    </a:solidFill>
+                  </a:tcPr>
+                </a:tc>
+                <a:tc>
+                  <a:txBody>
+                    <a:bodyPr/>
+                    <a:lstStyle/>
+                    <a:p>
+                      <a:pPr algn="l" fontAlgn="ctr"/>
+                      <a:endParaRPr lang="en-CN" sz="1050" b="0" i="0" u="none" strike="noStrike" dirty="0">
+                        <a:solidFill>
+                          <a:srgbClr val="000000"/>
+                        </a:solidFill>
+                        <a:effectLst/>
+                        <a:latin typeface="Calibri" panose="020F0502020204030204" pitchFamily="34" charset="0"/>
+                      </a:endParaRPr>
+                    </a:p>
+                  </a:txBody>
+                  <a:tcPr marL="7285" marR="7285" marT="7285" marB="0" anchor="ctr">
+                    <a:lnL w="12700" cap="flat" cmpd="sng" algn="ctr">
+                      <a:solidFill>
+                        <a:schemeClr val="tx1"/>
+                      </a:solidFill>
+                      <a:prstDash val="solid"/>
+                      <a:round/>
+                      <a:headEnd type="none" w="med" len="med"/>
+                      <a:tailEnd type="none" w="med" len="med"/>
+                    </a:lnL>
+                    <a:solidFill>
+                      <a:schemeClr val="accent4">
+                        <a:lumMod val="20000"/>
+                        <a:lumOff val="80000"/>
+                      </a:schemeClr>
+                    </a:solidFill>
+                  </a:tcPr>
+                </a:tc>
+                <a:tc>
+                  <a:txBody>
+                    <a:bodyPr/>
+                    <a:lstStyle/>
+                    <a:p>
+                      <a:pPr algn="l" fontAlgn="ctr"/>
+                      <a:endParaRPr lang="en-CN" sz="1050" b="0" i="0" u="none" strike="noStrike" dirty="0">
+                        <a:solidFill>
+                          <a:srgbClr val="000000"/>
+                        </a:solidFill>
+                        <a:effectLst/>
+                        <a:latin typeface="Calibri" panose="020F0502020204030204" pitchFamily="34" charset="0"/>
+                      </a:endParaRPr>
+                    </a:p>
+                  </a:txBody>
+                  <a:tcPr marL="7285" marR="7285" marT="7285" marB="0" anchor="ctr">
+                    <a:solidFill>
+                      <a:schemeClr val="accent4">
+                        <a:lumMod val="20000"/>
+                        <a:lumOff val="80000"/>
+                      </a:schemeClr>
+                    </a:solidFill>
+                  </a:tcPr>
+                </a:tc>
+                <a:tc>
+                  <a:txBody>
+                    <a:bodyPr/>
+                    <a:lstStyle/>
+                    <a:p>
+                      <a:pPr algn="l" fontAlgn="ctr"/>
+                      <a:endParaRPr lang="en-CN" sz="1050" b="0" i="0" u="none" strike="noStrike" dirty="0">
+                        <a:solidFill>
+                          <a:srgbClr val="000000"/>
+                        </a:solidFill>
+                        <a:effectLst/>
+                        <a:latin typeface="Calibri" panose="020F0502020204030204" pitchFamily="34" charset="0"/>
+                      </a:endParaRPr>
+                    </a:p>
+                  </a:txBody>
+                  <a:tcPr marL="7285" marR="7285" marT="7285" marB="0" anchor="ctr">
+                    <a:solidFill>
+                      <a:schemeClr val="accent4">
+                        <a:lumMod val="20000"/>
+                        <a:lumOff val="80000"/>
+                      </a:schemeClr>
+                    </a:solidFill>
+                  </a:tcPr>
+                </a:tc>
+                <a:tc>
+                  <a:txBody>
+                    <a:bodyPr/>
+                    <a:lstStyle/>
+                    <a:p>
+                      <a:pPr algn="l" fontAlgn="ctr"/>
+                      <a:endParaRPr lang="en-CN" sz="1050" b="0" i="0" u="none" strike="noStrike" dirty="0">
+                        <a:solidFill>
+                          <a:srgbClr val="000000"/>
+                        </a:solidFill>
+                        <a:effectLst/>
+                        <a:latin typeface="Calibri" panose="020F0502020204030204" pitchFamily="34" charset="0"/>
+                      </a:endParaRPr>
+                    </a:p>
+                  </a:txBody>
+                  <a:tcPr marL="7285" marR="7285" marT="7285" marB="0" anchor="ctr">
+                    <a:solidFill>
+                      <a:schemeClr val="accent4">
+                        <a:lumMod val="20000"/>
+                        <a:lumOff val="80000"/>
+                      </a:schemeClr>
+                    </a:solidFill>
+                  </a:tcPr>
+                </a:tc>
+                <a:extLst>
+                  <a:ext uri="{0D108BD9-81ED-4DB2-BD59-A6C34878D82A}">
+                    <a16:rowId xmlns:a16="http://schemas.microsoft.com/office/drawing/2014/main" val="3830955851"/>
+                  </a:ext>
+                </a:extLst>
+              </a:tr>
+              <a:tr h="174573">
+                <a:tc vMerge="1">
+                  <a:txBody>
+                    <a:bodyPr/>
+                    <a:lstStyle/>
+                    <a:p>
+                      <a:endParaRPr lang="en-CN"/>
+                    </a:p>
+                  </a:txBody>
+                  <a:tcPr/>
+                </a:tc>
+                <a:tc rowSpan="3" gridSpan="2">
+                  <a:txBody>
+                    <a:bodyPr/>
+                    <a:lstStyle/>
+                    <a:p>
+                      <a:pPr algn="l" fontAlgn="ctr"/>
+                      <a:r>
+                        <a:rPr lang="en-US" sz="1200" u="none" strike="noStrike" dirty="0">
+                          <a:effectLst/>
+                        </a:rPr>
+                        <a:t>SINE</a:t>
+                      </a:r>
+                      <a:endParaRPr lang="en-US" sz="1200" b="0" i="0" u="none" strike="noStrike" dirty="0">
+                        <a:solidFill>
+                          <a:srgbClr val="000000"/>
+                        </a:solidFill>
+                        <a:effectLst/>
+                        <a:latin typeface="Calibri" panose="020F0502020204030204" pitchFamily="34" charset="0"/>
+                      </a:endParaRPr>
+                    </a:p>
+                  </a:txBody>
+                  <a:tcPr marL="7285" marR="7285" marT="7285" marB="0" anchor="ctr">
+                    <a:solidFill>
+                      <a:schemeClr val="accent5">
+                        <a:lumMod val="20000"/>
+                        <a:lumOff val="80000"/>
+                      </a:schemeClr>
+                    </a:solidFill>
+                  </a:tcPr>
+                </a:tc>
+                <a:tc rowSpan="3" hMerge="1">
+                  <a:txBody>
+                    <a:bodyPr/>
+                    <a:lstStyle/>
+                    <a:p>
+                      <a:endParaRPr lang="en-CN"/>
+                    </a:p>
+                  </a:txBody>
+                  <a:tcPr/>
+                </a:tc>
+                <a:tc>
+                  <a:txBody>
+                    <a:bodyPr/>
+                    <a:lstStyle/>
+                    <a:p>
+                      <a:pPr algn="l" fontAlgn="ctr"/>
+                      <a:r>
+                        <a:rPr lang="en-US" sz="1050" i="1" u="none" strike="noStrike">
+                          <a:effectLst/>
+                        </a:rPr>
+                        <a:t>tRNA</a:t>
+                      </a:r>
+                      <a:endParaRPr lang="en-US" sz="1050" b="0" i="1" u="none" strike="noStrike">
+                        <a:solidFill>
+                          <a:srgbClr val="000000"/>
+                        </a:solidFill>
+                        <a:effectLst/>
+                        <a:latin typeface="Calibri" panose="020F0502020204030204" pitchFamily="34" charset="0"/>
+                      </a:endParaRPr>
+                    </a:p>
+                  </a:txBody>
+                  <a:tcPr marL="7285" marR="7285" marT="7285" marB="0" anchor="ctr">
+                    <a:lnR w="12700" cap="flat" cmpd="sng" algn="ctr">
+                      <a:solidFill>
+                        <a:schemeClr val="tx1"/>
+                      </a:solidFill>
+                      <a:prstDash val="solid"/>
+                      <a:round/>
+                      <a:headEnd type="none" w="med" len="med"/>
+                      <a:tailEnd type="none" w="med" len="med"/>
+                    </a:lnR>
+                    <a:solidFill>
+                      <a:schemeClr val="accent5">
+                        <a:lumMod val="20000"/>
+                        <a:lumOff val="80000"/>
+                      </a:schemeClr>
+                    </a:solidFill>
+                  </a:tcPr>
+                </a:tc>
+                <a:tc>
+                  <a:txBody>
+                    <a:bodyPr/>
+                    <a:lstStyle/>
+                    <a:p>
+                      <a:pPr algn="l" fontAlgn="ctr"/>
+                      <a:endParaRPr lang="en-CN" sz="1050" b="0" i="0" u="none" strike="noStrike" dirty="0">
+                        <a:solidFill>
+                          <a:srgbClr val="000000"/>
+                        </a:solidFill>
+                        <a:effectLst/>
+                        <a:latin typeface="Calibri" panose="020F0502020204030204" pitchFamily="34" charset="0"/>
+                      </a:endParaRPr>
+                    </a:p>
+                  </a:txBody>
+                  <a:tcPr marL="7285" marR="7285" marT="7285" marB="0" anchor="ctr">
+                    <a:lnL w="12700" cap="flat" cmpd="sng" algn="ctr">
+                      <a:solidFill>
+                        <a:schemeClr val="tx1"/>
+                      </a:solidFill>
+                      <a:prstDash val="solid"/>
+                      <a:round/>
+                      <a:headEnd type="none" w="med" len="med"/>
+                      <a:tailEnd type="none" w="med" len="med"/>
+                    </a:lnL>
+                    <a:solidFill>
+                      <a:schemeClr val="accent4">
+                        <a:lumMod val="20000"/>
+                        <a:lumOff val="80000"/>
+                      </a:schemeClr>
+                    </a:solidFill>
+                  </a:tcPr>
+                </a:tc>
+                <a:tc>
+                  <a:txBody>
+                    <a:bodyPr/>
+                    <a:lstStyle/>
+                    <a:p>
+                      <a:pPr algn="l" fontAlgn="ctr"/>
+                      <a:endParaRPr lang="en-CN" sz="1050" b="0" i="0" u="none" strike="noStrike" dirty="0">
+                        <a:solidFill>
+                          <a:srgbClr val="000000"/>
+                        </a:solidFill>
+                        <a:effectLst/>
+                        <a:latin typeface="Calibri" panose="020F0502020204030204" pitchFamily="34" charset="0"/>
+                      </a:endParaRPr>
+                    </a:p>
+                  </a:txBody>
+                  <a:tcPr marL="7285" marR="7285" marT="7285" marB="0" anchor="ctr">
+                    <a:solidFill>
+                      <a:schemeClr val="accent4">
+                        <a:lumMod val="20000"/>
+                        <a:lumOff val="80000"/>
+                      </a:schemeClr>
+                    </a:solidFill>
+                  </a:tcPr>
+                </a:tc>
+                <a:tc>
+                  <a:txBody>
+                    <a:bodyPr/>
+                    <a:lstStyle/>
+                    <a:p>
+                      <a:pPr algn="l" fontAlgn="ctr"/>
+                      <a:endParaRPr lang="en-CN" sz="1050" b="0" i="0" u="none" strike="noStrike" dirty="0">
+                        <a:solidFill>
+                          <a:srgbClr val="000000"/>
+                        </a:solidFill>
+                        <a:effectLst/>
+                        <a:latin typeface="Calibri" panose="020F0502020204030204" pitchFamily="34" charset="0"/>
+                      </a:endParaRPr>
+                    </a:p>
+                  </a:txBody>
+                  <a:tcPr marL="7285" marR="7285" marT="7285" marB="0" anchor="ctr">
+                    <a:solidFill>
+                      <a:schemeClr val="accent4">
+                        <a:lumMod val="20000"/>
+                        <a:lumOff val="80000"/>
+                      </a:schemeClr>
+                    </a:solidFill>
+                  </a:tcPr>
+                </a:tc>
+                <a:tc>
+                  <a:txBody>
+                    <a:bodyPr/>
+                    <a:lstStyle/>
+                    <a:p>
+                      <a:pPr algn="l" fontAlgn="ctr"/>
+                      <a:endParaRPr lang="en-CN" sz="1050" b="0" i="0" u="none" strike="noStrike" dirty="0">
+                        <a:solidFill>
+                          <a:srgbClr val="000000"/>
+                        </a:solidFill>
+                        <a:effectLst/>
+                        <a:latin typeface="Calibri" panose="020F0502020204030204" pitchFamily="34" charset="0"/>
+                      </a:endParaRPr>
+                    </a:p>
+                  </a:txBody>
+                  <a:tcPr marL="7285" marR="7285" marT="7285" marB="0" anchor="ctr">
+                    <a:solidFill>
+                      <a:schemeClr val="accent4">
+                        <a:lumMod val="20000"/>
+                        <a:lumOff val="80000"/>
+                      </a:schemeClr>
+                    </a:solidFill>
+                  </a:tcPr>
+                </a:tc>
+                <a:extLst>
+                  <a:ext uri="{0D108BD9-81ED-4DB2-BD59-A6C34878D82A}">
+                    <a16:rowId xmlns:a16="http://schemas.microsoft.com/office/drawing/2014/main" val="3715366397"/>
+                  </a:ext>
+                </a:extLst>
+              </a:tr>
+              <a:tr h="174573">
+                <a:tc vMerge="1">
+                  <a:txBody>
+                    <a:bodyPr/>
+                    <a:lstStyle/>
+                    <a:p>
+                      <a:endParaRPr lang="en-CN"/>
+                    </a:p>
+                  </a:txBody>
+                  <a:tcPr/>
+                </a:tc>
+                <a:tc gridSpan="2" vMerge="1">
+                  <a:txBody>
+                    <a:bodyPr/>
+                    <a:lstStyle/>
+                    <a:p>
+                      <a:endParaRPr lang="en-CN"/>
+                    </a:p>
+                  </a:txBody>
+                  <a:tcPr/>
+                </a:tc>
+                <a:tc hMerge="1" vMerge="1">
+                  <a:txBody>
+                    <a:bodyPr/>
+                    <a:lstStyle/>
+                    <a:p>
+                      <a:endParaRPr lang="en-CN"/>
+                    </a:p>
+                  </a:txBody>
+                  <a:tcPr/>
+                </a:tc>
+                <a:tc>
+                  <a:txBody>
+                    <a:bodyPr/>
+                    <a:lstStyle/>
+                    <a:p>
+                      <a:pPr algn="l" fontAlgn="ctr"/>
+                      <a:r>
+                        <a:rPr lang="en-US" sz="1050" i="1" u="none" strike="noStrike">
+                          <a:effectLst/>
+                        </a:rPr>
+                        <a:t>7SL</a:t>
+                      </a:r>
+                      <a:endParaRPr lang="en-US" sz="1050" b="0" i="1" u="none" strike="noStrike">
+                        <a:solidFill>
+                          <a:srgbClr val="000000"/>
+                        </a:solidFill>
+                        <a:effectLst/>
+                        <a:latin typeface="Calibri" panose="020F0502020204030204" pitchFamily="34" charset="0"/>
+                      </a:endParaRPr>
+                    </a:p>
+                  </a:txBody>
+                  <a:tcPr marL="7285" marR="7285" marT="7285" marB="0" anchor="ctr">
+                    <a:lnR w="12700" cap="flat" cmpd="sng" algn="ctr">
+                      <a:solidFill>
+                        <a:schemeClr val="tx1"/>
+                      </a:solidFill>
+                      <a:prstDash val="solid"/>
+                      <a:round/>
+                      <a:headEnd type="none" w="med" len="med"/>
+                      <a:tailEnd type="none" w="med" len="med"/>
+                    </a:lnR>
+                    <a:solidFill>
+                      <a:schemeClr val="accent5">
+                        <a:lumMod val="20000"/>
+                        <a:lumOff val="80000"/>
+                      </a:schemeClr>
+                    </a:solidFill>
+                  </a:tcPr>
+                </a:tc>
+                <a:tc>
+                  <a:txBody>
+                    <a:bodyPr/>
+                    <a:lstStyle/>
+                    <a:p>
+                      <a:pPr algn="l" fontAlgn="ctr"/>
+                      <a:endParaRPr lang="en-CN" sz="1050" b="0" i="0" u="none" strike="noStrike" dirty="0">
+                        <a:solidFill>
+                          <a:srgbClr val="000000"/>
+                        </a:solidFill>
+                        <a:effectLst/>
+                        <a:latin typeface="Calibri" panose="020F0502020204030204" pitchFamily="34" charset="0"/>
+                      </a:endParaRPr>
+                    </a:p>
+                  </a:txBody>
+                  <a:tcPr marL="7285" marR="7285" marT="7285" marB="0" anchor="ctr">
+                    <a:lnL w="12700" cap="flat" cmpd="sng" algn="ctr">
+                      <a:solidFill>
+                        <a:schemeClr val="tx1"/>
+                      </a:solidFill>
+                      <a:prstDash val="solid"/>
+                      <a:round/>
+                      <a:headEnd type="none" w="med" len="med"/>
+                      <a:tailEnd type="none" w="med" len="med"/>
+                    </a:lnL>
+                    <a:solidFill>
+                      <a:schemeClr val="accent4">
+                        <a:lumMod val="20000"/>
+                        <a:lumOff val="80000"/>
+                      </a:schemeClr>
+                    </a:solidFill>
+                  </a:tcPr>
+                </a:tc>
+                <a:tc>
+                  <a:txBody>
+                    <a:bodyPr/>
+                    <a:lstStyle/>
+                    <a:p>
+                      <a:pPr algn="l" fontAlgn="ctr"/>
+                      <a:endParaRPr lang="en-CN" sz="1050" b="0" i="0" u="none" strike="noStrike" dirty="0">
+                        <a:solidFill>
+                          <a:srgbClr val="000000"/>
+                        </a:solidFill>
+                        <a:effectLst/>
+                        <a:latin typeface="Calibri" panose="020F0502020204030204" pitchFamily="34" charset="0"/>
+                      </a:endParaRPr>
+                    </a:p>
+                  </a:txBody>
+                  <a:tcPr marL="7285" marR="7285" marT="7285" marB="0" anchor="ctr">
+                    <a:solidFill>
+                      <a:schemeClr val="accent4">
+                        <a:lumMod val="20000"/>
+                        <a:lumOff val="80000"/>
+                      </a:schemeClr>
+                    </a:solidFill>
+                  </a:tcPr>
+                </a:tc>
+                <a:tc>
+                  <a:txBody>
+                    <a:bodyPr/>
+                    <a:lstStyle/>
+                    <a:p>
+                      <a:pPr algn="l" fontAlgn="ctr"/>
+                      <a:endParaRPr lang="en-CN" sz="1050" b="0" i="0" u="none" strike="noStrike" dirty="0">
+                        <a:solidFill>
+                          <a:srgbClr val="000000"/>
+                        </a:solidFill>
+                        <a:effectLst/>
+                        <a:latin typeface="Calibri" panose="020F0502020204030204" pitchFamily="34" charset="0"/>
+                      </a:endParaRPr>
+                    </a:p>
+                  </a:txBody>
+                  <a:tcPr marL="7285" marR="7285" marT="7285" marB="0" anchor="ctr">
+                    <a:solidFill>
+                      <a:schemeClr val="accent4">
+                        <a:lumMod val="20000"/>
+                        <a:lumOff val="80000"/>
+                      </a:schemeClr>
+                    </a:solidFill>
+                  </a:tcPr>
+                </a:tc>
+                <a:tc>
+                  <a:txBody>
+                    <a:bodyPr/>
+                    <a:lstStyle/>
+                    <a:p>
+                      <a:pPr algn="l" fontAlgn="ctr"/>
+                      <a:endParaRPr lang="en-CN" sz="1050" b="0" i="0" u="none" strike="noStrike" dirty="0">
+                        <a:solidFill>
+                          <a:srgbClr val="000000"/>
+                        </a:solidFill>
+                        <a:effectLst/>
+                        <a:latin typeface="Calibri" panose="020F0502020204030204" pitchFamily="34" charset="0"/>
+                      </a:endParaRPr>
+                    </a:p>
+                  </a:txBody>
+                  <a:tcPr marL="7285" marR="7285" marT="7285" marB="0" anchor="ctr">
+                    <a:solidFill>
+                      <a:schemeClr val="accent4">
+                        <a:lumMod val="20000"/>
+                        <a:lumOff val="80000"/>
+                      </a:schemeClr>
+                    </a:solidFill>
+                  </a:tcPr>
+                </a:tc>
+                <a:extLst>
+                  <a:ext uri="{0D108BD9-81ED-4DB2-BD59-A6C34878D82A}">
+                    <a16:rowId xmlns:a16="http://schemas.microsoft.com/office/drawing/2014/main" val="1979570350"/>
+                  </a:ext>
+                </a:extLst>
+              </a:tr>
+              <a:tr h="174573">
+                <a:tc vMerge="1">
+                  <a:txBody>
+                    <a:bodyPr/>
+                    <a:lstStyle/>
+                    <a:p>
+                      <a:endParaRPr lang="en-CN"/>
+                    </a:p>
+                  </a:txBody>
+                  <a:tcPr/>
+                </a:tc>
+                <a:tc gridSpan="2" vMerge="1">
+                  <a:txBody>
+                    <a:bodyPr/>
+                    <a:lstStyle/>
+                    <a:p>
+                      <a:endParaRPr lang="en-CN"/>
+                    </a:p>
+                  </a:txBody>
+                  <a:tcPr/>
+                </a:tc>
+                <a:tc hMerge="1" vMerge="1">
+                  <a:txBody>
+                    <a:bodyPr/>
+                    <a:lstStyle/>
+                    <a:p>
+                      <a:endParaRPr lang="en-CN"/>
+                    </a:p>
+                  </a:txBody>
+                  <a:tcPr/>
+                </a:tc>
+                <a:tc>
+                  <a:txBody>
+                    <a:bodyPr/>
+                    <a:lstStyle/>
+                    <a:p>
+                      <a:pPr algn="l" fontAlgn="ctr"/>
+                      <a:r>
+                        <a:rPr lang="en-US" sz="1050" i="1" u="none" strike="noStrike" dirty="0">
+                          <a:effectLst/>
+                        </a:rPr>
+                        <a:t>5S</a:t>
+                      </a:r>
+                      <a:endParaRPr lang="en-US" sz="1050" b="0" i="1" u="none" strike="noStrike" dirty="0">
+                        <a:solidFill>
+                          <a:srgbClr val="000000"/>
+                        </a:solidFill>
+                        <a:effectLst/>
+                        <a:latin typeface="Calibri" panose="020F0502020204030204" pitchFamily="34" charset="0"/>
+                      </a:endParaRPr>
+                    </a:p>
+                  </a:txBody>
+                  <a:tcPr marL="7285" marR="7285" marT="7285" marB="0" anchor="ctr">
+                    <a:lnR w="12700" cap="flat" cmpd="sng" algn="ctr">
+                      <a:solidFill>
+                        <a:schemeClr val="tx1"/>
+                      </a:solidFill>
+                      <a:prstDash val="solid"/>
+                      <a:round/>
+                      <a:headEnd type="none" w="med" len="med"/>
+                      <a:tailEnd type="none" w="med" len="med"/>
+                    </a:lnR>
+                    <a:solidFill>
+                      <a:schemeClr val="accent5">
+                        <a:lumMod val="20000"/>
+                        <a:lumOff val="80000"/>
+                      </a:schemeClr>
+                    </a:solidFill>
+                  </a:tcPr>
+                </a:tc>
+                <a:tc>
+                  <a:txBody>
+                    <a:bodyPr/>
+                    <a:lstStyle/>
+                    <a:p>
+                      <a:pPr algn="l" fontAlgn="ctr"/>
+                      <a:endParaRPr lang="en-CN" sz="1050" b="0" i="0" u="none" strike="noStrike" dirty="0">
+                        <a:solidFill>
+                          <a:srgbClr val="000000"/>
+                        </a:solidFill>
+                        <a:effectLst/>
+                        <a:latin typeface="Calibri" panose="020F0502020204030204" pitchFamily="34" charset="0"/>
+                      </a:endParaRPr>
+                    </a:p>
+                  </a:txBody>
+                  <a:tcPr marL="7285" marR="7285" marT="7285" marB="0" anchor="ctr">
+                    <a:lnL w="12700" cap="flat" cmpd="sng" algn="ctr">
+                      <a:solidFill>
+                        <a:schemeClr val="tx1"/>
+                      </a:solidFill>
+                      <a:prstDash val="solid"/>
+                      <a:round/>
+                      <a:headEnd type="none" w="med" len="med"/>
+                      <a:tailEnd type="none" w="med" len="med"/>
+                    </a:lnL>
+                    <a:solidFill>
+                      <a:schemeClr val="accent4">
+                        <a:lumMod val="20000"/>
+                        <a:lumOff val="80000"/>
+                      </a:schemeClr>
+                    </a:solidFill>
+                  </a:tcPr>
+                </a:tc>
+                <a:tc>
+                  <a:txBody>
+                    <a:bodyPr/>
+                    <a:lstStyle/>
+                    <a:p>
+                      <a:pPr algn="l" fontAlgn="ctr"/>
+                      <a:endParaRPr lang="en-CN" sz="1050" b="0" i="0" u="none" strike="noStrike" dirty="0">
+                        <a:solidFill>
+                          <a:srgbClr val="000000"/>
+                        </a:solidFill>
+                        <a:effectLst/>
+                        <a:latin typeface="Calibri" panose="020F0502020204030204" pitchFamily="34" charset="0"/>
+                      </a:endParaRPr>
+                    </a:p>
+                  </a:txBody>
+                  <a:tcPr marL="7285" marR="7285" marT="7285" marB="0" anchor="ctr">
+                    <a:solidFill>
+                      <a:schemeClr val="accent4">
+                        <a:lumMod val="20000"/>
+                        <a:lumOff val="80000"/>
+                      </a:schemeClr>
+                    </a:solidFill>
+                  </a:tcPr>
+                </a:tc>
+                <a:tc>
+                  <a:txBody>
+                    <a:bodyPr/>
+                    <a:lstStyle/>
+                    <a:p>
+                      <a:pPr algn="l" fontAlgn="ctr"/>
+                      <a:endParaRPr lang="en-CN" sz="1050" b="0" i="0" u="none" strike="noStrike" dirty="0">
+                        <a:solidFill>
+                          <a:srgbClr val="000000"/>
+                        </a:solidFill>
+                        <a:effectLst/>
+                        <a:latin typeface="Calibri" panose="020F0502020204030204" pitchFamily="34" charset="0"/>
+                      </a:endParaRPr>
+                    </a:p>
+                  </a:txBody>
+                  <a:tcPr marL="7285" marR="7285" marT="7285" marB="0" anchor="ctr">
+                    <a:solidFill>
+                      <a:schemeClr val="accent4">
+                        <a:lumMod val="20000"/>
+                        <a:lumOff val="80000"/>
+                      </a:schemeClr>
+                    </a:solidFill>
+                  </a:tcPr>
+                </a:tc>
+                <a:tc>
+                  <a:txBody>
+                    <a:bodyPr/>
+                    <a:lstStyle/>
+                    <a:p>
+                      <a:pPr algn="l" fontAlgn="ctr"/>
+                      <a:endParaRPr lang="en-CN" sz="1050" b="0" i="0" u="none" strike="noStrike" dirty="0">
+                        <a:solidFill>
+                          <a:srgbClr val="000000"/>
+                        </a:solidFill>
+                        <a:effectLst/>
+                        <a:latin typeface="Calibri" panose="020F0502020204030204" pitchFamily="34" charset="0"/>
+                      </a:endParaRPr>
+                    </a:p>
+                  </a:txBody>
+                  <a:tcPr marL="7285" marR="7285" marT="7285" marB="0" anchor="ctr">
+                    <a:solidFill>
+                      <a:schemeClr val="accent4">
+                        <a:lumMod val="20000"/>
+                        <a:lumOff val="80000"/>
+                      </a:schemeClr>
+                    </a:solidFill>
+                  </a:tcPr>
+                </a:tc>
+                <a:extLst>
+                  <a:ext uri="{0D108BD9-81ED-4DB2-BD59-A6C34878D82A}">
+                    <a16:rowId xmlns:a16="http://schemas.microsoft.com/office/drawing/2014/main" val="1608074887"/>
+                  </a:ext>
+                </a:extLst>
+              </a:tr>
+            </a:tbl>
+          </a:graphicData>
+        </a:graphic>
+      </p:graphicFrame>
+      <p:sp>
+        <p:nvSpPr>
+          <p:cNvPr id="10" name="TextBox 9">
+            <a:extLst>
+              <a:ext uri="{FF2B5EF4-FFF2-40B4-BE49-F238E27FC236}">
+                <a16:creationId xmlns:a16="http://schemas.microsoft.com/office/drawing/2014/main" id="{578A84B5-C024-CF97-DD15-ED42845361A6}"/>
+              </a:ext>
+            </a:extLst>
+          </p:cNvPr>
+          <p:cNvSpPr txBox="1"/>
+          <p:nvPr/>
+        </p:nvSpPr>
+        <p:spPr>
+          <a:xfrm>
+            <a:off x="2426197" y="6398619"/>
+            <a:ext cx="2702950" cy="338554"/>
+          </a:xfrm>
+          <a:prstGeom prst="rect">
+            <a:avLst/>
+          </a:prstGeom>
+          <a:noFill/>
+        </p:spPr>
+        <p:txBody>
+          <a:bodyPr wrap="square" rtlCol="0">
+            <a:spAutoFit/>
+          </a:bodyPr>
+          <a:lstStyle/>
+          <a:p>
+            <a:pPr algn="ctr"/>
+            <a:r>
+              <a:rPr lang="en-US" sz="1600" dirty="0"/>
+              <a:t>不同转座子在个体中的占比</a:t>
+            </a:r>
+            <a:endParaRPr lang="en-CN" sz="1600" dirty="0"/>
+          </a:p>
+        </p:txBody>
+      </p:sp>
+      <p:sp>
+        <p:nvSpPr>
+          <p:cNvPr id="11" name="Right Arrow 10">
+            <a:extLst>
+              <a:ext uri="{FF2B5EF4-FFF2-40B4-BE49-F238E27FC236}">
+                <a16:creationId xmlns:a16="http://schemas.microsoft.com/office/drawing/2014/main" id="{FD12DFE1-6084-F46E-4368-F4A6DBFA9334}"/>
+              </a:ext>
+            </a:extLst>
+          </p:cNvPr>
+          <p:cNvSpPr/>
+          <p:nvPr/>
+        </p:nvSpPr>
+        <p:spPr>
+          <a:xfrm>
+            <a:off x="7213603" y="3306616"/>
+            <a:ext cx="794327" cy="408709"/>
+          </a:xfrm>
+          <a:prstGeom prst="rightArrow">
+            <a:avLst/>
+          </a:prstGeom>
+        </p:spPr>
+        <p:style>
+          <a:lnRef idx="1">
+            <a:schemeClr val="accent5"/>
+          </a:lnRef>
+          <a:fillRef idx="3">
+            <a:schemeClr val="accent5"/>
+          </a:fillRef>
+          <a:effectRef idx="2">
+            <a:schemeClr val="accent5"/>
+          </a:effectRef>
+          <a:fontRef idx="minor">
+            <a:schemeClr val="lt1"/>
+          </a:fontRef>
+        </p:style>
+        <p:txBody>
+          <a:bodyPr rtlCol="0" anchor="ctr"/>
+          <a:lstStyle/>
+          <a:p>
+            <a:pPr algn="ctr"/>
+            <a:endParaRPr lang="en-CN"/>
+          </a:p>
+        </p:txBody>
+      </p:sp>
+      <p:sp>
+        <p:nvSpPr>
+          <p:cNvPr id="13" name="TextBox 12">
+            <a:extLst>
+              <a:ext uri="{FF2B5EF4-FFF2-40B4-BE49-F238E27FC236}">
+                <a16:creationId xmlns:a16="http://schemas.microsoft.com/office/drawing/2014/main" id="{432B1CB2-013A-E95A-799C-96AF820DAAEC}"/>
+              </a:ext>
+            </a:extLst>
+          </p:cNvPr>
+          <p:cNvSpPr txBox="1"/>
+          <p:nvPr/>
+        </p:nvSpPr>
+        <p:spPr>
+          <a:xfrm>
+            <a:off x="8201898" y="1501330"/>
+            <a:ext cx="3719289" cy="2125582"/>
+          </a:xfrm>
+          <a:prstGeom prst="rect">
+            <a:avLst/>
+          </a:prstGeom>
+          <a:noFill/>
+        </p:spPr>
+        <p:txBody>
+          <a:bodyPr wrap="square" rtlCol="0">
+            <a:spAutoFit/>
+          </a:bodyPr>
+          <a:lstStyle/>
+          <a:p>
+            <a:pPr marL="285750" indent="-285750">
+              <a:lnSpc>
+                <a:spcPct val="150000"/>
+              </a:lnSpc>
+              <a:buFont typeface="Arial" panose="020B0604020202020204" pitchFamily="34" charset="0"/>
+              <a:buChar char="•"/>
+            </a:pPr>
+            <a:r>
+              <a:rPr lang="en-US" dirty="0"/>
+              <a:t>在基因组中鉴定转座子</a:t>
+            </a:r>
+          </a:p>
+          <a:p>
+            <a:pPr marL="285750" indent="-285750">
+              <a:lnSpc>
+                <a:spcPct val="150000"/>
+              </a:lnSpc>
+              <a:buFont typeface="Arial" panose="020B0604020202020204" pitchFamily="34" charset="0"/>
+              <a:buChar char="•"/>
+            </a:pPr>
+            <a:endParaRPr lang="en-US" dirty="0"/>
+          </a:p>
+          <a:p>
+            <a:pPr marL="285750" indent="-285750">
+              <a:lnSpc>
+                <a:spcPct val="150000"/>
+              </a:lnSpc>
+              <a:buFont typeface="Arial" panose="020B0604020202020204" pitchFamily="34" charset="0"/>
+              <a:buChar char="•"/>
+            </a:pPr>
+            <a:r>
+              <a:rPr lang="en-US" dirty="0"/>
+              <a:t>对转座子在群体中进行定量</a:t>
+            </a:r>
+          </a:p>
+          <a:p>
+            <a:pPr marL="285750" indent="-285750">
+              <a:lnSpc>
+                <a:spcPct val="150000"/>
+              </a:lnSpc>
+              <a:buFont typeface="Arial" panose="020B0604020202020204" pitchFamily="34" charset="0"/>
+              <a:buChar char="•"/>
+            </a:pPr>
+            <a:endParaRPr lang="en-US" dirty="0"/>
+          </a:p>
+          <a:p>
+            <a:pPr marL="285750" indent="-285750">
+              <a:lnSpc>
+                <a:spcPct val="150000"/>
+              </a:lnSpc>
+              <a:buFont typeface="Arial" panose="020B0604020202020204" pitchFamily="34" charset="0"/>
+              <a:buChar char="•"/>
+            </a:pPr>
+            <a:r>
+              <a:rPr lang="en-US" dirty="0"/>
+              <a:t>对转座子突变负荷进行定量</a:t>
+            </a:r>
+          </a:p>
+        </p:txBody>
+      </p:sp>
+      <p:pic>
+        <p:nvPicPr>
+          <p:cNvPr id="15" name="Picture 14">
+            <a:extLst>
+              <a:ext uri="{FF2B5EF4-FFF2-40B4-BE49-F238E27FC236}">
+                <a16:creationId xmlns:a16="http://schemas.microsoft.com/office/drawing/2014/main" id="{C88D4A56-0EE6-B120-940F-7C6C387B9A66}"/>
+              </a:ext>
+            </a:extLst>
+          </p:cNvPr>
+          <p:cNvPicPr>
+            <a:picLocks noChangeAspect="1"/>
+          </p:cNvPicPr>
+          <p:nvPr/>
+        </p:nvPicPr>
+        <p:blipFill>
+          <a:blip r:embed="rId2"/>
+          <a:stretch>
+            <a:fillRect/>
+          </a:stretch>
+        </p:blipFill>
+        <p:spPr>
+          <a:xfrm>
+            <a:off x="7962713" y="4012160"/>
+            <a:ext cx="3958474" cy="2210577"/>
+          </a:xfrm>
+          <a:prstGeom prst="rect">
+            <a:avLst/>
+          </a:prstGeom>
+        </p:spPr>
+      </p:pic>
+    </p:spTree>
+    <p:extLst>
+      <p:ext uri="{BB962C8B-B14F-4D97-AF65-F5344CB8AC3E}">
+        <p14:creationId xmlns:p14="http://schemas.microsoft.com/office/powerpoint/2010/main" val="3916573104"/>
+      </p:ext>
+    </p:extLst>
+  </p:cSld>
+  <p:clrMapOvr>
+    <a:masterClrMapping/>
+  </p:clrMapOvr>
+</p:sld>
+</file>
+
+<file path=ppt/slides/slide5.xml><?xml version="1.0" encoding="utf-8"?>
+<p:sld xmlns:a="http://schemas.openxmlformats.org/drawingml/2006/main" xmlns:r="http://schemas.openxmlformats.org/officeDocument/2006/relationships" xmlns:p="http://schemas.openxmlformats.org/presentationml/2006/main">
+  <p:cSld>
+    <p:spTree>
+      <p:nvGrpSpPr>
+        <p:cNvPr id="1" name=""/>
+        <p:cNvGrpSpPr/>
+        <p:nvPr/>
+      </p:nvGrpSpPr>
+      <p:grpSpPr>
+        <a:xfrm>
+          <a:off x="0" y="0"/>
+          <a:ext cx="0" cy="0"/>
+          <a:chOff x="0" y="0"/>
+          <a:chExt cx="0" cy="0"/>
+        </a:xfrm>
+      </p:grpSpPr>
+      <p:sp>
+        <p:nvSpPr>
+          <p:cNvPr id="5" name="Title 1">
+            <a:extLst>
+              <a:ext uri="{FF2B5EF4-FFF2-40B4-BE49-F238E27FC236}">
+                <a16:creationId xmlns:a16="http://schemas.microsoft.com/office/drawing/2014/main" id="{2DCA31EC-AB94-4B58-8478-0BC0F56D7CBF}"/>
+              </a:ext>
+            </a:extLst>
+          </p:cNvPr>
+          <p:cNvSpPr>
+            <a:spLocks noGrp="1"/>
+          </p:cNvSpPr>
+          <p:nvPr>
+            <p:ph type="title"/>
+          </p:nvPr>
+        </p:nvSpPr>
+        <p:spPr>
+          <a:xfrm>
+            <a:off x="720000" y="72000"/>
+            <a:ext cx="10515600" cy="702716"/>
+          </a:xfrm>
+        </p:spPr>
+        <p:txBody>
+          <a:bodyPr>
+            <a:normAutofit/>
+          </a:bodyPr>
+          <a:lstStyle/>
+          <a:p>
+            <a:pPr>
+              <a:lnSpc>
+                <a:spcPct val="100000"/>
+              </a:lnSpc>
+            </a:pPr>
+            <a:r>
+              <a:rPr lang="en-CN" sz="3200" b="1" dirty="0"/>
+              <a:t>进度安排</a:t>
+            </a:r>
+          </a:p>
+        </p:txBody>
+      </p:sp>
+      <p:sp>
+        <p:nvSpPr>
+          <p:cNvPr id="6" name="TextBox 5">
+            <a:extLst>
+              <a:ext uri="{FF2B5EF4-FFF2-40B4-BE49-F238E27FC236}">
+                <a16:creationId xmlns:a16="http://schemas.microsoft.com/office/drawing/2014/main" id="{2CAA7707-967C-FF74-80FC-F5355B358C9A}"/>
+              </a:ext>
+            </a:extLst>
+          </p:cNvPr>
+          <p:cNvSpPr txBox="1"/>
+          <p:nvPr/>
+        </p:nvSpPr>
+        <p:spPr>
+          <a:xfrm>
+            <a:off x="2080054" y="1843950"/>
+            <a:ext cx="7795491" cy="3170099"/>
+          </a:xfrm>
+          <a:prstGeom prst="rect">
+            <a:avLst/>
+          </a:prstGeom>
+          <a:noFill/>
+        </p:spPr>
+        <p:txBody>
+          <a:bodyPr wrap="square" rtlCol="0">
+            <a:spAutoFit/>
+          </a:bodyPr>
+          <a:lstStyle/>
+          <a:p>
+            <a:r>
+              <a:rPr lang="en-US" altLang="zh-CN" sz="2000" dirty="0"/>
+              <a:t>2023.12</a:t>
+            </a:r>
+            <a:r>
+              <a:rPr lang="zh-CN" altLang="en-US" sz="2000" dirty="0"/>
+              <a:t> </a:t>
+            </a:r>
+            <a:r>
+              <a:rPr lang="en-US" altLang="zh-CN" sz="2000" dirty="0"/>
+              <a:t>-</a:t>
+            </a:r>
+            <a:r>
+              <a:rPr lang="zh-CN" altLang="en-US" sz="2000" dirty="0"/>
+              <a:t> </a:t>
+            </a:r>
+            <a:r>
+              <a:rPr lang="en-US" altLang="zh-CN" sz="2000" dirty="0"/>
+              <a:t>2024.1</a:t>
+            </a:r>
+          </a:p>
+          <a:p>
+            <a:pPr marL="285750" indent="-285750">
+              <a:buFont typeface="Arial" panose="020B0604020202020204" pitchFamily="34" charset="0"/>
+              <a:buChar char="•"/>
+            </a:pPr>
+            <a:r>
+              <a:rPr lang="zh-CN" altLang="en-US" sz="2000" dirty="0"/>
+              <a:t>筛选转座子识别工具</a:t>
+            </a:r>
+            <a:endParaRPr lang="en-US" altLang="zh-CN" sz="2000" dirty="0"/>
+          </a:p>
+          <a:p>
+            <a:pPr marL="285750" indent="-285750">
+              <a:buFont typeface="Arial" panose="020B0604020202020204" pitchFamily="34" charset="0"/>
+              <a:buChar char="•"/>
+            </a:pPr>
+            <a:r>
+              <a:rPr lang="zh-CN" altLang="en-US" sz="2000" dirty="0"/>
+              <a:t>在已组装的参考基因组上运行各工具，建立转座子库</a:t>
+            </a:r>
+            <a:endParaRPr lang="en-US" altLang="zh-CN" sz="2000" dirty="0"/>
+          </a:p>
+          <a:p>
+            <a:endParaRPr lang="en-US" sz="2000" dirty="0"/>
+          </a:p>
+          <a:p>
+            <a:r>
+              <a:rPr lang="en-US" altLang="zh-CN" sz="2000" dirty="0"/>
+              <a:t>2024.2-2024.3</a:t>
+            </a:r>
+          </a:p>
+          <a:p>
+            <a:pPr marL="285750" indent="-285750">
+              <a:buFont typeface="Arial" panose="020B0604020202020204" pitchFamily="34" charset="0"/>
+              <a:buChar char="•"/>
+            </a:pPr>
+            <a:r>
+              <a:rPr lang="zh-CN" altLang="en-US" sz="2000" dirty="0"/>
+              <a:t>使用二代测序数据扫描转座子库</a:t>
+            </a:r>
+            <a:endParaRPr lang="en-US" altLang="zh-CN" sz="2000" dirty="0"/>
+          </a:p>
+          <a:p>
+            <a:pPr marL="285750" indent="-285750">
+              <a:buFont typeface="Arial" panose="020B0604020202020204" pitchFamily="34" charset="0"/>
+              <a:buChar char="•"/>
+            </a:pPr>
+            <a:r>
+              <a:rPr lang="zh-CN" altLang="en-US" sz="2000" dirty="0"/>
+              <a:t>控制比对质量</a:t>
+            </a:r>
+            <a:endParaRPr lang="en-US" altLang="zh-CN" sz="2000" dirty="0"/>
+          </a:p>
+          <a:p>
+            <a:pPr marL="285750" indent="-285750">
+              <a:buFont typeface="Arial" panose="020B0604020202020204" pitchFamily="34" charset="0"/>
+              <a:buChar char="•"/>
+            </a:pPr>
+            <a:endParaRPr lang="en-US" altLang="zh-CN" sz="2000" dirty="0"/>
+          </a:p>
+          <a:p>
+            <a:r>
+              <a:rPr lang="en-US" altLang="zh-CN" sz="2000" dirty="0"/>
+              <a:t>2024.4</a:t>
+            </a:r>
+          </a:p>
+          <a:p>
+            <a:pPr marL="285750" indent="-285750">
+              <a:buFont typeface="Arial" panose="020B0604020202020204" pitchFamily="34" charset="0"/>
+              <a:buChar char="•"/>
+            </a:pPr>
+            <a:r>
+              <a:rPr lang="zh-CN" altLang="en-US" sz="2000" dirty="0"/>
+              <a:t>对转座子突变负荷进行定量</a:t>
+            </a:r>
+            <a:endParaRPr lang="en-US" altLang="zh-CN" sz="2000" dirty="0"/>
+          </a:p>
+        </p:txBody>
+      </p:sp>
+    </p:spTree>
+    <p:extLst>
+      <p:ext uri="{BB962C8B-B14F-4D97-AF65-F5344CB8AC3E}">
+        <p14:creationId xmlns:p14="http://schemas.microsoft.com/office/powerpoint/2010/main" val="4210728471"/>
+      </p:ext>
+    </p:extLst>
+  </p:cSld>
+  <p:clrMapOvr>
+    <a:masterClrMapping/>
+  </p:clrMapOvr>
+</p:sld>
+</file>
+
+<file path=ppt/slides/slide6.xml><?xml version="1.0" encoding="utf-8"?>
+<p:sld xmlns:a="http://schemas.openxmlformats.org/drawingml/2006/main" xmlns:r="http://schemas.openxmlformats.org/officeDocument/2006/relationships" xmlns:p="http://schemas.openxmlformats.org/presentationml/2006/main">
+  <p:cSld>
+    <p:spTree>
+      <p:nvGrpSpPr>
+        <p:cNvPr id="1" name=""/>
+        <p:cNvGrpSpPr/>
+        <p:nvPr/>
+      </p:nvGrpSpPr>
+      <p:grpSpPr>
+        <a:xfrm>
+          <a:off x="0" y="0"/>
+          <a:ext cx="0" cy="0"/>
+          <a:chOff x="0" y="0"/>
+          <a:chExt cx="0" cy="0"/>
+        </a:xfrm>
+      </p:grpSpPr>
+      <p:sp>
+        <p:nvSpPr>
+          <p:cNvPr id="2" name="Title 1">
+            <a:extLst>
+              <a:ext uri="{FF2B5EF4-FFF2-40B4-BE49-F238E27FC236}">
+                <a16:creationId xmlns:a16="http://schemas.microsoft.com/office/drawing/2014/main" id="{5F44AAFF-02C5-5E4A-27B1-43E9BD982241}"/>
+              </a:ext>
+            </a:extLst>
+          </p:cNvPr>
+          <p:cNvSpPr>
+            <a:spLocks noGrp="1"/>
+          </p:cNvSpPr>
+          <p:nvPr>
+            <p:ph type="title"/>
+          </p:nvPr>
+        </p:nvSpPr>
+        <p:spPr>
+          <a:xfrm>
+            <a:off x="838200" y="2002631"/>
+            <a:ext cx="10515600" cy="2852737"/>
+          </a:xfrm>
+        </p:spPr>
+        <p:txBody>
+          <a:bodyPr anchor="ctr"/>
+          <a:lstStyle/>
+          <a:p>
+            <a:pPr algn="ctr"/>
+            <a:r>
+              <a:rPr lang="en-CN" b="1" dirty="0"/>
+              <a:t>Thanks</a:t>
+            </a:r>
+          </a:p>
+        </p:txBody>
+      </p:sp>
+    </p:spTree>
+    <p:extLst>
+      <p:ext uri="{BB962C8B-B14F-4D97-AF65-F5344CB8AC3E}">
+        <p14:creationId xmlns:p14="http://schemas.microsoft.com/office/powerpoint/2010/main" val="3822134715"/>
       </p:ext>
     </p:extLst>
   </p:cSld>

--- a/undergraduate/Presentation.pptx
+++ b/undergraduate/Presentation.pptx
@@ -294,7 +294,7 @@
           <a:p>
             <a:fld id="{57792C16-F24B-4F4E-9560-6BDEACC5E4F6}" type="datetimeFigureOut">
               <a:rPr lang="en-CN" smtClean="0"/>
-              <a:t>2023/12/25</a:t>
+              <a:t>12/28/2023</a:t>
             </a:fld>
             <a:endParaRPr lang="en-CN"/>
           </a:p>
@@ -494,7 +494,7 @@
           <a:p>
             <a:fld id="{57792C16-F24B-4F4E-9560-6BDEACC5E4F6}" type="datetimeFigureOut">
               <a:rPr lang="en-CN" smtClean="0"/>
-              <a:t>2023/12/25</a:t>
+              <a:t>12/28/2023</a:t>
             </a:fld>
             <a:endParaRPr lang="en-CN"/>
           </a:p>
@@ -704,7 +704,7 @@
           <a:p>
             <a:fld id="{57792C16-F24B-4F4E-9560-6BDEACC5E4F6}" type="datetimeFigureOut">
               <a:rPr lang="en-CN" smtClean="0"/>
-              <a:t>2023/12/25</a:t>
+              <a:t>12/28/2023</a:t>
             </a:fld>
             <a:endParaRPr lang="en-CN"/>
           </a:p>
@@ -904,7 +904,7 @@
           <a:p>
             <a:fld id="{57792C16-F24B-4F4E-9560-6BDEACC5E4F6}" type="datetimeFigureOut">
               <a:rPr lang="en-CN" smtClean="0"/>
-              <a:t>2023/12/25</a:t>
+              <a:t>12/28/2023</a:t>
             </a:fld>
             <a:endParaRPr lang="en-CN"/>
           </a:p>
@@ -1180,7 +1180,7 @@
           <a:p>
             <a:fld id="{57792C16-F24B-4F4E-9560-6BDEACC5E4F6}" type="datetimeFigureOut">
               <a:rPr lang="en-CN" smtClean="0"/>
-              <a:t>2023/12/25</a:t>
+              <a:t>12/28/2023</a:t>
             </a:fld>
             <a:endParaRPr lang="en-CN"/>
           </a:p>
@@ -1448,7 +1448,7 @@
           <a:p>
             <a:fld id="{57792C16-F24B-4F4E-9560-6BDEACC5E4F6}" type="datetimeFigureOut">
               <a:rPr lang="en-CN" smtClean="0"/>
-              <a:t>2023/12/25</a:t>
+              <a:t>12/28/2023</a:t>
             </a:fld>
             <a:endParaRPr lang="en-CN"/>
           </a:p>
@@ -1863,7 +1863,7 @@
           <a:p>
             <a:fld id="{57792C16-F24B-4F4E-9560-6BDEACC5E4F6}" type="datetimeFigureOut">
               <a:rPr lang="en-CN" smtClean="0"/>
-              <a:t>2023/12/25</a:t>
+              <a:t>12/28/2023</a:t>
             </a:fld>
             <a:endParaRPr lang="en-CN"/>
           </a:p>
@@ -2005,7 +2005,7 @@
           <a:p>
             <a:fld id="{57792C16-F24B-4F4E-9560-6BDEACC5E4F6}" type="datetimeFigureOut">
               <a:rPr lang="en-CN" smtClean="0"/>
-              <a:t>2023/12/25</a:t>
+              <a:t>12/28/2023</a:t>
             </a:fld>
             <a:endParaRPr lang="en-CN"/>
           </a:p>
@@ -2118,7 +2118,7 @@
           <a:p>
             <a:fld id="{57792C16-F24B-4F4E-9560-6BDEACC5E4F6}" type="datetimeFigureOut">
               <a:rPr lang="en-CN" smtClean="0"/>
-              <a:t>2023/12/25</a:t>
+              <a:t>12/28/2023</a:t>
             </a:fld>
             <a:endParaRPr lang="en-CN"/>
           </a:p>
@@ -2431,7 +2431,7 @@
           <a:p>
             <a:fld id="{57792C16-F24B-4F4E-9560-6BDEACC5E4F6}" type="datetimeFigureOut">
               <a:rPr lang="en-CN" smtClean="0"/>
-              <a:t>2023/12/25</a:t>
+              <a:t>12/28/2023</a:t>
             </a:fld>
             <a:endParaRPr lang="en-CN"/>
           </a:p>
@@ -2720,7 +2720,7 @@
           <a:p>
             <a:fld id="{57792C16-F24B-4F4E-9560-6BDEACC5E4F6}" type="datetimeFigureOut">
               <a:rPr lang="en-CN" smtClean="0"/>
-              <a:t>2023/12/25</a:t>
+              <a:t>12/28/2023</a:t>
             </a:fld>
             <a:endParaRPr lang="en-CN"/>
           </a:p>
@@ -2963,7 +2963,7 @@
           <a:p>
             <a:fld id="{57792C16-F24B-4F4E-9560-6BDEACC5E4F6}" type="datetimeFigureOut">
               <a:rPr lang="en-CN" smtClean="0"/>
-              <a:t>2023/12/25</a:t>
+              <a:t>12/28/2023</a:t>
             </a:fld>
             <a:endParaRPr lang="en-CN"/>
           </a:p>
@@ -3434,8 +3434,8 @@
         </p:nvSpPr>
         <p:spPr>
           <a:xfrm>
-            <a:off x="4715163" y="3888510"/>
-            <a:ext cx="2761672" cy="461665"/>
+            <a:off x="4252189" y="3867728"/>
+            <a:ext cx="3687619" cy="1143839"/>
           </a:xfrm>
           <a:prstGeom prst="rect">
             <a:avLst/>
@@ -3448,10 +3448,26 @@
           </a:bodyPr>
           <a:lstStyle/>
           <a:p>
-            <a:pPr algn="ctr"/>
+            <a:pPr algn="ctr">
+              <a:lnSpc>
+                <a:spcPct val="150000"/>
+              </a:lnSpc>
+            </a:pPr>
             <a:r>
               <a:rPr lang="zh-CN" altLang="en-US" sz="2400" dirty="0"/>
-              <a:t>郑达</a:t>
+              <a:t>汇报人：郑达</a:t>
+            </a:r>
+            <a:endParaRPr lang="en-US" altLang="zh-CN" sz="2400" dirty="0"/>
+          </a:p>
+          <a:p>
+            <a:pPr algn="ctr">
+              <a:lnSpc>
+                <a:spcPct val="150000"/>
+              </a:lnSpc>
+            </a:pPr>
+            <a:r>
+              <a:rPr lang="zh-CN" altLang="en-US" sz="2400" dirty="0"/>
+              <a:t>指导教师：张后今教授</a:t>
             </a:r>
             <a:endParaRPr lang="en-US" altLang="zh-CN" sz="2400" dirty="0"/>
           </a:p>
@@ -3788,9 +3804,21 @@
             </a:r>
             <a:r>
               <a:rPr lang="en-US" sz="1600" b="1" dirty="0" err="1"/>
-              <a:t>转座子对基因组的突变作用</a:t>
-            </a:r>
-            <a:endParaRPr lang="en-CN" sz="1600" b="1" dirty="0"/>
+              <a:t>转座子</a:t>
+            </a:r>
+            <a:r>
+              <a:rPr lang="en-US" sz="1600" b="1" dirty="0" err="1">
+                <a:solidFill>
+                  <a:srgbClr val="FF0000"/>
+                </a:solidFill>
+              </a:rPr>
+              <a:t>对基因组的突变作用</a:t>
+            </a:r>
+            <a:endParaRPr lang="en-CN" sz="1600" b="1" dirty="0">
+              <a:solidFill>
+                <a:srgbClr val="FF0000"/>
+              </a:solidFill>
+            </a:endParaRPr>
           </a:p>
         </p:txBody>
       </p:sp>
@@ -3876,7 +3904,19 @@
             </a:r>
             <a:r>
               <a:rPr lang="en-US" sz="1600" b="1" dirty="0" err="1"/>
-              <a:t>转座子引起的突变负荷与物种扩张之间的关系</a:t>
+              <a:t>转座子引起的</a:t>
+            </a:r>
+            <a:r>
+              <a:rPr lang="en-US" sz="1600" b="1" dirty="0" err="1">
+                <a:solidFill>
+                  <a:srgbClr val="FF0000"/>
+                </a:solidFill>
+              </a:rPr>
+              <a:t>突变负荷</a:t>
+            </a:r>
+            <a:r>
+              <a:rPr lang="en-US" sz="1600" b="1" dirty="0" err="1"/>
+              <a:t>与物种扩张之间的关系</a:t>
             </a:r>
             <a:endParaRPr lang="en-CN" sz="1600" b="1" dirty="0"/>
           </a:p>
@@ -3963,8 +4003,8 @@
           </p:spPr>
         </p:pic>
       </p:grpSp>
-      <mc:AlternateContent xmlns:mc="http://schemas.openxmlformats.org/markup-compatibility/2006">
-        <mc:Choice xmlns:p14="http://schemas.microsoft.com/office/powerpoint/2010/main" Requires="p14">
+      <mc:AlternateContent xmlns:mc="http://schemas.openxmlformats.org/markup-compatibility/2006" xmlns:p14="http://schemas.microsoft.com/office/powerpoint/2010/main">
+        <mc:Choice Requires="p14">
           <p:contentPart p14:bwMode="auto" r:id="rId8">
             <p14:nvContentPartPr>
               <p14:cNvPr id="31" name="Ink 30">
@@ -3983,7 +4023,7 @@
             </p14:xfrm>
           </p:contentPart>
         </mc:Choice>
-        <mc:Fallback>
+        <mc:Fallback xmlns="">
           <p:pic>
             <p:nvPicPr>
               <p:cNvPr id="31" name="Ink 30">
@@ -4908,6 +4948,42 @@
           </a:p>
         </p:txBody>
       </p:sp>
+      <p:sp>
+        <p:nvSpPr>
+          <p:cNvPr id="25" name="TextBox 55">
+            <a:extLst>
+              <a:ext uri="{FF2B5EF4-FFF2-40B4-BE49-F238E27FC236}">
+                <a16:creationId xmlns:a16="http://schemas.microsoft.com/office/drawing/2014/main" id="{51CEF74A-DBAD-4D4C-BC96-3A46CB27A989}"/>
+              </a:ext>
+            </a:extLst>
+          </p:cNvPr>
+          <p:cNvSpPr txBox="1"/>
+          <p:nvPr/>
+        </p:nvSpPr>
+        <p:spPr>
+          <a:xfrm>
+            <a:off x="2006373" y="4534451"/>
+            <a:ext cx="792245" cy="338554"/>
+          </a:xfrm>
+          <a:prstGeom prst="rect">
+            <a:avLst/>
+          </a:prstGeom>
+          <a:noFill/>
+        </p:spPr>
+        <p:txBody>
+          <a:bodyPr wrap="square" rtlCol="0">
+            <a:spAutoFit/>
+          </a:bodyPr>
+          <a:lstStyle/>
+          <a:p>
+            <a:r>
+              <a:rPr lang="en-US" sz="1600" dirty="0"/>
+              <a:t>Sample</a:t>
+            </a:r>
+            <a:endParaRPr lang="en-CN" sz="1600" dirty="0"/>
+          </a:p>
+        </p:txBody>
+      </p:sp>
     </p:spTree>
     <p:extLst>
       <p:ext uri="{BB962C8B-B14F-4D97-AF65-F5344CB8AC3E}">
@@ -4993,7 +5069,7 @@
           <p:nvPr>
             <p:extLst>
               <p:ext uri="{D42A27DB-BD31-4B8C-83A1-F6EECF244321}">
-                <p14:modId xmlns:p14="http://schemas.microsoft.com/office/powerpoint/2010/main" val="3584534626"/>
+                <p14:modId xmlns:p14="http://schemas.microsoft.com/office/powerpoint/2010/main" val="820029263"/>
               </p:ext>
             </p:extLst>
           </p:nvPr>
@@ -5429,7 +5505,7 @@
                           <a:effectLst/>
                           <a:latin typeface="Calibri" panose="020F0502020204030204" pitchFamily="34" charset="0"/>
                         </a:rPr>
-                        <a:t>1</a:t>
+                        <a:t>Sample 1</a:t>
                       </a:r>
                       <a:endParaRPr lang="en-CN" sz="900" b="0" i="0" u="none" strike="noStrike" dirty="0">
                         <a:solidFill>
@@ -5481,7 +5557,7 @@
                           <a:effectLst/>
                           <a:latin typeface="Calibri" panose="020F0502020204030204" pitchFamily="34" charset="0"/>
                         </a:rPr>
-                        <a:t>2</a:t>
+                        <a:t>Sample 2</a:t>
                       </a:r>
                       <a:endParaRPr lang="en-CN" sz="900" b="0" i="0" u="none" strike="noStrike" dirty="0">
                         <a:solidFill>
@@ -5524,7 +5600,7 @@
                           <a:effectLst/>
                           <a:latin typeface="Calibri" panose="020F0502020204030204" pitchFamily="34" charset="0"/>
                         </a:rPr>
-                        <a:t>3</a:t>
+                        <a:t>Sample 3</a:t>
                       </a:r>
                       <a:endParaRPr lang="en-CN" sz="900" b="0" i="0" u="none" strike="noStrike" dirty="0">
                         <a:solidFill>
@@ -10892,8 +10968,8 @@
         </p:nvSpPr>
         <p:spPr>
           <a:xfrm>
-            <a:off x="2080054" y="1843950"/>
-            <a:ext cx="7795491" cy="3170099"/>
+            <a:off x="2080054" y="1167291"/>
+            <a:ext cx="7795491" cy="4523418"/>
           </a:xfrm>
           <a:prstGeom prst="rect">
             <a:avLst/>
@@ -10906,29 +10982,37 @@
           </a:bodyPr>
           <a:lstStyle/>
           <a:p>
-            <a:r>
-              <a:rPr lang="en-US" altLang="zh-CN" sz="2000" dirty="0"/>
+            <a:pPr>
+              <a:lnSpc>
+                <a:spcPct val="150000"/>
+              </a:lnSpc>
+            </a:pPr>
+            <a:r>
+              <a:rPr lang="en-US" altLang="zh-CN" b="1" dirty="0"/>
               <a:t>2023.12</a:t>
             </a:r>
             <a:r>
-              <a:rPr lang="zh-CN" altLang="en-US" sz="2000" dirty="0"/>
+              <a:rPr lang="zh-CN" altLang="en-US" b="1" dirty="0"/>
               <a:t> </a:t>
             </a:r>
             <a:r>
-              <a:rPr lang="en-US" altLang="zh-CN" sz="2000" dirty="0"/>
+              <a:rPr lang="en-US" altLang="zh-CN" b="1" dirty="0"/>
               <a:t>-</a:t>
             </a:r>
             <a:r>
-              <a:rPr lang="zh-CN" altLang="en-US" sz="2000" dirty="0"/>
+              <a:rPr lang="zh-CN" altLang="en-US" b="1" dirty="0"/>
               <a:t> </a:t>
             </a:r>
             <a:r>
-              <a:rPr lang="en-US" altLang="zh-CN" sz="2000" dirty="0"/>
+              <a:rPr lang="en-US" altLang="zh-CN" b="1" dirty="0"/>
               <a:t>2024.1</a:t>
             </a:r>
           </a:p>
           <a:p>
             <a:pPr marL="285750" indent="-285750">
+              <a:lnSpc>
+                <a:spcPct val="150000"/>
+              </a:lnSpc>
               <a:buFont typeface="Arial" panose="020B0604020202020204" pitchFamily="34" charset="0"/>
               <a:buChar char="•"/>
             </a:pPr>
@@ -10940,6 +11024,9 @@
           </a:p>
           <a:p>
             <a:pPr marL="285750" indent="-285750">
+              <a:lnSpc>
+                <a:spcPct val="150000"/>
+              </a:lnSpc>
               <a:buFont typeface="Arial" panose="020B0604020202020204" pitchFamily="34" charset="0"/>
               <a:buChar char="•"/>
             </a:pPr>
@@ -10950,16 +11037,29 @@
             <a:endParaRPr lang="en-US" altLang="zh-CN" sz="2000" dirty="0"/>
           </a:p>
           <a:p>
+            <a:pPr>
+              <a:lnSpc>
+                <a:spcPct val="150000"/>
+              </a:lnSpc>
+            </a:pPr>
             <a:endParaRPr lang="en-US" sz="2000" dirty="0"/>
           </a:p>
           <a:p>
-            <a:r>
-              <a:rPr lang="en-US" altLang="zh-CN" sz="2000" dirty="0"/>
+            <a:pPr>
+              <a:lnSpc>
+                <a:spcPct val="150000"/>
+              </a:lnSpc>
+            </a:pPr>
+            <a:r>
+              <a:rPr lang="en-US" altLang="zh-CN" b="1" dirty="0"/>
               <a:t>2024.2-2024.3</a:t>
             </a:r>
           </a:p>
           <a:p>
             <a:pPr marL="285750" indent="-285750">
+              <a:lnSpc>
+                <a:spcPct val="150000"/>
+              </a:lnSpc>
               <a:buFont typeface="Arial" panose="020B0604020202020204" pitchFamily="34" charset="0"/>
               <a:buChar char="•"/>
             </a:pPr>
@@ -10971,6 +11071,9 @@
           </a:p>
           <a:p>
             <a:pPr marL="285750" indent="-285750">
+              <a:lnSpc>
+                <a:spcPct val="150000"/>
+              </a:lnSpc>
               <a:buFont typeface="Arial" panose="020B0604020202020204" pitchFamily="34" charset="0"/>
               <a:buChar char="•"/>
             </a:pPr>
@@ -10982,19 +11085,30 @@
           </a:p>
           <a:p>
             <a:pPr marL="285750" indent="-285750">
+              <a:lnSpc>
+                <a:spcPct val="150000"/>
+              </a:lnSpc>
               <a:buFont typeface="Arial" panose="020B0604020202020204" pitchFamily="34" charset="0"/>
               <a:buChar char="•"/>
             </a:pPr>
             <a:endParaRPr lang="en-US" altLang="zh-CN" sz="2000" dirty="0"/>
           </a:p>
           <a:p>
-            <a:r>
-              <a:rPr lang="en-US" altLang="zh-CN" sz="2000" dirty="0"/>
+            <a:pPr>
+              <a:lnSpc>
+                <a:spcPct val="150000"/>
+              </a:lnSpc>
+            </a:pPr>
+            <a:r>
+              <a:rPr lang="en-US" altLang="zh-CN" b="1" dirty="0"/>
               <a:t>2024.4</a:t>
             </a:r>
           </a:p>
           <a:p>
             <a:pPr marL="285750" indent="-285750">
+              <a:lnSpc>
+                <a:spcPct val="150000"/>
+              </a:lnSpc>
               <a:buFont typeface="Arial" panose="020B0604020202020204" pitchFamily="34" charset="0"/>
               <a:buChar char="•"/>
             </a:pPr>

--- a/undergraduate/Presentation.pptx
+++ b/undergraduate/Presentation.pptx
@@ -294,7 +294,7 @@
           <a:p>
             <a:fld id="{57792C16-F24B-4F4E-9560-6BDEACC5E4F6}" type="datetimeFigureOut">
               <a:rPr lang="en-CN" smtClean="0"/>
-              <a:t>12/28/2023</a:t>
+              <a:t>2023/12/28</a:t>
             </a:fld>
             <a:endParaRPr lang="en-CN"/>
           </a:p>
@@ -494,7 +494,7 @@
           <a:p>
             <a:fld id="{57792C16-F24B-4F4E-9560-6BDEACC5E4F6}" type="datetimeFigureOut">
               <a:rPr lang="en-CN" smtClean="0"/>
-              <a:t>12/28/2023</a:t>
+              <a:t>2023/12/28</a:t>
             </a:fld>
             <a:endParaRPr lang="en-CN"/>
           </a:p>
@@ -704,7 +704,7 @@
           <a:p>
             <a:fld id="{57792C16-F24B-4F4E-9560-6BDEACC5E4F6}" type="datetimeFigureOut">
               <a:rPr lang="en-CN" smtClean="0"/>
-              <a:t>12/28/2023</a:t>
+              <a:t>2023/12/28</a:t>
             </a:fld>
             <a:endParaRPr lang="en-CN"/>
           </a:p>
@@ -904,7 +904,7 @@
           <a:p>
             <a:fld id="{57792C16-F24B-4F4E-9560-6BDEACC5E4F6}" type="datetimeFigureOut">
               <a:rPr lang="en-CN" smtClean="0"/>
-              <a:t>12/28/2023</a:t>
+              <a:t>2023/12/28</a:t>
             </a:fld>
             <a:endParaRPr lang="en-CN"/>
           </a:p>
@@ -1180,7 +1180,7 @@
           <a:p>
             <a:fld id="{57792C16-F24B-4F4E-9560-6BDEACC5E4F6}" type="datetimeFigureOut">
               <a:rPr lang="en-CN" smtClean="0"/>
-              <a:t>12/28/2023</a:t>
+              <a:t>2023/12/28</a:t>
             </a:fld>
             <a:endParaRPr lang="en-CN"/>
           </a:p>
@@ -1448,7 +1448,7 @@
           <a:p>
             <a:fld id="{57792C16-F24B-4F4E-9560-6BDEACC5E4F6}" type="datetimeFigureOut">
               <a:rPr lang="en-CN" smtClean="0"/>
-              <a:t>12/28/2023</a:t>
+              <a:t>2023/12/28</a:t>
             </a:fld>
             <a:endParaRPr lang="en-CN"/>
           </a:p>
@@ -1863,7 +1863,7 @@
           <a:p>
             <a:fld id="{57792C16-F24B-4F4E-9560-6BDEACC5E4F6}" type="datetimeFigureOut">
               <a:rPr lang="en-CN" smtClean="0"/>
-              <a:t>12/28/2023</a:t>
+              <a:t>2023/12/28</a:t>
             </a:fld>
             <a:endParaRPr lang="en-CN"/>
           </a:p>
@@ -2005,7 +2005,7 @@
           <a:p>
             <a:fld id="{57792C16-F24B-4F4E-9560-6BDEACC5E4F6}" type="datetimeFigureOut">
               <a:rPr lang="en-CN" smtClean="0"/>
-              <a:t>12/28/2023</a:t>
+              <a:t>2023/12/28</a:t>
             </a:fld>
             <a:endParaRPr lang="en-CN"/>
           </a:p>
@@ -2118,7 +2118,7 @@
           <a:p>
             <a:fld id="{57792C16-F24B-4F4E-9560-6BDEACC5E4F6}" type="datetimeFigureOut">
               <a:rPr lang="en-CN" smtClean="0"/>
-              <a:t>12/28/2023</a:t>
+              <a:t>2023/12/28</a:t>
             </a:fld>
             <a:endParaRPr lang="en-CN"/>
           </a:p>
@@ -2431,7 +2431,7 @@
           <a:p>
             <a:fld id="{57792C16-F24B-4F4E-9560-6BDEACC5E4F6}" type="datetimeFigureOut">
               <a:rPr lang="en-CN" smtClean="0"/>
-              <a:t>12/28/2023</a:t>
+              <a:t>2023/12/28</a:t>
             </a:fld>
             <a:endParaRPr lang="en-CN"/>
           </a:p>
@@ -2720,7 +2720,7 @@
           <a:p>
             <a:fld id="{57792C16-F24B-4F4E-9560-6BDEACC5E4F6}" type="datetimeFigureOut">
               <a:rPr lang="en-CN" smtClean="0"/>
-              <a:t>12/28/2023</a:t>
+              <a:t>2023/12/28</a:t>
             </a:fld>
             <a:endParaRPr lang="en-CN"/>
           </a:p>
@@ -2963,7 +2963,7 @@
           <a:p>
             <a:fld id="{57792C16-F24B-4F4E-9560-6BDEACC5E4F6}" type="datetimeFigureOut">
               <a:rPr lang="en-CN" smtClean="0"/>
-              <a:t>12/28/2023</a:t>
+              <a:t>2023/12/28</a:t>
             </a:fld>
             <a:endParaRPr lang="en-CN"/>
           </a:p>
@@ -3413,7 +3413,7 @@
               <a:t>小麦转座子</a:t>
             </a:r>
             <a:r>
-              <a:rPr lang="en-US" sz="4800" b="1" dirty="0" err="1"/>
+              <a:rPr lang="en-US" sz="4800" b="1" dirty="0"/>
               <a:t>突变负荷解析</a:t>
             </a:r>
             <a:endParaRPr lang="en-CN" sz="4800" b="1" dirty="0"/>
@@ -4247,6 +4247,7 @@
           <a:bodyPr rtlCol="0" anchor="ctr"/>
           <a:lstStyle/>
           <a:p>
+            <a:pPr algn="ctr"/>
             <a:r>
               <a:rPr lang="en-CN" sz="1600" b="1" dirty="0"/>
               <a:t>TE detectiing Tools: </a:t>
@@ -5069,7 +5070,7 @@
           <p:nvPr>
             <p:extLst>
               <p:ext uri="{D42A27DB-BD31-4B8C-83A1-F6EECF244321}">
-                <p14:modId xmlns:p14="http://schemas.microsoft.com/office/powerpoint/2010/main" val="820029263"/>
+                <p14:modId xmlns:p14="http://schemas.microsoft.com/office/powerpoint/2010/main" val="208880469"/>
               </p:ext>
             </p:extLst>
           </p:nvPr>
@@ -5498,7 +5499,7 @@
                     <a:p>
                       <a:pPr algn="ctr" fontAlgn="ctr"/>
                       <a:r>
-                        <a:rPr lang="en-US" altLang="zh-CN" sz="900" b="0" i="0" u="none" strike="noStrike" dirty="0">
+                        <a:rPr lang="en-US" altLang="zh-CN" sz="1050" b="0" i="0" u="none" strike="noStrike" dirty="0">
                           <a:solidFill>
                             <a:srgbClr val="000000"/>
                           </a:solidFill>
@@ -5507,7 +5508,7 @@
                         </a:rPr>
                         <a:t>Sample 1</a:t>
                       </a:r>
-                      <a:endParaRPr lang="en-CN" sz="900" b="0" i="0" u="none" strike="noStrike" dirty="0">
+                      <a:endParaRPr lang="en-CN" sz="1050" b="0" i="0" u="none" strike="noStrike" dirty="0">
                         <a:solidFill>
                           <a:srgbClr val="000000"/>
                         </a:solidFill>
@@ -5550,7 +5551,7 @@
                     <a:p>
                       <a:pPr algn="ctr" fontAlgn="ctr"/>
                       <a:r>
-                        <a:rPr lang="en-US" altLang="zh-CN" sz="900" b="0" i="0" u="none" strike="noStrike" dirty="0">
+                        <a:rPr lang="en-US" altLang="zh-CN" sz="1050" b="0" i="0" u="none" strike="noStrike" dirty="0">
                           <a:solidFill>
                             <a:srgbClr val="000000"/>
                           </a:solidFill>
@@ -5559,7 +5560,7 @@
                         </a:rPr>
                         <a:t>Sample 2</a:t>
                       </a:r>
-                      <a:endParaRPr lang="en-CN" sz="900" b="0" i="0" u="none" strike="noStrike" dirty="0">
+                      <a:endParaRPr lang="en-CN" sz="1050" b="0" i="0" u="none" strike="noStrike" dirty="0">
                         <a:solidFill>
                           <a:srgbClr val="000000"/>
                         </a:solidFill>
@@ -5593,7 +5594,7 @@
                     <a:p>
                       <a:pPr algn="ctr" fontAlgn="ctr"/>
                       <a:r>
-                        <a:rPr lang="en-US" altLang="zh-CN" sz="900" b="0" i="0" u="none" strike="noStrike" dirty="0">
+                        <a:rPr lang="en-US" altLang="zh-CN" sz="1050" b="0" i="0" u="none" strike="noStrike" dirty="0">
                           <a:solidFill>
                             <a:srgbClr val="000000"/>
                           </a:solidFill>
@@ -5602,7 +5603,7 @@
                         </a:rPr>
                         <a:t>Sample 3</a:t>
                       </a:r>
-                      <a:endParaRPr lang="en-CN" sz="900" b="0" i="0" u="none" strike="noStrike" dirty="0">
+                      <a:endParaRPr lang="en-CN" sz="1050" b="0" i="0" u="none" strike="noStrike" dirty="0">
                         <a:solidFill>
                           <a:srgbClr val="000000"/>
                         </a:solidFill>

--- a/undergraduate/Presentation.pptx
+++ b/undergraduate/Presentation.pptx
@@ -5,12 +5,10 @@
     <p:sldMasterId id="2147483648" r:id="rId1"/>
   </p:sldMasterIdLst>
   <p:sldIdLst>
-    <p:sldId id="256" r:id="rId2"/>
-    <p:sldId id="257" r:id="rId3"/>
-    <p:sldId id="263" r:id="rId4"/>
-    <p:sldId id="260" r:id="rId5"/>
-    <p:sldId id="265" r:id="rId6"/>
-    <p:sldId id="272" r:id="rId7"/>
+    <p:sldId id="257" r:id="rId2"/>
+    <p:sldId id="263" r:id="rId3"/>
+    <p:sldId id="260" r:id="rId4"/>
+    <p:sldId id="264" r:id="rId5"/>
   </p:sldIdLst>
   <p:sldSz cx="12192000" cy="6858000"/>
   <p:notesSz cx="6858000" cy="9144000"/>
@@ -294,7 +292,7 @@
           <a:p>
             <a:fld id="{57792C16-F24B-4F4E-9560-6BDEACC5E4F6}" type="datetimeFigureOut">
               <a:rPr lang="en-CN" smtClean="0"/>
-              <a:t>2023/12/28</a:t>
+              <a:t>2024/1/9</a:t>
             </a:fld>
             <a:endParaRPr lang="en-CN"/>
           </a:p>
@@ -494,7 +492,7 @@
           <a:p>
             <a:fld id="{57792C16-F24B-4F4E-9560-6BDEACC5E4F6}" type="datetimeFigureOut">
               <a:rPr lang="en-CN" smtClean="0"/>
-              <a:t>2023/12/28</a:t>
+              <a:t>2024/1/9</a:t>
             </a:fld>
             <a:endParaRPr lang="en-CN"/>
           </a:p>
@@ -704,7 +702,7 @@
           <a:p>
             <a:fld id="{57792C16-F24B-4F4E-9560-6BDEACC5E4F6}" type="datetimeFigureOut">
               <a:rPr lang="en-CN" smtClean="0"/>
-              <a:t>2023/12/28</a:t>
+              <a:t>2024/1/9</a:t>
             </a:fld>
             <a:endParaRPr lang="en-CN"/>
           </a:p>
@@ -904,7 +902,7 @@
           <a:p>
             <a:fld id="{57792C16-F24B-4F4E-9560-6BDEACC5E4F6}" type="datetimeFigureOut">
               <a:rPr lang="en-CN" smtClean="0"/>
-              <a:t>2023/12/28</a:t>
+              <a:t>2024/1/9</a:t>
             </a:fld>
             <a:endParaRPr lang="en-CN"/>
           </a:p>
@@ -1180,7 +1178,7 @@
           <a:p>
             <a:fld id="{57792C16-F24B-4F4E-9560-6BDEACC5E4F6}" type="datetimeFigureOut">
               <a:rPr lang="en-CN" smtClean="0"/>
-              <a:t>2023/12/28</a:t>
+              <a:t>2024/1/9</a:t>
             </a:fld>
             <a:endParaRPr lang="en-CN"/>
           </a:p>
@@ -1448,7 +1446,7 @@
           <a:p>
             <a:fld id="{57792C16-F24B-4F4E-9560-6BDEACC5E4F6}" type="datetimeFigureOut">
               <a:rPr lang="en-CN" smtClean="0"/>
-              <a:t>2023/12/28</a:t>
+              <a:t>2024/1/9</a:t>
             </a:fld>
             <a:endParaRPr lang="en-CN"/>
           </a:p>
@@ -1863,7 +1861,7 @@
           <a:p>
             <a:fld id="{57792C16-F24B-4F4E-9560-6BDEACC5E4F6}" type="datetimeFigureOut">
               <a:rPr lang="en-CN" smtClean="0"/>
-              <a:t>2023/12/28</a:t>
+              <a:t>2024/1/9</a:t>
             </a:fld>
             <a:endParaRPr lang="en-CN"/>
           </a:p>
@@ -2005,7 +2003,7 @@
           <a:p>
             <a:fld id="{57792C16-F24B-4F4E-9560-6BDEACC5E4F6}" type="datetimeFigureOut">
               <a:rPr lang="en-CN" smtClean="0"/>
-              <a:t>2023/12/28</a:t>
+              <a:t>2024/1/9</a:t>
             </a:fld>
             <a:endParaRPr lang="en-CN"/>
           </a:p>
@@ -2118,7 +2116,7 @@
           <a:p>
             <a:fld id="{57792C16-F24B-4F4E-9560-6BDEACC5E4F6}" type="datetimeFigureOut">
               <a:rPr lang="en-CN" smtClean="0"/>
-              <a:t>2023/12/28</a:t>
+              <a:t>2024/1/9</a:t>
             </a:fld>
             <a:endParaRPr lang="en-CN"/>
           </a:p>
@@ -2431,7 +2429,7 @@
           <a:p>
             <a:fld id="{57792C16-F24B-4F4E-9560-6BDEACC5E4F6}" type="datetimeFigureOut">
               <a:rPr lang="en-CN" smtClean="0"/>
-              <a:t>2023/12/28</a:t>
+              <a:t>2024/1/9</a:t>
             </a:fld>
             <a:endParaRPr lang="en-CN"/>
           </a:p>
@@ -2720,7 +2718,7 @@
           <a:p>
             <a:fld id="{57792C16-F24B-4F4E-9560-6BDEACC5E4F6}" type="datetimeFigureOut">
               <a:rPr lang="en-CN" smtClean="0"/>
-              <a:t>2023/12/28</a:t>
+              <a:t>2024/1/9</a:t>
             </a:fld>
             <a:endParaRPr lang="en-CN"/>
           </a:p>
@@ -2963,7 +2961,7 @@
           <a:p>
             <a:fld id="{57792C16-F24B-4F4E-9560-6BDEACC5E4F6}" type="datetimeFigureOut">
               <a:rPr lang="en-CN" smtClean="0"/>
-              <a:t>2023/12/28</a:t>
+              <a:t>2024/1/9</a:t>
             </a:fld>
             <a:endParaRPr lang="en-CN"/>
           </a:p>
@@ -3385,129 +3383,6 @@
           <p:cNvPr id="2" name="Title 1">
             <a:extLst>
               <a:ext uri="{FF2B5EF4-FFF2-40B4-BE49-F238E27FC236}">
-                <a16:creationId xmlns:a16="http://schemas.microsoft.com/office/drawing/2014/main" id="{57996BBF-32C1-0BC6-BDB1-1238FB1F92BD}"/>
-              </a:ext>
-            </a:extLst>
-          </p:cNvPr>
-          <p:cNvSpPr>
-            <a:spLocks noGrp="1"/>
-          </p:cNvSpPr>
-          <p:nvPr>
-            <p:ph type="ctrTitle"/>
-          </p:nvPr>
-        </p:nvSpPr>
-        <p:spPr>
-          <a:xfrm>
-            <a:off x="882297" y="2239166"/>
-            <a:ext cx="10427405" cy="1189834"/>
-          </a:xfrm>
-        </p:spPr>
-        <p:txBody>
-          <a:bodyPr anchor="ctr">
-            <a:normAutofit/>
-          </a:bodyPr>
-          <a:lstStyle/>
-          <a:p>
-            <a:r>
-              <a:rPr lang="en-CN" sz="4800" b="1" dirty="0"/>
-              <a:t>小麦转座子</a:t>
-            </a:r>
-            <a:r>
-              <a:rPr lang="en-US" sz="4800" b="1" dirty="0"/>
-              <a:t>突变负荷解析</a:t>
-            </a:r>
-            <a:endParaRPr lang="en-CN" sz="4800" b="1" dirty="0"/>
-          </a:p>
-        </p:txBody>
-      </p:sp>
-      <p:sp>
-        <p:nvSpPr>
-          <p:cNvPr id="9" name="TextBox 8">
-            <a:extLst>
-              <a:ext uri="{FF2B5EF4-FFF2-40B4-BE49-F238E27FC236}">
-                <a16:creationId xmlns:a16="http://schemas.microsoft.com/office/drawing/2014/main" id="{A2173E17-5AE5-E4D1-94D8-AB7A71AD58B9}"/>
-              </a:ext>
-            </a:extLst>
-          </p:cNvPr>
-          <p:cNvSpPr txBox="1"/>
-          <p:nvPr/>
-        </p:nvSpPr>
-        <p:spPr>
-          <a:xfrm>
-            <a:off x="4252189" y="3867728"/>
-            <a:ext cx="3687619" cy="1143839"/>
-          </a:xfrm>
-          <a:prstGeom prst="rect">
-            <a:avLst/>
-          </a:prstGeom>
-          <a:noFill/>
-        </p:spPr>
-        <p:txBody>
-          <a:bodyPr wrap="square" rtlCol="0">
-            <a:spAutoFit/>
-          </a:bodyPr>
-          <a:lstStyle/>
-          <a:p>
-            <a:pPr algn="ctr">
-              <a:lnSpc>
-                <a:spcPct val="150000"/>
-              </a:lnSpc>
-            </a:pPr>
-            <a:r>
-              <a:rPr lang="zh-CN" altLang="en-US" sz="2400" dirty="0"/>
-              <a:t>汇报人：郑达</a:t>
-            </a:r>
-            <a:endParaRPr lang="en-US" altLang="zh-CN" sz="2400" dirty="0"/>
-          </a:p>
-          <a:p>
-            <a:pPr algn="ctr">
-              <a:lnSpc>
-                <a:spcPct val="150000"/>
-              </a:lnSpc>
-            </a:pPr>
-            <a:r>
-              <a:rPr lang="zh-CN" altLang="en-US" sz="2400" dirty="0"/>
-              <a:t>指导教师：张后今教授</a:t>
-            </a:r>
-            <a:endParaRPr lang="en-US" altLang="zh-CN" sz="2400" dirty="0"/>
-          </a:p>
-        </p:txBody>
-      </p:sp>
-    </p:spTree>
-    <p:extLst>
-      <p:ext uri="{BB962C8B-B14F-4D97-AF65-F5344CB8AC3E}">
-        <p14:creationId xmlns:p14="http://schemas.microsoft.com/office/powerpoint/2010/main" val="2366780403"/>
-      </p:ext>
-    </p:extLst>
-  </p:cSld>
-  <p:clrMapOvr>
-    <a:masterClrMapping/>
-  </p:clrMapOvr>
-</p:sld>
-</file>
-
-<file path=ppt/slides/slide2.xml><?xml version="1.0" encoding="utf-8"?>
-<p:sld xmlns:a="http://schemas.openxmlformats.org/drawingml/2006/main" xmlns:r="http://schemas.openxmlformats.org/officeDocument/2006/relationships" xmlns:p="http://schemas.openxmlformats.org/presentationml/2006/main">
-  <p:cSld>
-    <p:spTree>
-      <p:nvGrpSpPr>
-        <p:cNvPr id="1" name=""/>
-        <p:cNvGrpSpPr/>
-        <p:nvPr/>
-      </p:nvGrpSpPr>
-      <p:grpSpPr>
-        <a:xfrm>
-          <a:off x="0" y="0"/>
-          <a:ext cx="0" cy="0"/>
-          <a:chOff x="0" y="0"/>
-          <a:chExt cx="0" cy="0"/>
-        </a:xfrm>
-      </p:grpSpPr>
-      <p:sp>
-        <p:nvSpPr>
-          <p:cNvPr id="2" name="Title 1">
-            <a:extLst>
-              <a:ext uri="{FF2B5EF4-FFF2-40B4-BE49-F238E27FC236}">
                 <a16:creationId xmlns:a16="http://schemas.microsoft.com/office/drawing/2014/main" id="{5341E720-BBA7-60EC-E1C2-546E38BAD0B5}"/>
               </a:ext>
             </a:extLst>
@@ -3538,7 +3413,7 @@
             </a:pPr>
             <a:r>
               <a:rPr lang="en-CN" sz="3200" b="1" dirty="0"/>
-              <a:t>课题背景</a:t>
+              <a:t>Background</a:t>
             </a:r>
           </a:p>
         </p:txBody>
@@ -3803,16 +3678,16 @@
               <a:t> </a:t>
             </a:r>
             <a:r>
-              <a:rPr lang="en-US" sz="1600" b="1" dirty="0" err="1"/>
-              <a:t>转座子</a:t>
+              <a:rPr lang="en-US" altLang="zh-CN" sz="1600" b="1" dirty="0"/>
+              <a:t>TE </a:t>
             </a:r>
             <a:r>
-              <a:rPr lang="en-US" sz="1600" b="1" dirty="0" err="1">
+              <a:rPr lang="en-US" altLang="zh-CN" sz="1600" b="1" dirty="0">
                 <a:solidFill>
                   <a:srgbClr val="FF0000"/>
                 </a:solidFill>
               </a:rPr>
-              <a:t>对基因组的突变作用</a:t>
+              <a:t>mutation</a:t>
             </a:r>
             <a:endParaRPr lang="en-CN" sz="1600" b="1" dirty="0">
               <a:solidFill>
@@ -3851,16 +3726,8 @@
           <a:lstStyle/>
           <a:p>
             <a:r>
-              <a:rPr lang="en-US" altLang="zh-CN" sz="1600" b="1" dirty="0"/>
-              <a:t>1.</a:t>
-            </a:r>
-            <a:r>
-              <a:rPr lang="zh-CN" altLang="en-US" sz="1600" b="1" dirty="0"/>
-              <a:t> </a:t>
-            </a:r>
-            <a:r>
-              <a:rPr lang="en-US" sz="1600" b="1" dirty="0" err="1"/>
-              <a:t>转座子类型</a:t>
+              <a:rPr lang="en-US" sz="1600" b="1" dirty="0"/>
+              <a:t>1. Classification</a:t>
             </a:r>
             <a:endParaRPr lang="en-CN" sz="1600" b="1" dirty="0"/>
           </a:p>
@@ -3880,8 +3747,8 @@
         </p:nvSpPr>
         <p:spPr>
           <a:xfrm>
-            <a:off x="6065667" y="4280499"/>
-            <a:ext cx="4457406" cy="338554"/>
+            <a:off x="6065666" y="4280499"/>
+            <a:ext cx="4797803" cy="338554"/>
           </a:xfrm>
           <a:prstGeom prst="rect">
             <a:avLst/>
@@ -3903,20 +3770,8 @@
               <a:t> </a:t>
             </a:r>
             <a:r>
-              <a:rPr lang="en-US" sz="1600" b="1" dirty="0" err="1"/>
-              <a:t>转座子引起的</a:t>
-            </a:r>
-            <a:r>
-              <a:rPr lang="en-US" sz="1600" b="1" dirty="0" err="1">
-                <a:solidFill>
-                  <a:srgbClr val="FF0000"/>
-                </a:solidFill>
-              </a:rPr>
-              <a:t>突变负荷</a:t>
-            </a:r>
-            <a:r>
-              <a:rPr lang="en-US" sz="1600" b="1" dirty="0" err="1"/>
-              <a:t>与物种扩张之间的关系</a:t>
+              <a:rPr lang="en-US" sz="1600" b="1" dirty="0"/>
+              <a:t>Relationship between TE load and range expansion </a:t>
             </a:r>
             <a:endParaRPr lang="en-CN" sz="1600" b="1" dirty="0"/>
           </a:p>
@@ -4067,7 +3922,7 @@
 </p:sld>
 </file>
 
-<file path=ppt/slides/slide3.xml><?xml version="1.0" encoding="utf-8"?>
+<file path=ppt/slides/slide2.xml><?xml version="1.0" encoding="utf-8"?>
 <p:sld xmlns:a="http://schemas.openxmlformats.org/drawingml/2006/main" xmlns:r="http://schemas.openxmlformats.org/officeDocument/2006/relationships" xmlns:p="http://schemas.openxmlformats.org/presentationml/2006/main">
   <p:cSld>
     <p:spTree>
@@ -4118,8 +3973,8 @@
               </a:lnSpc>
             </a:pPr>
             <a:r>
-              <a:rPr lang="en-US" sz="3200" b="1" dirty="0" err="1"/>
-              <a:t>研究方法</a:t>
+              <a:rPr lang="en-US" sz="3200" b="1" dirty="0"/>
+              <a:t>Pipeline </a:t>
             </a:r>
             <a:endParaRPr lang="en-CN" sz="3200" b="1" dirty="0"/>
           </a:p>
@@ -4816,8 +4671,12 @@
           <a:lstStyle/>
           <a:p>
             <a:r>
+              <a:rPr lang="en-US" sz="1600" dirty="0"/>
+              <a:t>R</a:t>
+            </a:r>
+            <a:r>
               <a:rPr lang="en-CN" sz="1600" dirty="0"/>
-              <a:t>小麦二四六倍体的重测序数据</a:t>
+              <a:t>esequencing data of wheats</a:t>
             </a:r>
           </a:p>
         </p:txBody>
@@ -4998,7 +4857,7 @@
 </p:sld>
 </file>
 
-<file path=ppt/slides/slide4.xml><?xml version="1.0" encoding="utf-8"?>
+<file path=ppt/slides/slide3.xml><?xml version="1.0" encoding="utf-8"?>
 <p:sld xmlns:a="http://schemas.openxmlformats.org/drawingml/2006/main" xmlns:r="http://schemas.openxmlformats.org/officeDocument/2006/relationships" xmlns:p="http://schemas.openxmlformats.org/presentationml/2006/main">
   <p:cSld>
     <p:spTree>
@@ -5050,7 +4909,7 @@
             </a:pPr>
             <a:r>
               <a:rPr lang="en-CN" sz="3200" b="1" dirty="0"/>
-              <a:t>预计目标</a:t>
+              <a:t>Propose</a:t>
             </a:r>
           </a:p>
         </p:txBody>
@@ -10700,8 +10559,8 @@
         </p:nvSpPr>
         <p:spPr>
           <a:xfrm>
-            <a:off x="2426197" y="6398619"/>
-            <a:ext cx="2702950" cy="338554"/>
+            <a:off x="2014001" y="6309831"/>
+            <a:ext cx="3527342" cy="338554"/>
           </a:xfrm>
           <a:prstGeom prst="rect">
             <a:avLst/>
@@ -10717,7 +10576,7 @@
             <a:pPr algn="ctr"/>
             <a:r>
               <a:rPr lang="en-US" sz="1600" dirty="0"/>
-              <a:t>不同转座子在个体中的占比</a:t>
+              <a:t>Proportion of different TEs in samples</a:t>
             </a:r>
             <a:endParaRPr lang="en-CN" sz="1600" dirty="0"/>
           </a:p>
@@ -10782,7 +10641,7 @@
         <p:spPr>
           <a:xfrm>
             <a:off x="8201898" y="1501330"/>
-            <a:ext cx="3719289" cy="2125582"/>
+            <a:ext cx="3719289" cy="2126864"/>
           </a:xfrm>
           <a:prstGeom prst="rect">
             <a:avLst/>
@@ -10804,7 +10663,7 @@
             </a:pPr>
             <a:r>
               <a:rPr lang="en-US" dirty="0"/>
-              <a:t>在基因组中鉴定转座子</a:t>
+              <a:t>Detecting TEs in genome</a:t>
             </a:r>
           </a:p>
           <a:p>
@@ -10827,7 +10686,7 @@
             </a:pPr>
             <a:r>
               <a:rPr lang="en-US" dirty="0"/>
-              <a:t>对转座子在群体中进行定量</a:t>
+              <a:t>Quantifying TEs in population</a:t>
             </a:r>
           </a:p>
           <a:p>
@@ -10850,7 +10709,7 @@
             </a:pPr>
             <a:r>
               <a:rPr lang="en-US" dirty="0"/>
-              <a:t>对转座子突变负荷进行定量</a:t>
+              <a:t>Quantifying TE load</a:t>
             </a:r>
           </a:p>
         </p:txBody>
@@ -10898,7 +10757,7 @@
 </p:sld>
 </file>
 
-<file path=ppt/slides/slide5.xml><?xml version="1.0" encoding="utf-8"?>
+<file path=ppt/slides/slide4.xml><?xml version="1.0" encoding="utf-8"?>
 <p:sld xmlns:a="http://schemas.openxmlformats.org/drawingml/2006/main" xmlns:r="http://schemas.openxmlformats.org/officeDocument/2006/relationships" xmlns:p="http://schemas.openxmlformats.org/presentationml/2006/main">
   <p:cSld>
     <p:spTree>
@@ -10917,10 +10776,10 @@
       </p:grpSpPr>
       <p:sp>
         <p:nvSpPr>
-          <p:cNvPr id="5" name="Title 1">
+          <p:cNvPr id="2" name="Title 1">
             <a:extLst>
               <a:ext uri="{FF2B5EF4-FFF2-40B4-BE49-F238E27FC236}">
-                <a16:creationId xmlns:a16="http://schemas.microsoft.com/office/drawing/2014/main" id="{2DCA31EC-AB94-4B58-8478-0BC0F56D7CBF}"/>
+                <a16:creationId xmlns:a16="http://schemas.microsoft.com/office/drawing/2014/main" id="{5341E720-BBA7-60EC-E1C2-546E38BAD0B5}"/>
               </a:ext>
             </a:extLst>
           </p:cNvPr>
@@ -10950,17 +10809,47 @@
             </a:pPr>
             <a:r>
               <a:rPr lang="en-CN" sz="3200" b="1" dirty="0"/>
-              <a:t>进度安排</a:t>
+              <a:t>CS TEs library</a:t>
             </a:r>
           </a:p>
         </p:txBody>
       </p:sp>
+      <p:pic>
+        <p:nvPicPr>
+          <p:cNvPr id="4" name="Picture 3">
+            <a:extLst>
+              <a:ext uri="{FF2B5EF4-FFF2-40B4-BE49-F238E27FC236}">
+                <a16:creationId xmlns:a16="http://schemas.microsoft.com/office/drawing/2014/main" id="{7F454F8D-D7F5-1EB5-B167-1555D7E4AE4B}"/>
+              </a:ext>
+            </a:extLst>
+          </p:cNvPr>
+          <p:cNvPicPr>
+            <a:picLocks noChangeAspect="1"/>
+          </p:cNvPicPr>
+          <p:nvPr/>
+        </p:nvPicPr>
+        <p:blipFill>
+          <a:blip r:embed="rId2"/>
+          <a:stretch>
+            <a:fillRect/>
+          </a:stretch>
+        </p:blipFill>
+        <p:spPr>
+          <a:xfrm>
+            <a:off x="2603465" y="774716"/>
+            <a:ext cx="6748669" cy="5061502"/>
+          </a:xfrm>
+          <a:prstGeom prst="rect">
+            <a:avLst/>
+          </a:prstGeom>
+        </p:spPr>
+      </p:pic>
       <p:sp>
         <p:nvSpPr>
-          <p:cNvPr id="6" name="TextBox 5">
+          <p:cNvPr id="5" name="TextBox 4">
             <a:extLst>
               <a:ext uri="{FF2B5EF4-FFF2-40B4-BE49-F238E27FC236}">
-                <a16:creationId xmlns:a16="http://schemas.microsoft.com/office/drawing/2014/main" id="{2CAA7707-967C-FF74-80FC-F5355B358C9A}"/>
+                <a16:creationId xmlns:a16="http://schemas.microsoft.com/office/drawing/2014/main" id="{C969B04A-2D42-10E8-FD21-636209442940}"/>
               </a:ext>
             </a:extLst>
           </p:cNvPr>
@@ -10969,8 +10858,8 @@
         </p:nvSpPr>
         <p:spPr>
           <a:xfrm>
-            <a:off x="2080054" y="1167291"/>
-            <a:ext cx="7795491" cy="4523418"/>
+            <a:off x="2721665" y="5836218"/>
+            <a:ext cx="6748669" cy="792781"/>
           </a:xfrm>
           <a:prstGeom prst="rect">
             <a:avLst/>
@@ -10983,33 +10872,6 @@
           </a:bodyPr>
           <a:lstStyle/>
           <a:p>
-            <a:pPr>
-              <a:lnSpc>
-                <a:spcPct val="150000"/>
-              </a:lnSpc>
-            </a:pPr>
-            <a:r>
-              <a:rPr lang="en-US" altLang="zh-CN" b="1" dirty="0"/>
-              <a:t>2023.12</a:t>
-            </a:r>
-            <a:r>
-              <a:rPr lang="zh-CN" altLang="en-US" b="1" dirty="0"/>
-              <a:t> </a:t>
-            </a:r>
-            <a:r>
-              <a:rPr lang="en-US" altLang="zh-CN" b="1" dirty="0"/>
-              <a:t>-</a:t>
-            </a:r>
-            <a:r>
-              <a:rPr lang="zh-CN" altLang="en-US" b="1" dirty="0"/>
-              <a:t> </a:t>
-            </a:r>
-            <a:r>
-              <a:rPr lang="en-US" altLang="zh-CN" b="1" dirty="0"/>
-              <a:t>2024.1</a:t>
-            </a:r>
-          </a:p>
-          <a:p>
             <a:pPr marL="285750" indent="-285750">
               <a:lnSpc>
                 <a:spcPct val="150000"/>
@@ -11018,10 +10880,13 @@
               <a:buChar char="•"/>
             </a:pPr>
             <a:r>
-              <a:rPr lang="zh-CN" altLang="en-US" sz="2000" dirty="0"/>
-              <a:t>筛选转座子识别工具</a:t>
+              <a:rPr lang="en-US" sz="1600" b="1" dirty="0"/>
+              <a:t>TE annotation: </a:t>
             </a:r>
-            <a:endParaRPr lang="en-US" altLang="zh-CN" sz="2000" dirty="0"/>
+            <a:r>
+              <a:rPr lang="en-US" sz="1600" dirty="0"/>
+              <a:t>iwgsc_refseqv1.0_TransposableElements_2017Mar13.gff3</a:t>
+            </a:r>
           </a:p>
           <a:p>
             <a:pPr marL="285750" indent="-285750">
@@ -11032,163 +10897,36 @@
               <a:buChar char="•"/>
             </a:pPr>
             <a:r>
-              <a:rPr lang="zh-CN" altLang="en-US" sz="2000" dirty="0"/>
-              <a:t>在已组装的参考基因组上运行各工具，建立转座子库</a:t>
+              <a:rPr lang="en-US" sz="1600" b="1" dirty="0"/>
+              <a:t>Tool: </a:t>
             </a:r>
-            <a:endParaRPr lang="en-US" altLang="zh-CN" sz="2000" dirty="0"/>
-          </a:p>
-          <a:p>
-            <a:pPr>
-              <a:lnSpc>
-                <a:spcPct val="150000"/>
-              </a:lnSpc>
-            </a:pPr>
-            <a:endParaRPr lang="en-US" sz="2000" dirty="0"/>
-          </a:p>
-          <a:p>
-            <a:pPr>
-              <a:lnSpc>
-                <a:spcPct val="150000"/>
-              </a:lnSpc>
-            </a:pPr>
             <a:r>
-              <a:rPr lang="en-US" altLang="zh-CN" b="1" dirty="0"/>
-              <a:t>2024.2-2024.3</a:t>
+              <a:rPr lang="en-US" sz="1600" dirty="0" err="1"/>
+              <a:t>RepeatMasker</a:t>
             </a:r>
-          </a:p>
-          <a:p>
-            <a:pPr marL="285750" indent="-285750">
-              <a:lnSpc>
-                <a:spcPct val="150000"/>
-              </a:lnSpc>
-              <a:buFont typeface="Arial" panose="020B0604020202020204" pitchFamily="34" charset="0"/>
-              <a:buChar char="•"/>
-            </a:pPr>
             <a:r>
-              <a:rPr lang="zh-CN" altLang="en-US" sz="2000" dirty="0"/>
-              <a:t>使用二代测序数据扫描转座子库</a:t>
+              <a:rPr lang="en-US" sz="1600" dirty="0"/>
+              <a:t> (</a:t>
             </a:r>
-            <a:endParaRPr lang="en-US" altLang="zh-CN" sz="2000" dirty="0"/>
-          </a:p>
-          <a:p>
-            <a:pPr marL="285750" indent="-285750">
-              <a:lnSpc>
-                <a:spcPct val="150000"/>
-              </a:lnSpc>
-              <a:buFont typeface="Arial" panose="020B0604020202020204" pitchFamily="34" charset="0"/>
-              <a:buChar char="•"/>
-            </a:pPr>
             <a:r>
-              <a:rPr lang="zh-CN" altLang="en-US" sz="2000" dirty="0"/>
-              <a:t>控制比对质量</a:t>
+              <a:rPr lang="en-US" sz="1600" b="1" dirty="0"/>
+              <a:t>DB: </a:t>
             </a:r>
-            <a:endParaRPr lang="en-US" altLang="zh-CN" sz="2000" dirty="0"/>
-          </a:p>
-          <a:p>
-            <a:pPr marL="285750" indent="-285750">
-              <a:lnSpc>
-                <a:spcPct val="150000"/>
-              </a:lnSpc>
-              <a:buFont typeface="Arial" panose="020B0604020202020204" pitchFamily="34" charset="0"/>
-              <a:buChar char="•"/>
-            </a:pPr>
-            <a:endParaRPr lang="en-US" altLang="zh-CN" sz="2000" dirty="0"/>
-          </a:p>
-          <a:p>
-            <a:pPr>
-              <a:lnSpc>
-                <a:spcPct val="150000"/>
-              </a:lnSpc>
-            </a:pPr>
             <a:r>
-              <a:rPr lang="en-US" altLang="zh-CN" b="1" dirty="0"/>
-              <a:t>2024.4</a:t>
+              <a:rPr lang="en-US" sz="1600" dirty="0" err="1"/>
+              <a:t>Dfam</a:t>
             </a:r>
-          </a:p>
-          <a:p>
-            <a:pPr marL="285750" indent="-285750">
-              <a:lnSpc>
-                <a:spcPct val="150000"/>
-              </a:lnSpc>
-              <a:buFont typeface="Arial" panose="020B0604020202020204" pitchFamily="34" charset="0"/>
-              <a:buChar char="•"/>
-            </a:pPr>
             <a:r>
-              <a:rPr lang="zh-CN" altLang="en-US" sz="2000" dirty="0"/>
-              <a:t>对转座子突变负荷进行定量</a:t>
+              <a:rPr lang="en-US" sz="1600" dirty="0"/>
+              <a:t>)</a:t>
             </a:r>
-            <a:endParaRPr lang="en-US" altLang="zh-CN" sz="2000" dirty="0"/>
           </a:p>
         </p:txBody>
       </p:sp>
     </p:spTree>
     <p:extLst>
       <p:ext uri="{BB962C8B-B14F-4D97-AF65-F5344CB8AC3E}">
-        <p14:creationId xmlns:p14="http://schemas.microsoft.com/office/powerpoint/2010/main" val="4210728471"/>
-      </p:ext>
-    </p:extLst>
-  </p:cSld>
-  <p:clrMapOvr>
-    <a:masterClrMapping/>
-  </p:clrMapOvr>
-</p:sld>
-</file>
-
-<file path=ppt/slides/slide6.xml><?xml version="1.0" encoding="utf-8"?>
-<p:sld xmlns:a="http://schemas.openxmlformats.org/drawingml/2006/main" xmlns:r="http://schemas.openxmlformats.org/officeDocument/2006/relationships" xmlns:p="http://schemas.openxmlformats.org/presentationml/2006/main">
-  <p:cSld>
-    <p:spTree>
-      <p:nvGrpSpPr>
-        <p:cNvPr id="1" name=""/>
-        <p:cNvGrpSpPr/>
-        <p:nvPr/>
-      </p:nvGrpSpPr>
-      <p:grpSpPr>
-        <a:xfrm>
-          <a:off x="0" y="0"/>
-          <a:ext cx="0" cy="0"/>
-          <a:chOff x="0" y="0"/>
-          <a:chExt cx="0" cy="0"/>
-        </a:xfrm>
-      </p:grpSpPr>
-      <p:sp>
-        <p:nvSpPr>
-          <p:cNvPr id="2" name="Title 1">
-            <a:extLst>
-              <a:ext uri="{FF2B5EF4-FFF2-40B4-BE49-F238E27FC236}">
-                <a16:creationId xmlns:a16="http://schemas.microsoft.com/office/drawing/2014/main" id="{5F44AAFF-02C5-5E4A-27B1-43E9BD982241}"/>
-              </a:ext>
-            </a:extLst>
-          </p:cNvPr>
-          <p:cNvSpPr>
-            <a:spLocks noGrp="1"/>
-          </p:cNvSpPr>
-          <p:nvPr>
-            <p:ph type="title"/>
-          </p:nvPr>
-        </p:nvSpPr>
-        <p:spPr>
-          <a:xfrm>
-            <a:off x="838200" y="2002631"/>
-            <a:ext cx="10515600" cy="2852737"/>
-          </a:xfrm>
-        </p:spPr>
-        <p:txBody>
-          <a:bodyPr anchor="ctr"/>
-          <a:lstStyle/>
-          <a:p>
-            <a:pPr algn="ctr"/>
-            <a:r>
-              <a:rPr lang="en-CN" b="1" dirty="0"/>
-              <a:t>Thanks</a:t>
-            </a:r>
-          </a:p>
-        </p:txBody>
-      </p:sp>
-    </p:spTree>
-    <p:extLst>
-      <p:ext uri="{BB962C8B-B14F-4D97-AF65-F5344CB8AC3E}">
-        <p14:creationId xmlns:p14="http://schemas.microsoft.com/office/powerpoint/2010/main" val="3822134715"/>
+        <p14:creationId xmlns:p14="http://schemas.microsoft.com/office/powerpoint/2010/main" val="2220954849"/>
       </p:ext>
     </p:extLst>
   </p:cSld>

--- a/undergraduate/Presentation.pptx
+++ b/undergraduate/Presentation.pptx
@@ -9,6 +9,8 @@
     <p:sldId id="263" r:id="rId3"/>
     <p:sldId id="260" r:id="rId4"/>
     <p:sldId id="264" r:id="rId5"/>
+    <p:sldId id="265" r:id="rId6"/>
+    <p:sldId id="266" r:id="rId7"/>
   </p:sldIdLst>
   <p:sldSz cx="12192000" cy="6858000"/>
   <p:notesSz cx="6858000" cy="9144000"/>
@@ -10920,6 +10922,17 @@
               <a:rPr lang="en-US" sz="1600" dirty="0"/>
               <a:t>)</a:t>
             </a:r>
+            <a:r>
+              <a:rPr lang="en-US" sz="1600" b="0" i="0" dirty="0">
+                <a:solidFill>
+                  <a:srgbClr val="FFFFFF"/>
+                </a:solidFill>
+                <a:effectLst/>
+                <a:latin typeface="Roboto-Regular"/>
+              </a:rPr>
+              <a:t> Arabidopsis thaliana</a:t>
+            </a:r>
+            <a:endParaRPr lang="en-US" sz="1600" dirty="0"/>
           </a:p>
         </p:txBody>
       </p:sp>
@@ -10927,6 +10940,688 @@
     <p:extLst>
       <p:ext uri="{BB962C8B-B14F-4D97-AF65-F5344CB8AC3E}">
         <p14:creationId xmlns:p14="http://schemas.microsoft.com/office/powerpoint/2010/main" val="2220954849"/>
+      </p:ext>
+    </p:extLst>
+  </p:cSld>
+  <p:clrMapOvr>
+    <a:masterClrMapping/>
+  </p:clrMapOvr>
+</p:sld>
+</file>
+
+<file path=ppt/slides/slide5.xml><?xml version="1.0" encoding="utf-8"?>
+<p:sld xmlns:a="http://schemas.openxmlformats.org/drawingml/2006/main" xmlns:r="http://schemas.openxmlformats.org/officeDocument/2006/relationships" xmlns:p="http://schemas.openxmlformats.org/presentationml/2006/main">
+  <p:cSld>
+    <p:spTree>
+      <p:nvGrpSpPr>
+        <p:cNvPr id="1" name=""/>
+        <p:cNvGrpSpPr/>
+        <p:nvPr/>
+      </p:nvGrpSpPr>
+      <p:grpSpPr>
+        <a:xfrm>
+          <a:off x="0" y="0"/>
+          <a:ext cx="0" cy="0"/>
+          <a:chOff x="0" y="0"/>
+          <a:chExt cx="0" cy="0"/>
+        </a:xfrm>
+      </p:grpSpPr>
+      <p:sp>
+        <p:nvSpPr>
+          <p:cNvPr id="2" name="Title 1">
+            <a:extLst>
+              <a:ext uri="{FF2B5EF4-FFF2-40B4-BE49-F238E27FC236}">
+                <a16:creationId xmlns:a16="http://schemas.microsoft.com/office/drawing/2014/main" id="{5341E720-BBA7-60EC-E1C2-546E38BAD0B5}"/>
+              </a:ext>
+            </a:extLst>
+          </p:cNvPr>
+          <p:cNvSpPr>
+            <a:spLocks noGrp="1"/>
+          </p:cNvSpPr>
+          <p:nvPr>
+            <p:ph type="title"/>
+          </p:nvPr>
+        </p:nvSpPr>
+        <p:spPr>
+          <a:xfrm>
+            <a:off x="720000" y="72000"/>
+            <a:ext cx="10515600" cy="702716"/>
+          </a:xfrm>
+        </p:spPr>
+        <p:txBody>
+          <a:bodyPr>
+            <a:normAutofit/>
+          </a:bodyPr>
+          <a:lstStyle/>
+          <a:p>
+            <a:pPr>
+              <a:lnSpc>
+                <a:spcPct val="100000"/>
+              </a:lnSpc>
+            </a:pPr>
+            <a:r>
+              <a:rPr lang="en-CN" sz="3200" b="1" dirty="0"/>
+              <a:t>TE activity annotation</a:t>
+            </a:r>
+          </a:p>
+        </p:txBody>
+      </p:sp>
+      <p:sp>
+        <p:nvSpPr>
+          <p:cNvPr id="5" name="TextBox 4">
+            <a:extLst>
+              <a:ext uri="{FF2B5EF4-FFF2-40B4-BE49-F238E27FC236}">
+                <a16:creationId xmlns:a16="http://schemas.microsoft.com/office/drawing/2014/main" id="{C969B04A-2D42-10E8-FD21-636209442940}"/>
+              </a:ext>
+            </a:extLst>
+          </p:cNvPr>
+          <p:cNvSpPr txBox="1"/>
+          <p:nvPr/>
+        </p:nvSpPr>
+        <p:spPr>
+          <a:xfrm>
+            <a:off x="560973" y="1119073"/>
+            <a:ext cx="6465991" cy="4619854"/>
+          </a:xfrm>
+          <a:prstGeom prst="rect">
+            <a:avLst/>
+          </a:prstGeom>
+          <a:noFill/>
+        </p:spPr>
+        <p:txBody>
+          <a:bodyPr wrap="square" rtlCol="0">
+            <a:spAutoFit/>
+          </a:bodyPr>
+          <a:lstStyle/>
+          <a:p>
+            <a:pPr marL="285750" indent="-285750">
+              <a:lnSpc>
+                <a:spcPct val="150000"/>
+              </a:lnSpc>
+              <a:buFont typeface="Arial" panose="020B0604020202020204" pitchFamily="34" charset="0"/>
+              <a:buChar char="•"/>
+            </a:pPr>
+            <a:r>
+              <a:rPr lang="en-US" b="1" dirty="0"/>
+              <a:t>Structural integrity: </a:t>
+            </a:r>
+          </a:p>
+          <a:p>
+            <a:pPr marL="742950" lvl="1" indent="-285750">
+              <a:lnSpc>
+                <a:spcPct val="150000"/>
+              </a:lnSpc>
+              <a:buFont typeface="Arial" panose="020B0604020202020204" pitchFamily="34" charset="0"/>
+              <a:buChar char="•"/>
+            </a:pPr>
+            <a:r>
+              <a:rPr lang="en-US" dirty="0"/>
+              <a:t>total number of </a:t>
+            </a:r>
+            <a:r>
+              <a:rPr lang="en-US" b="1" dirty="0"/>
+              <a:t>transposition-related domains </a:t>
+            </a:r>
+            <a:r>
+              <a:rPr lang="en-US" dirty="0"/>
+              <a:t>for each TE</a:t>
+            </a:r>
+          </a:p>
+          <a:p>
+            <a:pPr marL="742950" lvl="1" indent="-285750">
+              <a:lnSpc>
+                <a:spcPct val="150000"/>
+              </a:lnSpc>
+              <a:buFont typeface="Arial" panose="020B0604020202020204" pitchFamily="34" charset="0"/>
+              <a:buChar char="•"/>
+            </a:pPr>
+            <a:r>
+              <a:rPr lang="en-US" dirty="0"/>
+              <a:t>Method: gene prediction</a:t>
+            </a:r>
+          </a:p>
+          <a:p>
+            <a:pPr marL="285750" indent="-285750">
+              <a:lnSpc>
+                <a:spcPct val="150000"/>
+              </a:lnSpc>
+              <a:buFont typeface="Arial" panose="020B0604020202020204" pitchFamily="34" charset="0"/>
+              <a:buChar char="•"/>
+            </a:pPr>
+            <a:r>
+              <a:rPr lang="en-US" b="1" dirty="0"/>
+              <a:t>Transcription potential: </a:t>
+            </a:r>
+            <a:r>
+              <a:rPr lang="en-US" dirty="0"/>
+              <a:t>transcriptome data</a:t>
+            </a:r>
+          </a:p>
+          <a:p>
+            <a:pPr marL="742950" lvl="1" indent="-285750">
+              <a:lnSpc>
+                <a:spcPct val="150000"/>
+              </a:lnSpc>
+              <a:buFont typeface="Arial" panose="020B0604020202020204" pitchFamily="34" charset="0"/>
+              <a:buChar char="•"/>
+            </a:pPr>
+            <a:r>
+              <a:rPr lang="en-US" dirty="0"/>
+              <a:t>Method: reference genome mutants</a:t>
+            </a:r>
+          </a:p>
+          <a:p>
+            <a:pPr marL="742950" lvl="1" indent="-285750">
+              <a:lnSpc>
+                <a:spcPct val="150000"/>
+              </a:lnSpc>
+              <a:buFont typeface="Arial" panose="020B0604020202020204" pitchFamily="34" charset="0"/>
+              <a:buChar char="•"/>
+            </a:pPr>
+            <a:r>
+              <a:rPr lang="en-US" dirty="0"/>
+              <a:t>lack multiple layers of TE repression</a:t>
+            </a:r>
+          </a:p>
+          <a:p>
+            <a:pPr marL="1200150" lvl="2" indent="-285750">
+              <a:lnSpc>
+                <a:spcPct val="150000"/>
+              </a:lnSpc>
+              <a:buFont typeface="Arial" panose="020B0604020202020204" pitchFamily="34" charset="0"/>
+              <a:buChar char="•"/>
+            </a:pPr>
+            <a:r>
+              <a:rPr lang="en-US" dirty="0"/>
+              <a:t>hetero-chromatin condensation</a:t>
+            </a:r>
+          </a:p>
+          <a:p>
+            <a:pPr marL="1200150" lvl="2" indent="-285750">
+              <a:lnSpc>
+                <a:spcPct val="150000"/>
+              </a:lnSpc>
+              <a:buFont typeface="Arial" panose="020B0604020202020204" pitchFamily="34" charset="0"/>
+              <a:buChar char="•"/>
+            </a:pPr>
+            <a:r>
+              <a:rPr lang="en-US" dirty="0"/>
+              <a:t>RNAi</a:t>
+            </a:r>
+          </a:p>
+          <a:p>
+            <a:pPr marL="1200150" lvl="2" indent="-285750">
+              <a:lnSpc>
+                <a:spcPct val="150000"/>
+              </a:lnSpc>
+              <a:buFont typeface="Arial" panose="020B0604020202020204" pitchFamily="34" charset="0"/>
+              <a:buChar char="•"/>
+            </a:pPr>
+            <a:r>
+              <a:rPr lang="en-US" dirty="0"/>
+              <a:t>RNA-directed DNA methylation</a:t>
+            </a:r>
+          </a:p>
+          <a:p>
+            <a:pPr marL="285750" indent="-285750">
+              <a:lnSpc>
+                <a:spcPct val="150000"/>
+              </a:lnSpc>
+              <a:buFont typeface="Arial" panose="020B0604020202020204" pitchFamily="34" charset="0"/>
+              <a:buChar char="•"/>
+            </a:pPr>
+            <a:r>
+              <a:rPr lang="en-US" b="1" dirty="0"/>
+              <a:t>DNA methylation level: </a:t>
+            </a:r>
+            <a:r>
+              <a:rPr lang="en-US" dirty="0"/>
+              <a:t>extent of DNA methylation-induced TE repression</a:t>
+            </a:r>
+          </a:p>
+        </p:txBody>
+      </p:sp>
+      <p:pic>
+        <p:nvPicPr>
+          <p:cNvPr id="3" name="Picture 2">
+            <a:extLst>
+              <a:ext uri="{FF2B5EF4-FFF2-40B4-BE49-F238E27FC236}">
+                <a16:creationId xmlns:a16="http://schemas.microsoft.com/office/drawing/2014/main" id="{53798E6F-26C3-8E29-A32A-99A0305A4317}"/>
+              </a:ext>
+            </a:extLst>
+          </p:cNvPr>
+          <p:cNvPicPr>
+            <a:picLocks noChangeAspect="1"/>
+          </p:cNvPicPr>
+          <p:nvPr/>
+        </p:nvPicPr>
+        <p:blipFill>
+          <a:blip r:embed="rId2"/>
+          <a:stretch>
+            <a:fillRect/>
+          </a:stretch>
+        </p:blipFill>
+        <p:spPr>
+          <a:xfrm>
+            <a:off x="7305261" y="485255"/>
+            <a:ext cx="3930339" cy="6033070"/>
+          </a:xfrm>
+          <a:prstGeom prst="rect">
+            <a:avLst/>
+          </a:prstGeom>
+        </p:spPr>
+      </p:pic>
+    </p:spTree>
+    <p:extLst>
+      <p:ext uri="{BB962C8B-B14F-4D97-AF65-F5344CB8AC3E}">
+        <p14:creationId xmlns:p14="http://schemas.microsoft.com/office/powerpoint/2010/main" val="599905655"/>
+      </p:ext>
+    </p:extLst>
+  </p:cSld>
+  <p:clrMapOvr>
+    <a:masterClrMapping/>
+  </p:clrMapOvr>
+</p:sld>
+</file>
+
+<file path=ppt/slides/slide6.xml><?xml version="1.0" encoding="utf-8"?>
+<p:sld xmlns:a="http://schemas.openxmlformats.org/drawingml/2006/main" xmlns:r="http://schemas.openxmlformats.org/officeDocument/2006/relationships" xmlns:p="http://schemas.openxmlformats.org/presentationml/2006/main">
+  <p:cSld>
+    <p:spTree>
+      <p:nvGrpSpPr>
+        <p:cNvPr id="1" name=""/>
+        <p:cNvGrpSpPr/>
+        <p:nvPr/>
+      </p:nvGrpSpPr>
+      <p:grpSpPr>
+        <a:xfrm>
+          <a:off x="0" y="0"/>
+          <a:ext cx="0" cy="0"/>
+          <a:chOff x="0" y="0"/>
+          <a:chExt cx="0" cy="0"/>
+        </a:xfrm>
+      </p:grpSpPr>
+      <p:sp>
+        <p:nvSpPr>
+          <p:cNvPr id="2" name="Title 1">
+            <a:extLst>
+              <a:ext uri="{FF2B5EF4-FFF2-40B4-BE49-F238E27FC236}">
+                <a16:creationId xmlns:a16="http://schemas.microsoft.com/office/drawing/2014/main" id="{5341E720-BBA7-60EC-E1C2-546E38BAD0B5}"/>
+              </a:ext>
+            </a:extLst>
+          </p:cNvPr>
+          <p:cNvSpPr>
+            <a:spLocks noGrp="1"/>
+          </p:cNvSpPr>
+          <p:nvPr>
+            <p:ph type="title"/>
+          </p:nvPr>
+        </p:nvSpPr>
+        <p:spPr>
+          <a:xfrm>
+            <a:off x="720000" y="72000"/>
+            <a:ext cx="10515600" cy="702716"/>
+          </a:xfrm>
+        </p:spPr>
+        <p:txBody>
+          <a:bodyPr>
+            <a:normAutofit/>
+          </a:bodyPr>
+          <a:lstStyle/>
+          <a:p>
+            <a:pPr>
+              <a:lnSpc>
+                <a:spcPct val="100000"/>
+              </a:lnSpc>
+            </a:pPr>
+            <a:r>
+              <a:rPr lang="en-CN" sz="3200" b="1" dirty="0"/>
+              <a:t>TE activity annotation</a:t>
+            </a:r>
+          </a:p>
+        </p:txBody>
+      </p:sp>
+      <p:sp>
+        <p:nvSpPr>
+          <p:cNvPr id="7" name="TextBox 6">
+            <a:extLst>
+              <a:ext uri="{FF2B5EF4-FFF2-40B4-BE49-F238E27FC236}">
+                <a16:creationId xmlns:a16="http://schemas.microsoft.com/office/drawing/2014/main" id="{C4A2BEC5-FD1E-2084-93D3-32BB60E4BEFC}"/>
+              </a:ext>
+            </a:extLst>
+          </p:cNvPr>
+          <p:cNvSpPr txBox="1"/>
+          <p:nvPr/>
+        </p:nvSpPr>
+        <p:spPr>
+          <a:xfrm>
+            <a:off x="720000" y="774716"/>
+            <a:ext cx="4756461" cy="1295868"/>
+          </a:xfrm>
+          <a:prstGeom prst="rect">
+            <a:avLst/>
+          </a:prstGeom>
+          <a:noFill/>
+        </p:spPr>
+        <p:txBody>
+          <a:bodyPr wrap="square" rtlCol="0">
+            <a:spAutoFit/>
+          </a:bodyPr>
+          <a:lstStyle/>
+          <a:p>
+            <a:pPr>
+              <a:lnSpc>
+                <a:spcPct val="150000"/>
+              </a:lnSpc>
+            </a:pPr>
+            <a:r>
+              <a:rPr lang="en-US" b="1" i="1" u="none" strike="noStrike" dirty="0">
+                <a:effectLst/>
+              </a:rPr>
+              <a:t>Arabidopsis thaliana </a:t>
+            </a:r>
+            <a:r>
+              <a:rPr lang="en-US" b="1" u="none" strike="noStrike" dirty="0">
+                <a:effectLst/>
+              </a:rPr>
+              <a:t>TE annotation: </a:t>
+            </a:r>
+            <a:r>
+              <a:rPr lang="en-US" u="none" strike="noStrike" dirty="0">
+                <a:effectLst/>
+              </a:rPr>
+              <a:t>TAIR10</a:t>
+            </a:r>
+          </a:p>
+          <a:p>
+            <a:pPr>
+              <a:lnSpc>
+                <a:spcPct val="150000"/>
+              </a:lnSpc>
+            </a:pPr>
+            <a:r>
+              <a:rPr lang="en-US" u="none" strike="noStrike" dirty="0">
+                <a:effectLst/>
+              </a:rPr>
+              <a:t>Name, Orientation, </a:t>
+            </a:r>
+          </a:p>
+          <a:p>
+            <a:pPr>
+              <a:lnSpc>
+                <a:spcPct val="150000"/>
+              </a:lnSpc>
+            </a:pPr>
+            <a:r>
+              <a:rPr lang="en-US" u="none" strike="noStrike" dirty="0" err="1">
+                <a:effectLst/>
+              </a:rPr>
+              <a:t>min_Start</a:t>
+            </a:r>
+            <a:r>
+              <a:rPr lang="en-US" dirty="0"/>
+              <a:t>, </a:t>
+            </a:r>
+            <a:r>
+              <a:rPr lang="en-US" u="none" strike="noStrike" dirty="0" err="1">
+                <a:effectLst/>
+              </a:rPr>
+              <a:t>max_End</a:t>
+            </a:r>
+            <a:r>
+              <a:rPr lang="en-US" dirty="0"/>
+              <a:t>, </a:t>
+            </a:r>
+            <a:r>
+              <a:rPr lang="en-US" u="none" strike="noStrike" dirty="0">
+                <a:effectLst/>
+              </a:rPr>
+              <a:t>Family, </a:t>
+            </a:r>
+            <a:r>
+              <a:rPr lang="en-US" u="none" strike="noStrike" dirty="0" err="1">
+                <a:effectLst/>
+              </a:rPr>
+              <a:t>Super_Family</a:t>
+            </a:r>
+            <a:endParaRPr lang="en-US" b="0" i="0" u="none" strike="noStrike" dirty="0">
+              <a:solidFill>
+                <a:srgbClr val="000000"/>
+              </a:solidFill>
+              <a:effectLst/>
+              <a:latin typeface="Calibri" panose="020F0502020204030204" pitchFamily="34" charset="0"/>
+            </a:endParaRPr>
+          </a:p>
+        </p:txBody>
+      </p:sp>
+      <p:pic>
+        <p:nvPicPr>
+          <p:cNvPr id="8" name="Picture 7">
+            <a:extLst>
+              <a:ext uri="{FF2B5EF4-FFF2-40B4-BE49-F238E27FC236}">
+                <a16:creationId xmlns:a16="http://schemas.microsoft.com/office/drawing/2014/main" id="{5A22C379-485A-6B5B-6092-4E0D3D481B7A}"/>
+              </a:ext>
+            </a:extLst>
+          </p:cNvPr>
+          <p:cNvPicPr>
+            <a:picLocks noChangeAspect="1"/>
+          </p:cNvPicPr>
+          <p:nvPr/>
+        </p:nvPicPr>
+        <p:blipFill>
+          <a:blip r:embed="rId2"/>
+          <a:stretch>
+            <a:fillRect/>
+          </a:stretch>
+        </p:blipFill>
+        <p:spPr>
+          <a:xfrm>
+            <a:off x="440634" y="3440495"/>
+            <a:ext cx="11310731" cy="1201303"/>
+          </a:xfrm>
+          <a:prstGeom prst="rect">
+            <a:avLst/>
+          </a:prstGeom>
+        </p:spPr>
+      </p:pic>
+      <p:sp>
+        <p:nvSpPr>
+          <p:cNvPr id="12" name="TextBox 11">
+            <a:extLst>
+              <a:ext uri="{FF2B5EF4-FFF2-40B4-BE49-F238E27FC236}">
+                <a16:creationId xmlns:a16="http://schemas.microsoft.com/office/drawing/2014/main" id="{57AF9232-0C12-275C-07D7-0FDFE73A1007}"/>
+              </a:ext>
+            </a:extLst>
+          </p:cNvPr>
+          <p:cNvSpPr txBox="1"/>
+          <p:nvPr/>
+        </p:nvSpPr>
+        <p:spPr>
+          <a:xfrm>
+            <a:off x="9790871" y="5744730"/>
+            <a:ext cx="1960494" cy="338554"/>
+          </a:xfrm>
+          <a:prstGeom prst="rect">
+            <a:avLst/>
+          </a:prstGeom>
+          <a:noFill/>
+        </p:spPr>
+        <p:txBody>
+          <a:bodyPr wrap="square">
+            <a:spAutoFit/>
+          </a:bodyPr>
+          <a:lstStyle/>
+          <a:p>
+            <a:r>
+              <a:rPr lang="en-US" sz="1600" dirty="0"/>
+              <a:t>(Gao et al., 2023) </a:t>
+            </a:r>
+          </a:p>
+        </p:txBody>
+      </p:sp>
+      <p:pic>
+        <p:nvPicPr>
+          <p:cNvPr id="14" name="Picture 13">
+            <a:extLst>
+              <a:ext uri="{FF2B5EF4-FFF2-40B4-BE49-F238E27FC236}">
+                <a16:creationId xmlns:a16="http://schemas.microsoft.com/office/drawing/2014/main" id="{10C7AEB8-7A59-7AD9-598E-1383FC5D0DAD}"/>
+              </a:ext>
+            </a:extLst>
+          </p:cNvPr>
+          <p:cNvPicPr>
+            <a:picLocks noChangeAspect="1"/>
+          </p:cNvPicPr>
+          <p:nvPr/>
+        </p:nvPicPr>
+        <p:blipFill>
+          <a:blip r:embed="rId3"/>
+          <a:stretch>
+            <a:fillRect/>
+          </a:stretch>
+        </p:blipFill>
+        <p:spPr>
+          <a:xfrm>
+            <a:off x="440634" y="4747595"/>
+            <a:ext cx="9236629" cy="1335689"/>
+          </a:xfrm>
+          <a:prstGeom prst="rect">
+            <a:avLst/>
+          </a:prstGeom>
+        </p:spPr>
+      </p:pic>
+      <p:pic>
+        <p:nvPicPr>
+          <p:cNvPr id="16" name="Picture 15">
+            <a:extLst>
+              <a:ext uri="{FF2B5EF4-FFF2-40B4-BE49-F238E27FC236}">
+                <a16:creationId xmlns:a16="http://schemas.microsoft.com/office/drawing/2014/main" id="{1E6CBF3C-8771-D8CE-A64D-3E5C0A61480D}"/>
+              </a:ext>
+            </a:extLst>
+          </p:cNvPr>
+          <p:cNvPicPr>
+            <a:picLocks noChangeAspect="1"/>
+          </p:cNvPicPr>
+          <p:nvPr/>
+        </p:nvPicPr>
+        <p:blipFill>
+          <a:blip r:embed="rId4"/>
+          <a:stretch>
+            <a:fillRect/>
+          </a:stretch>
+        </p:blipFill>
+        <p:spPr>
+          <a:xfrm>
+            <a:off x="440634" y="2337563"/>
+            <a:ext cx="7361583" cy="984574"/>
+          </a:xfrm>
+          <a:prstGeom prst="rect">
+            <a:avLst/>
+          </a:prstGeom>
+        </p:spPr>
+      </p:pic>
+      <p:sp>
+        <p:nvSpPr>
+          <p:cNvPr id="17" name="TextBox 16">
+            <a:extLst>
+              <a:ext uri="{FF2B5EF4-FFF2-40B4-BE49-F238E27FC236}">
+                <a16:creationId xmlns:a16="http://schemas.microsoft.com/office/drawing/2014/main" id="{309FDEAE-A4C0-1931-99BD-CE94200FE691}"/>
+              </a:ext>
+            </a:extLst>
+          </p:cNvPr>
+          <p:cNvSpPr txBox="1"/>
+          <p:nvPr/>
+        </p:nvSpPr>
+        <p:spPr>
+          <a:xfrm>
+            <a:off x="8430626" y="814216"/>
+            <a:ext cx="3041374" cy="2126864"/>
+          </a:xfrm>
+          <a:prstGeom prst="rect">
+            <a:avLst/>
+          </a:prstGeom>
+          <a:noFill/>
+        </p:spPr>
+        <p:txBody>
+          <a:bodyPr wrap="square" rtlCol="0">
+            <a:spAutoFit/>
+          </a:bodyPr>
+          <a:lstStyle/>
+          <a:p>
+            <a:pPr marL="285750" indent="-285750">
+              <a:lnSpc>
+                <a:spcPct val="150000"/>
+              </a:lnSpc>
+              <a:buFont typeface="Arial" panose="020B0604020202020204" pitchFamily="34" charset="0"/>
+              <a:buChar char="•"/>
+            </a:pPr>
+            <a:r>
+              <a:rPr lang="en-US" dirty="0"/>
+              <a:t>Coverage</a:t>
+            </a:r>
+          </a:p>
+          <a:p>
+            <a:pPr marL="285750" indent="-285750">
+              <a:lnSpc>
+                <a:spcPct val="150000"/>
+              </a:lnSpc>
+              <a:buFont typeface="Arial" panose="020B0604020202020204" pitchFamily="34" charset="0"/>
+              <a:buChar char="•"/>
+            </a:pPr>
+            <a:r>
+              <a:rPr lang="en-US" dirty="0"/>
+              <a:t>Annotated accuracy</a:t>
+            </a:r>
+          </a:p>
+          <a:p>
+            <a:pPr marL="285750" indent="-285750">
+              <a:lnSpc>
+                <a:spcPct val="150000"/>
+              </a:lnSpc>
+              <a:buFont typeface="Arial" panose="020B0604020202020204" pitchFamily="34" charset="0"/>
+              <a:buChar char="•"/>
+            </a:pPr>
+            <a:r>
+              <a:rPr lang="en-US" dirty="0"/>
+              <a:t>TE boundary</a:t>
+            </a:r>
+          </a:p>
+          <a:p>
+            <a:pPr marL="285750" indent="-285750">
+              <a:lnSpc>
+                <a:spcPct val="150000"/>
+              </a:lnSpc>
+              <a:buFont typeface="Arial" panose="020B0604020202020204" pitchFamily="34" charset="0"/>
+              <a:buChar char="•"/>
+            </a:pPr>
+            <a:r>
+              <a:rPr lang="en-US" dirty="0"/>
+              <a:t>All of TE</a:t>
+            </a:r>
+          </a:p>
+          <a:p>
+            <a:pPr marL="285750" indent="-285750">
+              <a:lnSpc>
+                <a:spcPct val="150000"/>
+              </a:lnSpc>
+              <a:buFont typeface="Arial" panose="020B0604020202020204" pitchFamily="34" charset="0"/>
+              <a:buChar char="•"/>
+            </a:pPr>
+            <a:r>
+              <a:rPr lang="en-US" dirty="0"/>
+              <a:t>Non-</a:t>
+            </a:r>
+            <a:r>
+              <a:rPr lang="en-US" dirty="0" err="1"/>
+              <a:t>redunant</a:t>
+            </a:r>
+            <a:endParaRPr lang="en-US" dirty="0"/>
+          </a:p>
+        </p:txBody>
+      </p:sp>
+    </p:spTree>
+    <p:extLst>
+      <p:ext uri="{BB962C8B-B14F-4D97-AF65-F5344CB8AC3E}">
+        <p14:creationId xmlns:p14="http://schemas.microsoft.com/office/powerpoint/2010/main" val="2744889236"/>
       </p:ext>
     </p:extLst>
   </p:cSld>

--- a/undergraduate/Presentation.pptx
+++ b/undergraduate/Presentation.pptx
@@ -294,7 +294,7 @@
           <a:p>
             <a:fld id="{57792C16-F24B-4F4E-9560-6BDEACC5E4F6}" type="datetimeFigureOut">
               <a:rPr lang="en-CN" smtClean="0"/>
-              <a:t>2024/1/9</a:t>
+              <a:t>01/09/2024</a:t>
             </a:fld>
             <a:endParaRPr lang="en-CN"/>
           </a:p>
@@ -494,7 +494,7 @@
           <a:p>
             <a:fld id="{57792C16-F24B-4F4E-9560-6BDEACC5E4F6}" type="datetimeFigureOut">
               <a:rPr lang="en-CN" smtClean="0"/>
-              <a:t>2024/1/9</a:t>
+              <a:t>01/09/2024</a:t>
             </a:fld>
             <a:endParaRPr lang="en-CN"/>
           </a:p>
@@ -704,7 +704,7 @@
           <a:p>
             <a:fld id="{57792C16-F24B-4F4E-9560-6BDEACC5E4F6}" type="datetimeFigureOut">
               <a:rPr lang="en-CN" smtClean="0"/>
-              <a:t>2024/1/9</a:t>
+              <a:t>01/09/2024</a:t>
             </a:fld>
             <a:endParaRPr lang="en-CN"/>
           </a:p>
@@ -904,7 +904,7 @@
           <a:p>
             <a:fld id="{57792C16-F24B-4F4E-9560-6BDEACC5E4F6}" type="datetimeFigureOut">
               <a:rPr lang="en-CN" smtClean="0"/>
-              <a:t>2024/1/9</a:t>
+              <a:t>01/09/2024</a:t>
             </a:fld>
             <a:endParaRPr lang="en-CN"/>
           </a:p>
@@ -1180,7 +1180,7 @@
           <a:p>
             <a:fld id="{57792C16-F24B-4F4E-9560-6BDEACC5E4F6}" type="datetimeFigureOut">
               <a:rPr lang="en-CN" smtClean="0"/>
-              <a:t>2024/1/9</a:t>
+              <a:t>01/09/2024</a:t>
             </a:fld>
             <a:endParaRPr lang="en-CN"/>
           </a:p>
@@ -1448,7 +1448,7 @@
           <a:p>
             <a:fld id="{57792C16-F24B-4F4E-9560-6BDEACC5E4F6}" type="datetimeFigureOut">
               <a:rPr lang="en-CN" smtClean="0"/>
-              <a:t>2024/1/9</a:t>
+              <a:t>01/09/2024</a:t>
             </a:fld>
             <a:endParaRPr lang="en-CN"/>
           </a:p>
@@ -1863,7 +1863,7 @@
           <a:p>
             <a:fld id="{57792C16-F24B-4F4E-9560-6BDEACC5E4F6}" type="datetimeFigureOut">
               <a:rPr lang="en-CN" smtClean="0"/>
-              <a:t>2024/1/9</a:t>
+              <a:t>01/09/2024</a:t>
             </a:fld>
             <a:endParaRPr lang="en-CN"/>
           </a:p>
@@ -2005,7 +2005,7 @@
           <a:p>
             <a:fld id="{57792C16-F24B-4F4E-9560-6BDEACC5E4F6}" type="datetimeFigureOut">
               <a:rPr lang="en-CN" smtClean="0"/>
-              <a:t>2024/1/9</a:t>
+              <a:t>01/09/2024</a:t>
             </a:fld>
             <a:endParaRPr lang="en-CN"/>
           </a:p>
@@ -2118,7 +2118,7 @@
           <a:p>
             <a:fld id="{57792C16-F24B-4F4E-9560-6BDEACC5E4F6}" type="datetimeFigureOut">
               <a:rPr lang="en-CN" smtClean="0"/>
-              <a:t>2024/1/9</a:t>
+              <a:t>01/09/2024</a:t>
             </a:fld>
             <a:endParaRPr lang="en-CN"/>
           </a:p>
@@ -2431,7 +2431,7 @@
           <a:p>
             <a:fld id="{57792C16-F24B-4F4E-9560-6BDEACC5E4F6}" type="datetimeFigureOut">
               <a:rPr lang="en-CN" smtClean="0"/>
-              <a:t>2024/1/9</a:t>
+              <a:t>01/09/2024</a:t>
             </a:fld>
             <a:endParaRPr lang="en-CN"/>
           </a:p>
@@ -2720,7 +2720,7 @@
           <a:p>
             <a:fld id="{57792C16-F24B-4F4E-9560-6BDEACC5E4F6}" type="datetimeFigureOut">
               <a:rPr lang="en-CN" smtClean="0"/>
-              <a:t>2024/1/9</a:t>
+              <a:t>01/09/2024</a:t>
             </a:fld>
             <a:endParaRPr lang="en-CN"/>
           </a:p>
@@ -2963,7 +2963,7 @@
           <a:p>
             <a:fld id="{57792C16-F24B-4F4E-9560-6BDEACC5E4F6}" type="datetimeFigureOut">
               <a:rPr lang="en-CN" smtClean="0"/>
-              <a:t>2024/1/9</a:t>
+              <a:t>01/09/2024</a:t>
             </a:fld>
             <a:endParaRPr lang="en-CN"/>
           </a:p>

--- a/undergraduate/Presentation.pptx
+++ b/undergraduate/Presentation.pptx
@@ -10,7 +10,7 @@
     <p:sldId id="260" r:id="rId4"/>
     <p:sldId id="264" r:id="rId5"/>
     <p:sldId id="265" r:id="rId6"/>
-    <p:sldId id="266" r:id="rId7"/>
+    <p:sldId id="267" r:id="rId7"/>
   </p:sldIdLst>
   <p:sldSz cx="12192000" cy="6858000"/>
   <p:notesSz cx="6858000" cy="9144000"/>
@@ -294,7 +294,7 @@
           <a:p>
             <a:fld id="{57792C16-F24B-4F4E-9560-6BDEACC5E4F6}" type="datetimeFigureOut">
               <a:rPr lang="en-CN" smtClean="0"/>
-              <a:t>01/09/2024</a:t>
+              <a:t>2024/1/9</a:t>
             </a:fld>
             <a:endParaRPr lang="en-CN"/>
           </a:p>
@@ -494,7 +494,7 @@
           <a:p>
             <a:fld id="{57792C16-F24B-4F4E-9560-6BDEACC5E4F6}" type="datetimeFigureOut">
               <a:rPr lang="en-CN" smtClean="0"/>
-              <a:t>01/09/2024</a:t>
+              <a:t>2024/1/9</a:t>
             </a:fld>
             <a:endParaRPr lang="en-CN"/>
           </a:p>
@@ -704,7 +704,7 @@
           <a:p>
             <a:fld id="{57792C16-F24B-4F4E-9560-6BDEACC5E4F6}" type="datetimeFigureOut">
               <a:rPr lang="en-CN" smtClean="0"/>
-              <a:t>01/09/2024</a:t>
+              <a:t>2024/1/9</a:t>
             </a:fld>
             <a:endParaRPr lang="en-CN"/>
           </a:p>
@@ -904,7 +904,7 @@
           <a:p>
             <a:fld id="{57792C16-F24B-4F4E-9560-6BDEACC5E4F6}" type="datetimeFigureOut">
               <a:rPr lang="en-CN" smtClean="0"/>
-              <a:t>01/09/2024</a:t>
+              <a:t>2024/1/9</a:t>
             </a:fld>
             <a:endParaRPr lang="en-CN"/>
           </a:p>
@@ -1180,7 +1180,7 @@
           <a:p>
             <a:fld id="{57792C16-F24B-4F4E-9560-6BDEACC5E4F6}" type="datetimeFigureOut">
               <a:rPr lang="en-CN" smtClean="0"/>
-              <a:t>01/09/2024</a:t>
+              <a:t>2024/1/9</a:t>
             </a:fld>
             <a:endParaRPr lang="en-CN"/>
           </a:p>
@@ -1448,7 +1448,7 @@
           <a:p>
             <a:fld id="{57792C16-F24B-4F4E-9560-6BDEACC5E4F6}" type="datetimeFigureOut">
               <a:rPr lang="en-CN" smtClean="0"/>
-              <a:t>01/09/2024</a:t>
+              <a:t>2024/1/9</a:t>
             </a:fld>
             <a:endParaRPr lang="en-CN"/>
           </a:p>
@@ -1863,7 +1863,7 @@
           <a:p>
             <a:fld id="{57792C16-F24B-4F4E-9560-6BDEACC5E4F6}" type="datetimeFigureOut">
               <a:rPr lang="en-CN" smtClean="0"/>
-              <a:t>01/09/2024</a:t>
+              <a:t>2024/1/9</a:t>
             </a:fld>
             <a:endParaRPr lang="en-CN"/>
           </a:p>
@@ -2005,7 +2005,7 @@
           <a:p>
             <a:fld id="{57792C16-F24B-4F4E-9560-6BDEACC5E4F6}" type="datetimeFigureOut">
               <a:rPr lang="en-CN" smtClean="0"/>
-              <a:t>01/09/2024</a:t>
+              <a:t>2024/1/9</a:t>
             </a:fld>
             <a:endParaRPr lang="en-CN"/>
           </a:p>
@@ -2118,7 +2118,7 @@
           <a:p>
             <a:fld id="{57792C16-F24B-4F4E-9560-6BDEACC5E4F6}" type="datetimeFigureOut">
               <a:rPr lang="en-CN" smtClean="0"/>
-              <a:t>01/09/2024</a:t>
+              <a:t>2024/1/9</a:t>
             </a:fld>
             <a:endParaRPr lang="en-CN"/>
           </a:p>
@@ -2431,7 +2431,7 @@
           <a:p>
             <a:fld id="{57792C16-F24B-4F4E-9560-6BDEACC5E4F6}" type="datetimeFigureOut">
               <a:rPr lang="en-CN" smtClean="0"/>
-              <a:t>01/09/2024</a:t>
+              <a:t>2024/1/9</a:t>
             </a:fld>
             <a:endParaRPr lang="en-CN"/>
           </a:p>
@@ -2720,7 +2720,7 @@
           <a:p>
             <a:fld id="{57792C16-F24B-4F4E-9560-6BDEACC5E4F6}" type="datetimeFigureOut">
               <a:rPr lang="en-CN" smtClean="0"/>
-              <a:t>01/09/2024</a:t>
+              <a:t>2024/1/9</a:t>
             </a:fld>
             <a:endParaRPr lang="en-CN"/>
           </a:p>
@@ -2963,7 +2963,7 @@
           <a:p>
             <a:fld id="{57792C16-F24B-4F4E-9560-6BDEACC5E4F6}" type="datetimeFigureOut">
               <a:rPr lang="en-CN" smtClean="0"/>
-              <a:t>01/09/2024</a:t>
+              <a:t>2024/1/9</a:t>
             </a:fld>
             <a:endParaRPr lang="en-CN"/>
           </a:p>
@@ -11001,7 +11001,7 @@
             </a:pPr>
             <a:r>
               <a:rPr lang="en-CN" sz="3200" b="1" dirty="0"/>
-              <a:t>TE activity annotation</a:t>
+              <a:t>TE annotation</a:t>
             </a:r>
           </a:p>
         </p:txBody>
@@ -11020,8 +11020,8 @@
         </p:nvSpPr>
         <p:spPr>
           <a:xfrm>
-            <a:off x="560973" y="1119073"/>
-            <a:ext cx="6465991" cy="4619854"/>
+            <a:off x="411886" y="795259"/>
+            <a:ext cx="6654836" cy="2270173"/>
           </a:xfrm>
           <a:prstGeom prst="rect">
             <a:avLst/>
@@ -11034,6 +11034,17 @@
           </a:bodyPr>
           <a:lstStyle/>
           <a:p>
+            <a:pPr>
+              <a:lnSpc>
+                <a:spcPct val="150000"/>
+              </a:lnSpc>
+            </a:pPr>
+            <a:r>
+              <a:rPr lang="en-US" sz="1600" b="1" strike="sngStrike" dirty="0"/>
+              <a:t>Activity annotation</a:t>
+            </a:r>
+          </a:p>
+          <a:p>
             <a:pPr marL="285750" indent="-285750">
               <a:lnSpc>
                 <a:spcPct val="150000"/>
@@ -11042,7 +11053,7 @@
               <a:buChar char="•"/>
             </a:pPr>
             <a:r>
-              <a:rPr lang="en-US" b="1" dirty="0"/>
+              <a:rPr lang="en-US" sz="1600" b="1" dirty="0"/>
               <a:t>Structural integrity: </a:t>
             </a:r>
           </a:p>
@@ -11055,15 +11066,15 @@
               <a:buChar char="•"/>
             </a:pPr>
             <a:r>
-              <a:rPr lang="en-US" dirty="0"/>
+              <a:rPr lang="en-US" sz="1600" dirty="0"/>
               <a:t>total number of </a:t>
             </a:r>
             <a:r>
-              <a:rPr lang="en-US" b="1" dirty="0"/>
+              <a:rPr lang="en-US" sz="1600" b="1" dirty="0"/>
               <a:t>transposition-related domains </a:t>
             </a:r>
             <a:r>
-              <a:rPr lang="en-US" dirty="0"/>
+              <a:rPr lang="en-US" sz="1600" dirty="0"/>
               <a:t>for each TE</a:t>
             </a:r>
           </a:p>
@@ -11076,7 +11087,7 @@
               <a:buChar char="•"/>
             </a:pPr>
             <a:r>
-              <a:rPr lang="en-US" dirty="0"/>
+              <a:rPr lang="en-US" sz="1600" dirty="0"/>
               <a:t>Method: gene prediction</a:t>
             </a:r>
           </a:p>
@@ -11089,77 +11100,12 @@
               <a:buChar char="•"/>
             </a:pPr>
             <a:r>
-              <a:rPr lang="en-US" b="1" dirty="0"/>
+              <a:rPr lang="en-US" sz="1600" b="1" dirty="0"/>
               <a:t>Transcription potential: </a:t>
             </a:r>
             <a:r>
-              <a:rPr lang="en-US" dirty="0"/>
+              <a:rPr lang="en-US" sz="1600" dirty="0"/>
               <a:t>transcriptome data</a:t>
-            </a:r>
-          </a:p>
-          <a:p>
-            <a:pPr marL="742950" lvl="1" indent="-285750">
-              <a:lnSpc>
-                <a:spcPct val="150000"/>
-              </a:lnSpc>
-              <a:buFont typeface="Arial" panose="020B0604020202020204" pitchFamily="34" charset="0"/>
-              <a:buChar char="•"/>
-            </a:pPr>
-            <a:r>
-              <a:rPr lang="en-US" dirty="0"/>
-              <a:t>Method: reference genome mutants</a:t>
-            </a:r>
-          </a:p>
-          <a:p>
-            <a:pPr marL="742950" lvl="1" indent="-285750">
-              <a:lnSpc>
-                <a:spcPct val="150000"/>
-              </a:lnSpc>
-              <a:buFont typeface="Arial" panose="020B0604020202020204" pitchFamily="34" charset="0"/>
-              <a:buChar char="•"/>
-            </a:pPr>
-            <a:r>
-              <a:rPr lang="en-US" dirty="0"/>
-              <a:t>lack multiple layers of TE repression</a:t>
-            </a:r>
-          </a:p>
-          <a:p>
-            <a:pPr marL="1200150" lvl="2" indent="-285750">
-              <a:lnSpc>
-                <a:spcPct val="150000"/>
-              </a:lnSpc>
-              <a:buFont typeface="Arial" panose="020B0604020202020204" pitchFamily="34" charset="0"/>
-              <a:buChar char="•"/>
-            </a:pPr>
-            <a:r>
-              <a:rPr lang="en-US" dirty="0"/>
-              <a:t>hetero-chromatin condensation</a:t>
-            </a:r>
-          </a:p>
-          <a:p>
-            <a:pPr marL="1200150" lvl="2" indent="-285750">
-              <a:lnSpc>
-                <a:spcPct val="150000"/>
-              </a:lnSpc>
-              <a:buFont typeface="Arial" panose="020B0604020202020204" pitchFamily="34" charset="0"/>
-              <a:buChar char="•"/>
-            </a:pPr>
-            <a:r>
-              <a:rPr lang="en-US" dirty="0"/>
-              <a:t>RNAi</a:t>
-            </a:r>
-          </a:p>
-          <a:p>
-            <a:pPr marL="1200150" lvl="2" indent="-285750">
-              <a:lnSpc>
-                <a:spcPct val="150000"/>
-              </a:lnSpc>
-              <a:buFont typeface="Arial" panose="020B0604020202020204" pitchFamily="34" charset="0"/>
-              <a:buChar char="•"/>
-            </a:pPr>
-            <a:r>
-              <a:rPr lang="en-US" dirty="0"/>
-              <a:t>RNA-directed DNA methylation</a:t>
             </a:r>
           </a:p>
           <a:p>
@@ -11171,11 +11117,11 @@
               <a:buChar char="•"/>
             </a:pPr>
             <a:r>
-              <a:rPr lang="en-US" b="1" dirty="0"/>
+              <a:rPr lang="en-US" sz="1600" b="1" dirty="0"/>
               <a:t>DNA methylation level: </a:t>
             </a:r>
             <a:r>
-              <a:rPr lang="en-US" dirty="0"/>
+              <a:rPr lang="en-US" sz="1600" dirty="0"/>
               <a:t>extent of DNA methylation-induced TE repression</a:t>
             </a:r>
           </a:p>
@@ -11203,7 +11149,7 @@
         </p:blipFill>
         <p:spPr>
           <a:xfrm>
-            <a:off x="7305261" y="485255"/>
+            <a:off x="7942957" y="423358"/>
             <a:ext cx="3930339" cy="6033070"/>
           </a:xfrm>
           <a:prstGeom prst="rect">
@@ -11211,6 +11157,208 @@
           </a:prstGeom>
         </p:spPr>
       </p:pic>
+      <p:sp>
+        <p:nvSpPr>
+          <p:cNvPr id="6" name="TextBox 5">
+            <a:extLst>
+              <a:ext uri="{FF2B5EF4-FFF2-40B4-BE49-F238E27FC236}">
+                <a16:creationId xmlns:a16="http://schemas.microsoft.com/office/drawing/2014/main" id="{59B96EF5-1BAD-73F4-4042-6E6BA666E59E}"/>
+              </a:ext>
+            </a:extLst>
+          </p:cNvPr>
+          <p:cNvSpPr txBox="1"/>
+          <p:nvPr/>
+        </p:nvSpPr>
+        <p:spPr>
+          <a:xfrm>
+            <a:off x="165325" y="5974193"/>
+            <a:ext cx="1914113" cy="338554"/>
+          </a:xfrm>
+          <a:prstGeom prst="rect">
+            <a:avLst/>
+          </a:prstGeom>
+          <a:noFill/>
+        </p:spPr>
+        <p:txBody>
+          <a:bodyPr wrap="square">
+            <a:spAutoFit/>
+          </a:bodyPr>
+          <a:lstStyle/>
+          <a:p>
+            <a:r>
+              <a:rPr lang="en-US" sz="1600" dirty="0"/>
+              <a:t>(Gao et al., 2023) </a:t>
+            </a:r>
+          </a:p>
+        </p:txBody>
+      </p:sp>
+      <p:pic>
+        <p:nvPicPr>
+          <p:cNvPr id="8" name="Picture 7">
+            <a:extLst>
+              <a:ext uri="{FF2B5EF4-FFF2-40B4-BE49-F238E27FC236}">
+                <a16:creationId xmlns:a16="http://schemas.microsoft.com/office/drawing/2014/main" id="{464AF8A5-C0C5-A08E-918C-6D11F621764F}"/>
+              </a:ext>
+            </a:extLst>
+          </p:cNvPr>
+          <p:cNvPicPr>
+            <a:picLocks noChangeAspect="1"/>
+          </p:cNvPicPr>
+          <p:nvPr/>
+        </p:nvPicPr>
+        <p:blipFill>
+          <a:blip r:embed="rId3"/>
+          <a:stretch>
+            <a:fillRect/>
+          </a:stretch>
+        </p:blipFill>
+        <p:spPr>
+          <a:xfrm>
+            <a:off x="165325" y="3704020"/>
+            <a:ext cx="4754407" cy="2270173"/>
+          </a:xfrm>
+          <a:prstGeom prst="rect">
+            <a:avLst/>
+          </a:prstGeom>
+        </p:spPr>
+      </p:pic>
+      <p:pic>
+        <p:nvPicPr>
+          <p:cNvPr id="9" name="Picture 8">
+            <a:extLst>
+              <a:ext uri="{FF2B5EF4-FFF2-40B4-BE49-F238E27FC236}">
+                <a16:creationId xmlns:a16="http://schemas.microsoft.com/office/drawing/2014/main" id="{613FD4A3-6796-030D-C095-266AD0E0CDB2}"/>
+              </a:ext>
+            </a:extLst>
+          </p:cNvPr>
+          <p:cNvPicPr>
+            <a:picLocks noChangeAspect="1"/>
+          </p:cNvPicPr>
+          <p:nvPr/>
+        </p:nvPicPr>
+        <p:blipFill>
+          <a:blip r:embed="rId4"/>
+          <a:stretch>
+            <a:fillRect/>
+          </a:stretch>
+        </p:blipFill>
+        <p:spPr>
+          <a:xfrm>
+            <a:off x="4919732" y="3691810"/>
+            <a:ext cx="3023225" cy="2270173"/>
+          </a:xfrm>
+          <a:prstGeom prst="rect">
+            <a:avLst/>
+          </a:prstGeom>
+        </p:spPr>
+      </p:pic>
+      <p:sp>
+        <p:nvSpPr>
+          <p:cNvPr id="10" name="TextBox 9">
+            <a:extLst>
+              <a:ext uri="{FF2B5EF4-FFF2-40B4-BE49-F238E27FC236}">
+                <a16:creationId xmlns:a16="http://schemas.microsoft.com/office/drawing/2014/main" id="{95B49E8C-BF4D-F0C9-EBF0-EB10BDD99EB0}"/>
+              </a:ext>
+            </a:extLst>
+          </p:cNvPr>
+          <p:cNvSpPr txBox="1"/>
+          <p:nvPr/>
+        </p:nvSpPr>
+        <p:spPr>
+          <a:xfrm>
+            <a:off x="411886" y="3153741"/>
+            <a:ext cx="1667552" cy="423449"/>
+          </a:xfrm>
+          <a:prstGeom prst="rect">
+            <a:avLst/>
+          </a:prstGeom>
+          <a:noFill/>
+        </p:spPr>
+        <p:txBody>
+          <a:bodyPr wrap="square" rtlCol="0">
+            <a:spAutoFit/>
+          </a:bodyPr>
+          <a:lstStyle/>
+          <a:p>
+            <a:pPr>
+              <a:lnSpc>
+                <a:spcPct val="150000"/>
+              </a:lnSpc>
+            </a:pPr>
+            <a:r>
+              <a:rPr lang="en-US" sz="1600" b="1" strike="sngStrike" dirty="0"/>
+              <a:t>TE validation</a:t>
+            </a:r>
+          </a:p>
+        </p:txBody>
+      </p:sp>
+      <p:sp>
+        <p:nvSpPr>
+          <p:cNvPr id="11" name="TextBox 10">
+            <a:extLst>
+              <a:ext uri="{FF2B5EF4-FFF2-40B4-BE49-F238E27FC236}">
+                <a16:creationId xmlns:a16="http://schemas.microsoft.com/office/drawing/2014/main" id="{DF79AC47-80F4-B62C-2F2A-77F0751C93F6}"/>
+              </a:ext>
+            </a:extLst>
+          </p:cNvPr>
+          <p:cNvSpPr txBox="1"/>
+          <p:nvPr/>
+        </p:nvSpPr>
+        <p:spPr>
+          <a:xfrm>
+            <a:off x="2140029" y="5974193"/>
+            <a:ext cx="5411936" cy="830997"/>
+          </a:xfrm>
+          <a:prstGeom prst="rect">
+            <a:avLst/>
+          </a:prstGeom>
+          <a:noFill/>
+        </p:spPr>
+        <p:txBody>
+          <a:bodyPr wrap="square">
+            <a:spAutoFit/>
+          </a:bodyPr>
+          <a:lstStyle/>
+          <a:p>
+            <a:r>
+              <a:rPr lang="en-US" sz="1600" dirty="0" err="1"/>
+              <a:t>xTea</a:t>
+            </a:r>
+            <a:r>
+              <a:rPr lang="en-US" sz="1600" dirty="0"/>
+              <a:t> (x-Transposable element analyzer) (Chu et al., 2021, p. 2)</a:t>
+            </a:r>
+          </a:p>
+          <a:p>
+            <a:pPr marL="285750" indent="-285750">
+              <a:buFont typeface="Arial" panose="020B0604020202020204" pitchFamily="34" charset="0"/>
+              <a:buChar char="•"/>
+            </a:pPr>
+            <a:r>
+              <a:rPr lang="en-US" sz="1600" dirty="0"/>
+              <a:t>Short reads: MELT14, </a:t>
+            </a:r>
+            <a:r>
+              <a:rPr lang="en-US" sz="1600" dirty="0" err="1"/>
+              <a:t>TraFiC</a:t>
+            </a:r>
+            <a:r>
+              <a:rPr lang="en-US" sz="1600" dirty="0"/>
+              <a:t>-mem</a:t>
+            </a:r>
+          </a:p>
+          <a:p>
+            <a:pPr marL="285750" indent="-285750">
+              <a:buFont typeface="Arial" panose="020B0604020202020204" pitchFamily="34" charset="0"/>
+              <a:buChar char="•"/>
+            </a:pPr>
+            <a:r>
+              <a:rPr lang="en-US" sz="1600" dirty="0"/>
+              <a:t>Long reads: PALMER</a:t>
+            </a:r>
+          </a:p>
+        </p:txBody>
+      </p:sp>
     </p:spTree>
     <p:extLst>
       <p:ext uri="{BB962C8B-B14F-4D97-AF65-F5344CB8AC3E}">
@@ -11276,17 +11424,17 @@
             </a:pPr>
             <a:r>
               <a:rPr lang="en-CN" sz="3200" b="1" dirty="0"/>
-              <a:t>TE activity annotation</a:t>
+              <a:t>TE age annotation</a:t>
             </a:r>
           </a:p>
         </p:txBody>
       </p:sp>
       <p:sp>
         <p:nvSpPr>
-          <p:cNvPr id="7" name="TextBox 6">
+          <p:cNvPr id="3" name="TextBox 2">
             <a:extLst>
               <a:ext uri="{FF2B5EF4-FFF2-40B4-BE49-F238E27FC236}">
-                <a16:creationId xmlns:a16="http://schemas.microsoft.com/office/drawing/2014/main" id="{C4A2BEC5-FD1E-2084-93D3-32BB60E4BEFC}"/>
+                <a16:creationId xmlns:a16="http://schemas.microsoft.com/office/drawing/2014/main" id="{115B7210-9016-ABF2-053A-CCF5ECAD6913}"/>
               </a:ext>
             </a:extLst>
           </p:cNvPr>
@@ -11295,8 +11443,8 @@
         </p:nvSpPr>
         <p:spPr>
           <a:xfrm>
-            <a:off x="720000" y="774716"/>
-            <a:ext cx="4756461" cy="1295868"/>
+            <a:off x="720000" y="986987"/>
+            <a:ext cx="8454529" cy="1711366"/>
           </a:xfrm>
           <a:prstGeom prst="rect">
             <a:avLst/>
@@ -11315,22 +11463,25 @@
               </a:lnSpc>
             </a:pPr>
             <a:r>
-              <a:rPr lang="en-US" b="1" i="1" u="none" strike="noStrike" dirty="0">
-                <a:effectLst/>
-              </a:rPr>
-              <a:t>Arabidopsis thaliana </a:t>
-            </a:r>
-            <a:r>
-              <a:rPr lang="en-US" b="1" u="none" strike="noStrike" dirty="0">
-                <a:effectLst/>
-              </a:rPr>
-              <a:t>TE annotation: </a:t>
-            </a:r>
-            <a:r>
-              <a:rPr lang="en-US" u="none" strike="noStrike" dirty="0">
-                <a:effectLst/>
-              </a:rPr>
-              <a:t>TAIR10</a:t>
+              <a:rPr lang="en-US" b="1" dirty="0"/>
+              <a:t>Non-LTR age estimation</a:t>
+            </a:r>
+          </a:p>
+          <a:p>
+            <a:pPr marL="285750" indent="-285750">
+              <a:lnSpc>
+                <a:spcPct val="150000"/>
+              </a:lnSpc>
+              <a:buFont typeface="Arial" panose="020B0604020202020204" pitchFamily="34" charset="0"/>
+              <a:buChar char="•"/>
+            </a:pPr>
+            <a:r>
+              <a:rPr lang="en-US" b="1" dirty="0"/>
+              <a:t>Based on: </a:t>
+            </a:r>
+            <a:r>
+              <a:rPr lang="en-US" dirty="0"/>
+              <a:t>extended sequence alignment of their reverse transcriptase (RT) domain.</a:t>
             </a:r>
           </a:p>
           <a:p>
@@ -11340,96 +11491,35 @@
               </a:lnSpc>
             </a:pPr>
             <a:r>
-              <a:rPr lang="en-US" u="none" strike="noStrike" dirty="0">
-                <a:effectLst/>
-              </a:rPr>
-              <a:t>Name, Orientation, </a:t>
-            </a:r>
-          </a:p>
-          <a:p>
-            <a:pPr>
+              <a:rPr lang="en-US" b="1" dirty="0"/>
+              <a:t>LTR age estimation:</a:t>
+            </a:r>
+          </a:p>
+          <a:p>
+            <a:pPr marL="285750" indent="-285750">
               <a:lnSpc>
                 <a:spcPct val="150000"/>
               </a:lnSpc>
+              <a:buFont typeface="Arial" panose="020B0604020202020204" pitchFamily="34" charset="0"/>
+              <a:buChar char="•"/>
             </a:pPr>
             <a:r>
-              <a:rPr lang="en-US" u="none" strike="noStrike" dirty="0" err="1">
-                <a:effectLst/>
-              </a:rPr>
-              <a:t>min_Start</a:t>
+              <a:rPr lang="en-US" b="1" dirty="0"/>
+              <a:t>Based on: </a:t>
             </a:r>
             <a:r>
               <a:rPr lang="en-US" dirty="0"/>
-              <a:t>, </a:t>
-            </a:r>
-            <a:r>
-              <a:rPr lang="en-US" u="none" strike="noStrike" dirty="0" err="1">
-                <a:effectLst/>
-              </a:rPr>
-              <a:t>max_End</a:t>
-            </a:r>
-            <a:r>
-              <a:rPr lang="en-US" dirty="0"/>
-              <a:t>, </a:t>
-            </a:r>
-            <a:r>
-              <a:rPr lang="en-US" u="none" strike="noStrike" dirty="0">
-                <a:effectLst/>
-              </a:rPr>
-              <a:t>Family, </a:t>
-            </a:r>
-            <a:r>
-              <a:rPr lang="en-US" u="none" strike="noStrike" dirty="0" err="1">
-                <a:effectLst/>
-              </a:rPr>
-              <a:t>Super_Family</a:t>
-            </a:r>
-            <a:endParaRPr lang="en-US" b="0" i="0" u="none" strike="noStrike" dirty="0">
-              <a:solidFill>
-                <a:srgbClr val="000000"/>
-              </a:solidFill>
-              <a:effectLst/>
-              <a:latin typeface="Calibri" panose="020F0502020204030204" pitchFamily="34" charset="0"/>
-            </a:endParaRPr>
+              <a:t>diversification of 2 LTR TEs on either end of each intact LTR TE</a:t>
+            </a:r>
           </a:p>
         </p:txBody>
       </p:sp>
-      <p:pic>
-        <p:nvPicPr>
-          <p:cNvPr id="8" name="Picture 7">
+      <p:sp>
+        <p:nvSpPr>
+          <p:cNvPr id="4" name="TextBox 3">
             <a:extLst>
               <a:ext uri="{FF2B5EF4-FFF2-40B4-BE49-F238E27FC236}">
-                <a16:creationId xmlns:a16="http://schemas.microsoft.com/office/drawing/2014/main" id="{5A22C379-485A-6B5B-6092-4E0D3D481B7A}"/>
-              </a:ext>
-            </a:extLst>
-          </p:cNvPr>
-          <p:cNvPicPr>
-            <a:picLocks noChangeAspect="1"/>
-          </p:cNvPicPr>
-          <p:nvPr/>
-        </p:nvPicPr>
-        <p:blipFill>
-          <a:blip r:embed="rId2"/>
-          <a:stretch>
-            <a:fillRect/>
-          </a:stretch>
-        </p:blipFill>
-        <p:spPr>
-          <a:xfrm>
-            <a:off x="440634" y="3440495"/>
-            <a:ext cx="11310731" cy="1201303"/>
-          </a:xfrm>
-          <a:prstGeom prst="rect">
-            <a:avLst/>
-          </a:prstGeom>
-        </p:spPr>
-      </p:pic>
-      <p:sp>
-        <p:nvSpPr>
-          <p:cNvPr id="12" name="TextBox 11">
-            <a:extLst>
-              <a:ext uri="{FF2B5EF4-FFF2-40B4-BE49-F238E27FC236}">
-                <a16:creationId xmlns:a16="http://schemas.microsoft.com/office/drawing/2014/main" id="{57AF9232-0C12-275C-07D7-0FDFE73A1007}"/>
+                <a16:creationId xmlns:a16="http://schemas.microsoft.com/office/drawing/2014/main" id="{53BFED09-7711-F226-BCA3-77D64F99CB0B}"/>
               </a:ext>
             </a:extLst>
           </p:cNvPr>
@@ -11438,103 +11528,8 @@
         </p:nvSpPr>
         <p:spPr>
           <a:xfrm>
-            <a:off x="9790871" y="5744730"/>
-            <a:ext cx="1960494" cy="338554"/>
-          </a:xfrm>
-          <a:prstGeom prst="rect">
-            <a:avLst/>
-          </a:prstGeom>
-          <a:noFill/>
-        </p:spPr>
-        <p:txBody>
-          <a:bodyPr wrap="square">
-            <a:spAutoFit/>
-          </a:bodyPr>
-          <a:lstStyle/>
-          <a:p>
-            <a:r>
-              <a:rPr lang="en-US" sz="1600" dirty="0"/>
-              <a:t>(Gao et al., 2023) </a:t>
-            </a:r>
-          </a:p>
-        </p:txBody>
-      </p:sp>
-      <p:pic>
-        <p:nvPicPr>
-          <p:cNvPr id="14" name="Picture 13">
-            <a:extLst>
-              <a:ext uri="{FF2B5EF4-FFF2-40B4-BE49-F238E27FC236}">
-                <a16:creationId xmlns:a16="http://schemas.microsoft.com/office/drawing/2014/main" id="{10C7AEB8-7A59-7AD9-598E-1383FC5D0DAD}"/>
-              </a:ext>
-            </a:extLst>
-          </p:cNvPr>
-          <p:cNvPicPr>
-            <a:picLocks noChangeAspect="1"/>
-          </p:cNvPicPr>
-          <p:nvPr/>
-        </p:nvPicPr>
-        <p:blipFill>
-          <a:blip r:embed="rId3"/>
-          <a:stretch>
-            <a:fillRect/>
-          </a:stretch>
-        </p:blipFill>
-        <p:spPr>
-          <a:xfrm>
-            <a:off x="440634" y="4747595"/>
-            <a:ext cx="9236629" cy="1335689"/>
-          </a:xfrm>
-          <a:prstGeom prst="rect">
-            <a:avLst/>
-          </a:prstGeom>
-        </p:spPr>
-      </p:pic>
-      <p:pic>
-        <p:nvPicPr>
-          <p:cNvPr id="16" name="Picture 15">
-            <a:extLst>
-              <a:ext uri="{FF2B5EF4-FFF2-40B4-BE49-F238E27FC236}">
-                <a16:creationId xmlns:a16="http://schemas.microsoft.com/office/drawing/2014/main" id="{1E6CBF3C-8771-D8CE-A64D-3E5C0A61480D}"/>
-              </a:ext>
-            </a:extLst>
-          </p:cNvPr>
-          <p:cNvPicPr>
-            <a:picLocks noChangeAspect="1"/>
-          </p:cNvPicPr>
-          <p:nvPr/>
-        </p:nvPicPr>
-        <p:blipFill>
-          <a:blip r:embed="rId4"/>
-          <a:stretch>
-            <a:fillRect/>
-          </a:stretch>
-        </p:blipFill>
-        <p:spPr>
-          <a:xfrm>
-            <a:off x="440634" y="2337563"/>
-            <a:ext cx="7361583" cy="984574"/>
-          </a:xfrm>
-          <a:prstGeom prst="rect">
-            <a:avLst/>
-          </a:prstGeom>
-        </p:spPr>
-      </p:pic>
-      <p:sp>
-        <p:nvSpPr>
-          <p:cNvPr id="17" name="TextBox 16">
-            <a:extLst>
-              <a:ext uri="{FF2B5EF4-FFF2-40B4-BE49-F238E27FC236}">
-                <a16:creationId xmlns:a16="http://schemas.microsoft.com/office/drawing/2014/main" id="{309FDEAE-A4C0-1931-99BD-CE94200FE691}"/>
-              </a:ext>
-            </a:extLst>
-          </p:cNvPr>
-          <p:cNvSpPr txBox="1"/>
-          <p:nvPr/>
-        </p:nvSpPr>
-        <p:spPr>
-          <a:xfrm>
-            <a:off x="8430626" y="814216"/>
-            <a:ext cx="3041374" cy="2126864"/>
+            <a:off x="720000" y="3429000"/>
+            <a:ext cx="8454529" cy="1711366"/>
           </a:xfrm>
           <a:prstGeom prst="rect">
             <a:avLst/>
@@ -11547,72 +11542,53 @@
           </a:bodyPr>
           <a:lstStyle/>
           <a:p>
-            <a:pPr marL="285750" indent="-285750">
+            <a:pPr>
               <a:lnSpc>
                 <a:spcPct val="150000"/>
               </a:lnSpc>
-              <a:buFont typeface="Arial" panose="020B0604020202020204" pitchFamily="34" charset="0"/>
-              <a:buChar char="•"/>
             </a:pPr>
             <a:r>
-              <a:rPr lang="en-US" dirty="0"/>
-              <a:t>Coverage</a:t>
-            </a:r>
-          </a:p>
-          <a:p>
-            <a:pPr marL="285750" indent="-285750">
+              <a:rPr lang="en-US" b="1" dirty="0"/>
+              <a:t>Future:</a:t>
+            </a:r>
+          </a:p>
+          <a:p>
+            <a:pPr marL="342900" indent="-342900">
               <a:lnSpc>
                 <a:spcPct val="150000"/>
               </a:lnSpc>
-              <a:buFont typeface="Arial" panose="020B0604020202020204" pitchFamily="34" charset="0"/>
-              <a:buChar char="•"/>
+              <a:buFont typeface="+mj-lt"/>
+              <a:buAutoNum type="arabicPeriod"/>
             </a:pPr>
             <a:r>
-              <a:rPr lang="en-US" dirty="0"/>
-              <a:t>Annotated accuracy</a:t>
-            </a:r>
-          </a:p>
-          <a:p>
-            <a:pPr marL="285750" indent="-285750">
+              <a:rPr lang="en-US" b="1" dirty="0"/>
+              <a:t>Age annotation</a:t>
+            </a:r>
+          </a:p>
+          <a:p>
+            <a:pPr marL="342900" indent="-342900">
               <a:lnSpc>
                 <a:spcPct val="150000"/>
               </a:lnSpc>
-              <a:buFont typeface="Arial" panose="020B0604020202020204" pitchFamily="34" charset="0"/>
-              <a:buChar char="•"/>
+              <a:buFont typeface="+mj-lt"/>
+              <a:buAutoNum type="arabicPeriod"/>
             </a:pPr>
             <a:r>
-              <a:rPr lang="en-US" dirty="0"/>
-              <a:t>TE boundary</a:t>
-            </a:r>
-          </a:p>
-          <a:p>
-            <a:pPr marL="285750" indent="-285750">
+              <a:rPr lang="en-US" b="1" dirty="0"/>
+              <a:t>Other reference genome TE annotations and analysis</a:t>
+            </a:r>
+          </a:p>
+          <a:p>
+            <a:pPr marL="342900" indent="-342900">
               <a:lnSpc>
                 <a:spcPct val="150000"/>
               </a:lnSpc>
-              <a:buFont typeface="Arial" panose="020B0604020202020204" pitchFamily="34" charset="0"/>
-              <a:buChar char="•"/>
+              <a:buFont typeface="+mj-lt"/>
+              <a:buAutoNum type="arabicPeriod"/>
             </a:pPr>
             <a:r>
-              <a:rPr lang="en-US" dirty="0"/>
-              <a:t>All of TE</a:t>
-            </a:r>
-          </a:p>
-          <a:p>
-            <a:pPr marL="285750" indent="-285750">
-              <a:lnSpc>
-                <a:spcPct val="150000"/>
-              </a:lnSpc>
-              <a:buFont typeface="Arial" panose="020B0604020202020204" pitchFamily="34" charset="0"/>
-              <a:buChar char="•"/>
-            </a:pPr>
-            <a:r>
-              <a:rPr lang="en-US" dirty="0"/>
-              <a:t>Non-</a:t>
-            </a:r>
-            <a:r>
-              <a:rPr lang="en-US" dirty="0" err="1"/>
-              <a:t>redunant</a:t>
+              <a:rPr lang="en-US" b="1" dirty="0"/>
+              <a:t>Main TEs</a:t>
             </a:r>
             <a:endParaRPr lang="en-US" dirty="0"/>
           </a:p>
@@ -11621,7 +11597,7 @@
     </p:spTree>
     <p:extLst>
       <p:ext uri="{BB962C8B-B14F-4D97-AF65-F5344CB8AC3E}">
-        <p14:creationId xmlns:p14="http://schemas.microsoft.com/office/powerpoint/2010/main" val="2744889236"/>
+        <p14:creationId xmlns:p14="http://schemas.microsoft.com/office/powerpoint/2010/main" val="2801567964"/>
       </p:ext>
     </p:extLst>
   </p:cSld>

--- a/undergraduate/Presentation.pptx
+++ b/undergraduate/Presentation.pptx
@@ -294,7 +294,7 @@
           <a:p>
             <a:fld id="{57792C16-F24B-4F4E-9560-6BDEACC5E4F6}" type="datetimeFigureOut">
               <a:rPr lang="en-CN" smtClean="0"/>
-              <a:t>2024/1/9</a:t>
+              <a:t>01/10/2024</a:t>
             </a:fld>
             <a:endParaRPr lang="en-CN"/>
           </a:p>
@@ -494,7 +494,7 @@
           <a:p>
             <a:fld id="{57792C16-F24B-4F4E-9560-6BDEACC5E4F6}" type="datetimeFigureOut">
               <a:rPr lang="en-CN" smtClean="0"/>
-              <a:t>2024/1/9</a:t>
+              <a:t>01/10/2024</a:t>
             </a:fld>
             <a:endParaRPr lang="en-CN"/>
           </a:p>
@@ -704,7 +704,7 @@
           <a:p>
             <a:fld id="{57792C16-F24B-4F4E-9560-6BDEACC5E4F6}" type="datetimeFigureOut">
               <a:rPr lang="en-CN" smtClean="0"/>
-              <a:t>2024/1/9</a:t>
+              <a:t>01/10/2024</a:t>
             </a:fld>
             <a:endParaRPr lang="en-CN"/>
           </a:p>
@@ -904,7 +904,7 @@
           <a:p>
             <a:fld id="{57792C16-F24B-4F4E-9560-6BDEACC5E4F6}" type="datetimeFigureOut">
               <a:rPr lang="en-CN" smtClean="0"/>
-              <a:t>2024/1/9</a:t>
+              <a:t>01/10/2024</a:t>
             </a:fld>
             <a:endParaRPr lang="en-CN"/>
           </a:p>
@@ -1180,7 +1180,7 @@
           <a:p>
             <a:fld id="{57792C16-F24B-4F4E-9560-6BDEACC5E4F6}" type="datetimeFigureOut">
               <a:rPr lang="en-CN" smtClean="0"/>
-              <a:t>2024/1/9</a:t>
+              <a:t>01/10/2024</a:t>
             </a:fld>
             <a:endParaRPr lang="en-CN"/>
           </a:p>
@@ -1448,7 +1448,7 @@
           <a:p>
             <a:fld id="{57792C16-F24B-4F4E-9560-6BDEACC5E4F6}" type="datetimeFigureOut">
               <a:rPr lang="en-CN" smtClean="0"/>
-              <a:t>2024/1/9</a:t>
+              <a:t>01/10/2024</a:t>
             </a:fld>
             <a:endParaRPr lang="en-CN"/>
           </a:p>
@@ -1863,7 +1863,7 @@
           <a:p>
             <a:fld id="{57792C16-F24B-4F4E-9560-6BDEACC5E4F6}" type="datetimeFigureOut">
               <a:rPr lang="en-CN" smtClean="0"/>
-              <a:t>2024/1/9</a:t>
+              <a:t>01/10/2024</a:t>
             </a:fld>
             <a:endParaRPr lang="en-CN"/>
           </a:p>
@@ -2005,7 +2005,7 @@
           <a:p>
             <a:fld id="{57792C16-F24B-4F4E-9560-6BDEACC5E4F6}" type="datetimeFigureOut">
               <a:rPr lang="en-CN" smtClean="0"/>
-              <a:t>2024/1/9</a:t>
+              <a:t>01/10/2024</a:t>
             </a:fld>
             <a:endParaRPr lang="en-CN"/>
           </a:p>
@@ -2118,7 +2118,7 @@
           <a:p>
             <a:fld id="{57792C16-F24B-4F4E-9560-6BDEACC5E4F6}" type="datetimeFigureOut">
               <a:rPr lang="en-CN" smtClean="0"/>
-              <a:t>2024/1/9</a:t>
+              <a:t>01/10/2024</a:t>
             </a:fld>
             <a:endParaRPr lang="en-CN"/>
           </a:p>
@@ -2431,7 +2431,7 @@
           <a:p>
             <a:fld id="{57792C16-F24B-4F4E-9560-6BDEACC5E4F6}" type="datetimeFigureOut">
               <a:rPr lang="en-CN" smtClean="0"/>
-              <a:t>2024/1/9</a:t>
+              <a:t>01/10/2024</a:t>
             </a:fld>
             <a:endParaRPr lang="en-CN"/>
           </a:p>
@@ -2720,7 +2720,7 @@
           <a:p>
             <a:fld id="{57792C16-F24B-4F4E-9560-6BDEACC5E4F6}" type="datetimeFigureOut">
               <a:rPr lang="en-CN" smtClean="0"/>
-              <a:t>2024/1/9</a:t>
+              <a:t>01/10/2024</a:t>
             </a:fld>
             <a:endParaRPr lang="en-CN"/>
           </a:p>
@@ -2963,7 +2963,7 @@
           <a:p>
             <a:fld id="{57792C16-F24B-4F4E-9560-6BDEACC5E4F6}" type="datetimeFigureOut">
               <a:rPr lang="en-CN" smtClean="0"/>
-              <a:t>2024/1/9</a:t>
+              <a:t>01/10/2024</a:t>
             </a:fld>
             <a:endParaRPr lang="en-CN"/>
           </a:p>
@@ -11021,7 +11021,7 @@
         <p:spPr>
           <a:xfrm>
             <a:off x="411886" y="795259"/>
-            <a:ext cx="6654836" cy="2270173"/>
+            <a:ext cx="6654836" cy="2316275"/>
           </a:xfrm>
           <a:prstGeom prst="rect">
             <a:avLst/>
@@ -11040,7 +11040,7 @@
               </a:lnSpc>
             </a:pPr>
             <a:r>
-              <a:rPr lang="en-US" sz="1600" b="1" strike="sngStrike" dirty="0"/>
+              <a:rPr lang="en-US" b="1" strike="sngStrike" dirty="0"/>
               <a:t>Activity annotation</a:t>
             </a:r>
           </a:p>
@@ -11267,7 +11267,7 @@
         <p:spPr>
           <a:xfrm>
             <a:off x="411886" y="3153741"/>
-            <a:ext cx="1667552" cy="423449"/>
+            <a:ext cx="1667552" cy="464871"/>
           </a:xfrm>
           <a:prstGeom prst="rect">
             <a:avLst/>
@@ -11286,7 +11286,7 @@
               </a:lnSpc>
             </a:pPr>
             <a:r>
-              <a:rPr lang="en-US" sz="1600" b="1" strike="sngStrike" dirty="0"/>
+              <a:rPr lang="en-US" b="1" strike="sngStrike" dirty="0"/>
               <a:t>TE validation</a:t>
             </a:r>
           </a:p>
@@ -11444,7 +11444,7 @@
         <p:spPr>
           <a:xfrm>
             <a:off x="720000" y="986987"/>
-            <a:ext cx="8454529" cy="1711366"/>
+            <a:ext cx="9277888" cy="3276282"/>
           </a:xfrm>
           <a:prstGeom prst="rect">
             <a:avLst/>
@@ -11463,7 +11463,7 @@
               </a:lnSpc>
             </a:pPr>
             <a:r>
-              <a:rPr lang="en-US" b="1" dirty="0"/>
+              <a:rPr lang="en-US" sz="2000" b="1" dirty="0"/>
               <a:t>Non-LTR age estimation</a:t>
             </a:r>
           </a:p>
@@ -11476,11 +11476,11 @@
               <a:buChar char="•"/>
             </a:pPr>
             <a:r>
-              <a:rPr lang="en-US" b="1" dirty="0"/>
+              <a:rPr lang="en-US" sz="2000" b="1" dirty="0"/>
               <a:t>Based on: </a:t>
             </a:r>
             <a:r>
-              <a:rPr lang="en-US" dirty="0"/>
+              <a:rPr lang="en-US" sz="2000" dirty="0"/>
               <a:t>extended sequence alignment of their reverse transcriptase (RT) domain.</a:t>
             </a:r>
           </a:p>
@@ -11491,7 +11491,7 @@
               </a:lnSpc>
             </a:pPr>
             <a:r>
-              <a:rPr lang="en-US" b="1" dirty="0"/>
+              <a:rPr lang="en-US" sz="2000" b="1" dirty="0"/>
               <a:t>LTR age estimation:</a:t>
             </a:r>
           </a:p>
@@ -11504,13 +11504,61 @@
               <a:buChar char="•"/>
             </a:pPr>
             <a:r>
-              <a:rPr lang="en-US" b="1" dirty="0"/>
+              <a:rPr lang="en-US" sz="2000" b="1" dirty="0"/>
               <a:t>Based on: </a:t>
             </a:r>
             <a:r>
-              <a:rPr lang="en-US" dirty="0"/>
+              <a:rPr lang="en-US" sz="2000" dirty="0"/>
               <a:t>diversification of 2 LTR TEs on either end of each intact LTR TE</a:t>
             </a:r>
+          </a:p>
+          <a:p>
+            <a:pPr marL="742950" lvl="1" indent="-285750">
+              <a:lnSpc>
+                <a:spcPct val="150000"/>
+              </a:lnSpc>
+              <a:buFont typeface="Arial" panose="020B0604020202020204" pitchFamily="34" charset="0"/>
+              <a:buChar char="•"/>
+            </a:pPr>
+            <a:r>
+              <a:rPr lang="en-US" sz="2000" dirty="0"/>
+              <a:t>Gene distance (K)</a:t>
+            </a:r>
+          </a:p>
+          <a:p>
+            <a:pPr marL="742950" lvl="1" indent="-285750">
+              <a:lnSpc>
+                <a:spcPct val="150000"/>
+              </a:lnSpc>
+              <a:buFont typeface="Arial" panose="020B0604020202020204" pitchFamily="34" charset="0"/>
+              <a:buChar char="•"/>
+            </a:pPr>
+            <a:r>
+              <a:rPr lang="en-US" sz="2000" dirty="0"/>
+              <a:t>Substitution rate (</a:t>
+            </a:r>
+            <a:r>
+              <a:rPr lang="en-US" altLang="zh-CN" sz="2000" dirty="0"/>
+              <a:t>μ</a:t>
+            </a:r>
+            <a:r>
+              <a:rPr lang="en-US" sz="2000" dirty="0"/>
+              <a:t>)</a:t>
+            </a:r>
+          </a:p>
+          <a:p>
+            <a:pPr marL="742950" lvl="1" indent="-285750">
+              <a:lnSpc>
+                <a:spcPct val="150000"/>
+              </a:lnSpc>
+              <a:buFont typeface="Arial" panose="020B0604020202020204" pitchFamily="34" charset="0"/>
+              <a:buChar char="•"/>
+            </a:pPr>
+            <a:r>
+              <a:rPr lang="en-US" altLang="zh-CN" sz="2000" dirty="0"/>
+              <a:t>Insertion time = K/2μ</a:t>
+            </a:r>
+            <a:endParaRPr lang="en-US" sz="2000" dirty="0"/>
           </a:p>
         </p:txBody>
       </p:sp>
@@ -11528,8 +11576,8 @@
         </p:nvSpPr>
         <p:spPr>
           <a:xfrm>
-            <a:off x="720000" y="3429000"/>
-            <a:ext cx="8454529" cy="1711366"/>
+            <a:off x="720000" y="4350123"/>
+            <a:ext cx="8454529" cy="1891287"/>
           </a:xfrm>
           <a:prstGeom prst="rect">
             <a:avLst/>
@@ -11548,8 +11596,8 @@
               </a:lnSpc>
             </a:pPr>
             <a:r>
-              <a:rPr lang="en-US" b="1" dirty="0"/>
-              <a:t>Future:</a:t>
+              <a:rPr lang="en-US" sz="2000" b="1" dirty="0"/>
+              <a:t>Subsequent work:</a:t>
             </a:r>
           </a:p>
           <a:p>
@@ -11561,7 +11609,7 @@
               <a:buAutoNum type="arabicPeriod"/>
             </a:pPr>
             <a:r>
-              <a:rPr lang="en-US" b="1" dirty="0"/>
+              <a:rPr lang="en-US" sz="2000" dirty="0"/>
               <a:t>Age annotation</a:t>
             </a:r>
           </a:p>
@@ -11574,7 +11622,7 @@
               <a:buAutoNum type="arabicPeriod"/>
             </a:pPr>
             <a:r>
-              <a:rPr lang="en-US" b="1" dirty="0"/>
+              <a:rPr lang="en-US" sz="2000" dirty="0"/>
               <a:t>Other reference genome TE annotations and analysis</a:t>
             </a:r>
           </a:p>
@@ -11587,10 +11635,95 @@
               <a:buAutoNum type="arabicPeriod"/>
             </a:pPr>
             <a:r>
-              <a:rPr lang="en-US" b="1" dirty="0"/>
+              <a:rPr lang="en-US" sz="2000" dirty="0"/>
               <a:t>Main TEs</a:t>
             </a:r>
-            <a:endParaRPr lang="en-US" dirty="0"/>
+          </a:p>
+        </p:txBody>
+      </p:sp>
+      <p:sp>
+        <p:nvSpPr>
+          <p:cNvPr id="5" name="TextBox 5">
+            <a:extLst>
+              <a:ext uri="{FF2B5EF4-FFF2-40B4-BE49-F238E27FC236}">
+                <a16:creationId xmlns:a16="http://schemas.microsoft.com/office/drawing/2014/main" id="{81DB0211-CB53-41E7-BD61-18614DAA7EE0}"/>
+              </a:ext>
+            </a:extLst>
+          </p:cNvPr>
+          <p:cNvSpPr txBox="1"/>
+          <p:nvPr/>
+        </p:nvSpPr>
+        <p:spPr>
+          <a:xfrm>
+            <a:off x="9826710" y="1594076"/>
+            <a:ext cx="1914113" cy="338554"/>
+          </a:xfrm>
+          <a:prstGeom prst="rect">
+            <a:avLst/>
+          </a:prstGeom>
+          <a:noFill/>
+        </p:spPr>
+        <p:txBody>
+          <a:bodyPr wrap="square">
+            <a:spAutoFit/>
+          </a:bodyPr>
+          <a:lstStyle/>
+          <a:p>
+            <a:r>
+              <a:rPr lang="en-US" sz="1600" dirty="0"/>
+              <a:t>(</a:t>
+            </a:r>
+            <a:r>
+              <a:rPr lang="en-US" altLang="zh-CN" sz="1600" dirty="0"/>
+              <a:t>Malik</a:t>
+            </a:r>
+            <a:r>
+              <a:rPr lang="en-US" sz="1600" dirty="0"/>
+              <a:t> et al., </a:t>
+            </a:r>
+            <a:r>
+              <a:rPr lang="en-US" altLang="zh-CN" sz="1600" dirty="0"/>
+              <a:t>1999</a:t>
+            </a:r>
+            <a:r>
+              <a:rPr lang="en-US" sz="1600" dirty="0"/>
+              <a:t>) </a:t>
+            </a:r>
+          </a:p>
+        </p:txBody>
+      </p:sp>
+      <p:sp>
+        <p:nvSpPr>
+          <p:cNvPr id="6" name="TextBox 5">
+            <a:extLst>
+              <a:ext uri="{FF2B5EF4-FFF2-40B4-BE49-F238E27FC236}">
+                <a16:creationId xmlns:a16="http://schemas.microsoft.com/office/drawing/2014/main" id="{4BD19AF7-8EF5-49CF-BB37-8D46C1D21EB7}"/>
+              </a:ext>
+            </a:extLst>
+          </p:cNvPr>
+          <p:cNvSpPr txBox="1"/>
+          <p:nvPr/>
+        </p:nvSpPr>
+        <p:spPr>
+          <a:xfrm>
+            <a:off x="9826710" y="2539719"/>
+            <a:ext cx="1914113" cy="338554"/>
+          </a:xfrm>
+          <a:prstGeom prst="rect">
+            <a:avLst/>
+          </a:prstGeom>
+          <a:noFill/>
+        </p:spPr>
+        <p:txBody>
+          <a:bodyPr wrap="square">
+            <a:spAutoFit/>
+          </a:bodyPr>
+          <a:lstStyle/>
+          <a:p>
+            <a:r>
+              <a:rPr lang="en-US" sz="1600" dirty="0"/>
+              <a:t>(Ma et al., 2004) </a:t>
+            </a:r>
           </a:p>
         </p:txBody>
       </p:sp>

--- a/undergraduate/Presentation.pptx
+++ b/undergraduate/Presentation.pptx
@@ -294,7 +294,7 @@
           <a:p>
             <a:fld id="{57792C16-F24B-4F4E-9560-6BDEACC5E4F6}" type="datetimeFigureOut">
               <a:rPr lang="en-CN" smtClean="0"/>
-              <a:t>01/10/2024</a:t>
+              <a:t>2024/1/10</a:t>
             </a:fld>
             <a:endParaRPr lang="en-CN"/>
           </a:p>
@@ -494,7 +494,7 @@
           <a:p>
             <a:fld id="{57792C16-F24B-4F4E-9560-6BDEACC5E4F6}" type="datetimeFigureOut">
               <a:rPr lang="en-CN" smtClean="0"/>
-              <a:t>01/10/2024</a:t>
+              <a:t>2024/1/10</a:t>
             </a:fld>
             <a:endParaRPr lang="en-CN"/>
           </a:p>
@@ -704,7 +704,7 @@
           <a:p>
             <a:fld id="{57792C16-F24B-4F4E-9560-6BDEACC5E4F6}" type="datetimeFigureOut">
               <a:rPr lang="en-CN" smtClean="0"/>
-              <a:t>01/10/2024</a:t>
+              <a:t>2024/1/10</a:t>
             </a:fld>
             <a:endParaRPr lang="en-CN"/>
           </a:p>
@@ -904,7 +904,7 @@
           <a:p>
             <a:fld id="{57792C16-F24B-4F4E-9560-6BDEACC5E4F6}" type="datetimeFigureOut">
               <a:rPr lang="en-CN" smtClean="0"/>
-              <a:t>01/10/2024</a:t>
+              <a:t>2024/1/10</a:t>
             </a:fld>
             <a:endParaRPr lang="en-CN"/>
           </a:p>
@@ -1180,7 +1180,7 @@
           <a:p>
             <a:fld id="{57792C16-F24B-4F4E-9560-6BDEACC5E4F6}" type="datetimeFigureOut">
               <a:rPr lang="en-CN" smtClean="0"/>
-              <a:t>01/10/2024</a:t>
+              <a:t>2024/1/10</a:t>
             </a:fld>
             <a:endParaRPr lang="en-CN"/>
           </a:p>
@@ -1448,7 +1448,7 @@
           <a:p>
             <a:fld id="{57792C16-F24B-4F4E-9560-6BDEACC5E4F6}" type="datetimeFigureOut">
               <a:rPr lang="en-CN" smtClean="0"/>
-              <a:t>01/10/2024</a:t>
+              <a:t>2024/1/10</a:t>
             </a:fld>
             <a:endParaRPr lang="en-CN"/>
           </a:p>
@@ -1863,7 +1863,7 @@
           <a:p>
             <a:fld id="{57792C16-F24B-4F4E-9560-6BDEACC5E4F6}" type="datetimeFigureOut">
               <a:rPr lang="en-CN" smtClean="0"/>
-              <a:t>01/10/2024</a:t>
+              <a:t>2024/1/10</a:t>
             </a:fld>
             <a:endParaRPr lang="en-CN"/>
           </a:p>
@@ -2005,7 +2005,7 @@
           <a:p>
             <a:fld id="{57792C16-F24B-4F4E-9560-6BDEACC5E4F6}" type="datetimeFigureOut">
               <a:rPr lang="en-CN" smtClean="0"/>
-              <a:t>01/10/2024</a:t>
+              <a:t>2024/1/10</a:t>
             </a:fld>
             <a:endParaRPr lang="en-CN"/>
           </a:p>
@@ -2118,7 +2118,7 @@
           <a:p>
             <a:fld id="{57792C16-F24B-4F4E-9560-6BDEACC5E4F6}" type="datetimeFigureOut">
               <a:rPr lang="en-CN" smtClean="0"/>
-              <a:t>01/10/2024</a:t>
+              <a:t>2024/1/10</a:t>
             </a:fld>
             <a:endParaRPr lang="en-CN"/>
           </a:p>
@@ -2431,7 +2431,7 @@
           <a:p>
             <a:fld id="{57792C16-F24B-4F4E-9560-6BDEACC5E4F6}" type="datetimeFigureOut">
               <a:rPr lang="en-CN" smtClean="0"/>
-              <a:t>01/10/2024</a:t>
+              <a:t>2024/1/10</a:t>
             </a:fld>
             <a:endParaRPr lang="en-CN"/>
           </a:p>
@@ -2720,7 +2720,7 @@
           <a:p>
             <a:fld id="{57792C16-F24B-4F4E-9560-6BDEACC5E4F6}" type="datetimeFigureOut">
               <a:rPr lang="en-CN" smtClean="0"/>
-              <a:t>01/10/2024</a:t>
+              <a:t>2024/1/10</a:t>
             </a:fld>
             <a:endParaRPr lang="en-CN"/>
           </a:p>
@@ -2963,7 +2963,7 @@
           <a:p>
             <a:fld id="{57792C16-F24B-4F4E-9560-6BDEACC5E4F6}" type="datetimeFigureOut">
               <a:rPr lang="en-CN" smtClean="0"/>
-              <a:t>01/10/2024</a:t>
+              <a:t>2024/1/10</a:t>
             </a:fld>
             <a:endParaRPr lang="en-CN"/>
           </a:p>
@@ -4659,7 +4659,7 @@
         <p:spPr>
           <a:xfrm>
             <a:off x="8351755" y="5356638"/>
-            <a:ext cx="2985938" cy="338554"/>
+            <a:ext cx="2985938" cy="584775"/>
           </a:xfrm>
           <a:prstGeom prst="rect">
             <a:avLst/>
@@ -4678,7 +4678,13 @@
             </a:r>
             <a:r>
               <a:rPr lang="en-CN" sz="1600" dirty="0"/>
-              <a:t>esequencing data of wheats</a:t>
+              <a:t>esequencing data of wheats:</a:t>
+            </a:r>
+          </a:p>
+          <a:p>
+            <a:r>
+              <a:rPr lang="en-CN" sz="1600" b="1" dirty="0"/>
+              <a:t>Vmap2</a:t>
             </a:r>
           </a:p>
         </p:txBody>

--- a/undergraduate/Presentation.pptx
+++ b/undergraduate/Presentation.pptx
@@ -11,6 +11,8 @@
     <p:sldId id="264" r:id="rId5"/>
     <p:sldId id="265" r:id="rId6"/>
     <p:sldId id="267" r:id="rId7"/>
+    <p:sldId id="256" r:id="rId8"/>
+    <p:sldId id="268" r:id="rId9"/>
   </p:sldIdLst>
   <p:sldSz cx="12192000" cy="6858000"/>
   <p:notesSz cx="6858000" cy="9144000"/>
@@ -294,7 +296,7 @@
           <a:p>
             <a:fld id="{57792C16-F24B-4F4E-9560-6BDEACC5E4F6}" type="datetimeFigureOut">
               <a:rPr lang="en-CN" smtClean="0"/>
-              <a:t>2024/1/10</a:t>
+              <a:t>2024/1/15</a:t>
             </a:fld>
             <a:endParaRPr lang="en-CN"/>
           </a:p>
@@ -494,7 +496,7 @@
           <a:p>
             <a:fld id="{57792C16-F24B-4F4E-9560-6BDEACC5E4F6}" type="datetimeFigureOut">
               <a:rPr lang="en-CN" smtClean="0"/>
-              <a:t>2024/1/10</a:t>
+              <a:t>2024/1/15</a:t>
             </a:fld>
             <a:endParaRPr lang="en-CN"/>
           </a:p>
@@ -704,7 +706,7 @@
           <a:p>
             <a:fld id="{57792C16-F24B-4F4E-9560-6BDEACC5E4F6}" type="datetimeFigureOut">
               <a:rPr lang="en-CN" smtClean="0"/>
-              <a:t>2024/1/10</a:t>
+              <a:t>2024/1/15</a:t>
             </a:fld>
             <a:endParaRPr lang="en-CN"/>
           </a:p>
@@ -904,7 +906,7 @@
           <a:p>
             <a:fld id="{57792C16-F24B-4F4E-9560-6BDEACC5E4F6}" type="datetimeFigureOut">
               <a:rPr lang="en-CN" smtClean="0"/>
-              <a:t>2024/1/10</a:t>
+              <a:t>2024/1/15</a:t>
             </a:fld>
             <a:endParaRPr lang="en-CN"/>
           </a:p>
@@ -1180,7 +1182,7 @@
           <a:p>
             <a:fld id="{57792C16-F24B-4F4E-9560-6BDEACC5E4F6}" type="datetimeFigureOut">
               <a:rPr lang="en-CN" smtClean="0"/>
-              <a:t>2024/1/10</a:t>
+              <a:t>2024/1/15</a:t>
             </a:fld>
             <a:endParaRPr lang="en-CN"/>
           </a:p>
@@ -1448,7 +1450,7 @@
           <a:p>
             <a:fld id="{57792C16-F24B-4F4E-9560-6BDEACC5E4F6}" type="datetimeFigureOut">
               <a:rPr lang="en-CN" smtClean="0"/>
-              <a:t>2024/1/10</a:t>
+              <a:t>2024/1/15</a:t>
             </a:fld>
             <a:endParaRPr lang="en-CN"/>
           </a:p>
@@ -1863,7 +1865,7 @@
           <a:p>
             <a:fld id="{57792C16-F24B-4F4E-9560-6BDEACC5E4F6}" type="datetimeFigureOut">
               <a:rPr lang="en-CN" smtClean="0"/>
-              <a:t>2024/1/10</a:t>
+              <a:t>2024/1/15</a:t>
             </a:fld>
             <a:endParaRPr lang="en-CN"/>
           </a:p>
@@ -2005,7 +2007,7 @@
           <a:p>
             <a:fld id="{57792C16-F24B-4F4E-9560-6BDEACC5E4F6}" type="datetimeFigureOut">
               <a:rPr lang="en-CN" smtClean="0"/>
-              <a:t>2024/1/10</a:t>
+              <a:t>2024/1/15</a:t>
             </a:fld>
             <a:endParaRPr lang="en-CN"/>
           </a:p>
@@ -2118,7 +2120,7 @@
           <a:p>
             <a:fld id="{57792C16-F24B-4F4E-9560-6BDEACC5E4F6}" type="datetimeFigureOut">
               <a:rPr lang="en-CN" smtClean="0"/>
-              <a:t>2024/1/10</a:t>
+              <a:t>2024/1/15</a:t>
             </a:fld>
             <a:endParaRPr lang="en-CN"/>
           </a:p>
@@ -2431,7 +2433,7 @@
           <a:p>
             <a:fld id="{57792C16-F24B-4F4E-9560-6BDEACC5E4F6}" type="datetimeFigureOut">
               <a:rPr lang="en-CN" smtClean="0"/>
-              <a:t>2024/1/10</a:t>
+              <a:t>2024/1/15</a:t>
             </a:fld>
             <a:endParaRPr lang="en-CN"/>
           </a:p>
@@ -2720,7 +2722,7 @@
           <a:p>
             <a:fld id="{57792C16-F24B-4F4E-9560-6BDEACC5E4F6}" type="datetimeFigureOut">
               <a:rPr lang="en-CN" smtClean="0"/>
-              <a:t>2024/1/10</a:t>
+              <a:t>2024/1/15</a:t>
             </a:fld>
             <a:endParaRPr lang="en-CN"/>
           </a:p>
@@ -2963,7 +2965,7 @@
           <a:p>
             <a:fld id="{57792C16-F24B-4F4E-9560-6BDEACC5E4F6}" type="datetimeFigureOut">
               <a:rPr lang="en-CN" smtClean="0"/>
-              <a:t>2024/1/10</a:t>
+              <a:t>2024/1/15</a:t>
             </a:fld>
             <a:endParaRPr lang="en-CN"/>
           </a:p>
@@ -11746,6 +11748,729 @@
 </p:sld>
 </file>
 
+<file path=ppt/slides/slide7.xml><?xml version="1.0" encoding="utf-8"?>
+<p:sld xmlns:a="http://schemas.openxmlformats.org/drawingml/2006/main" xmlns:r="http://schemas.openxmlformats.org/officeDocument/2006/relationships" xmlns:p="http://schemas.openxmlformats.org/presentationml/2006/main">
+  <p:cSld>
+    <p:spTree>
+      <p:nvGrpSpPr>
+        <p:cNvPr id="1" name=""/>
+        <p:cNvGrpSpPr/>
+        <p:nvPr/>
+      </p:nvGrpSpPr>
+      <p:grpSpPr>
+        <a:xfrm>
+          <a:off x="0" y="0"/>
+          <a:ext cx="0" cy="0"/>
+          <a:chOff x="0" y="0"/>
+          <a:chExt cx="0" cy="0"/>
+        </a:xfrm>
+      </p:grpSpPr>
+      <p:pic>
+        <p:nvPicPr>
+          <p:cNvPr id="4" name="Picture 3">
+            <a:extLst>
+              <a:ext uri="{FF2B5EF4-FFF2-40B4-BE49-F238E27FC236}">
+                <a16:creationId xmlns:a16="http://schemas.microsoft.com/office/drawing/2014/main" id="{85C26172-6F3D-9635-6412-03A39EFE47DA}"/>
+              </a:ext>
+            </a:extLst>
+          </p:cNvPr>
+          <p:cNvPicPr>
+            <a:picLocks noChangeAspect="1"/>
+          </p:cNvPicPr>
+          <p:nvPr/>
+        </p:nvPicPr>
+        <p:blipFill rotWithShape="1">
+          <a:blip r:embed="rId2"/>
+          <a:srcRect r="62479"/>
+          <a:stretch/>
+        </p:blipFill>
+        <p:spPr>
+          <a:xfrm>
+            <a:off x="4512148" y="769754"/>
+            <a:ext cx="6654329" cy="2338682"/>
+          </a:xfrm>
+          <a:prstGeom prst="rect">
+            <a:avLst/>
+          </a:prstGeom>
+        </p:spPr>
+      </p:pic>
+      <p:pic>
+        <p:nvPicPr>
+          <p:cNvPr id="5" name="Picture 4">
+            <a:extLst>
+              <a:ext uri="{FF2B5EF4-FFF2-40B4-BE49-F238E27FC236}">
+                <a16:creationId xmlns:a16="http://schemas.microsoft.com/office/drawing/2014/main" id="{1DBCDCD2-F575-C35B-BDE0-A475D6120CC0}"/>
+              </a:ext>
+            </a:extLst>
+          </p:cNvPr>
+          <p:cNvPicPr>
+            <a:picLocks noChangeAspect="1"/>
+          </p:cNvPicPr>
+          <p:nvPr/>
+        </p:nvPicPr>
+        <p:blipFill rotWithShape="1">
+          <a:blip r:embed="rId2"/>
+          <a:srcRect l="37601"/>
+          <a:stretch/>
+        </p:blipFill>
+        <p:spPr>
+          <a:xfrm>
+            <a:off x="983483" y="4083269"/>
+            <a:ext cx="10182994" cy="2151993"/>
+          </a:xfrm>
+          <a:prstGeom prst="rect">
+            <a:avLst/>
+          </a:prstGeom>
+        </p:spPr>
+      </p:pic>
+      <p:sp>
+        <p:nvSpPr>
+          <p:cNvPr id="6" name="Rectangle 5">
+            <a:extLst>
+              <a:ext uri="{FF2B5EF4-FFF2-40B4-BE49-F238E27FC236}">
+                <a16:creationId xmlns:a16="http://schemas.microsoft.com/office/drawing/2014/main" id="{AF2EE1C9-DD33-1535-3DE3-CE3FD8C1019B}"/>
+              </a:ext>
+            </a:extLst>
+          </p:cNvPr>
+          <p:cNvSpPr/>
+          <p:nvPr/>
+        </p:nvSpPr>
+        <p:spPr>
+          <a:xfrm>
+            <a:off x="5825942" y="769754"/>
+            <a:ext cx="2028494" cy="856724"/>
+          </a:xfrm>
+          <a:prstGeom prst="rect">
+            <a:avLst/>
+          </a:prstGeom>
+          <a:noFill/>
+          <a:ln w="38100" cap="flat" cmpd="sng" algn="ctr">
+            <a:solidFill>
+              <a:srgbClr val="FF0000"/>
+            </a:solidFill>
+            <a:prstDash val="solid"/>
+            <a:round/>
+            <a:headEnd type="none" w="med" len="med"/>
+            <a:tailEnd type="none" w="med" len="med"/>
+          </a:ln>
+        </p:spPr>
+        <p:style>
+          <a:lnRef idx="0">
+            <a:scrgbClr r="0" g="0" b="0"/>
+          </a:lnRef>
+          <a:fillRef idx="0">
+            <a:scrgbClr r="0" g="0" b="0"/>
+          </a:fillRef>
+          <a:effectRef idx="0">
+            <a:scrgbClr r="0" g="0" b="0"/>
+          </a:effectRef>
+          <a:fontRef idx="minor">
+            <a:schemeClr val="accent2"/>
+          </a:fontRef>
+        </p:style>
+        <p:txBody>
+          <a:bodyPr rtlCol="0" anchor="ctr"/>
+          <a:lstStyle/>
+          <a:p>
+            <a:pPr algn="ctr"/>
+            <a:endParaRPr lang="en-CN"/>
+          </a:p>
+        </p:txBody>
+      </p:sp>
+      <p:sp>
+        <p:nvSpPr>
+          <p:cNvPr id="7" name="Rectangle 6">
+            <a:extLst>
+              <a:ext uri="{FF2B5EF4-FFF2-40B4-BE49-F238E27FC236}">
+                <a16:creationId xmlns:a16="http://schemas.microsoft.com/office/drawing/2014/main" id="{9AEDCBA7-7DE7-BC3A-C39F-6F1809676CBB}"/>
+              </a:ext>
+            </a:extLst>
+          </p:cNvPr>
+          <p:cNvSpPr/>
+          <p:nvPr/>
+        </p:nvSpPr>
+        <p:spPr>
+          <a:xfrm>
+            <a:off x="5825942" y="2385850"/>
+            <a:ext cx="2028495" cy="557048"/>
+          </a:xfrm>
+          <a:prstGeom prst="rect">
+            <a:avLst/>
+          </a:prstGeom>
+          <a:noFill/>
+          <a:ln w="38100" cap="flat" cmpd="sng" algn="ctr">
+            <a:solidFill>
+              <a:srgbClr val="FF0000"/>
+            </a:solidFill>
+            <a:prstDash val="solid"/>
+            <a:round/>
+            <a:headEnd type="none" w="med" len="med"/>
+            <a:tailEnd type="none" w="med" len="med"/>
+          </a:ln>
+        </p:spPr>
+        <p:style>
+          <a:lnRef idx="0">
+            <a:scrgbClr r="0" g="0" b="0"/>
+          </a:lnRef>
+          <a:fillRef idx="0">
+            <a:scrgbClr r="0" g="0" b="0"/>
+          </a:fillRef>
+          <a:effectRef idx="0">
+            <a:scrgbClr r="0" g="0" b="0"/>
+          </a:effectRef>
+          <a:fontRef idx="minor">
+            <a:schemeClr val="accent2"/>
+          </a:fontRef>
+        </p:style>
+        <p:txBody>
+          <a:bodyPr rtlCol="0" anchor="ctr"/>
+          <a:lstStyle/>
+          <a:p>
+            <a:pPr algn="ctr"/>
+            <a:endParaRPr lang="en-CN"/>
+          </a:p>
+        </p:txBody>
+      </p:sp>
+      <p:sp>
+        <p:nvSpPr>
+          <p:cNvPr id="8" name="Rectangle 7">
+            <a:extLst>
+              <a:ext uri="{FF2B5EF4-FFF2-40B4-BE49-F238E27FC236}">
+                <a16:creationId xmlns:a16="http://schemas.microsoft.com/office/drawing/2014/main" id="{423F713E-1599-FF9B-BB55-CA5AC56BE0B9}"/>
+              </a:ext>
+            </a:extLst>
+          </p:cNvPr>
+          <p:cNvSpPr/>
+          <p:nvPr/>
+        </p:nvSpPr>
+        <p:spPr>
+          <a:xfrm>
+            <a:off x="5825942" y="1740581"/>
+            <a:ext cx="2028494" cy="232738"/>
+          </a:xfrm>
+          <a:prstGeom prst="rect">
+            <a:avLst/>
+          </a:prstGeom>
+          <a:noFill/>
+          <a:ln w="38100" cap="flat" cmpd="sng" algn="ctr">
+            <a:solidFill>
+              <a:srgbClr val="FF0000"/>
+            </a:solidFill>
+            <a:prstDash val="solid"/>
+            <a:round/>
+            <a:headEnd type="none" w="med" len="med"/>
+            <a:tailEnd type="none" w="med" len="med"/>
+          </a:ln>
+        </p:spPr>
+        <p:style>
+          <a:lnRef idx="0">
+            <a:scrgbClr r="0" g="0" b="0"/>
+          </a:lnRef>
+          <a:fillRef idx="0">
+            <a:scrgbClr r="0" g="0" b="0"/>
+          </a:fillRef>
+          <a:effectRef idx="0">
+            <a:scrgbClr r="0" g="0" b="0"/>
+          </a:effectRef>
+          <a:fontRef idx="minor">
+            <a:schemeClr val="accent2"/>
+          </a:fontRef>
+        </p:style>
+        <p:txBody>
+          <a:bodyPr rtlCol="0" anchor="ctr"/>
+          <a:lstStyle/>
+          <a:p>
+            <a:pPr algn="ctr"/>
+            <a:endParaRPr lang="en-CN"/>
+          </a:p>
+        </p:txBody>
+      </p:sp>
+      <p:cxnSp>
+        <p:nvCxnSpPr>
+          <p:cNvPr id="10" name="Straight Arrow Connector 9">
+            <a:extLst>
+              <a:ext uri="{FF2B5EF4-FFF2-40B4-BE49-F238E27FC236}">
+                <a16:creationId xmlns:a16="http://schemas.microsoft.com/office/drawing/2014/main" id="{958E8A4C-6727-09CE-5863-B3C7B5BFC453}"/>
+              </a:ext>
+            </a:extLst>
+          </p:cNvPr>
+          <p:cNvCxnSpPr>
+            <a:cxnSpLocks/>
+          </p:cNvCxnSpPr>
+          <p:nvPr/>
+        </p:nvCxnSpPr>
+        <p:spPr>
+          <a:xfrm flipH="1">
+            <a:off x="3563008" y="1198116"/>
+            <a:ext cx="2165131" cy="511625"/>
+          </a:xfrm>
+          <a:prstGeom prst="straightConnector1">
+            <a:avLst/>
+          </a:prstGeom>
+          <a:ln w="38100">
+            <a:solidFill>
+              <a:srgbClr val="FF0000"/>
+            </a:solidFill>
+            <a:tailEnd type="triangle"/>
+          </a:ln>
+        </p:spPr>
+        <p:style>
+          <a:lnRef idx="3">
+            <a:schemeClr val="accent2"/>
+          </a:lnRef>
+          <a:fillRef idx="0">
+            <a:schemeClr val="accent2"/>
+          </a:fillRef>
+          <a:effectRef idx="2">
+            <a:schemeClr val="accent2"/>
+          </a:effectRef>
+          <a:fontRef idx="minor">
+            <a:schemeClr val="tx1"/>
+          </a:fontRef>
+        </p:style>
+      </p:cxnSp>
+      <p:cxnSp>
+        <p:nvCxnSpPr>
+          <p:cNvPr id="13" name="Straight Arrow Connector 12">
+            <a:extLst>
+              <a:ext uri="{FF2B5EF4-FFF2-40B4-BE49-F238E27FC236}">
+                <a16:creationId xmlns:a16="http://schemas.microsoft.com/office/drawing/2014/main" id="{0BF80760-A9D9-A3D3-ED95-375AC4093B91}"/>
+              </a:ext>
+            </a:extLst>
+          </p:cNvPr>
+          <p:cNvCxnSpPr>
+            <a:cxnSpLocks/>
+          </p:cNvCxnSpPr>
+          <p:nvPr/>
+        </p:nvCxnSpPr>
+        <p:spPr>
+          <a:xfrm flipH="1">
+            <a:off x="3563008" y="1844500"/>
+            <a:ext cx="2165131" cy="94595"/>
+          </a:xfrm>
+          <a:prstGeom prst="straightConnector1">
+            <a:avLst/>
+          </a:prstGeom>
+          <a:ln w="38100">
+            <a:solidFill>
+              <a:srgbClr val="FF0000"/>
+            </a:solidFill>
+            <a:tailEnd type="triangle"/>
+          </a:ln>
+        </p:spPr>
+        <p:style>
+          <a:lnRef idx="3">
+            <a:schemeClr val="accent2"/>
+          </a:lnRef>
+          <a:fillRef idx="0">
+            <a:schemeClr val="accent2"/>
+          </a:fillRef>
+          <a:effectRef idx="2">
+            <a:schemeClr val="accent2"/>
+          </a:effectRef>
+          <a:fontRef idx="minor">
+            <a:schemeClr val="tx1"/>
+          </a:fontRef>
+        </p:style>
+      </p:cxnSp>
+      <p:cxnSp>
+        <p:nvCxnSpPr>
+          <p:cNvPr id="15" name="Straight Arrow Connector 14">
+            <a:extLst>
+              <a:ext uri="{FF2B5EF4-FFF2-40B4-BE49-F238E27FC236}">
+                <a16:creationId xmlns:a16="http://schemas.microsoft.com/office/drawing/2014/main" id="{422308BC-3CAD-4C9B-21BC-307A83A452B0}"/>
+              </a:ext>
+            </a:extLst>
+          </p:cNvPr>
+          <p:cNvCxnSpPr>
+            <a:cxnSpLocks/>
+          </p:cNvCxnSpPr>
+          <p:nvPr/>
+        </p:nvCxnSpPr>
+        <p:spPr>
+          <a:xfrm flipH="1" flipV="1">
+            <a:off x="3563008" y="2138103"/>
+            <a:ext cx="2165130" cy="499582"/>
+          </a:xfrm>
+          <a:prstGeom prst="straightConnector1">
+            <a:avLst/>
+          </a:prstGeom>
+          <a:ln w="38100">
+            <a:solidFill>
+              <a:srgbClr val="FF0000"/>
+            </a:solidFill>
+            <a:tailEnd type="triangle"/>
+          </a:ln>
+        </p:spPr>
+        <p:style>
+          <a:lnRef idx="3">
+            <a:schemeClr val="accent2"/>
+          </a:lnRef>
+          <a:fillRef idx="0">
+            <a:schemeClr val="accent2"/>
+          </a:fillRef>
+          <a:effectRef idx="2">
+            <a:schemeClr val="accent2"/>
+          </a:effectRef>
+          <a:fontRef idx="minor">
+            <a:schemeClr val="tx1"/>
+          </a:fontRef>
+        </p:style>
+      </p:cxnSp>
+      <p:sp>
+        <p:nvSpPr>
+          <p:cNvPr id="17" name="TextBox 16">
+            <a:extLst>
+              <a:ext uri="{FF2B5EF4-FFF2-40B4-BE49-F238E27FC236}">
+                <a16:creationId xmlns:a16="http://schemas.microsoft.com/office/drawing/2014/main" id="{DB62AA2A-F235-98AE-72D2-B2398E295000}"/>
+              </a:ext>
+            </a:extLst>
+          </p:cNvPr>
+          <p:cNvSpPr txBox="1"/>
+          <p:nvPr/>
+        </p:nvSpPr>
+        <p:spPr>
+          <a:xfrm>
+            <a:off x="1615266" y="1413650"/>
+            <a:ext cx="1797269" cy="879087"/>
+          </a:xfrm>
+          <a:prstGeom prst="rect">
+            <a:avLst/>
+          </a:prstGeom>
+          <a:noFill/>
+        </p:spPr>
+        <p:txBody>
+          <a:bodyPr wrap="square" rtlCol="0">
+            <a:spAutoFit/>
+          </a:bodyPr>
+          <a:lstStyle/>
+          <a:p>
+            <a:pPr>
+              <a:lnSpc>
+                <a:spcPct val="150000"/>
+              </a:lnSpc>
+            </a:pPr>
+            <a:r>
+              <a:rPr lang="en-CN" dirty="0"/>
+              <a:t>一个LTR转座子的不同组成部分</a:t>
+            </a:r>
+          </a:p>
+        </p:txBody>
+      </p:sp>
+      <p:sp>
+        <p:nvSpPr>
+          <p:cNvPr id="18" name="Rectangle 17">
+            <a:extLst>
+              <a:ext uri="{FF2B5EF4-FFF2-40B4-BE49-F238E27FC236}">
+                <a16:creationId xmlns:a16="http://schemas.microsoft.com/office/drawing/2014/main" id="{BBE505A1-8DC2-2B2B-FFB5-ACD8856FDE03}"/>
+              </a:ext>
+            </a:extLst>
+          </p:cNvPr>
+          <p:cNvSpPr/>
+          <p:nvPr/>
+        </p:nvSpPr>
+        <p:spPr>
+          <a:xfrm>
+            <a:off x="7854436" y="1093833"/>
+            <a:ext cx="1228428" cy="511625"/>
+          </a:xfrm>
+          <a:prstGeom prst="rect">
+            <a:avLst/>
+          </a:prstGeom>
+          <a:noFill/>
+          <a:ln w="38100" cap="flat" cmpd="sng" algn="ctr">
+            <a:solidFill>
+              <a:schemeClr val="accent2"/>
+            </a:solidFill>
+            <a:prstDash val="solid"/>
+            <a:round/>
+            <a:headEnd type="none" w="med" len="med"/>
+            <a:tailEnd type="none" w="med" len="med"/>
+          </a:ln>
+        </p:spPr>
+        <p:style>
+          <a:lnRef idx="0">
+            <a:scrgbClr r="0" g="0" b="0"/>
+          </a:lnRef>
+          <a:fillRef idx="0">
+            <a:scrgbClr r="0" g="0" b="0"/>
+          </a:fillRef>
+          <a:effectRef idx="0">
+            <a:scrgbClr r="0" g="0" b="0"/>
+          </a:effectRef>
+          <a:fontRef idx="minor">
+            <a:schemeClr val="accent2"/>
+          </a:fontRef>
+        </p:style>
+        <p:txBody>
+          <a:bodyPr rtlCol="0" anchor="ctr"/>
+          <a:lstStyle/>
+          <a:p>
+            <a:pPr algn="ctr"/>
+            <a:endParaRPr lang="en-CN"/>
+          </a:p>
+        </p:txBody>
+      </p:sp>
+      <p:cxnSp>
+        <p:nvCxnSpPr>
+          <p:cNvPr id="19" name="Straight Arrow Connector 18">
+            <a:extLst>
+              <a:ext uri="{FF2B5EF4-FFF2-40B4-BE49-F238E27FC236}">
+                <a16:creationId xmlns:a16="http://schemas.microsoft.com/office/drawing/2014/main" id="{9DCD73DB-8EAB-1074-FABC-D2DAFD9A999E}"/>
+              </a:ext>
+            </a:extLst>
+          </p:cNvPr>
+          <p:cNvCxnSpPr>
+            <a:cxnSpLocks/>
+          </p:cNvCxnSpPr>
+          <p:nvPr/>
+        </p:nvCxnSpPr>
+        <p:spPr>
+          <a:xfrm flipH="1">
+            <a:off x="8229601" y="1672837"/>
+            <a:ext cx="239049" cy="1651060"/>
+          </a:xfrm>
+          <a:prstGeom prst="straightConnector1">
+            <a:avLst/>
+          </a:prstGeom>
+          <a:ln w="38100">
+            <a:solidFill>
+              <a:schemeClr val="accent2"/>
+            </a:solidFill>
+            <a:tailEnd type="triangle"/>
+          </a:ln>
+        </p:spPr>
+        <p:style>
+          <a:lnRef idx="3">
+            <a:schemeClr val="accent2"/>
+          </a:lnRef>
+          <a:fillRef idx="0">
+            <a:schemeClr val="accent2"/>
+          </a:fillRef>
+          <a:effectRef idx="2">
+            <a:schemeClr val="accent2"/>
+          </a:effectRef>
+          <a:fontRef idx="minor">
+            <a:schemeClr val="tx1"/>
+          </a:fontRef>
+        </p:style>
+      </p:cxnSp>
+      <p:sp>
+        <p:nvSpPr>
+          <p:cNvPr id="21" name="TextBox 20">
+            <a:extLst>
+              <a:ext uri="{FF2B5EF4-FFF2-40B4-BE49-F238E27FC236}">
+                <a16:creationId xmlns:a16="http://schemas.microsoft.com/office/drawing/2014/main" id="{CA1FAFFF-49E0-1334-AC31-A1CADA0CE206}"/>
+              </a:ext>
+            </a:extLst>
+          </p:cNvPr>
+          <p:cNvSpPr txBox="1"/>
+          <p:nvPr/>
+        </p:nvSpPr>
+        <p:spPr>
+          <a:xfrm>
+            <a:off x="1708894" y="3363802"/>
+            <a:ext cx="9347989" cy="464101"/>
+          </a:xfrm>
+          <a:prstGeom prst="rect">
+            <a:avLst/>
+          </a:prstGeom>
+          <a:noFill/>
+        </p:spPr>
+        <p:txBody>
+          <a:bodyPr wrap="square" rtlCol="0">
+            <a:spAutoFit/>
+          </a:bodyPr>
+          <a:lstStyle/>
+          <a:p>
+            <a:pPr>
+              <a:lnSpc>
+                <a:spcPct val="150000"/>
+              </a:lnSpc>
+            </a:pPr>
+            <a:r>
+              <a:rPr lang="en-CN" dirty="0"/>
+              <a:t>序列相同</a:t>
+            </a:r>
+            <a:r>
+              <a:rPr lang="zh-CN" altLang="en-US" dirty="0"/>
+              <a:t>，但注释的信息有差别，看起来像是不同软件做的结果放在了一起，没有合并</a:t>
+            </a:r>
+            <a:endParaRPr lang="en-CN" dirty="0"/>
+          </a:p>
+        </p:txBody>
+      </p:sp>
+      <p:sp>
+        <p:nvSpPr>
+          <p:cNvPr id="22" name="Rectangle 21">
+            <a:extLst>
+              <a:ext uri="{FF2B5EF4-FFF2-40B4-BE49-F238E27FC236}">
+                <a16:creationId xmlns:a16="http://schemas.microsoft.com/office/drawing/2014/main" id="{B4874FF2-5A58-A567-289B-AB38DC931C3A}"/>
+              </a:ext>
+            </a:extLst>
+          </p:cNvPr>
+          <p:cNvSpPr/>
+          <p:nvPr/>
+        </p:nvSpPr>
+        <p:spPr>
+          <a:xfrm>
+            <a:off x="3699641" y="4367605"/>
+            <a:ext cx="3447393" cy="531363"/>
+          </a:xfrm>
+          <a:prstGeom prst="rect">
+            <a:avLst/>
+          </a:prstGeom>
+          <a:noFill/>
+          <a:ln w="38100" cap="flat" cmpd="sng" algn="ctr">
+            <a:solidFill>
+              <a:schemeClr val="accent2"/>
+            </a:solidFill>
+            <a:prstDash val="solid"/>
+            <a:round/>
+            <a:headEnd type="none" w="med" len="med"/>
+            <a:tailEnd type="none" w="med" len="med"/>
+          </a:ln>
+        </p:spPr>
+        <p:style>
+          <a:lnRef idx="0">
+            <a:scrgbClr r="0" g="0" b="0"/>
+          </a:lnRef>
+          <a:fillRef idx="0">
+            <a:scrgbClr r="0" g="0" b="0"/>
+          </a:fillRef>
+          <a:effectRef idx="0">
+            <a:scrgbClr r="0" g="0" b="0"/>
+          </a:effectRef>
+          <a:fontRef idx="minor">
+            <a:schemeClr val="accent2"/>
+          </a:fontRef>
+        </p:style>
+        <p:txBody>
+          <a:bodyPr rtlCol="0" anchor="ctr"/>
+          <a:lstStyle/>
+          <a:p>
+            <a:pPr algn="ctr"/>
+            <a:endParaRPr lang="en-CN"/>
+          </a:p>
+        </p:txBody>
+      </p:sp>
+      <p:cxnSp>
+        <p:nvCxnSpPr>
+          <p:cNvPr id="23" name="Straight Arrow Connector 22">
+            <a:extLst>
+              <a:ext uri="{FF2B5EF4-FFF2-40B4-BE49-F238E27FC236}">
+                <a16:creationId xmlns:a16="http://schemas.microsoft.com/office/drawing/2014/main" id="{513FC081-6727-2EE8-0CDE-9E74ABA11D58}"/>
+              </a:ext>
+            </a:extLst>
+          </p:cNvPr>
+          <p:cNvCxnSpPr>
+            <a:cxnSpLocks/>
+          </p:cNvCxnSpPr>
+          <p:nvPr/>
+        </p:nvCxnSpPr>
+        <p:spPr>
+          <a:xfrm flipV="1">
+            <a:off x="5423337" y="3867808"/>
+            <a:ext cx="304801" cy="423938"/>
+          </a:xfrm>
+          <a:prstGeom prst="straightConnector1">
+            <a:avLst/>
+          </a:prstGeom>
+          <a:ln w="38100">
+            <a:solidFill>
+              <a:schemeClr val="accent2"/>
+            </a:solidFill>
+            <a:tailEnd type="triangle"/>
+          </a:ln>
+        </p:spPr>
+        <p:style>
+          <a:lnRef idx="3">
+            <a:schemeClr val="accent2"/>
+          </a:lnRef>
+          <a:fillRef idx="0">
+            <a:schemeClr val="accent2"/>
+          </a:fillRef>
+          <a:effectRef idx="2">
+            <a:schemeClr val="accent2"/>
+          </a:effectRef>
+          <a:fontRef idx="minor">
+            <a:schemeClr val="tx1"/>
+          </a:fontRef>
+        </p:style>
+      </p:cxnSp>
+    </p:spTree>
+    <p:extLst>
+      <p:ext uri="{BB962C8B-B14F-4D97-AF65-F5344CB8AC3E}">
+        <p14:creationId xmlns:p14="http://schemas.microsoft.com/office/powerpoint/2010/main" val="902515113"/>
+      </p:ext>
+    </p:extLst>
+  </p:cSld>
+  <p:clrMapOvr>
+    <a:masterClrMapping/>
+  </p:clrMapOvr>
+</p:sld>
+</file>
+
+<file path=ppt/slides/slide8.xml><?xml version="1.0" encoding="utf-8"?>
+<p:sld xmlns:a="http://schemas.openxmlformats.org/drawingml/2006/main" xmlns:r="http://schemas.openxmlformats.org/officeDocument/2006/relationships" xmlns:p="http://schemas.openxmlformats.org/presentationml/2006/main">
+  <p:cSld>
+    <p:spTree>
+      <p:nvGrpSpPr>
+        <p:cNvPr id="1" name=""/>
+        <p:cNvGrpSpPr/>
+        <p:nvPr/>
+      </p:nvGrpSpPr>
+      <p:grpSpPr>
+        <a:xfrm>
+          <a:off x="0" y="0"/>
+          <a:ext cx="0" cy="0"/>
+          <a:chOff x="0" y="0"/>
+          <a:chExt cx="0" cy="0"/>
+        </a:xfrm>
+      </p:grpSpPr>
+      <p:pic>
+        <p:nvPicPr>
+          <p:cNvPr id="25" name="Picture 24">
+            <a:extLst>
+              <a:ext uri="{FF2B5EF4-FFF2-40B4-BE49-F238E27FC236}">
+                <a16:creationId xmlns:a16="http://schemas.microsoft.com/office/drawing/2014/main" id="{1EE791BB-06A1-6A20-3DEA-6DBE9BB3C20D}"/>
+              </a:ext>
+            </a:extLst>
+          </p:cNvPr>
+          <p:cNvPicPr>
+            <a:picLocks noChangeAspect="1"/>
+          </p:cNvPicPr>
+          <p:nvPr/>
+        </p:nvPicPr>
+        <p:blipFill>
+          <a:blip r:embed="rId2"/>
+          <a:stretch>
+            <a:fillRect/>
+          </a:stretch>
+        </p:blipFill>
+        <p:spPr>
+          <a:xfrm>
+            <a:off x="2209800" y="924457"/>
+            <a:ext cx="7772400" cy="5009085"/>
+          </a:xfrm>
+          <a:prstGeom prst="rect">
+            <a:avLst/>
+          </a:prstGeom>
+        </p:spPr>
+      </p:pic>
+    </p:spTree>
+    <p:extLst>
+      <p:ext uri="{BB962C8B-B14F-4D97-AF65-F5344CB8AC3E}">
+        <p14:creationId xmlns:p14="http://schemas.microsoft.com/office/powerpoint/2010/main" val="143130777"/>
+      </p:ext>
+    </p:extLst>
+  </p:cSld>
+  <p:clrMapOvr>
+    <a:masterClrMapping/>
+  </p:clrMapOvr>
+</p:sld>
+</file>
+
 <file path=ppt/theme/theme1.xml><?xml version="1.0" encoding="utf-8"?>
 <a:theme xmlns:a="http://schemas.openxmlformats.org/drawingml/2006/main" name="Office Theme">
   <a:themeElements>

--- a/undergraduate/Presentation.pptx
+++ b/undergraduate/Presentation.pptx
@@ -296,7 +296,7 @@
           <a:p>
             <a:fld id="{57792C16-F24B-4F4E-9560-6BDEACC5E4F6}" type="datetimeFigureOut">
               <a:rPr lang="en-CN" smtClean="0"/>
-              <a:t>2024/1/15</a:t>
+              <a:t>01/16/2024</a:t>
             </a:fld>
             <a:endParaRPr lang="en-CN"/>
           </a:p>
@@ -496,7 +496,7 @@
           <a:p>
             <a:fld id="{57792C16-F24B-4F4E-9560-6BDEACC5E4F6}" type="datetimeFigureOut">
               <a:rPr lang="en-CN" smtClean="0"/>
-              <a:t>2024/1/15</a:t>
+              <a:t>01/16/2024</a:t>
             </a:fld>
             <a:endParaRPr lang="en-CN"/>
           </a:p>
@@ -706,7 +706,7 @@
           <a:p>
             <a:fld id="{57792C16-F24B-4F4E-9560-6BDEACC5E4F6}" type="datetimeFigureOut">
               <a:rPr lang="en-CN" smtClean="0"/>
-              <a:t>2024/1/15</a:t>
+              <a:t>01/16/2024</a:t>
             </a:fld>
             <a:endParaRPr lang="en-CN"/>
           </a:p>
@@ -906,7 +906,7 @@
           <a:p>
             <a:fld id="{57792C16-F24B-4F4E-9560-6BDEACC5E4F6}" type="datetimeFigureOut">
               <a:rPr lang="en-CN" smtClean="0"/>
-              <a:t>2024/1/15</a:t>
+              <a:t>01/16/2024</a:t>
             </a:fld>
             <a:endParaRPr lang="en-CN"/>
           </a:p>
@@ -1182,7 +1182,7 @@
           <a:p>
             <a:fld id="{57792C16-F24B-4F4E-9560-6BDEACC5E4F6}" type="datetimeFigureOut">
               <a:rPr lang="en-CN" smtClean="0"/>
-              <a:t>2024/1/15</a:t>
+              <a:t>01/16/2024</a:t>
             </a:fld>
             <a:endParaRPr lang="en-CN"/>
           </a:p>
@@ -1450,7 +1450,7 @@
           <a:p>
             <a:fld id="{57792C16-F24B-4F4E-9560-6BDEACC5E4F6}" type="datetimeFigureOut">
               <a:rPr lang="en-CN" smtClean="0"/>
-              <a:t>2024/1/15</a:t>
+              <a:t>01/16/2024</a:t>
             </a:fld>
             <a:endParaRPr lang="en-CN"/>
           </a:p>
@@ -1865,7 +1865,7 @@
           <a:p>
             <a:fld id="{57792C16-F24B-4F4E-9560-6BDEACC5E4F6}" type="datetimeFigureOut">
               <a:rPr lang="en-CN" smtClean="0"/>
-              <a:t>2024/1/15</a:t>
+              <a:t>01/16/2024</a:t>
             </a:fld>
             <a:endParaRPr lang="en-CN"/>
           </a:p>
@@ -2007,7 +2007,7 @@
           <a:p>
             <a:fld id="{57792C16-F24B-4F4E-9560-6BDEACC5E4F6}" type="datetimeFigureOut">
               <a:rPr lang="en-CN" smtClean="0"/>
-              <a:t>2024/1/15</a:t>
+              <a:t>01/16/2024</a:t>
             </a:fld>
             <a:endParaRPr lang="en-CN"/>
           </a:p>
@@ -2120,7 +2120,7 @@
           <a:p>
             <a:fld id="{57792C16-F24B-4F4E-9560-6BDEACC5E4F6}" type="datetimeFigureOut">
               <a:rPr lang="en-CN" smtClean="0"/>
-              <a:t>2024/1/15</a:t>
+              <a:t>01/16/2024</a:t>
             </a:fld>
             <a:endParaRPr lang="en-CN"/>
           </a:p>
@@ -2433,7 +2433,7 @@
           <a:p>
             <a:fld id="{57792C16-F24B-4F4E-9560-6BDEACC5E4F6}" type="datetimeFigureOut">
               <a:rPr lang="en-CN" smtClean="0"/>
-              <a:t>2024/1/15</a:t>
+              <a:t>01/16/2024</a:t>
             </a:fld>
             <a:endParaRPr lang="en-CN"/>
           </a:p>
@@ -2722,7 +2722,7 @@
           <a:p>
             <a:fld id="{57792C16-F24B-4F4E-9560-6BDEACC5E4F6}" type="datetimeFigureOut">
               <a:rPr lang="en-CN" smtClean="0"/>
-              <a:t>2024/1/15</a:t>
+              <a:t>01/16/2024</a:t>
             </a:fld>
             <a:endParaRPr lang="en-CN"/>
           </a:p>
@@ -2965,7 +2965,7 @@
           <a:p>
             <a:fld id="{57792C16-F24B-4F4E-9560-6BDEACC5E4F6}" type="datetimeFigureOut">
               <a:rPr lang="en-CN" smtClean="0"/>
-              <a:t>2024/1/15</a:t>
+              <a:t>01/16/2024</a:t>
             </a:fld>
             <a:endParaRPr lang="en-CN"/>
           </a:p>
@@ -12450,8 +12450,8 @@
         </p:blipFill>
         <p:spPr>
           <a:xfrm>
-            <a:off x="2209800" y="924457"/>
-            <a:ext cx="7772400" cy="5009085"/>
+            <a:off x="1716741" y="606695"/>
+            <a:ext cx="8758518" cy="5644609"/>
           </a:xfrm>
           <a:prstGeom prst="rect">
             <a:avLst/>

--- a/undergraduate/Presentation.pptx
+++ b/undergraduate/Presentation.pptx
@@ -8,11 +8,12 @@
     <p:sldId id="257" r:id="rId2"/>
     <p:sldId id="263" r:id="rId3"/>
     <p:sldId id="260" r:id="rId4"/>
-    <p:sldId id="264" r:id="rId5"/>
-    <p:sldId id="265" r:id="rId6"/>
-    <p:sldId id="267" r:id="rId7"/>
-    <p:sldId id="256" r:id="rId8"/>
-    <p:sldId id="268" r:id="rId9"/>
+    <p:sldId id="270" r:id="rId5"/>
+    <p:sldId id="269" r:id="rId6"/>
+    <p:sldId id="264" r:id="rId7"/>
+    <p:sldId id="267" r:id="rId8"/>
+    <p:sldId id="256" r:id="rId9"/>
+    <p:sldId id="268" r:id="rId10"/>
   </p:sldIdLst>
   <p:sldSz cx="12192000" cy="6858000"/>
   <p:notesSz cx="6858000" cy="9144000"/>
@@ -296,7 +297,7 @@
           <a:p>
             <a:fld id="{57792C16-F24B-4F4E-9560-6BDEACC5E4F6}" type="datetimeFigureOut">
               <a:rPr lang="en-CN" smtClean="0"/>
-              <a:t>2024/1/15</a:t>
+              <a:t>2024/1/18</a:t>
             </a:fld>
             <a:endParaRPr lang="en-CN"/>
           </a:p>
@@ -496,7 +497,7 @@
           <a:p>
             <a:fld id="{57792C16-F24B-4F4E-9560-6BDEACC5E4F6}" type="datetimeFigureOut">
               <a:rPr lang="en-CN" smtClean="0"/>
-              <a:t>2024/1/15</a:t>
+              <a:t>2024/1/18</a:t>
             </a:fld>
             <a:endParaRPr lang="en-CN"/>
           </a:p>
@@ -706,7 +707,7 @@
           <a:p>
             <a:fld id="{57792C16-F24B-4F4E-9560-6BDEACC5E4F6}" type="datetimeFigureOut">
               <a:rPr lang="en-CN" smtClean="0"/>
-              <a:t>2024/1/15</a:t>
+              <a:t>2024/1/18</a:t>
             </a:fld>
             <a:endParaRPr lang="en-CN"/>
           </a:p>
@@ -906,7 +907,7 @@
           <a:p>
             <a:fld id="{57792C16-F24B-4F4E-9560-6BDEACC5E4F6}" type="datetimeFigureOut">
               <a:rPr lang="en-CN" smtClean="0"/>
-              <a:t>2024/1/15</a:t>
+              <a:t>2024/1/18</a:t>
             </a:fld>
             <a:endParaRPr lang="en-CN"/>
           </a:p>
@@ -1182,7 +1183,7 @@
           <a:p>
             <a:fld id="{57792C16-F24B-4F4E-9560-6BDEACC5E4F6}" type="datetimeFigureOut">
               <a:rPr lang="en-CN" smtClean="0"/>
-              <a:t>2024/1/15</a:t>
+              <a:t>2024/1/18</a:t>
             </a:fld>
             <a:endParaRPr lang="en-CN"/>
           </a:p>
@@ -1450,7 +1451,7 @@
           <a:p>
             <a:fld id="{57792C16-F24B-4F4E-9560-6BDEACC5E4F6}" type="datetimeFigureOut">
               <a:rPr lang="en-CN" smtClean="0"/>
-              <a:t>2024/1/15</a:t>
+              <a:t>2024/1/18</a:t>
             </a:fld>
             <a:endParaRPr lang="en-CN"/>
           </a:p>
@@ -1865,7 +1866,7 @@
           <a:p>
             <a:fld id="{57792C16-F24B-4F4E-9560-6BDEACC5E4F6}" type="datetimeFigureOut">
               <a:rPr lang="en-CN" smtClean="0"/>
-              <a:t>2024/1/15</a:t>
+              <a:t>2024/1/18</a:t>
             </a:fld>
             <a:endParaRPr lang="en-CN"/>
           </a:p>
@@ -2007,7 +2008,7 @@
           <a:p>
             <a:fld id="{57792C16-F24B-4F4E-9560-6BDEACC5E4F6}" type="datetimeFigureOut">
               <a:rPr lang="en-CN" smtClean="0"/>
-              <a:t>2024/1/15</a:t>
+              <a:t>2024/1/18</a:t>
             </a:fld>
             <a:endParaRPr lang="en-CN"/>
           </a:p>
@@ -2120,7 +2121,7 @@
           <a:p>
             <a:fld id="{57792C16-F24B-4F4E-9560-6BDEACC5E4F6}" type="datetimeFigureOut">
               <a:rPr lang="en-CN" smtClean="0"/>
-              <a:t>2024/1/15</a:t>
+              <a:t>2024/1/18</a:t>
             </a:fld>
             <a:endParaRPr lang="en-CN"/>
           </a:p>
@@ -2433,7 +2434,7 @@
           <a:p>
             <a:fld id="{57792C16-F24B-4F4E-9560-6BDEACC5E4F6}" type="datetimeFigureOut">
               <a:rPr lang="en-CN" smtClean="0"/>
-              <a:t>2024/1/15</a:t>
+              <a:t>2024/1/18</a:t>
             </a:fld>
             <a:endParaRPr lang="en-CN"/>
           </a:p>
@@ -2722,7 +2723,7 @@
           <a:p>
             <a:fld id="{57792C16-F24B-4F4E-9560-6BDEACC5E4F6}" type="datetimeFigureOut">
               <a:rPr lang="en-CN" smtClean="0"/>
-              <a:t>2024/1/15</a:t>
+              <a:t>2024/1/18</a:t>
             </a:fld>
             <a:endParaRPr lang="en-CN"/>
           </a:p>
@@ -2965,7 +2966,7 @@
           <a:p>
             <a:fld id="{57792C16-F24B-4F4E-9560-6BDEACC5E4F6}" type="datetimeFigureOut">
               <a:rPr lang="en-CN" smtClean="0"/>
-              <a:t>2024/1/15</a:t>
+              <a:t>2024/1/18</a:t>
             </a:fld>
             <a:endParaRPr lang="en-CN"/>
           </a:p>
@@ -4076,15 +4077,15 @@
         </p:nvSpPr>
         <p:spPr>
           <a:xfrm>
-            <a:off x="688059" y="1621443"/>
-            <a:ext cx="3651026" cy="2605833"/>
+            <a:off x="688059" y="1210859"/>
+            <a:ext cx="3651026" cy="3016417"/>
           </a:xfrm>
           <a:prstGeom prst="rightArrowCallout">
             <a:avLst>
               <a:gd name="adj1" fmla="val 13055"/>
               <a:gd name="adj2" fmla="val 13019"/>
               <a:gd name="adj3" fmla="val 17813"/>
-              <a:gd name="adj4" fmla="val 55166"/>
+              <a:gd name="adj4" fmla="val 58744"/>
             </a:avLst>
           </a:prstGeom>
         </p:spPr>
@@ -4106,7 +4107,11 @@
           <a:bodyPr rtlCol="0" anchor="ctr"/>
           <a:lstStyle/>
           <a:p>
-            <a:pPr algn="ctr"/>
+            <a:pPr algn="ctr">
+              <a:lnSpc>
+                <a:spcPct val="120000"/>
+              </a:lnSpc>
+            </a:pPr>
             <a:r>
               <a:rPr lang="en-CN" sz="1600" b="1" dirty="0"/>
               <a:t>TE detectiing Tools: </a:t>
@@ -4114,26 +4119,94 @@
           </a:p>
           <a:p>
             <a:pPr marL="285750" indent="-285750">
+              <a:lnSpc>
+                <a:spcPct val="120000"/>
+              </a:lnSpc>
+              <a:buFont typeface="Arial" panose="020B0604020202020204" pitchFamily="34" charset="0"/>
+              <a:buChar char="•"/>
+            </a:pPr>
+            <a:r>
+              <a:rPr lang="en-US" sz="1600" dirty="0" err="1"/>
+              <a:t>LTR_Harvest</a:t>
+            </a:r>
+            <a:endParaRPr lang="en-US" sz="1600" dirty="0"/>
+          </a:p>
+          <a:p>
+            <a:pPr marL="285750" indent="-285750">
+              <a:lnSpc>
+                <a:spcPct val="120000"/>
+              </a:lnSpc>
+              <a:buFont typeface="Arial" panose="020B0604020202020204" pitchFamily="34" charset="0"/>
+              <a:buChar char="•"/>
+            </a:pPr>
+            <a:r>
+              <a:rPr lang="en-US" sz="1600" dirty="0" err="1"/>
+              <a:t>LTR_Finder</a:t>
+            </a:r>
+            <a:endParaRPr lang="en-US" sz="1600" dirty="0"/>
+          </a:p>
+          <a:p>
+            <a:pPr marL="285750" indent="-285750">
+              <a:lnSpc>
+                <a:spcPct val="120000"/>
+              </a:lnSpc>
+              <a:buFont typeface="Arial" panose="020B0604020202020204" pitchFamily="34" charset="0"/>
+              <a:buChar char="•"/>
+            </a:pPr>
+            <a:r>
+              <a:rPr lang="en-US" sz="1600" dirty="0" err="1"/>
+              <a:t>RepeatMasker</a:t>
+            </a:r>
+            <a:endParaRPr lang="en-US" sz="1600" dirty="0"/>
+          </a:p>
+          <a:p>
+            <a:pPr marL="285750" indent="-285750">
+              <a:lnSpc>
+                <a:spcPct val="120000"/>
+              </a:lnSpc>
               <a:buFont typeface="Arial" panose="020B0604020202020204" pitchFamily="34" charset="0"/>
               <a:buChar char="•"/>
             </a:pPr>
             <a:r>
               <a:rPr lang="en-US" sz="1600" dirty="0"/>
-              <a:t>Censor</a:t>
+              <a:t>TIR-Learner</a:t>
             </a:r>
           </a:p>
           <a:p>
             <a:pPr marL="285750" indent="-285750">
+              <a:lnSpc>
+                <a:spcPct val="120000"/>
+              </a:lnSpc>
+              <a:buFont typeface="Arial" panose="020B0604020202020204" pitchFamily="34" charset="0"/>
+              <a:buChar char="•"/>
+            </a:pPr>
+            <a:r>
+              <a:rPr lang="en-US" sz="1600" dirty="0" err="1"/>
+              <a:t>HelitronScanner</a:t>
+            </a:r>
+            <a:r>
+              <a:rPr lang="en-US" sz="1600" dirty="0"/>
+              <a:t> </a:t>
+            </a:r>
+          </a:p>
+          <a:p>
+            <a:pPr marL="285750" indent="-285750">
+              <a:lnSpc>
+                <a:spcPct val="120000"/>
+              </a:lnSpc>
               <a:buFont typeface="Arial" panose="020B0604020202020204" pitchFamily="34" charset="0"/>
               <a:buChar char="•"/>
             </a:pPr>
             <a:r>
               <a:rPr lang="en-US" sz="1600" dirty="0"/>
-              <a:t>LTR Finder</a:t>
+              <a:t>RECON</a:t>
             </a:r>
           </a:p>
           <a:p>
             <a:pPr marL="285750" indent="-285750">
+              <a:lnSpc>
+                <a:spcPct val="120000"/>
+              </a:lnSpc>
               <a:buFont typeface="Arial" panose="020B0604020202020204" pitchFamily="34" charset="0"/>
               <a:buChar char="•"/>
             </a:pPr>
@@ -4144,43 +4217,15 @@
           </a:p>
           <a:p>
             <a:pPr marL="285750" indent="-285750">
+              <a:lnSpc>
+                <a:spcPct val="120000"/>
+              </a:lnSpc>
               <a:buFont typeface="Arial" panose="020B0604020202020204" pitchFamily="34" charset="0"/>
               <a:buChar char="•"/>
             </a:pPr>
             <a:r>
               <a:rPr lang="en-US" sz="1600" dirty="0"/>
-              <a:t>Repeat Masker</a:t>
-            </a:r>
-          </a:p>
-          <a:p>
-            <a:pPr marL="285750" indent="-285750">
-              <a:buFont typeface="Arial" panose="020B0604020202020204" pitchFamily="34" charset="0"/>
-              <a:buChar char="•"/>
-            </a:pPr>
-            <a:r>
-              <a:rPr lang="en-US" sz="1600" dirty="0" err="1"/>
-              <a:t>INSurVeyor</a:t>
-            </a:r>
-            <a:endParaRPr lang="en-US" sz="1600" dirty="0"/>
-          </a:p>
-          <a:p>
-            <a:pPr marL="285750" indent="-285750">
-              <a:buFont typeface="Arial" panose="020B0604020202020204" pitchFamily="34" charset="0"/>
-              <a:buChar char="•"/>
-            </a:pPr>
-            <a:r>
-              <a:rPr lang="en-US" sz="1600" dirty="0"/>
-              <a:t>RepeatModeler2</a:t>
-            </a:r>
-          </a:p>
-          <a:p>
-            <a:pPr marL="285750" indent="-285750">
-              <a:buFont typeface="Arial" panose="020B0604020202020204" pitchFamily="34" charset="0"/>
-              <a:buChar char="•"/>
-            </a:pPr>
-            <a:r>
-              <a:rPr lang="en-US" sz="1600" dirty="0"/>
-              <a:t>TIR-Learner</a:t>
+              <a:t>MITE-Hunter</a:t>
             </a:r>
             <a:endParaRPr lang="en-CN" sz="1600" dirty="0"/>
           </a:p>
@@ -4919,7 +4964,1742 @@
             </a:pPr>
             <a:r>
               <a:rPr lang="en-CN" sz="3200" b="1" dirty="0"/>
-              <a:t>Propose</a:t>
+              <a:t>TE library</a:t>
+            </a:r>
+          </a:p>
+        </p:txBody>
+      </p:sp>
+      <p:sp>
+        <p:nvSpPr>
+          <p:cNvPr id="3" name="TextBox 2">
+            <a:extLst>
+              <a:ext uri="{FF2B5EF4-FFF2-40B4-BE49-F238E27FC236}">
+                <a16:creationId xmlns:a16="http://schemas.microsoft.com/office/drawing/2014/main" id="{265B1143-B0C2-DB31-9475-488F266CAFEC}"/>
+              </a:ext>
+            </a:extLst>
+          </p:cNvPr>
+          <p:cNvSpPr txBox="1"/>
+          <p:nvPr/>
+        </p:nvSpPr>
+        <p:spPr>
+          <a:xfrm>
+            <a:off x="720000" y="929838"/>
+            <a:ext cx="2985938" cy="338554"/>
+          </a:xfrm>
+          <a:prstGeom prst="rect">
+            <a:avLst/>
+          </a:prstGeom>
+          <a:noFill/>
+        </p:spPr>
+        <p:txBody>
+          <a:bodyPr wrap="square" rtlCol="0">
+            <a:spAutoFit/>
+          </a:bodyPr>
+          <a:lstStyle/>
+          <a:p>
+            <a:r>
+              <a:rPr lang="en-US" sz="1600" b="1" dirty="0"/>
+              <a:t>1. Curated TE library</a:t>
+            </a:r>
+            <a:endParaRPr lang="en-CN" sz="1600" b="1" dirty="0"/>
+          </a:p>
+        </p:txBody>
+      </p:sp>
+      <p:graphicFrame>
+        <p:nvGraphicFramePr>
+          <p:cNvPr id="5" name="Table 4">
+            <a:extLst>
+              <a:ext uri="{FF2B5EF4-FFF2-40B4-BE49-F238E27FC236}">
+                <a16:creationId xmlns:a16="http://schemas.microsoft.com/office/drawing/2014/main" id="{4BFC5091-AB00-872C-7556-1AD7FCDB631C}"/>
+              </a:ext>
+            </a:extLst>
+          </p:cNvPr>
+          <p:cNvGraphicFramePr>
+            <a:graphicFrameLocks noGrp="1"/>
+          </p:cNvGraphicFramePr>
+          <p:nvPr>
+            <p:extLst>
+              <p:ext uri="{D42A27DB-BD31-4B8C-83A1-F6EECF244321}">
+                <p14:modId xmlns:p14="http://schemas.microsoft.com/office/powerpoint/2010/main" val="1193399538"/>
+              </p:ext>
+            </p:extLst>
+          </p:nvPr>
+        </p:nvGraphicFramePr>
+        <p:xfrm>
+          <a:off x="720000" y="1423514"/>
+          <a:ext cx="4778382" cy="2315726"/>
+        </p:xfrm>
+        <a:graphic>
+          <a:graphicData uri="http://schemas.openxmlformats.org/drawingml/2006/table">
+            <a:tbl>
+              <a:tblPr/>
+              <a:tblGrid>
+                <a:gridCol w="1263584">
+                  <a:extLst>
+                    <a:ext uri="{9D8B030D-6E8A-4147-A177-3AD203B41FA5}">
+                      <a16:colId xmlns:a16="http://schemas.microsoft.com/office/drawing/2014/main" val="3318525328"/>
+                    </a:ext>
+                  </a:extLst>
+                </a:gridCol>
+                <a:gridCol w="2251214">
+                  <a:extLst>
+                    <a:ext uri="{9D8B030D-6E8A-4147-A177-3AD203B41FA5}">
+                      <a16:colId xmlns:a16="http://schemas.microsoft.com/office/drawing/2014/main" val="1760817565"/>
+                    </a:ext>
+                  </a:extLst>
+                </a:gridCol>
+                <a:gridCol w="1263584">
+                  <a:extLst>
+                    <a:ext uri="{9D8B030D-6E8A-4147-A177-3AD203B41FA5}">
+                      <a16:colId xmlns:a16="http://schemas.microsoft.com/office/drawing/2014/main" val="1556031650"/>
+                    </a:ext>
+                  </a:extLst>
+                </a:gridCol>
+              </a:tblGrid>
+              <a:tr h="330818">
+                <a:tc>
+                  <a:txBody>
+                    <a:bodyPr/>
+                    <a:lstStyle/>
+                    <a:p>
+                      <a:pPr algn="ctr" fontAlgn="ctr">
+                        <a:lnSpc>
+                          <a:spcPct val="100000"/>
+                        </a:lnSpc>
+                      </a:pPr>
+                      <a:r>
+                        <a:rPr lang="en-US" sz="1600" b="1" i="0" u="none" strike="noStrike" dirty="0">
+                          <a:solidFill>
+                            <a:srgbClr val="000000"/>
+                          </a:solidFill>
+                          <a:effectLst/>
+                          <a:latin typeface="Calibri" panose="020F0502020204030204" pitchFamily="34" charset="0"/>
+                        </a:rPr>
+                        <a:t>Source</a:t>
+                      </a:r>
+                    </a:p>
+                  </a:txBody>
+                  <a:tcPr marL="9525" marR="9525" marT="9525" marB="0" anchor="ctr">
+                    <a:lnL>
+                      <a:noFill/>
+                    </a:lnL>
+                    <a:lnR w="12700" cap="flat" cmpd="sng" algn="ctr">
+                      <a:solidFill>
+                        <a:schemeClr val="tx1"/>
+                      </a:solidFill>
+                      <a:prstDash val="solid"/>
+                      <a:round/>
+                      <a:headEnd type="none" w="med" len="med"/>
+                      <a:tailEnd type="none" w="med" len="med"/>
+                    </a:lnR>
+                    <a:lnT>
+                      <a:noFill/>
+                    </a:lnT>
+                    <a:lnB w="12700" cap="flat" cmpd="sng" algn="ctr">
+                      <a:solidFill>
+                        <a:schemeClr val="tx1"/>
+                      </a:solidFill>
+                      <a:prstDash val="solid"/>
+                      <a:round/>
+                      <a:headEnd type="none" w="med" len="med"/>
+                      <a:tailEnd type="none" w="med" len="med"/>
+                    </a:lnB>
+                    <a:noFill/>
+                  </a:tcPr>
+                </a:tc>
+                <a:tc>
+                  <a:txBody>
+                    <a:bodyPr/>
+                    <a:lstStyle/>
+                    <a:p>
+                      <a:pPr algn="ctr" fontAlgn="ctr">
+                        <a:lnSpc>
+                          <a:spcPct val="100000"/>
+                        </a:lnSpc>
+                      </a:pPr>
+                      <a:r>
+                        <a:rPr lang="en-US" sz="1600" b="1" i="1" u="none" strike="noStrike" dirty="0">
+                          <a:solidFill>
+                            <a:srgbClr val="000000"/>
+                          </a:solidFill>
+                          <a:effectLst/>
+                          <a:latin typeface="Calibri" panose="020F0502020204030204" pitchFamily="34" charset="0"/>
+                        </a:rPr>
+                        <a:t>Species</a:t>
+                      </a:r>
+                    </a:p>
+                  </a:txBody>
+                  <a:tcPr marL="9525" marR="9525" marT="9525" marB="0" anchor="ctr">
+                    <a:lnL w="12700" cap="flat" cmpd="sng" algn="ctr">
+                      <a:solidFill>
+                        <a:schemeClr val="tx1"/>
+                      </a:solidFill>
+                      <a:prstDash val="solid"/>
+                      <a:round/>
+                      <a:headEnd type="none" w="med" len="med"/>
+                      <a:tailEnd type="none" w="med" len="med"/>
+                    </a:lnL>
+                    <a:lnR>
+                      <a:noFill/>
+                    </a:lnR>
+                    <a:lnT>
+                      <a:noFill/>
+                    </a:lnT>
+                    <a:lnB w="12700" cap="flat" cmpd="sng" algn="ctr">
+                      <a:solidFill>
+                        <a:schemeClr val="tx1"/>
+                      </a:solidFill>
+                      <a:prstDash val="solid"/>
+                      <a:round/>
+                      <a:headEnd type="none" w="med" len="med"/>
+                      <a:tailEnd type="none" w="med" len="med"/>
+                    </a:lnB>
+                    <a:noFill/>
+                  </a:tcPr>
+                </a:tc>
+                <a:tc>
+                  <a:txBody>
+                    <a:bodyPr/>
+                    <a:lstStyle/>
+                    <a:p>
+                      <a:pPr algn="ctr" fontAlgn="ctr">
+                        <a:lnSpc>
+                          <a:spcPct val="100000"/>
+                        </a:lnSpc>
+                      </a:pPr>
+                      <a:r>
+                        <a:rPr lang="en-US" sz="1600" b="1" i="0" u="none" strike="noStrike" dirty="0">
+                          <a:solidFill>
+                            <a:srgbClr val="000000"/>
+                          </a:solidFill>
+                          <a:effectLst/>
+                          <a:latin typeface="Calibri" panose="020F0502020204030204" pitchFamily="34" charset="0"/>
+                        </a:rPr>
+                        <a:t>number</a:t>
+                      </a:r>
+                    </a:p>
+                  </a:txBody>
+                  <a:tcPr marL="9525" marR="9525" marT="9525" marB="0" anchor="ctr">
+                    <a:lnL>
+                      <a:noFill/>
+                    </a:lnL>
+                    <a:lnR>
+                      <a:noFill/>
+                    </a:lnR>
+                    <a:lnT>
+                      <a:noFill/>
+                    </a:lnT>
+                    <a:lnB w="12700" cap="flat" cmpd="sng" algn="ctr">
+                      <a:solidFill>
+                        <a:schemeClr val="tx1"/>
+                      </a:solidFill>
+                      <a:prstDash val="solid"/>
+                      <a:round/>
+                      <a:headEnd type="none" w="med" len="med"/>
+                      <a:tailEnd type="none" w="med" len="med"/>
+                    </a:lnB>
+                    <a:noFill/>
+                  </a:tcPr>
+                </a:tc>
+                <a:extLst>
+                  <a:ext uri="{0D108BD9-81ED-4DB2-BD59-A6C34878D82A}">
+                    <a16:rowId xmlns:a16="http://schemas.microsoft.com/office/drawing/2014/main" val="1774768762"/>
+                  </a:ext>
+                </a:extLst>
+              </a:tr>
+              <a:tr h="330818">
+                <a:tc rowSpan="6">
+                  <a:txBody>
+                    <a:bodyPr/>
+                    <a:lstStyle/>
+                    <a:p>
+                      <a:pPr algn="ctr" fontAlgn="ctr">
+                        <a:lnSpc>
+                          <a:spcPct val="100000"/>
+                        </a:lnSpc>
+                      </a:pPr>
+                      <a:r>
+                        <a:rPr lang="en-US" sz="1600" b="0" i="0" u="none" strike="noStrike" dirty="0">
+                          <a:solidFill>
+                            <a:srgbClr val="000000"/>
+                          </a:solidFill>
+                          <a:effectLst/>
+                          <a:latin typeface="Calibri" panose="020F0502020204030204" pitchFamily="34" charset="0"/>
+                        </a:rPr>
+                        <a:t>TREP v.19</a:t>
+                      </a:r>
+                    </a:p>
+                  </a:txBody>
+                  <a:tcPr marL="9525" marR="9525" marT="9525" marB="0" anchor="ctr">
+                    <a:lnL>
+                      <a:noFill/>
+                    </a:lnL>
+                    <a:lnR w="12700" cap="flat" cmpd="sng" algn="ctr">
+                      <a:solidFill>
+                        <a:schemeClr val="tx1"/>
+                      </a:solidFill>
+                      <a:prstDash val="solid"/>
+                      <a:round/>
+                      <a:headEnd type="none" w="med" len="med"/>
+                      <a:tailEnd type="none" w="med" len="med"/>
+                    </a:lnR>
+                    <a:lnT w="12700" cap="flat" cmpd="sng" algn="ctr">
+                      <a:solidFill>
+                        <a:schemeClr val="tx1"/>
+                      </a:solidFill>
+                      <a:prstDash val="solid"/>
+                      <a:round/>
+                      <a:headEnd type="none" w="med" len="med"/>
+                      <a:tailEnd type="none" w="med" len="med"/>
+                    </a:lnT>
+                    <a:lnB>
+                      <a:noFill/>
+                    </a:lnB>
+                    <a:noFill/>
+                  </a:tcPr>
+                </a:tc>
+                <a:tc>
+                  <a:txBody>
+                    <a:bodyPr/>
+                    <a:lstStyle/>
+                    <a:p>
+                      <a:pPr algn="ctr" fontAlgn="ctr">
+                        <a:lnSpc>
+                          <a:spcPct val="100000"/>
+                        </a:lnSpc>
+                      </a:pPr>
+                      <a:r>
+                        <a:rPr lang="en-US" sz="1600" b="0" i="1" u="none" strike="noStrike" dirty="0">
+                          <a:solidFill>
+                            <a:srgbClr val="000000"/>
+                          </a:solidFill>
+                          <a:effectLst/>
+                          <a:latin typeface="Calibri" panose="020F0502020204030204" pitchFamily="34" charset="0"/>
+                        </a:rPr>
+                        <a:t>Triticum </a:t>
+                      </a:r>
+                      <a:r>
+                        <a:rPr lang="en-US" sz="1600" b="0" i="1" u="none" strike="noStrike" dirty="0" err="1">
+                          <a:solidFill>
+                            <a:srgbClr val="000000"/>
+                          </a:solidFill>
+                          <a:effectLst/>
+                          <a:latin typeface="Calibri" panose="020F0502020204030204" pitchFamily="34" charset="0"/>
+                        </a:rPr>
+                        <a:t>monococcum</a:t>
+                      </a:r>
+                      <a:endParaRPr lang="en-US" sz="1600" b="0" i="1" u="none" strike="noStrike" dirty="0">
+                        <a:solidFill>
+                          <a:srgbClr val="000000"/>
+                        </a:solidFill>
+                        <a:effectLst/>
+                        <a:latin typeface="Calibri" panose="020F0502020204030204" pitchFamily="34" charset="0"/>
+                      </a:endParaRPr>
+                    </a:p>
+                  </a:txBody>
+                  <a:tcPr marL="9525" marR="9525" marT="9525" marB="0" anchor="ctr">
+                    <a:lnL w="12700" cap="flat" cmpd="sng" algn="ctr">
+                      <a:solidFill>
+                        <a:schemeClr val="tx1"/>
+                      </a:solidFill>
+                      <a:prstDash val="solid"/>
+                      <a:round/>
+                      <a:headEnd type="none" w="med" len="med"/>
+                      <a:tailEnd type="none" w="med" len="med"/>
+                    </a:lnL>
+                    <a:lnR>
+                      <a:noFill/>
+                    </a:lnR>
+                    <a:lnT w="12700" cap="flat" cmpd="sng" algn="ctr">
+                      <a:solidFill>
+                        <a:schemeClr val="tx1"/>
+                      </a:solidFill>
+                      <a:prstDash val="solid"/>
+                      <a:round/>
+                      <a:headEnd type="none" w="med" len="med"/>
+                      <a:tailEnd type="none" w="med" len="med"/>
+                    </a:lnT>
+                    <a:lnB>
+                      <a:noFill/>
+                    </a:lnB>
+                    <a:noFill/>
+                  </a:tcPr>
+                </a:tc>
+                <a:tc>
+                  <a:txBody>
+                    <a:bodyPr/>
+                    <a:lstStyle/>
+                    <a:p>
+                      <a:pPr algn="ctr" fontAlgn="ctr">
+                        <a:lnSpc>
+                          <a:spcPct val="100000"/>
+                        </a:lnSpc>
+                      </a:pPr>
+                      <a:r>
+                        <a:rPr lang="en-CN" sz="1600" b="0" i="0" u="none" strike="noStrike" dirty="0">
+                          <a:solidFill>
+                            <a:srgbClr val="000000"/>
+                          </a:solidFill>
+                          <a:effectLst/>
+                          <a:latin typeface="Calibri" panose="020F0502020204030204" pitchFamily="34" charset="0"/>
+                        </a:rPr>
+                        <a:t>169</a:t>
+                      </a:r>
+                    </a:p>
+                  </a:txBody>
+                  <a:tcPr marL="9525" marR="9525" marT="9525" marB="0" anchor="ctr">
+                    <a:lnL>
+                      <a:noFill/>
+                    </a:lnL>
+                    <a:lnR>
+                      <a:noFill/>
+                    </a:lnR>
+                    <a:lnT w="12700" cap="flat" cmpd="sng" algn="ctr">
+                      <a:solidFill>
+                        <a:schemeClr val="tx1"/>
+                      </a:solidFill>
+                      <a:prstDash val="solid"/>
+                      <a:round/>
+                      <a:headEnd type="none" w="med" len="med"/>
+                      <a:tailEnd type="none" w="med" len="med"/>
+                    </a:lnT>
+                    <a:lnB>
+                      <a:noFill/>
+                    </a:lnB>
+                    <a:noFill/>
+                  </a:tcPr>
+                </a:tc>
+                <a:extLst>
+                  <a:ext uri="{0D108BD9-81ED-4DB2-BD59-A6C34878D82A}">
+                    <a16:rowId xmlns:a16="http://schemas.microsoft.com/office/drawing/2014/main" val="3699503532"/>
+                  </a:ext>
+                </a:extLst>
+              </a:tr>
+              <a:tr h="330818">
+                <a:tc vMerge="1">
+                  <a:txBody>
+                    <a:bodyPr/>
+                    <a:lstStyle/>
+                    <a:p>
+                      <a:endParaRPr lang="en-CN"/>
+                    </a:p>
+                  </a:txBody>
+                  <a:tcPr>
+                    <a:lnT w="12700" cmpd="sng">
+                      <a:noFill/>
+                      <a:prstDash val="solid"/>
+                    </a:lnT>
+                  </a:tcPr>
+                </a:tc>
+                <a:tc>
+                  <a:txBody>
+                    <a:bodyPr/>
+                    <a:lstStyle/>
+                    <a:p>
+                      <a:pPr algn="ctr" fontAlgn="ctr">
+                        <a:lnSpc>
+                          <a:spcPct val="100000"/>
+                        </a:lnSpc>
+                      </a:pPr>
+                      <a:r>
+                        <a:rPr lang="en-US" sz="1600" b="0" i="1" u="none" strike="noStrike" dirty="0">
+                          <a:solidFill>
+                            <a:srgbClr val="000000"/>
+                          </a:solidFill>
+                          <a:effectLst/>
+                          <a:latin typeface="Calibri" panose="020F0502020204030204" pitchFamily="34" charset="0"/>
+                        </a:rPr>
+                        <a:t>Triticum </a:t>
+                      </a:r>
+                      <a:r>
+                        <a:rPr lang="en-US" sz="1600" b="0" i="1" u="none" strike="noStrike" dirty="0" err="1">
+                          <a:solidFill>
+                            <a:srgbClr val="000000"/>
+                          </a:solidFill>
+                          <a:effectLst/>
+                          <a:latin typeface="Calibri" panose="020F0502020204030204" pitchFamily="34" charset="0"/>
+                        </a:rPr>
+                        <a:t>urartu</a:t>
+                      </a:r>
+                      <a:endParaRPr lang="en-US" sz="1600" b="0" i="1" u="none" strike="noStrike" dirty="0">
+                        <a:solidFill>
+                          <a:srgbClr val="000000"/>
+                        </a:solidFill>
+                        <a:effectLst/>
+                        <a:latin typeface="Calibri" panose="020F0502020204030204" pitchFamily="34" charset="0"/>
+                      </a:endParaRPr>
+                    </a:p>
+                  </a:txBody>
+                  <a:tcPr marL="9525" marR="9525" marT="9525" marB="0" anchor="ctr">
+                    <a:lnL w="12700" cap="flat" cmpd="sng" algn="ctr">
+                      <a:solidFill>
+                        <a:schemeClr val="tx1"/>
+                      </a:solidFill>
+                      <a:prstDash val="solid"/>
+                      <a:round/>
+                      <a:headEnd type="none" w="med" len="med"/>
+                      <a:tailEnd type="none" w="med" len="med"/>
+                    </a:lnL>
+                    <a:lnR>
+                      <a:noFill/>
+                    </a:lnR>
+                    <a:lnT>
+                      <a:noFill/>
+                    </a:lnT>
+                    <a:lnB>
+                      <a:noFill/>
+                    </a:lnB>
+                    <a:noFill/>
+                  </a:tcPr>
+                </a:tc>
+                <a:tc>
+                  <a:txBody>
+                    <a:bodyPr/>
+                    <a:lstStyle/>
+                    <a:p>
+                      <a:pPr algn="ctr" fontAlgn="ctr">
+                        <a:lnSpc>
+                          <a:spcPct val="100000"/>
+                        </a:lnSpc>
+                      </a:pPr>
+                      <a:r>
+                        <a:rPr lang="en-CN" sz="1600" b="0" i="0" u="none" strike="noStrike" dirty="0">
+                          <a:solidFill>
+                            <a:srgbClr val="000000"/>
+                          </a:solidFill>
+                          <a:effectLst/>
+                          <a:latin typeface="Calibri" panose="020F0502020204030204" pitchFamily="34" charset="0"/>
+                        </a:rPr>
+                        <a:t>22</a:t>
+                      </a:r>
+                    </a:p>
+                  </a:txBody>
+                  <a:tcPr marL="9525" marR="9525" marT="9525" marB="0" anchor="ctr">
+                    <a:lnL>
+                      <a:noFill/>
+                    </a:lnL>
+                    <a:lnR>
+                      <a:noFill/>
+                    </a:lnR>
+                    <a:lnT>
+                      <a:noFill/>
+                    </a:lnT>
+                    <a:lnB>
+                      <a:noFill/>
+                    </a:lnB>
+                    <a:noFill/>
+                  </a:tcPr>
+                </a:tc>
+                <a:extLst>
+                  <a:ext uri="{0D108BD9-81ED-4DB2-BD59-A6C34878D82A}">
+                    <a16:rowId xmlns:a16="http://schemas.microsoft.com/office/drawing/2014/main" val="3671795532"/>
+                  </a:ext>
+                </a:extLst>
+              </a:tr>
+              <a:tr h="330818">
+                <a:tc vMerge="1">
+                  <a:txBody>
+                    <a:bodyPr/>
+                    <a:lstStyle/>
+                    <a:p>
+                      <a:endParaRPr lang="en-CN"/>
+                    </a:p>
+                  </a:txBody>
+                  <a:tcPr/>
+                </a:tc>
+                <a:tc>
+                  <a:txBody>
+                    <a:bodyPr/>
+                    <a:lstStyle/>
+                    <a:p>
+                      <a:pPr algn="ctr" fontAlgn="ctr">
+                        <a:lnSpc>
+                          <a:spcPct val="100000"/>
+                        </a:lnSpc>
+                      </a:pPr>
+                      <a:r>
+                        <a:rPr lang="en-US" sz="1600" b="0" i="1" u="none" strike="noStrike" dirty="0">
+                          <a:solidFill>
+                            <a:srgbClr val="000000"/>
+                          </a:solidFill>
+                          <a:effectLst/>
+                          <a:latin typeface="Calibri" panose="020F0502020204030204" pitchFamily="34" charset="0"/>
+                        </a:rPr>
+                        <a:t>Aegilops </a:t>
+                      </a:r>
+                      <a:r>
+                        <a:rPr lang="en-US" sz="1600" b="0" i="1" u="none" strike="noStrike" dirty="0" err="1">
+                          <a:solidFill>
+                            <a:srgbClr val="000000"/>
+                          </a:solidFill>
+                          <a:effectLst/>
+                          <a:latin typeface="Calibri" panose="020F0502020204030204" pitchFamily="34" charset="0"/>
+                        </a:rPr>
+                        <a:t>tauschii</a:t>
+                      </a:r>
+                      <a:endParaRPr lang="en-US" sz="1600" b="0" i="1" u="none" strike="noStrike" dirty="0">
+                        <a:solidFill>
+                          <a:srgbClr val="000000"/>
+                        </a:solidFill>
+                        <a:effectLst/>
+                        <a:latin typeface="Calibri" panose="020F0502020204030204" pitchFamily="34" charset="0"/>
+                      </a:endParaRPr>
+                    </a:p>
+                  </a:txBody>
+                  <a:tcPr marL="9525" marR="9525" marT="9525" marB="0" anchor="ctr">
+                    <a:lnL w="12700" cap="flat" cmpd="sng" algn="ctr">
+                      <a:solidFill>
+                        <a:schemeClr val="tx1"/>
+                      </a:solidFill>
+                      <a:prstDash val="solid"/>
+                      <a:round/>
+                      <a:headEnd type="none" w="med" len="med"/>
+                      <a:tailEnd type="none" w="med" len="med"/>
+                    </a:lnL>
+                    <a:lnR>
+                      <a:noFill/>
+                    </a:lnR>
+                    <a:lnT>
+                      <a:noFill/>
+                    </a:lnT>
+                    <a:lnB>
+                      <a:noFill/>
+                    </a:lnB>
+                    <a:noFill/>
+                  </a:tcPr>
+                </a:tc>
+                <a:tc>
+                  <a:txBody>
+                    <a:bodyPr/>
+                    <a:lstStyle/>
+                    <a:p>
+                      <a:pPr algn="ctr" fontAlgn="ctr">
+                        <a:lnSpc>
+                          <a:spcPct val="100000"/>
+                        </a:lnSpc>
+                      </a:pPr>
+                      <a:r>
+                        <a:rPr lang="en-CN" sz="1600" b="0" i="0" u="none" strike="noStrike" dirty="0">
+                          <a:solidFill>
+                            <a:srgbClr val="000000"/>
+                          </a:solidFill>
+                          <a:effectLst/>
+                          <a:latin typeface="Calibri" panose="020F0502020204030204" pitchFamily="34" charset="0"/>
+                        </a:rPr>
+                        <a:t>22</a:t>
+                      </a:r>
+                    </a:p>
+                  </a:txBody>
+                  <a:tcPr marL="9525" marR="9525" marT="9525" marB="0" anchor="ctr">
+                    <a:lnL>
+                      <a:noFill/>
+                    </a:lnL>
+                    <a:lnR>
+                      <a:noFill/>
+                    </a:lnR>
+                    <a:lnT>
+                      <a:noFill/>
+                    </a:lnT>
+                    <a:lnB>
+                      <a:noFill/>
+                    </a:lnB>
+                    <a:noFill/>
+                  </a:tcPr>
+                </a:tc>
+                <a:extLst>
+                  <a:ext uri="{0D108BD9-81ED-4DB2-BD59-A6C34878D82A}">
+                    <a16:rowId xmlns:a16="http://schemas.microsoft.com/office/drawing/2014/main" val="1197312095"/>
+                  </a:ext>
+                </a:extLst>
+              </a:tr>
+              <a:tr h="330818">
+                <a:tc vMerge="1">
+                  <a:txBody>
+                    <a:bodyPr/>
+                    <a:lstStyle/>
+                    <a:p>
+                      <a:endParaRPr lang="en-CN"/>
+                    </a:p>
+                  </a:txBody>
+                  <a:tcPr/>
+                </a:tc>
+                <a:tc>
+                  <a:txBody>
+                    <a:bodyPr/>
+                    <a:lstStyle/>
+                    <a:p>
+                      <a:pPr algn="ctr" fontAlgn="ctr">
+                        <a:lnSpc>
+                          <a:spcPct val="100000"/>
+                        </a:lnSpc>
+                      </a:pPr>
+                      <a:r>
+                        <a:rPr lang="en-US" sz="1600" b="0" i="1" u="none" strike="noStrike" dirty="0">
+                          <a:solidFill>
+                            <a:srgbClr val="000000"/>
+                          </a:solidFill>
+                          <a:effectLst/>
+                          <a:latin typeface="Calibri" panose="020F0502020204030204" pitchFamily="34" charset="0"/>
+                        </a:rPr>
+                        <a:t>Triticum durum</a:t>
+                      </a:r>
+                    </a:p>
+                  </a:txBody>
+                  <a:tcPr marL="9525" marR="9525" marT="9525" marB="0" anchor="ctr">
+                    <a:lnL w="12700" cap="flat" cmpd="sng" algn="ctr">
+                      <a:solidFill>
+                        <a:schemeClr val="tx1"/>
+                      </a:solidFill>
+                      <a:prstDash val="solid"/>
+                      <a:round/>
+                      <a:headEnd type="none" w="med" len="med"/>
+                      <a:tailEnd type="none" w="med" len="med"/>
+                    </a:lnL>
+                    <a:lnR>
+                      <a:noFill/>
+                    </a:lnR>
+                    <a:lnT>
+                      <a:noFill/>
+                    </a:lnT>
+                    <a:lnB>
+                      <a:noFill/>
+                    </a:lnB>
+                    <a:noFill/>
+                  </a:tcPr>
+                </a:tc>
+                <a:tc>
+                  <a:txBody>
+                    <a:bodyPr/>
+                    <a:lstStyle/>
+                    <a:p>
+                      <a:pPr algn="ctr" fontAlgn="ctr">
+                        <a:lnSpc>
+                          <a:spcPct val="100000"/>
+                        </a:lnSpc>
+                      </a:pPr>
+                      <a:r>
+                        <a:rPr lang="en-CN" sz="1600" b="0" i="0" u="none" strike="noStrike" dirty="0">
+                          <a:solidFill>
+                            <a:srgbClr val="000000"/>
+                          </a:solidFill>
+                          <a:effectLst/>
+                          <a:latin typeface="Calibri" panose="020F0502020204030204" pitchFamily="34" charset="0"/>
+                        </a:rPr>
+                        <a:t>100</a:t>
+                      </a:r>
+                    </a:p>
+                  </a:txBody>
+                  <a:tcPr marL="9525" marR="9525" marT="9525" marB="0" anchor="ctr">
+                    <a:lnL>
+                      <a:noFill/>
+                    </a:lnL>
+                    <a:lnR>
+                      <a:noFill/>
+                    </a:lnR>
+                    <a:lnT>
+                      <a:noFill/>
+                    </a:lnT>
+                    <a:lnB>
+                      <a:noFill/>
+                    </a:lnB>
+                    <a:noFill/>
+                  </a:tcPr>
+                </a:tc>
+                <a:extLst>
+                  <a:ext uri="{0D108BD9-81ED-4DB2-BD59-A6C34878D82A}">
+                    <a16:rowId xmlns:a16="http://schemas.microsoft.com/office/drawing/2014/main" val="369414584"/>
+                  </a:ext>
+                </a:extLst>
+              </a:tr>
+              <a:tr h="330818">
+                <a:tc vMerge="1">
+                  <a:txBody>
+                    <a:bodyPr/>
+                    <a:lstStyle/>
+                    <a:p>
+                      <a:endParaRPr lang="en-CN"/>
+                    </a:p>
+                  </a:txBody>
+                  <a:tcPr/>
+                </a:tc>
+                <a:tc>
+                  <a:txBody>
+                    <a:bodyPr/>
+                    <a:lstStyle/>
+                    <a:p>
+                      <a:pPr algn="ctr" fontAlgn="ctr">
+                        <a:lnSpc>
+                          <a:spcPct val="100000"/>
+                        </a:lnSpc>
+                      </a:pPr>
+                      <a:r>
+                        <a:rPr lang="en-US" sz="1600" b="0" i="1" u="none" strike="noStrike" dirty="0">
+                          <a:solidFill>
+                            <a:srgbClr val="000000"/>
+                          </a:solidFill>
+                          <a:effectLst/>
+                          <a:latin typeface="Calibri" panose="020F0502020204030204" pitchFamily="34" charset="0"/>
+                        </a:rPr>
+                        <a:t>Triticum </a:t>
+                      </a:r>
+                      <a:r>
+                        <a:rPr lang="en-US" sz="1600" b="0" i="1" u="none" strike="noStrike" dirty="0" err="1">
+                          <a:solidFill>
+                            <a:srgbClr val="000000"/>
+                          </a:solidFill>
+                          <a:effectLst/>
+                          <a:latin typeface="Calibri" panose="020F0502020204030204" pitchFamily="34" charset="0"/>
+                        </a:rPr>
+                        <a:t>aestivum</a:t>
+                      </a:r>
+                      <a:endParaRPr lang="en-US" sz="1600" b="0" i="1" u="none" strike="noStrike" dirty="0">
+                        <a:solidFill>
+                          <a:srgbClr val="000000"/>
+                        </a:solidFill>
+                        <a:effectLst/>
+                        <a:latin typeface="Calibri" panose="020F0502020204030204" pitchFamily="34" charset="0"/>
+                      </a:endParaRPr>
+                    </a:p>
+                  </a:txBody>
+                  <a:tcPr marL="9525" marR="9525" marT="9525" marB="0" anchor="ctr">
+                    <a:lnL w="12700" cap="flat" cmpd="sng" algn="ctr">
+                      <a:solidFill>
+                        <a:schemeClr val="tx1"/>
+                      </a:solidFill>
+                      <a:prstDash val="solid"/>
+                      <a:round/>
+                      <a:headEnd type="none" w="med" len="med"/>
+                      <a:tailEnd type="none" w="med" len="med"/>
+                    </a:lnL>
+                    <a:lnR>
+                      <a:noFill/>
+                    </a:lnR>
+                    <a:lnT>
+                      <a:noFill/>
+                    </a:lnT>
+                    <a:lnB>
+                      <a:noFill/>
+                    </a:lnB>
+                    <a:noFill/>
+                  </a:tcPr>
+                </a:tc>
+                <a:tc>
+                  <a:txBody>
+                    <a:bodyPr/>
+                    <a:lstStyle/>
+                    <a:p>
+                      <a:pPr algn="ctr" fontAlgn="ctr">
+                        <a:lnSpc>
+                          <a:spcPct val="100000"/>
+                        </a:lnSpc>
+                      </a:pPr>
+                      <a:r>
+                        <a:rPr lang="en-CN" sz="1600" b="0" i="0" u="none" strike="noStrike" dirty="0">
+                          <a:solidFill>
+                            <a:srgbClr val="000000"/>
+                          </a:solidFill>
+                          <a:effectLst/>
+                          <a:latin typeface="Calibri" panose="020F0502020204030204" pitchFamily="34" charset="0"/>
+                        </a:rPr>
+                        <a:t>801</a:t>
+                      </a:r>
+                    </a:p>
+                  </a:txBody>
+                  <a:tcPr marL="9525" marR="9525" marT="9525" marB="0" anchor="ctr">
+                    <a:lnL>
+                      <a:noFill/>
+                    </a:lnL>
+                    <a:lnR>
+                      <a:noFill/>
+                    </a:lnR>
+                    <a:lnT>
+                      <a:noFill/>
+                    </a:lnT>
+                    <a:lnB>
+                      <a:noFill/>
+                    </a:lnB>
+                    <a:noFill/>
+                  </a:tcPr>
+                </a:tc>
+                <a:extLst>
+                  <a:ext uri="{0D108BD9-81ED-4DB2-BD59-A6C34878D82A}">
+                    <a16:rowId xmlns:a16="http://schemas.microsoft.com/office/drawing/2014/main" val="2787877328"/>
+                  </a:ext>
+                </a:extLst>
+              </a:tr>
+              <a:tr h="330818">
+                <a:tc vMerge="1">
+                  <a:txBody>
+                    <a:bodyPr/>
+                    <a:lstStyle/>
+                    <a:p>
+                      <a:endParaRPr lang="en-CN"/>
+                    </a:p>
+                  </a:txBody>
+                  <a:tcPr/>
+                </a:tc>
+                <a:tc>
+                  <a:txBody>
+                    <a:bodyPr/>
+                    <a:lstStyle/>
+                    <a:p>
+                      <a:pPr algn="ctr" fontAlgn="ctr">
+                        <a:lnSpc>
+                          <a:spcPct val="100000"/>
+                        </a:lnSpc>
+                      </a:pPr>
+                      <a:r>
+                        <a:rPr lang="en-US" sz="1600" b="0" i="1" u="none" strike="noStrike" dirty="0">
+                          <a:solidFill>
+                            <a:srgbClr val="000000"/>
+                          </a:solidFill>
+                          <a:effectLst/>
+                          <a:latin typeface="Calibri" panose="020F0502020204030204" pitchFamily="34" charset="0"/>
+                        </a:rPr>
+                        <a:t>Triticum unknown</a:t>
+                      </a:r>
+                    </a:p>
+                  </a:txBody>
+                  <a:tcPr marL="9525" marR="9525" marT="9525" marB="0" anchor="ctr">
+                    <a:lnL w="12700" cap="flat" cmpd="sng" algn="ctr">
+                      <a:solidFill>
+                        <a:schemeClr val="tx1"/>
+                      </a:solidFill>
+                      <a:prstDash val="solid"/>
+                      <a:round/>
+                      <a:headEnd type="none" w="med" len="med"/>
+                      <a:tailEnd type="none" w="med" len="med"/>
+                    </a:lnL>
+                    <a:lnR>
+                      <a:noFill/>
+                    </a:lnR>
+                    <a:lnT>
+                      <a:noFill/>
+                    </a:lnT>
+                    <a:lnB>
+                      <a:noFill/>
+                    </a:lnB>
+                    <a:noFill/>
+                  </a:tcPr>
+                </a:tc>
+                <a:tc>
+                  <a:txBody>
+                    <a:bodyPr/>
+                    <a:lstStyle/>
+                    <a:p>
+                      <a:pPr algn="ctr" fontAlgn="ctr">
+                        <a:lnSpc>
+                          <a:spcPct val="100000"/>
+                        </a:lnSpc>
+                      </a:pPr>
+                      <a:r>
+                        <a:rPr lang="en-CN" sz="1600" b="0" i="0" u="none" strike="noStrike" dirty="0">
+                          <a:solidFill>
+                            <a:srgbClr val="000000"/>
+                          </a:solidFill>
+                          <a:effectLst/>
+                          <a:latin typeface="Calibri" panose="020F0502020204030204" pitchFamily="34" charset="0"/>
+                        </a:rPr>
+                        <a:t>70</a:t>
+                      </a:r>
+                    </a:p>
+                  </a:txBody>
+                  <a:tcPr marL="9525" marR="9525" marT="9525" marB="0" anchor="ctr">
+                    <a:lnL>
+                      <a:noFill/>
+                    </a:lnL>
+                    <a:lnR>
+                      <a:noFill/>
+                    </a:lnR>
+                    <a:lnT>
+                      <a:noFill/>
+                    </a:lnT>
+                    <a:lnB>
+                      <a:noFill/>
+                    </a:lnB>
+                    <a:noFill/>
+                  </a:tcPr>
+                </a:tc>
+                <a:extLst>
+                  <a:ext uri="{0D108BD9-81ED-4DB2-BD59-A6C34878D82A}">
+                    <a16:rowId xmlns:a16="http://schemas.microsoft.com/office/drawing/2014/main" val="1884090233"/>
+                  </a:ext>
+                </a:extLst>
+              </a:tr>
+            </a:tbl>
+          </a:graphicData>
+        </a:graphic>
+      </p:graphicFrame>
+      <p:sp>
+        <p:nvSpPr>
+          <p:cNvPr id="7" name="TextBox 6">
+            <a:extLst>
+              <a:ext uri="{FF2B5EF4-FFF2-40B4-BE49-F238E27FC236}">
+                <a16:creationId xmlns:a16="http://schemas.microsoft.com/office/drawing/2014/main" id="{BFB3AF2E-A736-30B6-30C8-1E04F0BAAB5E}"/>
+              </a:ext>
+            </a:extLst>
+          </p:cNvPr>
+          <p:cNvSpPr txBox="1"/>
+          <p:nvPr/>
+        </p:nvSpPr>
+        <p:spPr>
+          <a:xfrm>
+            <a:off x="720000" y="4218761"/>
+            <a:ext cx="3900986" cy="338554"/>
+          </a:xfrm>
+          <a:prstGeom prst="rect">
+            <a:avLst/>
+          </a:prstGeom>
+          <a:noFill/>
+        </p:spPr>
+        <p:txBody>
+          <a:bodyPr wrap="square" rtlCol="0">
+            <a:spAutoFit/>
+          </a:bodyPr>
+          <a:lstStyle/>
+          <a:p>
+            <a:r>
+              <a:rPr lang="en-US" sz="1600" b="1" dirty="0"/>
+              <a:t>2. Putative TE library</a:t>
+            </a:r>
+            <a:endParaRPr lang="en-CN" sz="1600" b="1" dirty="0"/>
+          </a:p>
+        </p:txBody>
+      </p:sp>
+      <p:graphicFrame>
+        <p:nvGraphicFramePr>
+          <p:cNvPr id="8" name="Table 7">
+            <a:extLst>
+              <a:ext uri="{FF2B5EF4-FFF2-40B4-BE49-F238E27FC236}">
+                <a16:creationId xmlns:a16="http://schemas.microsoft.com/office/drawing/2014/main" id="{CC9580A7-E920-087E-B484-FC02D1E44FD3}"/>
+              </a:ext>
+            </a:extLst>
+          </p:cNvPr>
+          <p:cNvGraphicFramePr>
+            <a:graphicFrameLocks noGrp="1"/>
+          </p:cNvGraphicFramePr>
+          <p:nvPr>
+            <p:extLst>
+              <p:ext uri="{D42A27DB-BD31-4B8C-83A1-F6EECF244321}">
+                <p14:modId xmlns:p14="http://schemas.microsoft.com/office/powerpoint/2010/main" val="36986018"/>
+              </p:ext>
+            </p:extLst>
+          </p:nvPr>
+        </p:nvGraphicFramePr>
+        <p:xfrm>
+          <a:off x="720000" y="4712437"/>
+          <a:ext cx="4778382" cy="992454"/>
+        </p:xfrm>
+        <a:graphic>
+          <a:graphicData uri="http://schemas.openxmlformats.org/drawingml/2006/table">
+            <a:tbl>
+              <a:tblPr/>
+              <a:tblGrid>
+                <a:gridCol w="1263584">
+                  <a:extLst>
+                    <a:ext uri="{9D8B030D-6E8A-4147-A177-3AD203B41FA5}">
+                      <a16:colId xmlns:a16="http://schemas.microsoft.com/office/drawing/2014/main" val="3318525328"/>
+                    </a:ext>
+                  </a:extLst>
+                </a:gridCol>
+                <a:gridCol w="2251214">
+                  <a:extLst>
+                    <a:ext uri="{9D8B030D-6E8A-4147-A177-3AD203B41FA5}">
+                      <a16:colId xmlns:a16="http://schemas.microsoft.com/office/drawing/2014/main" val="1760817565"/>
+                    </a:ext>
+                  </a:extLst>
+                </a:gridCol>
+                <a:gridCol w="1263584">
+                  <a:extLst>
+                    <a:ext uri="{9D8B030D-6E8A-4147-A177-3AD203B41FA5}">
+                      <a16:colId xmlns:a16="http://schemas.microsoft.com/office/drawing/2014/main" val="1556031650"/>
+                    </a:ext>
+                  </a:extLst>
+                </a:gridCol>
+              </a:tblGrid>
+              <a:tr h="330818">
+                <a:tc>
+                  <a:txBody>
+                    <a:bodyPr/>
+                    <a:lstStyle/>
+                    <a:p>
+                      <a:pPr algn="ctr" fontAlgn="ctr">
+                        <a:lnSpc>
+                          <a:spcPct val="100000"/>
+                        </a:lnSpc>
+                      </a:pPr>
+                      <a:r>
+                        <a:rPr lang="en-US" sz="1600" b="1" i="0" u="none" strike="noStrike" dirty="0">
+                          <a:solidFill>
+                            <a:srgbClr val="000000"/>
+                          </a:solidFill>
+                          <a:effectLst/>
+                          <a:latin typeface="Calibri" panose="020F0502020204030204" pitchFamily="34" charset="0"/>
+                        </a:rPr>
+                        <a:t>Source</a:t>
+                      </a:r>
+                    </a:p>
+                  </a:txBody>
+                  <a:tcPr marL="9525" marR="9525" marT="9525" marB="0" anchor="ctr">
+                    <a:lnL>
+                      <a:noFill/>
+                    </a:lnL>
+                    <a:lnR w="12700" cap="flat" cmpd="sng" algn="ctr">
+                      <a:solidFill>
+                        <a:schemeClr val="tx1"/>
+                      </a:solidFill>
+                      <a:prstDash val="solid"/>
+                      <a:round/>
+                      <a:headEnd type="none" w="med" len="med"/>
+                      <a:tailEnd type="none" w="med" len="med"/>
+                    </a:lnR>
+                    <a:lnT>
+                      <a:noFill/>
+                    </a:lnT>
+                    <a:lnB w="12700" cap="flat" cmpd="sng" algn="ctr">
+                      <a:solidFill>
+                        <a:schemeClr val="tx1"/>
+                      </a:solidFill>
+                      <a:prstDash val="solid"/>
+                      <a:round/>
+                      <a:headEnd type="none" w="med" len="med"/>
+                      <a:tailEnd type="none" w="med" len="med"/>
+                    </a:lnB>
+                    <a:noFill/>
+                  </a:tcPr>
+                </a:tc>
+                <a:tc>
+                  <a:txBody>
+                    <a:bodyPr/>
+                    <a:lstStyle/>
+                    <a:p>
+                      <a:pPr algn="ctr" fontAlgn="ctr">
+                        <a:lnSpc>
+                          <a:spcPct val="100000"/>
+                        </a:lnSpc>
+                      </a:pPr>
+                      <a:r>
+                        <a:rPr lang="en-US" sz="1600" b="1" i="1" u="none" strike="noStrike" dirty="0">
+                          <a:solidFill>
+                            <a:srgbClr val="000000"/>
+                          </a:solidFill>
+                          <a:effectLst/>
+                          <a:latin typeface="Calibri" panose="020F0502020204030204" pitchFamily="34" charset="0"/>
+                        </a:rPr>
+                        <a:t>Species</a:t>
+                      </a:r>
+                    </a:p>
+                  </a:txBody>
+                  <a:tcPr marL="9525" marR="9525" marT="9525" marB="0" anchor="ctr">
+                    <a:lnL w="12700" cap="flat" cmpd="sng" algn="ctr">
+                      <a:solidFill>
+                        <a:schemeClr val="tx1"/>
+                      </a:solidFill>
+                      <a:prstDash val="solid"/>
+                      <a:round/>
+                      <a:headEnd type="none" w="med" len="med"/>
+                      <a:tailEnd type="none" w="med" len="med"/>
+                    </a:lnL>
+                    <a:lnR>
+                      <a:noFill/>
+                    </a:lnR>
+                    <a:lnT>
+                      <a:noFill/>
+                    </a:lnT>
+                    <a:lnB w="12700" cap="flat" cmpd="sng" algn="ctr">
+                      <a:solidFill>
+                        <a:schemeClr val="tx1"/>
+                      </a:solidFill>
+                      <a:prstDash val="solid"/>
+                      <a:round/>
+                      <a:headEnd type="none" w="med" len="med"/>
+                      <a:tailEnd type="none" w="med" len="med"/>
+                    </a:lnB>
+                    <a:noFill/>
+                  </a:tcPr>
+                </a:tc>
+                <a:tc>
+                  <a:txBody>
+                    <a:bodyPr/>
+                    <a:lstStyle/>
+                    <a:p>
+                      <a:pPr algn="ctr" fontAlgn="ctr">
+                        <a:lnSpc>
+                          <a:spcPct val="100000"/>
+                        </a:lnSpc>
+                      </a:pPr>
+                      <a:r>
+                        <a:rPr lang="en-US" sz="1600" b="1" i="0" u="none" strike="noStrike" dirty="0">
+                          <a:solidFill>
+                            <a:srgbClr val="000000"/>
+                          </a:solidFill>
+                          <a:effectLst/>
+                          <a:latin typeface="Calibri" panose="020F0502020204030204" pitchFamily="34" charset="0"/>
+                        </a:rPr>
+                        <a:t>number</a:t>
+                      </a:r>
+                    </a:p>
+                  </a:txBody>
+                  <a:tcPr marL="9525" marR="9525" marT="9525" marB="0" anchor="ctr">
+                    <a:lnL>
+                      <a:noFill/>
+                    </a:lnL>
+                    <a:lnR>
+                      <a:noFill/>
+                    </a:lnR>
+                    <a:lnT>
+                      <a:noFill/>
+                    </a:lnT>
+                    <a:lnB w="12700" cap="flat" cmpd="sng" algn="ctr">
+                      <a:solidFill>
+                        <a:schemeClr val="tx1"/>
+                      </a:solidFill>
+                      <a:prstDash val="solid"/>
+                      <a:round/>
+                      <a:headEnd type="none" w="med" len="med"/>
+                      <a:tailEnd type="none" w="med" len="med"/>
+                    </a:lnB>
+                    <a:noFill/>
+                  </a:tcPr>
+                </a:tc>
+                <a:extLst>
+                  <a:ext uri="{0D108BD9-81ED-4DB2-BD59-A6C34878D82A}">
+                    <a16:rowId xmlns:a16="http://schemas.microsoft.com/office/drawing/2014/main" val="1774768762"/>
+                  </a:ext>
+                </a:extLst>
+              </a:tr>
+              <a:tr h="330818">
+                <a:tc rowSpan="2">
+                  <a:txBody>
+                    <a:bodyPr/>
+                    <a:lstStyle/>
+                    <a:p>
+                      <a:pPr algn="ctr" fontAlgn="ctr">
+                        <a:lnSpc>
+                          <a:spcPct val="100000"/>
+                        </a:lnSpc>
+                      </a:pPr>
+                      <a:r>
+                        <a:rPr lang="en-US" sz="1600" b="0" i="0" u="none" strike="noStrike" dirty="0" err="1">
+                          <a:solidFill>
+                            <a:srgbClr val="000000"/>
+                          </a:solidFill>
+                          <a:effectLst/>
+                          <a:latin typeface="Calibri" panose="020F0502020204030204" pitchFamily="34" charset="0"/>
+                        </a:rPr>
+                        <a:t>Dfam</a:t>
+                      </a:r>
+                      <a:endParaRPr lang="en-US" sz="1600" b="0" i="0" u="none" strike="noStrike" dirty="0">
+                        <a:solidFill>
+                          <a:srgbClr val="000000"/>
+                        </a:solidFill>
+                        <a:effectLst/>
+                        <a:latin typeface="Calibri" panose="020F0502020204030204" pitchFamily="34" charset="0"/>
+                      </a:endParaRPr>
+                    </a:p>
+                  </a:txBody>
+                  <a:tcPr marL="9525" marR="9525" marT="9525" marB="0" anchor="ctr">
+                    <a:lnL>
+                      <a:noFill/>
+                    </a:lnL>
+                    <a:lnR w="12700" cap="flat" cmpd="sng" algn="ctr">
+                      <a:solidFill>
+                        <a:schemeClr val="tx1"/>
+                      </a:solidFill>
+                      <a:prstDash val="solid"/>
+                      <a:round/>
+                      <a:headEnd type="none" w="med" len="med"/>
+                      <a:tailEnd type="none" w="med" len="med"/>
+                    </a:lnR>
+                    <a:lnT w="12700" cap="flat" cmpd="sng" algn="ctr">
+                      <a:solidFill>
+                        <a:schemeClr val="tx1"/>
+                      </a:solidFill>
+                      <a:prstDash val="solid"/>
+                      <a:round/>
+                      <a:headEnd type="none" w="med" len="med"/>
+                      <a:tailEnd type="none" w="med" len="med"/>
+                    </a:lnT>
+                    <a:lnB>
+                      <a:noFill/>
+                    </a:lnB>
+                    <a:noFill/>
+                  </a:tcPr>
+                </a:tc>
+                <a:tc>
+                  <a:txBody>
+                    <a:bodyPr/>
+                    <a:lstStyle/>
+                    <a:p>
+                      <a:pPr algn="ctr" fontAlgn="ctr">
+                        <a:lnSpc>
+                          <a:spcPct val="100000"/>
+                        </a:lnSpc>
+                      </a:pPr>
+                      <a:r>
+                        <a:rPr lang="en-US" sz="1600" b="0" i="1" u="none" strike="noStrike" dirty="0">
+                          <a:solidFill>
+                            <a:srgbClr val="000000"/>
+                          </a:solidFill>
+                          <a:effectLst/>
+                          <a:latin typeface="Calibri" panose="020F0502020204030204" pitchFamily="34" charset="0"/>
+                        </a:rPr>
+                        <a:t>Hordeum vulgare</a:t>
+                      </a:r>
+                    </a:p>
+                  </a:txBody>
+                  <a:tcPr marL="9525" marR="9525" marT="9525" marB="0" anchor="ctr">
+                    <a:lnL w="12700" cap="flat" cmpd="sng" algn="ctr">
+                      <a:solidFill>
+                        <a:schemeClr val="tx1"/>
+                      </a:solidFill>
+                      <a:prstDash val="solid"/>
+                      <a:round/>
+                      <a:headEnd type="none" w="med" len="med"/>
+                      <a:tailEnd type="none" w="med" len="med"/>
+                    </a:lnL>
+                    <a:lnR>
+                      <a:noFill/>
+                    </a:lnR>
+                    <a:lnT w="12700" cap="flat" cmpd="sng" algn="ctr">
+                      <a:solidFill>
+                        <a:schemeClr val="tx1"/>
+                      </a:solidFill>
+                      <a:prstDash val="solid"/>
+                      <a:round/>
+                      <a:headEnd type="none" w="med" len="med"/>
+                      <a:tailEnd type="none" w="med" len="med"/>
+                    </a:lnT>
+                    <a:lnB>
+                      <a:noFill/>
+                    </a:lnB>
+                    <a:noFill/>
+                  </a:tcPr>
+                </a:tc>
+                <a:tc>
+                  <a:txBody>
+                    <a:bodyPr/>
+                    <a:lstStyle/>
+                    <a:p>
+                      <a:pPr algn="ctr" fontAlgn="ctr">
+                        <a:lnSpc>
+                          <a:spcPct val="100000"/>
+                        </a:lnSpc>
+                      </a:pPr>
+                      <a:r>
+                        <a:rPr lang="en-CN" sz="1600" b="0" i="0" u="none" strike="noStrike" dirty="0">
+                          <a:solidFill>
+                            <a:srgbClr val="000000"/>
+                          </a:solidFill>
+                          <a:effectLst/>
+                          <a:latin typeface="Calibri" panose="020F0502020204030204" pitchFamily="34" charset="0"/>
+                        </a:rPr>
+                        <a:t>1101</a:t>
+                      </a:r>
+                    </a:p>
+                  </a:txBody>
+                  <a:tcPr marL="9525" marR="9525" marT="9525" marB="0" anchor="ctr">
+                    <a:lnL>
+                      <a:noFill/>
+                    </a:lnL>
+                    <a:lnR>
+                      <a:noFill/>
+                    </a:lnR>
+                    <a:lnT w="12700" cap="flat" cmpd="sng" algn="ctr">
+                      <a:solidFill>
+                        <a:schemeClr val="tx1"/>
+                      </a:solidFill>
+                      <a:prstDash val="solid"/>
+                      <a:round/>
+                      <a:headEnd type="none" w="med" len="med"/>
+                      <a:tailEnd type="none" w="med" len="med"/>
+                    </a:lnT>
+                    <a:lnB>
+                      <a:noFill/>
+                    </a:lnB>
+                    <a:noFill/>
+                  </a:tcPr>
+                </a:tc>
+                <a:extLst>
+                  <a:ext uri="{0D108BD9-81ED-4DB2-BD59-A6C34878D82A}">
+                    <a16:rowId xmlns:a16="http://schemas.microsoft.com/office/drawing/2014/main" val="3699503532"/>
+                  </a:ext>
+                </a:extLst>
+              </a:tr>
+              <a:tr h="330818">
+                <a:tc vMerge="1">
+                  <a:txBody>
+                    <a:bodyPr/>
+                    <a:lstStyle/>
+                    <a:p>
+                      <a:endParaRPr lang="en-CN"/>
+                    </a:p>
+                  </a:txBody>
+                  <a:tcPr>
+                    <a:lnT w="12700" cmpd="sng">
+                      <a:noFill/>
+                      <a:prstDash val="solid"/>
+                    </a:lnT>
+                  </a:tcPr>
+                </a:tc>
+                <a:tc>
+                  <a:txBody>
+                    <a:bodyPr/>
+                    <a:lstStyle/>
+                    <a:p>
+                      <a:pPr algn="ctr" fontAlgn="ctr">
+                        <a:lnSpc>
+                          <a:spcPct val="100000"/>
+                        </a:lnSpc>
+                      </a:pPr>
+                      <a:r>
+                        <a:rPr lang="en-US" sz="1600" b="0" i="1" u="none" strike="noStrike" dirty="0">
+                          <a:solidFill>
+                            <a:srgbClr val="000000"/>
+                          </a:solidFill>
+                          <a:effectLst/>
+                          <a:latin typeface="Calibri" panose="020F0502020204030204" pitchFamily="34" charset="0"/>
+                        </a:rPr>
+                        <a:t>Aegilops </a:t>
+                      </a:r>
+                      <a:r>
+                        <a:rPr lang="en-US" sz="1600" b="0" i="1" u="none" strike="noStrike" dirty="0" err="1">
+                          <a:solidFill>
+                            <a:srgbClr val="000000"/>
+                          </a:solidFill>
+                          <a:effectLst/>
+                          <a:latin typeface="Calibri" panose="020F0502020204030204" pitchFamily="34" charset="0"/>
+                        </a:rPr>
+                        <a:t>tauschii</a:t>
+                      </a:r>
+                      <a:endParaRPr lang="en-US" sz="1600" b="0" i="1" u="none" strike="noStrike" dirty="0">
+                        <a:solidFill>
+                          <a:srgbClr val="000000"/>
+                        </a:solidFill>
+                        <a:effectLst/>
+                        <a:latin typeface="Calibri" panose="020F0502020204030204" pitchFamily="34" charset="0"/>
+                      </a:endParaRPr>
+                    </a:p>
+                  </a:txBody>
+                  <a:tcPr marL="9525" marR="9525" marT="9525" marB="0" anchor="ctr">
+                    <a:lnL w="12700" cap="flat" cmpd="sng" algn="ctr">
+                      <a:solidFill>
+                        <a:schemeClr val="tx1"/>
+                      </a:solidFill>
+                      <a:prstDash val="solid"/>
+                      <a:round/>
+                      <a:headEnd type="none" w="med" len="med"/>
+                      <a:tailEnd type="none" w="med" len="med"/>
+                    </a:lnL>
+                    <a:lnR>
+                      <a:noFill/>
+                    </a:lnR>
+                    <a:lnT>
+                      <a:noFill/>
+                    </a:lnT>
+                    <a:lnB>
+                      <a:noFill/>
+                    </a:lnB>
+                    <a:noFill/>
+                  </a:tcPr>
+                </a:tc>
+                <a:tc>
+                  <a:txBody>
+                    <a:bodyPr/>
+                    <a:lstStyle/>
+                    <a:p>
+                      <a:pPr algn="ctr" fontAlgn="ctr">
+                        <a:lnSpc>
+                          <a:spcPct val="100000"/>
+                        </a:lnSpc>
+                      </a:pPr>
+                      <a:r>
+                        <a:rPr lang="en-CN" sz="1600" b="0" i="0" u="none" strike="noStrike" dirty="0">
+                          <a:solidFill>
+                            <a:srgbClr val="000000"/>
+                          </a:solidFill>
+                          <a:effectLst/>
+                          <a:latin typeface="Calibri" panose="020F0502020204030204" pitchFamily="34" charset="0"/>
+                        </a:rPr>
+                        <a:t>1308</a:t>
+                      </a:r>
+                    </a:p>
+                  </a:txBody>
+                  <a:tcPr marL="9525" marR="9525" marT="9525" marB="0" anchor="ctr">
+                    <a:lnL>
+                      <a:noFill/>
+                    </a:lnL>
+                    <a:lnR>
+                      <a:noFill/>
+                    </a:lnR>
+                    <a:lnT>
+                      <a:noFill/>
+                    </a:lnT>
+                    <a:lnB>
+                      <a:noFill/>
+                    </a:lnB>
+                    <a:noFill/>
+                  </a:tcPr>
+                </a:tc>
+                <a:extLst>
+                  <a:ext uri="{0D108BD9-81ED-4DB2-BD59-A6C34878D82A}">
+                    <a16:rowId xmlns:a16="http://schemas.microsoft.com/office/drawing/2014/main" val="3671795532"/>
+                  </a:ext>
+                </a:extLst>
+              </a:tr>
+            </a:tbl>
+          </a:graphicData>
+        </a:graphic>
+      </p:graphicFrame>
+    </p:spTree>
+    <p:extLst>
+      <p:ext uri="{BB962C8B-B14F-4D97-AF65-F5344CB8AC3E}">
+        <p14:creationId xmlns:p14="http://schemas.microsoft.com/office/powerpoint/2010/main" val="3916573104"/>
+      </p:ext>
+    </p:extLst>
+  </p:cSld>
+  <p:clrMapOvr>
+    <a:masterClrMapping/>
+  </p:clrMapOvr>
+</p:sld>
+</file>
+
+<file path=ppt/slides/slide4.xml><?xml version="1.0" encoding="utf-8"?>
+<p:sld xmlns:a="http://schemas.openxmlformats.org/drawingml/2006/main" xmlns:r="http://schemas.openxmlformats.org/officeDocument/2006/relationships" xmlns:p="http://schemas.openxmlformats.org/presentationml/2006/main">
+  <p:cSld>
+    <p:spTree>
+      <p:nvGrpSpPr>
+        <p:cNvPr id="1" name=""/>
+        <p:cNvGrpSpPr/>
+        <p:nvPr/>
+      </p:nvGrpSpPr>
+      <p:grpSpPr>
+        <a:xfrm>
+          <a:off x="0" y="0"/>
+          <a:ext cx="0" cy="0"/>
+          <a:chOff x="0" y="0"/>
+          <a:chExt cx="0" cy="0"/>
+        </a:xfrm>
+      </p:grpSpPr>
+      <p:sp>
+        <p:nvSpPr>
+          <p:cNvPr id="2" name="Title 1">
+            <a:extLst>
+              <a:ext uri="{FF2B5EF4-FFF2-40B4-BE49-F238E27FC236}">
+                <a16:creationId xmlns:a16="http://schemas.microsoft.com/office/drawing/2014/main" id="{5341E720-BBA7-60EC-E1C2-546E38BAD0B5}"/>
+              </a:ext>
+            </a:extLst>
+          </p:cNvPr>
+          <p:cNvSpPr>
+            <a:spLocks noGrp="1"/>
+          </p:cNvSpPr>
+          <p:nvPr>
+            <p:ph type="title"/>
+          </p:nvPr>
+        </p:nvSpPr>
+        <p:spPr>
+          <a:xfrm>
+            <a:off x="720000" y="72000"/>
+            <a:ext cx="10515600" cy="702716"/>
+          </a:xfrm>
+        </p:spPr>
+        <p:txBody>
+          <a:bodyPr>
+            <a:normAutofit/>
+          </a:bodyPr>
+          <a:lstStyle/>
+          <a:p>
+            <a:pPr>
+              <a:lnSpc>
+                <a:spcPct val="100000"/>
+              </a:lnSpc>
+            </a:pPr>
+            <a:r>
+              <a:rPr lang="en-CN" sz="3200" b="1" dirty="0"/>
+              <a:t>TE detection</a:t>
+            </a:r>
+          </a:p>
+        </p:txBody>
+      </p:sp>
+      <p:sp>
+        <p:nvSpPr>
+          <p:cNvPr id="6" name="TextBox 5">
+            <a:extLst>
+              <a:ext uri="{FF2B5EF4-FFF2-40B4-BE49-F238E27FC236}">
+                <a16:creationId xmlns:a16="http://schemas.microsoft.com/office/drawing/2014/main" id="{EA24F398-7824-04D1-BE55-E816C1DA1754}"/>
+              </a:ext>
+            </a:extLst>
+          </p:cNvPr>
+          <p:cNvSpPr txBox="1"/>
+          <p:nvPr/>
+        </p:nvSpPr>
+        <p:spPr>
+          <a:xfrm>
+            <a:off x="720000" y="945757"/>
+            <a:ext cx="2985938" cy="338554"/>
+          </a:xfrm>
+          <a:prstGeom prst="rect">
+            <a:avLst/>
+          </a:prstGeom>
+          <a:noFill/>
+        </p:spPr>
+        <p:txBody>
+          <a:bodyPr wrap="square" rtlCol="0">
+            <a:spAutoFit/>
+          </a:bodyPr>
+          <a:lstStyle/>
+          <a:p>
+            <a:r>
+              <a:rPr lang="en-US" sz="1600" b="1" dirty="0"/>
+              <a:t>1. RepeatModeler2</a:t>
+            </a:r>
+            <a:endParaRPr lang="en-CN" sz="1600" b="1" dirty="0"/>
+          </a:p>
+        </p:txBody>
+      </p:sp>
+      <p:pic>
+        <p:nvPicPr>
+          <p:cNvPr id="4" name="Picture 3">
+            <a:extLst>
+              <a:ext uri="{FF2B5EF4-FFF2-40B4-BE49-F238E27FC236}">
+                <a16:creationId xmlns:a16="http://schemas.microsoft.com/office/drawing/2014/main" id="{D44F7C9F-DFAC-3030-CCF7-05BE94800C77}"/>
+              </a:ext>
+            </a:extLst>
+          </p:cNvPr>
+          <p:cNvPicPr>
+            <a:picLocks noChangeAspect="1"/>
+          </p:cNvPicPr>
+          <p:nvPr/>
+        </p:nvPicPr>
+        <p:blipFill>
+          <a:blip r:embed="rId2"/>
+          <a:stretch>
+            <a:fillRect/>
+          </a:stretch>
+        </p:blipFill>
+        <p:spPr>
+          <a:xfrm>
+            <a:off x="597537" y="1455352"/>
+            <a:ext cx="6962593" cy="4166802"/>
+          </a:xfrm>
+          <a:prstGeom prst="rect">
+            <a:avLst/>
+          </a:prstGeom>
+        </p:spPr>
+      </p:pic>
+      <p:pic>
+        <p:nvPicPr>
+          <p:cNvPr id="3074" name="Picture 2">
+            <a:extLst>
+              <a:ext uri="{FF2B5EF4-FFF2-40B4-BE49-F238E27FC236}">
+                <a16:creationId xmlns:a16="http://schemas.microsoft.com/office/drawing/2014/main" id="{ADB9A31B-EA63-21C0-023C-CFBFAC2BDE04}"/>
+              </a:ext>
+            </a:extLst>
+          </p:cNvPr>
+          <p:cNvPicPr>
+            <a:picLocks noChangeAspect="1" noChangeArrowheads="1"/>
+          </p:cNvPicPr>
+          <p:nvPr/>
+        </p:nvPicPr>
+        <p:blipFill>
+          <a:blip r:embed="rId3">
+            <a:extLst>
+              <a:ext uri="{28A0092B-C50C-407E-A947-70E740481C1C}">
+                <a14:useLocalDpi xmlns:a14="http://schemas.microsoft.com/office/drawing/2010/main" val="0"/>
+              </a:ext>
+            </a:extLst>
+          </a:blip>
+          <a:srcRect/>
+          <a:stretch>
+            <a:fillRect/>
+          </a:stretch>
+        </p:blipFill>
+        <p:spPr bwMode="auto">
+          <a:xfrm>
+            <a:off x="7560130" y="1455352"/>
+            <a:ext cx="4203991" cy="3314700"/>
+          </a:xfrm>
+          <a:prstGeom prst="rect">
+            <a:avLst/>
+          </a:prstGeom>
+          <a:noFill/>
+          <a:extLst>
+            <a:ext uri="{909E8E84-426E-40DD-AFC4-6F175D3DCCD1}">
+              <a14:hiddenFill xmlns:a14="http://schemas.microsoft.com/office/drawing/2010/main">
+                <a:solidFill>
+                  <a:srgbClr val="FFFFFF"/>
+                </a:solidFill>
+              </a14:hiddenFill>
+            </a:ext>
+          </a:extLst>
+        </p:spPr>
+      </p:pic>
+    </p:spTree>
+    <p:extLst>
+      <p:ext uri="{BB962C8B-B14F-4D97-AF65-F5344CB8AC3E}">
+        <p14:creationId xmlns:p14="http://schemas.microsoft.com/office/powerpoint/2010/main" val="3265962270"/>
+      </p:ext>
+    </p:extLst>
+  </p:cSld>
+  <p:clrMapOvr>
+    <a:masterClrMapping/>
+  </p:clrMapOvr>
+</p:sld>
+</file>
+
+<file path=ppt/slides/slide5.xml><?xml version="1.0" encoding="utf-8"?>
+<p:sld xmlns:a="http://schemas.openxmlformats.org/drawingml/2006/main" xmlns:r="http://schemas.openxmlformats.org/officeDocument/2006/relationships" xmlns:p="http://schemas.openxmlformats.org/presentationml/2006/main">
+  <p:cSld>
+    <p:spTree>
+      <p:nvGrpSpPr>
+        <p:cNvPr id="1" name=""/>
+        <p:cNvGrpSpPr/>
+        <p:nvPr/>
+      </p:nvGrpSpPr>
+      <p:grpSpPr>
+        <a:xfrm>
+          <a:off x="0" y="0"/>
+          <a:ext cx="0" cy="0"/>
+          <a:chOff x="0" y="0"/>
+          <a:chExt cx="0" cy="0"/>
+        </a:xfrm>
+      </p:grpSpPr>
+      <p:sp>
+        <p:nvSpPr>
+          <p:cNvPr id="2" name="Title 1">
+            <a:extLst>
+              <a:ext uri="{FF2B5EF4-FFF2-40B4-BE49-F238E27FC236}">
+                <a16:creationId xmlns:a16="http://schemas.microsoft.com/office/drawing/2014/main" id="{5341E720-BBA7-60EC-E1C2-546E38BAD0B5}"/>
+              </a:ext>
+            </a:extLst>
+          </p:cNvPr>
+          <p:cNvSpPr>
+            <a:spLocks noGrp="1"/>
+          </p:cNvSpPr>
+          <p:nvPr>
+            <p:ph type="title"/>
+          </p:nvPr>
+        </p:nvSpPr>
+        <p:spPr>
+          <a:xfrm>
+            <a:off x="720000" y="72000"/>
+            <a:ext cx="10515600" cy="702716"/>
+          </a:xfrm>
+        </p:spPr>
+        <p:txBody>
+          <a:bodyPr>
+            <a:normAutofit/>
+          </a:bodyPr>
+          <a:lstStyle/>
+          <a:p>
+            <a:pPr>
+              <a:lnSpc>
+                <a:spcPct val="100000"/>
+              </a:lnSpc>
+            </a:pPr>
+            <a:r>
+              <a:rPr lang="en-CN" sz="3200" b="1" dirty="0"/>
+              <a:t>Population analysis</a:t>
             </a:r>
           </a:p>
         </p:txBody>
@@ -4936,13 +6716,7 @@
           <p:cNvGraphicFramePr>
             <a:graphicFrameLocks noGrp="1"/>
           </p:cNvGraphicFramePr>
-          <p:nvPr>
-            <p:extLst>
-              <p:ext uri="{D42A27DB-BD31-4B8C-83A1-F6EECF244321}">
-                <p14:modId xmlns:p14="http://schemas.microsoft.com/office/powerpoint/2010/main" val="208880469"/>
-              </p:ext>
-            </p:extLst>
-          </p:nvPr>
+          <p:nvPr/>
         </p:nvGraphicFramePr>
         <p:xfrm>
           <a:off x="535709" y="975742"/>
@@ -10757,7 +12531,7 @@
     </p:spTree>
     <p:extLst>
       <p:ext uri="{BB962C8B-B14F-4D97-AF65-F5344CB8AC3E}">
-        <p14:creationId xmlns:p14="http://schemas.microsoft.com/office/powerpoint/2010/main" val="3916573104"/>
+        <p14:creationId xmlns:p14="http://schemas.microsoft.com/office/powerpoint/2010/main" val="1091895953"/>
       </p:ext>
     </p:extLst>
   </p:cSld>
@@ -10767,7 +12541,7 @@
 </p:sld>
 </file>
 
-<file path=ppt/slides/slide4.xml><?xml version="1.0" encoding="utf-8"?>
+<file path=ppt/slides/slide6.xml><?xml version="1.0" encoding="utf-8"?>
 <p:sld xmlns:a="http://schemas.openxmlformats.org/drawingml/2006/main" xmlns:r="http://schemas.openxmlformats.org/officeDocument/2006/relationships" xmlns:p="http://schemas.openxmlformats.org/presentationml/2006/main">
   <p:cSld>
     <p:spTree>
@@ -10957,7 +12731,7 @@
 </p:sld>
 </file>
 
-<file path=ppt/slides/slide5.xml><?xml version="1.0" encoding="utf-8"?>
+<file path=ppt/slides/slide7.xml><?xml version="1.0" encoding="utf-8"?>
 <p:sld xmlns:a="http://schemas.openxmlformats.org/drawingml/2006/main" xmlns:r="http://schemas.openxmlformats.org/officeDocument/2006/relationships" xmlns:p="http://schemas.openxmlformats.org/presentationml/2006/main">
   <p:cSld>
     <p:spTree>
@@ -11009,429 +12783,6 @@
             </a:pPr>
             <a:r>
               <a:rPr lang="en-CN" sz="3200" b="1" dirty="0"/>
-              <a:t>TE annotation</a:t>
-            </a:r>
-          </a:p>
-        </p:txBody>
-      </p:sp>
-      <p:sp>
-        <p:nvSpPr>
-          <p:cNvPr id="5" name="TextBox 4">
-            <a:extLst>
-              <a:ext uri="{FF2B5EF4-FFF2-40B4-BE49-F238E27FC236}">
-                <a16:creationId xmlns:a16="http://schemas.microsoft.com/office/drawing/2014/main" id="{C969B04A-2D42-10E8-FD21-636209442940}"/>
-              </a:ext>
-            </a:extLst>
-          </p:cNvPr>
-          <p:cNvSpPr txBox="1"/>
-          <p:nvPr/>
-        </p:nvSpPr>
-        <p:spPr>
-          <a:xfrm>
-            <a:off x="411886" y="795259"/>
-            <a:ext cx="6654836" cy="2316275"/>
-          </a:xfrm>
-          <a:prstGeom prst="rect">
-            <a:avLst/>
-          </a:prstGeom>
-          <a:noFill/>
-        </p:spPr>
-        <p:txBody>
-          <a:bodyPr wrap="square" rtlCol="0">
-            <a:spAutoFit/>
-          </a:bodyPr>
-          <a:lstStyle/>
-          <a:p>
-            <a:pPr>
-              <a:lnSpc>
-                <a:spcPct val="150000"/>
-              </a:lnSpc>
-            </a:pPr>
-            <a:r>
-              <a:rPr lang="en-US" b="1" strike="sngStrike" dirty="0"/>
-              <a:t>Activity annotation</a:t>
-            </a:r>
-          </a:p>
-          <a:p>
-            <a:pPr marL="285750" indent="-285750">
-              <a:lnSpc>
-                <a:spcPct val="150000"/>
-              </a:lnSpc>
-              <a:buFont typeface="Arial" panose="020B0604020202020204" pitchFamily="34" charset="0"/>
-              <a:buChar char="•"/>
-            </a:pPr>
-            <a:r>
-              <a:rPr lang="en-US" sz="1600" b="1" dirty="0"/>
-              <a:t>Structural integrity: </a:t>
-            </a:r>
-          </a:p>
-          <a:p>
-            <a:pPr marL="742950" lvl="1" indent="-285750">
-              <a:lnSpc>
-                <a:spcPct val="150000"/>
-              </a:lnSpc>
-              <a:buFont typeface="Arial" panose="020B0604020202020204" pitchFamily="34" charset="0"/>
-              <a:buChar char="•"/>
-            </a:pPr>
-            <a:r>
-              <a:rPr lang="en-US" sz="1600" dirty="0"/>
-              <a:t>total number of </a:t>
-            </a:r>
-            <a:r>
-              <a:rPr lang="en-US" sz="1600" b="1" dirty="0"/>
-              <a:t>transposition-related domains </a:t>
-            </a:r>
-            <a:r>
-              <a:rPr lang="en-US" sz="1600" dirty="0"/>
-              <a:t>for each TE</a:t>
-            </a:r>
-          </a:p>
-          <a:p>
-            <a:pPr marL="742950" lvl="1" indent="-285750">
-              <a:lnSpc>
-                <a:spcPct val="150000"/>
-              </a:lnSpc>
-              <a:buFont typeface="Arial" panose="020B0604020202020204" pitchFamily="34" charset="0"/>
-              <a:buChar char="•"/>
-            </a:pPr>
-            <a:r>
-              <a:rPr lang="en-US" sz="1600" dirty="0"/>
-              <a:t>Method: gene prediction</a:t>
-            </a:r>
-          </a:p>
-          <a:p>
-            <a:pPr marL="285750" indent="-285750">
-              <a:lnSpc>
-                <a:spcPct val="150000"/>
-              </a:lnSpc>
-              <a:buFont typeface="Arial" panose="020B0604020202020204" pitchFamily="34" charset="0"/>
-              <a:buChar char="•"/>
-            </a:pPr>
-            <a:r>
-              <a:rPr lang="en-US" sz="1600" b="1" dirty="0"/>
-              <a:t>Transcription potential: </a:t>
-            </a:r>
-            <a:r>
-              <a:rPr lang="en-US" sz="1600" dirty="0"/>
-              <a:t>transcriptome data</a:t>
-            </a:r>
-          </a:p>
-          <a:p>
-            <a:pPr marL="285750" indent="-285750">
-              <a:lnSpc>
-                <a:spcPct val="150000"/>
-              </a:lnSpc>
-              <a:buFont typeface="Arial" panose="020B0604020202020204" pitchFamily="34" charset="0"/>
-              <a:buChar char="•"/>
-            </a:pPr>
-            <a:r>
-              <a:rPr lang="en-US" sz="1600" b="1" dirty="0"/>
-              <a:t>DNA methylation level: </a:t>
-            </a:r>
-            <a:r>
-              <a:rPr lang="en-US" sz="1600" dirty="0"/>
-              <a:t>extent of DNA methylation-induced TE repression</a:t>
-            </a:r>
-          </a:p>
-        </p:txBody>
-      </p:sp>
-      <p:pic>
-        <p:nvPicPr>
-          <p:cNvPr id="3" name="Picture 2">
-            <a:extLst>
-              <a:ext uri="{FF2B5EF4-FFF2-40B4-BE49-F238E27FC236}">
-                <a16:creationId xmlns:a16="http://schemas.microsoft.com/office/drawing/2014/main" id="{53798E6F-26C3-8E29-A32A-99A0305A4317}"/>
-              </a:ext>
-            </a:extLst>
-          </p:cNvPr>
-          <p:cNvPicPr>
-            <a:picLocks noChangeAspect="1"/>
-          </p:cNvPicPr>
-          <p:nvPr/>
-        </p:nvPicPr>
-        <p:blipFill>
-          <a:blip r:embed="rId2"/>
-          <a:stretch>
-            <a:fillRect/>
-          </a:stretch>
-        </p:blipFill>
-        <p:spPr>
-          <a:xfrm>
-            <a:off x="7942957" y="423358"/>
-            <a:ext cx="3930339" cy="6033070"/>
-          </a:xfrm>
-          <a:prstGeom prst="rect">
-            <a:avLst/>
-          </a:prstGeom>
-        </p:spPr>
-      </p:pic>
-      <p:sp>
-        <p:nvSpPr>
-          <p:cNvPr id="6" name="TextBox 5">
-            <a:extLst>
-              <a:ext uri="{FF2B5EF4-FFF2-40B4-BE49-F238E27FC236}">
-                <a16:creationId xmlns:a16="http://schemas.microsoft.com/office/drawing/2014/main" id="{59B96EF5-1BAD-73F4-4042-6E6BA666E59E}"/>
-              </a:ext>
-            </a:extLst>
-          </p:cNvPr>
-          <p:cNvSpPr txBox="1"/>
-          <p:nvPr/>
-        </p:nvSpPr>
-        <p:spPr>
-          <a:xfrm>
-            <a:off x="165325" y="5974193"/>
-            <a:ext cx="1914113" cy="338554"/>
-          </a:xfrm>
-          <a:prstGeom prst="rect">
-            <a:avLst/>
-          </a:prstGeom>
-          <a:noFill/>
-        </p:spPr>
-        <p:txBody>
-          <a:bodyPr wrap="square">
-            <a:spAutoFit/>
-          </a:bodyPr>
-          <a:lstStyle/>
-          <a:p>
-            <a:r>
-              <a:rPr lang="en-US" sz="1600" dirty="0"/>
-              <a:t>(Gao et al., 2023) </a:t>
-            </a:r>
-          </a:p>
-        </p:txBody>
-      </p:sp>
-      <p:pic>
-        <p:nvPicPr>
-          <p:cNvPr id="8" name="Picture 7">
-            <a:extLst>
-              <a:ext uri="{FF2B5EF4-FFF2-40B4-BE49-F238E27FC236}">
-                <a16:creationId xmlns:a16="http://schemas.microsoft.com/office/drawing/2014/main" id="{464AF8A5-C0C5-A08E-918C-6D11F621764F}"/>
-              </a:ext>
-            </a:extLst>
-          </p:cNvPr>
-          <p:cNvPicPr>
-            <a:picLocks noChangeAspect="1"/>
-          </p:cNvPicPr>
-          <p:nvPr/>
-        </p:nvPicPr>
-        <p:blipFill>
-          <a:blip r:embed="rId3"/>
-          <a:stretch>
-            <a:fillRect/>
-          </a:stretch>
-        </p:blipFill>
-        <p:spPr>
-          <a:xfrm>
-            <a:off x="165325" y="3704020"/>
-            <a:ext cx="4754407" cy="2270173"/>
-          </a:xfrm>
-          <a:prstGeom prst="rect">
-            <a:avLst/>
-          </a:prstGeom>
-        </p:spPr>
-      </p:pic>
-      <p:pic>
-        <p:nvPicPr>
-          <p:cNvPr id="9" name="Picture 8">
-            <a:extLst>
-              <a:ext uri="{FF2B5EF4-FFF2-40B4-BE49-F238E27FC236}">
-                <a16:creationId xmlns:a16="http://schemas.microsoft.com/office/drawing/2014/main" id="{613FD4A3-6796-030D-C095-266AD0E0CDB2}"/>
-              </a:ext>
-            </a:extLst>
-          </p:cNvPr>
-          <p:cNvPicPr>
-            <a:picLocks noChangeAspect="1"/>
-          </p:cNvPicPr>
-          <p:nvPr/>
-        </p:nvPicPr>
-        <p:blipFill>
-          <a:blip r:embed="rId4"/>
-          <a:stretch>
-            <a:fillRect/>
-          </a:stretch>
-        </p:blipFill>
-        <p:spPr>
-          <a:xfrm>
-            <a:off x="4919732" y="3691810"/>
-            <a:ext cx="3023225" cy="2270173"/>
-          </a:xfrm>
-          <a:prstGeom prst="rect">
-            <a:avLst/>
-          </a:prstGeom>
-        </p:spPr>
-      </p:pic>
-      <p:sp>
-        <p:nvSpPr>
-          <p:cNvPr id="10" name="TextBox 9">
-            <a:extLst>
-              <a:ext uri="{FF2B5EF4-FFF2-40B4-BE49-F238E27FC236}">
-                <a16:creationId xmlns:a16="http://schemas.microsoft.com/office/drawing/2014/main" id="{95B49E8C-BF4D-F0C9-EBF0-EB10BDD99EB0}"/>
-              </a:ext>
-            </a:extLst>
-          </p:cNvPr>
-          <p:cNvSpPr txBox="1"/>
-          <p:nvPr/>
-        </p:nvSpPr>
-        <p:spPr>
-          <a:xfrm>
-            <a:off x="411886" y="3153741"/>
-            <a:ext cx="1667552" cy="464871"/>
-          </a:xfrm>
-          <a:prstGeom prst="rect">
-            <a:avLst/>
-          </a:prstGeom>
-          <a:noFill/>
-        </p:spPr>
-        <p:txBody>
-          <a:bodyPr wrap="square" rtlCol="0">
-            <a:spAutoFit/>
-          </a:bodyPr>
-          <a:lstStyle/>
-          <a:p>
-            <a:pPr>
-              <a:lnSpc>
-                <a:spcPct val="150000"/>
-              </a:lnSpc>
-            </a:pPr>
-            <a:r>
-              <a:rPr lang="en-US" b="1" strike="sngStrike" dirty="0"/>
-              <a:t>TE validation</a:t>
-            </a:r>
-          </a:p>
-        </p:txBody>
-      </p:sp>
-      <p:sp>
-        <p:nvSpPr>
-          <p:cNvPr id="11" name="TextBox 10">
-            <a:extLst>
-              <a:ext uri="{FF2B5EF4-FFF2-40B4-BE49-F238E27FC236}">
-                <a16:creationId xmlns:a16="http://schemas.microsoft.com/office/drawing/2014/main" id="{DF79AC47-80F4-B62C-2F2A-77F0751C93F6}"/>
-              </a:ext>
-            </a:extLst>
-          </p:cNvPr>
-          <p:cNvSpPr txBox="1"/>
-          <p:nvPr/>
-        </p:nvSpPr>
-        <p:spPr>
-          <a:xfrm>
-            <a:off x="2140029" y="5974193"/>
-            <a:ext cx="5411936" cy="830997"/>
-          </a:xfrm>
-          <a:prstGeom prst="rect">
-            <a:avLst/>
-          </a:prstGeom>
-          <a:noFill/>
-        </p:spPr>
-        <p:txBody>
-          <a:bodyPr wrap="square">
-            <a:spAutoFit/>
-          </a:bodyPr>
-          <a:lstStyle/>
-          <a:p>
-            <a:r>
-              <a:rPr lang="en-US" sz="1600" dirty="0" err="1"/>
-              <a:t>xTea</a:t>
-            </a:r>
-            <a:r>
-              <a:rPr lang="en-US" sz="1600" dirty="0"/>
-              <a:t> (x-Transposable element analyzer) (Chu et al., 2021, p. 2)</a:t>
-            </a:r>
-          </a:p>
-          <a:p>
-            <a:pPr marL="285750" indent="-285750">
-              <a:buFont typeface="Arial" panose="020B0604020202020204" pitchFamily="34" charset="0"/>
-              <a:buChar char="•"/>
-            </a:pPr>
-            <a:r>
-              <a:rPr lang="en-US" sz="1600" dirty="0"/>
-              <a:t>Short reads: MELT14, </a:t>
-            </a:r>
-            <a:r>
-              <a:rPr lang="en-US" sz="1600" dirty="0" err="1"/>
-              <a:t>TraFiC</a:t>
-            </a:r>
-            <a:r>
-              <a:rPr lang="en-US" sz="1600" dirty="0"/>
-              <a:t>-mem</a:t>
-            </a:r>
-          </a:p>
-          <a:p>
-            <a:pPr marL="285750" indent="-285750">
-              <a:buFont typeface="Arial" panose="020B0604020202020204" pitchFamily="34" charset="0"/>
-              <a:buChar char="•"/>
-            </a:pPr>
-            <a:r>
-              <a:rPr lang="en-US" sz="1600" dirty="0"/>
-              <a:t>Long reads: PALMER</a:t>
-            </a:r>
-          </a:p>
-        </p:txBody>
-      </p:sp>
-    </p:spTree>
-    <p:extLst>
-      <p:ext uri="{BB962C8B-B14F-4D97-AF65-F5344CB8AC3E}">
-        <p14:creationId xmlns:p14="http://schemas.microsoft.com/office/powerpoint/2010/main" val="599905655"/>
-      </p:ext>
-    </p:extLst>
-  </p:cSld>
-  <p:clrMapOvr>
-    <a:masterClrMapping/>
-  </p:clrMapOvr>
-</p:sld>
-</file>
-
-<file path=ppt/slides/slide6.xml><?xml version="1.0" encoding="utf-8"?>
-<p:sld xmlns:a="http://schemas.openxmlformats.org/drawingml/2006/main" xmlns:r="http://schemas.openxmlformats.org/officeDocument/2006/relationships" xmlns:p="http://schemas.openxmlformats.org/presentationml/2006/main">
-  <p:cSld>
-    <p:spTree>
-      <p:nvGrpSpPr>
-        <p:cNvPr id="1" name=""/>
-        <p:cNvGrpSpPr/>
-        <p:nvPr/>
-      </p:nvGrpSpPr>
-      <p:grpSpPr>
-        <a:xfrm>
-          <a:off x="0" y="0"/>
-          <a:ext cx="0" cy="0"/>
-          <a:chOff x="0" y="0"/>
-          <a:chExt cx="0" cy="0"/>
-        </a:xfrm>
-      </p:grpSpPr>
-      <p:sp>
-        <p:nvSpPr>
-          <p:cNvPr id="2" name="Title 1">
-            <a:extLst>
-              <a:ext uri="{FF2B5EF4-FFF2-40B4-BE49-F238E27FC236}">
-                <a16:creationId xmlns:a16="http://schemas.microsoft.com/office/drawing/2014/main" id="{5341E720-BBA7-60EC-E1C2-546E38BAD0B5}"/>
-              </a:ext>
-            </a:extLst>
-          </p:cNvPr>
-          <p:cNvSpPr>
-            <a:spLocks noGrp="1"/>
-          </p:cNvSpPr>
-          <p:nvPr>
-            <p:ph type="title"/>
-          </p:nvPr>
-        </p:nvSpPr>
-        <p:spPr>
-          <a:xfrm>
-            <a:off x="720000" y="72000"/>
-            <a:ext cx="10515600" cy="702716"/>
-          </a:xfrm>
-        </p:spPr>
-        <p:txBody>
-          <a:bodyPr>
-            <a:normAutofit/>
-          </a:bodyPr>
-          <a:lstStyle/>
-          <a:p>
-            <a:pPr>
-              <a:lnSpc>
-                <a:spcPct val="100000"/>
-              </a:lnSpc>
-            </a:pPr>
-            <a:r>
-              <a:rPr lang="en-CN" sz="3200" b="1" dirty="0"/>
               <a:t>TE age annotation</a:t>
             </a:r>
           </a:p>
@@ -11748,7 +13099,7 @@
 </p:sld>
 </file>
 
-<file path=ppt/slides/slide7.xml><?xml version="1.0" encoding="utf-8"?>
+<file path=ppt/slides/slide8.xml><?xml version="1.0" encoding="utf-8"?>
 <p:sld xmlns:a="http://schemas.openxmlformats.org/drawingml/2006/main" xmlns:r="http://schemas.openxmlformats.org/officeDocument/2006/relationships" xmlns:p="http://schemas.openxmlformats.org/presentationml/2006/main">
   <p:cSld>
     <p:spTree>
@@ -12411,7 +13762,7 @@
 </p:sld>
 </file>
 
-<file path=ppt/slides/slide8.xml><?xml version="1.0" encoding="utf-8"?>
+<file path=ppt/slides/slide9.xml><?xml version="1.0" encoding="utf-8"?>
 <p:sld xmlns:a="http://schemas.openxmlformats.org/drawingml/2006/main" xmlns:r="http://schemas.openxmlformats.org/officeDocument/2006/relationships" xmlns:p="http://schemas.openxmlformats.org/presentationml/2006/main">
   <p:cSld>
     <p:spTree>

--- a/undergraduate/Presentation.pptx
+++ b/undergraduate/Presentation.pptx
@@ -8,9 +8,9 @@
     <p:sldId id="257" r:id="rId2"/>
     <p:sldId id="263" r:id="rId3"/>
     <p:sldId id="260" r:id="rId4"/>
-    <p:sldId id="264" r:id="rId5"/>
-    <p:sldId id="265" r:id="rId6"/>
-    <p:sldId id="267" r:id="rId7"/>
+    <p:sldId id="270" r:id="rId5"/>
+    <p:sldId id="269" r:id="rId6"/>
+    <p:sldId id="264" r:id="rId7"/>
     <p:sldId id="256" r:id="rId8"/>
     <p:sldId id="268" r:id="rId9"/>
   </p:sldIdLst>
@@ -296,7 +296,7 @@
           <a:p>
             <a:fld id="{57792C16-F24B-4F4E-9560-6BDEACC5E4F6}" type="datetimeFigureOut">
               <a:rPr lang="en-CN" smtClean="0"/>
-              <a:t>01/16/2024</a:t>
+              <a:t>2024/1/21</a:t>
             </a:fld>
             <a:endParaRPr lang="en-CN"/>
           </a:p>
@@ -496,7 +496,7 @@
           <a:p>
             <a:fld id="{57792C16-F24B-4F4E-9560-6BDEACC5E4F6}" type="datetimeFigureOut">
               <a:rPr lang="en-CN" smtClean="0"/>
-              <a:t>01/16/2024</a:t>
+              <a:t>2024/1/21</a:t>
             </a:fld>
             <a:endParaRPr lang="en-CN"/>
           </a:p>
@@ -706,7 +706,7 @@
           <a:p>
             <a:fld id="{57792C16-F24B-4F4E-9560-6BDEACC5E4F6}" type="datetimeFigureOut">
               <a:rPr lang="en-CN" smtClean="0"/>
-              <a:t>01/16/2024</a:t>
+              <a:t>2024/1/21</a:t>
             </a:fld>
             <a:endParaRPr lang="en-CN"/>
           </a:p>
@@ -906,7 +906,7 @@
           <a:p>
             <a:fld id="{57792C16-F24B-4F4E-9560-6BDEACC5E4F6}" type="datetimeFigureOut">
               <a:rPr lang="en-CN" smtClean="0"/>
-              <a:t>01/16/2024</a:t>
+              <a:t>2024/1/21</a:t>
             </a:fld>
             <a:endParaRPr lang="en-CN"/>
           </a:p>
@@ -1182,7 +1182,7 @@
           <a:p>
             <a:fld id="{57792C16-F24B-4F4E-9560-6BDEACC5E4F6}" type="datetimeFigureOut">
               <a:rPr lang="en-CN" smtClean="0"/>
-              <a:t>01/16/2024</a:t>
+              <a:t>2024/1/21</a:t>
             </a:fld>
             <a:endParaRPr lang="en-CN"/>
           </a:p>
@@ -1450,7 +1450,7 @@
           <a:p>
             <a:fld id="{57792C16-F24B-4F4E-9560-6BDEACC5E4F6}" type="datetimeFigureOut">
               <a:rPr lang="en-CN" smtClean="0"/>
-              <a:t>01/16/2024</a:t>
+              <a:t>2024/1/21</a:t>
             </a:fld>
             <a:endParaRPr lang="en-CN"/>
           </a:p>
@@ -1865,7 +1865,7 @@
           <a:p>
             <a:fld id="{57792C16-F24B-4F4E-9560-6BDEACC5E4F6}" type="datetimeFigureOut">
               <a:rPr lang="en-CN" smtClean="0"/>
-              <a:t>01/16/2024</a:t>
+              <a:t>2024/1/21</a:t>
             </a:fld>
             <a:endParaRPr lang="en-CN"/>
           </a:p>
@@ -2007,7 +2007,7 @@
           <a:p>
             <a:fld id="{57792C16-F24B-4F4E-9560-6BDEACC5E4F6}" type="datetimeFigureOut">
               <a:rPr lang="en-CN" smtClean="0"/>
-              <a:t>01/16/2024</a:t>
+              <a:t>2024/1/21</a:t>
             </a:fld>
             <a:endParaRPr lang="en-CN"/>
           </a:p>
@@ -2120,7 +2120,7 @@
           <a:p>
             <a:fld id="{57792C16-F24B-4F4E-9560-6BDEACC5E4F6}" type="datetimeFigureOut">
               <a:rPr lang="en-CN" smtClean="0"/>
-              <a:t>01/16/2024</a:t>
+              <a:t>2024/1/21</a:t>
             </a:fld>
             <a:endParaRPr lang="en-CN"/>
           </a:p>
@@ -2433,7 +2433,7 @@
           <a:p>
             <a:fld id="{57792C16-F24B-4F4E-9560-6BDEACC5E4F6}" type="datetimeFigureOut">
               <a:rPr lang="en-CN" smtClean="0"/>
-              <a:t>01/16/2024</a:t>
+              <a:t>2024/1/21</a:t>
             </a:fld>
             <a:endParaRPr lang="en-CN"/>
           </a:p>
@@ -2722,7 +2722,7 @@
           <a:p>
             <a:fld id="{57792C16-F24B-4F4E-9560-6BDEACC5E4F6}" type="datetimeFigureOut">
               <a:rPr lang="en-CN" smtClean="0"/>
-              <a:t>01/16/2024</a:t>
+              <a:t>2024/1/21</a:t>
             </a:fld>
             <a:endParaRPr lang="en-CN"/>
           </a:p>
@@ -2965,7 +2965,7 @@
           <a:p>
             <a:fld id="{57792C16-F24B-4F4E-9560-6BDEACC5E4F6}" type="datetimeFigureOut">
               <a:rPr lang="en-CN" smtClean="0"/>
-              <a:t>01/16/2024</a:t>
+              <a:t>2024/1/21</a:t>
             </a:fld>
             <a:endParaRPr lang="en-CN"/>
           </a:p>
@@ -4076,15 +4076,15 @@
         </p:nvSpPr>
         <p:spPr>
           <a:xfrm>
-            <a:off x="688059" y="1621443"/>
-            <a:ext cx="3651026" cy="2605833"/>
+            <a:off x="688059" y="1210859"/>
+            <a:ext cx="3651026" cy="3016417"/>
           </a:xfrm>
           <a:prstGeom prst="rightArrowCallout">
             <a:avLst>
               <a:gd name="adj1" fmla="val 13055"/>
               <a:gd name="adj2" fmla="val 13019"/>
               <a:gd name="adj3" fmla="val 17813"/>
-              <a:gd name="adj4" fmla="val 55166"/>
+              <a:gd name="adj4" fmla="val 58744"/>
             </a:avLst>
           </a:prstGeom>
         </p:spPr>
@@ -4106,7 +4106,11 @@
           <a:bodyPr rtlCol="0" anchor="ctr"/>
           <a:lstStyle/>
           <a:p>
-            <a:pPr algn="ctr"/>
+            <a:pPr algn="ctr">
+              <a:lnSpc>
+                <a:spcPct val="120000"/>
+              </a:lnSpc>
+            </a:pPr>
             <a:r>
               <a:rPr lang="en-CN" sz="1600" b="1" dirty="0"/>
               <a:t>TE detectiing Tools: </a:t>
@@ -4114,26 +4118,94 @@
           </a:p>
           <a:p>
             <a:pPr marL="285750" indent="-285750">
+              <a:lnSpc>
+                <a:spcPct val="120000"/>
+              </a:lnSpc>
+              <a:buFont typeface="Arial" panose="020B0604020202020204" pitchFamily="34" charset="0"/>
+              <a:buChar char="•"/>
+            </a:pPr>
+            <a:r>
+              <a:rPr lang="en-US" sz="1600" dirty="0" err="1"/>
+              <a:t>LTR_Harvest</a:t>
+            </a:r>
+            <a:endParaRPr lang="en-US" sz="1600" dirty="0"/>
+          </a:p>
+          <a:p>
+            <a:pPr marL="285750" indent="-285750">
+              <a:lnSpc>
+                <a:spcPct val="120000"/>
+              </a:lnSpc>
+              <a:buFont typeface="Arial" panose="020B0604020202020204" pitchFamily="34" charset="0"/>
+              <a:buChar char="•"/>
+            </a:pPr>
+            <a:r>
+              <a:rPr lang="en-US" sz="1600" dirty="0" err="1"/>
+              <a:t>LTR_Finder</a:t>
+            </a:r>
+            <a:endParaRPr lang="en-US" sz="1600" dirty="0"/>
+          </a:p>
+          <a:p>
+            <a:pPr marL="285750" indent="-285750">
+              <a:lnSpc>
+                <a:spcPct val="120000"/>
+              </a:lnSpc>
+              <a:buFont typeface="Arial" panose="020B0604020202020204" pitchFamily="34" charset="0"/>
+              <a:buChar char="•"/>
+            </a:pPr>
+            <a:r>
+              <a:rPr lang="en-US" sz="1600" dirty="0" err="1"/>
+              <a:t>RepeatMasker</a:t>
+            </a:r>
+            <a:endParaRPr lang="en-US" sz="1600" dirty="0"/>
+          </a:p>
+          <a:p>
+            <a:pPr marL="285750" indent="-285750">
+              <a:lnSpc>
+                <a:spcPct val="120000"/>
+              </a:lnSpc>
               <a:buFont typeface="Arial" panose="020B0604020202020204" pitchFamily="34" charset="0"/>
               <a:buChar char="•"/>
             </a:pPr>
             <a:r>
               <a:rPr lang="en-US" sz="1600" dirty="0"/>
-              <a:t>Censor</a:t>
+              <a:t>TIR-Learner</a:t>
             </a:r>
           </a:p>
           <a:p>
             <a:pPr marL="285750" indent="-285750">
+              <a:lnSpc>
+                <a:spcPct val="120000"/>
+              </a:lnSpc>
+              <a:buFont typeface="Arial" panose="020B0604020202020204" pitchFamily="34" charset="0"/>
+              <a:buChar char="•"/>
+            </a:pPr>
+            <a:r>
+              <a:rPr lang="en-US" sz="1600" dirty="0" err="1"/>
+              <a:t>HelitronScanner</a:t>
+            </a:r>
+            <a:r>
+              <a:rPr lang="en-US" sz="1600" dirty="0"/>
+              <a:t> </a:t>
+            </a:r>
+          </a:p>
+          <a:p>
+            <a:pPr marL="285750" indent="-285750">
+              <a:lnSpc>
+                <a:spcPct val="120000"/>
+              </a:lnSpc>
               <a:buFont typeface="Arial" panose="020B0604020202020204" pitchFamily="34" charset="0"/>
               <a:buChar char="•"/>
             </a:pPr>
             <a:r>
               <a:rPr lang="en-US" sz="1600" dirty="0"/>
-              <a:t>LTR Finder</a:t>
+              <a:t>RECON</a:t>
             </a:r>
           </a:p>
           <a:p>
             <a:pPr marL="285750" indent="-285750">
+              <a:lnSpc>
+                <a:spcPct val="120000"/>
+              </a:lnSpc>
               <a:buFont typeface="Arial" panose="020B0604020202020204" pitchFamily="34" charset="0"/>
               <a:buChar char="•"/>
             </a:pPr>
@@ -4144,43 +4216,15 @@
           </a:p>
           <a:p>
             <a:pPr marL="285750" indent="-285750">
+              <a:lnSpc>
+                <a:spcPct val="120000"/>
+              </a:lnSpc>
               <a:buFont typeface="Arial" panose="020B0604020202020204" pitchFamily="34" charset="0"/>
               <a:buChar char="•"/>
             </a:pPr>
             <a:r>
               <a:rPr lang="en-US" sz="1600" dirty="0"/>
-              <a:t>Repeat Masker</a:t>
-            </a:r>
-          </a:p>
-          <a:p>
-            <a:pPr marL="285750" indent="-285750">
-              <a:buFont typeface="Arial" panose="020B0604020202020204" pitchFamily="34" charset="0"/>
-              <a:buChar char="•"/>
-            </a:pPr>
-            <a:r>
-              <a:rPr lang="en-US" sz="1600" dirty="0" err="1"/>
-              <a:t>INSurVeyor</a:t>
-            </a:r>
-            <a:endParaRPr lang="en-US" sz="1600" dirty="0"/>
-          </a:p>
-          <a:p>
-            <a:pPr marL="285750" indent="-285750">
-              <a:buFont typeface="Arial" panose="020B0604020202020204" pitchFamily="34" charset="0"/>
-              <a:buChar char="•"/>
-            </a:pPr>
-            <a:r>
-              <a:rPr lang="en-US" sz="1600" dirty="0"/>
-              <a:t>RepeatModeler2</a:t>
-            </a:r>
-          </a:p>
-          <a:p>
-            <a:pPr marL="285750" indent="-285750">
-              <a:buFont typeface="Arial" panose="020B0604020202020204" pitchFamily="34" charset="0"/>
-              <a:buChar char="•"/>
-            </a:pPr>
-            <a:r>
-              <a:rPr lang="en-US" sz="1600" dirty="0"/>
-              <a:t>TIR-Learner</a:t>
+              <a:t>MITE-Hunter</a:t>
             </a:r>
             <a:endParaRPr lang="en-CN" sz="1600" dirty="0"/>
           </a:p>
@@ -4919,7 +4963,1742 @@
             </a:pPr>
             <a:r>
               <a:rPr lang="en-CN" sz="3200" b="1" dirty="0"/>
-              <a:t>Propose</a:t>
+              <a:t>TE library</a:t>
+            </a:r>
+          </a:p>
+        </p:txBody>
+      </p:sp>
+      <p:sp>
+        <p:nvSpPr>
+          <p:cNvPr id="3" name="TextBox 2">
+            <a:extLst>
+              <a:ext uri="{FF2B5EF4-FFF2-40B4-BE49-F238E27FC236}">
+                <a16:creationId xmlns:a16="http://schemas.microsoft.com/office/drawing/2014/main" id="{265B1143-B0C2-DB31-9475-488F266CAFEC}"/>
+              </a:ext>
+            </a:extLst>
+          </p:cNvPr>
+          <p:cNvSpPr txBox="1"/>
+          <p:nvPr/>
+        </p:nvSpPr>
+        <p:spPr>
+          <a:xfrm>
+            <a:off x="720000" y="929838"/>
+            <a:ext cx="2985938" cy="338554"/>
+          </a:xfrm>
+          <a:prstGeom prst="rect">
+            <a:avLst/>
+          </a:prstGeom>
+          <a:noFill/>
+        </p:spPr>
+        <p:txBody>
+          <a:bodyPr wrap="square" rtlCol="0">
+            <a:spAutoFit/>
+          </a:bodyPr>
+          <a:lstStyle/>
+          <a:p>
+            <a:r>
+              <a:rPr lang="en-US" sz="1600" b="1" dirty="0"/>
+              <a:t>1. Curated TE library</a:t>
+            </a:r>
+            <a:endParaRPr lang="en-CN" sz="1600" b="1" dirty="0"/>
+          </a:p>
+        </p:txBody>
+      </p:sp>
+      <p:graphicFrame>
+        <p:nvGraphicFramePr>
+          <p:cNvPr id="5" name="Table 4">
+            <a:extLst>
+              <a:ext uri="{FF2B5EF4-FFF2-40B4-BE49-F238E27FC236}">
+                <a16:creationId xmlns:a16="http://schemas.microsoft.com/office/drawing/2014/main" id="{4BFC5091-AB00-872C-7556-1AD7FCDB631C}"/>
+              </a:ext>
+            </a:extLst>
+          </p:cNvPr>
+          <p:cNvGraphicFramePr>
+            <a:graphicFrameLocks noGrp="1"/>
+          </p:cNvGraphicFramePr>
+          <p:nvPr>
+            <p:extLst>
+              <p:ext uri="{D42A27DB-BD31-4B8C-83A1-F6EECF244321}">
+                <p14:modId xmlns:p14="http://schemas.microsoft.com/office/powerpoint/2010/main" val="1193399538"/>
+              </p:ext>
+            </p:extLst>
+          </p:nvPr>
+        </p:nvGraphicFramePr>
+        <p:xfrm>
+          <a:off x="720000" y="1423514"/>
+          <a:ext cx="4778382" cy="2315726"/>
+        </p:xfrm>
+        <a:graphic>
+          <a:graphicData uri="http://schemas.openxmlformats.org/drawingml/2006/table">
+            <a:tbl>
+              <a:tblPr/>
+              <a:tblGrid>
+                <a:gridCol w="1263584">
+                  <a:extLst>
+                    <a:ext uri="{9D8B030D-6E8A-4147-A177-3AD203B41FA5}">
+                      <a16:colId xmlns:a16="http://schemas.microsoft.com/office/drawing/2014/main" val="3318525328"/>
+                    </a:ext>
+                  </a:extLst>
+                </a:gridCol>
+                <a:gridCol w="2251214">
+                  <a:extLst>
+                    <a:ext uri="{9D8B030D-6E8A-4147-A177-3AD203B41FA5}">
+                      <a16:colId xmlns:a16="http://schemas.microsoft.com/office/drawing/2014/main" val="1760817565"/>
+                    </a:ext>
+                  </a:extLst>
+                </a:gridCol>
+                <a:gridCol w="1263584">
+                  <a:extLst>
+                    <a:ext uri="{9D8B030D-6E8A-4147-A177-3AD203B41FA5}">
+                      <a16:colId xmlns:a16="http://schemas.microsoft.com/office/drawing/2014/main" val="1556031650"/>
+                    </a:ext>
+                  </a:extLst>
+                </a:gridCol>
+              </a:tblGrid>
+              <a:tr h="330818">
+                <a:tc>
+                  <a:txBody>
+                    <a:bodyPr/>
+                    <a:lstStyle/>
+                    <a:p>
+                      <a:pPr algn="ctr" fontAlgn="ctr">
+                        <a:lnSpc>
+                          <a:spcPct val="100000"/>
+                        </a:lnSpc>
+                      </a:pPr>
+                      <a:r>
+                        <a:rPr lang="en-US" sz="1600" b="1" i="0" u="none" strike="noStrike" dirty="0">
+                          <a:solidFill>
+                            <a:srgbClr val="000000"/>
+                          </a:solidFill>
+                          <a:effectLst/>
+                          <a:latin typeface="Calibri" panose="020F0502020204030204" pitchFamily="34" charset="0"/>
+                        </a:rPr>
+                        <a:t>Source</a:t>
+                      </a:r>
+                    </a:p>
+                  </a:txBody>
+                  <a:tcPr marL="9525" marR="9525" marT="9525" marB="0" anchor="ctr">
+                    <a:lnL>
+                      <a:noFill/>
+                    </a:lnL>
+                    <a:lnR w="12700" cap="flat" cmpd="sng" algn="ctr">
+                      <a:solidFill>
+                        <a:schemeClr val="tx1"/>
+                      </a:solidFill>
+                      <a:prstDash val="solid"/>
+                      <a:round/>
+                      <a:headEnd type="none" w="med" len="med"/>
+                      <a:tailEnd type="none" w="med" len="med"/>
+                    </a:lnR>
+                    <a:lnT>
+                      <a:noFill/>
+                    </a:lnT>
+                    <a:lnB w="12700" cap="flat" cmpd="sng" algn="ctr">
+                      <a:solidFill>
+                        <a:schemeClr val="tx1"/>
+                      </a:solidFill>
+                      <a:prstDash val="solid"/>
+                      <a:round/>
+                      <a:headEnd type="none" w="med" len="med"/>
+                      <a:tailEnd type="none" w="med" len="med"/>
+                    </a:lnB>
+                    <a:noFill/>
+                  </a:tcPr>
+                </a:tc>
+                <a:tc>
+                  <a:txBody>
+                    <a:bodyPr/>
+                    <a:lstStyle/>
+                    <a:p>
+                      <a:pPr algn="ctr" fontAlgn="ctr">
+                        <a:lnSpc>
+                          <a:spcPct val="100000"/>
+                        </a:lnSpc>
+                      </a:pPr>
+                      <a:r>
+                        <a:rPr lang="en-US" sz="1600" b="1" i="1" u="none" strike="noStrike" dirty="0">
+                          <a:solidFill>
+                            <a:srgbClr val="000000"/>
+                          </a:solidFill>
+                          <a:effectLst/>
+                          <a:latin typeface="Calibri" panose="020F0502020204030204" pitchFamily="34" charset="0"/>
+                        </a:rPr>
+                        <a:t>Species</a:t>
+                      </a:r>
+                    </a:p>
+                  </a:txBody>
+                  <a:tcPr marL="9525" marR="9525" marT="9525" marB="0" anchor="ctr">
+                    <a:lnL w="12700" cap="flat" cmpd="sng" algn="ctr">
+                      <a:solidFill>
+                        <a:schemeClr val="tx1"/>
+                      </a:solidFill>
+                      <a:prstDash val="solid"/>
+                      <a:round/>
+                      <a:headEnd type="none" w="med" len="med"/>
+                      <a:tailEnd type="none" w="med" len="med"/>
+                    </a:lnL>
+                    <a:lnR>
+                      <a:noFill/>
+                    </a:lnR>
+                    <a:lnT>
+                      <a:noFill/>
+                    </a:lnT>
+                    <a:lnB w="12700" cap="flat" cmpd="sng" algn="ctr">
+                      <a:solidFill>
+                        <a:schemeClr val="tx1"/>
+                      </a:solidFill>
+                      <a:prstDash val="solid"/>
+                      <a:round/>
+                      <a:headEnd type="none" w="med" len="med"/>
+                      <a:tailEnd type="none" w="med" len="med"/>
+                    </a:lnB>
+                    <a:noFill/>
+                  </a:tcPr>
+                </a:tc>
+                <a:tc>
+                  <a:txBody>
+                    <a:bodyPr/>
+                    <a:lstStyle/>
+                    <a:p>
+                      <a:pPr algn="ctr" fontAlgn="ctr">
+                        <a:lnSpc>
+                          <a:spcPct val="100000"/>
+                        </a:lnSpc>
+                      </a:pPr>
+                      <a:r>
+                        <a:rPr lang="en-US" sz="1600" b="1" i="0" u="none" strike="noStrike" dirty="0">
+                          <a:solidFill>
+                            <a:srgbClr val="000000"/>
+                          </a:solidFill>
+                          <a:effectLst/>
+                          <a:latin typeface="Calibri" panose="020F0502020204030204" pitchFamily="34" charset="0"/>
+                        </a:rPr>
+                        <a:t>number</a:t>
+                      </a:r>
+                    </a:p>
+                  </a:txBody>
+                  <a:tcPr marL="9525" marR="9525" marT="9525" marB="0" anchor="ctr">
+                    <a:lnL>
+                      <a:noFill/>
+                    </a:lnL>
+                    <a:lnR>
+                      <a:noFill/>
+                    </a:lnR>
+                    <a:lnT>
+                      <a:noFill/>
+                    </a:lnT>
+                    <a:lnB w="12700" cap="flat" cmpd="sng" algn="ctr">
+                      <a:solidFill>
+                        <a:schemeClr val="tx1"/>
+                      </a:solidFill>
+                      <a:prstDash val="solid"/>
+                      <a:round/>
+                      <a:headEnd type="none" w="med" len="med"/>
+                      <a:tailEnd type="none" w="med" len="med"/>
+                    </a:lnB>
+                    <a:noFill/>
+                  </a:tcPr>
+                </a:tc>
+                <a:extLst>
+                  <a:ext uri="{0D108BD9-81ED-4DB2-BD59-A6C34878D82A}">
+                    <a16:rowId xmlns:a16="http://schemas.microsoft.com/office/drawing/2014/main" val="1774768762"/>
+                  </a:ext>
+                </a:extLst>
+              </a:tr>
+              <a:tr h="330818">
+                <a:tc rowSpan="6">
+                  <a:txBody>
+                    <a:bodyPr/>
+                    <a:lstStyle/>
+                    <a:p>
+                      <a:pPr algn="ctr" fontAlgn="ctr">
+                        <a:lnSpc>
+                          <a:spcPct val="100000"/>
+                        </a:lnSpc>
+                      </a:pPr>
+                      <a:r>
+                        <a:rPr lang="en-US" sz="1600" b="0" i="0" u="none" strike="noStrike" dirty="0">
+                          <a:solidFill>
+                            <a:srgbClr val="000000"/>
+                          </a:solidFill>
+                          <a:effectLst/>
+                          <a:latin typeface="Calibri" panose="020F0502020204030204" pitchFamily="34" charset="0"/>
+                        </a:rPr>
+                        <a:t>TREP v.19</a:t>
+                      </a:r>
+                    </a:p>
+                  </a:txBody>
+                  <a:tcPr marL="9525" marR="9525" marT="9525" marB="0" anchor="ctr">
+                    <a:lnL>
+                      <a:noFill/>
+                    </a:lnL>
+                    <a:lnR w="12700" cap="flat" cmpd="sng" algn="ctr">
+                      <a:solidFill>
+                        <a:schemeClr val="tx1"/>
+                      </a:solidFill>
+                      <a:prstDash val="solid"/>
+                      <a:round/>
+                      <a:headEnd type="none" w="med" len="med"/>
+                      <a:tailEnd type="none" w="med" len="med"/>
+                    </a:lnR>
+                    <a:lnT w="12700" cap="flat" cmpd="sng" algn="ctr">
+                      <a:solidFill>
+                        <a:schemeClr val="tx1"/>
+                      </a:solidFill>
+                      <a:prstDash val="solid"/>
+                      <a:round/>
+                      <a:headEnd type="none" w="med" len="med"/>
+                      <a:tailEnd type="none" w="med" len="med"/>
+                    </a:lnT>
+                    <a:lnB>
+                      <a:noFill/>
+                    </a:lnB>
+                    <a:noFill/>
+                  </a:tcPr>
+                </a:tc>
+                <a:tc>
+                  <a:txBody>
+                    <a:bodyPr/>
+                    <a:lstStyle/>
+                    <a:p>
+                      <a:pPr algn="ctr" fontAlgn="ctr">
+                        <a:lnSpc>
+                          <a:spcPct val="100000"/>
+                        </a:lnSpc>
+                      </a:pPr>
+                      <a:r>
+                        <a:rPr lang="en-US" sz="1600" b="0" i="1" u="none" strike="noStrike" dirty="0">
+                          <a:solidFill>
+                            <a:srgbClr val="000000"/>
+                          </a:solidFill>
+                          <a:effectLst/>
+                          <a:latin typeface="Calibri" panose="020F0502020204030204" pitchFamily="34" charset="0"/>
+                        </a:rPr>
+                        <a:t>Triticum </a:t>
+                      </a:r>
+                      <a:r>
+                        <a:rPr lang="en-US" sz="1600" b="0" i="1" u="none" strike="noStrike" dirty="0" err="1">
+                          <a:solidFill>
+                            <a:srgbClr val="000000"/>
+                          </a:solidFill>
+                          <a:effectLst/>
+                          <a:latin typeface="Calibri" panose="020F0502020204030204" pitchFamily="34" charset="0"/>
+                        </a:rPr>
+                        <a:t>monococcum</a:t>
+                      </a:r>
+                      <a:endParaRPr lang="en-US" sz="1600" b="0" i="1" u="none" strike="noStrike" dirty="0">
+                        <a:solidFill>
+                          <a:srgbClr val="000000"/>
+                        </a:solidFill>
+                        <a:effectLst/>
+                        <a:latin typeface="Calibri" panose="020F0502020204030204" pitchFamily="34" charset="0"/>
+                      </a:endParaRPr>
+                    </a:p>
+                  </a:txBody>
+                  <a:tcPr marL="9525" marR="9525" marT="9525" marB="0" anchor="ctr">
+                    <a:lnL w="12700" cap="flat" cmpd="sng" algn="ctr">
+                      <a:solidFill>
+                        <a:schemeClr val="tx1"/>
+                      </a:solidFill>
+                      <a:prstDash val="solid"/>
+                      <a:round/>
+                      <a:headEnd type="none" w="med" len="med"/>
+                      <a:tailEnd type="none" w="med" len="med"/>
+                    </a:lnL>
+                    <a:lnR>
+                      <a:noFill/>
+                    </a:lnR>
+                    <a:lnT w="12700" cap="flat" cmpd="sng" algn="ctr">
+                      <a:solidFill>
+                        <a:schemeClr val="tx1"/>
+                      </a:solidFill>
+                      <a:prstDash val="solid"/>
+                      <a:round/>
+                      <a:headEnd type="none" w="med" len="med"/>
+                      <a:tailEnd type="none" w="med" len="med"/>
+                    </a:lnT>
+                    <a:lnB>
+                      <a:noFill/>
+                    </a:lnB>
+                    <a:noFill/>
+                  </a:tcPr>
+                </a:tc>
+                <a:tc>
+                  <a:txBody>
+                    <a:bodyPr/>
+                    <a:lstStyle/>
+                    <a:p>
+                      <a:pPr algn="ctr" fontAlgn="ctr">
+                        <a:lnSpc>
+                          <a:spcPct val="100000"/>
+                        </a:lnSpc>
+                      </a:pPr>
+                      <a:r>
+                        <a:rPr lang="en-CN" sz="1600" b="0" i="0" u="none" strike="noStrike" dirty="0">
+                          <a:solidFill>
+                            <a:srgbClr val="000000"/>
+                          </a:solidFill>
+                          <a:effectLst/>
+                          <a:latin typeface="Calibri" panose="020F0502020204030204" pitchFamily="34" charset="0"/>
+                        </a:rPr>
+                        <a:t>169</a:t>
+                      </a:r>
+                    </a:p>
+                  </a:txBody>
+                  <a:tcPr marL="9525" marR="9525" marT="9525" marB="0" anchor="ctr">
+                    <a:lnL>
+                      <a:noFill/>
+                    </a:lnL>
+                    <a:lnR>
+                      <a:noFill/>
+                    </a:lnR>
+                    <a:lnT w="12700" cap="flat" cmpd="sng" algn="ctr">
+                      <a:solidFill>
+                        <a:schemeClr val="tx1"/>
+                      </a:solidFill>
+                      <a:prstDash val="solid"/>
+                      <a:round/>
+                      <a:headEnd type="none" w="med" len="med"/>
+                      <a:tailEnd type="none" w="med" len="med"/>
+                    </a:lnT>
+                    <a:lnB>
+                      <a:noFill/>
+                    </a:lnB>
+                    <a:noFill/>
+                  </a:tcPr>
+                </a:tc>
+                <a:extLst>
+                  <a:ext uri="{0D108BD9-81ED-4DB2-BD59-A6C34878D82A}">
+                    <a16:rowId xmlns:a16="http://schemas.microsoft.com/office/drawing/2014/main" val="3699503532"/>
+                  </a:ext>
+                </a:extLst>
+              </a:tr>
+              <a:tr h="330818">
+                <a:tc vMerge="1">
+                  <a:txBody>
+                    <a:bodyPr/>
+                    <a:lstStyle/>
+                    <a:p>
+                      <a:endParaRPr lang="en-CN"/>
+                    </a:p>
+                  </a:txBody>
+                  <a:tcPr>
+                    <a:lnT w="12700" cmpd="sng">
+                      <a:noFill/>
+                      <a:prstDash val="solid"/>
+                    </a:lnT>
+                  </a:tcPr>
+                </a:tc>
+                <a:tc>
+                  <a:txBody>
+                    <a:bodyPr/>
+                    <a:lstStyle/>
+                    <a:p>
+                      <a:pPr algn="ctr" fontAlgn="ctr">
+                        <a:lnSpc>
+                          <a:spcPct val="100000"/>
+                        </a:lnSpc>
+                      </a:pPr>
+                      <a:r>
+                        <a:rPr lang="en-US" sz="1600" b="0" i="1" u="none" strike="noStrike" dirty="0">
+                          <a:solidFill>
+                            <a:srgbClr val="000000"/>
+                          </a:solidFill>
+                          <a:effectLst/>
+                          <a:latin typeface="Calibri" panose="020F0502020204030204" pitchFamily="34" charset="0"/>
+                        </a:rPr>
+                        <a:t>Triticum </a:t>
+                      </a:r>
+                      <a:r>
+                        <a:rPr lang="en-US" sz="1600" b="0" i="1" u="none" strike="noStrike" dirty="0" err="1">
+                          <a:solidFill>
+                            <a:srgbClr val="000000"/>
+                          </a:solidFill>
+                          <a:effectLst/>
+                          <a:latin typeface="Calibri" panose="020F0502020204030204" pitchFamily="34" charset="0"/>
+                        </a:rPr>
+                        <a:t>urartu</a:t>
+                      </a:r>
+                      <a:endParaRPr lang="en-US" sz="1600" b="0" i="1" u="none" strike="noStrike" dirty="0">
+                        <a:solidFill>
+                          <a:srgbClr val="000000"/>
+                        </a:solidFill>
+                        <a:effectLst/>
+                        <a:latin typeface="Calibri" panose="020F0502020204030204" pitchFamily="34" charset="0"/>
+                      </a:endParaRPr>
+                    </a:p>
+                  </a:txBody>
+                  <a:tcPr marL="9525" marR="9525" marT="9525" marB="0" anchor="ctr">
+                    <a:lnL w="12700" cap="flat" cmpd="sng" algn="ctr">
+                      <a:solidFill>
+                        <a:schemeClr val="tx1"/>
+                      </a:solidFill>
+                      <a:prstDash val="solid"/>
+                      <a:round/>
+                      <a:headEnd type="none" w="med" len="med"/>
+                      <a:tailEnd type="none" w="med" len="med"/>
+                    </a:lnL>
+                    <a:lnR>
+                      <a:noFill/>
+                    </a:lnR>
+                    <a:lnT>
+                      <a:noFill/>
+                    </a:lnT>
+                    <a:lnB>
+                      <a:noFill/>
+                    </a:lnB>
+                    <a:noFill/>
+                  </a:tcPr>
+                </a:tc>
+                <a:tc>
+                  <a:txBody>
+                    <a:bodyPr/>
+                    <a:lstStyle/>
+                    <a:p>
+                      <a:pPr algn="ctr" fontAlgn="ctr">
+                        <a:lnSpc>
+                          <a:spcPct val="100000"/>
+                        </a:lnSpc>
+                      </a:pPr>
+                      <a:r>
+                        <a:rPr lang="en-CN" sz="1600" b="0" i="0" u="none" strike="noStrike" dirty="0">
+                          <a:solidFill>
+                            <a:srgbClr val="000000"/>
+                          </a:solidFill>
+                          <a:effectLst/>
+                          <a:latin typeface="Calibri" panose="020F0502020204030204" pitchFamily="34" charset="0"/>
+                        </a:rPr>
+                        <a:t>22</a:t>
+                      </a:r>
+                    </a:p>
+                  </a:txBody>
+                  <a:tcPr marL="9525" marR="9525" marT="9525" marB="0" anchor="ctr">
+                    <a:lnL>
+                      <a:noFill/>
+                    </a:lnL>
+                    <a:lnR>
+                      <a:noFill/>
+                    </a:lnR>
+                    <a:lnT>
+                      <a:noFill/>
+                    </a:lnT>
+                    <a:lnB>
+                      <a:noFill/>
+                    </a:lnB>
+                    <a:noFill/>
+                  </a:tcPr>
+                </a:tc>
+                <a:extLst>
+                  <a:ext uri="{0D108BD9-81ED-4DB2-BD59-A6C34878D82A}">
+                    <a16:rowId xmlns:a16="http://schemas.microsoft.com/office/drawing/2014/main" val="3671795532"/>
+                  </a:ext>
+                </a:extLst>
+              </a:tr>
+              <a:tr h="330818">
+                <a:tc vMerge="1">
+                  <a:txBody>
+                    <a:bodyPr/>
+                    <a:lstStyle/>
+                    <a:p>
+                      <a:endParaRPr lang="en-CN"/>
+                    </a:p>
+                  </a:txBody>
+                  <a:tcPr/>
+                </a:tc>
+                <a:tc>
+                  <a:txBody>
+                    <a:bodyPr/>
+                    <a:lstStyle/>
+                    <a:p>
+                      <a:pPr algn="ctr" fontAlgn="ctr">
+                        <a:lnSpc>
+                          <a:spcPct val="100000"/>
+                        </a:lnSpc>
+                      </a:pPr>
+                      <a:r>
+                        <a:rPr lang="en-US" sz="1600" b="0" i="1" u="none" strike="noStrike" dirty="0">
+                          <a:solidFill>
+                            <a:srgbClr val="000000"/>
+                          </a:solidFill>
+                          <a:effectLst/>
+                          <a:latin typeface="Calibri" panose="020F0502020204030204" pitchFamily="34" charset="0"/>
+                        </a:rPr>
+                        <a:t>Aegilops </a:t>
+                      </a:r>
+                      <a:r>
+                        <a:rPr lang="en-US" sz="1600" b="0" i="1" u="none" strike="noStrike" dirty="0" err="1">
+                          <a:solidFill>
+                            <a:srgbClr val="000000"/>
+                          </a:solidFill>
+                          <a:effectLst/>
+                          <a:latin typeface="Calibri" panose="020F0502020204030204" pitchFamily="34" charset="0"/>
+                        </a:rPr>
+                        <a:t>tauschii</a:t>
+                      </a:r>
+                      <a:endParaRPr lang="en-US" sz="1600" b="0" i="1" u="none" strike="noStrike" dirty="0">
+                        <a:solidFill>
+                          <a:srgbClr val="000000"/>
+                        </a:solidFill>
+                        <a:effectLst/>
+                        <a:latin typeface="Calibri" panose="020F0502020204030204" pitchFamily="34" charset="0"/>
+                      </a:endParaRPr>
+                    </a:p>
+                  </a:txBody>
+                  <a:tcPr marL="9525" marR="9525" marT="9525" marB="0" anchor="ctr">
+                    <a:lnL w="12700" cap="flat" cmpd="sng" algn="ctr">
+                      <a:solidFill>
+                        <a:schemeClr val="tx1"/>
+                      </a:solidFill>
+                      <a:prstDash val="solid"/>
+                      <a:round/>
+                      <a:headEnd type="none" w="med" len="med"/>
+                      <a:tailEnd type="none" w="med" len="med"/>
+                    </a:lnL>
+                    <a:lnR>
+                      <a:noFill/>
+                    </a:lnR>
+                    <a:lnT>
+                      <a:noFill/>
+                    </a:lnT>
+                    <a:lnB>
+                      <a:noFill/>
+                    </a:lnB>
+                    <a:noFill/>
+                  </a:tcPr>
+                </a:tc>
+                <a:tc>
+                  <a:txBody>
+                    <a:bodyPr/>
+                    <a:lstStyle/>
+                    <a:p>
+                      <a:pPr algn="ctr" fontAlgn="ctr">
+                        <a:lnSpc>
+                          <a:spcPct val="100000"/>
+                        </a:lnSpc>
+                      </a:pPr>
+                      <a:r>
+                        <a:rPr lang="en-CN" sz="1600" b="0" i="0" u="none" strike="noStrike" dirty="0">
+                          <a:solidFill>
+                            <a:srgbClr val="000000"/>
+                          </a:solidFill>
+                          <a:effectLst/>
+                          <a:latin typeface="Calibri" panose="020F0502020204030204" pitchFamily="34" charset="0"/>
+                        </a:rPr>
+                        <a:t>22</a:t>
+                      </a:r>
+                    </a:p>
+                  </a:txBody>
+                  <a:tcPr marL="9525" marR="9525" marT="9525" marB="0" anchor="ctr">
+                    <a:lnL>
+                      <a:noFill/>
+                    </a:lnL>
+                    <a:lnR>
+                      <a:noFill/>
+                    </a:lnR>
+                    <a:lnT>
+                      <a:noFill/>
+                    </a:lnT>
+                    <a:lnB>
+                      <a:noFill/>
+                    </a:lnB>
+                    <a:noFill/>
+                  </a:tcPr>
+                </a:tc>
+                <a:extLst>
+                  <a:ext uri="{0D108BD9-81ED-4DB2-BD59-A6C34878D82A}">
+                    <a16:rowId xmlns:a16="http://schemas.microsoft.com/office/drawing/2014/main" val="1197312095"/>
+                  </a:ext>
+                </a:extLst>
+              </a:tr>
+              <a:tr h="330818">
+                <a:tc vMerge="1">
+                  <a:txBody>
+                    <a:bodyPr/>
+                    <a:lstStyle/>
+                    <a:p>
+                      <a:endParaRPr lang="en-CN"/>
+                    </a:p>
+                  </a:txBody>
+                  <a:tcPr/>
+                </a:tc>
+                <a:tc>
+                  <a:txBody>
+                    <a:bodyPr/>
+                    <a:lstStyle/>
+                    <a:p>
+                      <a:pPr algn="ctr" fontAlgn="ctr">
+                        <a:lnSpc>
+                          <a:spcPct val="100000"/>
+                        </a:lnSpc>
+                      </a:pPr>
+                      <a:r>
+                        <a:rPr lang="en-US" sz="1600" b="0" i="1" u="none" strike="noStrike" dirty="0">
+                          <a:solidFill>
+                            <a:srgbClr val="000000"/>
+                          </a:solidFill>
+                          <a:effectLst/>
+                          <a:latin typeface="Calibri" panose="020F0502020204030204" pitchFamily="34" charset="0"/>
+                        </a:rPr>
+                        <a:t>Triticum durum</a:t>
+                      </a:r>
+                    </a:p>
+                  </a:txBody>
+                  <a:tcPr marL="9525" marR="9525" marT="9525" marB="0" anchor="ctr">
+                    <a:lnL w="12700" cap="flat" cmpd="sng" algn="ctr">
+                      <a:solidFill>
+                        <a:schemeClr val="tx1"/>
+                      </a:solidFill>
+                      <a:prstDash val="solid"/>
+                      <a:round/>
+                      <a:headEnd type="none" w="med" len="med"/>
+                      <a:tailEnd type="none" w="med" len="med"/>
+                    </a:lnL>
+                    <a:lnR>
+                      <a:noFill/>
+                    </a:lnR>
+                    <a:lnT>
+                      <a:noFill/>
+                    </a:lnT>
+                    <a:lnB>
+                      <a:noFill/>
+                    </a:lnB>
+                    <a:noFill/>
+                  </a:tcPr>
+                </a:tc>
+                <a:tc>
+                  <a:txBody>
+                    <a:bodyPr/>
+                    <a:lstStyle/>
+                    <a:p>
+                      <a:pPr algn="ctr" fontAlgn="ctr">
+                        <a:lnSpc>
+                          <a:spcPct val="100000"/>
+                        </a:lnSpc>
+                      </a:pPr>
+                      <a:r>
+                        <a:rPr lang="en-CN" sz="1600" b="0" i="0" u="none" strike="noStrike" dirty="0">
+                          <a:solidFill>
+                            <a:srgbClr val="000000"/>
+                          </a:solidFill>
+                          <a:effectLst/>
+                          <a:latin typeface="Calibri" panose="020F0502020204030204" pitchFamily="34" charset="0"/>
+                        </a:rPr>
+                        <a:t>100</a:t>
+                      </a:r>
+                    </a:p>
+                  </a:txBody>
+                  <a:tcPr marL="9525" marR="9525" marT="9525" marB="0" anchor="ctr">
+                    <a:lnL>
+                      <a:noFill/>
+                    </a:lnL>
+                    <a:lnR>
+                      <a:noFill/>
+                    </a:lnR>
+                    <a:lnT>
+                      <a:noFill/>
+                    </a:lnT>
+                    <a:lnB>
+                      <a:noFill/>
+                    </a:lnB>
+                    <a:noFill/>
+                  </a:tcPr>
+                </a:tc>
+                <a:extLst>
+                  <a:ext uri="{0D108BD9-81ED-4DB2-BD59-A6C34878D82A}">
+                    <a16:rowId xmlns:a16="http://schemas.microsoft.com/office/drawing/2014/main" val="369414584"/>
+                  </a:ext>
+                </a:extLst>
+              </a:tr>
+              <a:tr h="330818">
+                <a:tc vMerge="1">
+                  <a:txBody>
+                    <a:bodyPr/>
+                    <a:lstStyle/>
+                    <a:p>
+                      <a:endParaRPr lang="en-CN"/>
+                    </a:p>
+                  </a:txBody>
+                  <a:tcPr/>
+                </a:tc>
+                <a:tc>
+                  <a:txBody>
+                    <a:bodyPr/>
+                    <a:lstStyle/>
+                    <a:p>
+                      <a:pPr algn="ctr" fontAlgn="ctr">
+                        <a:lnSpc>
+                          <a:spcPct val="100000"/>
+                        </a:lnSpc>
+                      </a:pPr>
+                      <a:r>
+                        <a:rPr lang="en-US" sz="1600" b="0" i="1" u="none" strike="noStrike" dirty="0">
+                          <a:solidFill>
+                            <a:srgbClr val="000000"/>
+                          </a:solidFill>
+                          <a:effectLst/>
+                          <a:latin typeface="Calibri" panose="020F0502020204030204" pitchFamily="34" charset="0"/>
+                        </a:rPr>
+                        <a:t>Triticum </a:t>
+                      </a:r>
+                      <a:r>
+                        <a:rPr lang="en-US" sz="1600" b="0" i="1" u="none" strike="noStrike" dirty="0" err="1">
+                          <a:solidFill>
+                            <a:srgbClr val="000000"/>
+                          </a:solidFill>
+                          <a:effectLst/>
+                          <a:latin typeface="Calibri" panose="020F0502020204030204" pitchFamily="34" charset="0"/>
+                        </a:rPr>
+                        <a:t>aestivum</a:t>
+                      </a:r>
+                      <a:endParaRPr lang="en-US" sz="1600" b="0" i="1" u="none" strike="noStrike" dirty="0">
+                        <a:solidFill>
+                          <a:srgbClr val="000000"/>
+                        </a:solidFill>
+                        <a:effectLst/>
+                        <a:latin typeface="Calibri" panose="020F0502020204030204" pitchFamily="34" charset="0"/>
+                      </a:endParaRPr>
+                    </a:p>
+                  </a:txBody>
+                  <a:tcPr marL="9525" marR="9525" marT="9525" marB="0" anchor="ctr">
+                    <a:lnL w="12700" cap="flat" cmpd="sng" algn="ctr">
+                      <a:solidFill>
+                        <a:schemeClr val="tx1"/>
+                      </a:solidFill>
+                      <a:prstDash val="solid"/>
+                      <a:round/>
+                      <a:headEnd type="none" w="med" len="med"/>
+                      <a:tailEnd type="none" w="med" len="med"/>
+                    </a:lnL>
+                    <a:lnR>
+                      <a:noFill/>
+                    </a:lnR>
+                    <a:lnT>
+                      <a:noFill/>
+                    </a:lnT>
+                    <a:lnB>
+                      <a:noFill/>
+                    </a:lnB>
+                    <a:noFill/>
+                  </a:tcPr>
+                </a:tc>
+                <a:tc>
+                  <a:txBody>
+                    <a:bodyPr/>
+                    <a:lstStyle/>
+                    <a:p>
+                      <a:pPr algn="ctr" fontAlgn="ctr">
+                        <a:lnSpc>
+                          <a:spcPct val="100000"/>
+                        </a:lnSpc>
+                      </a:pPr>
+                      <a:r>
+                        <a:rPr lang="en-CN" sz="1600" b="0" i="0" u="none" strike="noStrike" dirty="0">
+                          <a:solidFill>
+                            <a:srgbClr val="000000"/>
+                          </a:solidFill>
+                          <a:effectLst/>
+                          <a:latin typeface="Calibri" panose="020F0502020204030204" pitchFamily="34" charset="0"/>
+                        </a:rPr>
+                        <a:t>801</a:t>
+                      </a:r>
+                    </a:p>
+                  </a:txBody>
+                  <a:tcPr marL="9525" marR="9525" marT="9525" marB="0" anchor="ctr">
+                    <a:lnL>
+                      <a:noFill/>
+                    </a:lnL>
+                    <a:lnR>
+                      <a:noFill/>
+                    </a:lnR>
+                    <a:lnT>
+                      <a:noFill/>
+                    </a:lnT>
+                    <a:lnB>
+                      <a:noFill/>
+                    </a:lnB>
+                    <a:noFill/>
+                  </a:tcPr>
+                </a:tc>
+                <a:extLst>
+                  <a:ext uri="{0D108BD9-81ED-4DB2-BD59-A6C34878D82A}">
+                    <a16:rowId xmlns:a16="http://schemas.microsoft.com/office/drawing/2014/main" val="2787877328"/>
+                  </a:ext>
+                </a:extLst>
+              </a:tr>
+              <a:tr h="330818">
+                <a:tc vMerge="1">
+                  <a:txBody>
+                    <a:bodyPr/>
+                    <a:lstStyle/>
+                    <a:p>
+                      <a:endParaRPr lang="en-CN"/>
+                    </a:p>
+                  </a:txBody>
+                  <a:tcPr/>
+                </a:tc>
+                <a:tc>
+                  <a:txBody>
+                    <a:bodyPr/>
+                    <a:lstStyle/>
+                    <a:p>
+                      <a:pPr algn="ctr" fontAlgn="ctr">
+                        <a:lnSpc>
+                          <a:spcPct val="100000"/>
+                        </a:lnSpc>
+                      </a:pPr>
+                      <a:r>
+                        <a:rPr lang="en-US" sz="1600" b="0" i="1" u="none" strike="noStrike" dirty="0">
+                          <a:solidFill>
+                            <a:srgbClr val="000000"/>
+                          </a:solidFill>
+                          <a:effectLst/>
+                          <a:latin typeface="Calibri" panose="020F0502020204030204" pitchFamily="34" charset="0"/>
+                        </a:rPr>
+                        <a:t>Triticum unknown</a:t>
+                      </a:r>
+                    </a:p>
+                  </a:txBody>
+                  <a:tcPr marL="9525" marR="9525" marT="9525" marB="0" anchor="ctr">
+                    <a:lnL w="12700" cap="flat" cmpd="sng" algn="ctr">
+                      <a:solidFill>
+                        <a:schemeClr val="tx1"/>
+                      </a:solidFill>
+                      <a:prstDash val="solid"/>
+                      <a:round/>
+                      <a:headEnd type="none" w="med" len="med"/>
+                      <a:tailEnd type="none" w="med" len="med"/>
+                    </a:lnL>
+                    <a:lnR>
+                      <a:noFill/>
+                    </a:lnR>
+                    <a:lnT>
+                      <a:noFill/>
+                    </a:lnT>
+                    <a:lnB>
+                      <a:noFill/>
+                    </a:lnB>
+                    <a:noFill/>
+                  </a:tcPr>
+                </a:tc>
+                <a:tc>
+                  <a:txBody>
+                    <a:bodyPr/>
+                    <a:lstStyle/>
+                    <a:p>
+                      <a:pPr algn="ctr" fontAlgn="ctr">
+                        <a:lnSpc>
+                          <a:spcPct val="100000"/>
+                        </a:lnSpc>
+                      </a:pPr>
+                      <a:r>
+                        <a:rPr lang="en-CN" sz="1600" b="0" i="0" u="none" strike="noStrike" dirty="0">
+                          <a:solidFill>
+                            <a:srgbClr val="000000"/>
+                          </a:solidFill>
+                          <a:effectLst/>
+                          <a:latin typeface="Calibri" panose="020F0502020204030204" pitchFamily="34" charset="0"/>
+                        </a:rPr>
+                        <a:t>70</a:t>
+                      </a:r>
+                    </a:p>
+                  </a:txBody>
+                  <a:tcPr marL="9525" marR="9525" marT="9525" marB="0" anchor="ctr">
+                    <a:lnL>
+                      <a:noFill/>
+                    </a:lnL>
+                    <a:lnR>
+                      <a:noFill/>
+                    </a:lnR>
+                    <a:lnT>
+                      <a:noFill/>
+                    </a:lnT>
+                    <a:lnB>
+                      <a:noFill/>
+                    </a:lnB>
+                    <a:noFill/>
+                  </a:tcPr>
+                </a:tc>
+                <a:extLst>
+                  <a:ext uri="{0D108BD9-81ED-4DB2-BD59-A6C34878D82A}">
+                    <a16:rowId xmlns:a16="http://schemas.microsoft.com/office/drawing/2014/main" val="1884090233"/>
+                  </a:ext>
+                </a:extLst>
+              </a:tr>
+            </a:tbl>
+          </a:graphicData>
+        </a:graphic>
+      </p:graphicFrame>
+      <p:sp>
+        <p:nvSpPr>
+          <p:cNvPr id="7" name="TextBox 6">
+            <a:extLst>
+              <a:ext uri="{FF2B5EF4-FFF2-40B4-BE49-F238E27FC236}">
+                <a16:creationId xmlns:a16="http://schemas.microsoft.com/office/drawing/2014/main" id="{BFB3AF2E-A736-30B6-30C8-1E04F0BAAB5E}"/>
+              </a:ext>
+            </a:extLst>
+          </p:cNvPr>
+          <p:cNvSpPr txBox="1"/>
+          <p:nvPr/>
+        </p:nvSpPr>
+        <p:spPr>
+          <a:xfrm>
+            <a:off x="720000" y="4218761"/>
+            <a:ext cx="3900986" cy="338554"/>
+          </a:xfrm>
+          <a:prstGeom prst="rect">
+            <a:avLst/>
+          </a:prstGeom>
+          <a:noFill/>
+        </p:spPr>
+        <p:txBody>
+          <a:bodyPr wrap="square" rtlCol="0">
+            <a:spAutoFit/>
+          </a:bodyPr>
+          <a:lstStyle/>
+          <a:p>
+            <a:r>
+              <a:rPr lang="en-US" sz="1600" b="1" dirty="0"/>
+              <a:t>2. Putative TE library</a:t>
+            </a:r>
+            <a:endParaRPr lang="en-CN" sz="1600" b="1" dirty="0"/>
+          </a:p>
+        </p:txBody>
+      </p:sp>
+      <p:graphicFrame>
+        <p:nvGraphicFramePr>
+          <p:cNvPr id="8" name="Table 7">
+            <a:extLst>
+              <a:ext uri="{FF2B5EF4-FFF2-40B4-BE49-F238E27FC236}">
+                <a16:creationId xmlns:a16="http://schemas.microsoft.com/office/drawing/2014/main" id="{CC9580A7-E920-087E-B484-FC02D1E44FD3}"/>
+              </a:ext>
+            </a:extLst>
+          </p:cNvPr>
+          <p:cNvGraphicFramePr>
+            <a:graphicFrameLocks noGrp="1"/>
+          </p:cNvGraphicFramePr>
+          <p:nvPr>
+            <p:extLst>
+              <p:ext uri="{D42A27DB-BD31-4B8C-83A1-F6EECF244321}">
+                <p14:modId xmlns:p14="http://schemas.microsoft.com/office/powerpoint/2010/main" val="36986018"/>
+              </p:ext>
+            </p:extLst>
+          </p:nvPr>
+        </p:nvGraphicFramePr>
+        <p:xfrm>
+          <a:off x="720000" y="4712437"/>
+          <a:ext cx="4778382" cy="992454"/>
+        </p:xfrm>
+        <a:graphic>
+          <a:graphicData uri="http://schemas.openxmlformats.org/drawingml/2006/table">
+            <a:tbl>
+              <a:tblPr/>
+              <a:tblGrid>
+                <a:gridCol w="1263584">
+                  <a:extLst>
+                    <a:ext uri="{9D8B030D-6E8A-4147-A177-3AD203B41FA5}">
+                      <a16:colId xmlns:a16="http://schemas.microsoft.com/office/drawing/2014/main" val="3318525328"/>
+                    </a:ext>
+                  </a:extLst>
+                </a:gridCol>
+                <a:gridCol w="2251214">
+                  <a:extLst>
+                    <a:ext uri="{9D8B030D-6E8A-4147-A177-3AD203B41FA5}">
+                      <a16:colId xmlns:a16="http://schemas.microsoft.com/office/drawing/2014/main" val="1760817565"/>
+                    </a:ext>
+                  </a:extLst>
+                </a:gridCol>
+                <a:gridCol w="1263584">
+                  <a:extLst>
+                    <a:ext uri="{9D8B030D-6E8A-4147-A177-3AD203B41FA5}">
+                      <a16:colId xmlns:a16="http://schemas.microsoft.com/office/drawing/2014/main" val="1556031650"/>
+                    </a:ext>
+                  </a:extLst>
+                </a:gridCol>
+              </a:tblGrid>
+              <a:tr h="330818">
+                <a:tc>
+                  <a:txBody>
+                    <a:bodyPr/>
+                    <a:lstStyle/>
+                    <a:p>
+                      <a:pPr algn="ctr" fontAlgn="ctr">
+                        <a:lnSpc>
+                          <a:spcPct val="100000"/>
+                        </a:lnSpc>
+                      </a:pPr>
+                      <a:r>
+                        <a:rPr lang="en-US" sz="1600" b="1" i="0" u="none" strike="noStrike" dirty="0">
+                          <a:solidFill>
+                            <a:srgbClr val="000000"/>
+                          </a:solidFill>
+                          <a:effectLst/>
+                          <a:latin typeface="Calibri" panose="020F0502020204030204" pitchFamily="34" charset="0"/>
+                        </a:rPr>
+                        <a:t>Source</a:t>
+                      </a:r>
+                    </a:p>
+                  </a:txBody>
+                  <a:tcPr marL="9525" marR="9525" marT="9525" marB="0" anchor="ctr">
+                    <a:lnL>
+                      <a:noFill/>
+                    </a:lnL>
+                    <a:lnR w="12700" cap="flat" cmpd="sng" algn="ctr">
+                      <a:solidFill>
+                        <a:schemeClr val="tx1"/>
+                      </a:solidFill>
+                      <a:prstDash val="solid"/>
+                      <a:round/>
+                      <a:headEnd type="none" w="med" len="med"/>
+                      <a:tailEnd type="none" w="med" len="med"/>
+                    </a:lnR>
+                    <a:lnT>
+                      <a:noFill/>
+                    </a:lnT>
+                    <a:lnB w="12700" cap="flat" cmpd="sng" algn="ctr">
+                      <a:solidFill>
+                        <a:schemeClr val="tx1"/>
+                      </a:solidFill>
+                      <a:prstDash val="solid"/>
+                      <a:round/>
+                      <a:headEnd type="none" w="med" len="med"/>
+                      <a:tailEnd type="none" w="med" len="med"/>
+                    </a:lnB>
+                    <a:noFill/>
+                  </a:tcPr>
+                </a:tc>
+                <a:tc>
+                  <a:txBody>
+                    <a:bodyPr/>
+                    <a:lstStyle/>
+                    <a:p>
+                      <a:pPr algn="ctr" fontAlgn="ctr">
+                        <a:lnSpc>
+                          <a:spcPct val="100000"/>
+                        </a:lnSpc>
+                      </a:pPr>
+                      <a:r>
+                        <a:rPr lang="en-US" sz="1600" b="1" i="1" u="none" strike="noStrike" dirty="0">
+                          <a:solidFill>
+                            <a:srgbClr val="000000"/>
+                          </a:solidFill>
+                          <a:effectLst/>
+                          <a:latin typeface="Calibri" panose="020F0502020204030204" pitchFamily="34" charset="0"/>
+                        </a:rPr>
+                        <a:t>Species</a:t>
+                      </a:r>
+                    </a:p>
+                  </a:txBody>
+                  <a:tcPr marL="9525" marR="9525" marT="9525" marB="0" anchor="ctr">
+                    <a:lnL w="12700" cap="flat" cmpd="sng" algn="ctr">
+                      <a:solidFill>
+                        <a:schemeClr val="tx1"/>
+                      </a:solidFill>
+                      <a:prstDash val="solid"/>
+                      <a:round/>
+                      <a:headEnd type="none" w="med" len="med"/>
+                      <a:tailEnd type="none" w="med" len="med"/>
+                    </a:lnL>
+                    <a:lnR>
+                      <a:noFill/>
+                    </a:lnR>
+                    <a:lnT>
+                      <a:noFill/>
+                    </a:lnT>
+                    <a:lnB w="12700" cap="flat" cmpd="sng" algn="ctr">
+                      <a:solidFill>
+                        <a:schemeClr val="tx1"/>
+                      </a:solidFill>
+                      <a:prstDash val="solid"/>
+                      <a:round/>
+                      <a:headEnd type="none" w="med" len="med"/>
+                      <a:tailEnd type="none" w="med" len="med"/>
+                    </a:lnB>
+                    <a:noFill/>
+                  </a:tcPr>
+                </a:tc>
+                <a:tc>
+                  <a:txBody>
+                    <a:bodyPr/>
+                    <a:lstStyle/>
+                    <a:p>
+                      <a:pPr algn="ctr" fontAlgn="ctr">
+                        <a:lnSpc>
+                          <a:spcPct val="100000"/>
+                        </a:lnSpc>
+                      </a:pPr>
+                      <a:r>
+                        <a:rPr lang="en-US" sz="1600" b="1" i="0" u="none" strike="noStrike" dirty="0">
+                          <a:solidFill>
+                            <a:srgbClr val="000000"/>
+                          </a:solidFill>
+                          <a:effectLst/>
+                          <a:latin typeface="Calibri" panose="020F0502020204030204" pitchFamily="34" charset="0"/>
+                        </a:rPr>
+                        <a:t>number</a:t>
+                      </a:r>
+                    </a:p>
+                  </a:txBody>
+                  <a:tcPr marL="9525" marR="9525" marT="9525" marB="0" anchor="ctr">
+                    <a:lnL>
+                      <a:noFill/>
+                    </a:lnL>
+                    <a:lnR>
+                      <a:noFill/>
+                    </a:lnR>
+                    <a:lnT>
+                      <a:noFill/>
+                    </a:lnT>
+                    <a:lnB w="12700" cap="flat" cmpd="sng" algn="ctr">
+                      <a:solidFill>
+                        <a:schemeClr val="tx1"/>
+                      </a:solidFill>
+                      <a:prstDash val="solid"/>
+                      <a:round/>
+                      <a:headEnd type="none" w="med" len="med"/>
+                      <a:tailEnd type="none" w="med" len="med"/>
+                    </a:lnB>
+                    <a:noFill/>
+                  </a:tcPr>
+                </a:tc>
+                <a:extLst>
+                  <a:ext uri="{0D108BD9-81ED-4DB2-BD59-A6C34878D82A}">
+                    <a16:rowId xmlns:a16="http://schemas.microsoft.com/office/drawing/2014/main" val="1774768762"/>
+                  </a:ext>
+                </a:extLst>
+              </a:tr>
+              <a:tr h="330818">
+                <a:tc rowSpan="2">
+                  <a:txBody>
+                    <a:bodyPr/>
+                    <a:lstStyle/>
+                    <a:p>
+                      <a:pPr algn="ctr" fontAlgn="ctr">
+                        <a:lnSpc>
+                          <a:spcPct val="100000"/>
+                        </a:lnSpc>
+                      </a:pPr>
+                      <a:r>
+                        <a:rPr lang="en-US" sz="1600" b="0" i="0" u="none" strike="noStrike" dirty="0" err="1">
+                          <a:solidFill>
+                            <a:srgbClr val="000000"/>
+                          </a:solidFill>
+                          <a:effectLst/>
+                          <a:latin typeface="Calibri" panose="020F0502020204030204" pitchFamily="34" charset="0"/>
+                        </a:rPr>
+                        <a:t>Dfam</a:t>
+                      </a:r>
+                      <a:endParaRPr lang="en-US" sz="1600" b="0" i="0" u="none" strike="noStrike" dirty="0">
+                        <a:solidFill>
+                          <a:srgbClr val="000000"/>
+                        </a:solidFill>
+                        <a:effectLst/>
+                        <a:latin typeface="Calibri" panose="020F0502020204030204" pitchFamily="34" charset="0"/>
+                      </a:endParaRPr>
+                    </a:p>
+                  </a:txBody>
+                  <a:tcPr marL="9525" marR="9525" marT="9525" marB="0" anchor="ctr">
+                    <a:lnL>
+                      <a:noFill/>
+                    </a:lnL>
+                    <a:lnR w="12700" cap="flat" cmpd="sng" algn="ctr">
+                      <a:solidFill>
+                        <a:schemeClr val="tx1"/>
+                      </a:solidFill>
+                      <a:prstDash val="solid"/>
+                      <a:round/>
+                      <a:headEnd type="none" w="med" len="med"/>
+                      <a:tailEnd type="none" w="med" len="med"/>
+                    </a:lnR>
+                    <a:lnT w="12700" cap="flat" cmpd="sng" algn="ctr">
+                      <a:solidFill>
+                        <a:schemeClr val="tx1"/>
+                      </a:solidFill>
+                      <a:prstDash val="solid"/>
+                      <a:round/>
+                      <a:headEnd type="none" w="med" len="med"/>
+                      <a:tailEnd type="none" w="med" len="med"/>
+                    </a:lnT>
+                    <a:lnB>
+                      <a:noFill/>
+                    </a:lnB>
+                    <a:noFill/>
+                  </a:tcPr>
+                </a:tc>
+                <a:tc>
+                  <a:txBody>
+                    <a:bodyPr/>
+                    <a:lstStyle/>
+                    <a:p>
+                      <a:pPr algn="ctr" fontAlgn="ctr">
+                        <a:lnSpc>
+                          <a:spcPct val="100000"/>
+                        </a:lnSpc>
+                      </a:pPr>
+                      <a:r>
+                        <a:rPr lang="en-US" sz="1600" b="0" i="1" u="none" strike="noStrike" dirty="0">
+                          <a:solidFill>
+                            <a:srgbClr val="000000"/>
+                          </a:solidFill>
+                          <a:effectLst/>
+                          <a:latin typeface="Calibri" panose="020F0502020204030204" pitchFamily="34" charset="0"/>
+                        </a:rPr>
+                        <a:t>Hordeum vulgare</a:t>
+                      </a:r>
+                    </a:p>
+                  </a:txBody>
+                  <a:tcPr marL="9525" marR="9525" marT="9525" marB="0" anchor="ctr">
+                    <a:lnL w="12700" cap="flat" cmpd="sng" algn="ctr">
+                      <a:solidFill>
+                        <a:schemeClr val="tx1"/>
+                      </a:solidFill>
+                      <a:prstDash val="solid"/>
+                      <a:round/>
+                      <a:headEnd type="none" w="med" len="med"/>
+                      <a:tailEnd type="none" w="med" len="med"/>
+                    </a:lnL>
+                    <a:lnR>
+                      <a:noFill/>
+                    </a:lnR>
+                    <a:lnT w="12700" cap="flat" cmpd="sng" algn="ctr">
+                      <a:solidFill>
+                        <a:schemeClr val="tx1"/>
+                      </a:solidFill>
+                      <a:prstDash val="solid"/>
+                      <a:round/>
+                      <a:headEnd type="none" w="med" len="med"/>
+                      <a:tailEnd type="none" w="med" len="med"/>
+                    </a:lnT>
+                    <a:lnB>
+                      <a:noFill/>
+                    </a:lnB>
+                    <a:noFill/>
+                  </a:tcPr>
+                </a:tc>
+                <a:tc>
+                  <a:txBody>
+                    <a:bodyPr/>
+                    <a:lstStyle/>
+                    <a:p>
+                      <a:pPr algn="ctr" fontAlgn="ctr">
+                        <a:lnSpc>
+                          <a:spcPct val="100000"/>
+                        </a:lnSpc>
+                      </a:pPr>
+                      <a:r>
+                        <a:rPr lang="en-CN" sz="1600" b="0" i="0" u="none" strike="noStrike" dirty="0">
+                          <a:solidFill>
+                            <a:srgbClr val="000000"/>
+                          </a:solidFill>
+                          <a:effectLst/>
+                          <a:latin typeface="Calibri" panose="020F0502020204030204" pitchFamily="34" charset="0"/>
+                        </a:rPr>
+                        <a:t>1101</a:t>
+                      </a:r>
+                    </a:p>
+                  </a:txBody>
+                  <a:tcPr marL="9525" marR="9525" marT="9525" marB="0" anchor="ctr">
+                    <a:lnL>
+                      <a:noFill/>
+                    </a:lnL>
+                    <a:lnR>
+                      <a:noFill/>
+                    </a:lnR>
+                    <a:lnT w="12700" cap="flat" cmpd="sng" algn="ctr">
+                      <a:solidFill>
+                        <a:schemeClr val="tx1"/>
+                      </a:solidFill>
+                      <a:prstDash val="solid"/>
+                      <a:round/>
+                      <a:headEnd type="none" w="med" len="med"/>
+                      <a:tailEnd type="none" w="med" len="med"/>
+                    </a:lnT>
+                    <a:lnB>
+                      <a:noFill/>
+                    </a:lnB>
+                    <a:noFill/>
+                  </a:tcPr>
+                </a:tc>
+                <a:extLst>
+                  <a:ext uri="{0D108BD9-81ED-4DB2-BD59-A6C34878D82A}">
+                    <a16:rowId xmlns:a16="http://schemas.microsoft.com/office/drawing/2014/main" val="3699503532"/>
+                  </a:ext>
+                </a:extLst>
+              </a:tr>
+              <a:tr h="330818">
+                <a:tc vMerge="1">
+                  <a:txBody>
+                    <a:bodyPr/>
+                    <a:lstStyle/>
+                    <a:p>
+                      <a:endParaRPr lang="en-CN"/>
+                    </a:p>
+                  </a:txBody>
+                  <a:tcPr>
+                    <a:lnT w="12700" cmpd="sng">
+                      <a:noFill/>
+                      <a:prstDash val="solid"/>
+                    </a:lnT>
+                  </a:tcPr>
+                </a:tc>
+                <a:tc>
+                  <a:txBody>
+                    <a:bodyPr/>
+                    <a:lstStyle/>
+                    <a:p>
+                      <a:pPr algn="ctr" fontAlgn="ctr">
+                        <a:lnSpc>
+                          <a:spcPct val="100000"/>
+                        </a:lnSpc>
+                      </a:pPr>
+                      <a:r>
+                        <a:rPr lang="en-US" sz="1600" b="0" i="1" u="none" strike="noStrike" dirty="0">
+                          <a:solidFill>
+                            <a:srgbClr val="000000"/>
+                          </a:solidFill>
+                          <a:effectLst/>
+                          <a:latin typeface="Calibri" panose="020F0502020204030204" pitchFamily="34" charset="0"/>
+                        </a:rPr>
+                        <a:t>Aegilops </a:t>
+                      </a:r>
+                      <a:r>
+                        <a:rPr lang="en-US" sz="1600" b="0" i="1" u="none" strike="noStrike" dirty="0" err="1">
+                          <a:solidFill>
+                            <a:srgbClr val="000000"/>
+                          </a:solidFill>
+                          <a:effectLst/>
+                          <a:latin typeface="Calibri" panose="020F0502020204030204" pitchFamily="34" charset="0"/>
+                        </a:rPr>
+                        <a:t>tauschii</a:t>
+                      </a:r>
+                      <a:endParaRPr lang="en-US" sz="1600" b="0" i="1" u="none" strike="noStrike" dirty="0">
+                        <a:solidFill>
+                          <a:srgbClr val="000000"/>
+                        </a:solidFill>
+                        <a:effectLst/>
+                        <a:latin typeface="Calibri" panose="020F0502020204030204" pitchFamily="34" charset="0"/>
+                      </a:endParaRPr>
+                    </a:p>
+                  </a:txBody>
+                  <a:tcPr marL="9525" marR="9525" marT="9525" marB="0" anchor="ctr">
+                    <a:lnL w="12700" cap="flat" cmpd="sng" algn="ctr">
+                      <a:solidFill>
+                        <a:schemeClr val="tx1"/>
+                      </a:solidFill>
+                      <a:prstDash val="solid"/>
+                      <a:round/>
+                      <a:headEnd type="none" w="med" len="med"/>
+                      <a:tailEnd type="none" w="med" len="med"/>
+                    </a:lnL>
+                    <a:lnR>
+                      <a:noFill/>
+                    </a:lnR>
+                    <a:lnT>
+                      <a:noFill/>
+                    </a:lnT>
+                    <a:lnB>
+                      <a:noFill/>
+                    </a:lnB>
+                    <a:noFill/>
+                  </a:tcPr>
+                </a:tc>
+                <a:tc>
+                  <a:txBody>
+                    <a:bodyPr/>
+                    <a:lstStyle/>
+                    <a:p>
+                      <a:pPr algn="ctr" fontAlgn="ctr">
+                        <a:lnSpc>
+                          <a:spcPct val="100000"/>
+                        </a:lnSpc>
+                      </a:pPr>
+                      <a:r>
+                        <a:rPr lang="en-CN" sz="1600" b="0" i="0" u="none" strike="noStrike" dirty="0">
+                          <a:solidFill>
+                            <a:srgbClr val="000000"/>
+                          </a:solidFill>
+                          <a:effectLst/>
+                          <a:latin typeface="Calibri" panose="020F0502020204030204" pitchFamily="34" charset="0"/>
+                        </a:rPr>
+                        <a:t>1308</a:t>
+                      </a:r>
+                    </a:p>
+                  </a:txBody>
+                  <a:tcPr marL="9525" marR="9525" marT="9525" marB="0" anchor="ctr">
+                    <a:lnL>
+                      <a:noFill/>
+                    </a:lnL>
+                    <a:lnR>
+                      <a:noFill/>
+                    </a:lnR>
+                    <a:lnT>
+                      <a:noFill/>
+                    </a:lnT>
+                    <a:lnB>
+                      <a:noFill/>
+                    </a:lnB>
+                    <a:noFill/>
+                  </a:tcPr>
+                </a:tc>
+                <a:extLst>
+                  <a:ext uri="{0D108BD9-81ED-4DB2-BD59-A6C34878D82A}">
+                    <a16:rowId xmlns:a16="http://schemas.microsoft.com/office/drawing/2014/main" val="3671795532"/>
+                  </a:ext>
+                </a:extLst>
+              </a:tr>
+            </a:tbl>
+          </a:graphicData>
+        </a:graphic>
+      </p:graphicFrame>
+    </p:spTree>
+    <p:extLst>
+      <p:ext uri="{BB962C8B-B14F-4D97-AF65-F5344CB8AC3E}">
+        <p14:creationId xmlns:p14="http://schemas.microsoft.com/office/powerpoint/2010/main" val="3916573104"/>
+      </p:ext>
+    </p:extLst>
+  </p:cSld>
+  <p:clrMapOvr>
+    <a:masterClrMapping/>
+  </p:clrMapOvr>
+</p:sld>
+</file>
+
+<file path=ppt/slides/slide4.xml><?xml version="1.0" encoding="utf-8"?>
+<p:sld xmlns:a="http://schemas.openxmlformats.org/drawingml/2006/main" xmlns:r="http://schemas.openxmlformats.org/officeDocument/2006/relationships" xmlns:p="http://schemas.openxmlformats.org/presentationml/2006/main">
+  <p:cSld>
+    <p:spTree>
+      <p:nvGrpSpPr>
+        <p:cNvPr id="1" name=""/>
+        <p:cNvGrpSpPr/>
+        <p:nvPr/>
+      </p:nvGrpSpPr>
+      <p:grpSpPr>
+        <a:xfrm>
+          <a:off x="0" y="0"/>
+          <a:ext cx="0" cy="0"/>
+          <a:chOff x="0" y="0"/>
+          <a:chExt cx="0" cy="0"/>
+        </a:xfrm>
+      </p:grpSpPr>
+      <p:sp>
+        <p:nvSpPr>
+          <p:cNvPr id="2" name="Title 1">
+            <a:extLst>
+              <a:ext uri="{FF2B5EF4-FFF2-40B4-BE49-F238E27FC236}">
+                <a16:creationId xmlns:a16="http://schemas.microsoft.com/office/drawing/2014/main" id="{5341E720-BBA7-60EC-E1C2-546E38BAD0B5}"/>
+              </a:ext>
+            </a:extLst>
+          </p:cNvPr>
+          <p:cNvSpPr>
+            <a:spLocks noGrp="1"/>
+          </p:cNvSpPr>
+          <p:nvPr>
+            <p:ph type="title"/>
+          </p:nvPr>
+        </p:nvSpPr>
+        <p:spPr>
+          <a:xfrm>
+            <a:off x="720000" y="72000"/>
+            <a:ext cx="10515600" cy="702716"/>
+          </a:xfrm>
+        </p:spPr>
+        <p:txBody>
+          <a:bodyPr>
+            <a:normAutofit/>
+          </a:bodyPr>
+          <a:lstStyle/>
+          <a:p>
+            <a:pPr>
+              <a:lnSpc>
+                <a:spcPct val="100000"/>
+              </a:lnSpc>
+            </a:pPr>
+            <a:r>
+              <a:rPr lang="en-CN" sz="3200" b="1" dirty="0"/>
+              <a:t>TE detection</a:t>
+            </a:r>
+          </a:p>
+        </p:txBody>
+      </p:sp>
+      <p:sp>
+        <p:nvSpPr>
+          <p:cNvPr id="6" name="TextBox 5">
+            <a:extLst>
+              <a:ext uri="{FF2B5EF4-FFF2-40B4-BE49-F238E27FC236}">
+                <a16:creationId xmlns:a16="http://schemas.microsoft.com/office/drawing/2014/main" id="{EA24F398-7824-04D1-BE55-E816C1DA1754}"/>
+              </a:ext>
+            </a:extLst>
+          </p:cNvPr>
+          <p:cNvSpPr txBox="1"/>
+          <p:nvPr/>
+        </p:nvSpPr>
+        <p:spPr>
+          <a:xfrm>
+            <a:off x="720000" y="945757"/>
+            <a:ext cx="2985938" cy="338554"/>
+          </a:xfrm>
+          <a:prstGeom prst="rect">
+            <a:avLst/>
+          </a:prstGeom>
+          <a:noFill/>
+        </p:spPr>
+        <p:txBody>
+          <a:bodyPr wrap="square" rtlCol="0">
+            <a:spAutoFit/>
+          </a:bodyPr>
+          <a:lstStyle/>
+          <a:p>
+            <a:r>
+              <a:rPr lang="en-US" sz="1600" b="1" dirty="0"/>
+              <a:t>1. RepeatModeler2</a:t>
+            </a:r>
+            <a:endParaRPr lang="en-CN" sz="1600" b="1" dirty="0"/>
+          </a:p>
+        </p:txBody>
+      </p:sp>
+      <p:pic>
+        <p:nvPicPr>
+          <p:cNvPr id="4" name="Picture 3">
+            <a:extLst>
+              <a:ext uri="{FF2B5EF4-FFF2-40B4-BE49-F238E27FC236}">
+                <a16:creationId xmlns:a16="http://schemas.microsoft.com/office/drawing/2014/main" id="{D44F7C9F-DFAC-3030-CCF7-05BE94800C77}"/>
+              </a:ext>
+            </a:extLst>
+          </p:cNvPr>
+          <p:cNvPicPr>
+            <a:picLocks noChangeAspect="1"/>
+          </p:cNvPicPr>
+          <p:nvPr/>
+        </p:nvPicPr>
+        <p:blipFill>
+          <a:blip r:embed="rId2"/>
+          <a:stretch>
+            <a:fillRect/>
+          </a:stretch>
+        </p:blipFill>
+        <p:spPr>
+          <a:xfrm>
+            <a:off x="597537" y="1455352"/>
+            <a:ext cx="6962593" cy="4166802"/>
+          </a:xfrm>
+          <a:prstGeom prst="rect">
+            <a:avLst/>
+          </a:prstGeom>
+        </p:spPr>
+      </p:pic>
+      <p:pic>
+        <p:nvPicPr>
+          <p:cNvPr id="3074" name="Picture 2">
+            <a:extLst>
+              <a:ext uri="{FF2B5EF4-FFF2-40B4-BE49-F238E27FC236}">
+                <a16:creationId xmlns:a16="http://schemas.microsoft.com/office/drawing/2014/main" id="{ADB9A31B-EA63-21C0-023C-CFBFAC2BDE04}"/>
+              </a:ext>
+            </a:extLst>
+          </p:cNvPr>
+          <p:cNvPicPr>
+            <a:picLocks noChangeAspect="1" noChangeArrowheads="1"/>
+          </p:cNvPicPr>
+          <p:nvPr/>
+        </p:nvPicPr>
+        <p:blipFill>
+          <a:blip r:embed="rId3">
+            <a:extLst>
+              <a:ext uri="{28A0092B-C50C-407E-A947-70E740481C1C}">
+                <a14:useLocalDpi xmlns:a14="http://schemas.microsoft.com/office/drawing/2010/main" val="0"/>
+              </a:ext>
+            </a:extLst>
+          </a:blip>
+          <a:srcRect/>
+          <a:stretch>
+            <a:fillRect/>
+          </a:stretch>
+        </p:blipFill>
+        <p:spPr bwMode="auto">
+          <a:xfrm>
+            <a:off x="7560130" y="1455352"/>
+            <a:ext cx="4203991" cy="3314700"/>
+          </a:xfrm>
+          <a:prstGeom prst="rect">
+            <a:avLst/>
+          </a:prstGeom>
+          <a:noFill/>
+          <a:extLst>
+            <a:ext uri="{909E8E84-426E-40DD-AFC4-6F175D3DCCD1}">
+              <a14:hiddenFill xmlns:a14="http://schemas.microsoft.com/office/drawing/2010/main">
+                <a:solidFill>
+                  <a:srgbClr val="FFFFFF"/>
+                </a:solidFill>
+              </a14:hiddenFill>
+            </a:ext>
+          </a:extLst>
+        </p:spPr>
+      </p:pic>
+    </p:spTree>
+    <p:extLst>
+      <p:ext uri="{BB962C8B-B14F-4D97-AF65-F5344CB8AC3E}">
+        <p14:creationId xmlns:p14="http://schemas.microsoft.com/office/powerpoint/2010/main" val="3265962270"/>
+      </p:ext>
+    </p:extLst>
+  </p:cSld>
+  <p:clrMapOvr>
+    <a:masterClrMapping/>
+  </p:clrMapOvr>
+</p:sld>
+</file>
+
+<file path=ppt/slides/slide5.xml><?xml version="1.0" encoding="utf-8"?>
+<p:sld xmlns:a="http://schemas.openxmlformats.org/drawingml/2006/main" xmlns:r="http://schemas.openxmlformats.org/officeDocument/2006/relationships" xmlns:p="http://schemas.openxmlformats.org/presentationml/2006/main">
+  <p:cSld>
+    <p:spTree>
+      <p:nvGrpSpPr>
+        <p:cNvPr id="1" name=""/>
+        <p:cNvGrpSpPr/>
+        <p:nvPr/>
+      </p:nvGrpSpPr>
+      <p:grpSpPr>
+        <a:xfrm>
+          <a:off x="0" y="0"/>
+          <a:ext cx="0" cy="0"/>
+          <a:chOff x="0" y="0"/>
+          <a:chExt cx="0" cy="0"/>
+        </a:xfrm>
+      </p:grpSpPr>
+      <p:sp>
+        <p:nvSpPr>
+          <p:cNvPr id="2" name="Title 1">
+            <a:extLst>
+              <a:ext uri="{FF2B5EF4-FFF2-40B4-BE49-F238E27FC236}">
+                <a16:creationId xmlns:a16="http://schemas.microsoft.com/office/drawing/2014/main" id="{5341E720-BBA7-60EC-E1C2-546E38BAD0B5}"/>
+              </a:ext>
+            </a:extLst>
+          </p:cNvPr>
+          <p:cNvSpPr>
+            <a:spLocks noGrp="1"/>
+          </p:cNvSpPr>
+          <p:nvPr>
+            <p:ph type="title"/>
+          </p:nvPr>
+        </p:nvSpPr>
+        <p:spPr>
+          <a:xfrm>
+            <a:off x="720000" y="72000"/>
+            <a:ext cx="10515600" cy="702716"/>
+          </a:xfrm>
+        </p:spPr>
+        <p:txBody>
+          <a:bodyPr>
+            <a:normAutofit/>
+          </a:bodyPr>
+          <a:lstStyle/>
+          <a:p>
+            <a:pPr>
+              <a:lnSpc>
+                <a:spcPct val="100000"/>
+              </a:lnSpc>
+            </a:pPr>
+            <a:r>
+              <a:rPr lang="en-CN" sz="3200" b="1" dirty="0"/>
+              <a:t>Population analysis</a:t>
             </a:r>
           </a:p>
         </p:txBody>
@@ -4936,13 +6715,7 @@
           <p:cNvGraphicFramePr>
             <a:graphicFrameLocks noGrp="1"/>
           </p:cNvGraphicFramePr>
-          <p:nvPr>
-            <p:extLst>
-              <p:ext uri="{D42A27DB-BD31-4B8C-83A1-F6EECF244321}">
-                <p14:modId xmlns:p14="http://schemas.microsoft.com/office/powerpoint/2010/main" val="208880469"/>
-              </p:ext>
-            </p:extLst>
-          </p:nvPr>
+          <p:nvPr/>
         </p:nvGraphicFramePr>
         <p:xfrm>
           <a:off x="535709" y="975742"/>
@@ -10757,7 +12530,7 @@
     </p:spTree>
     <p:extLst>
       <p:ext uri="{BB962C8B-B14F-4D97-AF65-F5344CB8AC3E}">
-        <p14:creationId xmlns:p14="http://schemas.microsoft.com/office/powerpoint/2010/main" val="3916573104"/>
+        <p14:creationId xmlns:p14="http://schemas.microsoft.com/office/powerpoint/2010/main" val="1091895953"/>
       </p:ext>
     </p:extLst>
   </p:cSld>
@@ -10767,7 +12540,7 @@
 </p:sld>
 </file>
 
-<file path=ppt/slides/slide4.xml><?xml version="1.0" encoding="utf-8"?>
+<file path=ppt/slides/slide6.xml><?xml version="1.0" encoding="utf-8"?>
 <p:sld xmlns:a="http://schemas.openxmlformats.org/drawingml/2006/main" xmlns:r="http://schemas.openxmlformats.org/officeDocument/2006/relationships" xmlns:p="http://schemas.openxmlformats.org/presentationml/2006/main">
   <p:cSld>
     <p:spTree>
@@ -10948,797 +12721,6 @@
     <p:extLst>
       <p:ext uri="{BB962C8B-B14F-4D97-AF65-F5344CB8AC3E}">
         <p14:creationId xmlns:p14="http://schemas.microsoft.com/office/powerpoint/2010/main" val="2220954849"/>
-      </p:ext>
-    </p:extLst>
-  </p:cSld>
-  <p:clrMapOvr>
-    <a:masterClrMapping/>
-  </p:clrMapOvr>
-</p:sld>
-</file>
-
-<file path=ppt/slides/slide5.xml><?xml version="1.0" encoding="utf-8"?>
-<p:sld xmlns:a="http://schemas.openxmlformats.org/drawingml/2006/main" xmlns:r="http://schemas.openxmlformats.org/officeDocument/2006/relationships" xmlns:p="http://schemas.openxmlformats.org/presentationml/2006/main">
-  <p:cSld>
-    <p:spTree>
-      <p:nvGrpSpPr>
-        <p:cNvPr id="1" name=""/>
-        <p:cNvGrpSpPr/>
-        <p:nvPr/>
-      </p:nvGrpSpPr>
-      <p:grpSpPr>
-        <a:xfrm>
-          <a:off x="0" y="0"/>
-          <a:ext cx="0" cy="0"/>
-          <a:chOff x="0" y="0"/>
-          <a:chExt cx="0" cy="0"/>
-        </a:xfrm>
-      </p:grpSpPr>
-      <p:sp>
-        <p:nvSpPr>
-          <p:cNvPr id="2" name="Title 1">
-            <a:extLst>
-              <a:ext uri="{FF2B5EF4-FFF2-40B4-BE49-F238E27FC236}">
-                <a16:creationId xmlns:a16="http://schemas.microsoft.com/office/drawing/2014/main" id="{5341E720-BBA7-60EC-E1C2-546E38BAD0B5}"/>
-              </a:ext>
-            </a:extLst>
-          </p:cNvPr>
-          <p:cNvSpPr>
-            <a:spLocks noGrp="1"/>
-          </p:cNvSpPr>
-          <p:nvPr>
-            <p:ph type="title"/>
-          </p:nvPr>
-        </p:nvSpPr>
-        <p:spPr>
-          <a:xfrm>
-            <a:off x="720000" y="72000"/>
-            <a:ext cx="10515600" cy="702716"/>
-          </a:xfrm>
-        </p:spPr>
-        <p:txBody>
-          <a:bodyPr>
-            <a:normAutofit/>
-          </a:bodyPr>
-          <a:lstStyle/>
-          <a:p>
-            <a:pPr>
-              <a:lnSpc>
-                <a:spcPct val="100000"/>
-              </a:lnSpc>
-            </a:pPr>
-            <a:r>
-              <a:rPr lang="en-CN" sz="3200" b="1" dirty="0"/>
-              <a:t>TE annotation</a:t>
-            </a:r>
-          </a:p>
-        </p:txBody>
-      </p:sp>
-      <p:sp>
-        <p:nvSpPr>
-          <p:cNvPr id="5" name="TextBox 4">
-            <a:extLst>
-              <a:ext uri="{FF2B5EF4-FFF2-40B4-BE49-F238E27FC236}">
-                <a16:creationId xmlns:a16="http://schemas.microsoft.com/office/drawing/2014/main" id="{C969B04A-2D42-10E8-FD21-636209442940}"/>
-              </a:ext>
-            </a:extLst>
-          </p:cNvPr>
-          <p:cNvSpPr txBox="1"/>
-          <p:nvPr/>
-        </p:nvSpPr>
-        <p:spPr>
-          <a:xfrm>
-            <a:off x="411886" y="795259"/>
-            <a:ext cx="6654836" cy="2316275"/>
-          </a:xfrm>
-          <a:prstGeom prst="rect">
-            <a:avLst/>
-          </a:prstGeom>
-          <a:noFill/>
-        </p:spPr>
-        <p:txBody>
-          <a:bodyPr wrap="square" rtlCol="0">
-            <a:spAutoFit/>
-          </a:bodyPr>
-          <a:lstStyle/>
-          <a:p>
-            <a:pPr>
-              <a:lnSpc>
-                <a:spcPct val="150000"/>
-              </a:lnSpc>
-            </a:pPr>
-            <a:r>
-              <a:rPr lang="en-US" b="1" strike="sngStrike" dirty="0"/>
-              <a:t>Activity annotation</a:t>
-            </a:r>
-          </a:p>
-          <a:p>
-            <a:pPr marL="285750" indent="-285750">
-              <a:lnSpc>
-                <a:spcPct val="150000"/>
-              </a:lnSpc>
-              <a:buFont typeface="Arial" panose="020B0604020202020204" pitchFamily="34" charset="0"/>
-              <a:buChar char="•"/>
-            </a:pPr>
-            <a:r>
-              <a:rPr lang="en-US" sz="1600" b="1" dirty="0"/>
-              <a:t>Structural integrity: </a:t>
-            </a:r>
-          </a:p>
-          <a:p>
-            <a:pPr marL="742950" lvl="1" indent="-285750">
-              <a:lnSpc>
-                <a:spcPct val="150000"/>
-              </a:lnSpc>
-              <a:buFont typeface="Arial" panose="020B0604020202020204" pitchFamily="34" charset="0"/>
-              <a:buChar char="•"/>
-            </a:pPr>
-            <a:r>
-              <a:rPr lang="en-US" sz="1600" dirty="0"/>
-              <a:t>total number of </a:t>
-            </a:r>
-            <a:r>
-              <a:rPr lang="en-US" sz="1600" b="1" dirty="0"/>
-              <a:t>transposition-related domains </a:t>
-            </a:r>
-            <a:r>
-              <a:rPr lang="en-US" sz="1600" dirty="0"/>
-              <a:t>for each TE</a:t>
-            </a:r>
-          </a:p>
-          <a:p>
-            <a:pPr marL="742950" lvl="1" indent="-285750">
-              <a:lnSpc>
-                <a:spcPct val="150000"/>
-              </a:lnSpc>
-              <a:buFont typeface="Arial" panose="020B0604020202020204" pitchFamily="34" charset="0"/>
-              <a:buChar char="•"/>
-            </a:pPr>
-            <a:r>
-              <a:rPr lang="en-US" sz="1600" dirty="0"/>
-              <a:t>Method: gene prediction</a:t>
-            </a:r>
-          </a:p>
-          <a:p>
-            <a:pPr marL="285750" indent="-285750">
-              <a:lnSpc>
-                <a:spcPct val="150000"/>
-              </a:lnSpc>
-              <a:buFont typeface="Arial" panose="020B0604020202020204" pitchFamily="34" charset="0"/>
-              <a:buChar char="•"/>
-            </a:pPr>
-            <a:r>
-              <a:rPr lang="en-US" sz="1600" b="1" dirty="0"/>
-              <a:t>Transcription potential: </a:t>
-            </a:r>
-            <a:r>
-              <a:rPr lang="en-US" sz="1600" dirty="0"/>
-              <a:t>transcriptome data</a:t>
-            </a:r>
-          </a:p>
-          <a:p>
-            <a:pPr marL="285750" indent="-285750">
-              <a:lnSpc>
-                <a:spcPct val="150000"/>
-              </a:lnSpc>
-              <a:buFont typeface="Arial" panose="020B0604020202020204" pitchFamily="34" charset="0"/>
-              <a:buChar char="•"/>
-            </a:pPr>
-            <a:r>
-              <a:rPr lang="en-US" sz="1600" b="1" dirty="0"/>
-              <a:t>DNA methylation level: </a:t>
-            </a:r>
-            <a:r>
-              <a:rPr lang="en-US" sz="1600" dirty="0"/>
-              <a:t>extent of DNA methylation-induced TE repression</a:t>
-            </a:r>
-          </a:p>
-        </p:txBody>
-      </p:sp>
-      <p:pic>
-        <p:nvPicPr>
-          <p:cNvPr id="3" name="Picture 2">
-            <a:extLst>
-              <a:ext uri="{FF2B5EF4-FFF2-40B4-BE49-F238E27FC236}">
-                <a16:creationId xmlns:a16="http://schemas.microsoft.com/office/drawing/2014/main" id="{53798E6F-26C3-8E29-A32A-99A0305A4317}"/>
-              </a:ext>
-            </a:extLst>
-          </p:cNvPr>
-          <p:cNvPicPr>
-            <a:picLocks noChangeAspect="1"/>
-          </p:cNvPicPr>
-          <p:nvPr/>
-        </p:nvPicPr>
-        <p:blipFill>
-          <a:blip r:embed="rId2"/>
-          <a:stretch>
-            <a:fillRect/>
-          </a:stretch>
-        </p:blipFill>
-        <p:spPr>
-          <a:xfrm>
-            <a:off x="7942957" y="423358"/>
-            <a:ext cx="3930339" cy="6033070"/>
-          </a:xfrm>
-          <a:prstGeom prst="rect">
-            <a:avLst/>
-          </a:prstGeom>
-        </p:spPr>
-      </p:pic>
-      <p:sp>
-        <p:nvSpPr>
-          <p:cNvPr id="6" name="TextBox 5">
-            <a:extLst>
-              <a:ext uri="{FF2B5EF4-FFF2-40B4-BE49-F238E27FC236}">
-                <a16:creationId xmlns:a16="http://schemas.microsoft.com/office/drawing/2014/main" id="{59B96EF5-1BAD-73F4-4042-6E6BA666E59E}"/>
-              </a:ext>
-            </a:extLst>
-          </p:cNvPr>
-          <p:cNvSpPr txBox="1"/>
-          <p:nvPr/>
-        </p:nvSpPr>
-        <p:spPr>
-          <a:xfrm>
-            <a:off x="165325" y="5974193"/>
-            <a:ext cx="1914113" cy="338554"/>
-          </a:xfrm>
-          <a:prstGeom prst="rect">
-            <a:avLst/>
-          </a:prstGeom>
-          <a:noFill/>
-        </p:spPr>
-        <p:txBody>
-          <a:bodyPr wrap="square">
-            <a:spAutoFit/>
-          </a:bodyPr>
-          <a:lstStyle/>
-          <a:p>
-            <a:r>
-              <a:rPr lang="en-US" sz="1600" dirty="0"/>
-              <a:t>(Gao et al., 2023) </a:t>
-            </a:r>
-          </a:p>
-        </p:txBody>
-      </p:sp>
-      <p:pic>
-        <p:nvPicPr>
-          <p:cNvPr id="8" name="Picture 7">
-            <a:extLst>
-              <a:ext uri="{FF2B5EF4-FFF2-40B4-BE49-F238E27FC236}">
-                <a16:creationId xmlns:a16="http://schemas.microsoft.com/office/drawing/2014/main" id="{464AF8A5-C0C5-A08E-918C-6D11F621764F}"/>
-              </a:ext>
-            </a:extLst>
-          </p:cNvPr>
-          <p:cNvPicPr>
-            <a:picLocks noChangeAspect="1"/>
-          </p:cNvPicPr>
-          <p:nvPr/>
-        </p:nvPicPr>
-        <p:blipFill>
-          <a:blip r:embed="rId3"/>
-          <a:stretch>
-            <a:fillRect/>
-          </a:stretch>
-        </p:blipFill>
-        <p:spPr>
-          <a:xfrm>
-            <a:off x="165325" y="3704020"/>
-            <a:ext cx="4754407" cy="2270173"/>
-          </a:xfrm>
-          <a:prstGeom prst="rect">
-            <a:avLst/>
-          </a:prstGeom>
-        </p:spPr>
-      </p:pic>
-      <p:pic>
-        <p:nvPicPr>
-          <p:cNvPr id="9" name="Picture 8">
-            <a:extLst>
-              <a:ext uri="{FF2B5EF4-FFF2-40B4-BE49-F238E27FC236}">
-                <a16:creationId xmlns:a16="http://schemas.microsoft.com/office/drawing/2014/main" id="{613FD4A3-6796-030D-C095-266AD0E0CDB2}"/>
-              </a:ext>
-            </a:extLst>
-          </p:cNvPr>
-          <p:cNvPicPr>
-            <a:picLocks noChangeAspect="1"/>
-          </p:cNvPicPr>
-          <p:nvPr/>
-        </p:nvPicPr>
-        <p:blipFill>
-          <a:blip r:embed="rId4"/>
-          <a:stretch>
-            <a:fillRect/>
-          </a:stretch>
-        </p:blipFill>
-        <p:spPr>
-          <a:xfrm>
-            <a:off x="4919732" y="3691810"/>
-            <a:ext cx="3023225" cy="2270173"/>
-          </a:xfrm>
-          <a:prstGeom prst="rect">
-            <a:avLst/>
-          </a:prstGeom>
-        </p:spPr>
-      </p:pic>
-      <p:sp>
-        <p:nvSpPr>
-          <p:cNvPr id="10" name="TextBox 9">
-            <a:extLst>
-              <a:ext uri="{FF2B5EF4-FFF2-40B4-BE49-F238E27FC236}">
-                <a16:creationId xmlns:a16="http://schemas.microsoft.com/office/drawing/2014/main" id="{95B49E8C-BF4D-F0C9-EBF0-EB10BDD99EB0}"/>
-              </a:ext>
-            </a:extLst>
-          </p:cNvPr>
-          <p:cNvSpPr txBox="1"/>
-          <p:nvPr/>
-        </p:nvSpPr>
-        <p:spPr>
-          <a:xfrm>
-            <a:off x="411886" y="3153741"/>
-            <a:ext cx="1667552" cy="464871"/>
-          </a:xfrm>
-          <a:prstGeom prst="rect">
-            <a:avLst/>
-          </a:prstGeom>
-          <a:noFill/>
-        </p:spPr>
-        <p:txBody>
-          <a:bodyPr wrap="square" rtlCol="0">
-            <a:spAutoFit/>
-          </a:bodyPr>
-          <a:lstStyle/>
-          <a:p>
-            <a:pPr>
-              <a:lnSpc>
-                <a:spcPct val="150000"/>
-              </a:lnSpc>
-            </a:pPr>
-            <a:r>
-              <a:rPr lang="en-US" b="1" strike="sngStrike" dirty="0"/>
-              <a:t>TE validation</a:t>
-            </a:r>
-          </a:p>
-        </p:txBody>
-      </p:sp>
-      <p:sp>
-        <p:nvSpPr>
-          <p:cNvPr id="11" name="TextBox 10">
-            <a:extLst>
-              <a:ext uri="{FF2B5EF4-FFF2-40B4-BE49-F238E27FC236}">
-                <a16:creationId xmlns:a16="http://schemas.microsoft.com/office/drawing/2014/main" id="{DF79AC47-80F4-B62C-2F2A-77F0751C93F6}"/>
-              </a:ext>
-            </a:extLst>
-          </p:cNvPr>
-          <p:cNvSpPr txBox="1"/>
-          <p:nvPr/>
-        </p:nvSpPr>
-        <p:spPr>
-          <a:xfrm>
-            <a:off x="2140029" y="5974193"/>
-            <a:ext cx="5411936" cy="830997"/>
-          </a:xfrm>
-          <a:prstGeom prst="rect">
-            <a:avLst/>
-          </a:prstGeom>
-          <a:noFill/>
-        </p:spPr>
-        <p:txBody>
-          <a:bodyPr wrap="square">
-            <a:spAutoFit/>
-          </a:bodyPr>
-          <a:lstStyle/>
-          <a:p>
-            <a:r>
-              <a:rPr lang="en-US" sz="1600" dirty="0" err="1"/>
-              <a:t>xTea</a:t>
-            </a:r>
-            <a:r>
-              <a:rPr lang="en-US" sz="1600" dirty="0"/>
-              <a:t> (x-Transposable element analyzer) (Chu et al., 2021, p. 2)</a:t>
-            </a:r>
-          </a:p>
-          <a:p>
-            <a:pPr marL="285750" indent="-285750">
-              <a:buFont typeface="Arial" panose="020B0604020202020204" pitchFamily="34" charset="0"/>
-              <a:buChar char="•"/>
-            </a:pPr>
-            <a:r>
-              <a:rPr lang="en-US" sz="1600" dirty="0"/>
-              <a:t>Short reads: MELT14, </a:t>
-            </a:r>
-            <a:r>
-              <a:rPr lang="en-US" sz="1600" dirty="0" err="1"/>
-              <a:t>TraFiC</a:t>
-            </a:r>
-            <a:r>
-              <a:rPr lang="en-US" sz="1600" dirty="0"/>
-              <a:t>-mem</a:t>
-            </a:r>
-          </a:p>
-          <a:p>
-            <a:pPr marL="285750" indent="-285750">
-              <a:buFont typeface="Arial" panose="020B0604020202020204" pitchFamily="34" charset="0"/>
-              <a:buChar char="•"/>
-            </a:pPr>
-            <a:r>
-              <a:rPr lang="en-US" sz="1600" dirty="0"/>
-              <a:t>Long reads: PALMER</a:t>
-            </a:r>
-          </a:p>
-        </p:txBody>
-      </p:sp>
-    </p:spTree>
-    <p:extLst>
-      <p:ext uri="{BB962C8B-B14F-4D97-AF65-F5344CB8AC3E}">
-        <p14:creationId xmlns:p14="http://schemas.microsoft.com/office/powerpoint/2010/main" val="599905655"/>
-      </p:ext>
-    </p:extLst>
-  </p:cSld>
-  <p:clrMapOvr>
-    <a:masterClrMapping/>
-  </p:clrMapOvr>
-</p:sld>
-</file>
-
-<file path=ppt/slides/slide6.xml><?xml version="1.0" encoding="utf-8"?>
-<p:sld xmlns:a="http://schemas.openxmlformats.org/drawingml/2006/main" xmlns:r="http://schemas.openxmlformats.org/officeDocument/2006/relationships" xmlns:p="http://schemas.openxmlformats.org/presentationml/2006/main">
-  <p:cSld>
-    <p:spTree>
-      <p:nvGrpSpPr>
-        <p:cNvPr id="1" name=""/>
-        <p:cNvGrpSpPr/>
-        <p:nvPr/>
-      </p:nvGrpSpPr>
-      <p:grpSpPr>
-        <a:xfrm>
-          <a:off x="0" y="0"/>
-          <a:ext cx="0" cy="0"/>
-          <a:chOff x="0" y="0"/>
-          <a:chExt cx="0" cy="0"/>
-        </a:xfrm>
-      </p:grpSpPr>
-      <p:sp>
-        <p:nvSpPr>
-          <p:cNvPr id="2" name="Title 1">
-            <a:extLst>
-              <a:ext uri="{FF2B5EF4-FFF2-40B4-BE49-F238E27FC236}">
-                <a16:creationId xmlns:a16="http://schemas.microsoft.com/office/drawing/2014/main" id="{5341E720-BBA7-60EC-E1C2-546E38BAD0B5}"/>
-              </a:ext>
-            </a:extLst>
-          </p:cNvPr>
-          <p:cNvSpPr>
-            <a:spLocks noGrp="1"/>
-          </p:cNvSpPr>
-          <p:nvPr>
-            <p:ph type="title"/>
-          </p:nvPr>
-        </p:nvSpPr>
-        <p:spPr>
-          <a:xfrm>
-            <a:off x="720000" y="72000"/>
-            <a:ext cx="10515600" cy="702716"/>
-          </a:xfrm>
-        </p:spPr>
-        <p:txBody>
-          <a:bodyPr>
-            <a:normAutofit/>
-          </a:bodyPr>
-          <a:lstStyle/>
-          <a:p>
-            <a:pPr>
-              <a:lnSpc>
-                <a:spcPct val="100000"/>
-              </a:lnSpc>
-            </a:pPr>
-            <a:r>
-              <a:rPr lang="en-CN" sz="3200" b="1" dirty="0"/>
-              <a:t>TE age annotation</a:t>
-            </a:r>
-          </a:p>
-        </p:txBody>
-      </p:sp>
-      <p:sp>
-        <p:nvSpPr>
-          <p:cNvPr id="3" name="TextBox 2">
-            <a:extLst>
-              <a:ext uri="{FF2B5EF4-FFF2-40B4-BE49-F238E27FC236}">
-                <a16:creationId xmlns:a16="http://schemas.microsoft.com/office/drawing/2014/main" id="{115B7210-9016-ABF2-053A-CCF5ECAD6913}"/>
-              </a:ext>
-            </a:extLst>
-          </p:cNvPr>
-          <p:cNvSpPr txBox="1"/>
-          <p:nvPr/>
-        </p:nvSpPr>
-        <p:spPr>
-          <a:xfrm>
-            <a:off x="720000" y="986987"/>
-            <a:ext cx="9277888" cy="3276282"/>
-          </a:xfrm>
-          <a:prstGeom prst="rect">
-            <a:avLst/>
-          </a:prstGeom>
-          <a:noFill/>
-        </p:spPr>
-        <p:txBody>
-          <a:bodyPr wrap="square" rtlCol="0">
-            <a:spAutoFit/>
-          </a:bodyPr>
-          <a:lstStyle/>
-          <a:p>
-            <a:pPr>
-              <a:lnSpc>
-                <a:spcPct val="150000"/>
-              </a:lnSpc>
-            </a:pPr>
-            <a:r>
-              <a:rPr lang="en-US" sz="2000" b="1" dirty="0"/>
-              <a:t>Non-LTR age estimation</a:t>
-            </a:r>
-          </a:p>
-          <a:p>
-            <a:pPr marL="285750" indent="-285750">
-              <a:lnSpc>
-                <a:spcPct val="150000"/>
-              </a:lnSpc>
-              <a:buFont typeface="Arial" panose="020B0604020202020204" pitchFamily="34" charset="0"/>
-              <a:buChar char="•"/>
-            </a:pPr>
-            <a:r>
-              <a:rPr lang="en-US" sz="2000" b="1" dirty="0"/>
-              <a:t>Based on: </a:t>
-            </a:r>
-            <a:r>
-              <a:rPr lang="en-US" sz="2000" dirty="0"/>
-              <a:t>extended sequence alignment of their reverse transcriptase (RT) domain.</a:t>
-            </a:r>
-          </a:p>
-          <a:p>
-            <a:pPr>
-              <a:lnSpc>
-                <a:spcPct val="150000"/>
-              </a:lnSpc>
-            </a:pPr>
-            <a:r>
-              <a:rPr lang="en-US" sz="2000" b="1" dirty="0"/>
-              <a:t>LTR age estimation:</a:t>
-            </a:r>
-          </a:p>
-          <a:p>
-            <a:pPr marL="285750" indent="-285750">
-              <a:lnSpc>
-                <a:spcPct val="150000"/>
-              </a:lnSpc>
-              <a:buFont typeface="Arial" panose="020B0604020202020204" pitchFamily="34" charset="0"/>
-              <a:buChar char="•"/>
-            </a:pPr>
-            <a:r>
-              <a:rPr lang="en-US" sz="2000" b="1" dirty="0"/>
-              <a:t>Based on: </a:t>
-            </a:r>
-            <a:r>
-              <a:rPr lang="en-US" sz="2000" dirty="0"/>
-              <a:t>diversification of 2 LTR TEs on either end of each intact LTR TE</a:t>
-            </a:r>
-          </a:p>
-          <a:p>
-            <a:pPr marL="742950" lvl="1" indent="-285750">
-              <a:lnSpc>
-                <a:spcPct val="150000"/>
-              </a:lnSpc>
-              <a:buFont typeface="Arial" panose="020B0604020202020204" pitchFamily="34" charset="0"/>
-              <a:buChar char="•"/>
-            </a:pPr>
-            <a:r>
-              <a:rPr lang="en-US" sz="2000" dirty="0"/>
-              <a:t>Gene distance (K)</a:t>
-            </a:r>
-          </a:p>
-          <a:p>
-            <a:pPr marL="742950" lvl="1" indent="-285750">
-              <a:lnSpc>
-                <a:spcPct val="150000"/>
-              </a:lnSpc>
-              <a:buFont typeface="Arial" panose="020B0604020202020204" pitchFamily="34" charset="0"/>
-              <a:buChar char="•"/>
-            </a:pPr>
-            <a:r>
-              <a:rPr lang="en-US" sz="2000" dirty="0"/>
-              <a:t>Substitution rate (</a:t>
-            </a:r>
-            <a:r>
-              <a:rPr lang="en-US" altLang="zh-CN" sz="2000" dirty="0"/>
-              <a:t>μ</a:t>
-            </a:r>
-            <a:r>
-              <a:rPr lang="en-US" sz="2000" dirty="0"/>
-              <a:t>)</a:t>
-            </a:r>
-          </a:p>
-          <a:p>
-            <a:pPr marL="742950" lvl="1" indent="-285750">
-              <a:lnSpc>
-                <a:spcPct val="150000"/>
-              </a:lnSpc>
-              <a:buFont typeface="Arial" panose="020B0604020202020204" pitchFamily="34" charset="0"/>
-              <a:buChar char="•"/>
-            </a:pPr>
-            <a:r>
-              <a:rPr lang="en-US" altLang="zh-CN" sz="2000" dirty="0"/>
-              <a:t>Insertion time = K/2μ</a:t>
-            </a:r>
-            <a:endParaRPr lang="en-US" sz="2000" dirty="0"/>
-          </a:p>
-        </p:txBody>
-      </p:sp>
-      <p:sp>
-        <p:nvSpPr>
-          <p:cNvPr id="4" name="TextBox 3">
-            <a:extLst>
-              <a:ext uri="{FF2B5EF4-FFF2-40B4-BE49-F238E27FC236}">
-                <a16:creationId xmlns:a16="http://schemas.microsoft.com/office/drawing/2014/main" id="{53BFED09-7711-F226-BCA3-77D64F99CB0B}"/>
-              </a:ext>
-            </a:extLst>
-          </p:cNvPr>
-          <p:cNvSpPr txBox="1"/>
-          <p:nvPr/>
-        </p:nvSpPr>
-        <p:spPr>
-          <a:xfrm>
-            <a:off x="720000" y="4350123"/>
-            <a:ext cx="8454529" cy="1891287"/>
-          </a:xfrm>
-          <a:prstGeom prst="rect">
-            <a:avLst/>
-          </a:prstGeom>
-          <a:noFill/>
-        </p:spPr>
-        <p:txBody>
-          <a:bodyPr wrap="square" rtlCol="0">
-            <a:spAutoFit/>
-          </a:bodyPr>
-          <a:lstStyle/>
-          <a:p>
-            <a:pPr>
-              <a:lnSpc>
-                <a:spcPct val="150000"/>
-              </a:lnSpc>
-            </a:pPr>
-            <a:r>
-              <a:rPr lang="en-US" sz="2000" b="1" dirty="0"/>
-              <a:t>Subsequent work:</a:t>
-            </a:r>
-          </a:p>
-          <a:p>
-            <a:pPr marL="342900" indent="-342900">
-              <a:lnSpc>
-                <a:spcPct val="150000"/>
-              </a:lnSpc>
-              <a:buFont typeface="+mj-lt"/>
-              <a:buAutoNum type="arabicPeriod"/>
-            </a:pPr>
-            <a:r>
-              <a:rPr lang="en-US" sz="2000" dirty="0"/>
-              <a:t>Age annotation</a:t>
-            </a:r>
-          </a:p>
-          <a:p>
-            <a:pPr marL="342900" indent="-342900">
-              <a:lnSpc>
-                <a:spcPct val="150000"/>
-              </a:lnSpc>
-              <a:buFont typeface="+mj-lt"/>
-              <a:buAutoNum type="arabicPeriod"/>
-            </a:pPr>
-            <a:r>
-              <a:rPr lang="en-US" sz="2000" dirty="0"/>
-              <a:t>Other reference genome TE annotations and analysis</a:t>
-            </a:r>
-          </a:p>
-          <a:p>
-            <a:pPr marL="342900" indent="-342900">
-              <a:lnSpc>
-                <a:spcPct val="150000"/>
-              </a:lnSpc>
-              <a:buFont typeface="+mj-lt"/>
-              <a:buAutoNum type="arabicPeriod"/>
-            </a:pPr>
-            <a:r>
-              <a:rPr lang="en-US" sz="2000" dirty="0"/>
-              <a:t>Main TEs</a:t>
-            </a:r>
-          </a:p>
-        </p:txBody>
-      </p:sp>
-      <p:sp>
-        <p:nvSpPr>
-          <p:cNvPr id="5" name="TextBox 5">
-            <a:extLst>
-              <a:ext uri="{FF2B5EF4-FFF2-40B4-BE49-F238E27FC236}">
-                <a16:creationId xmlns:a16="http://schemas.microsoft.com/office/drawing/2014/main" id="{81DB0211-CB53-41E7-BD61-18614DAA7EE0}"/>
-              </a:ext>
-            </a:extLst>
-          </p:cNvPr>
-          <p:cNvSpPr txBox="1"/>
-          <p:nvPr/>
-        </p:nvSpPr>
-        <p:spPr>
-          <a:xfrm>
-            <a:off x="9826710" y="1594076"/>
-            <a:ext cx="1914113" cy="338554"/>
-          </a:xfrm>
-          <a:prstGeom prst="rect">
-            <a:avLst/>
-          </a:prstGeom>
-          <a:noFill/>
-        </p:spPr>
-        <p:txBody>
-          <a:bodyPr wrap="square">
-            <a:spAutoFit/>
-          </a:bodyPr>
-          <a:lstStyle/>
-          <a:p>
-            <a:r>
-              <a:rPr lang="en-US" sz="1600" dirty="0"/>
-              <a:t>(</a:t>
-            </a:r>
-            <a:r>
-              <a:rPr lang="en-US" altLang="zh-CN" sz="1600" dirty="0"/>
-              <a:t>Malik</a:t>
-            </a:r>
-            <a:r>
-              <a:rPr lang="en-US" sz="1600" dirty="0"/>
-              <a:t> et al., </a:t>
-            </a:r>
-            <a:r>
-              <a:rPr lang="en-US" altLang="zh-CN" sz="1600" dirty="0"/>
-              <a:t>1999</a:t>
-            </a:r>
-            <a:r>
-              <a:rPr lang="en-US" sz="1600" dirty="0"/>
-              <a:t>) </a:t>
-            </a:r>
-          </a:p>
-        </p:txBody>
-      </p:sp>
-      <p:sp>
-        <p:nvSpPr>
-          <p:cNvPr id="6" name="TextBox 5">
-            <a:extLst>
-              <a:ext uri="{FF2B5EF4-FFF2-40B4-BE49-F238E27FC236}">
-                <a16:creationId xmlns:a16="http://schemas.microsoft.com/office/drawing/2014/main" id="{4BD19AF7-8EF5-49CF-BB37-8D46C1D21EB7}"/>
-              </a:ext>
-            </a:extLst>
-          </p:cNvPr>
-          <p:cNvSpPr txBox="1"/>
-          <p:nvPr/>
-        </p:nvSpPr>
-        <p:spPr>
-          <a:xfrm>
-            <a:off x="9826710" y="2539719"/>
-            <a:ext cx="1914113" cy="338554"/>
-          </a:xfrm>
-          <a:prstGeom prst="rect">
-            <a:avLst/>
-          </a:prstGeom>
-          <a:noFill/>
-        </p:spPr>
-        <p:txBody>
-          <a:bodyPr wrap="square">
-            <a:spAutoFit/>
-          </a:bodyPr>
-          <a:lstStyle/>
-          <a:p>
-            <a:r>
-              <a:rPr lang="en-US" sz="1600" dirty="0"/>
-              <a:t>(Ma et al., 2004) </a:t>
-            </a:r>
-          </a:p>
-        </p:txBody>
-      </p:sp>
-    </p:spTree>
-    <p:extLst>
-      <p:ext uri="{BB962C8B-B14F-4D97-AF65-F5344CB8AC3E}">
-        <p14:creationId xmlns:p14="http://schemas.microsoft.com/office/powerpoint/2010/main" val="2801567964"/>
       </p:ext>
     </p:extLst>
   </p:cSld>
@@ -12450,8 +13432,8 @@
         </p:blipFill>
         <p:spPr>
           <a:xfrm>
-            <a:off x="1716741" y="606695"/>
-            <a:ext cx="8758518" cy="5644609"/>
+            <a:off x="2209800" y="924457"/>
+            <a:ext cx="7772400" cy="5009085"/>
           </a:xfrm>
           <a:prstGeom prst="rect">
             <a:avLst/>

--- a/undergraduate/Presentation.pptx
+++ b/undergraduate/Presentation.pptx
@@ -5,14 +5,15 @@
     <p:sldMasterId id="2147483648" r:id="rId1"/>
   </p:sldMasterIdLst>
   <p:sldIdLst>
-    <p:sldId id="257" r:id="rId2"/>
-    <p:sldId id="263" r:id="rId3"/>
-    <p:sldId id="260" r:id="rId4"/>
-    <p:sldId id="270" r:id="rId5"/>
-    <p:sldId id="269" r:id="rId6"/>
-    <p:sldId id="264" r:id="rId7"/>
-    <p:sldId id="256" r:id="rId8"/>
-    <p:sldId id="268" r:id="rId9"/>
+    <p:sldId id="271" r:id="rId2"/>
+    <p:sldId id="257" r:id="rId3"/>
+    <p:sldId id="263" r:id="rId4"/>
+    <p:sldId id="260" r:id="rId5"/>
+    <p:sldId id="270" r:id="rId6"/>
+    <p:sldId id="269" r:id="rId7"/>
+    <p:sldId id="264" r:id="rId8"/>
+    <p:sldId id="256" r:id="rId9"/>
+    <p:sldId id="268" r:id="rId10"/>
   </p:sldIdLst>
   <p:sldSz cx="12192000" cy="6858000"/>
   <p:notesSz cx="6858000" cy="9144000"/>
@@ -296,7 +297,7 @@
           <a:p>
             <a:fld id="{57792C16-F24B-4F4E-9560-6BDEACC5E4F6}" type="datetimeFigureOut">
               <a:rPr lang="en-CN" smtClean="0"/>
-              <a:t>2024/1/21</a:t>
+              <a:t>01/24/2024</a:t>
             </a:fld>
             <a:endParaRPr lang="en-CN"/>
           </a:p>
@@ -496,7 +497,7 @@
           <a:p>
             <a:fld id="{57792C16-F24B-4F4E-9560-6BDEACC5E4F6}" type="datetimeFigureOut">
               <a:rPr lang="en-CN" smtClean="0"/>
-              <a:t>2024/1/21</a:t>
+              <a:t>01/24/2024</a:t>
             </a:fld>
             <a:endParaRPr lang="en-CN"/>
           </a:p>
@@ -706,7 +707,7 @@
           <a:p>
             <a:fld id="{57792C16-F24B-4F4E-9560-6BDEACC5E4F6}" type="datetimeFigureOut">
               <a:rPr lang="en-CN" smtClean="0"/>
-              <a:t>2024/1/21</a:t>
+              <a:t>01/24/2024</a:t>
             </a:fld>
             <a:endParaRPr lang="en-CN"/>
           </a:p>
@@ -906,7 +907,7 @@
           <a:p>
             <a:fld id="{57792C16-F24B-4F4E-9560-6BDEACC5E4F6}" type="datetimeFigureOut">
               <a:rPr lang="en-CN" smtClean="0"/>
-              <a:t>2024/1/21</a:t>
+              <a:t>01/24/2024</a:t>
             </a:fld>
             <a:endParaRPr lang="en-CN"/>
           </a:p>
@@ -1182,7 +1183,7 @@
           <a:p>
             <a:fld id="{57792C16-F24B-4F4E-9560-6BDEACC5E4F6}" type="datetimeFigureOut">
               <a:rPr lang="en-CN" smtClean="0"/>
-              <a:t>2024/1/21</a:t>
+              <a:t>01/24/2024</a:t>
             </a:fld>
             <a:endParaRPr lang="en-CN"/>
           </a:p>
@@ -1450,7 +1451,7 @@
           <a:p>
             <a:fld id="{57792C16-F24B-4F4E-9560-6BDEACC5E4F6}" type="datetimeFigureOut">
               <a:rPr lang="en-CN" smtClean="0"/>
-              <a:t>2024/1/21</a:t>
+              <a:t>01/24/2024</a:t>
             </a:fld>
             <a:endParaRPr lang="en-CN"/>
           </a:p>
@@ -1865,7 +1866,7 @@
           <a:p>
             <a:fld id="{57792C16-F24B-4F4E-9560-6BDEACC5E4F6}" type="datetimeFigureOut">
               <a:rPr lang="en-CN" smtClean="0"/>
-              <a:t>2024/1/21</a:t>
+              <a:t>01/24/2024</a:t>
             </a:fld>
             <a:endParaRPr lang="en-CN"/>
           </a:p>
@@ -2007,7 +2008,7 @@
           <a:p>
             <a:fld id="{57792C16-F24B-4F4E-9560-6BDEACC5E4F6}" type="datetimeFigureOut">
               <a:rPr lang="en-CN" smtClean="0"/>
-              <a:t>2024/1/21</a:t>
+              <a:t>01/24/2024</a:t>
             </a:fld>
             <a:endParaRPr lang="en-CN"/>
           </a:p>
@@ -2120,7 +2121,7 @@
           <a:p>
             <a:fld id="{57792C16-F24B-4F4E-9560-6BDEACC5E4F6}" type="datetimeFigureOut">
               <a:rPr lang="en-CN" smtClean="0"/>
-              <a:t>2024/1/21</a:t>
+              <a:t>01/24/2024</a:t>
             </a:fld>
             <a:endParaRPr lang="en-CN"/>
           </a:p>
@@ -2433,7 +2434,7 @@
           <a:p>
             <a:fld id="{57792C16-F24B-4F4E-9560-6BDEACC5E4F6}" type="datetimeFigureOut">
               <a:rPr lang="en-CN" smtClean="0"/>
-              <a:t>2024/1/21</a:t>
+              <a:t>01/24/2024</a:t>
             </a:fld>
             <a:endParaRPr lang="en-CN"/>
           </a:p>
@@ -2722,7 +2723,7 @@
           <a:p>
             <a:fld id="{57792C16-F24B-4F4E-9560-6BDEACC5E4F6}" type="datetimeFigureOut">
               <a:rPr lang="en-CN" smtClean="0"/>
-              <a:t>2024/1/21</a:t>
+              <a:t>01/24/2024</a:t>
             </a:fld>
             <a:endParaRPr lang="en-CN"/>
           </a:p>
@@ -2965,7 +2966,7 @@
           <a:p>
             <a:fld id="{57792C16-F24B-4F4E-9560-6BDEACC5E4F6}" type="datetimeFigureOut">
               <a:rPr lang="en-CN" smtClean="0"/>
-              <a:t>2024/1/21</a:t>
+              <a:t>01/24/2024</a:t>
             </a:fld>
             <a:endParaRPr lang="en-CN"/>
           </a:p>
@@ -3384,6 +3385,94 @@
       </p:grpSpPr>
       <p:sp>
         <p:nvSpPr>
+          <p:cNvPr id="2" name="标题 1">
+            <a:extLst>
+              <a:ext uri="{FF2B5EF4-FFF2-40B4-BE49-F238E27FC236}">
+                <a16:creationId xmlns:a16="http://schemas.microsoft.com/office/drawing/2014/main" id="{D09C7199-2EEF-44B4-BEEB-12C9CE2E31DC}"/>
+              </a:ext>
+            </a:extLst>
+          </p:cNvPr>
+          <p:cNvSpPr>
+            <a:spLocks noGrp="1"/>
+          </p:cNvSpPr>
+          <p:nvPr>
+            <p:ph type="ctrTitle"/>
+          </p:nvPr>
+        </p:nvSpPr>
+        <p:spPr/>
+        <p:txBody>
+          <a:bodyPr/>
+          <a:lstStyle/>
+          <a:p>
+            <a:r>
+              <a:rPr lang="en-US" altLang="zh-CN" dirty="0"/>
+              <a:t>Work Report</a:t>
+            </a:r>
+            <a:endParaRPr lang="zh-CN" altLang="en-US" dirty="0"/>
+          </a:p>
+        </p:txBody>
+      </p:sp>
+      <p:sp>
+        <p:nvSpPr>
+          <p:cNvPr id="3" name="副标题 2">
+            <a:extLst>
+              <a:ext uri="{FF2B5EF4-FFF2-40B4-BE49-F238E27FC236}">
+                <a16:creationId xmlns:a16="http://schemas.microsoft.com/office/drawing/2014/main" id="{05EF0B54-538F-4AE9-B632-46059A54AB43}"/>
+              </a:ext>
+            </a:extLst>
+          </p:cNvPr>
+          <p:cNvSpPr>
+            <a:spLocks noGrp="1"/>
+          </p:cNvSpPr>
+          <p:nvPr>
+            <p:ph type="subTitle" idx="1"/>
+          </p:nvPr>
+        </p:nvSpPr>
+        <p:spPr/>
+        <p:txBody>
+          <a:bodyPr/>
+          <a:lstStyle/>
+          <a:p>
+            <a:r>
+              <a:rPr lang="en-US" altLang="zh-CN" dirty="0"/>
+              <a:t>Zheng Da</a:t>
+            </a:r>
+            <a:endParaRPr lang="zh-CN" altLang="en-US" dirty="0"/>
+          </a:p>
+        </p:txBody>
+      </p:sp>
+    </p:spTree>
+    <p:extLst>
+      <p:ext uri="{BB962C8B-B14F-4D97-AF65-F5344CB8AC3E}">
+        <p14:creationId xmlns:p14="http://schemas.microsoft.com/office/powerpoint/2010/main" val="1945700162"/>
+      </p:ext>
+    </p:extLst>
+  </p:cSld>
+  <p:clrMapOvr>
+    <a:masterClrMapping/>
+  </p:clrMapOvr>
+</p:sld>
+</file>
+
+<file path=ppt/slides/slide2.xml><?xml version="1.0" encoding="utf-8"?>
+<p:sld xmlns:a="http://schemas.openxmlformats.org/drawingml/2006/main" xmlns:r="http://schemas.openxmlformats.org/officeDocument/2006/relationships" xmlns:p="http://schemas.openxmlformats.org/presentationml/2006/main">
+  <p:cSld>
+    <p:spTree>
+      <p:nvGrpSpPr>
+        <p:cNvPr id="1" name=""/>
+        <p:cNvGrpSpPr/>
+        <p:nvPr/>
+      </p:nvGrpSpPr>
+      <p:grpSpPr>
+        <a:xfrm>
+          <a:off x="0" y="0"/>
+          <a:ext cx="0" cy="0"/>
+          <a:chOff x="0" y="0"/>
+          <a:chExt cx="0" cy="0"/>
+        </a:xfrm>
+      </p:grpSpPr>
+      <p:sp>
+        <p:nvSpPr>
           <p:cNvPr id="2" name="Title 1">
             <a:extLst>
               <a:ext uri="{FF2B5EF4-FFF2-40B4-BE49-F238E27FC236}">
@@ -3926,7 +4015,7 @@
 </p:sld>
 </file>
 
-<file path=ppt/slides/slide2.xml><?xml version="1.0" encoding="utf-8"?>
+<file path=ppt/slides/slide3.xml><?xml version="1.0" encoding="utf-8"?>
 <p:sld xmlns:a="http://schemas.openxmlformats.org/drawingml/2006/main" xmlns:r="http://schemas.openxmlformats.org/officeDocument/2006/relationships" xmlns:p="http://schemas.openxmlformats.org/presentationml/2006/main">
   <p:cSld>
     <p:spTree>
@@ -4911,7 +5000,7 @@
 </p:sld>
 </file>
 
-<file path=ppt/slides/slide3.xml><?xml version="1.0" encoding="utf-8"?>
+<file path=ppt/slides/slide4.xml><?xml version="1.0" encoding="utf-8"?>
 <p:sld xmlns:a="http://schemas.openxmlformats.org/drawingml/2006/main" xmlns:r="http://schemas.openxmlformats.org/officeDocument/2006/relationships" xmlns:p="http://schemas.openxmlformats.org/presentationml/2006/main">
   <p:cSld>
     <p:spTree>
@@ -6463,7 +6552,7 @@
 </p:sld>
 </file>
 
-<file path=ppt/slides/slide4.xml><?xml version="1.0" encoding="utf-8"?>
+<file path=ppt/slides/slide5.xml><?xml version="1.0" encoding="utf-8"?>
 <p:sld xmlns:a="http://schemas.openxmlformats.org/drawingml/2006/main" xmlns:r="http://schemas.openxmlformats.org/officeDocument/2006/relationships" xmlns:p="http://schemas.openxmlformats.org/presentationml/2006/main">
   <p:cSld>
     <p:spTree>
@@ -6646,7 +6735,7 @@
 </p:sld>
 </file>
 
-<file path=ppt/slides/slide5.xml><?xml version="1.0" encoding="utf-8"?>
+<file path=ppt/slides/slide6.xml><?xml version="1.0" encoding="utf-8"?>
 <p:sld xmlns:a="http://schemas.openxmlformats.org/drawingml/2006/main" xmlns:r="http://schemas.openxmlformats.org/officeDocument/2006/relationships" xmlns:p="http://schemas.openxmlformats.org/presentationml/2006/main">
   <p:cSld>
     <p:spTree>
@@ -12540,7 +12629,7 @@
 </p:sld>
 </file>
 
-<file path=ppt/slides/slide6.xml><?xml version="1.0" encoding="utf-8"?>
+<file path=ppt/slides/slide7.xml><?xml version="1.0" encoding="utf-8"?>
 <p:sld xmlns:a="http://schemas.openxmlformats.org/drawingml/2006/main" xmlns:r="http://schemas.openxmlformats.org/officeDocument/2006/relationships" xmlns:p="http://schemas.openxmlformats.org/presentationml/2006/main">
   <p:cSld>
     <p:spTree>
@@ -12730,7 +12819,7 @@
 </p:sld>
 </file>
 
-<file path=ppt/slides/slide7.xml><?xml version="1.0" encoding="utf-8"?>
+<file path=ppt/slides/slide8.xml><?xml version="1.0" encoding="utf-8"?>
 <p:sld xmlns:a="http://schemas.openxmlformats.org/drawingml/2006/main" xmlns:r="http://schemas.openxmlformats.org/officeDocument/2006/relationships" xmlns:p="http://schemas.openxmlformats.org/presentationml/2006/main">
   <p:cSld>
     <p:spTree>
@@ -13393,7 +13482,7 @@
 </p:sld>
 </file>
 
-<file path=ppt/slides/slide8.xml><?xml version="1.0" encoding="utf-8"?>
+<file path=ppt/slides/slide9.xml><?xml version="1.0" encoding="utf-8"?>
 <p:sld xmlns:a="http://schemas.openxmlformats.org/drawingml/2006/main" xmlns:r="http://schemas.openxmlformats.org/officeDocument/2006/relationships" xmlns:p="http://schemas.openxmlformats.org/presentationml/2006/main">
   <p:cSld>
     <p:spTree>

--- a/undergraduate/Presentation.pptx
+++ b/undergraduate/Presentation.pptx
@@ -297,7 +297,7 @@
           <a:p>
             <a:fld id="{57792C16-F24B-4F4E-9560-6BDEACC5E4F6}" type="datetimeFigureOut">
               <a:rPr lang="en-CN" smtClean="0"/>
-              <a:t>01/24/2024</a:t>
+              <a:t>2024/1/24</a:t>
             </a:fld>
             <a:endParaRPr lang="en-CN"/>
           </a:p>
@@ -497,7 +497,7 @@
           <a:p>
             <a:fld id="{57792C16-F24B-4F4E-9560-6BDEACC5E4F6}" type="datetimeFigureOut">
               <a:rPr lang="en-CN" smtClean="0"/>
-              <a:t>01/24/2024</a:t>
+              <a:t>2024/1/24</a:t>
             </a:fld>
             <a:endParaRPr lang="en-CN"/>
           </a:p>
@@ -707,7 +707,7 @@
           <a:p>
             <a:fld id="{57792C16-F24B-4F4E-9560-6BDEACC5E4F6}" type="datetimeFigureOut">
               <a:rPr lang="en-CN" smtClean="0"/>
-              <a:t>01/24/2024</a:t>
+              <a:t>2024/1/24</a:t>
             </a:fld>
             <a:endParaRPr lang="en-CN"/>
           </a:p>
@@ -907,7 +907,7 @@
           <a:p>
             <a:fld id="{57792C16-F24B-4F4E-9560-6BDEACC5E4F6}" type="datetimeFigureOut">
               <a:rPr lang="en-CN" smtClean="0"/>
-              <a:t>01/24/2024</a:t>
+              <a:t>2024/1/24</a:t>
             </a:fld>
             <a:endParaRPr lang="en-CN"/>
           </a:p>
@@ -1183,7 +1183,7 @@
           <a:p>
             <a:fld id="{57792C16-F24B-4F4E-9560-6BDEACC5E4F6}" type="datetimeFigureOut">
               <a:rPr lang="en-CN" smtClean="0"/>
-              <a:t>01/24/2024</a:t>
+              <a:t>2024/1/24</a:t>
             </a:fld>
             <a:endParaRPr lang="en-CN"/>
           </a:p>
@@ -1451,7 +1451,7 @@
           <a:p>
             <a:fld id="{57792C16-F24B-4F4E-9560-6BDEACC5E4F6}" type="datetimeFigureOut">
               <a:rPr lang="en-CN" smtClean="0"/>
-              <a:t>01/24/2024</a:t>
+              <a:t>2024/1/24</a:t>
             </a:fld>
             <a:endParaRPr lang="en-CN"/>
           </a:p>
@@ -1866,7 +1866,7 @@
           <a:p>
             <a:fld id="{57792C16-F24B-4F4E-9560-6BDEACC5E4F6}" type="datetimeFigureOut">
               <a:rPr lang="en-CN" smtClean="0"/>
-              <a:t>01/24/2024</a:t>
+              <a:t>2024/1/24</a:t>
             </a:fld>
             <a:endParaRPr lang="en-CN"/>
           </a:p>
@@ -2008,7 +2008,7 @@
           <a:p>
             <a:fld id="{57792C16-F24B-4F4E-9560-6BDEACC5E4F6}" type="datetimeFigureOut">
               <a:rPr lang="en-CN" smtClean="0"/>
-              <a:t>01/24/2024</a:t>
+              <a:t>2024/1/24</a:t>
             </a:fld>
             <a:endParaRPr lang="en-CN"/>
           </a:p>
@@ -2121,7 +2121,7 @@
           <a:p>
             <a:fld id="{57792C16-F24B-4F4E-9560-6BDEACC5E4F6}" type="datetimeFigureOut">
               <a:rPr lang="en-CN" smtClean="0"/>
-              <a:t>01/24/2024</a:t>
+              <a:t>2024/1/24</a:t>
             </a:fld>
             <a:endParaRPr lang="en-CN"/>
           </a:p>
@@ -2434,7 +2434,7 @@
           <a:p>
             <a:fld id="{57792C16-F24B-4F4E-9560-6BDEACC5E4F6}" type="datetimeFigureOut">
               <a:rPr lang="en-CN" smtClean="0"/>
-              <a:t>01/24/2024</a:t>
+              <a:t>2024/1/24</a:t>
             </a:fld>
             <a:endParaRPr lang="en-CN"/>
           </a:p>
@@ -2723,7 +2723,7 @@
           <a:p>
             <a:fld id="{57792C16-F24B-4F4E-9560-6BDEACC5E4F6}" type="datetimeFigureOut">
               <a:rPr lang="en-CN" smtClean="0"/>
-              <a:t>01/24/2024</a:t>
+              <a:t>2024/1/24</a:t>
             </a:fld>
             <a:endParaRPr lang="en-CN"/>
           </a:p>
@@ -2966,7 +2966,7 @@
           <a:p>
             <a:fld id="{57792C16-F24B-4F4E-9560-6BDEACC5E4F6}" type="datetimeFigureOut">
               <a:rPr lang="en-CN" smtClean="0"/>
-              <a:t>01/24/2024</a:t>
+              <a:t>2024/1/24</a:t>
             </a:fld>
             <a:endParaRPr lang="en-CN"/>
           </a:p>
@@ -4481,47 +4481,6 @@
       </p:sp>
       <p:pic>
         <p:nvPicPr>
-          <p:cNvPr id="37" name="Picture 36">
-            <a:extLst>
-              <a:ext uri="{FF2B5EF4-FFF2-40B4-BE49-F238E27FC236}">
-                <a16:creationId xmlns:a16="http://schemas.microsoft.com/office/drawing/2014/main" id="{0568A844-0495-FADE-DD3E-E470ED2ADD60}"/>
-              </a:ext>
-            </a:extLst>
-          </p:cNvPr>
-          <p:cNvPicPr>
-            <a:picLocks noChangeAspect="1"/>
-          </p:cNvPicPr>
-          <p:nvPr/>
-        </p:nvPicPr>
-        <p:blipFill>
-          <a:blip r:embed="rId4">
-            <a:clrChange>
-              <a:clrFrom>
-                <a:srgbClr val="FFFFFF"/>
-              </a:clrFrom>
-              <a:clrTo>
-                <a:srgbClr val="FFFFFF">
-                  <a:alpha val="0"/>
-                </a:srgbClr>
-              </a:clrTo>
-            </a:clrChange>
-          </a:blip>
-          <a:stretch>
-            <a:fillRect/>
-          </a:stretch>
-        </p:blipFill>
-        <p:spPr>
-          <a:xfrm>
-            <a:off x="6258739" y="1284010"/>
-            <a:ext cx="5702351" cy="3211253"/>
-          </a:xfrm>
-          <a:prstGeom prst="rect">
-            <a:avLst/>
-          </a:prstGeom>
-        </p:spPr>
-      </p:pic>
-      <p:pic>
-        <p:nvPicPr>
           <p:cNvPr id="42" name="Picture 41">
             <a:extLst>
               <a:ext uri="{FF2B5EF4-FFF2-40B4-BE49-F238E27FC236}">
@@ -4535,7 +4494,7 @@
           <p:nvPr/>
         </p:nvPicPr>
         <p:blipFill>
-          <a:blip r:embed="rId5">
+          <a:blip r:embed="rId4">
             <a:clrChange>
               <a:clrFrom>
                 <a:srgbClr val="FFFFFF"/>
@@ -4722,7 +4681,7 @@
             <p:nvPr/>
           </p:nvPicPr>
           <p:blipFill>
-            <a:blip r:embed="rId6">
+            <a:blip r:embed="rId5">
               <a:clrChange>
                 <a:clrFrom>
                   <a:srgbClr val="FFFFFF"/>
@@ -4763,7 +4722,7 @@
             <p:nvPr/>
           </p:nvPicPr>
           <p:blipFill>
-            <a:blip r:embed="rId7"/>
+            <a:blip r:embed="rId6"/>
             <a:stretch>
               <a:fillRect/>
             </a:stretch>
@@ -4987,6 +4946,47 @@
           </a:p>
         </p:txBody>
       </p:sp>
+      <p:pic>
+        <p:nvPicPr>
+          <p:cNvPr id="3" name="Picture 2">
+            <a:extLst>
+              <a:ext uri="{FF2B5EF4-FFF2-40B4-BE49-F238E27FC236}">
+                <a16:creationId xmlns:a16="http://schemas.microsoft.com/office/drawing/2014/main" id="{CE464BF1-D573-7712-7D7E-2339845B5664}"/>
+              </a:ext>
+            </a:extLst>
+          </p:cNvPr>
+          <p:cNvPicPr>
+            <a:picLocks noChangeAspect="1"/>
+          </p:cNvPicPr>
+          <p:nvPr/>
+        </p:nvPicPr>
+        <p:blipFill>
+          <a:blip r:embed="rId7">
+            <a:clrChange>
+              <a:clrFrom>
+                <a:srgbClr val="FFFFFF"/>
+              </a:clrFrom>
+              <a:clrTo>
+                <a:srgbClr val="FFFFFF">
+                  <a:alpha val="0"/>
+                </a:srgbClr>
+              </a:clrTo>
+            </a:clrChange>
+          </a:blip>
+          <a:stretch>
+            <a:fillRect/>
+          </a:stretch>
+        </p:blipFill>
+        <p:spPr>
+          <a:xfrm>
+            <a:off x="6149527" y="1373477"/>
+            <a:ext cx="5669462" cy="3330251"/>
+          </a:xfrm>
+          <a:prstGeom prst="rect">
+            <a:avLst/>
+          </a:prstGeom>
+        </p:spPr>
+      </p:pic>
     </p:spTree>
     <p:extLst>
       <p:ext uri="{BB962C8B-B14F-4D97-AF65-F5344CB8AC3E}">

--- a/undergraduate/Presentation.pptx
+++ b/undergraduate/Presentation.pptx
@@ -12,8 +12,6 @@
     <p:sldId id="270" r:id="rId6"/>
     <p:sldId id="269" r:id="rId7"/>
     <p:sldId id="264" r:id="rId8"/>
-    <p:sldId id="256" r:id="rId9"/>
-    <p:sldId id="268" r:id="rId10"/>
   </p:sldIdLst>
   <p:sldSz cx="12192000" cy="6858000"/>
   <p:notesSz cx="6858000" cy="9144000"/>
@@ -297,7 +295,7 @@
           <a:p>
             <a:fld id="{57792C16-F24B-4F4E-9560-6BDEACC5E4F6}" type="datetimeFigureOut">
               <a:rPr lang="en-CN" smtClean="0"/>
-              <a:t>2024/1/24</a:t>
+              <a:t>01/24/2024</a:t>
             </a:fld>
             <a:endParaRPr lang="en-CN"/>
           </a:p>
@@ -497,7 +495,7 @@
           <a:p>
             <a:fld id="{57792C16-F24B-4F4E-9560-6BDEACC5E4F6}" type="datetimeFigureOut">
               <a:rPr lang="en-CN" smtClean="0"/>
-              <a:t>2024/1/24</a:t>
+              <a:t>01/24/2024</a:t>
             </a:fld>
             <a:endParaRPr lang="en-CN"/>
           </a:p>
@@ -707,7 +705,7 @@
           <a:p>
             <a:fld id="{57792C16-F24B-4F4E-9560-6BDEACC5E4F6}" type="datetimeFigureOut">
               <a:rPr lang="en-CN" smtClean="0"/>
-              <a:t>2024/1/24</a:t>
+              <a:t>01/24/2024</a:t>
             </a:fld>
             <a:endParaRPr lang="en-CN"/>
           </a:p>
@@ -907,7 +905,7 @@
           <a:p>
             <a:fld id="{57792C16-F24B-4F4E-9560-6BDEACC5E4F6}" type="datetimeFigureOut">
               <a:rPr lang="en-CN" smtClean="0"/>
-              <a:t>2024/1/24</a:t>
+              <a:t>01/24/2024</a:t>
             </a:fld>
             <a:endParaRPr lang="en-CN"/>
           </a:p>
@@ -1183,7 +1181,7 @@
           <a:p>
             <a:fld id="{57792C16-F24B-4F4E-9560-6BDEACC5E4F6}" type="datetimeFigureOut">
               <a:rPr lang="en-CN" smtClean="0"/>
-              <a:t>2024/1/24</a:t>
+              <a:t>01/24/2024</a:t>
             </a:fld>
             <a:endParaRPr lang="en-CN"/>
           </a:p>
@@ -1451,7 +1449,7 @@
           <a:p>
             <a:fld id="{57792C16-F24B-4F4E-9560-6BDEACC5E4F6}" type="datetimeFigureOut">
               <a:rPr lang="en-CN" smtClean="0"/>
-              <a:t>2024/1/24</a:t>
+              <a:t>01/24/2024</a:t>
             </a:fld>
             <a:endParaRPr lang="en-CN"/>
           </a:p>
@@ -1866,7 +1864,7 @@
           <a:p>
             <a:fld id="{57792C16-F24B-4F4E-9560-6BDEACC5E4F6}" type="datetimeFigureOut">
               <a:rPr lang="en-CN" smtClean="0"/>
-              <a:t>2024/1/24</a:t>
+              <a:t>01/24/2024</a:t>
             </a:fld>
             <a:endParaRPr lang="en-CN"/>
           </a:p>
@@ -2008,7 +2006,7 @@
           <a:p>
             <a:fld id="{57792C16-F24B-4F4E-9560-6BDEACC5E4F6}" type="datetimeFigureOut">
               <a:rPr lang="en-CN" smtClean="0"/>
-              <a:t>2024/1/24</a:t>
+              <a:t>01/24/2024</a:t>
             </a:fld>
             <a:endParaRPr lang="en-CN"/>
           </a:p>
@@ -2121,7 +2119,7 @@
           <a:p>
             <a:fld id="{57792C16-F24B-4F4E-9560-6BDEACC5E4F6}" type="datetimeFigureOut">
               <a:rPr lang="en-CN" smtClean="0"/>
-              <a:t>2024/1/24</a:t>
+              <a:t>01/24/2024</a:t>
             </a:fld>
             <a:endParaRPr lang="en-CN"/>
           </a:p>
@@ -2434,7 +2432,7 @@
           <a:p>
             <a:fld id="{57792C16-F24B-4F4E-9560-6BDEACC5E4F6}" type="datetimeFigureOut">
               <a:rPr lang="en-CN" smtClean="0"/>
-              <a:t>2024/1/24</a:t>
+              <a:t>01/24/2024</a:t>
             </a:fld>
             <a:endParaRPr lang="en-CN"/>
           </a:p>
@@ -2723,7 +2721,7 @@
           <a:p>
             <a:fld id="{57792C16-F24B-4F4E-9560-6BDEACC5E4F6}" type="datetimeFigureOut">
               <a:rPr lang="en-CN" smtClean="0"/>
-              <a:t>2024/1/24</a:t>
+              <a:t>01/24/2024</a:t>
             </a:fld>
             <a:endParaRPr lang="en-CN"/>
           </a:p>
@@ -2966,7 +2964,7 @@
           <a:p>
             <a:fld id="{57792C16-F24B-4F4E-9560-6BDEACC5E4F6}" type="datetimeFigureOut">
               <a:rPr lang="en-CN" smtClean="0"/>
-              <a:t>2024/1/24</a:t>
+              <a:t>01/24/2024</a:t>
             </a:fld>
             <a:endParaRPr lang="en-CN"/>
           </a:p>
@@ -3525,16 +3523,15 @@
           </p:cNvPicPr>
           <p:nvPr/>
         </p:nvPicPr>
-        <p:blipFill>
+        <p:blipFill rotWithShape="1">
           <a:blip r:embed="rId2"/>
-          <a:stretch>
-            <a:fillRect/>
-          </a:stretch>
+          <a:srcRect b="21975"/>
+          <a:stretch/>
         </p:blipFill>
         <p:spPr>
           <a:xfrm>
-            <a:off x="720000" y="1109915"/>
-            <a:ext cx="4693105" cy="5452038"/>
+            <a:off x="281262" y="1354160"/>
+            <a:ext cx="5485458" cy="4972151"/>
           </a:xfrm>
           <a:prstGeom prst="rect">
             <a:avLst/>
@@ -3592,7 +3589,7 @@
         </p:nvGrpSpPr>
         <p:grpSpPr>
           <a:xfrm>
-            <a:off x="6160623" y="1220806"/>
+            <a:off x="6089952" y="1235019"/>
             <a:ext cx="4939292" cy="2985104"/>
             <a:chOff x="6120492" y="786796"/>
             <a:chExt cx="4939292" cy="2985104"/>
@@ -3703,7 +3700,7 @@
         </p:nvSpPr>
         <p:spPr>
           <a:xfrm>
-            <a:off x="8217432" y="6494788"/>
+            <a:off x="8146761" y="6509001"/>
             <a:ext cx="1350420" cy="276999"/>
           </a:xfrm>
           <a:prstGeom prst="rect">
@@ -3748,8 +3745,8 @@
         </p:nvSpPr>
         <p:spPr>
           <a:xfrm>
-            <a:off x="6065667" y="801540"/>
-            <a:ext cx="3001823" cy="338554"/>
+            <a:off x="5994995" y="785574"/>
+            <a:ext cx="3001823" cy="400110"/>
           </a:xfrm>
           <a:prstGeom prst="rect">
             <a:avLst/>
@@ -3763,26 +3760,26 @@
           <a:lstStyle/>
           <a:p>
             <a:r>
-              <a:rPr lang="en-US" altLang="zh-CN" sz="1600" b="1" dirty="0"/>
+              <a:rPr lang="en-US" altLang="zh-CN" sz="2000" b="1" dirty="0"/>
               <a:t>2.</a:t>
             </a:r>
             <a:r>
-              <a:rPr lang="zh-CN" altLang="en-US" sz="1600" b="1" dirty="0"/>
+              <a:rPr lang="zh-CN" altLang="en-US" sz="2000" b="1" dirty="0"/>
               <a:t> </a:t>
             </a:r>
             <a:r>
-              <a:rPr lang="en-US" altLang="zh-CN" sz="1600" b="1" dirty="0"/>
+              <a:rPr lang="en-US" altLang="zh-CN" sz="2000" b="1" dirty="0"/>
               <a:t>TE </a:t>
             </a:r>
             <a:r>
-              <a:rPr lang="en-US" altLang="zh-CN" sz="1600" b="1" dirty="0">
+              <a:rPr lang="en-US" altLang="zh-CN" sz="2000" b="1" dirty="0">
                 <a:solidFill>
                   <a:srgbClr val="FF0000"/>
                 </a:solidFill>
               </a:rPr>
               <a:t>mutation</a:t>
             </a:r>
-            <a:endParaRPr lang="en-CN" sz="1600" b="1" dirty="0">
+            <a:endParaRPr lang="en-CN" sz="2000" b="1" dirty="0">
               <a:solidFill>
                 <a:srgbClr val="FF0000"/>
               </a:solidFill>
@@ -3805,7 +3802,7 @@
         <p:spPr>
           <a:xfrm>
             <a:off x="720000" y="771361"/>
-            <a:ext cx="2755165" cy="338554"/>
+            <a:ext cx="2755165" cy="400110"/>
           </a:xfrm>
           <a:prstGeom prst="rect">
             <a:avLst/>
@@ -3819,10 +3816,10 @@
           <a:lstStyle/>
           <a:p>
             <a:r>
-              <a:rPr lang="en-US" sz="1600" b="1" dirty="0"/>
+              <a:rPr lang="en-US" sz="2000" b="1" dirty="0"/>
               <a:t>1. Classification</a:t>
             </a:r>
-            <a:endParaRPr lang="en-CN" sz="1600" b="1" dirty="0"/>
+            <a:endParaRPr lang="en-CN" sz="2000" b="1" dirty="0"/>
           </a:p>
         </p:txBody>
       </p:sp>
@@ -3840,8 +3837,8 @@
         </p:nvSpPr>
         <p:spPr>
           <a:xfrm>
-            <a:off x="6065666" y="4280499"/>
-            <a:ext cx="4797803" cy="338554"/>
+            <a:off x="6028096" y="4226091"/>
+            <a:ext cx="5937444" cy="400110"/>
           </a:xfrm>
           <a:prstGeom prst="rect">
             <a:avLst/>
@@ -3855,18 +3852,18 @@
           <a:lstStyle/>
           <a:p>
             <a:r>
-              <a:rPr lang="en-US" altLang="zh-CN" sz="1600" b="1" dirty="0"/>
+              <a:rPr lang="en-US" altLang="zh-CN" sz="2000" b="1" dirty="0"/>
               <a:t>3.</a:t>
             </a:r>
             <a:r>
-              <a:rPr lang="zh-CN" altLang="en-US" sz="1600" b="1" dirty="0"/>
+              <a:rPr lang="zh-CN" altLang="en-US" sz="2000" b="1" dirty="0"/>
               <a:t> </a:t>
             </a:r>
             <a:r>
-              <a:rPr lang="en-US" sz="1600" b="1" dirty="0"/>
+              <a:rPr lang="en-US" sz="2000" b="1" dirty="0"/>
               <a:t>Relationship between TE load and range expansion </a:t>
             </a:r>
-            <a:endParaRPr lang="en-CN" sz="1600" b="1" dirty="0"/>
+            <a:endParaRPr lang="en-CN" sz="2000" b="1" dirty="0"/>
           </a:p>
         </p:txBody>
       </p:sp>
@@ -3884,7 +3881,7 @@
         </p:nvGrpSpPr>
         <p:grpSpPr>
           <a:xfrm>
-            <a:off x="6065667" y="4700032"/>
+            <a:off x="5994996" y="4714245"/>
             <a:ext cx="5352756" cy="1776668"/>
             <a:chOff x="6001044" y="4628688"/>
             <a:chExt cx="5352756" cy="1776668"/>
@@ -3951,8 +3948,8 @@
           </p:spPr>
         </p:pic>
       </p:grpSp>
-      <mc:AlternateContent xmlns:mc="http://schemas.openxmlformats.org/markup-compatibility/2006" xmlns:p14="http://schemas.microsoft.com/office/powerpoint/2010/main">
-        <mc:Choice Requires="p14">
+      <mc:AlternateContent xmlns:mc="http://schemas.openxmlformats.org/markup-compatibility/2006">
+        <mc:Choice xmlns:p14="http://schemas.microsoft.com/office/powerpoint/2010/main" Requires="p14">
           <p:contentPart p14:bwMode="auto" r:id="rId8">
             <p14:nvContentPartPr>
               <p14:cNvPr id="31" name="Ink 30">
@@ -3966,12 +3963,12 @@
               <p14:nvPr/>
             </p14:nvContentPartPr>
             <p14:xfrm>
-              <a:off x="9067490" y="4679206"/>
+              <a:off x="8996819" y="4693419"/>
               <a:ext cx="223560" cy="100080"/>
             </p14:xfrm>
           </p:contentPart>
         </mc:Choice>
-        <mc:Fallback xmlns="">
+        <mc:Fallback>
           <p:pic>
             <p:nvPicPr>
               <p:cNvPr id="31" name="Ink 30">
@@ -3992,8 +3989,8 @@
             </p:blipFill>
             <p:spPr>
               <a:xfrm>
-                <a:off x="9058490" y="4670566"/>
-                <a:ext cx="241200" cy="117720"/>
+                <a:off x="8987833" y="4684419"/>
+                <a:ext cx="241172" cy="117720"/>
               </a:xfrm>
               <a:prstGeom prst="rect">
                 <a:avLst/>
@@ -4201,7 +4198,7 @@
               </a:lnSpc>
             </a:pPr>
             <a:r>
-              <a:rPr lang="en-CN" sz="1600" b="1" dirty="0"/>
+              <a:rPr lang="en-CN" b="1" dirty="0"/>
               <a:t>TE detectiing Tools: </a:t>
             </a:r>
           </a:p>
@@ -4214,10 +4211,10 @@
               <a:buChar char="•"/>
             </a:pPr>
             <a:r>
-              <a:rPr lang="en-US" sz="1600" dirty="0" err="1"/>
+              <a:rPr lang="en-US" dirty="0" err="1"/>
               <a:t>LTR_Harvest</a:t>
             </a:r>
-            <a:endParaRPr lang="en-US" sz="1600" dirty="0"/>
+            <a:endParaRPr lang="en-US" dirty="0"/>
           </a:p>
           <a:p>
             <a:pPr marL="285750" indent="-285750">
@@ -4228,10 +4225,10 @@
               <a:buChar char="•"/>
             </a:pPr>
             <a:r>
-              <a:rPr lang="en-US" sz="1600" dirty="0" err="1"/>
+              <a:rPr lang="en-US" dirty="0" err="1"/>
               <a:t>LTR_Finder</a:t>
             </a:r>
-            <a:endParaRPr lang="en-US" sz="1600" dirty="0"/>
+            <a:endParaRPr lang="en-US" dirty="0"/>
           </a:p>
           <a:p>
             <a:pPr marL="285750" indent="-285750">
@@ -4242,10 +4239,10 @@
               <a:buChar char="•"/>
             </a:pPr>
             <a:r>
-              <a:rPr lang="en-US" sz="1600" dirty="0" err="1"/>
+              <a:rPr lang="en-US" dirty="0" err="1"/>
               <a:t>RepeatMasker</a:t>
             </a:r>
-            <a:endParaRPr lang="en-US" sz="1600" dirty="0"/>
+            <a:endParaRPr lang="en-US" dirty="0"/>
           </a:p>
           <a:p>
             <a:pPr marL="285750" indent="-285750">
@@ -4256,7 +4253,7 @@
               <a:buChar char="•"/>
             </a:pPr>
             <a:r>
-              <a:rPr lang="en-US" sz="1600" dirty="0"/>
+              <a:rPr lang="en-US" dirty="0"/>
               <a:t>TIR-Learner</a:t>
             </a:r>
           </a:p>
@@ -4269,11 +4266,11 @@
               <a:buChar char="•"/>
             </a:pPr>
             <a:r>
-              <a:rPr lang="en-US" sz="1600" dirty="0" err="1"/>
+              <a:rPr lang="en-US" dirty="0" err="1"/>
               <a:t>HelitronScanner</a:t>
             </a:r>
             <a:r>
-              <a:rPr lang="en-US" sz="1600" dirty="0"/>
+              <a:rPr lang="en-US" dirty="0"/>
               <a:t> </a:t>
             </a:r>
           </a:p>
@@ -4286,7 +4283,7 @@
               <a:buChar char="•"/>
             </a:pPr>
             <a:r>
-              <a:rPr lang="en-US" sz="1600" dirty="0"/>
+              <a:rPr lang="en-US" dirty="0"/>
               <a:t>RECON</a:t>
             </a:r>
           </a:p>
@@ -4299,7 +4296,7 @@
               <a:buChar char="•"/>
             </a:pPr>
             <a:r>
-              <a:rPr lang="en-US" sz="1600" dirty="0"/>
+              <a:rPr lang="en-US" dirty="0"/>
               <a:t>PILER</a:t>
             </a:r>
           </a:p>
@@ -4312,10 +4309,10 @@
               <a:buChar char="•"/>
             </a:pPr>
             <a:r>
-              <a:rPr lang="en-US" sz="1600" dirty="0"/>
+              <a:rPr lang="en-US" dirty="0"/>
               <a:t>MITE-Hunter</a:t>
             </a:r>
-            <a:endParaRPr lang="en-CN" sz="1600" dirty="0"/>
+            <a:endParaRPr lang="en-CN" dirty="0"/>
           </a:p>
         </p:txBody>
       </p:sp>
@@ -4457,8 +4454,8 @@
         </p:nvSpPr>
         <p:spPr>
           <a:xfrm>
-            <a:off x="4576713" y="2133398"/>
-            <a:ext cx="1141168" cy="369332"/>
+            <a:off x="4536885" y="2128575"/>
+            <a:ext cx="1260075" cy="400110"/>
           </a:xfrm>
           <a:prstGeom prst="rect">
             <a:avLst/>
@@ -4473,7 +4470,7 @@
           <a:p>
             <a:pPr algn="ctr"/>
             <a:r>
-              <a:rPr lang="en-CN" dirty="0"/>
+              <a:rPr lang="en-CN" sz="2000" dirty="0"/>
               <a:t>Detection</a:t>
             </a:r>
           </a:p>
@@ -4537,7 +4534,7 @@
         </p:nvGrpSpPr>
         <p:grpSpPr>
           <a:xfrm>
-            <a:off x="1339275" y="5093390"/>
+            <a:off x="1371470" y="5029000"/>
             <a:ext cx="1847274" cy="1028018"/>
             <a:chOff x="1507801" y="5307327"/>
             <a:chExt cx="1028104" cy="281119"/>
@@ -4752,8 +4749,8 @@
         </p:nvSpPr>
         <p:spPr>
           <a:xfrm>
-            <a:off x="8351755" y="5356638"/>
-            <a:ext cx="2985938" cy="584775"/>
+            <a:off x="8351754" y="5356638"/>
+            <a:ext cx="3425975" cy="707886"/>
           </a:xfrm>
           <a:prstGeom prst="rect">
             <a:avLst/>
@@ -4767,17 +4764,17 @@
           <a:lstStyle/>
           <a:p>
             <a:r>
-              <a:rPr lang="en-US" sz="1600" dirty="0"/>
+              <a:rPr lang="en-US" sz="2000" dirty="0"/>
               <a:t>R</a:t>
             </a:r>
             <a:r>
-              <a:rPr lang="en-CN" sz="1600" dirty="0"/>
+              <a:rPr lang="en-CN" sz="2000" dirty="0"/>
               <a:t>esequencing data of wheats:</a:t>
             </a:r>
           </a:p>
           <a:p>
             <a:r>
-              <a:rPr lang="en-CN" sz="1600" b="1" dirty="0"/>
+              <a:rPr lang="en-CN" sz="2000" b="1" dirty="0"/>
               <a:t>Vmap2</a:t>
             </a:r>
           </a:p>
@@ -4925,7 +4922,7 @@
         <p:spPr>
           <a:xfrm>
             <a:off x="2006373" y="4534451"/>
-            <a:ext cx="792245" cy="338554"/>
+            <a:ext cx="999125" cy="400110"/>
           </a:xfrm>
           <a:prstGeom prst="rect">
             <a:avLst/>
@@ -4939,10 +4936,10 @@
           <a:lstStyle/>
           <a:p>
             <a:r>
-              <a:rPr lang="en-US" sz="1600" dirty="0"/>
+              <a:rPr lang="en-US" sz="2000" dirty="0"/>
               <a:t>Sample</a:t>
             </a:r>
-            <a:endParaRPr lang="en-CN" sz="1600" dirty="0"/>
+            <a:endParaRPr lang="en-CN" sz="2000" dirty="0"/>
           </a:p>
         </p:txBody>
       </p:sp>
@@ -4979,8 +4976,8 @@
         </p:blipFill>
         <p:spPr>
           <a:xfrm>
-            <a:off x="6149527" y="1373477"/>
-            <a:ext cx="5669462" cy="3330251"/>
+            <a:off x="5845176" y="1394818"/>
+            <a:ext cx="6296494" cy="3698571"/>
           </a:xfrm>
           <a:prstGeom prst="rect">
             <a:avLst/>
@@ -5071,8 +5068,8 @@
         </p:nvSpPr>
         <p:spPr>
           <a:xfrm>
-            <a:off x="720000" y="929838"/>
-            <a:ext cx="2985938" cy="338554"/>
+            <a:off x="981617" y="982229"/>
+            <a:ext cx="2985938" cy="400110"/>
           </a:xfrm>
           <a:prstGeom prst="rect">
             <a:avLst/>
@@ -5086,10 +5083,10 @@
           <a:lstStyle/>
           <a:p>
             <a:r>
-              <a:rPr lang="en-US" sz="1600" b="1" dirty="0"/>
+              <a:rPr lang="en-US" sz="2000" b="1" dirty="0"/>
               <a:t>1. Curated TE library</a:t>
             </a:r>
-            <a:endParaRPr lang="en-CN" sz="1600" b="1" dirty="0"/>
+            <a:endParaRPr lang="en-CN" sz="2000" b="1" dirty="0"/>
           </a:p>
         </p:txBody>
       </p:sp>
@@ -5108,35 +5105,35 @@
           <p:nvPr>
             <p:extLst>
               <p:ext uri="{D42A27DB-BD31-4B8C-83A1-F6EECF244321}">
-                <p14:modId xmlns:p14="http://schemas.microsoft.com/office/powerpoint/2010/main" val="1193399538"/>
+                <p14:modId xmlns:p14="http://schemas.microsoft.com/office/powerpoint/2010/main" val="3514753749"/>
               </p:ext>
             </p:extLst>
           </p:nvPr>
         </p:nvGraphicFramePr>
         <p:xfrm>
-          <a:off x="720000" y="1423514"/>
-          <a:ext cx="4778382" cy="2315726"/>
+          <a:off x="720000" y="1518541"/>
+          <a:ext cx="5039999" cy="2520000"/>
         </p:xfrm>
         <a:graphic>
           <a:graphicData uri="http://schemas.openxmlformats.org/drawingml/2006/table">
             <a:tbl>
               <a:tblPr/>
               <a:tblGrid>
-                <a:gridCol w="1263584">
+                <a:gridCol w="1332765">
                   <a:extLst>
                     <a:ext uri="{9D8B030D-6E8A-4147-A177-3AD203B41FA5}">
                       <a16:colId xmlns:a16="http://schemas.microsoft.com/office/drawing/2014/main" val="3318525328"/>
                     </a:ext>
                   </a:extLst>
                 </a:gridCol>
-                <a:gridCol w="2251214">
+                <a:gridCol w="2374469">
                   <a:extLst>
                     <a:ext uri="{9D8B030D-6E8A-4147-A177-3AD203B41FA5}">
                       <a16:colId xmlns:a16="http://schemas.microsoft.com/office/drawing/2014/main" val="1760817565"/>
                     </a:ext>
                   </a:extLst>
                 </a:gridCol>
-                <a:gridCol w="1263584">
+                <a:gridCol w="1332765">
                   <a:extLst>
                     <a:ext uri="{9D8B030D-6E8A-4147-A177-3AD203B41FA5}">
                       <a16:colId xmlns:a16="http://schemas.microsoft.com/office/drawing/2014/main" val="1556031650"/>
@@ -5144,7 +5141,7 @@
                   </a:extLst>
                 </a:gridCol>
               </a:tblGrid>
-              <a:tr h="330818">
+              <a:tr h="360000">
                 <a:tc>
                   <a:txBody>
                     <a:bodyPr/>
@@ -5156,7 +5153,7 @@
                         </a:lnSpc>
                       </a:pPr>
                       <a:r>
-                        <a:rPr lang="en-US" sz="1600" b="1" i="0" u="none" strike="noStrike" dirty="0">
+                        <a:rPr lang="en-US" sz="2000" b="1" i="0" u="none" strike="noStrike" dirty="0">
                           <a:solidFill>
                             <a:srgbClr val="000000"/>
                           </a:solidFill>
@@ -5206,7 +5203,7 @@
                         </a:lnSpc>
                       </a:pPr>
                       <a:r>
-                        <a:rPr lang="en-US" sz="1600" b="1" i="1" u="none" strike="noStrike" dirty="0">
+                        <a:rPr lang="en-US" sz="2000" b="1" i="1" u="none" strike="noStrike" dirty="0">
                           <a:solidFill>
                             <a:srgbClr val="000000"/>
                           </a:solidFill>
@@ -5256,7 +5253,7 @@
                         </a:lnSpc>
                       </a:pPr>
                       <a:r>
-                        <a:rPr lang="en-US" sz="1600" b="1" i="0" u="none" strike="noStrike" dirty="0">
+                        <a:rPr lang="en-US" sz="2000" b="1" i="0" u="none" strike="noStrike" dirty="0">
                           <a:solidFill>
                             <a:srgbClr val="000000"/>
                           </a:solidFill>
@@ -5295,7 +5292,7 @@
                   </a:ext>
                 </a:extLst>
               </a:tr>
-              <a:tr h="330818">
+              <a:tr h="360000">
                 <a:tc rowSpan="6">
                   <a:txBody>
                     <a:bodyPr/>
@@ -5307,7 +5304,7 @@
                         </a:lnSpc>
                       </a:pPr>
                       <a:r>
-                        <a:rPr lang="en-US" sz="1600" b="0" i="0" u="none" strike="noStrike" dirty="0">
+                        <a:rPr lang="en-US" sz="2000" b="0" i="0" u="none" strike="noStrike" dirty="0">
                           <a:solidFill>
                             <a:srgbClr val="000000"/>
                           </a:solidFill>
@@ -5357,7 +5354,7 @@
                         </a:lnSpc>
                       </a:pPr>
                       <a:r>
-                        <a:rPr lang="en-US" sz="1600" b="0" i="1" u="none" strike="noStrike" dirty="0">
+                        <a:rPr lang="en-US" sz="2000" b="0" i="1" u="none" strike="noStrike" dirty="0">
                           <a:solidFill>
                             <a:srgbClr val="000000"/>
                           </a:solidFill>
@@ -5367,7 +5364,7 @@
                         <a:t>Triticum </a:t>
                       </a:r>
                       <a:r>
-                        <a:rPr lang="en-US" sz="1600" b="0" i="1" u="none" strike="noStrike" dirty="0" err="1">
+                        <a:rPr lang="en-US" sz="2000" b="0" i="1" u="none" strike="noStrike" dirty="0" err="1">
                           <a:solidFill>
                             <a:srgbClr val="000000"/>
                           </a:solidFill>
@@ -5376,7 +5373,7 @@
                         </a:rPr>
                         <a:t>monococcum</a:t>
                       </a:r>
-                      <a:endParaRPr lang="en-US" sz="1600" b="0" i="1" u="none" strike="noStrike" dirty="0">
+                      <a:endParaRPr lang="en-US" sz="2000" b="0" i="1" u="none" strike="noStrike" dirty="0">
                         <a:solidFill>
                           <a:srgbClr val="000000"/>
                         </a:solidFill>
@@ -5424,7 +5421,7 @@
                         </a:lnSpc>
                       </a:pPr>
                       <a:r>
-                        <a:rPr lang="en-CN" sz="1600" b="0" i="0" u="none" strike="noStrike" dirty="0">
+                        <a:rPr lang="en-CN" sz="2000" b="0" i="0" u="none" strike="noStrike" dirty="0">
                           <a:solidFill>
                             <a:srgbClr val="000000"/>
                           </a:solidFill>
@@ -5463,7 +5460,7 @@
                   </a:ext>
                 </a:extLst>
               </a:tr>
-              <a:tr h="330818">
+              <a:tr h="360000">
                 <a:tc vMerge="1">
                   <a:txBody>
                     <a:bodyPr/>
@@ -5490,7 +5487,7 @@
                         </a:lnSpc>
                       </a:pPr>
                       <a:r>
-                        <a:rPr lang="en-US" sz="1600" b="0" i="1" u="none" strike="noStrike" dirty="0">
+                        <a:rPr lang="en-US" sz="2000" b="0" i="1" u="none" strike="noStrike" dirty="0">
                           <a:solidFill>
                             <a:srgbClr val="000000"/>
                           </a:solidFill>
@@ -5500,7 +5497,7 @@
                         <a:t>Triticum </a:t>
                       </a:r>
                       <a:r>
-                        <a:rPr lang="en-US" sz="1600" b="0" i="1" u="none" strike="noStrike" dirty="0" err="1">
+                        <a:rPr lang="en-US" sz="2000" b="0" i="1" u="none" strike="noStrike" dirty="0" err="1">
                           <a:solidFill>
                             <a:srgbClr val="000000"/>
                           </a:solidFill>
@@ -5509,7 +5506,7 @@
                         </a:rPr>
                         <a:t>urartu</a:t>
                       </a:r>
-                      <a:endParaRPr lang="en-US" sz="1600" b="0" i="1" u="none" strike="noStrike" dirty="0">
+                      <a:endParaRPr lang="en-US" sz="2000" b="0" i="1" u="none" strike="noStrike" dirty="0">
                         <a:solidFill>
                           <a:srgbClr val="000000"/>
                         </a:solidFill>
@@ -5551,7 +5548,7 @@
                         </a:lnSpc>
                       </a:pPr>
                       <a:r>
-                        <a:rPr lang="en-CN" sz="1600" b="0" i="0" u="none" strike="noStrike" dirty="0">
+                        <a:rPr lang="en-CN" sz="2000" b="0" i="0" u="none" strike="noStrike" dirty="0">
                           <a:solidFill>
                             <a:srgbClr val="000000"/>
                           </a:solidFill>
@@ -5584,7 +5581,7 @@
                   </a:ext>
                 </a:extLst>
               </a:tr>
-              <a:tr h="330818">
+              <a:tr h="360000">
                 <a:tc vMerge="1">
                   <a:txBody>
                     <a:bodyPr/>
@@ -5606,7 +5603,7 @@
                         </a:lnSpc>
                       </a:pPr>
                       <a:r>
-                        <a:rPr lang="en-US" sz="1600" b="0" i="1" u="none" strike="noStrike" dirty="0">
+                        <a:rPr lang="en-US" sz="2000" b="0" i="1" u="none" strike="noStrike" dirty="0">
                           <a:solidFill>
                             <a:srgbClr val="000000"/>
                           </a:solidFill>
@@ -5616,7 +5613,7 @@
                         <a:t>Aegilops </a:t>
                       </a:r>
                       <a:r>
-                        <a:rPr lang="en-US" sz="1600" b="0" i="1" u="none" strike="noStrike" dirty="0" err="1">
+                        <a:rPr lang="en-US" sz="2000" b="0" i="1" u="none" strike="noStrike" dirty="0" err="1">
                           <a:solidFill>
                             <a:srgbClr val="000000"/>
                           </a:solidFill>
@@ -5625,7 +5622,7 @@
                         </a:rPr>
                         <a:t>tauschii</a:t>
                       </a:r>
-                      <a:endParaRPr lang="en-US" sz="1600" b="0" i="1" u="none" strike="noStrike" dirty="0">
+                      <a:endParaRPr lang="en-US" sz="2000" b="0" i="1" u="none" strike="noStrike" dirty="0">
                         <a:solidFill>
                           <a:srgbClr val="000000"/>
                         </a:solidFill>
@@ -5667,7 +5664,7 @@
                         </a:lnSpc>
                       </a:pPr>
                       <a:r>
-                        <a:rPr lang="en-CN" sz="1600" b="0" i="0" u="none" strike="noStrike" dirty="0">
+                        <a:rPr lang="en-CN" sz="2000" b="0" i="0" u="none" strike="noStrike" dirty="0">
                           <a:solidFill>
                             <a:srgbClr val="000000"/>
                           </a:solidFill>
@@ -5700,7 +5697,7 @@
                   </a:ext>
                 </a:extLst>
               </a:tr>
-              <a:tr h="330818">
+              <a:tr h="360000">
                 <a:tc vMerge="1">
                   <a:txBody>
                     <a:bodyPr/>
@@ -5722,7 +5719,7 @@
                         </a:lnSpc>
                       </a:pPr>
                       <a:r>
-                        <a:rPr lang="en-US" sz="1600" b="0" i="1" u="none" strike="noStrike" dirty="0">
+                        <a:rPr lang="en-US" sz="2000" b="0" i="1" u="none" strike="noStrike" dirty="0">
                           <a:solidFill>
                             <a:srgbClr val="000000"/>
                           </a:solidFill>
@@ -5766,7 +5763,7 @@
                         </a:lnSpc>
                       </a:pPr>
                       <a:r>
-                        <a:rPr lang="en-CN" sz="1600" b="0" i="0" u="none" strike="noStrike" dirty="0">
+                        <a:rPr lang="en-CN" sz="2000" b="0" i="0" u="none" strike="noStrike" dirty="0">
                           <a:solidFill>
                             <a:srgbClr val="000000"/>
                           </a:solidFill>
@@ -5799,7 +5796,7 @@
                   </a:ext>
                 </a:extLst>
               </a:tr>
-              <a:tr h="330818">
+              <a:tr h="360000">
                 <a:tc vMerge="1">
                   <a:txBody>
                     <a:bodyPr/>
@@ -5821,7 +5818,7 @@
                         </a:lnSpc>
                       </a:pPr>
                       <a:r>
-                        <a:rPr lang="en-US" sz="1600" b="0" i="1" u="none" strike="noStrike" dirty="0">
+                        <a:rPr lang="en-US" sz="2000" b="0" i="1" u="none" strike="noStrike" dirty="0">
                           <a:solidFill>
                             <a:srgbClr val="000000"/>
                           </a:solidFill>
@@ -5831,7 +5828,7 @@
                         <a:t>Triticum </a:t>
                       </a:r>
                       <a:r>
-                        <a:rPr lang="en-US" sz="1600" b="0" i="1" u="none" strike="noStrike" dirty="0" err="1">
+                        <a:rPr lang="en-US" sz="2000" b="0" i="1" u="none" strike="noStrike" dirty="0" err="1">
                           <a:solidFill>
                             <a:srgbClr val="000000"/>
                           </a:solidFill>
@@ -5840,7 +5837,7 @@
                         </a:rPr>
                         <a:t>aestivum</a:t>
                       </a:r>
-                      <a:endParaRPr lang="en-US" sz="1600" b="0" i="1" u="none" strike="noStrike" dirty="0">
+                      <a:endParaRPr lang="en-US" sz="2000" b="0" i="1" u="none" strike="noStrike" dirty="0">
                         <a:solidFill>
                           <a:srgbClr val="000000"/>
                         </a:solidFill>
@@ -5882,7 +5879,7 @@
                         </a:lnSpc>
                       </a:pPr>
                       <a:r>
-                        <a:rPr lang="en-CN" sz="1600" b="0" i="0" u="none" strike="noStrike" dirty="0">
+                        <a:rPr lang="en-CN" sz="2000" b="0" i="0" u="none" strike="noStrike" dirty="0">
                           <a:solidFill>
                             <a:srgbClr val="000000"/>
                           </a:solidFill>
@@ -5915,7 +5912,7 @@
                   </a:ext>
                 </a:extLst>
               </a:tr>
-              <a:tr h="330818">
+              <a:tr h="360000">
                 <a:tc vMerge="1">
                   <a:txBody>
                     <a:bodyPr/>
@@ -5937,7 +5934,7 @@
                         </a:lnSpc>
                       </a:pPr>
                       <a:r>
-                        <a:rPr lang="en-US" sz="1600" b="0" i="1" u="none" strike="noStrike" dirty="0">
+                        <a:rPr lang="en-US" sz="2000" b="0" i="1" u="none" strike="noStrike" dirty="0">
                           <a:solidFill>
                             <a:srgbClr val="000000"/>
                           </a:solidFill>
@@ -5981,7 +5978,7 @@
                         </a:lnSpc>
                       </a:pPr>
                       <a:r>
-                        <a:rPr lang="en-CN" sz="1600" b="0" i="0" u="none" strike="noStrike" dirty="0">
+                        <a:rPr lang="en-CN" sz="2000" b="0" i="0" u="none" strike="noStrike" dirty="0">
                           <a:solidFill>
                             <a:srgbClr val="000000"/>
                           </a:solidFill>
@@ -6032,8 +6029,8 @@
         </p:nvSpPr>
         <p:spPr>
           <a:xfrm>
-            <a:off x="720000" y="4218761"/>
-            <a:ext cx="3900986" cy="338554"/>
+            <a:off x="981619" y="4413577"/>
+            <a:ext cx="3900986" cy="400110"/>
           </a:xfrm>
           <a:prstGeom prst="rect">
             <a:avLst/>
@@ -6047,10 +6044,10 @@
           <a:lstStyle/>
           <a:p>
             <a:r>
-              <a:rPr lang="en-US" sz="1600" b="1" dirty="0"/>
+              <a:rPr lang="en-US" sz="2000" b="1" dirty="0"/>
               <a:t>2. Putative TE library</a:t>
             </a:r>
-            <a:endParaRPr lang="en-CN" sz="1600" b="1" dirty="0"/>
+            <a:endParaRPr lang="en-CN" sz="2000" b="1" dirty="0"/>
           </a:p>
         </p:txBody>
       </p:sp>
@@ -6069,35 +6066,35 @@
           <p:nvPr>
             <p:extLst>
               <p:ext uri="{D42A27DB-BD31-4B8C-83A1-F6EECF244321}">
-                <p14:modId xmlns:p14="http://schemas.microsoft.com/office/powerpoint/2010/main" val="36986018"/>
+                <p14:modId xmlns:p14="http://schemas.microsoft.com/office/powerpoint/2010/main" val="2184044626"/>
               </p:ext>
             </p:extLst>
           </p:nvPr>
         </p:nvGraphicFramePr>
         <p:xfrm>
-          <a:off x="720000" y="4712437"/>
-          <a:ext cx="4778382" cy="992454"/>
+          <a:off x="720001" y="4920132"/>
+          <a:ext cx="5039998" cy="1080000"/>
         </p:xfrm>
         <a:graphic>
           <a:graphicData uri="http://schemas.openxmlformats.org/drawingml/2006/table">
             <a:tbl>
               <a:tblPr/>
               <a:tblGrid>
-                <a:gridCol w="1263584">
+                <a:gridCol w="1332765">
                   <a:extLst>
                     <a:ext uri="{9D8B030D-6E8A-4147-A177-3AD203B41FA5}">
                       <a16:colId xmlns:a16="http://schemas.microsoft.com/office/drawing/2014/main" val="3318525328"/>
                     </a:ext>
                   </a:extLst>
                 </a:gridCol>
-                <a:gridCol w="2251214">
+                <a:gridCol w="2374468">
                   <a:extLst>
                     <a:ext uri="{9D8B030D-6E8A-4147-A177-3AD203B41FA5}">
                       <a16:colId xmlns:a16="http://schemas.microsoft.com/office/drawing/2014/main" val="1760817565"/>
                     </a:ext>
                   </a:extLst>
                 </a:gridCol>
-                <a:gridCol w="1263584">
+                <a:gridCol w="1332765">
                   <a:extLst>
                     <a:ext uri="{9D8B030D-6E8A-4147-A177-3AD203B41FA5}">
                       <a16:colId xmlns:a16="http://schemas.microsoft.com/office/drawing/2014/main" val="1556031650"/>
@@ -6105,7 +6102,7 @@
                   </a:extLst>
                 </a:gridCol>
               </a:tblGrid>
-              <a:tr h="330818">
+              <a:tr h="360000">
                 <a:tc>
                   <a:txBody>
                     <a:bodyPr/>
@@ -6117,7 +6114,7 @@
                         </a:lnSpc>
                       </a:pPr>
                       <a:r>
-                        <a:rPr lang="en-US" sz="1600" b="1" i="0" u="none" strike="noStrike" dirty="0">
+                        <a:rPr lang="en-US" sz="2000" b="1" i="0" u="none" strike="noStrike" dirty="0">
                           <a:solidFill>
                             <a:srgbClr val="000000"/>
                           </a:solidFill>
@@ -6167,7 +6164,7 @@
                         </a:lnSpc>
                       </a:pPr>
                       <a:r>
-                        <a:rPr lang="en-US" sz="1600" b="1" i="1" u="none" strike="noStrike" dirty="0">
+                        <a:rPr lang="en-US" sz="2000" b="1" i="1" u="none" strike="noStrike" dirty="0">
                           <a:solidFill>
                             <a:srgbClr val="000000"/>
                           </a:solidFill>
@@ -6217,7 +6214,7 @@
                         </a:lnSpc>
                       </a:pPr>
                       <a:r>
-                        <a:rPr lang="en-US" sz="1600" b="1" i="0" u="none" strike="noStrike" dirty="0">
+                        <a:rPr lang="en-US" sz="2000" b="1" i="0" u="none" strike="noStrike" dirty="0">
                           <a:solidFill>
                             <a:srgbClr val="000000"/>
                           </a:solidFill>
@@ -6256,7 +6253,7 @@
                   </a:ext>
                 </a:extLst>
               </a:tr>
-              <a:tr h="330818">
+              <a:tr h="360000">
                 <a:tc rowSpan="2">
                   <a:txBody>
                     <a:bodyPr/>
@@ -6268,7 +6265,7 @@
                         </a:lnSpc>
                       </a:pPr>
                       <a:r>
-                        <a:rPr lang="en-US" sz="1600" b="0" i="0" u="none" strike="noStrike" dirty="0" err="1">
+                        <a:rPr lang="en-US" sz="2000" b="0" i="0" u="none" strike="noStrike" dirty="0" err="1">
                           <a:solidFill>
                             <a:srgbClr val="000000"/>
                           </a:solidFill>
@@ -6277,7 +6274,7 @@
                         </a:rPr>
                         <a:t>Dfam</a:t>
                       </a:r>
-                      <a:endParaRPr lang="en-US" sz="1600" b="0" i="0" u="none" strike="noStrike" dirty="0">
+                      <a:endParaRPr lang="en-US" sz="2000" b="0" i="0" u="none" strike="noStrike" dirty="0">
                         <a:solidFill>
                           <a:srgbClr val="000000"/>
                         </a:solidFill>
@@ -6325,7 +6322,7 @@
                         </a:lnSpc>
                       </a:pPr>
                       <a:r>
-                        <a:rPr lang="en-US" sz="1600" b="0" i="1" u="none" strike="noStrike" dirty="0">
+                        <a:rPr lang="en-US" sz="2000" b="0" i="1" u="none" strike="noStrike" dirty="0">
                           <a:solidFill>
                             <a:srgbClr val="000000"/>
                           </a:solidFill>
@@ -6375,7 +6372,7 @@
                         </a:lnSpc>
                       </a:pPr>
                       <a:r>
-                        <a:rPr lang="en-CN" sz="1600" b="0" i="0" u="none" strike="noStrike" dirty="0">
+                        <a:rPr lang="en-CN" sz="2000" b="0" i="0" u="none" strike="noStrike" dirty="0">
                           <a:solidFill>
                             <a:srgbClr val="000000"/>
                           </a:solidFill>
@@ -6414,7 +6411,7 @@
                   </a:ext>
                 </a:extLst>
               </a:tr>
-              <a:tr h="330818">
+              <a:tr h="360000">
                 <a:tc vMerge="1">
                   <a:txBody>
                     <a:bodyPr/>
@@ -6441,7 +6438,7 @@
                         </a:lnSpc>
                       </a:pPr>
                       <a:r>
-                        <a:rPr lang="en-US" sz="1600" b="0" i="1" u="none" strike="noStrike" dirty="0">
+                        <a:rPr lang="en-US" sz="2000" b="0" i="1" u="none" strike="noStrike" dirty="0">
                           <a:solidFill>
                             <a:srgbClr val="000000"/>
                           </a:solidFill>
@@ -6451,7 +6448,7 @@
                         <a:t>Aegilops </a:t>
                       </a:r>
                       <a:r>
-                        <a:rPr lang="en-US" sz="1600" b="0" i="1" u="none" strike="noStrike" dirty="0" err="1">
+                        <a:rPr lang="en-US" sz="2000" b="0" i="1" u="none" strike="noStrike" dirty="0" err="1">
                           <a:solidFill>
                             <a:srgbClr val="000000"/>
                           </a:solidFill>
@@ -6460,7 +6457,7 @@
                         </a:rPr>
                         <a:t>tauschii</a:t>
                       </a:r>
-                      <a:endParaRPr lang="en-US" sz="1600" b="0" i="1" u="none" strike="noStrike" dirty="0">
+                      <a:endParaRPr lang="en-US" sz="2000" b="0" i="1" u="none" strike="noStrike" dirty="0">
                         <a:solidFill>
                           <a:srgbClr val="000000"/>
                         </a:solidFill>
@@ -6502,7 +6499,7 @@
                         </a:lnSpc>
                       </a:pPr>
                       <a:r>
-                        <a:rPr lang="en-CN" sz="1600" b="0" i="0" u="none" strike="noStrike" dirty="0">
+                        <a:rPr lang="en-CN" sz="2000" b="0" i="0" u="none" strike="noStrike" dirty="0">
                           <a:solidFill>
                             <a:srgbClr val="000000"/>
                           </a:solidFill>
@@ -6539,6 +6536,746 @@
           </a:graphicData>
         </a:graphic>
       </p:graphicFrame>
+      <p:sp>
+        <p:nvSpPr>
+          <p:cNvPr id="4" name="箭头: 右 3">
+            <a:extLst>
+              <a:ext uri="{FF2B5EF4-FFF2-40B4-BE49-F238E27FC236}">
+                <a16:creationId xmlns:a16="http://schemas.microsoft.com/office/drawing/2014/main" id="{49E25C87-DD5B-47A6-BB1E-DC1B135099AA}"/>
+              </a:ext>
+            </a:extLst>
+          </p:cNvPr>
+          <p:cNvSpPr/>
+          <p:nvPr/>
+        </p:nvSpPr>
+        <p:spPr>
+          <a:xfrm>
+            <a:off x="6125798" y="3538709"/>
+            <a:ext cx="1251397" cy="870254"/>
+          </a:xfrm>
+          <a:prstGeom prst="rightArrow">
+            <a:avLst/>
+          </a:prstGeom>
+        </p:spPr>
+        <p:style>
+          <a:lnRef idx="1">
+            <a:schemeClr val="accent5"/>
+          </a:lnRef>
+          <a:fillRef idx="3">
+            <a:schemeClr val="accent5"/>
+          </a:fillRef>
+          <a:effectRef idx="2">
+            <a:schemeClr val="accent5"/>
+          </a:effectRef>
+          <a:fontRef idx="minor">
+            <a:schemeClr val="lt1"/>
+          </a:fontRef>
+        </p:style>
+        <p:txBody>
+          <a:bodyPr rtlCol="0" anchor="ctr"/>
+          <a:lstStyle/>
+          <a:p>
+            <a:pPr algn="ctr"/>
+            <a:endParaRPr lang="zh-CN" altLang="en-US"/>
+          </a:p>
+        </p:txBody>
+      </p:sp>
+      <p:sp>
+        <p:nvSpPr>
+          <p:cNvPr id="9" name="TextBox 12">
+            <a:extLst>
+              <a:ext uri="{FF2B5EF4-FFF2-40B4-BE49-F238E27FC236}">
+                <a16:creationId xmlns:a16="http://schemas.microsoft.com/office/drawing/2014/main" id="{7AB0669C-1CEC-4AC5-B977-167AD508CF6F}"/>
+              </a:ext>
+            </a:extLst>
+          </p:cNvPr>
+          <p:cNvSpPr txBox="1"/>
+          <p:nvPr/>
+        </p:nvSpPr>
+        <p:spPr>
+          <a:xfrm>
+            <a:off x="7742994" y="3466005"/>
+            <a:ext cx="3719289" cy="1015663"/>
+          </a:xfrm>
+          <a:prstGeom prst="rect">
+            <a:avLst/>
+          </a:prstGeom>
+          <a:noFill/>
+        </p:spPr>
+        <p:txBody>
+          <a:bodyPr wrap="square" rtlCol="0">
+            <a:spAutoFit/>
+          </a:bodyPr>
+          <a:lstStyle/>
+          <a:p>
+            <a:pPr marL="285750" indent="-285750">
+              <a:buFont typeface="Arial" panose="020B0604020202020204" pitchFamily="34" charset="0"/>
+              <a:buChar char="•"/>
+            </a:pPr>
+            <a:r>
+              <a:rPr lang="en-US" sz="2000" b="1" dirty="0"/>
+              <a:t>Benchmarking TE annotation</a:t>
+            </a:r>
+          </a:p>
+          <a:p>
+            <a:pPr marL="285750" indent="-285750">
+              <a:buFont typeface="Arial" panose="020B0604020202020204" pitchFamily="34" charset="0"/>
+              <a:buChar char="•"/>
+            </a:pPr>
+            <a:endParaRPr lang="en-US" sz="2000" b="1" dirty="0"/>
+          </a:p>
+          <a:p>
+            <a:pPr marL="285750" indent="-285750">
+              <a:buFont typeface="Arial" panose="020B0604020202020204" pitchFamily="34" charset="0"/>
+              <a:buChar char="•"/>
+            </a:pPr>
+            <a:r>
+              <a:rPr lang="en-US" sz="2000" b="1" dirty="0"/>
+              <a:t>Library for homological detect</a:t>
+            </a:r>
+          </a:p>
+        </p:txBody>
+      </p:sp>
+      <p:sp>
+        <p:nvSpPr>
+          <p:cNvPr id="21" name="箭头: 下 20">
+            <a:extLst>
+              <a:ext uri="{FF2B5EF4-FFF2-40B4-BE49-F238E27FC236}">
+                <a16:creationId xmlns:a16="http://schemas.microsoft.com/office/drawing/2014/main" id="{ED6372C9-A128-499A-86CA-F0C2A5663852}"/>
+              </a:ext>
+            </a:extLst>
+          </p:cNvPr>
+          <p:cNvSpPr/>
+          <p:nvPr/>
+        </p:nvSpPr>
+        <p:spPr>
+          <a:xfrm rot="10800000">
+            <a:off x="9126117" y="2881252"/>
+            <a:ext cx="476519" cy="431442"/>
+          </a:xfrm>
+          <a:prstGeom prst="downArrow">
+            <a:avLst/>
+          </a:prstGeom>
+        </p:spPr>
+        <p:style>
+          <a:lnRef idx="1">
+            <a:schemeClr val="accent5"/>
+          </a:lnRef>
+          <a:fillRef idx="3">
+            <a:schemeClr val="accent5"/>
+          </a:fillRef>
+          <a:effectRef idx="2">
+            <a:schemeClr val="accent5"/>
+          </a:effectRef>
+          <a:fontRef idx="minor">
+            <a:schemeClr val="lt1"/>
+          </a:fontRef>
+        </p:style>
+        <p:txBody>
+          <a:bodyPr rtlCol="0" anchor="ctr"/>
+          <a:lstStyle/>
+          <a:p>
+            <a:pPr algn="ctr"/>
+            <a:endParaRPr lang="zh-CN" altLang="en-US"/>
+          </a:p>
+        </p:txBody>
+      </p:sp>
+      <p:sp>
+        <p:nvSpPr>
+          <p:cNvPr id="22" name="箭头: 下 21">
+            <a:extLst>
+              <a:ext uri="{FF2B5EF4-FFF2-40B4-BE49-F238E27FC236}">
+                <a16:creationId xmlns:a16="http://schemas.microsoft.com/office/drawing/2014/main" id="{A57AD56D-02DD-4A3F-9BA1-4CA826B25660}"/>
+              </a:ext>
+            </a:extLst>
+          </p:cNvPr>
+          <p:cNvSpPr/>
+          <p:nvPr/>
+        </p:nvSpPr>
+        <p:spPr>
+          <a:xfrm>
+            <a:off x="9126118" y="4587001"/>
+            <a:ext cx="476519" cy="453371"/>
+          </a:xfrm>
+          <a:prstGeom prst="downArrow">
+            <a:avLst/>
+          </a:prstGeom>
+        </p:spPr>
+        <p:style>
+          <a:lnRef idx="1">
+            <a:schemeClr val="accent5"/>
+          </a:lnRef>
+          <a:fillRef idx="3">
+            <a:schemeClr val="accent5"/>
+          </a:fillRef>
+          <a:effectRef idx="2">
+            <a:schemeClr val="accent5"/>
+          </a:effectRef>
+          <a:fontRef idx="minor">
+            <a:schemeClr val="lt1"/>
+          </a:fontRef>
+        </p:style>
+        <p:txBody>
+          <a:bodyPr rtlCol="0" anchor="ctr"/>
+          <a:lstStyle/>
+          <a:p>
+            <a:pPr algn="ctr"/>
+            <a:endParaRPr lang="zh-CN" altLang="en-US"/>
+          </a:p>
+        </p:txBody>
+      </p:sp>
+      <p:graphicFrame>
+        <p:nvGraphicFramePr>
+          <p:cNvPr id="24" name="Table 7">
+            <a:extLst>
+              <a:ext uri="{FF2B5EF4-FFF2-40B4-BE49-F238E27FC236}">
+                <a16:creationId xmlns:a16="http://schemas.microsoft.com/office/drawing/2014/main" id="{BAB2720F-5347-422F-83C9-6673EBD64B80}"/>
+              </a:ext>
+            </a:extLst>
+          </p:cNvPr>
+          <p:cNvGraphicFramePr>
+            <a:graphicFrameLocks noGrp="1"/>
+          </p:cNvGraphicFramePr>
+          <p:nvPr>
+            <p:extLst>
+              <p:ext uri="{D42A27DB-BD31-4B8C-83A1-F6EECF244321}">
+                <p14:modId xmlns:p14="http://schemas.microsoft.com/office/powerpoint/2010/main" val="2848489791"/>
+              </p:ext>
+            </p:extLst>
+          </p:nvPr>
+        </p:nvGraphicFramePr>
+        <p:xfrm>
+          <a:off x="8096006" y="5258587"/>
+          <a:ext cx="2665530" cy="1034325"/>
+        </p:xfrm>
+        <a:graphic>
+          <a:graphicData uri="http://schemas.openxmlformats.org/drawingml/2006/table">
+            <a:tbl>
+              <a:tblPr/>
+              <a:tblGrid>
+                <a:gridCol w="1332765">
+                  <a:extLst>
+                    <a:ext uri="{9D8B030D-6E8A-4147-A177-3AD203B41FA5}">
+                      <a16:colId xmlns:a16="http://schemas.microsoft.com/office/drawing/2014/main" val="3318525328"/>
+                    </a:ext>
+                  </a:extLst>
+                </a:gridCol>
+                <a:gridCol w="1332765">
+                  <a:extLst>
+                    <a:ext uri="{9D8B030D-6E8A-4147-A177-3AD203B41FA5}">
+                      <a16:colId xmlns:a16="http://schemas.microsoft.com/office/drawing/2014/main" val="1556031650"/>
+                    </a:ext>
+                  </a:extLst>
+                </a:gridCol>
+              </a:tblGrid>
+              <a:tr h="180000">
+                <a:tc gridSpan="2">
+                  <a:txBody>
+                    <a:bodyPr/>
+                    <a:lstStyle/>
+                    <a:p>
+                      <a:pPr algn="ctr" fontAlgn="ctr">
+                        <a:lnSpc>
+                          <a:spcPct val="100000"/>
+                        </a:lnSpc>
+                      </a:pPr>
+                      <a:r>
+                        <a:rPr lang="en-US" sz="2000" b="1" i="0" u="none" strike="noStrike" dirty="0">
+                          <a:solidFill>
+                            <a:srgbClr val="000000"/>
+                          </a:solidFill>
+                          <a:effectLst/>
+                          <a:latin typeface="Calibri" panose="020F0502020204030204" pitchFamily="34" charset="0"/>
+                        </a:rPr>
+                        <a:t>Non-LTR </a:t>
+                      </a:r>
+                      <a:r>
+                        <a:rPr lang="en-US" sz="2000" b="1" i="0" u="none" strike="noStrike" dirty="0" err="1">
+                          <a:solidFill>
+                            <a:srgbClr val="000000"/>
+                          </a:solidFill>
+                          <a:effectLst/>
+                          <a:latin typeface="Calibri" panose="020F0502020204030204" pitchFamily="34" charset="0"/>
+                        </a:rPr>
+                        <a:t>retroTE</a:t>
+                      </a:r>
+                      <a:r>
+                        <a:rPr lang="en-US" sz="2000" b="1" i="0" u="none" strike="noStrike" dirty="0">
+                          <a:solidFill>
+                            <a:srgbClr val="000000"/>
+                          </a:solidFill>
+                          <a:effectLst/>
+                          <a:latin typeface="Calibri" panose="020F0502020204030204" pitchFamily="34" charset="0"/>
+                        </a:rPr>
+                        <a:t> library</a:t>
+                      </a:r>
+                    </a:p>
+                  </a:txBody>
+                  <a:tcPr marL="9525" marR="9525" marT="9525" marB="0" anchor="ctr">
+                    <a:lnL>
+                      <a:noFill/>
+                    </a:lnL>
+                    <a:lnR>
+                      <a:noFill/>
+                    </a:lnR>
+                    <a:lnT>
+                      <a:noFill/>
+                    </a:lnT>
+                    <a:lnB w="12700" cap="flat" cmpd="sng" algn="ctr">
+                      <a:solidFill>
+                        <a:schemeClr val="tx1"/>
+                      </a:solidFill>
+                      <a:prstDash val="solid"/>
+                      <a:round/>
+                      <a:headEnd type="none" w="med" len="med"/>
+                      <a:tailEnd type="none" w="med" len="med"/>
+                    </a:lnB>
+                    <a:noFill/>
+                  </a:tcPr>
+                </a:tc>
+                <a:tc hMerge="1">
+                  <a:txBody>
+                    <a:bodyPr/>
+                    <a:lstStyle/>
+                    <a:p>
+                      <a:pPr algn="ctr" fontAlgn="ctr">
+                        <a:lnSpc>
+                          <a:spcPct val="100000"/>
+                        </a:lnSpc>
+                      </a:pPr>
+                      <a:endParaRPr lang="en-US" sz="2000" b="1" i="0" u="none" strike="noStrike" dirty="0">
+                        <a:solidFill>
+                          <a:srgbClr val="000000"/>
+                        </a:solidFill>
+                        <a:effectLst/>
+                        <a:latin typeface="Calibri" panose="020F0502020204030204" pitchFamily="34" charset="0"/>
+                      </a:endParaRPr>
+                    </a:p>
+                  </a:txBody>
+                  <a:tcPr marL="9525" marR="9525" marT="9525" marB="0" anchor="ctr">
+                    <a:lnL w="12700" cap="flat" cmpd="sng" algn="ctr">
+                      <a:solidFill>
+                        <a:schemeClr val="tx1"/>
+                      </a:solidFill>
+                      <a:prstDash val="solid"/>
+                      <a:round/>
+                      <a:headEnd type="none" w="med" len="med"/>
+                      <a:tailEnd type="none" w="med" len="med"/>
+                    </a:lnL>
+                    <a:lnR>
+                      <a:noFill/>
+                    </a:lnR>
+                    <a:lnT>
+                      <a:noFill/>
+                    </a:lnT>
+                    <a:lnB w="12700" cap="flat" cmpd="sng" algn="ctr">
+                      <a:solidFill>
+                        <a:schemeClr val="tx1"/>
+                      </a:solidFill>
+                      <a:prstDash val="solid"/>
+                      <a:round/>
+                      <a:headEnd type="none" w="med" len="med"/>
+                      <a:tailEnd type="none" w="med" len="med"/>
+                    </a:lnB>
+                    <a:noFill/>
+                  </a:tcPr>
+                </a:tc>
+                <a:extLst>
+                  <a:ext uri="{0D108BD9-81ED-4DB2-BD59-A6C34878D82A}">
+                    <a16:rowId xmlns:a16="http://schemas.microsoft.com/office/drawing/2014/main" val="1774768762"/>
+                  </a:ext>
+                </a:extLst>
+              </a:tr>
+              <a:tr h="360000">
+                <a:tc>
+                  <a:txBody>
+                    <a:bodyPr/>
+                    <a:lstStyle/>
+                    <a:p>
+                      <a:pPr algn="ctr" fontAlgn="ctr">
+                        <a:lnSpc>
+                          <a:spcPct val="100000"/>
+                        </a:lnSpc>
+                      </a:pPr>
+                      <a:r>
+                        <a:rPr lang="en-US" sz="2000" b="0" i="0" u="none" strike="noStrike" dirty="0" err="1">
+                          <a:solidFill>
+                            <a:srgbClr val="000000"/>
+                          </a:solidFill>
+                          <a:effectLst/>
+                          <a:latin typeface="Calibri" panose="020F0502020204030204" pitchFamily="34" charset="0"/>
+                        </a:rPr>
+                        <a:t>SINEBase</a:t>
+                      </a:r>
+                      <a:endParaRPr lang="en-US" sz="2000" b="0" i="0" u="none" strike="noStrike" dirty="0">
+                        <a:solidFill>
+                          <a:srgbClr val="000000"/>
+                        </a:solidFill>
+                        <a:effectLst/>
+                        <a:latin typeface="Calibri" panose="020F0502020204030204" pitchFamily="34" charset="0"/>
+                      </a:endParaRPr>
+                    </a:p>
+                  </a:txBody>
+                  <a:tcPr marL="9525" marR="9525" marT="9525" marB="0" anchor="ctr">
+                    <a:lnL>
+                      <a:noFill/>
+                    </a:lnL>
+                    <a:lnR w="12700" cap="flat" cmpd="sng" algn="ctr">
+                      <a:noFill/>
+                      <a:prstDash val="solid"/>
+                      <a:round/>
+                      <a:headEnd type="none" w="med" len="med"/>
+                      <a:tailEnd type="none" w="med" len="med"/>
+                    </a:lnR>
+                    <a:lnT w="12700" cap="flat" cmpd="sng" algn="ctr">
+                      <a:solidFill>
+                        <a:schemeClr val="tx1"/>
+                      </a:solidFill>
+                      <a:prstDash val="solid"/>
+                      <a:round/>
+                      <a:headEnd type="none" w="med" len="med"/>
+                      <a:tailEnd type="none" w="med" len="med"/>
+                    </a:lnT>
+                    <a:lnB>
+                      <a:noFill/>
+                    </a:lnB>
+                    <a:noFill/>
+                  </a:tcPr>
+                </a:tc>
+                <a:tc>
+                  <a:txBody>
+                    <a:bodyPr/>
+                    <a:lstStyle/>
+                    <a:p>
+                      <a:pPr algn="ctr" fontAlgn="ctr">
+                        <a:lnSpc>
+                          <a:spcPct val="100000"/>
+                        </a:lnSpc>
+                      </a:pPr>
+                      <a:r>
+                        <a:rPr lang="en-US" sz="2000" b="0" i="0" u="none" strike="noStrike" dirty="0">
+                          <a:solidFill>
+                            <a:srgbClr val="000000"/>
+                          </a:solidFill>
+                          <a:effectLst/>
+                          <a:latin typeface="Calibri" panose="020F0502020204030204" pitchFamily="34" charset="0"/>
+                        </a:rPr>
+                        <a:t>231</a:t>
+                      </a:r>
+                      <a:endParaRPr lang="en-CN" sz="2000" b="0" i="0" u="none" strike="noStrike" dirty="0">
+                        <a:solidFill>
+                          <a:srgbClr val="000000"/>
+                        </a:solidFill>
+                        <a:effectLst/>
+                        <a:latin typeface="Calibri" panose="020F0502020204030204" pitchFamily="34" charset="0"/>
+                      </a:endParaRPr>
+                    </a:p>
+                  </a:txBody>
+                  <a:tcPr marL="9525" marR="9525" marT="9525" marB="0" anchor="ctr">
+                    <a:lnL w="12700" cap="flat" cmpd="sng" algn="ctr">
+                      <a:noFill/>
+                      <a:prstDash val="solid"/>
+                      <a:round/>
+                      <a:headEnd type="none" w="med" len="med"/>
+                      <a:tailEnd type="none" w="med" len="med"/>
+                    </a:lnL>
+                    <a:lnR w="12700" cap="flat" cmpd="sng" algn="ctr">
+                      <a:noFill/>
+                      <a:prstDash val="solid"/>
+                      <a:round/>
+                      <a:headEnd type="none" w="med" len="med"/>
+                      <a:tailEnd type="none" w="med" len="med"/>
+                    </a:lnR>
+                    <a:lnT w="12700" cap="flat" cmpd="sng" algn="ctr">
+                      <a:solidFill>
+                        <a:schemeClr val="tx1"/>
+                      </a:solidFill>
+                      <a:prstDash val="solid"/>
+                      <a:round/>
+                      <a:headEnd type="none" w="med" len="med"/>
+                      <a:tailEnd type="none" w="med" len="med"/>
+                    </a:lnT>
+                    <a:lnB>
+                      <a:noFill/>
+                    </a:lnB>
+                    <a:noFill/>
+                  </a:tcPr>
+                </a:tc>
+                <a:extLst>
+                  <a:ext uri="{0D108BD9-81ED-4DB2-BD59-A6C34878D82A}">
+                    <a16:rowId xmlns:a16="http://schemas.microsoft.com/office/drawing/2014/main" val="3699503532"/>
+                  </a:ext>
+                </a:extLst>
+              </a:tr>
+              <a:tr h="360000">
+                <a:tc>
+                  <a:txBody>
+                    <a:bodyPr/>
+                    <a:lstStyle/>
+                    <a:p>
+                      <a:pPr algn="ctr" fontAlgn="ctr">
+                        <a:lnSpc>
+                          <a:spcPct val="100000"/>
+                        </a:lnSpc>
+                      </a:pPr>
+                      <a:r>
+                        <a:rPr lang="en-US" sz="2000" b="0" i="0" u="none" strike="noStrike" dirty="0" err="1">
+                          <a:solidFill>
+                            <a:srgbClr val="000000"/>
+                          </a:solidFill>
+                          <a:effectLst/>
+                          <a:latin typeface="Calibri" panose="020F0502020204030204" pitchFamily="34" charset="0"/>
+                        </a:rPr>
+                        <a:t>Repbase</a:t>
+                      </a:r>
+                      <a:endParaRPr lang="en-US" sz="2000" b="0" i="0" u="none" strike="noStrike" dirty="0">
+                        <a:solidFill>
+                          <a:srgbClr val="000000"/>
+                        </a:solidFill>
+                        <a:effectLst/>
+                        <a:latin typeface="Calibri" panose="020F0502020204030204" pitchFamily="34" charset="0"/>
+                      </a:endParaRPr>
+                    </a:p>
+                  </a:txBody>
+                  <a:tcPr marL="9525" marR="9525" marT="9525" marB="0" anchor="ctr">
+                    <a:lnL>
+                      <a:noFill/>
+                    </a:lnL>
+                    <a:lnR w="12700" cap="flat" cmpd="sng" algn="ctr">
+                      <a:noFill/>
+                      <a:prstDash val="solid"/>
+                      <a:round/>
+                      <a:headEnd type="none" w="med" len="med"/>
+                      <a:tailEnd type="none" w="med" len="med"/>
+                    </a:lnR>
+                    <a:lnT w="12700" cap="flat" cmpd="sng" algn="ctr">
+                      <a:noFill/>
+                      <a:prstDash val="solid"/>
+                      <a:round/>
+                      <a:headEnd type="none" w="med" len="med"/>
+                      <a:tailEnd type="none" w="med" len="med"/>
+                    </a:lnT>
+                    <a:lnB>
+                      <a:noFill/>
+                    </a:lnB>
+                    <a:noFill/>
+                  </a:tcPr>
+                </a:tc>
+                <a:tc>
+                  <a:txBody>
+                    <a:bodyPr/>
+                    <a:lstStyle/>
+                    <a:p>
+                      <a:pPr algn="ctr" fontAlgn="ctr">
+                        <a:lnSpc>
+                          <a:spcPct val="100000"/>
+                        </a:lnSpc>
+                      </a:pPr>
+                      <a:endParaRPr lang="en-CN" sz="2000" b="0" i="0" u="none" strike="noStrike" dirty="0">
+                        <a:solidFill>
+                          <a:srgbClr val="000000"/>
+                        </a:solidFill>
+                        <a:effectLst/>
+                        <a:latin typeface="Calibri" panose="020F0502020204030204" pitchFamily="34" charset="0"/>
+                      </a:endParaRPr>
+                    </a:p>
+                  </a:txBody>
+                  <a:tcPr marL="9525" marR="9525" marT="9525" marB="0" anchor="ctr">
+                    <a:lnL w="12700" cap="flat" cmpd="sng" algn="ctr">
+                      <a:noFill/>
+                      <a:prstDash val="solid"/>
+                      <a:round/>
+                      <a:headEnd type="none" w="med" len="med"/>
+                      <a:tailEnd type="none" w="med" len="med"/>
+                    </a:lnL>
+                    <a:lnR w="12700" cap="flat" cmpd="sng" algn="ctr">
+                      <a:noFill/>
+                      <a:prstDash val="solid"/>
+                      <a:round/>
+                      <a:headEnd type="none" w="med" len="med"/>
+                      <a:tailEnd type="none" w="med" len="med"/>
+                    </a:lnR>
+                    <a:lnT>
+                      <a:noFill/>
+                    </a:lnT>
+                    <a:lnB>
+                      <a:noFill/>
+                    </a:lnB>
+                    <a:noFill/>
+                  </a:tcPr>
+                </a:tc>
+                <a:extLst>
+                  <a:ext uri="{0D108BD9-81ED-4DB2-BD59-A6C34878D82A}">
+                    <a16:rowId xmlns:a16="http://schemas.microsoft.com/office/drawing/2014/main" val="3671795532"/>
+                  </a:ext>
+                </a:extLst>
+              </a:tr>
+            </a:tbl>
+          </a:graphicData>
+        </a:graphic>
+      </p:graphicFrame>
+      <p:grpSp>
+        <p:nvGrpSpPr>
+          <p:cNvPr id="27" name="组合 26">
+            <a:extLst>
+              <a:ext uri="{FF2B5EF4-FFF2-40B4-BE49-F238E27FC236}">
+                <a16:creationId xmlns:a16="http://schemas.microsoft.com/office/drawing/2014/main" id="{D0188EDE-3920-439F-AD85-B8DFD9C59584}"/>
+              </a:ext>
+            </a:extLst>
+          </p:cNvPr>
+          <p:cNvGrpSpPr/>
+          <p:nvPr/>
+        </p:nvGrpSpPr>
+        <p:grpSpPr>
+          <a:xfrm>
+            <a:off x="7677979" y="774716"/>
+            <a:ext cx="3372796" cy="1914370"/>
+            <a:chOff x="6859470" y="774716"/>
+            <a:chExt cx="3372796" cy="1914370"/>
+          </a:xfrm>
+        </p:grpSpPr>
+        <p:sp>
+          <p:nvSpPr>
+            <p:cNvPr id="13" name="TextBox 12">
+              <a:extLst>
+                <a:ext uri="{FF2B5EF4-FFF2-40B4-BE49-F238E27FC236}">
+                  <a16:creationId xmlns:a16="http://schemas.microsoft.com/office/drawing/2014/main" id="{277A5634-E06D-413E-88EA-63A853CA5373}"/>
+                </a:ext>
+              </a:extLst>
+            </p:cNvPr>
+            <p:cNvSpPr txBox="1"/>
+            <p:nvPr/>
+          </p:nvSpPr>
+          <p:spPr>
+            <a:xfrm>
+              <a:off x="7481378" y="774716"/>
+              <a:ext cx="2750888" cy="1914370"/>
+            </a:xfrm>
+            <a:prstGeom prst="rect">
+              <a:avLst/>
+            </a:prstGeom>
+            <a:noFill/>
+          </p:spPr>
+          <p:txBody>
+            <a:bodyPr wrap="square" rtlCol="0">
+              <a:spAutoFit/>
+            </a:bodyPr>
+            <a:lstStyle>
+              <a:defPPr>
+                <a:defRPr lang="en-CN"/>
+              </a:defPPr>
+              <a:lvl1pPr>
+                <a:defRPr sz="2000" b="1"/>
+              </a:lvl1pPr>
+            </a:lstStyle>
+            <a:p>
+              <a:pPr>
+                <a:lnSpc>
+                  <a:spcPct val="120000"/>
+                </a:lnSpc>
+              </a:pPr>
+              <a:r>
+                <a:rPr lang="en-US" altLang="zh-CN" dirty="0"/>
+                <a:t>Sensitivity</a:t>
+              </a:r>
+            </a:p>
+            <a:p>
+              <a:pPr>
+                <a:lnSpc>
+                  <a:spcPct val="120000"/>
+                </a:lnSpc>
+              </a:pPr>
+              <a:r>
+                <a:rPr lang="en-US" altLang="zh-CN" dirty="0"/>
+                <a:t>Specificity</a:t>
+              </a:r>
+            </a:p>
+            <a:p>
+              <a:pPr>
+                <a:lnSpc>
+                  <a:spcPct val="120000"/>
+                </a:lnSpc>
+              </a:pPr>
+              <a:r>
+                <a:rPr lang="en-US" altLang="zh-CN" dirty="0"/>
+                <a:t>Accuracy</a:t>
+              </a:r>
+            </a:p>
+            <a:p>
+              <a:pPr>
+                <a:lnSpc>
+                  <a:spcPct val="120000"/>
+                </a:lnSpc>
+              </a:pPr>
+              <a:r>
+                <a:rPr lang="en-US" altLang="zh-CN" dirty="0"/>
+                <a:t>Precision</a:t>
+              </a:r>
+            </a:p>
+            <a:p>
+              <a:pPr>
+                <a:lnSpc>
+                  <a:spcPct val="120000"/>
+                </a:lnSpc>
+              </a:pPr>
+              <a:r>
+                <a:rPr lang="en-US" altLang="zh-CN" dirty="0"/>
+                <a:t>FDR (false discover rate)</a:t>
+              </a:r>
+            </a:p>
+          </p:txBody>
+        </p:sp>
+        <p:sp>
+          <p:nvSpPr>
+            <p:cNvPr id="26" name="左大括号 25">
+              <a:extLst>
+                <a:ext uri="{FF2B5EF4-FFF2-40B4-BE49-F238E27FC236}">
+                  <a16:creationId xmlns:a16="http://schemas.microsoft.com/office/drawing/2014/main" id="{3273647B-E595-497C-B982-CC0E7221648D}"/>
+                </a:ext>
+              </a:extLst>
+            </p:cNvPr>
+            <p:cNvSpPr/>
+            <p:nvPr/>
+          </p:nvSpPr>
+          <p:spPr>
+            <a:xfrm>
+              <a:off x="6859470" y="872533"/>
+              <a:ext cx="580675" cy="1718736"/>
+            </a:xfrm>
+            <a:prstGeom prst="leftBrace">
+              <a:avLst>
+                <a:gd name="adj1" fmla="val 54019"/>
+                <a:gd name="adj2" fmla="val 47982"/>
+              </a:avLst>
+            </a:prstGeom>
+            <a:ln w="38100">
+              <a:prstDash val="sysDash"/>
+            </a:ln>
+          </p:spPr>
+          <p:style>
+            <a:lnRef idx="3">
+              <a:schemeClr val="accent5"/>
+            </a:lnRef>
+            <a:fillRef idx="0">
+              <a:schemeClr val="accent5"/>
+            </a:fillRef>
+            <a:effectRef idx="2">
+              <a:schemeClr val="accent5"/>
+            </a:effectRef>
+            <a:fontRef idx="minor">
+              <a:schemeClr val="tx1"/>
+            </a:fontRef>
+          </p:style>
+          <p:txBody>
+            <a:bodyPr rtlCol="0" anchor="ctr"/>
+            <a:lstStyle/>
+            <a:p>
+              <a:pPr algn="ctr"/>
+              <a:endParaRPr lang="zh-CN" altLang="en-US"/>
+            </a:p>
+          </p:txBody>
+        </p:sp>
+      </p:grpSp>
     </p:spTree>
     <p:extLst>
       <p:ext uri="{BB962C8B-B14F-4D97-AF65-F5344CB8AC3E}">
@@ -6624,7 +7361,7 @@
         <p:spPr>
           <a:xfrm>
             <a:off x="720000" y="945757"/>
-            <a:ext cx="2985938" cy="338554"/>
+            <a:ext cx="2985938" cy="400110"/>
           </a:xfrm>
           <a:prstGeom prst="rect">
             <a:avLst/>
@@ -6638,19 +7375,19 @@
           <a:lstStyle/>
           <a:p>
             <a:r>
-              <a:rPr lang="en-US" sz="1600" b="1" dirty="0"/>
-              <a:t>1. RepeatModeler2</a:t>
+              <a:rPr lang="en-US" sz="2000" b="1" dirty="0"/>
+              <a:t>EDTA + RepeatModeler2</a:t>
             </a:r>
-            <a:endParaRPr lang="en-CN" sz="1600" b="1" dirty="0"/>
+            <a:endParaRPr lang="en-CN" sz="2000" b="1" dirty="0"/>
           </a:p>
         </p:txBody>
       </p:sp>
       <p:pic>
         <p:nvPicPr>
-          <p:cNvPr id="4" name="Picture 3">
+          <p:cNvPr id="8" name="图片 7">
             <a:extLst>
               <a:ext uri="{FF2B5EF4-FFF2-40B4-BE49-F238E27FC236}">
-                <a16:creationId xmlns:a16="http://schemas.microsoft.com/office/drawing/2014/main" id="{D44F7C9F-DFAC-3030-CCF7-05BE94800C77}"/>
+                <a16:creationId xmlns:a16="http://schemas.microsoft.com/office/drawing/2014/main" id="{78D8F724-3B41-40D1-B4E9-FD0F4FB2B0DE}"/>
               </a:ext>
             </a:extLst>
           </p:cNvPr>
@@ -6667,59 +7404,12 @@
         </p:blipFill>
         <p:spPr>
           <a:xfrm>
-            <a:off x="597537" y="1455352"/>
-            <a:ext cx="6962593" cy="4166802"/>
+            <a:off x="1128385" y="-3220"/>
+            <a:ext cx="9698830" cy="6858000"/>
           </a:xfrm>
           <a:prstGeom prst="rect">
             <a:avLst/>
           </a:prstGeom>
-        </p:spPr>
-      </p:pic>
-      <p:pic>
-        <p:nvPicPr>
-          <p:cNvPr id="3074" name="Picture 2">
-            <a:extLst>
-              <a:ext uri="{FF2B5EF4-FFF2-40B4-BE49-F238E27FC236}">
-                <a16:creationId xmlns:a16="http://schemas.microsoft.com/office/drawing/2014/main" id="{ADB9A31B-EA63-21C0-023C-CFBFAC2BDE04}"/>
-              </a:ext>
-            </a:extLst>
-          </p:cNvPr>
-          <p:cNvPicPr>
-            <a:picLocks noChangeAspect="1" noChangeArrowheads="1"/>
-          </p:cNvPicPr>
-          <p:nvPr/>
-        </p:nvPicPr>
-        <p:blipFill>
-          <a:blip r:embed="rId3">
-            <a:extLst>
-              <a:ext uri="{28A0092B-C50C-407E-A947-70E740481C1C}">
-                <a14:useLocalDpi xmlns:a14="http://schemas.microsoft.com/office/drawing/2010/main" val="0"/>
-              </a:ext>
-            </a:extLst>
-          </a:blip>
-          <a:srcRect/>
-          <a:stretch>
-            <a:fillRect/>
-          </a:stretch>
-        </p:blipFill>
-        <p:spPr bwMode="auto">
-          <a:xfrm>
-            <a:off x="7560130" y="1455352"/>
-            <a:ext cx="4203991" cy="3314700"/>
-          </a:xfrm>
-          <a:prstGeom prst="rect">
-            <a:avLst/>
-          </a:prstGeom>
-          <a:noFill/>
-          <a:extLst>
-            <a:ext uri="{909E8E84-426E-40DD-AFC4-6F175D3DCCD1}">
-              <a14:hiddenFill xmlns:a14="http://schemas.microsoft.com/office/drawing/2010/main">
-                <a:solidFill>
-                  <a:srgbClr val="FFFFFF"/>
-                </a:solidFill>
-              </a14:hiddenFill>
-            </a:ext>
-          </a:extLst>
         </p:spPr>
       </p:pic>
     </p:spTree>
@@ -12468,8 +13158,8 @@
         </p:nvSpPr>
         <p:spPr>
           <a:xfrm>
-            <a:off x="7213603" y="3306616"/>
-            <a:ext cx="794327" cy="408709"/>
+            <a:off x="7167093" y="3160218"/>
+            <a:ext cx="840837" cy="555107"/>
           </a:xfrm>
           <a:prstGeom prst="rightArrow">
             <a:avLst/>
@@ -12512,8 +13202,8 @@
         </p:nvSpPr>
         <p:spPr>
           <a:xfrm>
-            <a:off x="8201898" y="1501330"/>
-            <a:ext cx="3719289" cy="2126864"/>
+            <a:off x="8155388" y="1408411"/>
+            <a:ext cx="3719289" cy="1631216"/>
           </a:xfrm>
           <a:prstGeom prst="rect">
             <a:avLst/>
@@ -12527,60 +13217,45 @@
           <a:lstStyle/>
           <a:p>
             <a:pPr marL="285750" indent="-285750">
-              <a:lnSpc>
-                <a:spcPct val="150000"/>
-              </a:lnSpc>
               <a:buFont typeface="Arial" panose="020B0604020202020204" pitchFamily="34" charset="0"/>
               <a:buChar char="•"/>
             </a:pPr>
             <a:r>
-              <a:rPr lang="en-US" dirty="0"/>
+              <a:rPr lang="en-US" sz="2000" b="1" dirty="0"/>
               <a:t>Detecting TEs in genome</a:t>
             </a:r>
           </a:p>
           <a:p>
             <a:pPr marL="285750" indent="-285750">
-              <a:lnSpc>
-                <a:spcPct val="150000"/>
-              </a:lnSpc>
               <a:buFont typeface="Arial" panose="020B0604020202020204" pitchFamily="34" charset="0"/>
               <a:buChar char="•"/>
             </a:pPr>
-            <a:endParaRPr lang="en-US" dirty="0"/>
+            <a:endParaRPr lang="en-US" sz="2000" b="1" dirty="0"/>
           </a:p>
           <a:p>
             <a:pPr marL="285750" indent="-285750">
-              <a:lnSpc>
-                <a:spcPct val="150000"/>
-              </a:lnSpc>
               <a:buFont typeface="Arial" panose="020B0604020202020204" pitchFamily="34" charset="0"/>
               <a:buChar char="•"/>
             </a:pPr>
             <a:r>
-              <a:rPr lang="en-US" dirty="0"/>
+              <a:rPr lang="en-US" sz="2000" b="1" dirty="0"/>
               <a:t>Quantifying TEs in population</a:t>
             </a:r>
           </a:p>
           <a:p>
             <a:pPr marL="285750" indent="-285750">
-              <a:lnSpc>
-                <a:spcPct val="150000"/>
-              </a:lnSpc>
               <a:buFont typeface="Arial" panose="020B0604020202020204" pitchFamily="34" charset="0"/>
               <a:buChar char="•"/>
             </a:pPr>
-            <a:endParaRPr lang="en-US" dirty="0"/>
+            <a:endParaRPr lang="en-US" sz="2000" b="1" dirty="0"/>
           </a:p>
           <a:p>
             <a:pPr marL="285750" indent="-285750">
-              <a:lnSpc>
-                <a:spcPct val="150000"/>
-              </a:lnSpc>
               <a:buFont typeface="Arial" panose="020B0604020202020204" pitchFamily="34" charset="0"/>
               <a:buChar char="•"/>
             </a:pPr>
             <a:r>
-              <a:rPr lang="en-US" dirty="0"/>
+              <a:rPr lang="en-US" sz="2000" b="1" dirty="0"/>
               <a:t>Quantifying TE load</a:t>
             </a:r>
           </a:p>
@@ -12608,8 +13283,8 @@
         </p:blipFill>
         <p:spPr>
           <a:xfrm>
-            <a:off x="7962713" y="4012160"/>
-            <a:ext cx="3958474" cy="2210577"/>
+            <a:off x="8155388" y="3715325"/>
+            <a:ext cx="3990102" cy="2228239"/>
           </a:xfrm>
           <a:prstGeom prst="rect">
             <a:avLst/>
@@ -12810,729 +13485,6 @@
     <p:extLst>
       <p:ext uri="{BB962C8B-B14F-4D97-AF65-F5344CB8AC3E}">
         <p14:creationId xmlns:p14="http://schemas.microsoft.com/office/powerpoint/2010/main" val="2220954849"/>
-      </p:ext>
-    </p:extLst>
-  </p:cSld>
-  <p:clrMapOvr>
-    <a:masterClrMapping/>
-  </p:clrMapOvr>
-</p:sld>
-</file>
-
-<file path=ppt/slides/slide8.xml><?xml version="1.0" encoding="utf-8"?>
-<p:sld xmlns:a="http://schemas.openxmlformats.org/drawingml/2006/main" xmlns:r="http://schemas.openxmlformats.org/officeDocument/2006/relationships" xmlns:p="http://schemas.openxmlformats.org/presentationml/2006/main">
-  <p:cSld>
-    <p:spTree>
-      <p:nvGrpSpPr>
-        <p:cNvPr id="1" name=""/>
-        <p:cNvGrpSpPr/>
-        <p:nvPr/>
-      </p:nvGrpSpPr>
-      <p:grpSpPr>
-        <a:xfrm>
-          <a:off x="0" y="0"/>
-          <a:ext cx="0" cy="0"/>
-          <a:chOff x="0" y="0"/>
-          <a:chExt cx="0" cy="0"/>
-        </a:xfrm>
-      </p:grpSpPr>
-      <p:pic>
-        <p:nvPicPr>
-          <p:cNvPr id="4" name="Picture 3">
-            <a:extLst>
-              <a:ext uri="{FF2B5EF4-FFF2-40B4-BE49-F238E27FC236}">
-                <a16:creationId xmlns:a16="http://schemas.microsoft.com/office/drawing/2014/main" id="{85C26172-6F3D-9635-6412-03A39EFE47DA}"/>
-              </a:ext>
-            </a:extLst>
-          </p:cNvPr>
-          <p:cNvPicPr>
-            <a:picLocks noChangeAspect="1"/>
-          </p:cNvPicPr>
-          <p:nvPr/>
-        </p:nvPicPr>
-        <p:blipFill rotWithShape="1">
-          <a:blip r:embed="rId2"/>
-          <a:srcRect r="62479"/>
-          <a:stretch/>
-        </p:blipFill>
-        <p:spPr>
-          <a:xfrm>
-            <a:off x="4512148" y="769754"/>
-            <a:ext cx="6654329" cy="2338682"/>
-          </a:xfrm>
-          <a:prstGeom prst="rect">
-            <a:avLst/>
-          </a:prstGeom>
-        </p:spPr>
-      </p:pic>
-      <p:pic>
-        <p:nvPicPr>
-          <p:cNvPr id="5" name="Picture 4">
-            <a:extLst>
-              <a:ext uri="{FF2B5EF4-FFF2-40B4-BE49-F238E27FC236}">
-                <a16:creationId xmlns:a16="http://schemas.microsoft.com/office/drawing/2014/main" id="{1DBCDCD2-F575-C35B-BDE0-A475D6120CC0}"/>
-              </a:ext>
-            </a:extLst>
-          </p:cNvPr>
-          <p:cNvPicPr>
-            <a:picLocks noChangeAspect="1"/>
-          </p:cNvPicPr>
-          <p:nvPr/>
-        </p:nvPicPr>
-        <p:blipFill rotWithShape="1">
-          <a:blip r:embed="rId2"/>
-          <a:srcRect l="37601"/>
-          <a:stretch/>
-        </p:blipFill>
-        <p:spPr>
-          <a:xfrm>
-            <a:off x="983483" y="4083269"/>
-            <a:ext cx="10182994" cy="2151993"/>
-          </a:xfrm>
-          <a:prstGeom prst="rect">
-            <a:avLst/>
-          </a:prstGeom>
-        </p:spPr>
-      </p:pic>
-      <p:sp>
-        <p:nvSpPr>
-          <p:cNvPr id="6" name="Rectangle 5">
-            <a:extLst>
-              <a:ext uri="{FF2B5EF4-FFF2-40B4-BE49-F238E27FC236}">
-                <a16:creationId xmlns:a16="http://schemas.microsoft.com/office/drawing/2014/main" id="{AF2EE1C9-DD33-1535-3DE3-CE3FD8C1019B}"/>
-              </a:ext>
-            </a:extLst>
-          </p:cNvPr>
-          <p:cNvSpPr/>
-          <p:nvPr/>
-        </p:nvSpPr>
-        <p:spPr>
-          <a:xfrm>
-            <a:off x="5825942" y="769754"/>
-            <a:ext cx="2028494" cy="856724"/>
-          </a:xfrm>
-          <a:prstGeom prst="rect">
-            <a:avLst/>
-          </a:prstGeom>
-          <a:noFill/>
-          <a:ln w="38100" cap="flat" cmpd="sng" algn="ctr">
-            <a:solidFill>
-              <a:srgbClr val="FF0000"/>
-            </a:solidFill>
-            <a:prstDash val="solid"/>
-            <a:round/>
-            <a:headEnd type="none" w="med" len="med"/>
-            <a:tailEnd type="none" w="med" len="med"/>
-          </a:ln>
-        </p:spPr>
-        <p:style>
-          <a:lnRef idx="0">
-            <a:scrgbClr r="0" g="0" b="0"/>
-          </a:lnRef>
-          <a:fillRef idx="0">
-            <a:scrgbClr r="0" g="0" b="0"/>
-          </a:fillRef>
-          <a:effectRef idx="0">
-            <a:scrgbClr r="0" g="0" b="0"/>
-          </a:effectRef>
-          <a:fontRef idx="minor">
-            <a:schemeClr val="accent2"/>
-          </a:fontRef>
-        </p:style>
-        <p:txBody>
-          <a:bodyPr rtlCol="0" anchor="ctr"/>
-          <a:lstStyle/>
-          <a:p>
-            <a:pPr algn="ctr"/>
-            <a:endParaRPr lang="en-CN"/>
-          </a:p>
-        </p:txBody>
-      </p:sp>
-      <p:sp>
-        <p:nvSpPr>
-          <p:cNvPr id="7" name="Rectangle 6">
-            <a:extLst>
-              <a:ext uri="{FF2B5EF4-FFF2-40B4-BE49-F238E27FC236}">
-                <a16:creationId xmlns:a16="http://schemas.microsoft.com/office/drawing/2014/main" id="{9AEDCBA7-7DE7-BC3A-C39F-6F1809676CBB}"/>
-              </a:ext>
-            </a:extLst>
-          </p:cNvPr>
-          <p:cNvSpPr/>
-          <p:nvPr/>
-        </p:nvSpPr>
-        <p:spPr>
-          <a:xfrm>
-            <a:off x="5825942" y="2385850"/>
-            <a:ext cx="2028495" cy="557048"/>
-          </a:xfrm>
-          <a:prstGeom prst="rect">
-            <a:avLst/>
-          </a:prstGeom>
-          <a:noFill/>
-          <a:ln w="38100" cap="flat" cmpd="sng" algn="ctr">
-            <a:solidFill>
-              <a:srgbClr val="FF0000"/>
-            </a:solidFill>
-            <a:prstDash val="solid"/>
-            <a:round/>
-            <a:headEnd type="none" w="med" len="med"/>
-            <a:tailEnd type="none" w="med" len="med"/>
-          </a:ln>
-        </p:spPr>
-        <p:style>
-          <a:lnRef idx="0">
-            <a:scrgbClr r="0" g="0" b="0"/>
-          </a:lnRef>
-          <a:fillRef idx="0">
-            <a:scrgbClr r="0" g="0" b="0"/>
-          </a:fillRef>
-          <a:effectRef idx="0">
-            <a:scrgbClr r="0" g="0" b="0"/>
-          </a:effectRef>
-          <a:fontRef idx="minor">
-            <a:schemeClr val="accent2"/>
-          </a:fontRef>
-        </p:style>
-        <p:txBody>
-          <a:bodyPr rtlCol="0" anchor="ctr"/>
-          <a:lstStyle/>
-          <a:p>
-            <a:pPr algn="ctr"/>
-            <a:endParaRPr lang="en-CN"/>
-          </a:p>
-        </p:txBody>
-      </p:sp>
-      <p:sp>
-        <p:nvSpPr>
-          <p:cNvPr id="8" name="Rectangle 7">
-            <a:extLst>
-              <a:ext uri="{FF2B5EF4-FFF2-40B4-BE49-F238E27FC236}">
-                <a16:creationId xmlns:a16="http://schemas.microsoft.com/office/drawing/2014/main" id="{423F713E-1599-FF9B-BB55-CA5AC56BE0B9}"/>
-              </a:ext>
-            </a:extLst>
-          </p:cNvPr>
-          <p:cNvSpPr/>
-          <p:nvPr/>
-        </p:nvSpPr>
-        <p:spPr>
-          <a:xfrm>
-            <a:off x="5825942" y="1740581"/>
-            <a:ext cx="2028494" cy="232738"/>
-          </a:xfrm>
-          <a:prstGeom prst="rect">
-            <a:avLst/>
-          </a:prstGeom>
-          <a:noFill/>
-          <a:ln w="38100" cap="flat" cmpd="sng" algn="ctr">
-            <a:solidFill>
-              <a:srgbClr val="FF0000"/>
-            </a:solidFill>
-            <a:prstDash val="solid"/>
-            <a:round/>
-            <a:headEnd type="none" w="med" len="med"/>
-            <a:tailEnd type="none" w="med" len="med"/>
-          </a:ln>
-        </p:spPr>
-        <p:style>
-          <a:lnRef idx="0">
-            <a:scrgbClr r="0" g="0" b="0"/>
-          </a:lnRef>
-          <a:fillRef idx="0">
-            <a:scrgbClr r="0" g="0" b="0"/>
-          </a:fillRef>
-          <a:effectRef idx="0">
-            <a:scrgbClr r="0" g="0" b="0"/>
-          </a:effectRef>
-          <a:fontRef idx="minor">
-            <a:schemeClr val="accent2"/>
-          </a:fontRef>
-        </p:style>
-        <p:txBody>
-          <a:bodyPr rtlCol="0" anchor="ctr"/>
-          <a:lstStyle/>
-          <a:p>
-            <a:pPr algn="ctr"/>
-            <a:endParaRPr lang="en-CN"/>
-          </a:p>
-        </p:txBody>
-      </p:sp>
-      <p:cxnSp>
-        <p:nvCxnSpPr>
-          <p:cNvPr id="10" name="Straight Arrow Connector 9">
-            <a:extLst>
-              <a:ext uri="{FF2B5EF4-FFF2-40B4-BE49-F238E27FC236}">
-                <a16:creationId xmlns:a16="http://schemas.microsoft.com/office/drawing/2014/main" id="{958E8A4C-6727-09CE-5863-B3C7B5BFC453}"/>
-              </a:ext>
-            </a:extLst>
-          </p:cNvPr>
-          <p:cNvCxnSpPr>
-            <a:cxnSpLocks/>
-          </p:cNvCxnSpPr>
-          <p:nvPr/>
-        </p:nvCxnSpPr>
-        <p:spPr>
-          <a:xfrm flipH="1">
-            <a:off x="3563008" y="1198116"/>
-            <a:ext cx="2165131" cy="511625"/>
-          </a:xfrm>
-          <a:prstGeom prst="straightConnector1">
-            <a:avLst/>
-          </a:prstGeom>
-          <a:ln w="38100">
-            <a:solidFill>
-              <a:srgbClr val="FF0000"/>
-            </a:solidFill>
-            <a:tailEnd type="triangle"/>
-          </a:ln>
-        </p:spPr>
-        <p:style>
-          <a:lnRef idx="3">
-            <a:schemeClr val="accent2"/>
-          </a:lnRef>
-          <a:fillRef idx="0">
-            <a:schemeClr val="accent2"/>
-          </a:fillRef>
-          <a:effectRef idx="2">
-            <a:schemeClr val="accent2"/>
-          </a:effectRef>
-          <a:fontRef idx="minor">
-            <a:schemeClr val="tx1"/>
-          </a:fontRef>
-        </p:style>
-      </p:cxnSp>
-      <p:cxnSp>
-        <p:nvCxnSpPr>
-          <p:cNvPr id="13" name="Straight Arrow Connector 12">
-            <a:extLst>
-              <a:ext uri="{FF2B5EF4-FFF2-40B4-BE49-F238E27FC236}">
-                <a16:creationId xmlns:a16="http://schemas.microsoft.com/office/drawing/2014/main" id="{0BF80760-A9D9-A3D3-ED95-375AC4093B91}"/>
-              </a:ext>
-            </a:extLst>
-          </p:cNvPr>
-          <p:cNvCxnSpPr>
-            <a:cxnSpLocks/>
-          </p:cNvCxnSpPr>
-          <p:nvPr/>
-        </p:nvCxnSpPr>
-        <p:spPr>
-          <a:xfrm flipH="1">
-            <a:off x="3563008" y="1844500"/>
-            <a:ext cx="2165131" cy="94595"/>
-          </a:xfrm>
-          <a:prstGeom prst="straightConnector1">
-            <a:avLst/>
-          </a:prstGeom>
-          <a:ln w="38100">
-            <a:solidFill>
-              <a:srgbClr val="FF0000"/>
-            </a:solidFill>
-            <a:tailEnd type="triangle"/>
-          </a:ln>
-        </p:spPr>
-        <p:style>
-          <a:lnRef idx="3">
-            <a:schemeClr val="accent2"/>
-          </a:lnRef>
-          <a:fillRef idx="0">
-            <a:schemeClr val="accent2"/>
-          </a:fillRef>
-          <a:effectRef idx="2">
-            <a:schemeClr val="accent2"/>
-          </a:effectRef>
-          <a:fontRef idx="minor">
-            <a:schemeClr val="tx1"/>
-          </a:fontRef>
-        </p:style>
-      </p:cxnSp>
-      <p:cxnSp>
-        <p:nvCxnSpPr>
-          <p:cNvPr id="15" name="Straight Arrow Connector 14">
-            <a:extLst>
-              <a:ext uri="{FF2B5EF4-FFF2-40B4-BE49-F238E27FC236}">
-                <a16:creationId xmlns:a16="http://schemas.microsoft.com/office/drawing/2014/main" id="{422308BC-3CAD-4C9B-21BC-307A83A452B0}"/>
-              </a:ext>
-            </a:extLst>
-          </p:cNvPr>
-          <p:cNvCxnSpPr>
-            <a:cxnSpLocks/>
-          </p:cNvCxnSpPr>
-          <p:nvPr/>
-        </p:nvCxnSpPr>
-        <p:spPr>
-          <a:xfrm flipH="1" flipV="1">
-            <a:off x="3563008" y="2138103"/>
-            <a:ext cx="2165130" cy="499582"/>
-          </a:xfrm>
-          <a:prstGeom prst="straightConnector1">
-            <a:avLst/>
-          </a:prstGeom>
-          <a:ln w="38100">
-            <a:solidFill>
-              <a:srgbClr val="FF0000"/>
-            </a:solidFill>
-            <a:tailEnd type="triangle"/>
-          </a:ln>
-        </p:spPr>
-        <p:style>
-          <a:lnRef idx="3">
-            <a:schemeClr val="accent2"/>
-          </a:lnRef>
-          <a:fillRef idx="0">
-            <a:schemeClr val="accent2"/>
-          </a:fillRef>
-          <a:effectRef idx="2">
-            <a:schemeClr val="accent2"/>
-          </a:effectRef>
-          <a:fontRef idx="minor">
-            <a:schemeClr val="tx1"/>
-          </a:fontRef>
-        </p:style>
-      </p:cxnSp>
-      <p:sp>
-        <p:nvSpPr>
-          <p:cNvPr id="17" name="TextBox 16">
-            <a:extLst>
-              <a:ext uri="{FF2B5EF4-FFF2-40B4-BE49-F238E27FC236}">
-                <a16:creationId xmlns:a16="http://schemas.microsoft.com/office/drawing/2014/main" id="{DB62AA2A-F235-98AE-72D2-B2398E295000}"/>
-              </a:ext>
-            </a:extLst>
-          </p:cNvPr>
-          <p:cNvSpPr txBox="1"/>
-          <p:nvPr/>
-        </p:nvSpPr>
-        <p:spPr>
-          <a:xfrm>
-            <a:off x="1615266" y="1413650"/>
-            <a:ext cx="1797269" cy="879087"/>
-          </a:xfrm>
-          <a:prstGeom prst="rect">
-            <a:avLst/>
-          </a:prstGeom>
-          <a:noFill/>
-        </p:spPr>
-        <p:txBody>
-          <a:bodyPr wrap="square" rtlCol="0">
-            <a:spAutoFit/>
-          </a:bodyPr>
-          <a:lstStyle/>
-          <a:p>
-            <a:pPr>
-              <a:lnSpc>
-                <a:spcPct val="150000"/>
-              </a:lnSpc>
-            </a:pPr>
-            <a:r>
-              <a:rPr lang="en-CN" dirty="0"/>
-              <a:t>一个LTR转座子的不同组成部分</a:t>
-            </a:r>
-          </a:p>
-        </p:txBody>
-      </p:sp>
-      <p:sp>
-        <p:nvSpPr>
-          <p:cNvPr id="18" name="Rectangle 17">
-            <a:extLst>
-              <a:ext uri="{FF2B5EF4-FFF2-40B4-BE49-F238E27FC236}">
-                <a16:creationId xmlns:a16="http://schemas.microsoft.com/office/drawing/2014/main" id="{BBE505A1-8DC2-2B2B-FFB5-ACD8856FDE03}"/>
-              </a:ext>
-            </a:extLst>
-          </p:cNvPr>
-          <p:cNvSpPr/>
-          <p:nvPr/>
-        </p:nvSpPr>
-        <p:spPr>
-          <a:xfrm>
-            <a:off x="7854436" y="1093833"/>
-            <a:ext cx="1228428" cy="511625"/>
-          </a:xfrm>
-          <a:prstGeom prst="rect">
-            <a:avLst/>
-          </a:prstGeom>
-          <a:noFill/>
-          <a:ln w="38100" cap="flat" cmpd="sng" algn="ctr">
-            <a:solidFill>
-              <a:schemeClr val="accent2"/>
-            </a:solidFill>
-            <a:prstDash val="solid"/>
-            <a:round/>
-            <a:headEnd type="none" w="med" len="med"/>
-            <a:tailEnd type="none" w="med" len="med"/>
-          </a:ln>
-        </p:spPr>
-        <p:style>
-          <a:lnRef idx="0">
-            <a:scrgbClr r="0" g="0" b="0"/>
-          </a:lnRef>
-          <a:fillRef idx="0">
-            <a:scrgbClr r="0" g="0" b="0"/>
-          </a:fillRef>
-          <a:effectRef idx="0">
-            <a:scrgbClr r="0" g="0" b="0"/>
-          </a:effectRef>
-          <a:fontRef idx="minor">
-            <a:schemeClr val="accent2"/>
-          </a:fontRef>
-        </p:style>
-        <p:txBody>
-          <a:bodyPr rtlCol="0" anchor="ctr"/>
-          <a:lstStyle/>
-          <a:p>
-            <a:pPr algn="ctr"/>
-            <a:endParaRPr lang="en-CN"/>
-          </a:p>
-        </p:txBody>
-      </p:sp>
-      <p:cxnSp>
-        <p:nvCxnSpPr>
-          <p:cNvPr id="19" name="Straight Arrow Connector 18">
-            <a:extLst>
-              <a:ext uri="{FF2B5EF4-FFF2-40B4-BE49-F238E27FC236}">
-                <a16:creationId xmlns:a16="http://schemas.microsoft.com/office/drawing/2014/main" id="{9DCD73DB-8EAB-1074-FABC-D2DAFD9A999E}"/>
-              </a:ext>
-            </a:extLst>
-          </p:cNvPr>
-          <p:cNvCxnSpPr>
-            <a:cxnSpLocks/>
-          </p:cNvCxnSpPr>
-          <p:nvPr/>
-        </p:nvCxnSpPr>
-        <p:spPr>
-          <a:xfrm flipH="1">
-            <a:off x="8229601" y="1672837"/>
-            <a:ext cx="239049" cy="1651060"/>
-          </a:xfrm>
-          <a:prstGeom prst="straightConnector1">
-            <a:avLst/>
-          </a:prstGeom>
-          <a:ln w="38100">
-            <a:solidFill>
-              <a:schemeClr val="accent2"/>
-            </a:solidFill>
-            <a:tailEnd type="triangle"/>
-          </a:ln>
-        </p:spPr>
-        <p:style>
-          <a:lnRef idx="3">
-            <a:schemeClr val="accent2"/>
-          </a:lnRef>
-          <a:fillRef idx="0">
-            <a:schemeClr val="accent2"/>
-          </a:fillRef>
-          <a:effectRef idx="2">
-            <a:schemeClr val="accent2"/>
-          </a:effectRef>
-          <a:fontRef idx="minor">
-            <a:schemeClr val="tx1"/>
-          </a:fontRef>
-        </p:style>
-      </p:cxnSp>
-      <p:sp>
-        <p:nvSpPr>
-          <p:cNvPr id="21" name="TextBox 20">
-            <a:extLst>
-              <a:ext uri="{FF2B5EF4-FFF2-40B4-BE49-F238E27FC236}">
-                <a16:creationId xmlns:a16="http://schemas.microsoft.com/office/drawing/2014/main" id="{CA1FAFFF-49E0-1334-AC31-A1CADA0CE206}"/>
-              </a:ext>
-            </a:extLst>
-          </p:cNvPr>
-          <p:cNvSpPr txBox="1"/>
-          <p:nvPr/>
-        </p:nvSpPr>
-        <p:spPr>
-          <a:xfrm>
-            <a:off x="1708894" y="3363802"/>
-            <a:ext cx="9347989" cy="464101"/>
-          </a:xfrm>
-          <a:prstGeom prst="rect">
-            <a:avLst/>
-          </a:prstGeom>
-          <a:noFill/>
-        </p:spPr>
-        <p:txBody>
-          <a:bodyPr wrap="square" rtlCol="0">
-            <a:spAutoFit/>
-          </a:bodyPr>
-          <a:lstStyle/>
-          <a:p>
-            <a:pPr>
-              <a:lnSpc>
-                <a:spcPct val="150000"/>
-              </a:lnSpc>
-            </a:pPr>
-            <a:r>
-              <a:rPr lang="en-CN" dirty="0"/>
-              <a:t>序列相同</a:t>
-            </a:r>
-            <a:r>
-              <a:rPr lang="zh-CN" altLang="en-US" dirty="0"/>
-              <a:t>，但注释的信息有差别，看起来像是不同软件做的结果放在了一起，没有合并</a:t>
-            </a:r>
-            <a:endParaRPr lang="en-CN" dirty="0"/>
-          </a:p>
-        </p:txBody>
-      </p:sp>
-      <p:sp>
-        <p:nvSpPr>
-          <p:cNvPr id="22" name="Rectangle 21">
-            <a:extLst>
-              <a:ext uri="{FF2B5EF4-FFF2-40B4-BE49-F238E27FC236}">
-                <a16:creationId xmlns:a16="http://schemas.microsoft.com/office/drawing/2014/main" id="{B4874FF2-5A58-A567-289B-AB38DC931C3A}"/>
-              </a:ext>
-            </a:extLst>
-          </p:cNvPr>
-          <p:cNvSpPr/>
-          <p:nvPr/>
-        </p:nvSpPr>
-        <p:spPr>
-          <a:xfrm>
-            <a:off x="3699641" y="4367605"/>
-            <a:ext cx="3447393" cy="531363"/>
-          </a:xfrm>
-          <a:prstGeom prst="rect">
-            <a:avLst/>
-          </a:prstGeom>
-          <a:noFill/>
-          <a:ln w="38100" cap="flat" cmpd="sng" algn="ctr">
-            <a:solidFill>
-              <a:schemeClr val="accent2"/>
-            </a:solidFill>
-            <a:prstDash val="solid"/>
-            <a:round/>
-            <a:headEnd type="none" w="med" len="med"/>
-            <a:tailEnd type="none" w="med" len="med"/>
-          </a:ln>
-        </p:spPr>
-        <p:style>
-          <a:lnRef idx="0">
-            <a:scrgbClr r="0" g="0" b="0"/>
-          </a:lnRef>
-          <a:fillRef idx="0">
-            <a:scrgbClr r="0" g="0" b="0"/>
-          </a:fillRef>
-          <a:effectRef idx="0">
-            <a:scrgbClr r="0" g="0" b="0"/>
-          </a:effectRef>
-          <a:fontRef idx="minor">
-            <a:schemeClr val="accent2"/>
-          </a:fontRef>
-        </p:style>
-        <p:txBody>
-          <a:bodyPr rtlCol="0" anchor="ctr"/>
-          <a:lstStyle/>
-          <a:p>
-            <a:pPr algn="ctr"/>
-            <a:endParaRPr lang="en-CN"/>
-          </a:p>
-        </p:txBody>
-      </p:sp>
-      <p:cxnSp>
-        <p:nvCxnSpPr>
-          <p:cNvPr id="23" name="Straight Arrow Connector 22">
-            <a:extLst>
-              <a:ext uri="{FF2B5EF4-FFF2-40B4-BE49-F238E27FC236}">
-                <a16:creationId xmlns:a16="http://schemas.microsoft.com/office/drawing/2014/main" id="{513FC081-6727-2EE8-0CDE-9E74ABA11D58}"/>
-              </a:ext>
-            </a:extLst>
-          </p:cNvPr>
-          <p:cNvCxnSpPr>
-            <a:cxnSpLocks/>
-          </p:cNvCxnSpPr>
-          <p:nvPr/>
-        </p:nvCxnSpPr>
-        <p:spPr>
-          <a:xfrm flipV="1">
-            <a:off x="5423337" y="3867808"/>
-            <a:ext cx="304801" cy="423938"/>
-          </a:xfrm>
-          <a:prstGeom prst="straightConnector1">
-            <a:avLst/>
-          </a:prstGeom>
-          <a:ln w="38100">
-            <a:solidFill>
-              <a:schemeClr val="accent2"/>
-            </a:solidFill>
-            <a:tailEnd type="triangle"/>
-          </a:ln>
-        </p:spPr>
-        <p:style>
-          <a:lnRef idx="3">
-            <a:schemeClr val="accent2"/>
-          </a:lnRef>
-          <a:fillRef idx="0">
-            <a:schemeClr val="accent2"/>
-          </a:fillRef>
-          <a:effectRef idx="2">
-            <a:schemeClr val="accent2"/>
-          </a:effectRef>
-          <a:fontRef idx="minor">
-            <a:schemeClr val="tx1"/>
-          </a:fontRef>
-        </p:style>
-      </p:cxnSp>
-    </p:spTree>
-    <p:extLst>
-      <p:ext uri="{BB962C8B-B14F-4D97-AF65-F5344CB8AC3E}">
-        <p14:creationId xmlns:p14="http://schemas.microsoft.com/office/powerpoint/2010/main" val="902515113"/>
-      </p:ext>
-    </p:extLst>
-  </p:cSld>
-  <p:clrMapOvr>
-    <a:masterClrMapping/>
-  </p:clrMapOvr>
-</p:sld>
-</file>
-
-<file path=ppt/slides/slide9.xml><?xml version="1.0" encoding="utf-8"?>
-<p:sld xmlns:a="http://schemas.openxmlformats.org/drawingml/2006/main" xmlns:r="http://schemas.openxmlformats.org/officeDocument/2006/relationships" xmlns:p="http://schemas.openxmlformats.org/presentationml/2006/main">
-  <p:cSld>
-    <p:spTree>
-      <p:nvGrpSpPr>
-        <p:cNvPr id="1" name=""/>
-        <p:cNvGrpSpPr/>
-        <p:nvPr/>
-      </p:nvGrpSpPr>
-      <p:grpSpPr>
-        <a:xfrm>
-          <a:off x="0" y="0"/>
-          <a:ext cx="0" cy="0"/>
-          <a:chOff x="0" y="0"/>
-          <a:chExt cx="0" cy="0"/>
-        </a:xfrm>
-      </p:grpSpPr>
-      <p:pic>
-        <p:nvPicPr>
-          <p:cNvPr id="25" name="Picture 24">
-            <a:extLst>
-              <a:ext uri="{FF2B5EF4-FFF2-40B4-BE49-F238E27FC236}">
-                <a16:creationId xmlns:a16="http://schemas.microsoft.com/office/drawing/2014/main" id="{1EE791BB-06A1-6A20-3DEA-6DBE9BB3C20D}"/>
-              </a:ext>
-            </a:extLst>
-          </p:cNvPr>
-          <p:cNvPicPr>
-            <a:picLocks noChangeAspect="1"/>
-          </p:cNvPicPr>
-          <p:nvPr/>
-        </p:nvPicPr>
-        <p:blipFill>
-          <a:blip r:embed="rId2"/>
-          <a:stretch>
-            <a:fillRect/>
-          </a:stretch>
-        </p:blipFill>
-        <p:spPr>
-          <a:xfrm>
-            <a:off x="2209800" y="924457"/>
-            <a:ext cx="7772400" cy="5009085"/>
-          </a:xfrm>
-          <a:prstGeom prst="rect">
-            <a:avLst/>
-          </a:prstGeom>
-        </p:spPr>
-      </p:pic>
-    </p:spTree>
-    <p:extLst>
-      <p:ext uri="{BB962C8B-B14F-4D97-AF65-F5344CB8AC3E}">
-        <p14:creationId xmlns:p14="http://schemas.microsoft.com/office/powerpoint/2010/main" val="143130777"/>
       </p:ext>
     </p:extLst>
   </p:cSld>
